--- a/CopingNPCompleteness.pptx
+++ b/CopingNPCompleteness.pptx
@@ -5,7 +5,7 @@
     <p:sldMasterId id="2147483673" r:id="rId1"/>
   </p:sldMasterIdLst>
   <p:notesMasterIdLst>
-    <p:notesMasterId r:id="rId18"/>
+    <p:notesMasterId r:id="rId19"/>
   </p:notesMasterIdLst>
   <p:sldIdLst>
     <p:sldId id="256" r:id="rId2"/>
@@ -24,6 +24,7 @@
     <p:sldId id="269" r:id="rId15"/>
     <p:sldId id="270" r:id="rId16"/>
     <p:sldId id="271" r:id="rId17"/>
+    <p:sldId id="272" r:id="rId18"/>
   </p:sldIdLst>
   <p:sldSz cx="9144000" cy="6858000" type="screen4x3"/>
   <p:notesSz cx="6858000" cy="9144000"/>
@@ -8263,6 +8264,90 @@
     <p:extLst>
       <p:ext uri="{BB962C8B-B14F-4D97-AF65-F5344CB8AC3E}">
         <p14:creationId xmlns:p14="http://schemas.microsoft.com/office/powerpoint/2010/main" val="3800986930"/>
+      </p:ext>
+    </p:extLst>
+  </p:cSld>
+  <p:clrMapOvr>
+    <a:masterClrMapping/>
+  </p:clrMapOvr>
+</p:sld>
+</file>
+
+<file path=ppt/slides/slide17.xml><?xml version="1.0" encoding="utf-8"?>
+<p:sld xmlns:a="http://schemas.openxmlformats.org/drawingml/2006/main" xmlns:r="http://schemas.openxmlformats.org/officeDocument/2006/relationships" xmlns:p="http://schemas.openxmlformats.org/presentationml/2006/main">
+  <p:cSld>
+    <p:spTree>
+      <p:nvGrpSpPr>
+        <p:cNvPr id="1" name=""/>
+        <p:cNvGrpSpPr/>
+        <p:nvPr/>
+      </p:nvGrpSpPr>
+      <p:grpSpPr>
+        <a:xfrm>
+          <a:off x="0" y="0"/>
+          <a:ext cx="0" cy="0"/>
+          <a:chOff x="0" y="0"/>
+          <a:chExt cx="0" cy="0"/>
+        </a:xfrm>
+      </p:grpSpPr>
+      <p:sp>
+        <p:nvSpPr>
+          <p:cNvPr id="2" name="タイトル 1">
+            <a:extLst>
+              <a:ext uri="{FF2B5EF4-FFF2-40B4-BE49-F238E27FC236}">
+                <a16:creationId xmlns:a16="http://schemas.microsoft.com/office/drawing/2014/main" id="{A4D315F5-7622-4A6B-B743-9D86E7314C37}"/>
+              </a:ext>
+            </a:extLst>
+          </p:cNvPr>
+          <p:cNvSpPr>
+            <a:spLocks noGrp="1"/>
+          </p:cNvSpPr>
+          <p:nvPr>
+            <p:ph type="title"/>
+          </p:nvPr>
+        </p:nvSpPr>
+        <p:spPr/>
+        <p:txBody>
+          <a:bodyPr/>
+          <a:lstStyle/>
+          <a:p>
+            <a:r>
+              <a:rPr kumimoji="1" lang="en-US" altLang="ja-JP" dirty="0"/>
+              <a:t>Branch-and-bound</a:t>
+            </a:r>
+            <a:endParaRPr kumimoji="1" lang="ja-JP" altLang="en-US" dirty="0"/>
+          </a:p>
+        </p:txBody>
+      </p:sp>
+      <p:sp>
+        <p:nvSpPr>
+          <p:cNvPr id="3" name="コンテンツ プレースホルダー 2">
+            <a:extLst>
+              <a:ext uri="{FF2B5EF4-FFF2-40B4-BE49-F238E27FC236}">
+                <a16:creationId xmlns:a16="http://schemas.microsoft.com/office/drawing/2014/main" id="{8ADC9EF2-5027-4A51-993A-A76286079FEC}"/>
+              </a:ext>
+            </a:extLst>
+          </p:cNvPr>
+          <p:cNvSpPr>
+            <a:spLocks noGrp="1"/>
+          </p:cNvSpPr>
+          <p:nvPr>
+            <p:ph sz="quarter" idx="1"/>
+          </p:nvPr>
+        </p:nvSpPr>
+        <p:spPr/>
+        <p:txBody>
+          <a:bodyPr/>
+          <a:lstStyle/>
+          <a:p>
+            <a:endParaRPr kumimoji="1" lang="ja-JP" altLang="en-US"/>
+          </a:p>
+        </p:txBody>
+      </p:sp>
+    </p:spTree>
+    <p:extLst>
+      <p:ext uri="{BB962C8B-B14F-4D97-AF65-F5344CB8AC3E}">
+        <p14:creationId xmlns:p14="http://schemas.microsoft.com/office/powerpoint/2010/main" val="1707095601"/>
       </p:ext>
     </p:extLst>
   </p:cSld>

--- a/CopingNPCompleteness.pptx
+++ b/CopingNPCompleteness.pptx
@@ -5,7 +5,7 @@
     <p:sldMasterId id="2147483673" r:id="rId1"/>
   </p:sldMasterIdLst>
   <p:notesMasterIdLst>
-    <p:notesMasterId r:id="rId19"/>
+    <p:notesMasterId r:id="rId27"/>
   </p:notesMasterIdLst>
   <p:sldIdLst>
     <p:sldId id="256" r:id="rId2"/>
@@ -25,6 +25,14 @@
     <p:sldId id="270" r:id="rId16"/>
     <p:sldId id="271" r:id="rId17"/>
     <p:sldId id="272" r:id="rId18"/>
+    <p:sldId id="273" r:id="rId19"/>
+    <p:sldId id="274" r:id="rId20"/>
+    <p:sldId id="275" r:id="rId21"/>
+    <p:sldId id="276" r:id="rId22"/>
+    <p:sldId id="277" r:id="rId23"/>
+    <p:sldId id="278" r:id="rId24"/>
+    <p:sldId id="279" r:id="rId25"/>
+    <p:sldId id="280" r:id="rId26"/>
   </p:sldIdLst>
   <p:sldSz cx="9144000" cy="6858000" type="screen4x3"/>
   <p:notesSz cx="6858000" cy="9144000"/>
@@ -224,7 +232,7 @@
           <a:p>
             <a:fld id="{69667410-63A9-4958-8162-C573CEF45551}" type="datetimeFigureOut">
               <a:rPr kumimoji="1" lang="ja-JP" altLang="en-US" smtClean="0"/>
-              <a:t>2018/12/10</a:t>
+              <a:t>2018/12/11</a:t>
             </a:fld>
             <a:endParaRPr kumimoji="1" lang="ja-JP" altLang="en-US"/>
           </a:p>
@@ -1059,6 +1067,196 @@
     <p:extLst>
       <p:ext uri="{BB962C8B-B14F-4D97-AF65-F5344CB8AC3E}">
         <p14:creationId xmlns:p14="http://schemas.microsoft.com/office/powerpoint/2010/main" val="2312639754"/>
+      </p:ext>
+    </p:extLst>
+  </p:cSld>
+  <p:clrMapOvr>
+    <a:masterClrMapping/>
+  </p:clrMapOvr>
+</p:notes>
+</file>
+
+<file path=ppt/notesSlides/notesSlide6.xml><?xml version="1.0" encoding="utf-8"?>
+<p:notes xmlns:a="http://schemas.openxmlformats.org/drawingml/2006/main" xmlns:r="http://schemas.openxmlformats.org/officeDocument/2006/relationships" xmlns:p="http://schemas.openxmlformats.org/presentationml/2006/main">
+  <p:cSld>
+    <p:spTree>
+      <p:nvGrpSpPr>
+        <p:cNvPr id="1" name=""/>
+        <p:cNvGrpSpPr/>
+        <p:nvPr/>
+      </p:nvGrpSpPr>
+      <p:grpSpPr>
+        <a:xfrm>
+          <a:off x="0" y="0"/>
+          <a:ext cx="0" cy="0"/>
+          <a:chOff x="0" y="0"/>
+          <a:chExt cx="0" cy="0"/>
+        </a:xfrm>
+      </p:grpSpPr>
+      <p:sp>
+        <p:nvSpPr>
+          <p:cNvPr id="2" name="スライド イメージ プレースホルダー 1"/>
+          <p:cNvSpPr>
+            <a:spLocks noGrp="1" noRot="1" noChangeAspect="1"/>
+          </p:cNvSpPr>
+          <p:nvPr>
+            <p:ph type="sldImg"/>
+          </p:nvPr>
+        </p:nvSpPr>
+        <p:spPr/>
+      </p:sp>
+      <p:sp>
+        <p:nvSpPr>
+          <p:cNvPr id="3" name="ノート プレースホルダー 2"/>
+          <p:cNvSpPr>
+            <a:spLocks noGrp="1"/>
+          </p:cNvSpPr>
+          <p:nvPr>
+            <p:ph type="body" idx="1"/>
+          </p:nvPr>
+        </p:nvSpPr>
+        <p:spPr/>
+        <p:txBody>
+          <a:bodyPr/>
+          <a:lstStyle/>
+          <a:p>
+            <a:r>
+              <a:rPr kumimoji="1" lang="ja-JP" altLang="en-US" dirty="0"/>
+              <a:t>下界はどう頑張ってもそれ以上のコストはかかってしまうというコストのこと</a:t>
+            </a:r>
+          </a:p>
+        </p:txBody>
+      </p:sp>
+      <p:sp>
+        <p:nvSpPr>
+          <p:cNvPr id="4" name="スライド番号プレースホルダー 3"/>
+          <p:cNvSpPr>
+            <a:spLocks noGrp="1"/>
+          </p:cNvSpPr>
+          <p:nvPr>
+            <p:ph type="sldNum" sz="quarter" idx="10"/>
+          </p:nvPr>
+        </p:nvSpPr>
+        <p:spPr/>
+        <p:txBody>
+          <a:bodyPr/>
+          <a:lstStyle/>
+          <a:p>
+            <a:fld id="{AE92C377-A34B-4878-9BA4-E5F39997C2D0}" type="slidenum">
+              <a:rPr kumimoji="1" lang="ja-JP" altLang="en-US" smtClean="0"/>
+              <a:t>18</a:t>
+            </a:fld>
+            <a:endParaRPr kumimoji="1" lang="ja-JP" altLang="en-US"/>
+          </a:p>
+        </p:txBody>
+      </p:sp>
+    </p:spTree>
+    <p:extLst>
+      <p:ext uri="{BB962C8B-B14F-4D97-AF65-F5344CB8AC3E}">
+        <p14:creationId xmlns:p14="http://schemas.microsoft.com/office/powerpoint/2010/main" val="1912151707"/>
+      </p:ext>
+    </p:extLst>
+  </p:cSld>
+  <p:clrMapOvr>
+    <a:masterClrMapping/>
+  </p:clrMapOvr>
+</p:notes>
+</file>
+
+<file path=ppt/notesSlides/notesSlide7.xml><?xml version="1.0" encoding="utf-8"?>
+<p:notes xmlns:a="http://schemas.openxmlformats.org/drawingml/2006/main" xmlns:r="http://schemas.openxmlformats.org/officeDocument/2006/relationships" xmlns:p="http://schemas.openxmlformats.org/presentationml/2006/main">
+  <p:cSld>
+    <p:spTree>
+      <p:nvGrpSpPr>
+        <p:cNvPr id="1" name=""/>
+        <p:cNvGrpSpPr/>
+        <p:nvPr/>
+      </p:nvGrpSpPr>
+      <p:grpSpPr>
+        <a:xfrm>
+          <a:off x="0" y="0"/>
+          <a:ext cx="0" cy="0"/>
+          <a:chOff x="0" y="0"/>
+          <a:chExt cx="0" cy="0"/>
+        </a:xfrm>
+      </p:grpSpPr>
+      <p:sp>
+        <p:nvSpPr>
+          <p:cNvPr id="2" name="スライド イメージ プレースホルダー 1"/>
+          <p:cNvSpPr>
+            <a:spLocks noGrp="1" noRot="1" noChangeAspect="1"/>
+          </p:cNvSpPr>
+          <p:nvPr>
+            <p:ph type="sldImg"/>
+          </p:nvPr>
+        </p:nvSpPr>
+        <p:spPr/>
+      </p:sp>
+      <p:sp>
+        <p:nvSpPr>
+          <p:cNvPr id="3" name="ノート プレースホルダー 2"/>
+          <p:cNvSpPr>
+            <a:spLocks noGrp="1"/>
+          </p:cNvSpPr>
+          <p:nvPr>
+            <p:ph type="body" idx="1"/>
+          </p:nvPr>
+        </p:nvSpPr>
+        <p:spPr/>
+        <p:txBody>
+          <a:bodyPr/>
+          <a:lstStyle/>
+          <a:p>
+            <a:r>
+              <a:rPr kumimoji="1" lang="ja-JP" altLang="en-US" dirty="0"/>
+              <a:t>グラフ</a:t>
+            </a:r>
+            <a:r>
+              <a:rPr kumimoji="1" lang="en-US" altLang="ja-JP" dirty="0"/>
+              <a:t>G,</a:t>
+            </a:r>
+            <a:r>
+              <a:rPr kumimoji="1" lang="ja-JP" altLang="en-US" dirty="0"/>
+              <a:t>各辺のコストは</a:t>
+            </a:r>
+            <a:r>
+              <a:rPr kumimoji="1" lang="en-US" altLang="ja-JP" dirty="0"/>
+              <a:t>0</a:t>
+            </a:r>
+            <a:r>
+              <a:rPr kumimoji="1" lang="ja-JP" altLang="en-US" dirty="0"/>
+              <a:t>より大きい</a:t>
+            </a:r>
+          </a:p>
+        </p:txBody>
+      </p:sp>
+      <p:sp>
+        <p:nvSpPr>
+          <p:cNvPr id="4" name="スライド番号プレースホルダー 3"/>
+          <p:cNvSpPr>
+            <a:spLocks noGrp="1"/>
+          </p:cNvSpPr>
+          <p:nvPr>
+            <p:ph type="sldNum" sz="quarter" idx="10"/>
+          </p:nvPr>
+        </p:nvSpPr>
+        <p:spPr/>
+        <p:txBody>
+          <a:bodyPr/>
+          <a:lstStyle/>
+          <a:p>
+            <a:fld id="{AE92C377-A34B-4878-9BA4-E5F39997C2D0}" type="slidenum">
+              <a:rPr kumimoji="1" lang="ja-JP" altLang="en-US" smtClean="0"/>
+              <a:t>19</a:t>
+            </a:fld>
+            <a:endParaRPr kumimoji="1" lang="ja-JP" altLang="en-US"/>
+          </a:p>
+        </p:txBody>
+      </p:sp>
+    </p:spTree>
+    <p:extLst>
+      <p:ext uri="{BB962C8B-B14F-4D97-AF65-F5344CB8AC3E}">
+        <p14:creationId xmlns:p14="http://schemas.microsoft.com/office/powerpoint/2010/main" val="2653603309"/>
       </p:ext>
     </p:extLst>
   </p:cSld>
@@ -5598,8 +5796,8 @@
           </a:p>
         </p:txBody>
       </p:sp>
-      <mc:AlternateContent xmlns:mc="http://schemas.openxmlformats.org/markup-compatibility/2006">
-        <mc:Choice xmlns:a14="http://schemas.microsoft.com/office/drawing/2010/main" Requires="a14">
+      <mc:AlternateContent xmlns:mc="http://schemas.openxmlformats.org/markup-compatibility/2006" xmlns:a14="http://schemas.microsoft.com/office/drawing/2010/main">
+        <mc:Choice Requires="a14">
           <p:sp>
             <p:nvSpPr>
               <p:cNvPr id="3" name="コンテンツ プレースホルダー 2">
@@ -5982,7 +6180,7 @@
             </p:txBody>
           </p:sp>
         </mc:Choice>
-        <mc:Fallback>
+        <mc:Fallback xmlns="">
           <p:sp>
             <p:nvSpPr>
               <p:cNvPr id="3" name="コンテンツ プレースホルダー 2">
@@ -6220,8 +6418,8 @@
           </a:p>
         </p:txBody>
       </p:sp>
-      <mc:AlternateContent xmlns:mc="http://schemas.openxmlformats.org/markup-compatibility/2006">
-        <mc:Choice xmlns:a14="http://schemas.microsoft.com/office/drawing/2010/main" Requires="a14">
+      <mc:AlternateContent xmlns:mc="http://schemas.openxmlformats.org/markup-compatibility/2006" xmlns:a14="http://schemas.microsoft.com/office/drawing/2010/main">
+        <mc:Choice Requires="a14">
           <p:sp>
             <p:nvSpPr>
               <p:cNvPr id="3" name="コンテンツ プレースホルダー 2">
@@ -6267,7 +6465,7 @@
             </p:txBody>
           </p:sp>
         </mc:Choice>
-        <mc:Fallback>
+        <mc:Fallback xmlns="">
           <p:sp>
             <p:nvSpPr>
               <p:cNvPr id="3" name="コンテンツ プレースホルダー 2">
@@ -6666,8 +6864,8 @@
           </a:p>
         </p:txBody>
       </p:sp>
-      <mc:AlternateContent xmlns:mc="http://schemas.openxmlformats.org/markup-compatibility/2006">
-        <mc:Choice xmlns:a14="http://schemas.microsoft.com/office/drawing/2010/main" Requires="a14">
+      <mc:AlternateContent xmlns:mc="http://schemas.openxmlformats.org/markup-compatibility/2006" xmlns:a14="http://schemas.microsoft.com/office/drawing/2010/main">
+        <mc:Choice Requires="a14">
           <p:sp>
             <p:nvSpPr>
               <p:cNvPr id="3" name="コンテンツ プレースホルダー 2">
@@ -6740,7 +6938,7 @@
             </p:txBody>
           </p:sp>
         </mc:Choice>
-        <mc:Fallback>
+        <mc:Fallback xmlns="">
           <p:sp>
             <p:nvSpPr>
               <p:cNvPr id="3" name="コンテンツ プレースホルダー 2">
@@ -6963,8 +7161,8 @@
           </a:p>
         </p:txBody>
       </p:sp>
-      <mc:AlternateContent xmlns:mc="http://schemas.openxmlformats.org/markup-compatibility/2006">
-        <mc:Choice xmlns:a14="http://schemas.microsoft.com/office/drawing/2010/main" Requires="a14">
+      <mc:AlternateContent xmlns:mc="http://schemas.openxmlformats.org/markup-compatibility/2006" xmlns:a14="http://schemas.microsoft.com/office/drawing/2010/main">
+        <mc:Choice Requires="a14">
           <p:sp>
             <p:nvSpPr>
               <p:cNvPr id="3" name="コンテンツ プレースホルダー 2">
@@ -7182,7 +7380,7 @@
             </p:txBody>
           </p:sp>
         </mc:Choice>
-        <mc:Fallback>
+        <mc:Fallback xmlns="">
           <p:sp>
             <p:nvSpPr>
               <p:cNvPr id="3" name="コンテンツ プレースホルダー 2">
@@ -7876,9 +8074,10 @@
                   <a:rPr kumimoji="1" lang="ja-JP" altLang="en-US" dirty="0"/>
                   <a:t>の場合は、</a:t>
                 </a:r>
-                <a:br>
-                  <a:rPr kumimoji="1" lang="en-US" altLang="ja-JP" dirty="0"/>
-                </a:br>
+                <a:endParaRPr lang="en-US" altLang="ja-JP" dirty="0"/>
+              </a:p>
+              <a:p>
+                <a:pPr lvl="1"/>
                 <a:r>
                   <a:rPr kumimoji="1" lang="en-US" altLang="ja-JP" dirty="0"/>
                   <a:t>subproblem</a:t>
@@ -7891,9 +8090,9 @@
                   <a:rPr kumimoji="1" lang="en-US" altLang="ja-JP" dirty="0"/>
                   <a:t>failure</a:t>
                 </a:r>
-                <a:br>
-                  <a:rPr kumimoji="1" lang="en-US" altLang="ja-JP" dirty="0"/>
-                </a:br>
+              </a:p>
+              <a:p>
+                <a:pPr lvl="1"/>
                 <a:r>
                   <a:rPr kumimoji="1" lang="en-US" altLang="ja-JP" dirty="0"/>
                   <a:t>subproblem</a:t>
@@ -7906,9 +8105,9 @@
                   <a:rPr kumimoji="1" lang="en-US" altLang="ja-JP" dirty="0"/>
                   <a:t>success</a:t>
                 </a:r>
-                <a:br>
-                  <a:rPr kumimoji="1" lang="en-US" altLang="ja-JP" dirty="0"/>
-                </a:br>
+              </a:p>
+              <a:p>
+                <a:pPr lvl="1"/>
                 <a:r>
                   <a:rPr kumimoji="1" lang="ja-JP" altLang="en-US" dirty="0"/>
                   <a:t>それ以外のときは</a:t>
@@ -7946,7 +8145,7 @@
               <a:blipFill>
                 <a:blip r:embed="rId2"/>
                 <a:stretch>
-                  <a:fillRect l="-139" t="-580"/>
+                  <a:fillRect l="-139" t="-580" b="-1508"/>
                 </a:stretch>
               </a:blipFill>
             </p:spPr>
@@ -8147,6 +8346,10 @@
                 <a:endParaRPr lang="en-US" altLang="ja-JP" dirty="0"/>
               </a:p>
               <a:p>
+                <a:r>
+                  <a:rPr kumimoji="1" lang="ja-JP" altLang="en-US" dirty="0"/>
+                  <a:t>ただし、</a:t>
+                </a:r>
                 <a:r>
                   <a:rPr kumimoji="1" lang="en-US" altLang="ja-JP" dirty="0"/>
                   <a:t>2SAT</a:t>
@@ -8340,7 +8543,117 @@
           <a:bodyPr/>
           <a:lstStyle/>
           <a:p>
-            <a:endParaRPr kumimoji="1" lang="ja-JP" altLang="en-US"/>
+            <a:r>
+              <a:rPr kumimoji="1" lang="en-US" altLang="ja-JP" dirty="0"/>
+              <a:t>Backtracking</a:t>
+            </a:r>
+            <a:r>
+              <a:rPr lang="ja-JP" altLang="en-US" dirty="0"/>
+              <a:t>と同じ要領で、</a:t>
+            </a:r>
+            <a:r>
+              <a:rPr kumimoji="1" lang="ja-JP" altLang="en-US" dirty="0"/>
+              <a:t>最適化問題が解ける</a:t>
+            </a:r>
+            <a:endParaRPr kumimoji="1" lang="en-US" altLang="ja-JP" dirty="0"/>
+          </a:p>
+          <a:p>
+            <a:r>
+              <a:rPr kumimoji="1" lang="ja-JP" altLang="en-US" dirty="0"/>
+              <a:t>具体的には最小化問題を解いてみる</a:t>
+            </a:r>
+            <a:br>
+              <a:rPr kumimoji="1" lang="en-US" altLang="ja-JP" dirty="0"/>
+            </a:br>
+            <a:r>
+              <a:rPr kumimoji="1" lang="en-US" altLang="ja-JP" dirty="0"/>
+              <a:t>(</a:t>
+            </a:r>
+            <a:r>
+              <a:rPr kumimoji="1" lang="ja-JP" altLang="en-US" dirty="0"/>
+              <a:t>最大化問題でも同じことをするだけ</a:t>
+            </a:r>
+            <a:r>
+              <a:rPr kumimoji="1" lang="en-US" altLang="ja-JP" dirty="0"/>
+              <a:t>)</a:t>
+            </a:r>
+          </a:p>
+          <a:p>
+            <a:r>
+              <a:rPr kumimoji="1" lang="ja-JP" altLang="en-US" dirty="0"/>
+              <a:t>探索空間を削除したいので、「ある</a:t>
+            </a:r>
+            <a:r>
+              <a:rPr lang="en-US" altLang="ja-JP" dirty="0"/>
+              <a:t>subproblem</a:t>
+            </a:r>
+            <a:r>
+              <a:rPr lang="ja-JP" altLang="en-US" dirty="0"/>
+              <a:t>が絶対に</a:t>
+            </a:r>
+            <a:br>
+              <a:rPr lang="en-US" altLang="ja-JP" dirty="0"/>
+            </a:br>
+            <a:r>
+              <a:rPr lang="ja-JP" altLang="en-US" dirty="0"/>
+              <a:t>解に含まれない」</a:t>
+            </a:r>
+            <a:r>
+              <a:rPr lang="ja-JP" altLang="en-US" dirty="0" err="1"/>
+              <a:t>かを</a:t>
+            </a:r>
+            <a:r>
+              <a:rPr lang="ja-JP" altLang="en-US" dirty="0"/>
+              <a:t>分かる必要がある</a:t>
+            </a:r>
+            <a:endParaRPr lang="en-US" altLang="ja-JP" dirty="0"/>
+          </a:p>
+          <a:p>
+            <a:r>
+              <a:rPr lang="ja-JP" altLang="en-US" dirty="0"/>
+              <a:t>既に分かっている暫定的な解のコストよりも、今調べている</a:t>
+            </a:r>
+            <a:r>
+              <a:rPr lang="en-US" altLang="ja-JP" dirty="0"/>
+              <a:t>subproblem</a:t>
+            </a:r>
+            <a:r>
+              <a:rPr lang="ja-JP" altLang="en-US" dirty="0"/>
+              <a:t>のコストのほうが大きければ削除できる</a:t>
+            </a:r>
+            <a:endParaRPr lang="en-US" altLang="ja-JP" dirty="0"/>
+          </a:p>
+          <a:p>
+            <a:r>
+              <a:rPr kumimoji="1" lang="ja-JP" altLang="en-US" dirty="0"/>
+              <a:t>しかし、</a:t>
+            </a:r>
+            <a:r>
+              <a:rPr kumimoji="1" lang="en-US" altLang="ja-JP" dirty="0"/>
+              <a:t>subproblem</a:t>
+            </a:r>
+            <a:r>
+              <a:rPr kumimoji="1" lang="ja-JP" altLang="en-US" dirty="0"/>
+              <a:t>の正確なコストを効率的、</a:t>
+            </a:r>
+            <a:br>
+              <a:rPr kumimoji="1" lang="en-US" altLang="ja-JP" dirty="0"/>
+            </a:br>
+            <a:r>
+              <a:rPr kumimoji="1" lang="ja-JP" altLang="en-US" dirty="0"/>
+              <a:t>または高速に計算する</a:t>
+            </a:r>
+            <a:r>
+              <a:rPr lang="ja-JP" altLang="en-US" dirty="0"/>
+              <a:t>方法はわからない</a:t>
+            </a:r>
+            <a:endParaRPr lang="en-US" altLang="ja-JP" dirty="0"/>
+          </a:p>
+          <a:p>
+            <a:r>
+              <a:rPr kumimoji="1" lang="ja-JP" altLang="en-US" dirty="0"/>
+              <a:t>その代わりに、下界というものを用いる</a:t>
+            </a:r>
           </a:p>
         </p:txBody>
       </p:sp>
@@ -8348,6 +8661,955 @@
     <p:extLst>
       <p:ext uri="{BB962C8B-B14F-4D97-AF65-F5344CB8AC3E}">
         <p14:creationId xmlns:p14="http://schemas.microsoft.com/office/powerpoint/2010/main" val="1707095601"/>
+      </p:ext>
+    </p:extLst>
+  </p:cSld>
+  <p:clrMapOvr>
+    <a:masterClrMapping/>
+  </p:clrMapOvr>
+</p:sld>
+</file>
+
+<file path=ppt/slides/slide18.xml><?xml version="1.0" encoding="utf-8"?>
+<p:sld xmlns:a="http://schemas.openxmlformats.org/drawingml/2006/main" xmlns:r="http://schemas.openxmlformats.org/officeDocument/2006/relationships" xmlns:p="http://schemas.openxmlformats.org/presentationml/2006/main">
+  <p:cSld>
+    <p:spTree>
+      <p:nvGrpSpPr>
+        <p:cNvPr id="1" name=""/>
+        <p:cNvGrpSpPr/>
+        <p:nvPr/>
+      </p:nvGrpSpPr>
+      <p:grpSpPr>
+        <a:xfrm>
+          <a:off x="0" y="0"/>
+          <a:ext cx="0" cy="0"/>
+          <a:chOff x="0" y="0"/>
+          <a:chExt cx="0" cy="0"/>
+        </a:xfrm>
+      </p:grpSpPr>
+      <p:sp>
+        <p:nvSpPr>
+          <p:cNvPr id="2" name="タイトル 1">
+            <a:extLst>
+              <a:ext uri="{FF2B5EF4-FFF2-40B4-BE49-F238E27FC236}">
+                <a16:creationId xmlns:a16="http://schemas.microsoft.com/office/drawing/2014/main" id="{3D75689F-8E16-45C1-BCDB-0F3F59859F93}"/>
+              </a:ext>
+            </a:extLst>
+          </p:cNvPr>
+          <p:cNvSpPr>
+            <a:spLocks noGrp="1"/>
+          </p:cNvSpPr>
+          <p:nvPr>
+            <p:ph type="title"/>
+          </p:nvPr>
+        </p:nvSpPr>
+        <p:spPr/>
+        <p:txBody>
+          <a:bodyPr/>
+          <a:lstStyle/>
+          <a:p>
+            <a:r>
+              <a:rPr kumimoji="1" lang="en-US" altLang="ja-JP" dirty="0"/>
+              <a:t>Branch-and-bound</a:t>
+            </a:r>
+            <a:endParaRPr kumimoji="1" lang="ja-JP" altLang="en-US" dirty="0"/>
+          </a:p>
+        </p:txBody>
+      </p:sp>
+      <p:sp>
+        <p:nvSpPr>
+          <p:cNvPr id="3" name="コンテンツ プレースホルダー 2">
+            <a:extLst>
+              <a:ext uri="{FF2B5EF4-FFF2-40B4-BE49-F238E27FC236}">
+                <a16:creationId xmlns:a16="http://schemas.microsoft.com/office/drawing/2014/main" id="{77EE6366-34CD-45A2-9825-1F4C121EC9FF}"/>
+              </a:ext>
+            </a:extLst>
+          </p:cNvPr>
+          <p:cNvSpPr>
+            <a:spLocks noGrp="1"/>
+          </p:cNvSpPr>
+          <p:nvPr>
+            <p:ph sz="quarter" idx="1"/>
+          </p:nvPr>
+        </p:nvSpPr>
+        <p:spPr/>
+        <p:txBody>
+          <a:bodyPr/>
+          <a:lstStyle/>
+          <a:p>
+            <a:r>
+              <a:rPr kumimoji="1" lang="ja-JP" altLang="en-US" dirty="0"/>
+              <a:t>下界とは</a:t>
+            </a:r>
+            <a:endParaRPr kumimoji="1" lang="en-US" altLang="ja-JP" dirty="0"/>
+          </a:p>
+          <a:p>
+            <a:pPr lvl="1"/>
+            <a:r>
+              <a:rPr lang="ja-JP" altLang="en-US" dirty="0"/>
+              <a:t>それより小さい元が、着目する集合の元には無いとき、それをこの集合の</a:t>
+            </a:r>
+            <a:r>
+              <a:rPr lang="en-US" altLang="ja-JP" dirty="0"/>
+              <a:t>(</a:t>
+            </a:r>
+            <a:r>
+              <a:rPr lang="ja-JP" altLang="en-US" dirty="0"/>
+              <a:t>一つの</a:t>
+            </a:r>
+            <a:r>
+              <a:rPr lang="en-US" altLang="ja-JP" dirty="0"/>
+              <a:t>)</a:t>
+            </a:r>
+            <a:r>
+              <a:rPr lang="ja-JP" altLang="en-US" dirty="0"/>
+              <a:t>下界と言う</a:t>
+            </a:r>
+            <a:endParaRPr lang="en-US" altLang="ja-JP" dirty="0"/>
+          </a:p>
+          <a:p>
+            <a:r>
+              <a:rPr lang="ja-JP" altLang="en-US" dirty="0"/>
+              <a:t>下界を用いて以下のような実装をすれば、</a:t>
+            </a:r>
+            <a:br>
+              <a:rPr lang="en-US" altLang="ja-JP" dirty="0"/>
+            </a:br>
+            <a:r>
+              <a:rPr lang="ja-JP" altLang="en-US" dirty="0"/>
+              <a:t>最小化問題が解ける</a:t>
+            </a:r>
+            <a:endParaRPr kumimoji="1" lang="ja-JP" altLang="en-US" dirty="0"/>
+          </a:p>
+        </p:txBody>
+      </p:sp>
+      <p:pic>
+        <p:nvPicPr>
+          <p:cNvPr id="5" name="図 4">
+            <a:extLst>
+              <a:ext uri="{FF2B5EF4-FFF2-40B4-BE49-F238E27FC236}">
+                <a16:creationId xmlns:a16="http://schemas.microsoft.com/office/drawing/2014/main" id="{A6E80601-82D4-4D82-BFB5-0EB484CAB794}"/>
+              </a:ext>
+            </a:extLst>
+          </p:cNvPr>
+          <p:cNvPicPr>
+            <a:picLocks noChangeAspect="1"/>
+          </p:cNvPicPr>
+          <p:nvPr/>
+        </p:nvPicPr>
+        <p:blipFill>
+          <a:blip r:embed="rId3">
+            <a:extLst>
+              <a:ext uri="{28A0092B-C50C-407E-A947-70E740481C1C}">
+                <a14:useLocalDpi xmlns:a14="http://schemas.microsoft.com/office/drawing/2010/main" val="0"/>
+              </a:ext>
+            </a:extLst>
+          </a:blip>
+          <a:stretch>
+            <a:fillRect/>
+          </a:stretch>
+        </p:blipFill>
+        <p:spPr>
+          <a:xfrm>
+            <a:off x="693174" y="3576464"/>
+            <a:ext cx="7757652" cy="2532457"/>
+          </a:xfrm>
+          <a:prstGeom prst="rect">
+            <a:avLst/>
+          </a:prstGeom>
+        </p:spPr>
+      </p:pic>
+    </p:spTree>
+    <p:extLst>
+      <p:ext uri="{BB962C8B-B14F-4D97-AF65-F5344CB8AC3E}">
+        <p14:creationId xmlns:p14="http://schemas.microsoft.com/office/powerpoint/2010/main" val="4107005092"/>
+      </p:ext>
+    </p:extLst>
+  </p:cSld>
+  <p:clrMapOvr>
+    <a:masterClrMapping/>
+  </p:clrMapOvr>
+</p:sld>
+</file>
+
+<file path=ppt/slides/slide19.xml><?xml version="1.0" encoding="utf-8"?>
+<p:sld xmlns:a="http://schemas.openxmlformats.org/drawingml/2006/main" xmlns:r="http://schemas.openxmlformats.org/officeDocument/2006/relationships" xmlns:p="http://schemas.openxmlformats.org/presentationml/2006/main">
+  <p:cSld>
+    <p:spTree>
+      <p:nvGrpSpPr>
+        <p:cNvPr id="1" name=""/>
+        <p:cNvGrpSpPr/>
+        <p:nvPr/>
+      </p:nvGrpSpPr>
+      <p:grpSpPr>
+        <a:xfrm>
+          <a:off x="0" y="0"/>
+          <a:ext cx="0" cy="0"/>
+          <a:chOff x="0" y="0"/>
+          <a:chExt cx="0" cy="0"/>
+        </a:xfrm>
+      </p:grpSpPr>
+      <p:sp>
+        <p:nvSpPr>
+          <p:cNvPr id="2" name="タイトル 1">
+            <a:extLst>
+              <a:ext uri="{FF2B5EF4-FFF2-40B4-BE49-F238E27FC236}">
+                <a16:creationId xmlns:a16="http://schemas.microsoft.com/office/drawing/2014/main" id="{A4F17D75-92F1-4513-8748-7D13CAFAFBA5}"/>
+              </a:ext>
+            </a:extLst>
+          </p:cNvPr>
+          <p:cNvSpPr>
+            <a:spLocks noGrp="1"/>
+          </p:cNvSpPr>
+          <p:nvPr>
+            <p:ph type="title"/>
+          </p:nvPr>
+        </p:nvSpPr>
+        <p:spPr/>
+        <p:txBody>
+          <a:bodyPr/>
+          <a:lstStyle/>
+          <a:p>
+            <a:r>
+              <a:rPr kumimoji="1" lang="en-US" altLang="ja-JP" dirty="0"/>
+              <a:t>Brach-and-bound</a:t>
+            </a:r>
+            <a:endParaRPr kumimoji="1" lang="ja-JP" altLang="en-US" dirty="0"/>
+          </a:p>
+        </p:txBody>
+      </p:sp>
+      <mc:AlternateContent xmlns:mc="http://schemas.openxmlformats.org/markup-compatibility/2006">
+        <mc:Choice xmlns:a14="http://schemas.microsoft.com/office/drawing/2010/main" Requires="a14">
+          <p:sp>
+            <p:nvSpPr>
+              <p:cNvPr id="3" name="コンテンツ プレースホルダー 2">
+                <a:extLst>
+                  <a:ext uri="{FF2B5EF4-FFF2-40B4-BE49-F238E27FC236}">
+                    <a16:creationId xmlns:a16="http://schemas.microsoft.com/office/drawing/2014/main" id="{54DF32A6-A808-49ED-92E5-591B934F1B88}"/>
+                  </a:ext>
+                </a:extLst>
+              </p:cNvPr>
+              <p:cNvSpPr>
+                <a:spLocks noGrp="1"/>
+              </p:cNvSpPr>
+              <p:nvPr>
+                <p:ph sz="quarter" idx="1"/>
+              </p:nvPr>
+            </p:nvSpPr>
+            <p:spPr/>
+            <p:txBody>
+              <a:bodyPr/>
+              <a:lstStyle/>
+              <a:p>
+                <a:r>
+                  <a:rPr kumimoji="1" lang="en-US" altLang="ja-JP" dirty="0"/>
+                  <a:t>Branch-and-bound</a:t>
+                </a:r>
+                <a:r>
+                  <a:rPr kumimoji="1" lang="ja-JP" altLang="en-US" dirty="0"/>
+                  <a:t>を用</a:t>
+                </a:r>
+                <a:r>
+                  <a:rPr lang="ja-JP" altLang="en-US" dirty="0"/>
+                  <a:t>いて</a:t>
+                </a:r>
+                <a:br>
+                  <a:rPr lang="en-US" altLang="ja-JP" dirty="0"/>
+                </a:br>
+                <a14:m>
+                  <m:oMath xmlns:m="http://schemas.openxmlformats.org/officeDocument/2006/math">
+                    <m:r>
+                      <a:rPr lang="en-US" altLang="ja-JP" b="0" i="1" smtClean="0">
+                        <a:latin typeface="Cambria Math" panose="02040503050406030204" pitchFamily="18" charset="0"/>
+                      </a:rPr>
+                      <m:t>𝐺</m:t>
+                    </m:r>
+                    <m:r>
+                      <a:rPr lang="en-US" altLang="ja-JP" b="0" i="1" smtClean="0">
+                        <a:latin typeface="Cambria Math" panose="02040503050406030204" pitchFamily="18" charset="0"/>
+                      </a:rPr>
+                      <m:t>=</m:t>
+                    </m:r>
+                    <m:d>
+                      <m:dPr>
+                        <m:ctrlPr>
+                          <a:rPr lang="en-US" altLang="ja-JP" b="0" i="1" smtClean="0">
+                            <a:latin typeface="Cambria Math" panose="02040503050406030204" pitchFamily="18" charset="0"/>
+                          </a:rPr>
+                        </m:ctrlPr>
+                      </m:dPr>
+                      <m:e>
+                        <m:r>
+                          <a:rPr lang="en-US" altLang="ja-JP" b="0" i="1" smtClean="0">
+                            <a:latin typeface="Cambria Math" panose="02040503050406030204" pitchFamily="18" charset="0"/>
+                          </a:rPr>
+                          <m:t>𝑉</m:t>
+                        </m:r>
+                        <m:r>
+                          <a:rPr lang="en-US" altLang="ja-JP" b="0" i="1" smtClean="0">
+                            <a:latin typeface="Cambria Math" panose="02040503050406030204" pitchFamily="18" charset="0"/>
+                          </a:rPr>
+                          <m:t>,</m:t>
+                        </m:r>
+                        <m:r>
+                          <a:rPr lang="en-US" altLang="ja-JP" b="0" i="1" smtClean="0">
+                            <a:latin typeface="Cambria Math" panose="02040503050406030204" pitchFamily="18" charset="0"/>
+                          </a:rPr>
+                          <m:t>𝐸</m:t>
+                        </m:r>
+                      </m:e>
+                    </m:d>
+                    <m:r>
+                      <a:rPr lang="en-US" altLang="ja-JP" b="0" i="0" smtClean="0">
+                        <a:latin typeface="Cambria Math" panose="02040503050406030204" pitchFamily="18" charset="0"/>
+                      </a:rPr>
+                      <m:t>,</m:t>
+                    </m:r>
+                    <m:sSub>
+                      <m:sSubPr>
+                        <m:ctrlPr>
+                          <a:rPr lang="en-US" altLang="ja-JP" b="0" i="1" smtClean="0">
+                            <a:latin typeface="Cambria Math" panose="02040503050406030204" pitchFamily="18" charset="0"/>
+                          </a:rPr>
+                        </m:ctrlPr>
+                      </m:sSubPr>
+                      <m:e>
+                        <m:r>
+                          <a:rPr lang="en-US" altLang="ja-JP" b="0" i="1" smtClean="0">
+                            <a:latin typeface="Cambria Math" panose="02040503050406030204" pitchFamily="18" charset="0"/>
+                          </a:rPr>
+                          <m:t>𝑑</m:t>
+                        </m:r>
+                      </m:e>
+                      <m:sub>
+                        <m:r>
+                          <a:rPr lang="en-US" altLang="ja-JP" b="0" i="1" smtClean="0">
+                            <a:latin typeface="Cambria Math" panose="02040503050406030204" pitchFamily="18" charset="0"/>
+                          </a:rPr>
+                          <m:t>𝑒</m:t>
+                        </m:r>
+                      </m:sub>
+                    </m:sSub>
+                    <m:r>
+                      <a:rPr lang="en-US" altLang="ja-JP" b="0" i="1" smtClean="0">
+                        <a:latin typeface="Cambria Math" panose="02040503050406030204" pitchFamily="18" charset="0"/>
+                        <a:ea typeface="Cambria Math" panose="02040503050406030204" pitchFamily="18" charset="0"/>
+                      </a:rPr>
+                      <m:t>&gt;0</m:t>
+                    </m:r>
+                  </m:oMath>
+                </a14:m>
+                <a:r>
+                  <a:rPr kumimoji="1" lang="ja-JP" altLang="en-US" dirty="0"/>
+                  <a:t>の巡回セールスマン問題</a:t>
+                </a:r>
+                <a:r>
+                  <a:rPr kumimoji="1" lang="en-US" altLang="ja-JP" dirty="0"/>
+                  <a:t>(TSP)</a:t>
+                </a:r>
+                <a:r>
+                  <a:rPr kumimoji="1" lang="ja-JP" altLang="en-US" dirty="0"/>
+                  <a:t>を解く</a:t>
+                </a:r>
+                <a:endParaRPr kumimoji="1" lang="en-US" altLang="ja-JP" dirty="0"/>
+              </a:p>
+              <a:p>
+                <a:r>
+                  <a:rPr lang="ja-JP" altLang="en-US" dirty="0"/>
+                  <a:t>準備</a:t>
+                </a:r>
+                <a:endParaRPr lang="en-US" altLang="ja-JP" dirty="0"/>
+              </a:p>
+              <a:p>
+                <a:pPr lvl="1"/>
+                <a:r>
+                  <a:rPr lang="ja-JP" altLang="en-US" dirty="0"/>
+                  <a:t>部分的な解は</a:t>
+                </a:r>
+                <a14:m>
+                  <m:oMath xmlns:m="http://schemas.openxmlformats.org/officeDocument/2006/math">
+                    <m:r>
+                      <a:rPr lang="en-US" altLang="ja-JP" b="0" i="1" smtClean="0">
+                        <a:latin typeface="Cambria Math" panose="02040503050406030204" pitchFamily="18" charset="0"/>
+                      </a:rPr>
+                      <m:t>𝑎</m:t>
+                    </m:r>
+                  </m:oMath>
+                </a14:m>
+                <a:r>
+                  <a:rPr lang="ja-JP" altLang="en-US" dirty="0"/>
+                  <a:t>から</a:t>
+                </a:r>
+                <a14:m>
+                  <m:oMath xmlns:m="http://schemas.openxmlformats.org/officeDocument/2006/math">
+                    <m:r>
+                      <a:rPr lang="en-US" altLang="ja-JP" b="0" i="1" dirty="0" smtClean="0">
+                        <a:latin typeface="Cambria Math" panose="02040503050406030204" pitchFamily="18" charset="0"/>
+                      </a:rPr>
+                      <m:t>𝑏</m:t>
+                    </m:r>
+                  </m:oMath>
+                </a14:m>
+                <a:r>
+                  <a:rPr lang="ja-JP" altLang="en-US" dirty="0" err="1"/>
+                  <a:t>への</a:t>
+                </a:r>
+                <a:r>
+                  <a:rPr lang="ja-JP" altLang="en-US" dirty="0"/>
+                  <a:t>単純なパスで表される</a:t>
+                </a:r>
+                <a14:m>
+                  <m:oMath xmlns:m="http://schemas.openxmlformats.org/officeDocument/2006/math">
+                    <m:r>
+                      <a:rPr lang="en-US" altLang="ja-JP" b="0" i="1" smtClean="0">
+                        <a:latin typeface="Cambria Math" panose="02040503050406030204" pitchFamily="18" charset="0"/>
+                      </a:rPr>
+                      <m:t>(</m:t>
+                    </m:r>
+                    <m:r>
+                      <a:rPr lang="en-US" altLang="ja-JP" b="0" i="1" smtClean="0">
+                        <a:latin typeface="Cambria Math" panose="02040503050406030204" pitchFamily="18" charset="0"/>
+                      </a:rPr>
+                      <m:t>𝑎</m:t>
+                    </m:r>
+                    <m:r>
+                      <a:rPr lang="en-US" altLang="ja-JP" b="0" i="1" smtClean="0">
+                        <a:latin typeface="Cambria Math" panose="02040503050406030204" pitchFamily="18" charset="0"/>
+                      </a:rPr>
+                      <m:t>,</m:t>
+                    </m:r>
+                    <m:r>
+                      <a:rPr lang="en-US" altLang="ja-JP" b="0" i="1" smtClean="0">
+                        <a:latin typeface="Cambria Math" panose="02040503050406030204" pitchFamily="18" charset="0"/>
+                      </a:rPr>
+                      <m:t>𝑏</m:t>
+                    </m:r>
+                    <m:r>
+                      <a:rPr lang="en-US" altLang="ja-JP" b="0" i="1" smtClean="0">
+                        <a:latin typeface="Cambria Math" panose="02040503050406030204" pitchFamily="18" charset="0"/>
+                        <a:ea typeface="Cambria Math" panose="02040503050406030204" pitchFamily="18" charset="0"/>
+                      </a:rPr>
+                      <m:t>∈</m:t>
+                    </m:r>
+                    <m:r>
+                      <a:rPr lang="en-US" altLang="ja-JP" b="0" i="1" smtClean="0">
+                        <a:latin typeface="Cambria Math" panose="02040503050406030204" pitchFamily="18" charset="0"/>
+                        <a:ea typeface="Cambria Math" panose="02040503050406030204" pitchFamily="18" charset="0"/>
+                      </a:rPr>
+                      <m:t>𝑉</m:t>
+                    </m:r>
+                    <m:r>
+                      <a:rPr lang="en-US" altLang="ja-JP" b="0" i="1" smtClean="0">
+                        <a:latin typeface="Cambria Math" panose="02040503050406030204" pitchFamily="18" charset="0"/>
+                        <a:ea typeface="Cambria Math" panose="02040503050406030204" pitchFamily="18" charset="0"/>
+                      </a:rPr>
+                      <m:t>)</m:t>
+                    </m:r>
+                  </m:oMath>
+                </a14:m>
+                <a:endParaRPr kumimoji="1" lang="en-US" altLang="ja-JP" dirty="0"/>
+              </a:p>
+              <a:p>
+                <a:pPr lvl="1"/>
+                <a14:m>
+                  <m:oMath xmlns:m="http://schemas.openxmlformats.org/officeDocument/2006/math">
+                    <m:r>
+                      <a:rPr kumimoji="1" lang="en-US" altLang="ja-JP" b="0" i="1" smtClean="0">
+                        <a:latin typeface="Cambria Math" panose="02040503050406030204" pitchFamily="18" charset="0"/>
+                      </a:rPr>
+                      <m:t>𝑎</m:t>
+                    </m:r>
+                  </m:oMath>
+                </a14:m>
+                <a:r>
+                  <a:rPr kumimoji="1" lang="ja-JP" altLang="en-US" dirty="0"/>
+                  <a:t>から</a:t>
+                </a:r>
+                <a14:m>
+                  <m:oMath xmlns:m="http://schemas.openxmlformats.org/officeDocument/2006/math">
+                    <m:r>
+                      <a:rPr kumimoji="1" lang="en-US" altLang="ja-JP" b="0" i="1" dirty="0" smtClean="0">
+                        <a:latin typeface="Cambria Math" panose="02040503050406030204" pitchFamily="18" charset="0"/>
+                      </a:rPr>
+                      <m:t>𝑏</m:t>
+                    </m:r>
+                  </m:oMath>
+                </a14:m>
+                <a:r>
+                  <a:rPr kumimoji="1" lang="ja-JP" altLang="en-US" dirty="0" err="1"/>
+                  <a:t>への</a:t>
+                </a:r>
+                <a:r>
+                  <a:rPr kumimoji="1" lang="ja-JP" altLang="en-US" dirty="0"/>
+                  <a:t>パスの中で一度通った頂点集合を</a:t>
+                </a:r>
+                <a14:m>
+                  <m:oMath xmlns:m="http://schemas.openxmlformats.org/officeDocument/2006/math">
+                    <m:r>
+                      <a:rPr kumimoji="1" lang="en-US" altLang="ja-JP" b="0" i="1" smtClean="0">
+                        <a:latin typeface="Cambria Math" panose="02040503050406030204" pitchFamily="18" charset="0"/>
+                      </a:rPr>
+                      <m:t>𝑆</m:t>
+                    </m:r>
+                  </m:oMath>
+                </a14:m>
+                <a:r>
+                  <a:rPr kumimoji="1" lang="ja-JP" altLang="en-US" dirty="0"/>
+                  <a:t>とする</a:t>
+                </a:r>
+                <a:br>
+                  <a:rPr kumimoji="1" lang="en-US" altLang="ja-JP" dirty="0"/>
+                </a:br>
+                <a:r>
+                  <a:rPr kumimoji="1" lang="en-US" altLang="ja-JP" dirty="0"/>
+                  <a:t>(</a:t>
+                </a:r>
+                <a14:m>
+                  <m:oMath xmlns:m="http://schemas.openxmlformats.org/officeDocument/2006/math">
+                    <m:r>
+                      <m:rPr>
+                        <m:sty m:val="p"/>
+                      </m:rPr>
+                      <a:rPr kumimoji="1" lang="en-US" altLang="ja-JP" b="0" i="0" smtClean="0">
+                        <a:latin typeface="Cambria Math" panose="02040503050406030204" pitchFamily="18" charset="0"/>
+                      </a:rPr>
+                      <m:t>S</m:t>
+                    </m:r>
+                    <m:r>
+                      <a:rPr kumimoji="1" lang="en-US" altLang="ja-JP" b="0" i="1" smtClean="0">
+                        <a:latin typeface="Cambria Math" panose="02040503050406030204" pitchFamily="18" charset="0"/>
+                        <a:ea typeface="Cambria Math" panose="02040503050406030204" pitchFamily="18" charset="0"/>
+                      </a:rPr>
+                      <m:t>⊆</m:t>
+                    </m:r>
+                    <m:r>
+                      <a:rPr kumimoji="1" lang="en-US" altLang="ja-JP" b="0" i="1" smtClean="0">
+                        <a:latin typeface="Cambria Math" panose="02040503050406030204" pitchFamily="18" charset="0"/>
+                        <a:ea typeface="Cambria Math" panose="02040503050406030204" pitchFamily="18" charset="0"/>
+                      </a:rPr>
+                      <m:t>𝑉</m:t>
+                    </m:r>
+                    <m:r>
+                      <a:rPr kumimoji="1" lang="en-US" altLang="ja-JP" b="0" i="1" smtClean="0">
+                        <a:latin typeface="Cambria Math" panose="02040503050406030204" pitchFamily="18" charset="0"/>
+                        <a:ea typeface="Cambria Math" panose="02040503050406030204" pitchFamily="18" charset="0"/>
+                      </a:rPr>
+                      <m:t>,</m:t>
+                    </m:r>
+                    <m:r>
+                      <a:rPr kumimoji="1" lang="en-US" altLang="ja-JP" b="0" i="1" smtClean="0">
+                        <a:latin typeface="Cambria Math" panose="02040503050406030204" pitchFamily="18" charset="0"/>
+                      </a:rPr>
+                      <m:t>𝑆</m:t>
+                    </m:r>
+                  </m:oMath>
+                </a14:m>
+                <a:r>
+                  <a:rPr kumimoji="1" lang="ja-JP" altLang="en-US" dirty="0"/>
+                  <a:t>は端点</a:t>
+                </a:r>
+                <a14:m>
+                  <m:oMath xmlns:m="http://schemas.openxmlformats.org/officeDocument/2006/math">
+                    <m:r>
+                      <a:rPr kumimoji="1" lang="en-US" altLang="ja-JP" b="0" i="1" smtClean="0">
+                        <a:latin typeface="Cambria Math" panose="02040503050406030204" pitchFamily="18" charset="0"/>
+                      </a:rPr>
+                      <m:t>𝑎</m:t>
+                    </m:r>
+                    <m:r>
+                      <a:rPr kumimoji="1" lang="en-US" altLang="ja-JP" b="0" i="1" smtClean="0">
+                        <a:latin typeface="Cambria Math" panose="02040503050406030204" pitchFamily="18" charset="0"/>
+                      </a:rPr>
+                      <m:t>,</m:t>
+                    </m:r>
+                    <m:r>
+                      <a:rPr kumimoji="1" lang="en-US" altLang="ja-JP" b="0" i="1" smtClean="0">
+                        <a:latin typeface="Cambria Math" panose="02040503050406030204" pitchFamily="18" charset="0"/>
+                      </a:rPr>
+                      <m:t>𝑏</m:t>
+                    </m:r>
+                  </m:oMath>
+                </a14:m>
+                <a:r>
+                  <a:rPr kumimoji="1" lang="ja-JP" altLang="en-US" dirty="0"/>
+                  <a:t>を含む</a:t>
+                </a:r>
+                <a:r>
+                  <a:rPr kumimoji="1" lang="en-US" altLang="ja-JP" dirty="0"/>
+                  <a:t>)</a:t>
+                </a:r>
+              </a:p>
+              <a:p>
+                <a:pPr lvl="1"/>
+                <a:r>
+                  <a:rPr kumimoji="1" lang="ja-JP" altLang="en-US" dirty="0"/>
+                  <a:t>これからはこのようなパスを</a:t>
+                </a:r>
+                <a14:m>
+                  <m:oMath xmlns:m="http://schemas.openxmlformats.org/officeDocument/2006/math">
+                    <m:r>
+                      <a:rPr kumimoji="1" lang="en-US" altLang="ja-JP" b="0" i="1" smtClean="0">
+                        <a:latin typeface="Cambria Math" panose="02040503050406030204" pitchFamily="18" charset="0"/>
+                      </a:rPr>
+                      <m:t>[</m:t>
+                    </m:r>
+                    <m:r>
+                      <a:rPr kumimoji="1" lang="en-US" altLang="ja-JP" b="0" i="1" smtClean="0">
+                        <a:latin typeface="Cambria Math" panose="02040503050406030204" pitchFamily="18" charset="0"/>
+                      </a:rPr>
+                      <m:t>𝑎</m:t>
+                    </m:r>
+                    <m:r>
+                      <a:rPr kumimoji="1" lang="en-US" altLang="ja-JP" b="0" i="1" smtClean="0">
+                        <a:latin typeface="Cambria Math" panose="02040503050406030204" pitchFamily="18" charset="0"/>
+                      </a:rPr>
+                      <m:t>,</m:t>
+                    </m:r>
+                    <m:r>
+                      <a:rPr kumimoji="1" lang="en-US" altLang="ja-JP" b="0" i="1" smtClean="0">
+                        <a:latin typeface="Cambria Math" panose="02040503050406030204" pitchFamily="18" charset="0"/>
+                      </a:rPr>
+                      <m:t>𝑆</m:t>
+                    </m:r>
+                    <m:r>
+                      <a:rPr kumimoji="1" lang="en-US" altLang="ja-JP" b="0" i="1" smtClean="0">
+                        <a:latin typeface="Cambria Math" panose="02040503050406030204" pitchFamily="18" charset="0"/>
+                      </a:rPr>
+                      <m:t>,</m:t>
+                    </m:r>
+                    <m:r>
+                      <a:rPr kumimoji="1" lang="en-US" altLang="ja-JP" b="0" i="1" smtClean="0">
+                        <a:latin typeface="Cambria Math" panose="02040503050406030204" pitchFamily="18" charset="0"/>
+                      </a:rPr>
+                      <m:t>𝑏</m:t>
+                    </m:r>
+                    <m:r>
+                      <a:rPr kumimoji="1" lang="en-US" altLang="ja-JP" b="0" i="1" smtClean="0">
+                        <a:latin typeface="Cambria Math" panose="02040503050406030204" pitchFamily="18" charset="0"/>
+                      </a:rPr>
+                      <m:t>]</m:t>
+                    </m:r>
+                  </m:oMath>
+                </a14:m>
+                <a:r>
+                  <a:rPr kumimoji="1" lang="ja-JP" altLang="en-US" dirty="0"/>
+                  <a:t>と表す</a:t>
+                </a:r>
+                <a:endParaRPr kumimoji="1" lang="en-US" altLang="ja-JP" dirty="0"/>
+              </a:p>
+              <a:p>
+                <a:pPr lvl="1"/>
+                <a14:m>
+                  <m:oMath xmlns:m="http://schemas.openxmlformats.org/officeDocument/2006/math">
+                    <m:r>
+                      <a:rPr kumimoji="1" lang="en-US" altLang="ja-JP" b="0" i="1" smtClean="0">
+                        <a:latin typeface="Cambria Math" panose="02040503050406030204" pitchFamily="18" charset="0"/>
+                      </a:rPr>
+                      <m:t>[</m:t>
+                    </m:r>
+                    <m:r>
+                      <a:rPr kumimoji="1" lang="en-US" altLang="ja-JP" b="0" i="1" smtClean="0">
+                        <a:latin typeface="Cambria Math" panose="02040503050406030204" pitchFamily="18" charset="0"/>
+                      </a:rPr>
+                      <m:t>𝑎</m:t>
+                    </m:r>
+                    <m:r>
+                      <a:rPr kumimoji="1" lang="en-US" altLang="ja-JP" b="0" i="1" smtClean="0">
+                        <a:latin typeface="Cambria Math" panose="02040503050406030204" pitchFamily="18" charset="0"/>
+                      </a:rPr>
+                      <m:t>,</m:t>
+                    </m:r>
+                    <m:r>
+                      <a:rPr kumimoji="1" lang="en-US" altLang="ja-JP" b="0" i="1" smtClean="0">
+                        <a:latin typeface="Cambria Math" panose="02040503050406030204" pitchFamily="18" charset="0"/>
+                      </a:rPr>
+                      <m:t>𝑆</m:t>
+                    </m:r>
+                    <m:r>
+                      <a:rPr kumimoji="1" lang="en-US" altLang="ja-JP" b="0" i="1" smtClean="0">
+                        <a:latin typeface="Cambria Math" panose="02040503050406030204" pitchFamily="18" charset="0"/>
+                      </a:rPr>
+                      <m:t>,</m:t>
+                    </m:r>
+                    <m:r>
+                      <a:rPr kumimoji="1" lang="en-US" altLang="ja-JP" b="0" i="1" smtClean="0">
+                        <a:latin typeface="Cambria Math" panose="02040503050406030204" pitchFamily="18" charset="0"/>
+                      </a:rPr>
+                      <m:t>𝑏</m:t>
+                    </m:r>
+                    <m:r>
+                      <a:rPr kumimoji="1" lang="en-US" altLang="ja-JP" b="0" i="1" smtClean="0">
+                        <a:latin typeface="Cambria Math" panose="02040503050406030204" pitchFamily="18" charset="0"/>
+                      </a:rPr>
+                      <m:t>]</m:t>
+                    </m:r>
+                    <m:r>
+                      <a:rPr lang="ja-JP" altLang="en-US" i="1">
+                        <a:latin typeface="Cambria Math" panose="02040503050406030204" pitchFamily="18" charset="0"/>
+                      </a:rPr>
+                      <m:t>に</m:t>
+                    </m:r>
+                    <m:r>
+                      <a:rPr lang="ja-JP" altLang="en-US" i="1" smtClean="0">
+                        <a:latin typeface="Cambria Math" panose="02040503050406030204" pitchFamily="18" charset="0"/>
+                      </a:rPr>
+                      <m:t>対応</m:t>
+                    </m:r>
+                  </m:oMath>
+                </a14:m>
+                <a:r>
+                  <a:rPr kumimoji="1" lang="ja-JP" altLang="en-US" dirty="0"/>
+                  <a:t>する</a:t>
+                </a:r>
+                <a:r>
+                  <a:rPr kumimoji="1" lang="en-US" altLang="ja-JP" dirty="0"/>
+                  <a:t>subproblem</a:t>
+                </a:r>
+                <a:r>
+                  <a:rPr kumimoji="1" lang="ja-JP" altLang="en-US" dirty="0"/>
+                  <a:t>は 、</a:t>
+                </a:r>
+                <a:br>
+                  <a:rPr kumimoji="1" lang="en-US" altLang="ja-JP" dirty="0"/>
+                </a:br>
+                <a:r>
+                  <a:rPr kumimoji="1" lang="ja-JP" altLang="en-US" dirty="0"/>
+                  <a:t>最小</a:t>
+                </a:r>
+                <a14:m>
+                  <m:oMath xmlns:m="http://schemas.openxmlformats.org/officeDocument/2006/math">
+                    <m:r>
+                      <a:rPr lang="ja-JP" altLang="en-US" b="0" i="1" dirty="0">
+                        <a:latin typeface="Cambria Math" panose="02040503050406030204" pitchFamily="18" charset="0"/>
+                      </a:rPr>
+                      <m:t>の</m:t>
+                    </m:r>
+                    <m:r>
+                      <a:rPr lang="ja-JP" altLang="en-US" i="1" dirty="0" smtClean="0">
+                        <a:latin typeface="Cambria Math" panose="02040503050406030204" pitchFamily="18" charset="0"/>
+                      </a:rPr>
+                      <m:t>コスト</m:t>
+                    </m:r>
+                    <m:r>
+                      <a:rPr lang="ja-JP" altLang="en-US" i="1" dirty="0">
+                        <a:latin typeface="Cambria Math" panose="02040503050406030204" pitchFamily="18" charset="0"/>
+                      </a:rPr>
+                      <m:t>の</m:t>
+                    </m:r>
+                    <m:r>
+                      <a:rPr kumimoji="1" lang="en-US" altLang="ja-JP" b="0" i="1" smtClean="0">
+                        <a:latin typeface="Cambria Math" panose="02040503050406030204" pitchFamily="18" charset="0"/>
+                      </a:rPr>
+                      <m:t>[</m:t>
+                    </m:r>
+                    <m:r>
+                      <a:rPr kumimoji="1" lang="en-US" altLang="ja-JP" b="0" i="1" smtClean="0">
+                        <a:latin typeface="Cambria Math" panose="02040503050406030204" pitchFamily="18" charset="0"/>
+                      </a:rPr>
+                      <m:t>𝑏</m:t>
+                    </m:r>
+                    <m:r>
+                      <a:rPr kumimoji="1" lang="en-US" altLang="ja-JP" b="0" i="1" smtClean="0">
+                        <a:latin typeface="Cambria Math" panose="02040503050406030204" pitchFamily="18" charset="0"/>
+                      </a:rPr>
+                      <m:t>,</m:t>
+                    </m:r>
+                    <m:r>
+                      <a:rPr kumimoji="1" lang="en-US" altLang="ja-JP" b="0" i="1" smtClean="0">
+                        <a:latin typeface="Cambria Math" panose="02040503050406030204" pitchFamily="18" charset="0"/>
+                      </a:rPr>
+                      <m:t>𝑉</m:t>
+                    </m:r>
+                    <m:r>
+                      <a:rPr kumimoji="1" lang="en-US" altLang="ja-JP" b="0" i="1" smtClean="0">
+                        <a:latin typeface="Cambria Math" panose="02040503050406030204" pitchFamily="18" charset="0"/>
+                      </a:rPr>
+                      <m:t>−</m:t>
+                    </m:r>
+                    <m:r>
+                      <a:rPr kumimoji="1" lang="en-US" altLang="ja-JP" b="0" i="1" smtClean="0">
+                        <a:latin typeface="Cambria Math" panose="02040503050406030204" pitchFamily="18" charset="0"/>
+                      </a:rPr>
+                      <m:t>𝑆</m:t>
+                    </m:r>
+                    <m:r>
+                      <a:rPr kumimoji="1" lang="en-US" altLang="ja-JP" b="0" i="1" smtClean="0">
+                        <a:latin typeface="Cambria Math" panose="02040503050406030204" pitchFamily="18" charset="0"/>
+                      </a:rPr>
+                      <m:t>,</m:t>
+                    </m:r>
+                    <m:r>
+                      <a:rPr kumimoji="1" lang="en-US" altLang="ja-JP" b="0" i="1" smtClean="0">
+                        <a:latin typeface="Cambria Math" panose="02040503050406030204" pitchFamily="18" charset="0"/>
+                      </a:rPr>
+                      <m:t>𝑎</m:t>
+                    </m:r>
+                    <m:r>
+                      <a:rPr kumimoji="1" lang="en-US" altLang="ja-JP" b="0" i="1" smtClean="0">
+                        <a:latin typeface="Cambria Math" panose="02040503050406030204" pitchFamily="18" charset="0"/>
+                      </a:rPr>
+                      <m:t>]</m:t>
+                    </m:r>
+                  </m:oMath>
+                </a14:m>
+                <a:r>
+                  <a:rPr kumimoji="1" lang="ja-JP" altLang="en-US" dirty="0"/>
+                  <a:t>を見つけること</a:t>
+                </a:r>
+                <a:endParaRPr lang="en-US" altLang="ja-JP" dirty="0"/>
+              </a:p>
+              <a:p>
+                <a:pPr lvl="1"/>
+                <a:r>
+                  <a:rPr kumimoji="1" lang="ja-JP" altLang="en-US" dirty="0"/>
+                  <a:t>初期問題は</a:t>
+                </a:r>
+                <a14:m>
+                  <m:oMath xmlns:m="http://schemas.openxmlformats.org/officeDocument/2006/math">
+                    <m:d>
+                      <m:dPr>
+                        <m:begChr m:val="["/>
+                        <m:endChr m:val="]"/>
+                        <m:ctrlPr>
+                          <a:rPr kumimoji="1" lang="en-US" altLang="ja-JP" b="0" i="1" smtClean="0">
+                            <a:latin typeface="Cambria Math" panose="02040503050406030204" pitchFamily="18" charset="0"/>
+                          </a:rPr>
+                        </m:ctrlPr>
+                      </m:dPr>
+                      <m:e>
+                        <m:r>
+                          <a:rPr kumimoji="1" lang="en-US" altLang="ja-JP" b="0" i="1" smtClean="0">
+                            <a:latin typeface="Cambria Math" panose="02040503050406030204" pitchFamily="18" charset="0"/>
+                          </a:rPr>
+                          <m:t>𝑎</m:t>
+                        </m:r>
+                        <m:r>
+                          <a:rPr kumimoji="1" lang="en-US" altLang="ja-JP" b="0" i="1" smtClean="0">
+                            <a:latin typeface="Cambria Math" panose="02040503050406030204" pitchFamily="18" charset="0"/>
+                          </a:rPr>
+                          <m:t>,</m:t>
+                        </m:r>
+                        <m:d>
+                          <m:dPr>
+                            <m:begChr m:val="{"/>
+                            <m:endChr m:val="}"/>
+                            <m:ctrlPr>
+                              <a:rPr kumimoji="1" lang="en-US" altLang="ja-JP" b="0" i="1" smtClean="0">
+                                <a:latin typeface="Cambria Math" panose="02040503050406030204" pitchFamily="18" charset="0"/>
+                              </a:rPr>
+                            </m:ctrlPr>
+                          </m:dPr>
+                          <m:e>
+                            <m:r>
+                              <a:rPr kumimoji="1" lang="en-US" altLang="ja-JP" b="0" i="1" smtClean="0">
+                                <a:latin typeface="Cambria Math" panose="02040503050406030204" pitchFamily="18" charset="0"/>
+                              </a:rPr>
+                              <m:t>𝑎</m:t>
+                            </m:r>
+                          </m:e>
+                        </m:d>
+                        <m:r>
+                          <a:rPr kumimoji="1" lang="en-US" altLang="ja-JP" b="0" i="1" smtClean="0">
+                            <a:latin typeface="Cambria Math" panose="02040503050406030204" pitchFamily="18" charset="0"/>
+                          </a:rPr>
+                          <m:t>,</m:t>
+                        </m:r>
+                        <m:r>
+                          <a:rPr kumimoji="1" lang="en-US" altLang="ja-JP" b="0" i="1" smtClean="0">
+                            <a:latin typeface="Cambria Math" panose="02040503050406030204" pitchFamily="18" charset="0"/>
+                          </a:rPr>
+                          <m:t>𝑎</m:t>
+                        </m:r>
+                      </m:e>
+                    </m:d>
+                    <m:r>
+                      <a:rPr kumimoji="1" lang="en-US" altLang="ja-JP" b="0" i="1" smtClean="0">
+                        <a:latin typeface="Cambria Math" panose="02040503050406030204" pitchFamily="18" charset="0"/>
+                      </a:rPr>
+                      <m:t>,</m:t>
+                    </m:r>
+                    <m:r>
+                      <a:rPr kumimoji="1" lang="en-US" altLang="ja-JP" b="0" i="1" smtClean="0">
+                        <a:latin typeface="Cambria Math" panose="02040503050406030204" pitchFamily="18" charset="0"/>
+                      </a:rPr>
+                      <m:t>𝑎</m:t>
+                    </m:r>
+                    <m:r>
+                      <a:rPr kumimoji="1" lang="en-US" altLang="ja-JP" b="0" i="1" smtClean="0">
+                        <a:latin typeface="Cambria Math" panose="02040503050406030204" pitchFamily="18" charset="0"/>
+                        <a:ea typeface="Cambria Math" panose="02040503050406030204" pitchFamily="18" charset="0"/>
+                      </a:rPr>
+                      <m:t>∈</m:t>
+                    </m:r>
+                    <m:r>
+                      <a:rPr kumimoji="1" lang="en-US" altLang="ja-JP" b="0" i="1" smtClean="0">
+                        <a:latin typeface="Cambria Math" panose="02040503050406030204" pitchFamily="18" charset="0"/>
+                        <a:ea typeface="Cambria Math" panose="02040503050406030204" pitchFamily="18" charset="0"/>
+                      </a:rPr>
+                      <m:t>𝑉</m:t>
+                    </m:r>
+                  </m:oMath>
+                </a14:m>
+                <a:endParaRPr kumimoji="1" lang="en-US" altLang="ja-JP" dirty="0"/>
+              </a:p>
+              <a:p>
+                <a:pPr lvl="1"/>
+                <a:endParaRPr kumimoji="1" lang="en-US" altLang="ja-JP" dirty="0"/>
+              </a:p>
+              <a:p>
+                <a:pPr lvl="1"/>
+                <a:endParaRPr kumimoji="1" lang="en-US" altLang="ja-JP" dirty="0"/>
+              </a:p>
+              <a:p>
+                <a:endParaRPr kumimoji="1" lang="en-US" altLang="ja-JP" dirty="0"/>
+              </a:p>
+            </p:txBody>
+          </p:sp>
+        </mc:Choice>
+        <mc:Fallback>
+          <p:sp>
+            <p:nvSpPr>
+              <p:cNvPr id="3" name="コンテンツ プレースホルダー 2">
+                <a:extLst>
+                  <a:ext uri="{FF2B5EF4-FFF2-40B4-BE49-F238E27FC236}">
+                    <a16:creationId xmlns:a16="http://schemas.microsoft.com/office/drawing/2014/main" id="{54DF32A6-A808-49ED-92E5-591B934F1B88}"/>
+                  </a:ext>
+                </a:extLst>
+              </p:cNvPr>
+              <p:cNvSpPr>
+                <a:spLocks noGrp="1" noRot="1" noChangeAspect="1" noMove="1" noResize="1" noEditPoints="1" noAdjustHandles="1" noChangeArrowheads="1" noChangeShapeType="1" noTextEdit="1"/>
+              </p:cNvSpPr>
+              <p:nvPr>
+                <p:ph sz="quarter" idx="1"/>
+              </p:nvPr>
+            </p:nvSpPr>
+            <p:spPr>
+              <a:blipFill>
+                <a:blip r:embed="rId3"/>
+                <a:stretch>
+                  <a:fillRect l="-139" t="-928"/>
+                </a:stretch>
+              </a:blipFill>
+            </p:spPr>
+            <p:txBody>
+              <a:bodyPr/>
+              <a:lstStyle/>
+              <a:p>
+                <a:r>
+                  <a:rPr lang="ja-JP" altLang="en-US">
+                    <a:noFill/>
+                  </a:rPr>
+                  <a:t> </a:t>
+                </a:r>
+              </a:p>
+            </p:txBody>
+          </p:sp>
+        </mc:Fallback>
+      </mc:AlternateContent>
+    </p:spTree>
+    <p:extLst>
+      <p:ext uri="{BB962C8B-B14F-4D97-AF65-F5344CB8AC3E}">
+        <p14:creationId xmlns:p14="http://schemas.microsoft.com/office/powerpoint/2010/main" val="1589293116"/>
       </p:ext>
     </p:extLst>
   </p:cSld>
@@ -8448,6 +9710,1502 @@
     <p:extLst>
       <p:ext uri="{BB962C8B-B14F-4D97-AF65-F5344CB8AC3E}">
         <p14:creationId xmlns:p14="http://schemas.microsoft.com/office/powerpoint/2010/main" val="1311565611"/>
+      </p:ext>
+    </p:extLst>
+  </p:cSld>
+  <p:clrMapOvr>
+    <a:masterClrMapping/>
+  </p:clrMapOvr>
+</p:sld>
+</file>
+
+<file path=ppt/slides/slide20.xml><?xml version="1.0" encoding="utf-8"?>
+<p:sld xmlns:a="http://schemas.openxmlformats.org/drawingml/2006/main" xmlns:r="http://schemas.openxmlformats.org/officeDocument/2006/relationships" xmlns:p="http://schemas.openxmlformats.org/presentationml/2006/main">
+  <p:cSld>
+    <p:spTree>
+      <p:nvGrpSpPr>
+        <p:cNvPr id="1" name=""/>
+        <p:cNvGrpSpPr/>
+        <p:nvPr/>
+      </p:nvGrpSpPr>
+      <p:grpSpPr>
+        <a:xfrm>
+          <a:off x="0" y="0"/>
+          <a:ext cx="0" cy="0"/>
+          <a:chOff x="0" y="0"/>
+          <a:chExt cx="0" cy="0"/>
+        </a:xfrm>
+      </p:grpSpPr>
+      <p:sp>
+        <p:nvSpPr>
+          <p:cNvPr id="2" name="タイトル 1">
+            <a:extLst>
+              <a:ext uri="{FF2B5EF4-FFF2-40B4-BE49-F238E27FC236}">
+                <a16:creationId xmlns:a16="http://schemas.microsoft.com/office/drawing/2014/main" id="{FB559D6C-CB80-4C68-A67F-F23EF8822A25}"/>
+              </a:ext>
+            </a:extLst>
+          </p:cNvPr>
+          <p:cNvSpPr>
+            <a:spLocks noGrp="1"/>
+          </p:cNvSpPr>
+          <p:nvPr>
+            <p:ph type="title"/>
+          </p:nvPr>
+        </p:nvSpPr>
+        <p:spPr/>
+        <p:txBody>
+          <a:bodyPr/>
+          <a:lstStyle/>
+          <a:p>
+            <a:r>
+              <a:rPr kumimoji="1" lang="en-US" altLang="ja-JP" dirty="0"/>
+              <a:t>Branch-and-bound</a:t>
+            </a:r>
+            <a:endParaRPr kumimoji="1" lang="ja-JP" altLang="en-US" dirty="0"/>
+          </a:p>
+        </p:txBody>
+      </p:sp>
+      <mc:AlternateContent xmlns:mc="http://schemas.openxmlformats.org/markup-compatibility/2006">
+        <mc:Choice xmlns:a14="http://schemas.microsoft.com/office/drawing/2010/main" Requires="a14">
+          <p:sp>
+            <p:nvSpPr>
+              <p:cNvPr id="3" name="コンテンツ プレースホルダー 2">
+                <a:extLst>
+                  <a:ext uri="{FF2B5EF4-FFF2-40B4-BE49-F238E27FC236}">
+                    <a16:creationId xmlns:a16="http://schemas.microsoft.com/office/drawing/2014/main" id="{05FA1733-6937-4661-9922-6204B8390E96}"/>
+                  </a:ext>
+                </a:extLst>
+              </p:cNvPr>
+              <p:cNvSpPr>
+                <a:spLocks noGrp="1"/>
+              </p:cNvSpPr>
+              <p:nvPr>
+                <p:ph sz="quarter" idx="1"/>
+              </p:nvPr>
+            </p:nvSpPr>
+            <p:spPr/>
+            <p:txBody>
+              <a:bodyPr/>
+              <a:lstStyle/>
+              <a:p>
+                <a:r>
+                  <a:rPr kumimoji="1" lang="en-US" altLang="ja-JP" dirty="0"/>
+                  <a:t>branch-and-bound</a:t>
+                </a:r>
+                <a:r>
+                  <a:rPr kumimoji="1" lang="ja-JP" altLang="en-US" dirty="0"/>
+                  <a:t>の各ステップで、</a:t>
+                </a:r>
+                <a:br>
+                  <a:rPr kumimoji="1" lang="en-US" altLang="ja-JP" dirty="0"/>
+                </a:br>
+                <a:r>
+                  <a:rPr kumimoji="1" lang="ja-JP" altLang="en-US" dirty="0"/>
+                  <a:t>特定の部分的な解</a:t>
+                </a:r>
+                <a14:m>
+                  <m:oMath xmlns:m="http://schemas.openxmlformats.org/officeDocument/2006/math">
+                    <m:r>
+                      <a:rPr kumimoji="1" lang="en-US" altLang="ja-JP" b="0" i="1" smtClean="0">
+                        <a:latin typeface="Cambria Math" panose="02040503050406030204" pitchFamily="18" charset="0"/>
+                      </a:rPr>
+                      <m:t>[</m:t>
+                    </m:r>
+                    <m:r>
+                      <a:rPr kumimoji="1" lang="en-US" altLang="ja-JP" b="0" i="1" smtClean="0">
+                        <a:latin typeface="Cambria Math" panose="02040503050406030204" pitchFamily="18" charset="0"/>
+                      </a:rPr>
+                      <m:t>𝑎</m:t>
+                    </m:r>
+                    <m:r>
+                      <a:rPr kumimoji="1" lang="en-US" altLang="ja-JP" b="0" i="1" smtClean="0">
+                        <a:latin typeface="Cambria Math" panose="02040503050406030204" pitchFamily="18" charset="0"/>
+                      </a:rPr>
+                      <m:t>,</m:t>
+                    </m:r>
+                    <m:r>
+                      <a:rPr kumimoji="1" lang="en-US" altLang="ja-JP" b="0" i="1" smtClean="0">
+                        <a:latin typeface="Cambria Math" panose="02040503050406030204" pitchFamily="18" charset="0"/>
+                      </a:rPr>
+                      <m:t>𝑆</m:t>
+                    </m:r>
+                    <m:r>
+                      <a:rPr kumimoji="1" lang="en-US" altLang="ja-JP" b="0" i="1" smtClean="0">
+                        <a:latin typeface="Cambria Math" panose="02040503050406030204" pitchFamily="18" charset="0"/>
+                      </a:rPr>
+                      <m:t>,</m:t>
+                    </m:r>
+                    <m:r>
+                      <a:rPr kumimoji="1" lang="en-US" altLang="ja-JP" b="0" i="1" smtClean="0">
+                        <a:latin typeface="Cambria Math" panose="02040503050406030204" pitchFamily="18" charset="0"/>
+                      </a:rPr>
+                      <m:t>𝑏</m:t>
+                    </m:r>
+                    <m:r>
+                      <a:rPr kumimoji="1" lang="en-US" altLang="ja-JP" b="0" i="1" smtClean="0">
+                        <a:latin typeface="Cambria Math" panose="02040503050406030204" pitchFamily="18" charset="0"/>
+                      </a:rPr>
+                      <m:t>]</m:t>
+                    </m:r>
+                  </m:oMath>
+                </a14:m>
+                <a:r>
+                  <a:rPr kumimoji="1" lang="ja-JP" altLang="en-US" dirty="0"/>
+                  <a:t>を</a:t>
+                </a:r>
+                <a14:m>
+                  <m:oMath xmlns:m="http://schemas.openxmlformats.org/officeDocument/2006/math">
+                    <m:d>
+                      <m:dPr>
+                        <m:ctrlPr>
+                          <a:rPr kumimoji="1" lang="en-US" altLang="ja-JP" b="0" i="1" dirty="0" smtClean="0">
+                            <a:latin typeface="Cambria Math" panose="02040503050406030204" pitchFamily="18" charset="0"/>
+                          </a:rPr>
+                        </m:ctrlPr>
+                      </m:dPr>
+                      <m:e>
+                        <m:r>
+                          <a:rPr kumimoji="1" lang="en-US" altLang="ja-JP" b="0" i="1" dirty="0" smtClean="0">
+                            <a:latin typeface="Cambria Math" panose="02040503050406030204" pitchFamily="18" charset="0"/>
+                          </a:rPr>
+                          <m:t>𝑏</m:t>
+                        </m:r>
+                        <m:r>
+                          <a:rPr kumimoji="1" lang="en-US" altLang="ja-JP" b="0" i="1" dirty="0" smtClean="0">
+                            <a:latin typeface="Cambria Math" panose="02040503050406030204" pitchFamily="18" charset="0"/>
+                          </a:rPr>
+                          <m:t>,</m:t>
+                        </m:r>
+                        <m:r>
+                          <a:rPr kumimoji="1" lang="en-US" altLang="ja-JP" b="0" i="1" dirty="0" smtClean="0">
+                            <a:latin typeface="Cambria Math" panose="02040503050406030204" pitchFamily="18" charset="0"/>
+                          </a:rPr>
+                          <m:t>𝑥</m:t>
+                        </m:r>
+                      </m:e>
+                    </m:d>
+                    <m:r>
+                      <a:rPr kumimoji="1" lang="en-US" altLang="ja-JP" b="0" i="1" dirty="0" smtClean="0">
+                        <a:latin typeface="Cambria Math" panose="02040503050406030204" pitchFamily="18" charset="0"/>
+                      </a:rPr>
+                      <m:t>,</m:t>
+                    </m:r>
+                    <m:r>
+                      <a:rPr kumimoji="1" lang="en-US" altLang="ja-JP" b="0" i="1" dirty="0" smtClean="0">
+                        <a:latin typeface="Cambria Math" panose="02040503050406030204" pitchFamily="18" charset="0"/>
+                      </a:rPr>
+                      <m:t>𝑥</m:t>
+                    </m:r>
+                    <m:r>
+                      <a:rPr lang="en-US" altLang="ja-JP" i="1" dirty="0">
+                        <a:latin typeface="Cambria Math" panose="02040503050406030204" pitchFamily="18" charset="0"/>
+                        <a:ea typeface="Cambria Math" panose="02040503050406030204" pitchFamily="18" charset="0"/>
+                      </a:rPr>
+                      <m:t>∈</m:t>
+                    </m:r>
+                    <m:r>
+                      <a:rPr lang="en-US" altLang="ja-JP" b="0" i="1" dirty="0" smtClean="0">
+                        <a:latin typeface="Cambria Math" panose="02040503050406030204" pitchFamily="18" charset="0"/>
+                        <a:ea typeface="Cambria Math" panose="02040503050406030204" pitchFamily="18" charset="0"/>
+                      </a:rPr>
+                      <m:t>𝑉</m:t>
+                    </m:r>
+                    <m:r>
+                      <a:rPr lang="en-US" altLang="ja-JP" b="0" i="1" dirty="0" smtClean="0">
+                        <a:latin typeface="Cambria Math" panose="02040503050406030204" pitchFamily="18" charset="0"/>
+                        <a:ea typeface="Cambria Math" panose="02040503050406030204" pitchFamily="18" charset="0"/>
+                      </a:rPr>
+                      <m:t>−</m:t>
+                    </m:r>
+                    <m:r>
+                      <a:rPr lang="en-US" altLang="ja-JP" b="0" i="1" dirty="0" smtClean="0">
+                        <a:latin typeface="Cambria Math" panose="02040503050406030204" pitchFamily="18" charset="0"/>
+                        <a:ea typeface="Cambria Math" panose="02040503050406030204" pitchFamily="18" charset="0"/>
+                      </a:rPr>
+                      <m:t>𝑆</m:t>
+                    </m:r>
+                  </m:oMath>
+                </a14:m>
+                <a:r>
+                  <a:rPr kumimoji="1" lang="ja-JP" altLang="en-US" dirty="0"/>
+                  <a:t>によって拡張する</a:t>
+                </a:r>
+                <a:endParaRPr kumimoji="1" lang="en-US" altLang="ja-JP" dirty="0"/>
+              </a:p>
+              <a:p>
+                <a:r>
+                  <a:rPr lang="ja-JP" altLang="en-US" dirty="0"/>
+                  <a:t>この操作は</a:t>
+                </a:r>
+                <a:r>
+                  <a:rPr lang="en-US" altLang="ja-JP" dirty="0"/>
+                  <a:t>1</a:t>
+                </a:r>
+                <a:r>
+                  <a:rPr lang="ja-JP" altLang="en-US" dirty="0"/>
+                  <a:t>回</a:t>
+                </a:r>
+                <a14:m>
+                  <m:oMath xmlns:m="http://schemas.openxmlformats.org/officeDocument/2006/math">
+                    <m:r>
+                      <a:rPr lang="ja-JP" altLang="en-US" i="1" dirty="0">
+                        <a:latin typeface="Cambria Math" panose="02040503050406030204" pitchFamily="18" charset="0"/>
+                      </a:rPr>
+                      <m:t>につき</m:t>
+                    </m:r>
+                    <m:d>
+                      <m:dPr>
+                        <m:begChr m:val="|"/>
+                        <m:endChr m:val="|"/>
+                        <m:ctrlPr>
+                          <a:rPr lang="en-US" altLang="ja-JP" i="1" smtClean="0">
+                            <a:latin typeface="Cambria Math" panose="02040503050406030204" pitchFamily="18" charset="0"/>
+                          </a:rPr>
+                        </m:ctrlPr>
+                      </m:dPr>
+                      <m:e>
+                        <m:r>
+                          <a:rPr lang="en-US" altLang="ja-JP" b="0" i="1" smtClean="0">
+                            <a:latin typeface="Cambria Math" panose="02040503050406030204" pitchFamily="18" charset="0"/>
+                          </a:rPr>
+                          <m:t>𝑉</m:t>
+                        </m:r>
+                        <m:r>
+                          <a:rPr lang="en-US" altLang="ja-JP" b="0" i="1" smtClean="0">
+                            <a:latin typeface="Cambria Math" panose="02040503050406030204" pitchFamily="18" charset="0"/>
+                          </a:rPr>
+                          <m:t>−</m:t>
+                        </m:r>
+                        <m:r>
+                          <a:rPr lang="en-US" altLang="ja-JP" b="0" i="1" smtClean="0">
+                            <a:latin typeface="Cambria Math" panose="02040503050406030204" pitchFamily="18" charset="0"/>
+                          </a:rPr>
+                          <m:t>𝑆</m:t>
+                        </m:r>
+                      </m:e>
+                    </m:d>
+                  </m:oMath>
+                </a14:m>
+                <a:r>
+                  <a:rPr kumimoji="1" lang="ja-JP" altLang="en-US" dirty="0"/>
+                  <a:t>通りあり、</a:t>
+                </a:r>
+                <a:br>
+                  <a:rPr kumimoji="1" lang="en-US" altLang="ja-JP" dirty="0"/>
+                </a:br>
+                <a:r>
+                  <a:rPr kumimoji="1" lang="ja-JP" altLang="en-US" dirty="0"/>
+                  <a:t>これによって</a:t>
+                </a:r>
+                <a14:m>
+                  <m:oMath xmlns:m="http://schemas.openxmlformats.org/officeDocument/2006/math">
+                    <m:d>
+                      <m:dPr>
+                        <m:begChr m:val="["/>
+                        <m:endChr m:val="]"/>
+                        <m:ctrlPr>
+                          <a:rPr kumimoji="1" lang="en-US" altLang="ja-JP" b="0" i="1" smtClean="0">
+                            <a:latin typeface="Cambria Math" panose="02040503050406030204" pitchFamily="18" charset="0"/>
+                          </a:rPr>
+                        </m:ctrlPr>
+                      </m:dPr>
+                      <m:e>
+                        <m:r>
+                          <a:rPr kumimoji="1" lang="en-US" altLang="ja-JP" b="0" i="1" smtClean="0">
+                            <a:latin typeface="Cambria Math" panose="02040503050406030204" pitchFamily="18" charset="0"/>
+                          </a:rPr>
+                          <m:t>𝑎</m:t>
+                        </m:r>
+                        <m:r>
+                          <a:rPr kumimoji="1" lang="en-US" altLang="ja-JP" b="0" i="1" smtClean="0">
+                            <a:latin typeface="Cambria Math" panose="02040503050406030204" pitchFamily="18" charset="0"/>
+                          </a:rPr>
+                          <m:t>,</m:t>
+                        </m:r>
+                        <m:r>
+                          <a:rPr kumimoji="1" lang="en-US" altLang="ja-JP" b="0" i="1" smtClean="0">
+                            <a:latin typeface="Cambria Math" panose="02040503050406030204" pitchFamily="18" charset="0"/>
+                          </a:rPr>
+                          <m:t>𝑆</m:t>
+                        </m:r>
+                        <m:r>
+                          <a:rPr kumimoji="1" lang="en-US" altLang="ja-JP" b="0" i="1" smtClean="0">
+                            <a:latin typeface="Cambria Math" panose="02040503050406030204" pitchFamily="18" charset="0"/>
+                            <a:ea typeface="Cambria Math" panose="02040503050406030204" pitchFamily="18" charset="0"/>
+                          </a:rPr>
+                          <m:t>∪{</m:t>
+                        </m:r>
+                        <m:r>
+                          <a:rPr kumimoji="1" lang="en-US" altLang="ja-JP" b="0" i="1" smtClean="0">
+                            <a:latin typeface="Cambria Math" panose="02040503050406030204" pitchFamily="18" charset="0"/>
+                            <a:ea typeface="Cambria Math" panose="02040503050406030204" pitchFamily="18" charset="0"/>
+                          </a:rPr>
+                          <m:t>𝑥</m:t>
+                        </m:r>
+                        <m:r>
+                          <a:rPr kumimoji="1" lang="en-US" altLang="ja-JP" b="0" i="1" smtClean="0">
+                            <a:latin typeface="Cambria Math" panose="02040503050406030204" pitchFamily="18" charset="0"/>
+                            <a:ea typeface="Cambria Math" panose="02040503050406030204" pitchFamily="18" charset="0"/>
+                          </a:rPr>
+                          <m:t>},</m:t>
+                        </m:r>
+                        <m:r>
+                          <a:rPr kumimoji="1" lang="en-US" altLang="ja-JP" b="0" i="1" smtClean="0">
+                            <a:latin typeface="Cambria Math" panose="02040503050406030204" pitchFamily="18" charset="0"/>
+                            <a:ea typeface="Cambria Math" panose="02040503050406030204" pitchFamily="18" charset="0"/>
+                          </a:rPr>
+                          <m:t>𝑥</m:t>
+                        </m:r>
+                      </m:e>
+                    </m:d>
+                    <m:r>
+                      <a:rPr kumimoji="1" lang="en-US" altLang="ja-JP" b="0" i="1" smtClean="0">
+                        <a:latin typeface="Cambria Math" panose="02040503050406030204" pitchFamily="18" charset="0"/>
+                        <a:ea typeface="Cambria Math" panose="02040503050406030204" pitchFamily="18" charset="0"/>
+                      </a:rPr>
+                      <m:t>,</m:t>
+                    </m:r>
+                    <m:r>
+                      <a:rPr kumimoji="1" lang="en-US" altLang="ja-JP" b="0" i="1" smtClean="0">
+                        <a:latin typeface="Cambria Math" panose="02040503050406030204" pitchFamily="18" charset="0"/>
+                        <a:ea typeface="Cambria Math" panose="02040503050406030204" pitchFamily="18" charset="0"/>
+                      </a:rPr>
+                      <m:t>𝑥</m:t>
+                    </m:r>
+                    <m:r>
+                      <a:rPr kumimoji="1" lang="en-US" altLang="ja-JP" b="0" i="1" smtClean="0">
+                        <a:latin typeface="Cambria Math" panose="02040503050406030204" pitchFamily="18" charset="0"/>
+                        <a:ea typeface="Cambria Math" panose="02040503050406030204" pitchFamily="18" charset="0"/>
+                      </a:rPr>
+                      <m:t>∈</m:t>
+                    </m:r>
+                    <m:r>
+                      <a:rPr kumimoji="1" lang="en-US" altLang="ja-JP" b="0" i="1" smtClean="0">
+                        <a:latin typeface="Cambria Math" panose="02040503050406030204" pitchFamily="18" charset="0"/>
+                        <a:ea typeface="Cambria Math" panose="02040503050406030204" pitchFamily="18" charset="0"/>
+                      </a:rPr>
+                      <m:t>𝑉</m:t>
+                    </m:r>
+                    <m:r>
+                      <a:rPr kumimoji="1" lang="en-US" altLang="ja-JP" b="0" i="1" smtClean="0">
+                        <a:latin typeface="Cambria Math" panose="02040503050406030204" pitchFamily="18" charset="0"/>
+                        <a:ea typeface="Cambria Math" panose="02040503050406030204" pitchFamily="18" charset="0"/>
+                      </a:rPr>
+                      <m:t>−</m:t>
+                    </m:r>
+                    <m:r>
+                      <a:rPr kumimoji="1" lang="en-US" altLang="ja-JP" b="0" i="1" smtClean="0">
+                        <a:latin typeface="Cambria Math" panose="02040503050406030204" pitchFamily="18" charset="0"/>
+                        <a:ea typeface="Cambria Math" panose="02040503050406030204" pitchFamily="18" charset="0"/>
+                      </a:rPr>
+                      <m:t>𝑆</m:t>
+                    </m:r>
+                  </m:oMath>
+                </a14:m>
+                <a:r>
+                  <a:rPr kumimoji="1" lang="ja-JP" altLang="en-US" dirty="0"/>
+                  <a:t>という</a:t>
+                </a:r>
+                <a:r>
+                  <a:rPr kumimoji="1" lang="en-US" altLang="ja-JP" dirty="0"/>
+                  <a:t>subproblem</a:t>
+                </a:r>
+                <a:r>
+                  <a:rPr kumimoji="1" lang="ja-JP" altLang="en-US" dirty="0"/>
+                  <a:t>が</a:t>
+                </a:r>
+                <a:br>
+                  <a:rPr kumimoji="1" lang="en-US" altLang="ja-JP" dirty="0"/>
+                </a:br>
+                <a:r>
+                  <a:rPr kumimoji="1" lang="ja-JP" altLang="en-US" dirty="0"/>
+                  <a:t>導き出される</a:t>
+                </a:r>
+                <a:endParaRPr kumimoji="1" lang="en-US" altLang="ja-JP" dirty="0"/>
+              </a:p>
+              <a:p>
+                <a:r>
+                  <a:rPr lang="ja-JP" altLang="en-US" dirty="0"/>
+                  <a:t>あとは、</a:t>
+                </a:r>
+                <a14:m>
+                  <m:oMath xmlns:m="http://schemas.openxmlformats.org/officeDocument/2006/math">
+                    <m:r>
+                      <a:rPr lang="en-US" altLang="ja-JP" b="0" i="1" smtClean="0">
+                        <a:latin typeface="Cambria Math" panose="02040503050406030204" pitchFamily="18" charset="0"/>
+                      </a:rPr>
+                      <m:t>[</m:t>
+                    </m:r>
+                    <m:r>
+                      <a:rPr lang="en-US" altLang="ja-JP" b="0" i="1" smtClean="0">
+                        <a:latin typeface="Cambria Math" panose="02040503050406030204" pitchFamily="18" charset="0"/>
+                      </a:rPr>
+                      <m:t>𝑎</m:t>
+                    </m:r>
+                    <m:r>
+                      <a:rPr lang="en-US" altLang="ja-JP" b="0" i="1" smtClean="0">
+                        <a:latin typeface="Cambria Math" panose="02040503050406030204" pitchFamily="18" charset="0"/>
+                      </a:rPr>
+                      <m:t>,</m:t>
+                    </m:r>
+                    <m:r>
+                      <a:rPr lang="en-US" altLang="ja-JP" b="0" i="1" smtClean="0">
+                        <a:latin typeface="Cambria Math" panose="02040503050406030204" pitchFamily="18" charset="0"/>
+                      </a:rPr>
+                      <m:t>𝑆</m:t>
+                    </m:r>
+                    <m:r>
+                      <a:rPr lang="en-US" altLang="ja-JP" b="0" i="1" smtClean="0">
+                        <a:latin typeface="Cambria Math" panose="02040503050406030204" pitchFamily="18" charset="0"/>
+                      </a:rPr>
+                      <m:t>,</m:t>
+                    </m:r>
+                    <m:r>
+                      <a:rPr lang="en-US" altLang="ja-JP" b="0" i="1" smtClean="0">
+                        <a:latin typeface="Cambria Math" panose="02040503050406030204" pitchFamily="18" charset="0"/>
+                      </a:rPr>
+                      <m:t>𝑏</m:t>
+                    </m:r>
+                    <m:r>
+                      <a:rPr lang="en-US" altLang="ja-JP" b="0" i="1" smtClean="0">
+                        <a:latin typeface="Cambria Math" panose="02040503050406030204" pitchFamily="18" charset="0"/>
+                      </a:rPr>
+                      <m:t>]</m:t>
+                    </m:r>
+                    <m:r>
+                      <a:rPr lang="ja-JP" altLang="en-US" i="1">
+                        <a:latin typeface="Cambria Math" panose="02040503050406030204" pitchFamily="18" charset="0"/>
+                      </a:rPr>
+                      <m:t>の</m:t>
+                    </m:r>
+                    <m:r>
+                      <a:rPr lang="ja-JP" altLang="en-US" i="1" smtClean="0">
+                        <a:latin typeface="Cambria Math" panose="02040503050406030204" pitchFamily="18" charset="0"/>
+                      </a:rPr>
+                      <m:t>下界</m:t>
+                    </m:r>
+                  </m:oMath>
+                </a14:m>
+                <a:r>
+                  <a:rPr kumimoji="1" lang="ja-JP" altLang="en-US" dirty="0"/>
+                  <a:t>を素早く導き出す必要がある</a:t>
+                </a:r>
+                <a:endParaRPr lang="en-US" altLang="ja-JP" dirty="0"/>
+              </a:p>
+              <a:p>
+                <a:r>
+                  <a:rPr lang="ja-JP" altLang="en-US" dirty="0"/>
+                  <a:t>今まで高度な下界の求め方が導き出されてきたが、</a:t>
+                </a:r>
+                <a:br>
+                  <a:rPr lang="en-US" altLang="ja-JP" dirty="0"/>
+                </a:br>
+                <a:r>
+                  <a:rPr lang="ja-JP" altLang="en-US" dirty="0"/>
+                  <a:t>今回は単純な下界の求め方を見ていく</a:t>
+                </a:r>
+                <a:endParaRPr kumimoji="1" lang="ja-JP" altLang="en-US" dirty="0"/>
+              </a:p>
+            </p:txBody>
+          </p:sp>
+        </mc:Choice>
+        <mc:Fallback>
+          <p:sp>
+            <p:nvSpPr>
+              <p:cNvPr id="3" name="コンテンツ プレースホルダー 2">
+                <a:extLst>
+                  <a:ext uri="{FF2B5EF4-FFF2-40B4-BE49-F238E27FC236}">
+                    <a16:creationId xmlns:a16="http://schemas.microsoft.com/office/drawing/2014/main" id="{05FA1733-6937-4661-9922-6204B8390E96}"/>
+                  </a:ext>
+                </a:extLst>
+              </p:cNvPr>
+              <p:cNvSpPr>
+                <a:spLocks noGrp="1" noRot="1" noChangeAspect="1" noMove="1" noResize="1" noEditPoints="1" noAdjustHandles="1" noChangeArrowheads="1" noChangeShapeType="1" noTextEdit="1"/>
+              </p:cNvSpPr>
+              <p:nvPr>
+                <p:ph sz="quarter" idx="1"/>
+              </p:nvPr>
+            </p:nvSpPr>
+            <p:spPr>
+              <a:blipFill>
+                <a:blip r:embed="rId2"/>
+                <a:stretch>
+                  <a:fillRect l="-139" t="-928" r="-416"/>
+                </a:stretch>
+              </a:blipFill>
+            </p:spPr>
+            <p:txBody>
+              <a:bodyPr/>
+              <a:lstStyle/>
+              <a:p>
+                <a:r>
+                  <a:rPr lang="ja-JP" altLang="en-US">
+                    <a:noFill/>
+                  </a:rPr>
+                  <a:t> </a:t>
+                </a:r>
+              </a:p>
+            </p:txBody>
+          </p:sp>
+        </mc:Fallback>
+      </mc:AlternateContent>
+    </p:spTree>
+    <p:extLst>
+      <p:ext uri="{BB962C8B-B14F-4D97-AF65-F5344CB8AC3E}">
+        <p14:creationId xmlns:p14="http://schemas.microsoft.com/office/powerpoint/2010/main" val="2676582330"/>
+      </p:ext>
+    </p:extLst>
+  </p:cSld>
+  <p:clrMapOvr>
+    <a:masterClrMapping/>
+  </p:clrMapOvr>
+</p:sld>
+</file>
+
+<file path=ppt/slides/slide21.xml><?xml version="1.0" encoding="utf-8"?>
+<p:sld xmlns:a="http://schemas.openxmlformats.org/drawingml/2006/main" xmlns:r="http://schemas.openxmlformats.org/officeDocument/2006/relationships" xmlns:p="http://schemas.openxmlformats.org/presentationml/2006/main">
+  <p:cSld>
+    <p:spTree>
+      <p:nvGrpSpPr>
+        <p:cNvPr id="1" name=""/>
+        <p:cNvGrpSpPr/>
+        <p:nvPr/>
+      </p:nvGrpSpPr>
+      <p:grpSpPr>
+        <a:xfrm>
+          <a:off x="0" y="0"/>
+          <a:ext cx="0" cy="0"/>
+          <a:chOff x="0" y="0"/>
+          <a:chExt cx="0" cy="0"/>
+        </a:xfrm>
+      </p:grpSpPr>
+      <p:sp>
+        <p:nvSpPr>
+          <p:cNvPr id="2" name="タイトル 1">
+            <a:extLst>
+              <a:ext uri="{FF2B5EF4-FFF2-40B4-BE49-F238E27FC236}">
+                <a16:creationId xmlns:a16="http://schemas.microsoft.com/office/drawing/2014/main" id="{C49A6322-061A-43AF-9502-BD213B02A5EC}"/>
+              </a:ext>
+            </a:extLst>
+          </p:cNvPr>
+          <p:cNvSpPr>
+            <a:spLocks noGrp="1"/>
+          </p:cNvSpPr>
+          <p:nvPr>
+            <p:ph type="title"/>
+          </p:nvPr>
+        </p:nvSpPr>
+        <p:spPr/>
+        <p:txBody>
+          <a:bodyPr/>
+          <a:lstStyle/>
+          <a:p>
+            <a:r>
+              <a:rPr kumimoji="1" lang="en-US" altLang="ja-JP" dirty="0"/>
+              <a:t>Branch-and-bound</a:t>
+            </a:r>
+            <a:endParaRPr kumimoji="1" lang="ja-JP" altLang="en-US" dirty="0"/>
+          </a:p>
+        </p:txBody>
+      </p:sp>
+      <mc:AlternateContent xmlns:mc="http://schemas.openxmlformats.org/markup-compatibility/2006">
+        <mc:Choice xmlns:a14="http://schemas.microsoft.com/office/drawing/2010/main" Requires="a14">
+          <p:sp>
+            <p:nvSpPr>
+              <p:cNvPr id="3" name="コンテンツ プレースホルダー 2">
+                <a:extLst>
+                  <a:ext uri="{FF2B5EF4-FFF2-40B4-BE49-F238E27FC236}">
+                    <a16:creationId xmlns:a16="http://schemas.microsoft.com/office/drawing/2014/main" id="{157F9DC7-C327-40D1-9A43-E240BF46F5C4}"/>
+                  </a:ext>
+                </a:extLst>
+              </p:cNvPr>
+              <p:cNvSpPr>
+                <a:spLocks noGrp="1"/>
+              </p:cNvSpPr>
+              <p:nvPr>
+                <p:ph sz="quarter" idx="1"/>
+              </p:nvPr>
+            </p:nvSpPr>
+            <p:spPr/>
+            <p:txBody>
+              <a:bodyPr/>
+              <a:lstStyle/>
+              <a:p>
+                <a14:m>
+                  <m:oMath xmlns:m="http://schemas.openxmlformats.org/officeDocument/2006/math">
+                    <m:r>
+                      <a:rPr kumimoji="1" lang="en-US" altLang="ja-JP" b="0" i="1" smtClean="0">
+                        <a:latin typeface="Cambria Math" panose="02040503050406030204" pitchFamily="18" charset="0"/>
+                      </a:rPr>
+                      <m:t>[</m:t>
+                    </m:r>
+                    <m:r>
+                      <a:rPr kumimoji="1" lang="en-US" altLang="ja-JP" b="0" i="1" smtClean="0">
+                        <a:latin typeface="Cambria Math" panose="02040503050406030204" pitchFamily="18" charset="0"/>
+                      </a:rPr>
+                      <m:t>𝑎</m:t>
+                    </m:r>
+                    <m:r>
+                      <a:rPr kumimoji="1" lang="en-US" altLang="ja-JP" b="0" i="1" smtClean="0">
+                        <a:latin typeface="Cambria Math" panose="02040503050406030204" pitchFamily="18" charset="0"/>
+                      </a:rPr>
+                      <m:t>,</m:t>
+                    </m:r>
+                    <m:r>
+                      <a:rPr kumimoji="1" lang="en-US" altLang="ja-JP" b="0" i="1" smtClean="0">
+                        <a:latin typeface="Cambria Math" panose="02040503050406030204" pitchFamily="18" charset="0"/>
+                      </a:rPr>
+                      <m:t>𝑆</m:t>
+                    </m:r>
+                    <m:r>
+                      <a:rPr kumimoji="1" lang="en-US" altLang="ja-JP" b="0" i="1" smtClean="0">
+                        <a:latin typeface="Cambria Math" panose="02040503050406030204" pitchFamily="18" charset="0"/>
+                      </a:rPr>
+                      <m:t>,</m:t>
+                    </m:r>
+                    <m:r>
+                      <a:rPr kumimoji="1" lang="en-US" altLang="ja-JP" b="0" i="1" smtClean="0">
+                        <a:latin typeface="Cambria Math" panose="02040503050406030204" pitchFamily="18" charset="0"/>
+                      </a:rPr>
+                      <m:t>𝑏</m:t>
+                    </m:r>
+                    <m:r>
+                      <a:rPr kumimoji="1" lang="en-US" altLang="ja-JP" b="0" i="1" smtClean="0">
+                        <a:latin typeface="Cambria Math" panose="02040503050406030204" pitchFamily="18" charset="0"/>
+                      </a:rPr>
+                      <m:t>]</m:t>
+                    </m:r>
+                    <m:r>
+                      <a:rPr lang="ja-JP" altLang="en-US" i="1">
+                        <a:latin typeface="Cambria Math" panose="02040503050406030204" pitchFamily="18" charset="0"/>
+                      </a:rPr>
+                      <m:t>の</m:t>
+                    </m:r>
+                  </m:oMath>
+                </a14:m>
+                <a:r>
+                  <a:rPr kumimoji="1" lang="ja-JP" altLang="en-US" dirty="0"/>
+                  <a:t>下界の求め方</a:t>
+                </a:r>
+                <a:r>
+                  <a:rPr lang="ja-JP" altLang="en-US" dirty="0"/>
+                  <a:t>は以下のコストの総和で表される</a:t>
+                </a:r>
+                <a:endParaRPr kumimoji="1" lang="en-US" altLang="ja-JP" dirty="0"/>
+              </a:p>
+              <a:p>
+                <a:pPr lvl="1"/>
+                <a14:m>
+                  <m:oMath xmlns:m="http://schemas.openxmlformats.org/officeDocument/2006/math">
+                    <m:r>
+                      <a:rPr kumimoji="1" lang="en-US" altLang="ja-JP" b="0" i="1" smtClean="0">
+                        <a:latin typeface="Cambria Math" panose="02040503050406030204" pitchFamily="18" charset="0"/>
+                      </a:rPr>
+                      <m:t>𝑎</m:t>
+                    </m:r>
+                  </m:oMath>
+                </a14:m>
+                <a:r>
+                  <a:rPr kumimoji="1" lang="ja-JP" altLang="en-US" dirty="0"/>
+                  <a:t>から</a:t>
+                </a:r>
+                <a14:m>
+                  <m:oMath xmlns:m="http://schemas.openxmlformats.org/officeDocument/2006/math">
+                    <m:r>
+                      <a:rPr kumimoji="1" lang="en-US" altLang="ja-JP" b="0" i="1" dirty="0" smtClean="0">
+                        <a:latin typeface="Cambria Math" panose="02040503050406030204" pitchFamily="18" charset="0"/>
+                      </a:rPr>
+                      <m:t>𝑉</m:t>
+                    </m:r>
+                    <m:r>
+                      <a:rPr kumimoji="1" lang="en-US" altLang="ja-JP" b="0" i="1" dirty="0" smtClean="0">
+                        <a:latin typeface="Cambria Math" panose="02040503050406030204" pitchFamily="18" charset="0"/>
+                      </a:rPr>
+                      <m:t>−</m:t>
+                    </m:r>
+                    <m:r>
+                      <a:rPr kumimoji="1" lang="en-US" altLang="ja-JP" b="0" i="1" dirty="0" smtClean="0">
+                        <a:latin typeface="Cambria Math" panose="02040503050406030204" pitchFamily="18" charset="0"/>
+                      </a:rPr>
+                      <m:t>𝑆</m:t>
+                    </m:r>
+                  </m:oMath>
+                </a14:m>
+                <a:r>
+                  <a:rPr kumimoji="1" lang="ja-JP" altLang="en-US" dirty="0"/>
+                  <a:t>に伸びる辺のうち最もコストの小さい辺</a:t>
+                </a:r>
+                <a:endParaRPr kumimoji="1" lang="en-US" altLang="ja-JP" dirty="0"/>
+              </a:p>
+              <a:p>
+                <a:pPr lvl="1"/>
+                <a14:m>
+                  <m:oMath xmlns:m="http://schemas.openxmlformats.org/officeDocument/2006/math">
+                    <m:r>
+                      <a:rPr kumimoji="1" lang="en-US" altLang="ja-JP" b="0" i="1" smtClean="0">
+                        <a:latin typeface="Cambria Math" panose="02040503050406030204" pitchFamily="18" charset="0"/>
+                      </a:rPr>
+                      <m:t>𝑏</m:t>
+                    </m:r>
+                  </m:oMath>
+                </a14:m>
+                <a:r>
+                  <a:rPr kumimoji="1" lang="ja-JP" altLang="en-US" dirty="0"/>
+                  <a:t>から</a:t>
+                </a:r>
+                <a14:m>
+                  <m:oMath xmlns:m="http://schemas.openxmlformats.org/officeDocument/2006/math">
+                    <m:r>
+                      <a:rPr kumimoji="1" lang="en-US" altLang="ja-JP" b="0" i="1" dirty="0" smtClean="0">
+                        <a:latin typeface="Cambria Math" panose="02040503050406030204" pitchFamily="18" charset="0"/>
+                      </a:rPr>
+                      <m:t>𝑉</m:t>
+                    </m:r>
+                    <m:r>
+                      <a:rPr kumimoji="1" lang="en-US" altLang="ja-JP" b="0" i="1" dirty="0" smtClean="0">
+                        <a:latin typeface="Cambria Math" panose="02040503050406030204" pitchFamily="18" charset="0"/>
+                      </a:rPr>
+                      <m:t>−</m:t>
+                    </m:r>
+                    <m:r>
+                      <a:rPr kumimoji="1" lang="en-US" altLang="ja-JP" b="0" i="1" dirty="0" smtClean="0">
+                        <a:latin typeface="Cambria Math" panose="02040503050406030204" pitchFamily="18" charset="0"/>
+                      </a:rPr>
+                      <m:t>𝑆</m:t>
+                    </m:r>
+                  </m:oMath>
+                </a14:m>
+                <a:r>
+                  <a:rPr kumimoji="1" lang="ja-JP" altLang="en-US" dirty="0"/>
+                  <a:t>に伸びる辺のうち最もコストの小さい辺</a:t>
+                </a:r>
+                <a:endParaRPr kumimoji="1" lang="en-US" altLang="ja-JP" dirty="0"/>
+              </a:p>
+              <a:p>
+                <a:pPr lvl="1"/>
+                <a14:m>
+                  <m:oMath xmlns:m="http://schemas.openxmlformats.org/officeDocument/2006/math">
+                    <m:r>
+                      <a:rPr kumimoji="1" lang="en-US" altLang="ja-JP" b="0" i="1" smtClean="0">
+                        <a:latin typeface="Cambria Math" panose="02040503050406030204" pitchFamily="18" charset="0"/>
+                      </a:rPr>
+                      <m:t>𝑉</m:t>
+                    </m:r>
+                    <m:r>
+                      <a:rPr kumimoji="1" lang="en-US" altLang="ja-JP" b="0" i="1" smtClean="0">
+                        <a:latin typeface="Cambria Math" panose="02040503050406030204" pitchFamily="18" charset="0"/>
+                      </a:rPr>
+                      <m:t>−</m:t>
+                    </m:r>
+                    <m:r>
+                      <a:rPr kumimoji="1" lang="en-US" altLang="ja-JP" b="0" i="1" smtClean="0">
+                        <a:latin typeface="Cambria Math" panose="02040503050406030204" pitchFamily="18" charset="0"/>
+                      </a:rPr>
+                      <m:t>𝑆</m:t>
+                    </m:r>
+                    <m:r>
+                      <a:rPr lang="ja-JP" altLang="en-US" i="1">
+                        <a:latin typeface="Cambria Math" panose="02040503050406030204" pitchFamily="18" charset="0"/>
+                      </a:rPr>
+                      <m:t>の</m:t>
+                    </m:r>
+                  </m:oMath>
+                </a14:m>
+                <a:r>
+                  <a:rPr kumimoji="1" lang="ja-JP" altLang="en-US" dirty="0"/>
+                  <a:t>最小全域木</a:t>
+                </a:r>
+                <a:endParaRPr kumimoji="1" lang="en-US" altLang="ja-JP" dirty="0"/>
+              </a:p>
+              <a:p>
+                <a:r>
+                  <a:rPr kumimoji="1" lang="ja-JP" altLang="en-US" dirty="0"/>
+                  <a:t>これで下界は高速に求めることができる</a:t>
+                </a:r>
+              </a:p>
+            </p:txBody>
+          </p:sp>
+        </mc:Choice>
+        <mc:Fallback>
+          <p:sp>
+            <p:nvSpPr>
+              <p:cNvPr id="3" name="コンテンツ プレースホルダー 2">
+                <a:extLst>
+                  <a:ext uri="{FF2B5EF4-FFF2-40B4-BE49-F238E27FC236}">
+                    <a16:creationId xmlns:a16="http://schemas.microsoft.com/office/drawing/2014/main" id="{157F9DC7-C327-40D1-9A43-E240BF46F5C4}"/>
+                  </a:ext>
+                </a:extLst>
+              </p:cNvPr>
+              <p:cNvSpPr>
+                <a:spLocks noGrp="1" noRot="1" noChangeAspect="1" noMove="1" noResize="1" noEditPoints="1" noAdjustHandles="1" noChangeArrowheads="1" noChangeShapeType="1" noTextEdit="1"/>
+              </p:cNvSpPr>
+              <p:nvPr>
+                <p:ph sz="quarter" idx="1"/>
+              </p:nvPr>
+            </p:nvSpPr>
+            <p:spPr>
+              <a:blipFill>
+                <a:blip r:embed="rId2"/>
+                <a:stretch>
+                  <a:fillRect l="-139" t="-696"/>
+                </a:stretch>
+              </a:blipFill>
+            </p:spPr>
+            <p:txBody>
+              <a:bodyPr/>
+              <a:lstStyle/>
+              <a:p>
+                <a:r>
+                  <a:rPr lang="ja-JP" altLang="en-US">
+                    <a:noFill/>
+                  </a:rPr>
+                  <a:t> </a:t>
+                </a:r>
+              </a:p>
+            </p:txBody>
+          </p:sp>
+        </mc:Fallback>
+      </mc:AlternateContent>
+    </p:spTree>
+    <p:extLst>
+      <p:ext uri="{BB962C8B-B14F-4D97-AF65-F5344CB8AC3E}">
+        <p14:creationId xmlns:p14="http://schemas.microsoft.com/office/powerpoint/2010/main" val="1765087649"/>
+      </p:ext>
+    </p:extLst>
+  </p:cSld>
+  <p:clrMapOvr>
+    <a:masterClrMapping/>
+  </p:clrMapOvr>
+</p:sld>
+</file>
+
+<file path=ppt/slides/slide22.xml><?xml version="1.0" encoding="utf-8"?>
+<p:sld xmlns:a="http://schemas.openxmlformats.org/drawingml/2006/main" xmlns:r="http://schemas.openxmlformats.org/officeDocument/2006/relationships" xmlns:p="http://schemas.openxmlformats.org/presentationml/2006/main">
+  <p:cSld>
+    <p:spTree>
+      <p:nvGrpSpPr>
+        <p:cNvPr id="1" name=""/>
+        <p:cNvGrpSpPr/>
+        <p:nvPr/>
+      </p:nvGrpSpPr>
+      <p:grpSpPr>
+        <a:xfrm>
+          <a:off x="0" y="0"/>
+          <a:ext cx="0" cy="0"/>
+          <a:chOff x="0" y="0"/>
+          <a:chExt cx="0" cy="0"/>
+        </a:xfrm>
+      </p:grpSpPr>
+      <p:sp>
+        <p:nvSpPr>
+          <p:cNvPr id="2" name="タイトル 1">
+            <a:extLst>
+              <a:ext uri="{FF2B5EF4-FFF2-40B4-BE49-F238E27FC236}">
+                <a16:creationId xmlns:a16="http://schemas.microsoft.com/office/drawing/2014/main" id="{987BC87A-A1A4-4DB1-9AEC-C23D6ED57C09}"/>
+              </a:ext>
+            </a:extLst>
+          </p:cNvPr>
+          <p:cNvSpPr>
+            <a:spLocks noGrp="1"/>
+          </p:cNvSpPr>
+          <p:nvPr>
+            <p:ph type="title"/>
+          </p:nvPr>
+        </p:nvSpPr>
+        <p:spPr/>
+        <p:txBody>
+          <a:bodyPr/>
+          <a:lstStyle/>
+          <a:p>
+            <a:r>
+              <a:rPr kumimoji="1" lang="en-US" altLang="ja-JP" dirty="0"/>
+              <a:t>Branch-and-bound</a:t>
+            </a:r>
+            <a:endParaRPr kumimoji="1" lang="ja-JP" altLang="en-US" dirty="0"/>
+          </a:p>
+        </p:txBody>
+      </p:sp>
+      <p:sp>
+        <p:nvSpPr>
+          <p:cNvPr id="3" name="コンテンツ プレースホルダー 2">
+            <a:extLst>
+              <a:ext uri="{FF2B5EF4-FFF2-40B4-BE49-F238E27FC236}">
+                <a16:creationId xmlns:a16="http://schemas.microsoft.com/office/drawing/2014/main" id="{A8E80C15-3450-4F59-A118-F9DDB676608C}"/>
+              </a:ext>
+            </a:extLst>
+          </p:cNvPr>
+          <p:cNvSpPr>
+            <a:spLocks noGrp="1"/>
+          </p:cNvSpPr>
+          <p:nvPr>
+            <p:ph sz="quarter" idx="1"/>
+          </p:nvPr>
+        </p:nvSpPr>
+        <p:spPr/>
+        <p:txBody>
+          <a:bodyPr/>
+          <a:lstStyle/>
+          <a:p>
+            <a:r>
+              <a:rPr lang="ja-JP" altLang="en-US" dirty="0"/>
+              <a:t>こんなグラフだったら</a:t>
+            </a:r>
+            <a:endParaRPr lang="en-US" altLang="ja-JP" dirty="0"/>
+          </a:p>
+          <a:p>
+            <a:endParaRPr kumimoji="1" lang="ja-JP" altLang="en-US" dirty="0"/>
+          </a:p>
+        </p:txBody>
+      </p:sp>
+      <p:pic>
+        <p:nvPicPr>
+          <p:cNvPr id="5" name="図 4">
+            <a:extLst>
+              <a:ext uri="{FF2B5EF4-FFF2-40B4-BE49-F238E27FC236}">
+                <a16:creationId xmlns:a16="http://schemas.microsoft.com/office/drawing/2014/main" id="{F2DDEE2F-9C2F-4C39-B517-57CC2D1A9DF9}"/>
+              </a:ext>
+            </a:extLst>
+          </p:cNvPr>
+          <p:cNvPicPr>
+            <a:picLocks noChangeAspect="1"/>
+          </p:cNvPicPr>
+          <p:nvPr/>
+        </p:nvPicPr>
+        <p:blipFill rotWithShape="1">
+          <a:blip r:embed="rId2">
+            <a:extLst>
+              <a:ext uri="{28A0092B-C50C-407E-A947-70E740481C1C}">
+                <a14:useLocalDpi xmlns:a14="http://schemas.microsoft.com/office/drawing/2010/main" val="0"/>
+              </a:ext>
+            </a:extLst>
+          </a:blip>
+          <a:srcRect r="61309"/>
+          <a:stretch/>
+        </p:blipFill>
+        <p:spPr>
+          <a:xfrm>
+            <a:off x="3031462" y="1673205"/>
+            <a:ext cx="3081076" cy="3511589"/>
+          </a:xfrm>
+          <a:prstGeom prst="rect">
+            <a:avLst/>
+          </a:prstGeom>
+        </p:spPr>
+      </p:pic>
+    </p:spTree>
+    <p:extLst>
+      <p:ext uri="{BB962C8B-B14F-4D97-AF65-F5344CB8AC3E}">
+        <p14:creationId xmlns:p14="http://schemas.microsoft.com/office/powerpoint/2010/main" val="1765420895"/>
+      </p:ext>
+    </p:extLst>
+  </p:cSld>
+  <p:clrMapOvr>
+    <a:masterClrMapping/>
+  </p:clrMapOvr>
+</p:sld>
+</file>
+
+<file path=ppt/slides/slide23.xml><?xml version="1.0" encoding="utf-8"?>
+<p:sld xmlns:a="http://schemas.openxmlformats.org/drawingml/2006/main" xmlns:r="http://schemas.openxmlformats.org/officeDocument/2006/relationships" xmlns:p="http://schemas.openxmlformats.org/presentationml/2006/main">
+  <p:cSld>
+    <p:spTree>
+      <p:nvGrpSpPr>
+        <p:cNvPr id="1" name=""/>
+        <p:cNvGrpSpPr/>
+        <p:nvPr/>
+      </p:nvGrpSpPr>
+      <p:grpSpPr>
+        <a:xfrm>
+          <a:off x="0" y="0"/>
+          <a:ext cx="0" cy="0"/>
+          <a:chOff x="0" y="0"/>
+          <a:chExt cx="0" cy="0"/>
+        </a:xfrm>
+      </p:grpSpPr>
+      <p:sp>
+        <p:nvSpPr>
+          <p:cNvPr id="2" name="タイトル 1">
+            <a:extLst>
+              <a:ext uri="{FF2B5EF4-FFF2-40B4-BE49-F238E27FC236}">
+                <a16:creationId xmlns:a16="http://schemas.microsoft.com/office/drawing/2014/main" id="{0CF0EF01-7156-42E0-9141-E28F54297FE3}"/>
+              </a:ext>
+            </a:extLst>
+          </p:cNvPr>
+          <p:cNvSpPr>
+            <a:spLocks noGrp="1"/>
+          </p:cNvSpPr>
+          <p:nvPr>
+            <p:ph type="title"/>
+          </p:nvPr>
+        </p:nvSpPr>
+        <p:spPr/>
+        <p:txBody>
+          <a:bodyPr/>
+          <a:lstStyle/>
+          <a:p>
+            <a:r>
+              <a:rPr kumimoji="1" lang="en-US" altLang="ja-JP" dirty="0"/>
+              <a:t>Branch-and-bound</a:t>
+            </a:r>
+            <a:endParaRPr kumimoji="1" lang="ja-JP" altLang="en-US" dirty="0"/>
+          </a:p>
+        </p:txBody>
+      </p:sp>
+      <p:sp>
+        <p:nvSpPr>
+          <p:cNvPr id="3" name="コンテンツ プレースホルダー 2">
+            <a:extLst>
+              <a:ext uri="{FF2B5EF4-FFF2-40B4-BE49-F238E27FC236}">
+                <a16:creationId xmlns:a16="http://schemas.microsoft.com/office/drawing/2014/main" id="{7900C7AF-D936-4C51-AA3D-E77D2D86E067}"/>
+              </a:ext>
+            </a:extLst>
+          </p:cNvPr>
+          <p:cNvSpPr>
+            <a:spLocks noGrp="1"/>
+          </p:cNvSpPr>
+          <p:nvPr>
+            <p:ph sz="quarter" idx="1"/>
+          </p:nvPr>
+        </p:nvSpPr>
+        <p:spPr/>
+        <p:txBody>
+          <a:bodyPr/>
+          <a:lstStyle/>
+          <a:p>
+            <a:r>
+              <a:rPr kumimoji="1" lang="ja-JP" altLang="en-US" dirty="0"/>
+              <a:t>こんな感じで探索</a:t>
+            </a:r>
+            <a:r>
+              <a:rPr kumimoji="1" lang="en-US" altLang="ja-JP" dirty="0"/>
+              <a:t>(</a:t>
+            </a:r>
+            <a:r>
+              <a:rPr kumimoji="1" lang="ja-JP" altLang="en-US" dirty="0"/>
+              <a:t>左から右に探索している</a:t>
+            </a:r>
+            <a:r>
+              <a:rPr kumimoji="1" lang="en-US" altLang="ja-JP" dirty="0"/>
+              <a:t>)</a:t>
+            </a:r>
+            <a:endParaRPr kumimoji="1" lang="ja-JP" altLang="en-US" dirty="0"/>
+          </a:p>
+        </p:txBody>
+      </p:sp>
+      <p:pic>
+        <p:nvPicPr>
+          <p:cNvPr id="5" name="図 4">
+            <a:extLst>
+              <a:ext uri="{FF2B5EF4-FFF2-40B4-BE49-F238E27FC236}">
+                <a16:creationId xmlns:a16="http://schemas.microsoft.com/office/drawing/2014/main" id="{23D00522-DA34-492C-89C0-35EE8C050EBE}"/>
+              </a:ext>
+            </a:extLst>
+          </p:cNvPr>
+          <p:cNvPicPr>
+            <a:picLocks noChangeAspect="1"/>
+          </p:cNvPicPr>
+          <p:nvPr/>
+        </p:nvPicPr>
+        <p:blipFill>
+          <a:blip r:embed="rId2">
+            <a:extLst>
+              <a:ext uri="{28A0092B-C50C-407E-A947-70E740481C1C}">
+                <a14:useLocalDpi xmlns:a14="http://schemas.microsoft.com/office/drawing/2010/main" val="0"/>
+              </a:ext>
+            </a:extLst>
+          </a:blip>
+          <a:stretch>
+            <a:fillRect/>
+          </a:stretch>
+        </p:blipFill>
+        <p:spPr>
+          <a:xfrm>
+            <a:off x="999669" y="1652634"/>
+            <a:ext cx="6295866" cy="4633504"/>
+          </a:xfrm>
+          <a:prstGeom prst="rect">
+            <a:avLst/>
+          </a:prstGeom>
+        </p:spPr>
+      </p:pic>
+    </p:spTree>
+    <p:extLst>
+      <p:ext uri="{BB962C8B-B14F-4D97-AF65-F5344CB8AC3E}">
+        <p14:creationId xmlns:p14="http://schemas.microsoft.com/office/powerpoint/2010/main" val="4099902568"/>
+      </p:ext>
+    </p:extLst>
+  </p:cSld>
+  <p:clrMapOvr>
+    <a:masterClrMapping/>
+  </p:clrMapOvr>
+</p:sld>
+</file>
+
+<file path=ppt/slides/slide24.xml><?xml version="1.0" encoding="utf-8"?>
+<p:sld xmlns:a="http://schemas.openxmlformats.org/drawingml/2006/main" xmlns:r="http://schemas.openxmlformats.org/officeDocument/2006/relationships" xmlns:p="http://schemas.openxmlformats.org/presentationml/2006/main">
+  <p:cSld>
+    <p:spTree>
+      <p:nvGrpSpPr>
+        <p:cNvPr id="1" name=""/>
+        <p:cNvGrpSpPr/>
+        <p:nvPr/>
+      </p:nvGrpSpPr>
+      <p:grpSpPr>
+        <a:xfrm>
+          <a:off x="0" y="0"/>
+          <a:ext cx="0" cy="0"/>
+          <a:chOff x="0" y="0"/>
+          <a:chExt cx="0" cy="0"/>
+        </a:xfrm>
+      </p:grpSpPr>
+      <p:sp>
+        <p:nvSpPr>
+          <p:cNvPr id="2" name="タイトル 1">
+            <a:extLst>
+              <a:ext uri="{FF2B5EF4-FFF2-40B4-BE49-F238E27FC236}">
+                <a16:creationId xmlns:a16="http://schemas.microsoft.com/office/drawing/2014/main" id="{C70D18A5-8F5D-4637-8BA5-4393C3A96735}"/>
+              </a:ext>
+            </a:extLst>
+          </p:cNvPr>
+          <p:cNvSpPr>
+            <a:spLocks noGrp="1"/>
+          </p:cNvSpPr>
+          <p:nvPr>
+            <p:ph type="title"/>
+          </p:nvPr>
+        </p:nvSpPr>
+        <p:spPr/>
+        <p:txBody>
+          <a:bodyPr/>
+          <a:lstStyle/>
+          <a:p>
+            <a:r>
+              <a:rPr kumimoji="1" lang="en-US" altLang="ja-JP" dirty="0"/>
+              <a:t>Branch-and-bound</a:t>
+            </a:r>
+            <a:endParaRPr kumimoji="1" lang="ja-JP" altLang="en-US" dirty="0"/>
+          </a:p>
+        </p:txBody>
+      </p:sp>
+      <p:sp>
+        <p:nvSpPr>
+          <p:cNvPr id="3" name="コンテンツ プレースホルダー 2">
+            <a:extLst>
+              <a:ext uri="{FF2B5EF4-FFF2-40B4-BE49-F238E27FC236}">
+                <a16:creationId xmlns:a16="http://schemas.microsoft.com/office/drawing/2014/main" id="{54CCA904-3044-474A-94AA-231C1C2988E3}"/>
+              </a:ext>
+            </a:extLst>
+          </p:cNvPr>
+          <p:cNvSpPr>
+            <a:spLocks noGrp="1"/>
+          </p:cNvSpPr>
+          <p:nvPr>
+            <p:ph sz="quarter" idx="1"/>
+          </p:nvPr>
+        </p:nvSpPr>
+        <p:spPr/>
+        <p:txBody>
+          <a:bodyPr/>
+          <a:lstStyle/>
+          <a:p>
+            <a:r>
+              <a:rPr lang="ja-JP" altLang="en-US" dirty="0"/>
+              <a:t>探索の結果、コスト</a:t>
+            </a:r>
+            <a:r>
+              <a:rPr lang="en-US" altLang="ja-JP" dirty="0"/>
+              <a:t>8</a:t>
+            </a:r>
+            <a:r>
+              <a:rPr lang="ja-JP" altLang="en-US" dirty="0"/>
+              <a:t>の解が検出された</a:t>
+            </a:r>
+            <a:endParaRPr lang="en-US" altLang="ja-JP" dirty="0"/>
+          </a:p>
+          <a:p>
+            <a:endParaRPr kumimoji="1" lang="en-US" altLang="ja-JP" dirty="0"/>
+          </a:p>
+          <a:p>
+            <a:endParaRPr lang="en-US" altLang="ja-JP" dirty="0"/>
+          </a:p>
+          <a:p>
+            <a:endParaRPr kumimoji="1" lang="en-US" altLang="ja-JP" dirty="0"/>
+          </a:p>
+          <a:p>
+            <a:endParaRPr lang="en-US" altLang="ja-JP" dirty="0"/>
+          </a:p>
+          <a:p>
+            <a:endParaRPr kumimoji="1" lang="en-US" altLang="ja-JP" dirty="0"/>
+          </a:p>
+          <a:p>
+            <a:endParaRPr kumimoji="1" lang="ja-JP" altLang="en-US" dirty="0"/>
+          </a:p>
+        </p:txBody>
+      </p:sp>
+      <p:pic>
+        <p:nvPicPr>
+          <p:cNvPr id="5" name="図 4">
+            <a:extLst>
+              <a:ext uri="{FF2B5EF4-FFF2-40B4-BE49-F238E27FC236}">
+                <a16:creationId xmlns:a16="http://schemas.microsoft.com/office/drawing/2014/main" id="{967AA62D-B6A3-4566-94D3-A28AB55475A3}"/>
+              </a:ext>
+            </a:extLst>
+          </p:cNvPr>
+          <p:cNvPicPr>
+            <a:picLocks noChangeAspect="1"/>
+          </p:cNvPicPr>
+          <p:nvPr/>
+        </p:nvPicPr>
+        <p:blipFill rotWithShape="1">
+          <a:blip r:embed="rId2">
+            <a:extLst>
+              <a:ext uri="{28A0092B-C50C-407E-A947-70E740481C1C}">
+                <a14:useLocalDpi xmlns:a14="http://schemas.microsoft.com/office/drawing/2010/main" val="0"/>
+              </a:ext>
+            </a:extLst>
+          </a:blip>
+          <a:srcRect l="61656" t="12903"/>
+          <a:stretch/>
+        </p:blipFill>
+        <p:spPr>
+          <a:xfrm>
+            <a:off x="2938555" y="2116969"/>
+            <a:ext cx="3266890" cy="3272216"/>
+          </a:xfrm>
+          <a:prstGeom prst="rect">
+            <a:avLst/>
+          </a:prstGeom>
+        </p:spPr>
+      </p:pic>
+    </p:spTree>
+    <p:extLst>
+      <p:ext uri="{BB962C8B-B14F-4D97-AF65-F5344CB8AC3E}">
+        <p14:creationId xmlns:p14="http://schemas.microsoft.com/office/powerpoint/2010/main" val="3289623474"/>
+      </p:ext>
+    </p:extLst>
+  </p:cSld>
+  <p:clrMapOvr>
+    <a:masterClrMapping/>
+  </p:clrMapOvr>
+</p:sld>
+</file>
+
+<file path=ppt/slides/slide25.xml><?xml version="1.0" encoding="utf-8"?>
+<p:sld xmlns:a="http://schemas.openxmlformats.org/drawingml/2006/main" xmlns:r="http://schemas.openxmlformats.org/officeDocument/2006/relationships" xmlns:p="http://schemas.openxmlformats.org/presentationml/2006/main">
+  <p:cSld>
+    <p:spTree>
+      <p:nvGrpSpPr>
+        <p:cNvPr id="1" name=""/>
+        <p:cNvGrpSpPr/>
+        <p:nvPr/>
+      </p:nvGrpSpPr>
+      <p:grpSpPr>
+        <a:xfrm>
+          <a:off x="0" y="0"/>
+          <a:ext cx="0" cy="0"/>
+          <a:chOff x="0" y="0"/>
+          <a:chExt cx="0" cy="0"/>
+        </a:xfrm>
+      </p:grpSpPr>
+      <p:sp>
+        <p:nvSpPr>
+          <p:cNvPr id="2" name="タイトル 1">
+            <a:extLst>
+              <a:ext uri="{FF2B5EF4-FFF2-40B4-BE49-F238E27FC236}">
+                <a16:creationId xmlns:a16="http://schemas.microsoft.com/office/drawing/2014/main" id="{4B66F079-061C-48A9-9F1A-D83ECC9AD65A}"/>
+              </a:ext>
+            </a:extLst>
+          </p:cNvPr>
+          <p:cNvSpPr>
+            <a:spLocks noGrp="1"/>
+          </p:cNvSpPr>
+          <p:nvPr>
+            <p:ph type="title"/>
+          </p:nvPr>
+        </p:nvSpPr>
+        <p:spPr/>
+        <p:txBody>
+          <a:bodyPr/>
+          <a:lstStyle/>
+          <a:p>
+            <a:r>
+              <a:rPr kumimoji="1" lang="en-US" altLang="ja-JP" dirty="0"/>
+              <a:t>Branch-and-bound</a:t>
+            </a:r>
+            <a:endParaRPr kumimoji="1" lang="ja-JP" altLang="en-US" dirty="0"/>
+          </a:p>
+        </p:txBody>
+      </p:sp>
+      <mc:AlternateContent xmlns:mc="http://schemas.openxmlformats.org/markup-compatibility/2006">
+        <mc:Choice xmlns:a14="http://schemas.microsoft.com/office/drawing/2010/main" Requires="a14">
+          <p:sp>
+            <p:nvSpPr>
+              <p:cNvPr id="3" name="コンテンツ プレースホルダー 2">
+                <a:extLst>
+                  <a:ext uri="{FF2B5EF4-FFF2-40B4-BE49-F238E27FC236}">
+                    <a16:creationId xmlns:a16="http://schemas.microsoft.com/office/drawing/2014/main" id="{D2BEED0E-A140-4CC4-B690-30C127D02CE9}"/>
+                  </a:ext>
+                </a:extLst>
+              </p:cNvPr>
+              <p:cNvSpPr>
+                <a:spLocks noGrp="1"/>
+              </p:cNvSpPr>
+              <p:nvPr>
+                <p:ph sz="quarter" idx="1"/>
+              </p:nvPr>
+            </p:nvSpPr>
+            <p:spPr/>
+            <p:txBody>
+              <a:bodyPr/>
+              <a:lstStyle/>
+              <a:p>
+                <a:r>
+                  <a:rPr kumimoji="1" lang="ja-JP" altLang="en-US" dirty="0"/>
+                  <a:t>今回のグラフは</a:t>
+                </a:r>
+                <a:r>
+                  <a:rPr kumimoji="1" lang="en-US" altLang="ja-JP" dirty="0"/>
+                  <a:t>8</a:t>
+                </a:r>
+                <a:r>
+                  <a:rPr kumimoji="1" lang="ja-JP" altLang="en-US" dirty="0"/>
+                  <a:t>個の頂点があった</a:t>
+                </a:r>
+                <a:endParaRPr kumimoji="1" lang="en-US" altLang="ja-JP" dirty="0"/>
+              </a:p>
+              <a:p>
+                <a:pPr lvl="1"/>
+                <a:r>
+                  <a:rPr lang="ja-JP" altLang="en-US" dirty="0"/>
+                  <a:t>全探索すると</a:t>
+                </a:r>
+                <a14:m>
+                  <m:oMath xmlns:m="http://schemas.openxmlformats.org/officeDocument/2006/math">
+                    <m:r>
+                      <a:rPr lang="en-US" altLang="ja-JP" b="0" i="1" smtClean="0">
+                        <a:latin typeface="Cambria Math" panose="02040503050406030204" pitchFamily="18" charset="0"/>
+                      </a:rPr>
+                      <m:t>7!=5040</m:t>
+                    </m:r>
+                    <m:r>
+                      <a:rPr lang="ja-JP" altLang="en-US" i="1">
+                        <a:latin typeface="Cambria Math" panose="02040503050406030204" pitchFamily="18" charset="0"/>
+                      </a:rPr>
+                      <m:t>通</m:t>
+                    </m:r>
+                    <m:r>
+                      <a:rPr kumimoji="1" lang="ja-JP" altLang="en-US" i="1">
+                        <a:latin typeface="Cambria Math" panose="02040503050406030204" pitchFamily="18" charset="0"/>
+                      </a:rPr>
+                      <m:t>り</m:t>
+                    </m:r>
+                  </m:oMath>
+                </a14:m>
+                <a:r>
+                  <a:rPr kumimoji="1" lang="ja-JP" altLang="en-US" dirty="0"/>
+                  <a:t>の計算が必要</a:t>
+                </a:r>
+                <a:endParaRPr kumimoji="1" lang="en-US" altLang="ja-JP" dirty="0"/>
+              </a:p>
+              <a:p>
+                <a:pPr lvl="1"/>
+                <a:r>
+                  <a:rPr lang="en-US" altLang="ja-JP" dirty="0"/>
+                  <a:t>Branch-and-bound</a:t>
+                </a:r>
+                <a:r>
+                  <a:rPr lang="ja-JP" altLang="en-US" dirty="0"/>
+                  <a:t>だと、</a:t>
+                </a:r>
+                <a:r>
+                  <a:rPr lang="en-US" altLang="ja-JP" dirty="0"/>
+                  <a:t>28</a:t>
+                </a:r>
+                <a:r>
+                  <a:rPr lang="ja-JP" altLang="en-US" dirty="0"/>
+                  <a:t>回の</a:t>
+                </a:r>
+                <a:r>
+                  <a:rPr lang="en-US" altLang="ja-JP" dirty="0"/>
+                  <a:t>subproblem</a:t>
+                </a:r>
+                <a:r>
+                  <a:rPr lang="ja-JP" altLang="en-US" dirty="0"/>
+                  <a:t>しか</a:t>
+                </a:r>
+                <a:br>
+                  <a:rPr lang="en-US" altLang="ja-JP" dirty="0"/>
+                </a:br>
+                <a:r>
+                  <a:rPr lang="ja-JP" altLang="en-US" dirty="0"/>
+                  <a:t>解いていない</a:t>
+                </a:r>
+                <a:br>
+                  <a:rPr lang="en-US" altLang="ja-JP" dirty="0"/>
+                </a:br>
+                <a:r>
+                  <a:rPr lang="en-US" altLang="ja-JP" dirty="0"/>
+                  <a:t>(Branch-and-bound</a:t>
+                </a:r>
+                <a:r>
+                  <a:rPr lang="ja-JP" altLang="en-US" dirty="0"/>
+                  <a:t>の探索木のノードの数だけ</a:t>
+                </a:r>
+                <a:r>
+                  <a:rPr lang="en-US" altLang="ja-JP" dirty="0"/>
+                  <a:t>)</a:t>
+                </a:r>
+              </a:p>
+              <a:p>
+                <a:endParaRPr lang="en-US" altLang="ja-JP" dirty="0"/>
+              </a:p>
+            </p:txBody>
+          </p:sp>
+        </mc:Choice>
+        <mc:Fallback>
+          <p:sp>
+            <p:nvSpPr>
+              <p:cNvPr id="3" name="コンテンツ プレースホルダー 2">
+                <a:extLst>
+                  <a:ext uri="{FF2B5EF4-FFF2-40B4-BE49-F238E27FC236}">
+                    <a16:creationId xmlns:a16="http://schemas.microsoft.com/office/drawing/2014/main" id="{D2BEED0E-A140-4CC4-B690-30C127D02CE9}"/>
+                  </a:ext>
+                </a:extLst>
+              </p:cNvPr>
+              <p:cNvSpPr>
+                <a:spLocks noGrp="1" noRot="1" noChangeAspect="1" noMove="1" noResize="1" noEditPoints="1" noAdjustHandles="1" noChangeArrowheads="1" noChangeShapeType="1" noTextEdit="1"/>
+              </p:cNvSpPr>
+              <p:nvPr>
+                <p:ph sz="quarter" idx="1"/>
+              </p:nvPr>
+            </p:nvSpPr>
+            <p:spPr>
+              <a:blipFill>
+                <a:blip r:embed="rId2"/>
+                <a:stretch>
+                  <a:fillRect l="-139" t="-928"/>
+                </a:stretch>
+              </a:blipFill>
+            </p:spPr>
+            <p:txBody>
+              <a:bodyPr/>
+              <a:lstStyle/>
+              <a:p>
+                <a:r>
+                  <a:rPr lang="ja-JP" altLang="en-US">
+                    <a:noFill/>
+                  </a:rPr>
+                  <a:t> </a:t>
+                </a:r>
+              </a:p>
+            </p:txBody>
+          </p:sp>
+        </mc:Fallback>
+      </mc:AlternateContent>
+    </p:spTree>
+    <p:extLst>
+      <p:ext uri="{BB962C8B-B14F-4D97-AF65-F5344CB8AC3E}">
+        <p14:creationId xmlns:p14="http://schemas.microsoft.com/office/powerpoint/2010/main" val="2540106931"/>
       </p:ext>
     </p:extLst>
   </p:cSld>
@@ -8704,8 +11462,8 @@
           </a:p>
         </p:txBody>
       </p:sp>
-      <mc:AlternateContent xmlns:mc="http://schemas.openxmlformats.org/markup-compatibility/2006">
-        <mc:Choice xmlns:a14="http://schemas.microsoft.com/office/drawing/2010/main" Requires="a14">
+      <mc:AlternateContent xmlns:mc="http://schemas.openxmlformats.org/markup-compatibility/2006" xmlns:a14="http://schemas.microsoft.com/office/drawing/2010/main">
+        <mc:Choice Requires="a14">
           <p:sp>
             <p:nvSpPr>
               <p:cNvPr id="3" name="コンテンツ プレースホルダー 2">
@@ -9138,7 +11896,7 @@
             </p:txBody>
           </p:sp>
         </mc:Choice>
-        <mc:Fallback>
+        <mc:Fallback xmlns="">
           <p:sp>
             <p:nvSpPr>
               <p:cNvPr id="3" name="コンテンツ プレースホルダー 2">
@@ -9237,8 +11995,8 @@
           </a:p>
         </p:txBody>
       </p:sp>
-      <mc:AlternateContent xmlns:mc="http://schemas.openxmlformats.org/markup-compatibility/2006">
-        <mc:Choice xmlns:a14="http://schemas.microsoft.com/office/drawing/2010/main" Requires="a14">
+      <mc:AlternateContent xmlns:mc="http://schemas.openxmlformats.org/markup-compatibility/2006" xmlns:a14="http://schemas.microsoft.com/office/drawing/2010/main">
+        <mc:Choice Requires="a14">
           <p:sp>
             <p:nvSpPr>
               <p:cNvPr id="3" name="コンテンツ プレースホルダー 2">
@@ -10068,7 +12826,7 @@
             </p:txBody>
           </p:sp>
         </mc:Choice>
-        <mc:Fallback>
+        <mc:Fallback xmlns="">
           <p:sp>
             <p:nvSpPr>
               <p:cNvPr id="3" name="コンテンツ プレースホルダー 2">
@@ -10203,8 +12961,8 @@
           </a:p>
         </p:txBody>
       </p:sp>
-      <mc:AlternateContent xmlns:mc="http://schemas.openxmlformats.org/markup-compatibility/2006">
-        <mc:Choice xmlns:a14="http://schemas.microsoft.com/office/drawing/2010/main" Requires="a14">
+      <mc:AlternateContent xmlns:mc="http://schemas.openxmlformats.org/markup-compatibility/2006" xmlns:a14="http://schemas.microsoft.com/office/drawing/2010/main">
+        <mc:Choice Requires="a14">
           <p:sp>
             <p:nvSpPr>
               <p:cNvPr id="6" name="コンテンツ プレースホルダー 5">
@@ -10630,7 +13388,7 @@
             </p:txBody>
           </p:sp>
         </mc:Choice>
-        <mc:Fallback>
+        <mc:Fallback xmlns="">
           <p:sp>
             <p:nvSpPr>
               <p:cNvPr id="6" name="コンテンツ プレースホルダー 5">
@@ -10765,8 +13523,8 @@
           </a:p>
         </p:txBody>
       </p:sp>
-      <mc:AlternateContent xmlns:mc="http://schemas.openxmlformats.org/markup-compatibility/2006">
-        <mc:Choice xmlns:a14="http://schemas.microsoft.com/office/drawing/2010/main" Requires="a14">
+      <mc:AlternateContent xmlns:mc="http://schemas.openxmlformats.org/markup-compatibility/2006" xmlns:a14="http://schemas.microsoft.com/office/drawing/2010/main">
+        <mc:Choice Requires="a14">
           <p:sp>
             <p:nvSpPr>
               <p:cNvPr id="3" name="コンテンツ プレースホルダー 2">
@@ -10938,7 +13696,7 @@
             </p:txBody>
           </p:sp>
         </mc:Choice>
-        <mc:Fallback>
+        <mc:Fallback xmlns="">
           <p:sp>
             <p:nvSpPr>
               <p:cNvPr id="3" name="コンテンツ プレースホルダー 2">
@@ -11037,8 +13795,8 @@
           </a:p>
         </p:txBody>
       </p:sp>
-      <mc:AlternateContent xmlns:mc="http://schemas.openxmlformats.org/markup-compatibility/2006">
-        <mc:Choice xmlns:a14="http://schemas.microsoft.com/office/drawing/2010/main" Requires="a14">
+      <mc:AlternateContent xmlns:mc="http://schemas.openxmlformats.org/markup-compatibility/2006" xmlns:a14="http://schemas.microsoft.com/office/drawing/2010/main">
+        <mc:Choice Requires="a14">
           <p:sp>
             <p:nvSpPr>
               <p:cNvPr id="3" name="コンテンツ プレースホルダー 2">
@@ -11861,13 +14619,7 @@
                       <a:rPr lang="en-US" altLang="ja-JP" i="1">
                         <a:latin typeface="Cambria Math" panose="02040503050406030204" pitchFamily="18" charset="0"/>
                       </a:rPr>
-                      <m:t>,</m:t>
-                    </m:r>
-                    <m:r>
-                      <a:rPr lang="en-US" altLang="ja-JP" i="1">
-                        <a:latin typeface="Cambria Math" panose="02040503050406030204" pitchFamily="18" charset="0"/>
-                      </a:rPr>
-                      <m:t> </m:t>
+                      <m:t>, </m:t>
                     </m:r>
                     <m:d>
                       <m:dPr>
@@ -11999,13 +14751,7 @@
                       <a:rPr lang="en-US" altLang="ja-JP" i="1">
                         <a:latin typeface="Cambria Math" panose="02040503050406030204" pitchFamily="18" charset="0"/>
                       </a:rPr>
-                      <m:t>,</m:t>
-                    </m:r>
-                    <m:r>
-                      <a:rPr lang="en-US" altLang="ja-JP" i="1">
-                        <a:latin typeface="Cambria Math" panose="02040503050406030204" pitchFamily="18" charset="0"/>
-                      </a:rPr>
-                      <m:t> </m:t>
+                      <m:t>, </m:t>
                     </m:r>
                     <m:d>
                       <m:dPr>
@@ -12088,7 +14834,7 @@
             </p:txBody>
           </p:sp>
         </mc:Choice>
-        <mc:Fallback>
+        <mc:Fallback xmlns="">
           <p:sp>
             <p:nvSpPr>
               <p:cNvPr id="3" name="コンテンツ プレースホルダー 2">
@@ -12187,8 +14933,8 @@
           </a:p>
         </p:txBody>
       </p:sp>
-      <mc:AlternateContent xmlns:mc="http://schemas.openxmlformats.org/markup-compatibility/2006">
-        <mc:Choice xmlns:a14="http://schemas.microsoft.com/office/drawing/2010/main" Requires="a14">
+      <mc:AlternateContent xmlns:mc="http://schemas.openxmlformats.org/markup-compatibility/2006" xmlns:a14="http://schemas.microsoft.com/office/drawing/2010/main">
+        <mc:Choice Requires="a14">
           <p:sp>
             <p:nvSpPr>
               <p:cNvPr id="3" name="コンテンツ プレースホルダー 2">
@@ -12488,7 +15234,7 @@
             </p:txBody>
           </p:sp>
         </mc:Choice>
-        <mc:Fallback>
+        <mc:Fallback xmlns="">
           <p:sp>
             <p:nvSpPr>
               <p:cNvPr id="3" name="コンテンツ プレースホルダー 2">

--- a/CopingNPCompleteness.pptx
+++ b/CopingNPCompleteness.pptx
@@ -8871,8 +8871,8 @@
           <a:lstStyle/>
           <a:p>
             <a:r>
-              <a:rPr kumimoji="1" lang="en-US" altLang="ja-JP" dirty="0"/>
-              <a:t>Brach-and-bound</a:t>
+              <a:rPr kumimoji="1" lang="en-US" altLang="ja-JP"/>
+              <a:t>Branch-and-bound</a:t>
             </a:r>
             <a:endParaRPr kumimoji="1" lang="ja-JP" altLang="en-US" dirty="0"/>
           </a:p>

--- a/CopingNPCompleteness.pptx
+++ b/CopingNPCompleteness.pptx
@@ -5,7 +5,7 @@
     <p:sldMasterId id="2147483673" r:id="rId1"/>
   </p:sldMasterIdLst>
   <p:notesMasterIdLst>
-    <p:notesMasterId r:id="rId27"/>
+    <p:notesMasterId r:id="rId30"/>
   </p:notesMasterIdLst>
   <p:sldIdLst>
     <p:sldId id="256" r:id="rId2"/>
@@ -19,20 +19,23 @@
     <p:sldId id="264" r:id="rId10"/>
     <p:sldId id="265" r:id="rId11"/>
     <p:sldId id="266" r:id="rId12"/>
-    <p:sldId id="267" r:id="rId13"/>
-    <p:sldId id="268" r:id="rId14"/>
-    <p:sldId id="269" r:id="rId15"/>
-    <p:sldId id="270" r:id="rId16"/>
-    <p:sldId id="271" r:id="rId17"/>
-    <p:sldId id="272" r:id="rId18"/>
-    <p:sldId id="273" r:id="rId19"/>
-    <p:sldId id="274" r:id="rId20"/>
-    <p:sldId id="275" r:id="rId21"/>
-    <p:sldId id="276" r:id="rId22"/>
-    <p:sldId id="277" r:id="rId23"/>
-    <p:sldId id="278" r:id="rId24"/>
-    <p:sldId id="279" r:id="rId25"/>
-    <p:sldId id="280" r:id="rId26"/>
+    <p:sldId id="286" r:id="rId13"/>
+    <p:sldId id="267" r:id="rId14"/>
+    <p:sldId id="268" r:id="rId15"/>
+    <p:sldId id="269" r:id="rId16"/>
+    <p:sldId id="270" r:id="rId17"/>
+    <p:sldId id="271" r:id="rId18"/>
+    <p:sldId id="272" r:id="rId19"/>
+    <p:sldId id="273" r:id="rId20"/>
+    <p:sldId id="274" r:id="rId21"/>
+    <p:sldId id="275" r:id="rId22"/>
+    <p:sldId id="276" r:id="rId23"/>
+    <p:sldId id="277" r:id="rId24"/>
+    <p:sldId id="287" r:id="rId25"/>
+    <p:sldId id="278" r:id="rId26"/>
+    <p:sldId id="279" r:id="rId27"/>
+    <p:sldId id="280" r:id="rId28"/>
+    <p:sldId id="288" r:id="rId29"/>
   </p:sldIdLst>
   <p:sldSz cx="9144000" cy="6858000" type="screen4x3"/>
   <p:notesSz cx="6858000" cy="9144000"/>
@@ -232,7 +235,7 @@
           <a:p>
             <a:fld id="{69667410-63A9-4958-8162-C573CEF45551}" type="datetimeFigureOut">
               <a:rPr kumimoji="1" lang="ja-JP" altLang="en-US" smtClean="0"/>
-              <a:t>2018/12/11</a:t>
+              <a:t>2018/12/12</a:t>
             </a:fld>
             <a:endParaRPr kumimoji="1" lang="ja-JP" altLang="en-US"/>
           </a:p>
@@ -618,6 +621,108 @@
 </p:notes>
 </file>
 
+<file path=ppt/notesSlides/notesSlide10.xml><?xml version="1.0" encoding="utf-8"?>
+<p:notes xmlns:a="http://schemas.openxmlformats.org/drawingml/2006/main" xmlns:r="http://schemas.openxmlformats.org/officeDocument/2006/relationships" xmlns:p="http://schemas.openxmlformats.org/presentationml/2006/main">
+  <p:cSld>
+    <p:spTree>
+      <p:nvGrpSpPr>
+        <p:cNvPr id="1" name=""/>
+        <p:cNvGrpSpPr/>
+        <p:nvPr/>
+      </p:nvGrpSpPr>
+      <p:grpSpPr>
+        <a:xfrm>
+          <a:off x="0" y="0"/>
+          <a:ext cx="0" cy="0"/>
+          <a:chOff x="0" y="0"/>
+          <a:chExt cx="0" cy="0"/>
+        </a:xfrm>
+      </p:grpSpPr>
+      <p:sp>
+        <p:nvSpPr>
+          <p:cNvPr id="2" name="スライド イメージ プレースホルダー 1"/>
+          <p:cNvSpPr>
+            <a:spLocks noGrp="1" noRot="1" noChangeAspect="1"/>
+          </p:cNvSpPr>
+          <p:nvPr>
+            <p:ph type="sldImg"/>
+          </p:nvPr>
+        </p:nvSpPr>
+        <p:spPr/>
+      </p:sp>
+      <p:sp>
+        <p:nvSpPr>
+          <p:cNvPr id="3" name="ノート プレースホルダー 2"/>
+          <p:cNvSpPr>
+            <a:spLocks noGrp="1"/>
+          </p:cNvSpPr>
+          <p:nvPr>
+            <p:ph type="body" idx="1"/>
+          </p:nvPr>
+        </p:nvSpPr>
+        <p:spPr/>
+        <p:txBody>
+          <a:bodyPr/>
+          <a:lstStyle/>
+          <a:p>
+            <a:r>
+              <a:rPr kumimoji="1" lang="ja-JP" altLang="en-US" dirty="0"/>
+              <a:t>ここに書いてある下界は部分的な解の下界にそれまで通ってきた辺の値の合計を足したものになっている。</a:t>
+            </a:r>
+            <a:endParaRPr kumimoji="1" lang="en-US" altLang="ja-JP" dirty="0"/>
+          </a:p>
+          <a:p>
+            <a:r>
+              <a:rPr kumimoji="1" lang="ja-JP" altLang="en-US" dirty="0"/>
+              <a:t>左側のほとんどが</a:t>
+            </a:r>
+            <a:r>
+              <a:rPr kumimoji="1" lang="en-US" altLang="ja-JP" dirty="0"/>
+              <a:t>11</a:t>
+            </a:r>
+            <a:r>
+              <a:rPr kumimoji="1" lang="ja-JP" altLang="en-US" dirty="0"/>
+              <a:t>を超えた瞬間に探索空間を削除している</a:t>
+            </a:r>
+          </a:p>
+        </p:txBody>
+      </p:sp>
+      <p:sp>
+        <p:nvSpPr>
+          <p:cNvPr id="4" name="スライド番号プレースホルダー 3"/>
+          <p:cNvSpPr>
+            <a:spLocks noGrp="1"/>
+          </p:cNvSpPr>
+          <p:nvPr>
+            <p:ph type="sldNum" sz="quarter" idx="10"/>
+          </p:nvPr>
+        </p:nvSpPr>
+        <p:spPr/>
+        <p:txBody>
+          <a:bodyPr/>
+          <a:lstStyle/>
+          <a:p>
+            <a:fld id="{AE92C377-A34B-4878-9BA4-E5F39997C2D0}" type="slidenum">
+              <a:rPr kumimoji="1" lang="ja-JP" altLang="en-US" smtClean="0"/>
+              <a:t>25</a:t>
+            </a:fld>
+            <a:endParaRPr kumimoji="1" lang="ja-JP" altLang="en-US"/>
+          </a:p>
+        </p:txBody>
+      </p:sp>
+    </p:spTree>
+    <p:extLst>
+      <p:ext uri="{BB962C8B-B14F-4D97-AF65-F5344CB8AC3E}">
+        <p14:creationId xmlns:p14="http://schemas.microsoft.com/office/powerpoint/2010/main" val="779338686"/>
+      </p:ext>
+    </p:extLst>
+  </p:cSld>
+  <p:clrMapOvr>
+    <a:masterClrMapping/>
+  </p:clrMapOvr>
+</p:notes>
+</file>
+
 <file path=ppt/notesSlides/notesSlide2.xml><?xml version="1.0" encoding="utf-8"?>
 <p:notes xmlns:a="http://schemas.openxmlformats.org/drawingml/2006/main" xmlns:r="http://schemas.openxmlformats.org/officeDocument/2006/relationships" xmlns:p="http://schemas.openxmlformats.org/presentationml/2006/main">
   <p:cSld>
@@ -1120,10 +1225,7 @@
           <a:bodyPr/>
           <a:lstStyle/>
           <a:p>
-            <a:r>
-              <a:rPr kumimoji="1" lang="ja-JP" altLang="en-US" dirty="0"/>
-              <a:t>下界はどう頑張ってもそれ以上のコストはかかってしまうというコストのこと</a:t>
-            </a:r>
+            <a:endParaRPr kumimoji="1" lang="ja-JP" altLang="en-US" dirty="0"/>
           </a:p>
         </p:txBody>
       </p:sp>
@@ -1142,18 +1244,78 @@
           <a:bodyPr/>
           <a:lstStyle/>
           <a:p>
+            <a:pPr marL="0" marR="0" lvl="0" indent="0" algn="r" defTabSz="914400" rtl="0" eaLnBrk="1" fontAlgn="auto" latinLnBrk="0" hangingPunct="1">
+              <a:lnSpc>
+                <a:spcPct val="100000"/>
+              </a:lnSpc>
+              <a:spcBef>
+                <a:spcPts val="0"/>
+              </a:spcBef>
+              <a:spcAft>
+                <a:spcPts val="0"/>
+              </a:spcAft>
+              <a:buClrTx/>
+              <a:buSzTx/>
+              <a:buFontTx/>
+              <a:buNone/>
+              <a:tabLst/>
+              <a:defRPr/>
+            </a:pPr>
             <a:fld id="{AE92C377-A34B-4878-9BA4-E5F39997C2D0}" type="slidenum">
-              <a:rPr kumimoji="1" lang="ja-JP" altLang="en-US" smtClean="0"/>
-              <a:t>18</a:t>
+              <a:rPr kumimoji="1" lang="ja-JP" altLang="en-US" sz="1200" b="0" i="0" u="none" strike="noStrike" kern="1200" cap="none" spc="0" normalizeH="0" baseline="0" noProof="0" smtClean="0">
+                <a:ln>
+                  <a:noFill/>
+                </a:ln>
+                <a:solidFill>
+                  <a:prstClr val="black"/>
+                </a:solidFill>
+                <a:effectLst/>
+                <a:uLnTx/>
+                <a:uFillTx/>
+                <a:latin typeface="游ゴシック" panose="020F0502020204030204"/>
+                <a:ea typeface="游ゴシック" panose="020B0400000000000000" pitchFamily="50" charset="-128"/>
+                <a:cs typeface="+mn-cs"/>
+              </a:rPr>
+              <a:pPr marL="0" marR="0" lvl="0" indent="0" algn="r" defTabSz="914400" rtl="0" eaLnBrk="1" fontAlgn="auto" latinLnBrk="0" hangingPunct="1">
+                <a:lnSpc>
+                  <a:spcPct val="100000"/>
+                </a:lnSpc>
+                <a:spcBef>
+                  <a:spcPts val="0"/>
+                </a:spcBef>
+                <a:spcAft>
+                  <a:spcPts val="0"/>
+                </a:spcAft>
+                <a:buClrTx/>
+                <a:buSzTx/>
+                <a:buFontTx/>
+                <a:buNone/>
+                <a:tabLst/>
+                <a:defRPr/>
+              </a:pPr>
+              <a:t>12</a:t>
             </a:fld>
-            <a:endParaRPr kumimoji="1" lang="ja-JP" altLang="en-US"/>
+            <a:endParaRPr kumimoji="1" lang="ja-JP" altLang="en-US" sz="1200" b="0" i="0" u="none" strike="noStrike" kern="1200" cap="none" spc="0" normalizeH="0" baseline="0" noProof="0">
+              <a:ln>
+                <a:noFill/>
+              </a:ln>
+              <a:solidFill>
+                <a:prstClr val="black"/>
+              </a:solidFill>
+              <a:effectLst/>
+              <a:uLnTx/>
+              <a:uFillTx/>
+              <a:latin typeface="游ゴシック" panose="020F0502020204030204"/>
+              <a:ea typeface="游ゴシック" panose="020B0400000000000000" pitchFamily="50" charset="-128"/>
+              <a:cs typeface="+mn-cs"/>
+            </a:endParaRPr>
           </a:p>
         </p:txBody>
       </p:sp>
     </p:spTree>
     <p:extLst>
       <p:ext uri="{BB962C8B-B14F-4D97-AF65-F5344CB8AC3E}">
-        <p14:creationId xmlns:p14="http://schemas.microsoft.com/office/powerpoint/2010/main" val="1912151707"/>
+        <p14:creationId xmlns:p14="http://schemas.microsoft.com/office/powerpoint/2010/main" val="1533415530"/>
       </p:ext>
     </p:extLst>
   </p:cSld>
@@ -1209,23 +1371,7 @@
           <a:p>
             <a:r>
               <a:rPr kumimoji="1" lang="ja-JP" altLang="en-US" dirty="0"/>
-              <a:t>グラフ</a:t>
-            </a:r>
-            <a:r>
-              <a:rPr kumimoji="1" lang="en-US" altLang="ja-JP" dirty="0"/>
-              <a:t>G,</a:t>
-            </a:r>
-            <a:r>
-              <a:rPr kumimoji="1" lang="ja-JP" altLang="en-US" dirty="0"/>
-              <a:t>各辺のコストは</a:t>
-            </a:r>
-            <a:r>
-              <a:rPr kumimoji="1" lang="en-US" altLang="ja-JP" dirty="0"/>
-              <a:t>0</a:t>
-            </a:r>
-            <a:r>
-              <a:rPr kumimoji="1" lang="ja-JP" altLang="en-US" dirty="0"/>
-              <a:t>より大きい</a:t>
+              <a:t>下界はどう頑張ってもそれ以上のコストはかかってしまうというコストのこと</a:t>
             </a:r>
           </a:p>
         </p:txBody>
@@ -1256,7 +1402,221 @@
     </p:spTree>
     <p:extLst>
       <p:ext uri="{BB962C8B-B14F-4D97-AF65-F5344CB8AC3E}">
+        <p14:creationId xmlns:p14="http://schemas.microsoft.com/office/powerpoint/2010/main" val="1912151707"/>
+      </p:ext>
+    </p:extLst>
+  </p:cSld>
+  <p:clrMapOvr>
+    <a:masterClrMapping/>
+  </p:clrMapOvr>
+</p:notes>
+</file>
+
+<file path=ppt/notesSlides/notesSlide8.xml><?xml version="1.0" encoding="utf-8"?>
+<p:notes xmlns:a="http://schemas.openxmlformats.org/drawingml/2006/main" xmlns:r="http://schemas.openxmlformats.org/officeDocument/2006/relationships" xmlns:p="http://schemas.openxmlformats.org/presentationml/2006/main">
+  <p:cSld>
+    <p:spTree>
+      <p:nvGrpSpPr>
+        <p:cNvPr id="1" name=""/>
+        <p:cNvGrpSpPr/>
+        <p:nvPr/>
+      </p:nvGrpSpPr>
+      <p:grpSpPr>
+        <a:xfrm>
+          <a:off x="0" y="0"/>
+          <a:ext cx="0" cy="0"/>
+          <a:chOff x="0" y="0"/>
+          <a:chExt cx="0" cy="0"/>
+        </a:xfrm>
+      </p:grpSpPr>
+      <p:sp>
+        <p:nvSpPr>
+          <p:cNvPr id="2" name="スライド イメージ プレースホルダー 1"/>
+          <p:cNvSpPr>
+            <a:spLocks noGrp="1" noRot="1" noChangeAspect="1"/>
+          </p:cNvSpPr>
+          <p:nvPr>
+            <p:ph type="sldImg"/>
+          </p:nvPr>
+        </p:nvSpPr>
+        <p:spPr/>
+      </p:sp>
+      <p:sp>
+        <p:nvSpPr>
+          <p:cNvPr id="3" name="ノート プレースホルダー 2"/>
+          <p:cNvSpPr>
+            <a:spLocks noGrp="1"/>
+          </p:cNvSpPr>
+          <p:nvPr>
+            <p:ph type="body" idx="1"/>
+          </p:nvPr>
+        </p:nvSpPr>
+        <p:spPr/>
+        <p:txBody>
+          <a:bodyPr/>
+          <a:lstStyle/>
+          <a:p>
+            <a:r>
+              <a:rPr kumimoji="1" lang="ja-JP" altLang="en-US" dirty="0"/>
+              <a:t>グラフ</a:t>
+            </a:r>
+            <a:r>
+              <a:rPr kumimoji="1" lang="en-US" altLang="ja-JP" dirty="0"/>
+              <a:t>G,</a:t>
+            </a:r>
+            <a:r>
+              <a:rPr kumimoji="1" lang="ja-JP" altLang="en-US" dirty="0"/>
+              <a:t>各辺のコストは</a:t>
+            </a:r>
+            <a:r>
+              <a:rPr kumimoji="1" lang="en-US" altLang="ja-JP" dirty="0"/>
+              <a:t>0</a:t>
+            </a:r>
+            <a:r>
+              <a:rPr kumimoji="1" lang="ja-JP" altLang="en-US" dirty="0"/>
+              <a:t>より大きい</a:t>
+            </a:r>
+          </a:p>
+        </p:txBody>
+      </p:sp>
+      <p:sp>
+        <p:nvSpPr>
+          <p:cNvPr id="4" name="スライド番号プレースホルダー 3"/>
+          <p:cNvSpPr>
+            <a:spLocks noGrp="1"/>
+          </p:cNvSpPr>
+          <p:nvPr>
+            <p:ph type="sldNum" sz="quarter" idx="10"/>
+          </p:nvPr>
+        </p:nvSpPr>
+        <p:spPr/>
+        <p:txBody>
+          <a:bodyPr/>
+          <a:lstStyle/>
+          <a:p>
+            <a:fld id="{AE92C377-A34B-4878-9BA4-E5F39997C2D0}" type="slidenum">
+              <a:rPr kumimoji="1" lang="ja-JP" altLang="en-US" smtClean="0"/>
+              <a:t>20</a:t>
+            </a:fld>
+            <a:endParaRPr kumimoji="1" lang="ja-JP" altLang="en-US"/>
+          </a:p>
+        </p:txBody>
+      </p:sp>
+    </p:spTree>
+    <p:extLst>
+      <p:ext uri="{BB962C8B-B14F-4D97-AF65-F5344CB8AC3E}">
         <p14:creationId xmlns:p14="http://schemas.microsoft.com/office/powerpoint/2010/main" val="2653603309"/>
+      </p:ext>
+    </p:extLst>
+  </p:cSld>
+  <p:clrMapOvr>
+    <a:masterClrMapping/>
+  </p:clrMapOvr>
+</p:notes>
+</file>
+
+<file path=ppt/notesSlides/notesSlide9.xml><?xml version="1.0" encoding="utf-8"?>
+<p:notes xmlns:a="http://schemas.openxmlformats.org/drawingml/2006/main" xmlns:r="http://schemas.openxmlformats.org/officeDocument/2006/relationships" xmlns:p="http://schemas.openxmlformats.org/presentationml/2006/main">
+  <p:cSld>
+    <p:spTree>
+      <p:nvGrpSpPr>
+        <p:cNvPr id="1" name=""/>
+        <p:cNvGrpSpPr/>
+        <p:nvPr/>
+      </p:nvGrpSpPr>
+      <p:grpSpPr>
+        <a:xfrm>
+          <a:off x="0" y="0"/>
+          <a:ext cx="0" cy="0"/>
+          <a:chOff x="0" y="0"/>
+          <a:chExt cx="0" cy="0"/>
+        </a:xfrm>
+      </p:grpSpPr>
+      <p:sp>
+        <p:nvSpPr>
+          <p:cNvPr id="2" name="スライド イメージ プレースホルダー 1"/>
+          <p:cNvSpPr>
+            <a:spLocks noGrp="1" noRot="1" noChangeAspect="1"/>
+          </p:cNvSpPr>
+          <p:nvPr>
+            <p:ph type="sldImg"/>
+          </p:nvPr>
+        </p:nvSpPr>
+        <p:spPr/>
+      </p:sp>
+      <p:sp>
+        <p:nvSpPr>
+          <p:cNvPr id="3" name="ノート プレースホルダー 2"/>
+          <p:cNvSpPr>
+            <a:spLocks noGrp="1"/>
+          </p:cNvSpPr>
+          <p:nvPr>
+            <p:ph type="body" idx="1"/>
+          </p:nvPr>
+        </p:nvSpPr>
+        <p:spPr/>
+        <p:txBody>
+          <a:bodyPr/>
+          <a:lstStyle/>
+          <a:p>
+            <a:r>
+              <a:rPr kumimoji="1" lang="en-US" altLang="ja-JP" dirty="0"/>
+              <a:t>a</a:t>
+            </a:r>
+            <a:r>
+              <a:rPr kumimoji="1" lang="ja-JP" altLang="en-US" dirty="0"/>
+              <a:t>から</a:t>
+            </a:r>
+            <a:r>
+              <a:rPr kumimoji="1" lang="en-US" altLang="ja-JP" dirty="0"/>
+              <a:t>S</a:t>
+            </a:r>
+            <a:r>
+              <a:rPr kumimoji="1" lang="ja-JP" altLang="en-US" dirty="0"/>
+              <a:t>を通って</a:t>
+            </a:r>
+            <a:r>
+              <a:rPr kumimoji="1" lang="en-US" altLang="ja-JP" dirty="0"/>
+              <a:t>b</a:t>
+            </a:r>
+            <a:r>
+              <a:rPr kumimoji="1" lang="ja-JP" altLang="en-US" dirty="0" err="1"/>
+              <a:t>に到</a:t>
+            </a:r>
+            <a:r>
+              <a:rPr kumimoji="1" lang="ja-JP" altLang="en-US" dirty="0"/>
+              <a:t>達するような部分的な解の下界は以下のようになる</a:t>
+            </a:r>
+          </a:p>
+        </p:txBody>
+      </p:sp>
+      <p:sp>
+        <p:nvSpPr>
+          <p:cNvPr id="4" name="スライド番号プレースホルダー 3"/>
+          <p:cNvSpPr>
+            <a:spLocks noGrp="1"/>
+          </p:cNvSpPr>
+          <p:nvPr>
+            <p:ph type="sldNum" sz="quarter" idx="10"/>
+          </p:nvPr>
+        </p:nvSpPr>
+        <p:spPr/>
+        <p:txBody>
+          <a:bodyPr/>
+          <a:lstStyle/>
+          <a:p>
+            <a:fld id="{AE92C377-A34B-4878-9BA4-E5F39997C2D0}" type="slidenum">
+              <a:rPr kumimoji="1" lang="ja-JP" altLang="en-US" smtClean="0"/>
+              <a:t>22</a:t>
+            </a:fld>
+            <a:endParaRPr kumimoji="1" lang="ja-JP" altLang="en-US"/>
+          </a:p>
+        </p:txBody>
+      </p:sp>
+    </p:spTree>
+    <p:extLst>
+      <p:ext uri="{BB962C8B-B14F-4D97-AF65-F5344CB8AC3E}">
+        <p14:creationId xmlns:p14="http://schemas.microsoft.com/office/powerpoint/2010/main" val="3736484405"/>
       </p:ext>
     </p:extLst>
   </p:cSld>
@@ -6234,7 +6594,7 @@
 </file>
 
 <file path=ppt/slides/slide11.xml><?xml version="1.0" encoding="utf-8"?>
-<p:sld xmlns:a="http://schemas.openxmlformats.org/drawingml/2006/main" xmlns:r="http://schemas.openxmlformats.org/officeDocument/2006/relationships" xmlns:p="http://schemas.openxmlformats.org/presentationml/2006/main">
+<p:sld xmlns:a="http://schemas.openxmlformats.org/drawingml/2006/main" xmlns:r="http://schemas.openxmlformats.org/officeDocument/2006/relationships" xmlns:p="http://schemas.openxmlformats.org/presentationml/2006/main" show="0">
   <p:cSld>
     <p:spTree>
       <p:nvGrpSpPr>
@@ -6374,6 +6734,5535 @@
 
 <file path=ppt/slides/slide12.xml><?xml version="1.0" encoding="utf-8"?>
 <p:sld xmlns:a="http://schemas.openxmlformats.org/drawingml/2006/main" xmlns:r="http://schemas.openxmlformats.org/officeDocument/2006/relationships" xmlns:p="http://schemas.openxmlformats.org/presentationml/2006/main">
+  <p:cSld>
+    <p:spTree>
+      <p:nvGrpSpPr>
+        <p:cNvPr id="1" name=""/>
+        <p:cNvGrpSpPr/>
+        <p:nvPr/>
+      </p:nvGrpSpPr>
+      <p:grpSpPr>
+        <a:xfrm>
+          <a:off x="0" y="0"/>
+          <a:ext cx="0" cy="0"/>
+          <a:chOff x="0" y="0"/>
+          <a:chExt cx="0" cy="0"/>
+        </a:xfrm>
+      </p:grpSpPr>
+      <p:sp>
+        <p:nvSpPr>
+          <p:cNvPr id="2" name="タイトル 1">
+            <a:extLst>
+              <a:ext uri="{FF2B5EF4-FFF2-40B4-BE49-F238E27FC236}">
+                <a16:creationId xmlns:a16="http://schemas.microsoft.com/office/drawing/2014/main" id="{AEC14716-43A9-48A4-AB12-43AD44156342}"/>
+              </a:ext>
+            </a:extLst>
+          </p:cNvPr>
+          <p:cNvSpPr>
+            <a:spLocks noGrp="1"/>
+          </p:cNvSpPr>
+          <p:nvPr>
+            <p:ph type="title"/>
+          </p:nvPr>
+        </p:nvSpPr>
+        <p:spPr/>
+        <p:txBody>
+          <a:bodyPr/>
+          <a:lstStyle/>
+          <a:p>
+            <a:r>
+              <a:rPr kumimoji="1" lang="en-US" altLang="ja-JP" dirty="0"/>
+              <a:t>Backtracking</a:t>
+            </a:r>
+            <a:endParaRPr kumimoji="1" lang="ja-JP" altLang="en-US" dirty="0"/>
+          </a:p>
+        </p:txBody>
+      </p:sp>
+      <p:sp>
+        <p:nvSpPr>
+          <p:cNvPr id="3" name="コンテンツ プレースホルダー 2">
+            <a:extLst>
+              <a:ext uri="{FF2B5EF4-FFF2-40B4-BE49-F238E27FC236}">
+                <a16:creationId xmlns:a16="http://schemas.microsoft.com/office/drawing/2014/main" id="{984D39F5-2470-4F85-86A4-9F99433BD4DA}"/>
+              </a:ext>
+            </a:extLst>
+          </p:cNvPr>
+          <p:cNvSpPr>
+            <a:spLocks noGrp="1"/>
+          </p:cNvSpPr>
+          <p:nvPr>
+            <p:ph sz="quarter" idx="1"/>
+          </p:nvPr>
+        </p:nvSpPr>
+        <p:spPr/>
+        <p:txBody>
+          <a:bodyPr/>
+          <a:lstStyle/>
+          <a:p>
+            <a:r>
+              <a:rPr lang="ja-JP" altLang="en-US" dirty="0"/>
+              <a:t>今回の</a:t>
+            </a:r>
+            <a:r>
+              <a:rPr lang="en-US" altLang="ja-JP" dirty="0"/>
+              <a:t>backtracking</a:t>
+            </a:r>
+            <a:r>
+              <a:rPr lang="ja-JP" altLang="en-US" dirty="0"/>
+              <a:t>の探索の様子</a:t>
+            </a:r>
+            <a:r>
+              <a:rPr lang="en-US" altLang="ja-JP" dirty="0"/>
+              <a:t>(</a:t>
+            </a:r>
+            <a:r>
+              <a:rPr lang="ja-JP" altLang="en-US" dirty="0"/>
+              <a:t>サイズが最小の節は</a:t>
+            </a:r>
+            <a:r>
+              <a:rPr lang="ja-JP" altLang="en-US" dirty="0">
+                <a:solidFill>
+                  <a:schemeClr val="accent3"/>
+                </a:solidFill>
+              </a:rPr>
+              <a:t>赤色</a:t>
+            </a:r>
+            <a:r>
+              <a:rPr lang="en-US" altLang="ja-JP" dirty="0"/>
+              <a:t>)</a:t>
+            </a:r>
+          </a:p>
+        </p:txBody>
+      </p:sp>
+      <mc:AlternateContent xmlns:mc="http://schemas.openxmlformats.org/markup-compatibility/2006">
+        <mc:Choice xmlns:a14="http://schemas.microsoft.com/office/drawing/2010/main" Requires="a14">
+          <p:sp>
+            <p:nvSpPr>
+              <p:cNvPr id="5" name="四角形: 角を丸くする 4">
+                <a:extLst>
+                  <a:ext uri="{FF2B5EF4-FFF2-40B4-BE49-F238E27FC236}">
+                    <a16:creationId xmlns:a16="http://schemas.microsoft.com/office/drawing/2014/main" id="{FEEDDB43-0579-49C2-9A5B-98DC05D47865}"/>
+                  </a:ext>
+                </a:extLst>
+              </p:cNvPr>
+              <p:cNvSpPr/>
+              <p:nvPr/>
+            </p:nvSpPr>
+            <p:spPr>
+              <a:xfrm>
+                <a:off x="1338029" y="1922374"/>
+                <a:ext cx="6712901" cy="458250"/>
+              </a:xfrm>
+              <a:prstGeom prst="roundRect">
+                <a:avLst/>
+              </a:prstGeom>
+              <a:ln w="28575">
+                <a:solidFill>
+                  <a:schemeClr val="tx1"/>
+                </a:solidFill>
+              </a:ln>
+            </p:spPr>
+            <p:style>
+              <a:lnRef idx="1">
+                <a:schemeClr val="accent1"/>
+              </a:lnRef>
+              <a:fillRef idx="0">
+                <a:schemeClr val="accent1"/>
+              </a:fillRef>
+              <a:effectRef idx="0">
+                <a:schemeClr val="accent1"/>
+              </a:effectRef>
+              <a:fontRef idx="minor">
+                <a:schemeClr val="tx1"/>
+              </a:fontRef>
+            </p:style>
+            <p:txBody>
+              <a:bodyPr rtlCol="0" anchor="ctr"/>
+              <a:lstStyle/>
+              <a:p>
+                <a:pPr marL="0" marR="0" lvl="0" indent="0" algn="ctr" defTabSz="914400" rtl="0" eaLnBrk="1" fontAlgn="auto" latinLnBrk="0" hangingPunct="1">
+                  <a:lnSpc>
+                    <a:spcPct val="100000"/>
+                  </a:lnSpc>
+                  <a:spcBef>
+                    <a:spcPts val="0"/>
+                  </a:spcBef>
+                  <a:spcAft>
+                    <a:spcPts val="0"/>
+                  </a:spcAft>
+                  <a:buClrTx/>
+                  <a:buSzTx/>
+                  <a:buFontTx/>
+                  <a:buNone/>
+                  <a:tabLst/>
+                  <a:defRPr/>
+                </a:pPr>
+                <a14:m>
+                  <m:oMathPara xmlns:m="http://schemas.openxmlformats.org/officeDocument/2006/math">
+                    <m:oMathParaPr>
+                      <m:jc m:val="centerGroup"/>
+                    </m:oMathParaPr>
+                    <m:oMath xmlns:m="http://schemas.openxmlformats.org/officeDocument/2006/math">
+                      <m:d>
+                        <m:dPr>
+                          <m:ctrlPr>
+                            <a:rPr kumimoji="1" lang="en-US" altLang="ja-JP" sz="2000" b="0" i="1" u="none" strike="noStrike" kern="1200" cap="none" spc="0" normalizeH="0" baseline="0" noProof="0">
+                              <a:ln>
+                                <a:noFill/>
+                              </a:ln>
+                              <a:solidFill>
+                                <a:prstClr val="black"/>
+                              </a:solidFill>
+                              <a:effectLst/>
+                              <a:uLnTx/>
+                              <a:uFillTx/>
+                              <a:latin typeface="Cambria Math" panose="02040503050406030204" pitchFamily="18" charset="0"/>
+                              <a:cs typeface="+mn-cs"/>
+                            </a:rPr>
+                          </m:ctrlPr>
+                        </m:dPr>
+                        <m:e>
+                          <m:r>
+                            <a:rPr kumimoji="1" lang="en-US" altLang="ja-JP" sz="2000" b="0" i="1" u="none" strike="noStrike" kern="1200" cap="none" spc="0" normalizeH="0" baseline="0" noProof="0">
+                              <a:ln>
+                                <a:noFill/>
+                              </a:ln>
+                              <a:solidFill>
+                                <a:prstClr val="black"/>
+                              </a:solidFill>
+                              <a:effectLst/>
+                              <a:uLnTx/>
+                              <a:uFillTx/>
+                              <a:latin typeface="Cambria Math" panose="02040503050406030204" pitchFamily="18" charset="0"/>
+                              <a:cs typeface="+mn-cs"/>
+                            </a:rPr>
+                            <m:t>𝑤</m:t>
+                          </m:r>
+                          <m:r>
+                            <a:rPr kumimoji="1" lang="en-US" altLang="ja-JP" sz="2000" b="0" i="1" u="none" strike="noStrike" kern="1200" cap="none" spc="0" normalizeH="0" baseline="0" noProof="0">
+                              <a:ln>
+                                <a:noFill/>
+                              </a:ln>
+                              <a:solidFill>
+                                <a:prstClr val="black"/>
+                              </a:solidFill>
+                              <a:effectLst/>
+                              <a:uLnTx/>
+                              <a:uFillTx/>
+                              <a:latin typeface="Cambria Math" panose="02040503050406030204" pitchFamily="18" charset="0"/>
+                              <a:ea typeface="Cambria Math" panose="02040503050406030204" pitchFamily="18" charset="0"/>
+                              <a:cs typeface="+mn-cs"/>
+                            </a:rPr>
+                            <m:t>∨</m:t>
+                          </m:r>
+                          <m:r>
+                            <a:rPr kumimoji="1" lang="en-US" altLang="ja-JP" sz="2000" b="0" i="1" u="none" strike="noStrike" kern="1200" cap="none" spc="0" normalizeH="0" baseline="0" noProof="0">
+                              <a:ln>
+                                <a:noFill/>
+                              </a:ln>
+                              <a:solidFill>
+                                <a:prstClr val="black"/>
+                              </a:solidFill>
+                              <a:effectLst/>
+                              <a:uLnTx/>
+                              <a:uFillTx/>
+                              <a:latin typeface="Cambria Math" panose="02040503050406030204" pitchFamily="18" charset="0"/>
+                              <a:ea typeface="Cambria Math" panose="02040503050406030204" pitchFamily="18" charset="0"/>
+                              <a:cs typeface="+mn-cs"/>
+                            </a:rPr>
+                            <m:t>𝑥</m:t>
+                          </m:r>
+                          <m:r>
+                            <a:rPr kumimoji="1" lang="en-US" altLang="ja-JP" sz="2000" b="0" i="1" u="none" strike="noStrike" kern="1200" cap="none" spc="0" normalizeH="0" baseline="0" noProof="0">
+                              <a:ln>
+                                <a:noFill/>
+                              </a:ln>
+                              <a:solidFill>
+                                <a:prstClr val="black"/>
+                              </a:solidFill>
+                              <a:effectLst/>
+                              <a:uLnTx/>
+                              <a:uFillTx/>
+                              <a:latin typeface="Cambria Math" panose="02040503050406030204" pitchFamily="18" charset="0"/>
+                              <a:ea typeface="Cambria Math" panose="02040503050406030204" pitchFamily="18" charset="0"/>
+                              <a:cs typeface="+mn-cs"/>
+                            </a:rPr>
+                            <m:t>∨</m:t>
+                          </m:r>
+                          <m:r>
+                            <a:rPr kumimoji="1" lang="en-US" altLang="ja-JP" sz="2000" b="0" i="1" u="none" strike="noStrike" kern="1200" cap="none" spc="0" normalizeH="0" baseline="0" noProof="0">
+                              <a:ln>
+                                <a:noFill/>
+                              </a:ln>
+                              <a:solidFill>
+                                <a:prstClr val="black"/>
+                              </a:solidFill>
+                              <a:effectLst/>
+                              <a:uLnTx/>
+                              <a:uFillTx/>
+                              <a:latin typeface="Cambria Math" panose="02040503050406030204" pitchFamily="18" charset="0"/>
+                              <a:ea typeface="Cambria Math" panose="02040503050406030204" pitchFamily="18" charset="0"/>
+                              <a:cs typeface="+mn-cs"/>
+                            </a:rPr>
+                            <m:t>𝑦</m:t>
+                          </m:r>
+                          <m:r>
+                            <a:rPr kumimoji="1" lang="en-US" altLang="ja-JP" sz="2000" b="0" i="1" u="none" strike="noStrike" kern="1200" cap="none" spc="0" normalizeH="0" baseline="0" noProof="0">
+                              <a:ln>
+                                <a:noFill/>
+                              </a:ln>
+                              <a:solidFill>
+                                <a:prstClr val="black"/>
+                              </a:solidFill>
+                              <a:effectLst/>
+                              <a:uLnTx/>
+                              <a:uFillTx/>
+                              <a:latin typeface="Cambria Math" panose="02040503050406030204" pitchFamily="18" charset="0"/>
+                              <a:ea typeface="Cambria Math" panose="02040503050406030204" pitchFamily="18" charset="0"/>
+                              <a:cs typeface="+mn-cs"/>
+                            </a:rPr>
+                            <m:t>∨</m:t>
+                          </m:r>
+                          <m:r>
+                            <a:rPr kumimoji="1" lang="en-US" altLang="ja-JP" sz="2000" b="0" i="1" u="none" strike="noStrike" kern="1200" cap="none" spc="0" normalizeH="0" baseline="0" noProof="0">
+                              <a:ln>
+                                <a:noFill/>
+                              </a:ln>
+                              <a:solidFill>
+                                <a:prstClr val="black"/>
+                              </a:solidFill>
+                              <a:effectLst/>
+                              <a:uLnTx/>
+                              <a:uFillTx/>
+                              <a:latin typeface="Cambria Math" panose="02040503050406030204" pitchFamily="18" charset="0"/>
+                              <a:ea typeface="Cambria Math" panose="02040503050406030204" pitchFamily="18" charset="0"/>
+                              <a:cs typeface="+mn-cs"/>
+                            </a:rPr>
+                            <m:t>𝑧</m:t>
+                          </m:r>
+                        </m:e>
+                      </m:d>
+                      <m:r>
+                        <a:rPr kumimoji="1" lang="en-US" altLang="ja-JP" sz="2000" b="0" i="1" u="none" strike="noStrike" kern="1200" cap="none" spc="0" normalizeH="0" baseline="0" noProof="0">
+                          <a:ln>
+                            <a:noFill/>
+                          </a:ln>
+                          <a:solidFill>
+                            <a:prstClr val="black"/>
+                          </a:solidFill>
+                          <a:effectLst/>
+                          <a:uLnTx/>
+                          <a:uFillTx/>
+                          <a:latin typeface="Cambria Math" panose="02040503050406030204" pitchFamily="18" charset="0"/>
+                          <a:cs typeface="+mn-cs"/>
+                        </a:rPr>
+                        <m:t>,</m:t>
+                      </m:r>
+                      <m:d>
+                        <m:dPr>
+                          <m:ctrlPr>
+                            <a:rPr kumimoji="1" lang="en-US" altLang="ja-JP" sz="2000" b="0" i="1" u="none" strike="noStrike" kern="1200" cap="none" spc="0" normalizeH="0" baseline="0" noProof="0" smtClean="0">
+                              <a:ln>
+                                <a:noFill/>
+                              </a:ln>
+                              <a:solidFill>
+                                <a:schemeClr val="accent3"/>
+                              </a:solidFill>
+                              <a:effectLst/>
+                              <a:uLnTx/>
+                              <a:uFillTx/>
+                              <a:latin typeface="Cambria Math" panose="02040503050406030204" pitchFamily="18" charset="0"/>
+                              <a:cs typeface="+mn-cs"/>
+                            </a:rPr>
+                          </m:ctrlPr>
+                        </m:dPr>
+                        <m:e>
+                          <m:r>
+                            <a:rPr kumimoji="1" lang="en-US" altLang="ja-JP" sz="2000" b="0" i="1" u="none" strike="noStrike" kern="1200" cap="none" spc="0" normalizeH="0" baseline="0" noProof="0">
+                              <a:ln>
+                                <a:noFill/>
+                              </a:ln>
+                              <a:solidFill>
+                                <a:schemeClr val="accent3"/>
+                              </a:solidFill>
+                              <a:effectLst/>
+                              <a:uLnTx/>
+                              <a:uFillTx/>
+                              <a:latin typeface="Cambria Math" panose="02040503050406030204" pitchFamily="18" charset="0"/>
+                              <a:cs typeface="+mn-cs"/>
+                            </a:rPr>
+                            <m:t>𝑤</m:t>
+                          </m:r>
+                          <m:r>
+                            <a:rPr kumimoji="1" lang="en-US" altLang="ja-JP" sz="2000" b="0" i="1" u="none" strike="noStrike" kern="1200" cap="none" spc="0" normalizeH="0" baseline="0" noProof="0">
+                              <a:ln>
+                                <a:noFill/>
+                              </a:ln>
+                              <a:solidFill>
+                                <a:schemeClr val="accent3"/>
+                              </a:solidFill>
+                              <a:effectLst/>
+                              <a:uLnTx/>
+                              <a:uFillTx/>
+                              <a:latin typeface="Cambria Math" panose="02040503050406030204" pitchFamily="18" charset="0"/>
+                              <a:ea typeface="Cambria Math" panose="02040503050406030204" pitchFamily="18" charset="0"/>
+                              <a:cs typeface="+mn-cs"/>
+                            </a:rPr>
+                            <m:t>∨</m:t>
+                          </m:r>
+                          <m:acc>
+                            <m:accPr>
+                              <m:chr m:val="̅"/>
+                              <m:ctrlPr>
+                                <a:rPr kumimoji="1" lang="en-US" altLang="ja-JP" sz="2000" b="0" i="1" u="none" strike="noStrike" kern="1200" cap="none" spc="0" normalizeH="0" baseline="0" noProof="0">
+                                  <a:ln>
+                                    <a:noFill/>
+                                  </a:ln>
+                                  <a:solidFill>
+                                    <a:schemeClr val="accent3"/>
+                                  </a:solidFill>
+                                  <a:effectLst/>
+                                  <a:uLnTx/>
+                                  <a:uFillTx/>
+                                  <a:latin typeface="Cambria Math" panose="02040503050406030204" pitchFamily="18" charset="0"/>
+                                  <a:ea typeface="Cambria Math" panose="02040503050406030204" pitchFamily="18" charset="0"/>
+                                  <a:cs typeface="+mn-cs"/>
+                                </a:rPr>
+                              </m:ctrlPr>
+                            </m:accPr>
+                            <m:e>
+                              <m:r>
+                                <a:rPr kumimoji="1" lang="en-US" altLang="ja-JP" sz="2000" b="0" i="1" u="none" strike="noStrike" kern="1200" cap="none" spc="0" normalizeH="0" baseline="0" noProof="0">
+                                  <a:ln>
+                                    <a:noFill/>
+                                  </a:ln>
+                                  <a:solidFill>
+                                    <a:schemeClr val="accent3"/>
+                                  </a:solidFill>
+                                  <a:effectLst/>
+                                  <a:uLnTx/>
+                                  <a:uFillTx/>
+                                  <a:latin typeface="Cambria Math" panose="02040503050406030204" pitchFamily="18" charset="0"/>
+                                  <a:ea typeface="Cambria Math" panose="02040503050406030204" pitchFamily="18" charset="0"/>
+                                  <a:cs typeface="+mn-cs"/>
+                                </a:rPr>
+                                <m:t>𝑥</m:t>
+                              </m:r>
+                            </m:e>
+                          </m:acc>
+                        </m:e>
+                      </m:d>
+                      <m:r>
+                        <a:rPr kumimoji="1" lang="en-US" altLang="ja-JP" sz="2000" b="0" i="1" u="none" strike="noStrike" kern="1200" cap="none" spc="0" normalizeH="0" baseline="0" noProof="0" smtClean="0">
+                          <a:ln>
+                            <a:noFill/>
+                          </a:ln>
+                          <a:solidFill>
+                            <a:schemeClr val="tx1"/>
+                          </a:solidFill>
+                          <a:effectLst/>
+                          <a:uLnTx/>
+                          <a:uFillTx/>
+                          <a:latin typeface="Cambria Math" panose="02040503050406030204" pitchFamily="18" charset="0"/>
+                          <a:cs typeface="+mn-cs"/>
+                        </a:rPr>
+                        <m:t>,</m:t>
+                      </m:r>
+                      <m:d>
+                        <m:dPr>
+                          <m:ctrlPr>
+                            <a:rPr kumimoji="1" lang="en-US" altLang="ja-JP" sz="2000" b="0" i="1" u="none" strike="noStrike" kern="1200" cap="none" spc="0" normalizeH="0" baseline="0" noProof="0">
+                              <a:ln>
+                                <a:noFill/>
+                              </a:ln>
+                              <a:solidFill>
+                                <a:schemeClr val="accent3"/>
+                              </a:solidFill>
+                              <a:effectLst/>
+                              <a:uLnTx/>
+                              <a:uFillTx/>
+                              <a:latin typeface="Cambria Math" panose="02040503050406030204" pitchFamily="18" charset="0"/>
+                              <a:cs typeface="+mn-cs"/>
+                            </a:rPr>
+                          </m:ctrlPr>
+                        </m:dPr>
+                        <m:e>
+                          <m:r>
+                            <a:rPr kumimoji="1" lang="en-US" altLang="ja-JP" sz="2000" b="0" i="1" u="none" strike="noStrike" kern="1200" cap="none" spc="0" normalizeH="0" baseline="0" noProof="0">
+                              <a:ln>
+                                <a:noFill/>
+                              </a:ln>
+                              <a:solidFill>
+                                <a:schemeClr val="accent3"/>
+                              </a:solidFill>
+                              <a:effectLst/>
+                              <a:uLnTx/>
+                              <a:uFillTx/>
+                              <a:latin typeface="Cambria Math" panose="02040503050406030204" pitchFamily="18" charset="0"/>
+                              <a:cs typeface="+mn-cs"/>
+                            </a:rPr>
+                            <m:t>𝑥</m:t>
+                          </m:r>
+                          <m:r>
+                            <a:rPr kumimoji="1" lang="en-US" altLang="ja-JP" sz="2000" b="0" i="1" u="none" strike="noStrike" kern="1200" cap="none" spc="0" normalizeH="0" baseline="0" noProof="0">
+                              <a:ln>
+                                <a:noFill/>
+                              </a:ln>
+                              <a:solidFill>
+                                <a:schemeClr val="accent3"/>
+                              </a:solidFill>
+                              <a:effectLst/>
+                              <a:uLnTx/>
+                              <a:uFillTx/>
+                              <a:latin typeface="Cambria Math" panose="02040503050406030204" pitchFamily="18" charset="0"/>
+                              <a:ea typeface="Cambria Math" panose="02040503050406030204" pitchFamily="18" charset="0"/>
+                              <a:cs typeface="+mn-cs"/>
+                            </a:rPr>
+                            <m:t>∨</m:t>
+                          </m:r>
+                          <m:acc>
+                            <m:accPr>
+                              <m:chr m:val="̅"/>
+                              <m:ctrlPr>
+                                <a:rPr kumimoji="1" lang="en-US" altLang="ja-JP" sz="2000" b="0" i="1" u="none" strike="noStrike" kern="1200" cap="none" spc="0" normalizeH="0" baseline="0" noProof="0">
+                                  <a:ln>
+                                    <a:noFill/>
+                                  </a:ln>
+                                  <a:solidFill>
+                                    <a:schemeClr val="accent3"/>
+                                  </a:solidFill>
+                                  <a:effectLst/>
+                                  <a:uLnTx/>
+                                  <a:uFillTx/>
+                                  <a:latin typeface="Cambria Math" panose="02040503050406030204" pitchFamily="18" charset="0"/>
+                                  <a:ea typeface="Cambria Math" panose="02040503050406030204" pitchFamily="18" charset="0"/>
+                                  <a:cs typeface="+mn-cs"/>
+                                </a:rPr>
+                              </m:ctrlPr>
+                            </m:accPr>
+                            <m:e>
+                              <m:r>
+                                <a:rPr kumimoji="1" lang="en-US" altLang="ja-JP" sz="2000" b="0" i="1" u="none" strike="noStrike" kern="1200" cap="none" spc="0" normalizeH="0" baseline="0" noProof="0">
+                                  <a:ln>
+                                    <a:noFill/>
+                                  </a:ln>
+                                  <a:solidFill>
+                                    <a:schemeClr val="accent3"/>
+                                  </a:solidFill>
+                                  <a:effectLst/>
+                                  <a:uLnTx/>
+                                  <a:uFillTx/>
+                                  <a:latin typeface="Cambria Math" panose="02040503050406030204" pitchFamily="18" charset="0"/>
+                                  <a:ea typeface="Cambria Math" panose="02040503050406030204" pitchFamily="18" charset="0"/>
+                                  <a:cs typeface="+mn-cs"/>
+                                </a:rPr>
+                                <m:t>𝑦</m:t>
+                              </m:r>
+                            </m:e>
+                          </m:acc>
+                        </m:e>
+                      </m:d>
+                      <m:r>
+                        <a:rPr kumimoji="1" lang="en-US" altLang="ja-JP" sz="2000" b="0" i="1" u="none" strike="noStrike" kern="1200" cap="none" spc="0" normalizeH="0" baseline="0" noProof="0" smtClean="0">
+                          <a:ln>
+                            <a:noFill/>
+                          </a:ln>
+                          <a:solidFill>
+                            <a:schemeClr val="tx1"/>
+                          </a:solidFill>
+                          <a:effectLst/>
+                          <a:uLnTx/>
+                          <a:uFillTx/>
+                          <a:latin typeface="Cambria Math" panose="02040503050406030204" pitchFamily="18" charset="0"/>
+                          <a:cs typeface="+mn-cs"/>
+                        </a:rPr>
+                        <m:t>,</m:t>
+                      </m:r>
+                      <m:d>
+                        <m:dPr>
+                          <m:ctrlPr>
+                            <a:rPr kumimoji="1" lang="en-US" altLang="ja-JP" sz="2000" b="0" i="1" u="none" strike="noStrike" kern="1200" cap="none" spc="0" normalizeH="0" baseline="0" noProof="0">
+                              <a:ln>
+                                <a:noFill/>
+                              </a:ln>
+                              <a:solidFill>
+                                <a:schemeClr val="accent3"/>
+                              </a:solidFill>
+                              <a:effectLst/>
+                              <a:uLnTx/>
+                              <a:uFillTx/>
+                              <a:latin typeface="Cambria Math" panose="02040503050406030204" pitchFamily="18" charset="0"/>
+                              <a:cs typeface="+mn-cs"/>
+                            </a:rPr>
+                          </m:ctrlPr>
+                        </m:dPr>
+                        <m:e>
+                          <m:r>
+                            <a:rPr kumimoji="1" lang="en-US" altLang="ja-JP" sz="2000" b="0" i="1" u="none" strike="noStrike" kern="1200" cap="none" spc="0" normalizeH="0" baseline="0" noProof="0">
+                              <a:ln>
+                                <a:noFill/>
+                              </a:ln>
+                              <a:solidFill>
+                                <a:schemeClr val="accent3"/>
+                              </a:solidFill>
+                              <a:effectLst/>
+                              <a:uLnTx/>
+                              <a:uFillTx/>
+                              <a:latin typeface="Cambria Math" panose="02040503050406030204" pitchFamily="18" charset="0"/>
+                              <a:cs typeface="+mn-cs"/>
+                            </a:rPr>
+                            <m:t>𝑦</m:t>
+                          </m:r>
+                          <m:r>
+                            <a:rPr kumimoji="1" lang="en-US" altLang="ja-JP" sz="2000" b="0" i="1" u="none" strike="noStrike" kern="1200" cap="none" spc="0" normalizeH="0" baseline="0" noProof="0">
+                              <a:ln>
+                                <a:noFill/>
+                              </a:ln>
+                              <a:solidFill>
+                                <a:schemeClr val="accent3"/>
+                              </a:solidFill>
+                              <a:effectLst/>
+                              <a:uLnTx/>
+                              <a:uFillTx/>
+                              <a:latin typeface="Cambria Math" panose="02040503050406030204" pitchFamily="18" charset="0"/>
+                              <a:ea typeface="Cambria Math" panose="02040503050406030204" pitchFamily="18" charset="0"/>
+                              <a:cs typeface="+mn-cs"/>
+                            </a:rPr>
+                            <m:t>∨</m:t>
+                          </m:r>
+                          <m:acc>
+                            <m:accPr>
+                              <m:chr m:val="̅"/>
+                              <m:ctrlPr>
+                                <a:rPr kumimoji="1" lang="en-US" altLang="ja-JP" sz="2000" b="0" i="1" u="none" strike="noStrike" kern="1200" cap="none" spc="0" normalizeH="0" baseline="0" noProof="0">
+                                  <a:ln>
+                                    <a:noFill/>
+                                  </a:ln>
+                                  <a:solidFill>
+                                    <a:schemeClr val="accent3"/>
+                                  </a:solidFill>
+                                  <a:effectLst/>
+                                  <a:uLnTx/>
+                                  <a:uFillTx/>
+                                  <a:latin typeface="Cambria Math" panose="02040503050406030204" pitchFamily="18" charset="0"/>
+                                  <a:ea typeface="Cambria Math" panose="02040503050406030204" pitchFamily="18" charset="0"/>
+                                  <a:cs typeface="+mn-cs"/>
+                                </a:rPr>
+                              </m:ctrlPr>
+                            </m:accPr>
+                            <m:e>
+                              <m:r>
+                                <a:rPr kumimoji="1" lang="en-US" altLang="ja-JP" sz="2000" b="0" i="1" u="none" strike="noStrike" kern="1200" cap="none" spc="0" normalizeH="0" baseline="0" noProof="0">
+                                  <a:ln>
+                                    <a:noFill/>
+                                  </a:ln>
+                                  <a:solidFill>
+                                    <a:schemeClr val="accent3"/>
+                                  </a:solidFill>
+                                  <a:effectLst/>
+                                  <a:uLnTx/>
+                                  <a:uFillTx/>
+                                  <a:latin typeface="Cambria Math" panose="02040503050406030204" pitchFamily="18" charset="0"/>
+                                  <a:ea typeface="Cambria Math" panose="02040503050406030204" pitchFamily="18" charset="0"/>
+                                  <a:cs typeface="+mn-cs"/>
+                                </a:rPr>
+                                <m:t>𝑧</m:t>
+                              </m:r>
+                            </m:e>
+                          </m:acc>
+                        </m:e>
+                      </m:d>
+                      <m:r>
+                        <a:rPr kumimoji="1" lang="en-US" altLang="ja-JP" sz="2000" b="0" i="1" u="none" strike="noStrike" kern="1200" cap="none" spc="0" normalizeH="0" baseline="0" noProof="0" smtClean="0">
+                          <a:ln>
+                            <a:noFill/>
+                          </a:ln>
+                          <a:solidFill>
+                            <a:schemeClr val="tx1"/>
+                          </a:solidFill>
+                          <a:effectLst/>
+                          <a:uLnTx/>
+                          <a:uFillTx/>
+                          <a:latin typeface="Cambria Math" panose="02040503050406030204" pitchFamily="18" charset="0"/>
+                          <a:cs typeface="+mn-cs"/>
+                        </a:rPr>
+                        <m:t>,</m:t>
+                      </m:r>
+                      <m:d>
+                        <m:dPr>
+                          <m:ctrlPr>
+                            <a:rPr kumimoji="1" lang="en-US" altLang="ja-JP" sz="2000" b="0" i="1" u="none" strike="noStrike" kern="1200" cap="none" spc="0" normalizeH="0" baseline="0" noProof="0">
+                              <a:ln>
+                                <a:noFill/>
+                              </a:ln>
+                              <a:solidFill>
+                                <a:schemeClr val="accent3"/>
+                              </a:solidFill>
+                              <a:effectLst/>
+                              <a:uLnTx/>
+                              <a:uFillTx/>
+                              <a:latin typeface="Cambria Math" panose="02040503050406030204" pitchFamily="18" charset="0"/>
+                              <a:cs typeface="+mn-cs"/>
+                            </a:rPr>
+                          </m:ctrlPr>
+                        </m:dPr>
+                        <m:e>
+                          <m:r>
+                            <a:rPr kumimoji="1" lang="en-US" altLang="ja-JP" sz="2000" b="0" i="1" u="none" strike="noStrike" kern="1200" cap="none" spc="0" normalizeH="0" baseline="0" noProof="0">
+                              <a:ln>
+                                <a:noFill/>
+                              </a:ln>
+                              <a:solidFill>
+                                <a:schemeClr val="accent3"/>
+                              </a:solidFill>
+                              <a:effectLst/>
+                              <a:uLnTx/>
+                              <a:uFillTx/>
+                              <a:latin typeface="Cambria Math" panose="02040503050406030204" pitchFamily="18" charset="0"/>
+                              <a:cs typeface="+mn-cs"/>
+                            </a:rPr>
+                            <m:t>𝑧</m:t>
+                          </m:r>
+                          <m:r>
+                            <a:rPr kumimoji="1" lang="en-US" altLang="ja-JP" sz="2000" b="0" i="1" u="none" strike="noStrike" kern="1200" cap="none" spc="0" normalizeH="0" baseline="0" noProof="0">
+                              <a:ln>
+                                <a:noFill/>
+                              </a:ln>
+                              <a:solidFill>
+                                <a:schemeClr val="accent3"/>
+                              </a:solidFill>
+                              <a:effectLst/>
+                              <a:uLnTx/>
+                              <a:uFillTx/>
+                              <a:latin typeface="Cambria Math" panose="02040503050406030204" pitchFamily="18" charset="0"/>
+                              <a:ea typeface="Cambria Math" panose="02040503050406030204" pitchFamily="18" charset="0"/>
+                              <a:cs typeface="+mn-cs"/>
+                            </a:rPr>
+                            <m:t>∨</m:t>
+                          </m:r>
+                          <m:acc>
+                            <m:accPr>
+                              <m:chr m:val="̅"/>
+                              <m:ctrlPr>
+                                <a:rPr kumimoji="1" lang="en-US" altLang="ja-JP" sz="2000" b="0" i="1" u="none" strike="noStrike" kern="1200" cap="none" spc="0" normalizeH="0" baseline="0" noProof="0">
+                                  <a:ln>
+                                    <a:noFill/>
+                                  </a:ln>
+                                  <a:solidFill>
+                                    <a:schemeClr val="accent3"/>
+                                  </a:solidFill>
+                                  <a:effectLst/>
+                                  <a:uLnTx/>
+                                  <a:uFillTx/>
+                                  <a:latin typeface="Cambria Math" panose="02040503050406030204" pitchFamily="18" charset="0"/>
+                                  <a:ea typeface="Cambria Math" panose="02040503050406030204" pitchFamily="18" charset="0"/>
+                                  <a:cs typeface="+mn-cs"/>
+                                </a:rPr>
+                              </m:ctrlPr>
+                            </m:accPr>
+                            <m:e>
+                              <m:r>
+                                <a:rPr kumimoji="1" lang="en-US" altLang="ja-JP" sz="2000" b="0" i="1" u="none" strike="noStrike" kern="1200" cap="none" spc="0" normalizeH="0" baseline="0" noProof="0">
+                                  <a:ln>
+                                    <a:noFill/>
+                                  </a:ln>
+                                  <a:solidFill>
+                                    <a:schemeClr val="accent3"/>
+                                  </a:solidFill>
+                                  <a:effectLst/>
+                                  <a:uLnTx/>
+                                  <a:uFillTx/>
+                                  <a:latin typeface="Cambria Math" panose="02040503050406030204" pitchFamily="18" charset="0"/>
+                                  <a:ea typeface="Cambria Math" panose="02040503050406030204" pitchFamily="18" charset="0"/>
+                                  <a:cs typeface="+mn-cs"/>
+                                </a:rPr>
+                                <m:t>𝑤</m:t>
+                              </m:r>
+                            </m:e>
+                          </m:acc>
+                        </m:e>
+                      </m:d>
+                      <m:r>
+                        <a:rPr kumimoji="1" lang="en-US" altLang="ja-JP" sz="2000" b="0" i="1" u="none" strike="noStrike" kern="1200" cap="none" spc="0" normalizeH="0" baseline="0" noProof="0" smtClean="0">
+                          <a:ln>
+                            <a:noFill/>
+                          </a:ln>
+                          <a:solidFill>
+                            <a:schemeClr val="tx1"/>
+                          </a:solidFill>
+                          <a:effectLst/>
+                          <a:uLnTx/>
+                          <a:uFillTx/>
+                          <a:latin typeface="Cambria Math" panose="02040503050406030204" pitchFamily="18" charset="0"/>
+                          <a:cs typeface="+mn-cs"/>
+                        </a:rPr>
+                        <m:t>,</m:t>
+                      </m:r>
+                      <m:d>
+                        <m:dPr>
+                          <m:ctrlPr>
+                            <a:rPr kumimoji="1" lang="en-US" altLang="ja-JP" sz="2000" b="0" i="1" u="none" strike="noStrike" kern="1200" cap="none" spc="0" normalizeH="0" baseline="0" noProof="0">
+                              <a:ln>
+                                <a:noFill/>
+                              </a:ln>
+                              <a:solidFill>
+                                <a:schemeClr val="accent3"/>
+                              </a:solidFill>
+                              <a:effectLst/>
+                              <a:uLnTx/>
+                              <a:uFillTx/>
+                              <a:latin typeface="Cambria Math" panose="02040503050406030204" pitchFamily="18" charset="0"/>
+                              <a:cs typeface="+mn-cs"/>
+                            </a:rPr>
+                          </m:ctrlPr>
+                        </m:dPr>
+                        <m:e>
+                          <m:acc>
+                            <m:accPr>
+                              <m:chr m:val="̅"/>
+                              <m:ctrlPr>
+                                <a:rPr kumimoji="1" lang="en-US" altLang="ja-JP" sz="2000" b="0" i="1" u="none" strike="noStrike" kern="1200" cap="none" spc="0" normalizeH="0" baseline="0" noProof="0">
+                                  <a:ln>
+                                    <a:noFill/>
+                                  </a:ln>
+                                  <a:solidFill>
+                                    <a:schemeClr val="accent3"/>
+                                  </a:solidFill>
+                                  <a:effectLst/>
+                                  <a:uLnTx/>
+                                  <a:uFillTx/>
+                                  <a:latin typeface="Cambria Math" panose="02040503050406030204" pitchFamily="18" charset="0"/>
+                                  <a:cs typeface="+mn-cs"/>
+                                </a:rPr>
+                              </m:ctrlPr>
+                            </m:accPr>
+                            <m:e>
+                              <m:r>
+                                <a:rPr kumimoji="1" lang="en-US" altLang="ja-JP" sz="2000" b="0" i="1" u="none" strike="noStrike" kern="1200" cap="none" spc="0" normalizeH="0" baseline="0" noProof="0">
+                                  <a:ln>
+                                    <a:noFill/>
+                                  </a:ln>
+                                  <a:solidFill>
+                                    <a:schemeClr val="accent3"/>
+                                  </a:solidFill>
+                                  <a:effectLst/>
+                                  <a:uLnTx/>
+                                  <a:uFillTx/>
+                                  <a:latin typeface="Cambria Math" panose="02040503050406030204" pitchFamily="18" charset="0"/>
+                                  <a:cs typeface="+mn-cs"/>
+                                </a:rPr>
+                                <m:t>𝑤</m:t>
+                              </m:r>
+                            </m:e>
+                          </m:acc>
+                          <m:r>
+                            <a:rPr kumimoji="1" lang="en-US" altLang="ja-JP" sz="2000" b="0" i="1" u="none" strike="noStrike" kern="1200" cap="none" spc="0" normalizeH="0" baseline="0" noProof="0">
+                              <a:ln>
+                                <a:noFill/>
+                              </a:ln>
+                              <a:solidFill>
+                                <a:schemeClr val="accent3"/>
+                              </a:solidFill>
+                              <a:effectLst/>
+                              <a:uLnTx/>
+                              <a:uFillTx/>
+                              <a:latin typeface="Cambria Math" panose="02040503050406030204" pitchFamily="18" charset="0"/>
+                              <a:ea typeface="Cambria Math" panose="02040503050406030204" pitchFamily="18" charset="0"/>
+                              <a:cs typeface="+mn-cs"/>
+                            </a:rPr>
+                            <m:t>∨</m:t>
+                          </m:r>
+                          <m:acc>
+                            <m:accPr>
+                              <m:chr m:val="̅"/>
+                              <m:ctrlPr>
+                                <a:rPr kumimoji="1" lang="en-US" altLang="ja-JP" sz="2000" b="0" i="1" u="none" strike="noStrike" kern="1200" cap="none" spc="0" normalizeH="0" baseline="0" noProof="0">
+                                  <a:ln>
+                                    <a:noFill/>
+                                  </a:ln>
+                                  <a:solidFill>
+                                    <a:schemeClr val="accent3"/>
+                                  </a:solidFill>
+                                  <a:effectLst/>
+                                  <a:uLnTx/>
+                                  <a:uFillTx/>
+                                  <a:latin typeface="Cambria Math" panose="02040503050406030204" pitchFamily="18" charset="0"/>
+                                  <a:ea typeface="Cambria Math" panose="02040503050406030204" pitchFamily="18" charset="0"/>
+                                  <a:cs typeface="+mn-cs"/>
+                                </a:rPr>
+                              </m:ctrlPr>
+                            </m:accPr>
+                            <m:e>
+                              <m:r>
+                                <a:rPr kumimoji="1" lang="en-US" altLang="ja-JP" sz="2000" b="0" i="1" u="none" strike="noStrike" kern="1200" cap="none" spc="0" normalizeH="0" baseline="0" noProof="0">
+                                  <a:ln>
+                                    <a:noFill/>
+                                  </a:ln>
+                                  <a:solidFill>
+                                    <a:schemeClr val="accent3"/>
+                                  </a:solidFill>
+                                  <a:effectLst/>
+                                  <a:uLnTx/>
+                                  <a:uFillTx/>
+                                  <a:latin typeface="Cambria Math" panose="02040503050406030204" pitchFamily="18" charset="0"/>
+                                  <a:ea typeface="Cambria Math" panose="02040503050406030204" pitchFamily="18" charset="0"/>
+                                  <a:cs typeface="+mn-cs"/>
+                                </a:rPr>
+                                <m:t>𝑧</m:t>
+                              </m:r>
+                            </m:e>
+                          </m:acc>
+                        </m:e>
+                      </m:d>
+                    </m:oMath>
+                  </m:oMathPara>
+                </a14:m>
+                <a:endParaRPr kumimoji="1" lang="ja-JP" altLang="en-US" sz="2000" b="0" i="0" u="none" strike="noStrike" kern="1200" cap="none" spc="0" normalizeH="0" baseline="0" noProof="0" dirty="0">
+                  <a:ln>
+                    <a:noFill/>
+                  </a:ln>
+                  <a:solidFill>
+                    <a:prstClr val="black"/>
+                  </a:solidFill>
+                  <a:effectLst/>
+                  <a:uLnTx/>
+                  <a:uFillTx/>
+                  <a:latin typeface="メイリオ"/>
+                  <a:ea typeface="メイリオ"/>
+                  <a:cs typeface="+mn-cs"/>
+                </a:endParaRPr>
+              </a:p>
+            </p:txBody>
+          </p:sp>
+        </mc:Choice>
+        <mc:Fallback>
+          <p:sp>
+            <p:nvSpPr>
+              <p:cNvPr id="5" name="四角形: 角を丸くする 4">
+                <a:extLst>
+                  <a:ext uri="{FF2B5EF4-FFF2-40B4-BE49-F238E27FC236}">
+                    <a16:creationId xmlns:a16="http://schemas.microsoft.com/office/drawing/2014/main" id="{FEEDDB43-0579-49C2-9A5B-98DC05D47865}"/>
+                  </a:ext>
+                </a:extLst>
+              </p:cNvPr>
+              <p:cNvSpPr>
+                <a:spLocks noRot="1" noChangeAspect="1" noMove="1" noResize="1" noEditPoints="1" noAdjustHandles="1" noChangeArrowheads="1" noChangeShapeType="1" noTextEdit="1"/>
+              </p:cNvSpPr>
+              <p:nvPr/>
+            </p:nvSpPr>
+            <p:spPr>
+              <a:xfrm>
+                <a:off x="1338029" y="1922374"/>
+                <a:ext cx="6712901" cy="458250"/>
+              </a:xfrm>
+              <a:prstGeom prst="roundRect">
+                <a:avLst/>
+              </a:prstGeom>
+              <a:blipFill>
+                <a:blip r:embed="rId3"/>
+                <a:stretch>
+                  <a:fillRect/>
+                </a:stretch>
+              </a:blipFill>
+              <a:ln w="28575">
+                <a:solidFill>
+                  <a:schemeClr val="tx1"/>
+                </a:solidFill>
+              </a:ln>
+            </p:spPr>
+            <p:txBody>
+              <a:bodyPr/>
+              <a:lstStyle/>
+              <a:p>
+                <a:r>
+                  <a:rPr lang="ja-JP" altLang="en-US">
+                    <a:noFill/>
+                  </a:rPr>
+                  <a:t> </a:t>
+                </a:r>
+              </a:p>
+            </p:txBody>
+          </p:sp>
+        </mc:Fallback>
+      </mc:AlternateContent>
+      <mc:AlternateContent xmlns:mc="http://schemas.openxmlformats.org/markup-compatibility/2006">
+        <mc:Choice xmlns:a14="http://schemas.microsoft.com/office/drawing/2010/main" Requires="a14">
+          <p:sp>
+            <p:nvSpPr>
+              <p:cNvPr id="6" name="四角形: 角を丸くする 5">
+                <a:extLst>
+                  <a:ext uri="{FF2B5EF4-FFF2-40B4-BE49-F238E27FC236}">
+                    <a16:creationId xmlns:a16="http://schemas.microsoft.com/office/drawing/2014/main" id="{71277100-ADEF-4746-85BC-6DF6004DA43B}"/>
+                  </a:ext>
+                </a:extLst>
+              </p:cNvPr>
+              <p:cNvSpPr/>
+              <p:nvPr/>
+            </p:nvSpPr>
+            <p:spPr>
+              <a:xfrm>
+                <a:off x="5747941" y="3007932"/>
+                <a:ext cx="2739549" cy="458250"/>
+              </a:xfrm>
+              <a:prstGeom prst="roundRect">
+                <a:avLst/>
+              </a:prstGeom>
+              <a:ln w="28575">
+                <a:solidFill>
+                  <a:schemeClr val="tx1"/>
+                </a:solidFill>
+              </a:ln>
+            </p:spPr>
+            <p:style>
+              <a:lnRef idx="1">
+                <a:schemeClr val="accent1"/>
+              </a:lnRef>
+              <a:fillRef idx="0">
+                <a:schemeClr val="accent1"/>
+              </a:fillRef>
+              <a:effectRef idx="0">
+                <a:schemeClr val="accent1"/>
+              </a:effectRef>
+              <a:fontRef idx="minor">
+                <a:schemeClr val="tx1"/>
+              </a:fontRef>
+            </p:style>
+            <p:txBody>
+              <a:bodyPr rtlCol="0" anchor="ctr"/>
+              <a:lstStyle/>
+              <a:p>
+                <a:pPr marL="0" marR="0" lvl="0" indent="0" algn="ctr" defTabSz="914400" rtl="0" eaLnBrk="1" fontAlgn="auto" latinLnBrk="0" hangingPunct="1">
+                  <a:lnSpc>
+                    <a:spcPct val="100000"/>
+                  </a:lnSpc>
+                  <a:spcBef>
+                    <a:spcPts val="0"/>
+                  </a:spcBef>
+                  <a:spcAft>
+                    <a:spcPts val="0"/>
+                  </a:spcAft>
+                  <a:buClrTx/>
+                  <a:buSzTx/>
+                  <a:buFontTx/>
+                  <a:buNone/>
+                  <a:tabLst/>
+                  <a:defRPr/>
+                </a:pPr>
+                <a14:m>
+                  <m:oMathPara xmlns:m="http://schemas.openxmlformats.org/officeDocument/2006/math">
+                    <m:oMathParaPr>
+                      <m:jc m:val="centerGroup"/>
+                    </m:oMathParaPr>
+                    <m:oMath xmlns:m="http://schemas.openxmlformats.org/officeDocument/2006/math">
+                      <m:d>
+                        <m:dPr>
+                          <m:ctrlPr>
+                            <a:rPr kumimoji="1" lang="en-US" altLang="ja-JP" sz="2000" b="0" i="1" u="none" strike="noStrike" kern="1200" cap="none" spc="0" normalizeH="0" baseline="0" noProof="0">
+                              <a:ln>
+                                <a:noFill/>
+                              </a:ln>
+                              <a:solidFill>
+                                <a:prstClr val="black"/>
+                              </a:solidFill>
+                              <a:effectLst/>
+                              <a:uLnTx/>
+                              <a:uFillTx/>
+                              <a:latin typeface="Cambria Math" panose="02040503050406030204" pitchFamily="18" charset="0"/>
+                              <a:cs typeface="+mn-cs"/>
+                            </a:rPr>
+                          </m:ctrlPr>
+                        </m:dPr>
+                        <m:e>
+                          <m:r>
+                            <a:rPr kumimoji="1" lang="en-US" altLang="ja-JP" sz="2000" b="0" i="1" u="none" strike="noStrike" kern="1200" cap="none" spc="0" normalizeH="0" baseline="0" noProof="0">
+                              <a:ln>
+                                <a:noFill/>
+                              </a:ln>
+                              <a:solidFill>
+                                <a:prstClr val="black"/>
+                              </a:solidFill>
+                              <a:effectLst/>
+                              <a:uLnTx/>
+                              <a:uFillTx/>
+                              <a:latin typeface="Cambria Math" panose="02040503050406030204" pitchFamily="18" charset="0"/>
+                              <a:cs typeface="+mn-cs"/>
+                            </a:rPr>
+                            <m:t>𝑥</m:t>
+                          </m:r>
+                          <m:r>
+                            <a:rPr kumimoji="1" lang="en-US" altLang="ja-JP" sz="2000" b="0" i="1" u="none" strike="noStrike" kern="1200" cap="none" spc="0" normalizeH="0" baseline="0" noProof="0">
+                              <a:ln>
+                                <a:noFill/>
+                              </a:ln>
+                              <a:solidFill>
+                                <a:prstClr val="black"/>
+                              </a:solidFill>
+                              <a:effectLst/>
+                              <a:uLnTx/>
+                              <a:uFillTx/>
+                              <a:latin typeface="Cambria Math" panose="02040503050406030204" pitchFamily="18" charset="0"/>
+                              <a:ea typeface="Cambria Math" panose="02040503050406030204" pitchFamily="18" charset="0"/>
+                              <a:cs typeface="+mn-cs"/>
+                            </a:rPr>
+                            <m:t>∨</m:t>
+                          </m:r>
+                          <m:acc>
+                            <m:accPr>
+                              <m:chr m:val="̅"/>
+                              <m:ctrlPr>
+                                <a:rPr kumimoji="1" lang="en-US" altLang="ja-JP" sz="2000" b="0" i="1" u="none" strike="noStrike" kern="1200" cap="none" spc="0" normalizeH="0" baseline="0" noProof="0">
+                                  <a:ln>
+                                    <a:noFill/>
+                                  </a:ln>
+                                  <a:solidFill>
+                                    <a:prstClr val="black"/>
+                                  </a:solidFill>
+                                  <a:effectLst/>
+                                  <a:uLnTx/>
+                                  <a:uFillTx/>
+                                  <a:latin typeface="Cambria Math" panose="02040503050406030204" pitchFamily="18" charset="0"/>
+                                  <a:ea typeface="Cambria Math" panose="02040503050406030204" pitchFamily="18" charset="0"/>
+                                  <a:cs typeface="+mn-cs"/>
+                                </a:rPr>
+                              </m:ctrlPr>
+                            </m:accPr>
+                            <m:e>
+                              <m:r>
+                                <a:rPr kumimoji="1" lang="en-US" altLang="ja-JP" sz="2000" b="0" i="1" u="none" strike="noStrike" kern="1200" cap="none" spc="0" normalizeH="0" baseline="0" noProof="0">
+                                  <a:ln>
+                                    <a:noFill/>
+                                  </a:ln>
+                                  <a:solidFill>
+                                    <a:prstClr val="black"/>
+                                  </a:solidFill>
+                                  <a:effectLst/>
+                                  <a:uLnTx/>
+                                  <a:uFillTx/>
+                                  <a:latin typeface="Cambria Math" panose="02040503050406030204" pitchFamily="18" charset="0"/>
+                                  <a:ea typeface="Cambria Math" panose="02040503050406030204" pitchFamily="18" charset="0"/>
+                                  <a:cs typeface="+mn-cs"/>
+                                </a:rPr>
+                                <m:t>𝑦</m:t>
+                              </m:r>
+                            </m:e>
+                          </m:acc>
+                        </m:e>
+                      </m:d>
+                      <m:r>
+                        <a:rPr kumimoji="1" lang="en-US" altLang="ja-JP" sz="2000" b="0" i="1" u="none" strike="noStrike" kern="1200" cap="none" spc="0" normalizeH="0" baseline="0" noProof="0">
+                          <a:ln>
+                            <a:noFill/>
+                          </a:ln>
+                          <a:solidFill>
+                            <a:prstClr val="black"/>
+                          </a:solidFill>
+                          <a:effectLst/>
+                          <a:uLnTx/>
+                          <a:uFillTx/>
+                          <a:latin typeface="Cambria Math" panose="02040503050406030204" pitchFamily="18" charset="0"/>
+                          <a:cs typeface="+mn-cs"/>
+                        </a:rPr>
+                        <m:t>,</m:t>
+                      </m:r>
+                      <m:d>
+                        <m:dPr>
+                          <m:ctrlPr>
+                            <a:rPr kumimoji="1" lang="en-US" altLang="ja-JP" sz="2000" b="0" i="1" u="none" strike="noStrike" kern="1200" cap="none" spc="0" normalizeH="0" baseline="0" noProof="0">
+                              <a:ln>
+                                <a:noFill/>
+                              </a:ln>
+                              <a:solidFill>
+                                <a:prstClr val="black"/>
+                              </a:solidFill>
+                              <a:effectLst/>
+                              <a:uLnTx/>
+                              <a:uFillTx/>
+                              <a:latin typeface="Cambria Math" panose="02040503050406030204" pitchFamily="18" charset="0"/>
+                              <a:cs typeface="+mn-cs"/>
+                            </a:rPr>
+                          </m:ctrlPr>
+                        </m:dPr>
+                        <m:e>
+                          <m:r>
+                            <a:rPr kumimoji="1" lang="en-US" altLang="ja-JP" sz="2000" b="0" i="1" u="none" strike="noStrike" kern="1200" cap="none" spc="0" normalizeH="0" baseline="0" noProof="0">
+                              <a:ln>
+                                <a:noFill/>
+                              </a:ln>
+                              <a:solidFill>
+                                <a:prstClr val="black"/>
+                              </a:solidFill>
+                              <a:effectLst/>
+                              <a:uLnTx/>
+                              <a:uFillTx/>
+                              <a:latin typeface="Cambria Math" panose="02040503050406030204" pitchFamily="18" charset="0"/>
+                              <a:cs typeface="+mn-cs"/>
+                            </a:rPr>
+                            <m:t>𝑦</m:t>
+                          </m:r>
+                          <m:r>
+                            <a:rPr kumimoji="1" lang="en-US" altLang="ja-JP" sz="2000" b="0" i="1" u="none" strike="noStrike" kern="1200" cap="none" spc="0" normalizeH="0" baseline="0" noProof="0">
+                              <a:ln>
+                                <a:noFill/>
+                              </a:ln>
+                              <a:solidFill>
+                                <a:prstClr val="black"/>
+                              </a:solidFill>
+                              <a:effectLst/>
+                              <a:uLnTx/>
+                              <a:uFillTx/>
+                              <a:latin typeface="Cambria Math" panose="02040503050406030204" pitchFamily="18" charset="0"/>
+                              <a:ea typeface="Cambria Math" panose="02040503050406030204" pitchFamily="18" charset="0"/>
+                              <a:cs typeface="+mn-cs"/>
+                            </a:rPr>
+                            <m:t>∨</m:t>
+                          </m:r>
+                          <m:acc>
+                            <m:accPr>
+                              <m:chr m:val="̅"/>
+                              <m:ctrlPr>
+                                <a:rPr kumimoji="1" lang="en-US" altLang="ja-JP" sz="2000" b="0" i="1" u="none" strike="noStrike" kern="1200" cap="none" spc="0" normalizeH="0" baseline="0" noProof="0">
+                                  <a:ln>
+                                    <a:noFill/>
+                                  </a:ln>
+                                  <a:solidFill>
+                                    <a:prstClr val="black"/>
+                                  </a:solidFill>
+                                  <a:effectLst/>
+                                  <a:uLnTx/>
+                                  <a:uFillTx/>
+                                  <a:latin typeface="Cambria Math" panose="02040503050406030204" pitchFamily="18" charset="0"/>
+                                  <a:ea typeface="Cambria Math" panose="02040503050406030204" pitchFamily="18" charset="0"/>
+                                  <a:cs typeface="+mn-cs"/>
+                                </a:rPr>
+                              </m:ctrlPr>
+                            </m:accPr>
+                            <m:e>
+                              <m:r>
+                                <a:rPr kumimoji="1" lang="en-US" altLang="ja-JP" sz="2000" b="0" i="1" u="none" strike="noStrike" kern="1200" cap="none" spc="0" normalizeH="0" baseline="0" noProof="0">
+                                  <a:ln>
+                                    <a:noFill/>
+                                  </a:ln>
+                                  <a:solidFill>
+                                    <a:prstClr val="black"/>
+                                  </a:solidFill>
+                                  <a:effectLst/>
+                                  <a:uLnTx/>
+                                  <a:uFillTx/>
+                                  <a:latin typeface="Cambria Math" panose="02040503050406030204" pitchFamily="18" charset="0"/>
+                                  <a:ea typeface="Cambria Math" panose="02040503050406030204" pitchFamily="18" charset="0"/>
+                                  <a:cs typeface="+mn-cs"/>
+                                </a:rPr>
+                                <m:t>𝑧</m:t>
+                              </m:r>
+                            </m:e>
+                          </m:acc>
+                        </m:e>
+                      </m:d>
+                      <m:r>
+                        <a:rPr kumimoji="1" lang="en-US" altLang="ja-JP" sz="2000" b="0" i="1" u="none" strike="noStrike" kern="1200" cap="none" spc="0" normalizeH="0" baseline="0" noProof="0">
+                          <a:ln>
+                            <a:noFill/>
+                          </a:ln>
+                          <a:solidFill>
+                            <a:prstClr val="black"/>
+                          </a:solidFill>
+                          <a:effectLst/>
+                          <a:uLnTx/>
+                          <a:uFillTx/>
+                          <a:latin typeface="Cambria Math" panose="02040503050406030204" pitchFamily="18" charset="0"/>
+                          <a:cs typeface="+mn-cs"/>
+                        </a:rPr>
+                        <m:t>,</m:t>
+                      </m:r>
+                      <m:d>
+                        <m:dPr>
+                          <m:ctrlPr>
+                            <a:rPr kumimoji="1" lang="en-US" altLang="ja-JP" sz="2000" b="0" i="1" u="none" strike="noStrike" kern="1200" cap="none" spc="0" normalizeH="0" baseline="0" noProof="0" smtClean="0">
+                              <a:ln>
+                                <a:noFill/>
+                              </a:ln>
+                              <a:solidFill>
+                                <a:schemeClr val="accent3"/>
+                              </a:solidFill>
+                              <a:effectLst/>
+                              <a:uLnTx/>
+                              <a:uFillTx/>
+                              <a:latin typeface="Cambria Math" panose="02040503050406030204" pitchFamily="18" charset="0"/>
+                              <a:cs typeface="+mn-cs"/>
+                            </a:rPr>
+                          </m:ctrlPr>
+                        </m:dPr>
+                        <m:e>
+                          <m:r>
+                            <a:rPr kumimoji="1" lang="en-US" altLang="ja-JP" sz="2000" b="0" i="1" u="none" strike="noStrike" kern="1200" cap="none" spc="0" normalizeH="0" baseline="0" noProof="0">
+                              <a:ln>
+                                <a:noFill/>
+                              </a:ln>
+                              <a:solidFill>
+                                <a:schemeClr val="accent3"/>
+                              </a:solidFill>
+                              <a:effectLst/>
+                              <a:uLnTx/>
+                              <a:uFillTx/>
+                              <a:latin typeface="Cambria Math" panose="02040503050406030204" pitchFamily="18" charset="0"/>
+                              <a:cs typeface="+mn-cs"/>
+                            </a:rPr>
+                            <m:t>𝑧</m:t>
+                          </m:r>
+                        </m:e>
+                      </m:d>
+                      <m:r>
+                        <a:rPr kumimoji="1" lang="en-US" altLang="ja-JP" sz="2000" b="0" i="1" u="none" strike="noStrike" kern="1200" cap="none" spc="0" normalizeH="0" baseline="0" noProof="0">
+                          <a:ln>
+                            <a:noFill/>
+                          </a:ln>
+                          <a:solidFill>
+                            <a:prstClr val="black"/>
+                          </a:solidFill>
+                          <a:effectLst/>
+                          <a:uLnTx/>
+                          <a:uFillTx/>
+                          <a:latin typeface="Cambria Math" panose="02040503050406030204" pitchFamily="18" charset="0"/>
+                          <a:cs typeface="+mn-cs"/>
+                        </a:rPr>
+                        <m:t>,</m:t>
+                      </m:r>
+                      <m:d>
+                        <m:dPr>
+                          <m:ctrlPr>
+                            <a:rPr kumimoji="1" lang="en-US" altLang="ja-JP" sz="2000" b="0" i="1" u="none" strike="noStrike" kern="1200" cap="none" spc="0" normalizeH="0" baseline="0" noProof="0" smtClean="0">
+                              <a:ln>
+                                <a:noFill/>
+                              </a:ln>
+                              <a:solidFill>
+                                <a:schemeClr val="accent3"/>
+                              </a:solidFill>
+                              <a:effectLst/>
+                              <a:uLnTx/>
+                              <a:uFillTx/>
+                              <a:latin typeface="Cambria Math" panose="02040503050406030204" pitchFamily="18" charset="0"/>
+                              <a:cs typeface="+mn-cs"/>
+                            </a:rPr>
+                          </m:ctrlPr>
+                        </m:dPr>
+                        <m:e>
+                          <m:acc>
+                            <m:accPr>
+                              <m:chr m:val="̅"/>
+                              <m:ctrlPr>
+                                <a:rPr kumimoji="1" lang="en-US" altLang="ja-JP" sz="2000" b="0" i="1" u="none" strike="noStrike" kern="1200" cap="none" spc="0" normalizeH="0" baseline="0" noProof="0">
+                                  <a:ln>
+                                    <a:noFill/>
+                                  </a:ln>
+                                  <a:solidFill>
+                                    <a:schemeClr val="accent3"/>
+                                  </a:solidFill>
+                                  <a:effectLst/>
+                                  <a:uLnTx/>
+                                  <a:uFillTx/>
+                                  <a:latin typeface="Cambria Math" panose="02040503050406030204" pitchFamily="18" charset="0"/>
+                                  <a:ea typeface="Cambria Math" panose="02040503050406030204" pitchFamily="18" charset="0"/>
+                                  <a:cs typeface="+mn-cs"/>
+                                </a:rPr>
+                              </m:ctrlPr>
+                            </m:accPr>
+                            <m:e>
+                              <m:r>
+                                <a:rPr kumimoji="1" lang="en-US" altLang="ja-JP" sz="2000" b="0" i="1" u="none" strike="noStrike" kern="1200" cap="none" spc="0" normalizeH="0" baseline="0" noProof="0">
+                                  <a:ln>
+                                    <a:noFill/>
+                                  </a:ln>
+                                  <a:solidFill>
+                                    <a:schemeClr val="accent3"/>
+                                  </a:solidFill>
+                                  <a:effectLst/>
+                                  <a:uLnTx/>
+                                  <a:uFillTx/>
+                                  <a:latin typeface="Cambria Math" panose="02040503050406030204" pitchFamily="18" charset="0"/>
+                                  <a:ea typeface="Cambria Math" panose="02040503050406030204" pitchFamily="18" charset="0"/>
+                                  <a:cs typeface="+mn-cs"/>
+                                </a:rPr>
+                                <m:t>𝑧</m:t>
+                              </m:r>
+                            </m:e>
+                          </m:acc>
+                        </m:e>
+                      </m:d>
+                    </m:oMath>
+                  </m:oMathPara>
+                </a14:m>
+                <a:endParaRPr kumimoji="1" lang="ja-JP" altLang="en-US" sz="2000" b="0" i="0" u="none" strike="noStrike" kern="1200" cap="none" spc="0" normalizeH="0" baseline="0" noProof="0" dirty="0">
+                  <a:ln>
+                    <a:noFill/>
+                  </a:ln>
+                  <a:solidFill>
+                    <a:prstClr val="black"/>
+                  </a:solidFill>
+                  <a:effectLst/>
+                  <a:uLnTx/>
+                  <a:uFillTx/>
+                  <a:latin typeface="メイリオ"/>
+                  <a:ea typeface="メイリオ"/>
+                  <a:cs typeface="+mn-cs"/>
+                </a:endParaRPr>
+              </a:p>
+            </p:txBody>
+          </p:sp>
+        </mc:Choice>
+        <mc:Fallback>
+          <p:sp>
+            <p:nvSpPr>
+              <p:cNvPr id="6" name="四角形: 角を丸くする 5">
+                <a:extLst>
+                  <a:ext uri="{FF2B5EF4-FFF2-40B4-BE49-F238E27FC236}">
+                    <a16:creationId xmlns:a16="http://schemas.microsoft.com/office/drawing/2014/main" id="{71277100-ADEF-4746-85BC-6DF6004DA43B}"/>
+                  </a:ext>
+                </a:extLst>
+              </p:cNvPr>
+              <p:cNvSpPr>
+                <a:spLocks noRot="1" noChangeAspect="1" noMove="1" noResize="1" noEditPoints="1" noAdjustHandles="1" noChangeArrowheads="1" noChangeShapeType="1" noTextEdit="1"/>
+              </p:cNvSpPr>
+              <p:nvPr/>
+            </p:nvSpPr>
+            <p:spPr>
+              <a:xfrm>
+                <a:off x="5747941" y="3007932"/>
+                <a:ext cx="2739549" cy="458250"/>
+              </a:xfrm>
+              <a:prstGeom prst="roundRect">
+                <a:avLst/>
+              </a:prstGeom>
+              <a:blipFill>
+                <a:blip r:embed="rId4"/>
+                <a:stretch>
+                  <a:fillRect r="-3084"/>
+                </a:stretch>
+              </a:blipFill>
+              <a:ln w="28575">
+                <a:solidFill>
+                  <a:schemeClr val="tx1"/>
+                </a:solidFill>
+              </a:ln>
+            </p:spPr>
+            <p:txBody>
+              <a:bodyPr/>
+              <a:lstStyle/>
+              <a:p>
+                <a:r>
+                  <a:rPr lang="ja-JP" altLang="en-US">
+                    <a:noFill/>
+                  </a:rPr>
+                  <a:t> </a:t>
+                </a:r>
+              </a:p>
+            </p:txBody>
+          </p:sp>
+        </mc:Fallback>
+      </mc:AlternateContent>
+      <mc:AlternateContent xmlns:mc="http://schemas.openxmlformats.org/markup-compatibility/2006">
+        <mc:Choice xmlns:a14="http://schemas.microsoft.com/office/drawing/2010/main" Requires="a14">
+          <p:sp>
+            <p:nvSpPr>
+              <p:cNvPr id="7" name="四角形: 角を丸くする 6">
+                <a:extLst>
+                  <a:ext uri="{FF2B5EF4-FFF2-40B4-BE49-F238E27FC236}">
+                    <a16:creationId xmlns:a16="http://schemas.microsoft.com/office/drawing/2014/main" id="{08BDE145-D60B-43D5-9A27-FF4D86ED12AD}"/>
+                  </a:ext>
+                </a:extLst>
+              </p:cNvPr>
+              <p:cNvSpPr/>
+              <p:nvPr/>
+            </p:nvSpPr>
+            <p:spPr>
+              <a:xfrm>
+                <a:off x="603213" y="3007932"/>
+                <a:ext cx="3562927" cy="458250"/>
+              </a:xfrm>
+              <a:prstGeom prst="roundRect">
+                <a:avLst/>
+              </a:prstGeom>
+              <a:ln w="28575">
+                <a:solidFill>
+                  <a:schemeClr val="tx1"/>
+                </a:solidFill>
+              </a:ln>
+            </p:spPr>
+            <p:style>
+              <a:lnRef idx="1">
+                <a:schemeClr val="accent1"/>
+              </a:lnRef>
+              <a:fillRef idx="0">
+                <a:schemeClr val="accent1"/>
+              </a:fillRef>
+              <a:effectRef idx="0">
+                <a:schemeClr val="accent1"/>
+              </a:effectRef>
+              <a:fontRef idx="minor">
+                <a:schemeClr val="tx1"/>
+              </a:fontRef>
+            </p:style>
+            <p:txBody>
+              <a:bodyPr rtlCol="0" anchor="ctr"/>
+              <a:lstStyle/>
+              <a:p>
+                <a:pPr marL="0" marR="0" lvl="0" indent="0" algn="ctr" defTabSz="914400" rtl="0" eaLnBrk="1" fontAlgn="auto" latinLnBrk="0" hangingPunct="1">
+                  <a:lnSpc>
+                    <a:spcPct val="100000"/>
+                  </a:lnSpc>
+                  <a:spcBef>
+                    <a:spcPts val="0"/>
+                  </a:spcBef>
+                  <a:spcAft>
+                    <a:spcPts val="0"/>
+                  </a:spcAft>
+                  <a:buClrTx/>
+                  <a:buSzTx/>
+                  <a:buFontTx/>
+                  <a:buNone/>
+                  <a:tabLst/>
+                  <a:defRPr/>
+                </a:pPr>
+                <a14:m>
+                  <m:oMathPara xmlns:m="http://schemas.openxmlformats.org/officeDocument/2006/math">
+                    <m:oMathParaPr>
+                      <m:jc m:val="centerGroup"/>
+                    </m:oMathParaPr>
+                    <m:oMath xmlns:m="http://schemas.openxmlformats.org/officeDocument/2006/math">
+                      <m:d>
+                        <m:dPr>
+                          <m:ctrlPr>
+                            <a:rPr kumimoji="1" lang="en-US" altLang="ja-JP" sz="2000" b="0" i="1" u="none" strike="noStrike" kern="1200" cap="none" spc="0" normalizeH="0" baseline="0" noProof="0">
+                              <a:ln>
+                                <a:noFill/>
+                              </a:ln>
+                              <a:solidFill>
+                                <a:prstClr val="black"/>
+                              </a:solidFill>
+                              <a:effectLst/>
+                              <a:uLnTx/>
+                              <a:uFillTx/>
+                              <a:latin typeface="Cambria Math" panose="02040503050406030204" pitchFamily="18" charset="0"/>
+                              <a:cs typeface="+mn-cs"/>
+                            </a:rPr>
+                          </m:ctrlPr>
+                        </m:dPr>
+                        <m:e>
+                          <m:r>
+                            <a:rPr kumimoji="1" lang="en-US" altLang="ja-JP" sz="2000" b="0" i="1" u="none" strike="noStrike" kern="1200" cap="none" spc="0" normalizeH="0" baseline="0" noProof="0">
+                              <a:ln>
+                                <a:noFill/>
+                              </a:ln>
+                              <a:solidFill>
+                                <a:prstClr val="black"/>
+                              </a:solidFill>
+                              <a:effectLst/>
+                              <a:uLnTx/>
+                              <a:uFillTx/>
+                              <a:latin typeface="Cambria Math" panose="02040503050406030204" pitchFamily="18" charset="0"/>
+                              <a:ea typeface="Cambria Math" panose="02040503050406030204" pitchFamily="18" charset="0"/>
+                              <a:cs typeface="+mn-cs"/>
+                            </a:rPr>
+                            <m:t>𝑥</m:t>
+                          </m:r>
+                          <m:r>
+                            <a:rPr kumimoji="1" lang="en-US" altLang="ja-JP" sz="2000" b="0" i="1" u="none" strike="noStrike" kern="1200" cap="none" spc="0" normalizeH="0" baseline="0" noProof="0">
+                              <a:ln>
+                                <a:noFill/>
+                              </a:ln>
+                              <a:solidFill>
+                                <a:prstClr val="black"/>
+                              </a:solidFill>
+                              <a:effectLst/>
+                              <a:uLnTx/>
+                              <a:uFillTx/>
+                              <a:latin typeface="Cambria Math" panose="02040503050406030204" pitchFamily="18" charset="0"/>
+                              <a:ea typeface="Cambria Math" panose="02040503050406030204" pitchFamily="18" charset="0"/>
+                              <a:cs typeface="+mn-cs"/>
+                            </a:rPr>
+                            <m:t>∨</m:t>
+                          </m:r>
+                          <m:r>
+                            <a:rPr kumimoji="1" lang="en-US" altLang="ja-JP" sz="2000" b="0" i="1" u="none" strike="noStrike" kern="1200" cap="none" spc="0" normalizeH="0" baseline="0" noProof="0">
+                              <a:ln>
+                                <a:noFill/>
+                              </a:ln>
+                              <a:solidFill>
+                                <a:prstClr val="black"/>
+                              </a:solidFill>
+                              <a:effectLst/>
+                              <a:uLnTx/>
+                              <a:uFillTx/>
+                              <a:latin typeface="Cambria Math" panose="02040503050406030204" pitchFamily="18" charset="0"/>
+                              <a:ea typeface="Cambria Math" panose="02040503050406030204" pitchFamily="18" charset="0"/>
+                              <a:cs typeface="+mn-cs"/>
+                            </a:rPr>
+                            <m:t>𝑦</m:t>
+                          </m:r>
+                          <m:r>
+                            <a:rPr kumimoji="1" lang="en-US" altLang="ja-JP" sz="2000" b="0" i="1" u="none" strike="noStrike" kern="1200" cap="none" spc="0" normalizeH="0" baseline="0" noProof="0">
+                              <a:ln>
+                                <a:noFill/>
+                              </a:ln>
+                              <a:solidFill>
+                                <a:prstClr val="black"/>
+                              </a:solidFill>
+                              <a:effectLst/>
+                              <a:uLnTx/>
+                              <a:uFillTx/>
+                              <a:latin typeface="Cambria Math" panose="02040503050406030204" pitchFamily="18" charset="0"/>
+                              <a:ea typeface="Cambria Math" panose="02040503050406030204" pitchFamily="18" charset="0"/>
+                              <a:cs typeface="+mn-cs"/>
+                            </a:rPr>
+                            <m:t>∨</m:t>
+                          </m:r>
+                          <m:r>
+                            <a:rPr kumimoji="1" lang="en-US" altLang="ja-JP" sz="2000" b="0" i="1" u="none" strike="noStrike" kern="1200" cap="none" spc="0" normalizeH="0" baseline="0" noProof="0">
+                              <a:ln>
+                                <a:noFill/>
+                              </a:ln>
+                              <a:solidFill>
+                                <a:prstClr val="black"/>
+                              </a:solidFill>
+                              <a:effectLst/>
+                              <a:uLnTx/>
+                              <a:uFillTx/>
+                              <a:latin typeface="Cambria Math" panose="02040503050406030204" pitchFamily="18" charset="0"/>
+                              <a:ea typeface="Cambria Math" panose="02040503050406030204" pitchFamily="18" charset="0"/>
+                              <a:cs typeface="+mn-cs"/>
+                            </a:rPr>
+                            <m:t>𝑧</m:t>
+                          </m:r>
+                        </m:e>
+                      </m:d>
+                      <m:r>
+                        <a:rPr kumimoji="1" lang="en-US" altLang="ja-JP" sz="2000" b="0" i="1" u="none" strike="noStrike" kern="1200" cap="none" spc="0" normalizeH="0" baseline="0" noProof="0">
+                          <a:ln>
+                            <a:noFill/>
+                          </a:ln>
+                          <a:solidFill>
+                            <a:prstClr val="black"/>
+                          </a:solidFill>
+                          <a:effectLst/>
+                          <a:uLnTx/>
+                          <a:uFillTx/>
+                          <a:latin typeface="Cambria Math" panose="02040503050406030204" pitchFamily="18" charset="0"/>
+                          <a:cs typeface="+mn-cs"/>
+                        </a:rPr>
+                        <m:t>,</m:t>
+                      </m:r>
+                      <m:d>
+                        <m:dPr>
+                          <m:ctrlPr>
+                            <a:rPr kumimoji="1" lang="en-US" altLang="ja-JP" sz="2000" b="0" i="1" u="none" strike="noStrike" kern="1200" cap="none" spc="0" normalizeH="0" baseline="0" noProof="0" smtClean="0">
+                              <a:ln>
+                                <a:noFill/>
+                              </a:ln>
+                              <a:solidFill>
+                                <a:schemeClr val="accent3"/>
+                              </a:solidFill>
+                              <a:effectLst/>
+                              <a:uLnTx/>
+                              <a:uFillTx/>
+                              <a:latin typeface="Cambria Math" panose="02040503050406030204" pitchFamily="18" charset="0"/>
+                              <a:cs typeface="+mn-cs"/>
+                            </a:rPr>
+                          </m:ctrlPr>
+                        </m:dPr>
+                        <m:e>
+                          <m:acc>
+                            <m:accPr>
+                              <m:chr m:val="̅"/>
+                              <m:ctrlPr>
+                                <a:rPr kumimoji="1" lang="en-US" altLang="ja-JP" sz="2000" b="0" i="1" u="none" strike="noStrike" kern="1200" cap="none" spc="0" normalizeH="0" baseline="0" noProof="0" smtClean="0">
+                                  <a:ln>
+                                    <a:noFill/>
+                                  </a:ln>
+                                  <a:solidFill>
+                                    <a:schemeClr val="accent3"/>
+                                  </a:solidFill>
+                                  <a:effectLst/>
+                                  <a:uLnTx/>
+                                  <a:uFillTx/>
+                                  <a:latin typeface="Cambria Math" panose="02040503050406030204" pitchFamily="18" charset="0"/>
+                                  <a:ea typeface="Cambria Math" panose="02040503050406030204" pitchFamily="18" charset="0"/>
+                                  <a:cs typeface="+mn-cs"/>
+                                </a:rPr>
+                              </m:ctrlPr>
+                            </m:accPr>
+                            <m:e>
+                              <m:r>
+                                <a:rPr kumimoji="1" lang="en-US" altLang="ja-JP" sz="2000" b="0" i="1" u="none" strike="noStrike" kern="1200" cap="none" spc="0" normalizeH="0" baseline="0" noProof="0">
+                                  <a:ln>
+                                    <a:noFill/>
+                                  </a:ln>
+                                  <a:solidFill>
+                                    <a:schemeClr val="accent3"/>
+                                  </a:solidFill>
+                                  <a:effectLst/>
+                                  <a:uLnTx/>
+                                  <a:uFillTx/>
+                                  <a:latin typeface="Cambria Math" panose="02040503050406030204" pitchFamily="18" charset="0"/>
+                                  <a:ea typeface="Cambria Math" panose="02040503050406030204" pitchFamily="18" charset="0"/>
+                                  <a:cs typeface="+mn-cs"/>
+                                </a:rPr>
+                                <m:t>𝑥</m:t>
+                              </m:r>
+                            </m:e>
+                          </m:acc>
+                        </m:e>
+                      </m:d>
+                      <m:r>
+                        <a:rPr kumimoji="1" lang="en-US" altLang="ja-JP" sz="2000" b="0" i="1" u="none" strike="noStrike" kern="1200" cap="none" spc="0" normalizeH="0" baseline="0" noProof="0">
+                          <a:ln>
+                            <a:noFill/>
+                          </a:ln>
+                          <a:solidFill>
+                            <a:prstClr val="black"/>
+                          </a:solidFill>
+                          <a:effectLst/>
+                          <a:uLnTx/>
+                          <a:uFillTx/>
+                          <a:latin typeface="Cambria Math" panose="02040503050406030204" pitchFamily="18" charset="0"/>
+                          <a:cs typeface="+mn-cs"/>
+                        </a:rPr>
+                        <m:t>,</m:t>
+                      </m:r>
+                      <m:d>
+                        <m:dPr>
+                          <m:ctrlPr>
+                            <a:rPr kumimoji="1" lang="en-US" altLang="ja-JP" sz="2000" b="0" i="1" u="none" strike="noStrike" kern="1200" cap="none" spc="0" normalizeH="0" baseline="0" noProof="0">
+                              <a:ln>
+                                <a:noFill/>
+                              </a:ln>
+                              <a:solidFill>
+                                <a:prstClr val="black"/>
+                              </a:solidFill>
+                              <a:effectLst/>
+                              <a:uLnTx/>
+                              <a:uFillTx/>
+                              <a:latin typeface="Cambria Math" panose="02040503050406030204" pitchFamily="18" charset="0"/>
+                              <a:cs typeface="+mn-cs"/>
+                            </a:rPr>
+                          </m:ctrlPr>
+                        </m:dPr>
+                        <m:e>
+                          <m:r>
+                            <a:rPr kumimoji="1" lang="en-US" altLang="ja-JP" sz="2000" b="0" i="1" u="none" strike="noStrike" kern="1200" cap="none" spc="0" normalizeH="0" baseline="0" noProof="0">
+                              <a:ln>
+                                <a:noFill/>
+                              </a:ln>
+                              <a:solidFill>
+                                <a:prstClr val="black"/>
+                              </a:solidFill>
+                              <a:effectLst/>
+                              <a:uLnTx/>
+                              <a:uFillTx/>
+                              <a:latin typeface="Cambria Math" panose="02040503050406030204" pitchFamily="18" charset="0"/>
+                              <a:cs typeface="+mn-cs"/>
+                            </a:rPr>
+                            <m:t>𝑥</m:t>
+                          </m:r>
+                          <m:r>
+                            <a:rPr kumimoji="1" lang="en-US" altLang="ja-JP" sz="2000" b="0" i="1" u="none" strike="noStrike" kern="1200" cap="none" spc="0" normalizeH="0" baseline="0" noProof="0">
+                              <a:ln>
+                                <a:noFill/>
+                              </a:ln>
+                              <a:solidFill>
+                                <a:prstClr val="black"/>
+                              </a:solidFill>
+                              <a:effectLst/>
+                              <a:uLnTx/>
+                              <a:uFillTx/>
+                              <a:latin typeface="Cambria Math" panose="02040503050406030204" pitchFamily="18" charset="0"/>
+                              <a:ea typeface="Cambria Math" panose="02040503050406030204" pitchFamily="18" charset="0"/>
+                              <a:cs typeface="+mn-cs"/>
+                            </a:rPr>
+                            <m:t>∨</m:t>
+                          </m:r>
+                          <m:acc>
+                            <m:accPr>
+                              <m:chr m:val="̅"/>
+                              <m:ctrlPr>
+                                <a:rPr kumimoji="1" lang="en-US" altLang="ja-JP" sz="2000" b="0" i="1" u="none" strike="noStrike" kern="1200" cap="none" spc="0" normalizeH="0" baseline="0" noProof="0">
+                                  <a:ln>
+                                    <a:noFill/>
+                                  </a:ln>
+                                  <a:solidFill>
+                                    <a:prstClr val="black"/>
+                                  </a:solidFill>
+                                  <a:effectLst/>
+                                  <a:uLnTx/>
+                                  <a:uFillTx/>
+                                  <a:latin typeface="Cambria Math" panose="02040503050406030204" pitchFamily="18" charset="0"/>
+                                  <a:ea typeface="Cambria Math" panose="02040503050406030204" pitchFamily="18" charset="0"/>
+                                  <a:cs typeface="+mn-cs"/>
+                                </a:rPr>
+                              </m:ctrlPr>
+                            </m:accPr>
+                            <m:e>
+                              <m:r>
+                                <a:rPr kumimoji="1" lang="en-US" altLang="ja-JP" sz="2000" b="0" i="1" u="none" strike="noStrike" kern="1200" cap="none" spc="0" normalizeH="0" baseline="0" noProof="0">
+                                  <a:ln>
+                                    <a:noFill/>
+                                  </a:ln>
+                                  <a:solidFill>
+                                    <a:prstClr val="black"/>
+                                  </a:solidFill>
+                                  <a:effectLst/>
+                                  <a:uLnTx/>
+                                  <a:uFillTx/>
+                                  <a:latin typeface="Cambria Math" panose="02040503050406030204" pitchFamily="18" charset="0"/>
+                                  <a:ea typeface="Cambria Math" panose="02040503050406030204" pitchFamily="18" charset="0"/>
+                                  <a:cs typeface="+mn-cs"/>
+                                </a:rPr>
+                                <m:t>𝑦</m:t>
+                              </m:r>
+                            </m:e>
+                          </m:acc>
+                        </m:e>
+                      </m:d>
+                      <m:r>
+                        <a:rPr kumimoji="1" lang="en-US" altLang="ja-JP" sz="2000" b="0" i="1" u="none" strike="noStrike" kern="1200" cap="none" spc="0" normalizeH="0" baseline="0" noProof="0">
+                          <a:ln>
+                            <a:noFill/>
+                          </a:ln>
+                          <a:solidFill>
+                            <a:prstClr val="black"/>
+                          </a:solidFill>
+                          <a:effectLst/>
+                          <a:uLnTx/>
+                          <a:uFillTx/>
+                          <a:latin typeface="Cambria Math" panose="02040503050406030204" pitchFamily="18" charset="0"/>
+                          <a:cs typeface="+mn-cs"/>
+                        </a:rPr>
+                        <m:t>,</m:t>
+                      </m:r>
+                      <m:d>
+                        <m:dPr>
+                          <m:ctrlPr>
+                            <a:rPr kumimoji="1" lang="en-US" altLang="ja-JP" sz="2000" b="0" i="1" u="none" strike="noStrike" kern="1200" cap="none" spc="0" normalizeH="0" baseline="0" noProof="0">
+                              <a:ln>
+                                <a:noFill/>
+                              </a:ln>
+                              <a:solidFill>
+                                <a:prstClr val="black"/>
+                              </a:solidFill>
+                              <a:effectLst/>
+                              <a:uLnTx/>
+                              <a:uFillTx/>
+                              <a:latin typeface="Cambria Math" panose="02040503050406030204" pitchFamily="18" charset="0"/>
+                              <a:cs typeface="+mn-cs"/>
+                            </a:rPr>
+                          </m:ctrlPr>
+                        </m:dPr>
+                        <m:e>
+                          <m:r>
+                            <a:rPr kumimoji="1" lang="en-US" altLang="ja-JP" sz="2000" b="0" i="1" u="none" strike="noStrike" kern="1200" cap="none" spc="0" normalizeH="0" baseline="0" noProof="0">
+                              <a:ln>
+                                <a:noFill/>
+                              </a:ln>
+                              <a:solidFill>
+                                <a:prstClr val="black"/>
+                              </a:solidFill>
+                              <a:effectLst/>
+                              <a:uLnTx/>
+                              <a:uFillTx/>
+                              <a:latin typeface="Cambria Math" panose="02040503050406030204" pitchFamily="18" charset="0"/>
+                              <a:cs typeface="+mn-cs"/>
+                            </a:rPr>
+                            <m:t>𝑦</m:t>
+                          </m:r>
+                          <m:r>
+                            <a:rPr kumimoji="1" lang="en-US" altLang="ja-JP" sz="2000" b="0" i="1" u="none" strike="noStrike" kern="1200" cap="none" spc="0" normalizeH="0" baseline="0" noProof="0">
+                              <a:ln>
+                                <a:noFill/>
+                              </a:ln>
+                              <a:solidFill>
+                                <a:prstClr val="black"/>
+                              </a:solidFill>
+                              <a:effectLst/>
+                              <a:uLnTx/>
+                              <a:uFillTx/>
+                              <a:latin typeface="Cambria Math" panose="02040503050406030204" pitchFamily="18" charset="0"/>
+                              <a:ea typeface="Cambria Math" panose="02040503050406030204" pitchFamily="18" charset="0"/>
+                              <a:cs typeface="+mn-cs"/>
+                            </a:rPr>
+                            <m:t>∨</m:t>
+                          </m:r>
+                          <m:acc>
+                            <m:accPr>
+                              <m:chr m:val="̅"/>
+                              <m:ctrlPr>
+                                <a:rPr kumimoji="1" lang="en-US" altLang="ja-JP" sz="2000" b="0" i="1" u="none" strike="noStrike" kern="1200" cap="none" spc="0" normalizeH="0" baseline="0" noProof="0">
+                                  <a:ln>
+                                    <a:noFill/>
+                                  </a:ln>
+                                  <a:solidFill>
+                                    <a:prstClr val="black"/>
+                                  </a:solidFill>
+                                  <a:effectLst/>
+                                  <a:uLnTx/>
+                                  <a:uFillTx/>
+                                  <a:latin typeface="Cambria Math" panose="02040503050406030204" pitchFamily="18" charset="0"/>
+                                  <a:ea typeface="Cambria Math" panose="02040503050406030204" pitchFamily="18" charset="0"/>
+                                  <a:cs typeface="+mn-cs"/>
+                                </a:rPr>
+                              </m:ctrlPr>
+                            </m:accPr>
+                            <m:e>
+                              <m:r>
+                                <a:rPr kumimoji="1" lang="en-US" altLang="ja-JP" sz="2000" b="0" i="1" u="none" strike="noStrike" kern="1200" cap="none" spc="0" normalizeH="0" baseline="0" noProof="0">
+                                  <a:ln>
+                                    <a:noFill/>
+                                  </a:ln>
+                                  <a:solidFill>
+                                    <a:prstClr val="black"/>
+                                  </a:solidFill>
+                                  <a:effectLst/>
+                                  <a:uLnTx/>
+                                  <a:uFillTx/>
+                                  <a:latin typeface="Cambria Math" panose="02040503050406030204" pitchFamily="18" charset="0"/>
+                                  <a:ea typeface="Cambria Math" panose="02040503050406030204" pitchFamily="18" charset="0"/>
+                                  <a:cs typeface="+mn-cs"/>
+                                </a:rPr>
+                                <m:t>𝑧</m:t>
+                              </m:r>
+                            </m:e>
+                          </m:acc>
+                        </m:e>
+                      </m:d>
+                    </m:oMath>
+                  </m:oMathPara>
+                </a14:m>
+                <a:endParaRPr kumimoji="1" lang="ja-JP" altLang="en-US" sz="2000" b="0" i="0" u="none" strike="noStrike" kern="1200" cap="none" spc="0" normalizeH="0" baseline="0" noProof="0" dirty="0">
+                  <a:ln>
+                    <a:noFill/>
+                  </a:ln>
+                  <a:solidFill>
+                    <a:prstClr val="black"/>
+                  </a:solidFill>
+                  <a:effectLst/>
+                  <a:uLnTx/>
+                  <a:uFillTx/>
+                  <a:latin typeface="メイリオ"/>
+                  <a:ea typeface="メイリオ"/>
+                  <a:cs typeface="+mn-cs"/>
+                </a:endParaRPr>
+              </a:p>
+            </p:txBody>
+          </p:sp>
+        </mc:Choice>
+        <mc:Fallback>
+          <p:sp>
+            <p:nvSpPr>
+              <p:cNvPr id="7" name="四角形: 角を丸くする 6">
+                <a:extLst>
+                  <a:ext uri="{FF2B5EF4-FFF2-40B4-BE49-F238E27FC236}">
+                    <a16:creationId xmlns:a16="http://schemas.microsoft.com/office/drawing/2014/main" id="{08BDE145-D60B-43D5-9A27-FF4D86ED12AD}"/>
+                  </a:ext>
+                </a:extLst>
+              </p:cNvPr>
+              <p:cNvSpPr>
+                <a:spLocks noRot="1" noChangeAspect="1" noMove="1" noResize="1" noEditPoints="1" noAdjustHandles="1" noChangeArrowheads="1" noChangeShapeType="1" noTextEdit="1"/>
+              </p:cNvSpPr>
+              <p:nvPr/>
+            </p:nvSpPr>
+            <p:spPr>
+              <a:xfrm>
+                <a:off x="603213" y="3007932"/>
+                <a:ext cx="3562927" cy="458250"/>
+              </a:xfrm>
+              <a:prstGeom prst="roundRect">
+                <a:avLst/>
+              </a:prstGeom>
+              <a:blipFill>
+                <a:blip r:embed="rId5"/>
+                <a:stretch>
+                  <a:fillRect r="-2547"/>
+                </a:stretch>
+              </a:blipFill>
+              <a:ln w="28575">
+                <a:solidFill>
+                  <a:schemeClr val="tx1"/>
+                </a:solidFill>
+              </a:ln>
+            </p:spPr>
+            <p:txBody>
+              <a:bodyPr/>
+              <a:lstStyle/>
+              <a:p>
+                <a:r>
+                  <a:rPr lang="ja-JP" altLang="en-US">
+                    <a:noFill/>
+                  </a:rPr>
+                  <a:t> </a:t>
+                </a:r>
+              </a:p>
+            </p:txBody>
+          </p:sp>
+        </mc:Fallback>
+      </mc:AlternateContent>
+      <mc:AlternateContent xmlns:mc="http://schemas.openxmlformats.org/markup-compatibility/2006">
+        <mc:Choice xmlns:a14="http://schemas.microsoft.com/office/drawing/2010/main" Requires="a14">
+          <p:sp>
+            <p:nvSpPr>
+              <p:cNvPr id="8" name="四角形: 角を丸くする 7">
+                <a:extLst>
+                  <a:ext uri="{FF2B5EF4-FFF2-40B4-BE49-F238E27FC236}">
+                    <a16:creationId xmlns:a16="http://schemas.microsoft.com/office/drawing/2014/main" id="{0DC416E2-1A15-4612-A47E-ACEE42DCBE33}"/>
+                  </a:ext>
+                </a:extLst>
+              </p:cNvPr>
+              <p:cNvSpPr/>
+              <p:nvPr/>
+            </p:nvSpPr>
+            <p:spPr>
+              <a:xfrm>
+                <a:off x="3317961" y="3980157"/>
+                <a:ext cx="1376519" cy="458250"/>
+              </a:xfrm>
+              <a:prstGeom prst="roundRect">
+                <a:avLst/>
+              </a:prstGeom>
+              <a:ln w="28575">
+                <a:solidFill>
+                  <a:schemeClr val="tx1"/>
+                </a:solidFill>
+              </a:ln>
+            </p:spPr>
+            <p:style>
+              <a:lnRef idx="1">
+                <a:schemeClr val="accent1"/>
+              </a:lnRef>
+              <a:fillRef idx="0">
+                <a:schemeClr val="accent1"/>
+              </a:fillRef>
+              <a:effectRef idx="0">
+                <a:schemeClr val="accent1"/>
+              </a:effectRef>
+              <a:fontRef idx="minor">
+                <a:schemeClr val="tx1"/>
+              </a:fontRef>
+            </p:style>
+            <p:txBody>
+              <a:bodyPr rtlCol="0" anchor="ctr"/>
+              <a:lstStyle/>
+              <a:p>
+                <a:pPr marL="0" marR="0" lvl="0" indent="0" algn="ctr" defTabSz="914400" rtl="0" eaLnBrk="1" fontAlgn="auto" latinLnBrk="0" hangingPunct="1">
+                  <a:lnSpc>
+                    <a:spcPct val="100000"/>
+                  </a:lnSpc>
+                  <a:spcBef>
+                    <a:spcPts val="0"/>
+                  </a:spcBef>
+                  <a:spcAft>
+                    <a:spcPts val="0"/>
+                  </a:spcAft>
+                  <a:buClrTx/>
+                  <a:buSzTx/>
+                  <a:buFontTx/>
+                  <a:buNone/>
+                  <a:tabLst/>
+                  <a:defRPr/>
+                </a:pPr>
+                <a14:m>
+                  <m:oMathPara xmlns:m="http://schemas.openxmlformats.org/officeDocument/2006/math">
+                    <m:oMathParaPr>
+                      <m:jc m:val="centerGroup"/>
+                    </m:oMathParaPr>
+                    <m:oMath xmlns:m="http://schemas.openxmlformats.org/officeDocument/2006/math">
+                      <m:r>
+                        <a:rPr kumimoji="1" lang="en-US" altLang="ja-JP" sz="2000" b="0" i="1" u="none" strike="noStrike" kern="1200" cap="none" spc="0" normalizeH="0" baseline="0" noProof="0" smtClean="0">
+                          <a:ln>
+                            <a:noFill/>
+                          </a:ln>
+                          <a:solidFill>
+                            <a:prstClr val="black"/>
+                          </a:solidFill>
+                          <a:effectLst/>
+                          <a:uLnTx/>
+                          <a:uFillTx/>
+                          <a:latin typeface="Cambria Math" panose="02040503050406030204" pitchFamily="18" charset="0"/>
+                          <a:cs typeface="+mn-cs"/>
+                        </a:rPr>
+                        <m:t>( )</m:t>
+                      </m:r>
+                      <m:r>
+                        <a:rPr kumimoji="1" lang="en-US" altLang="ja-JP" sz="2000" b="0" i="1" u="none" strike="noStrike" kern="1200" cap="none" spc="0" normalizeH="0" baseline="0" noProof="0">
+                          <a:ln>
+                            <a:noFill/>
+                          </a:ln>
+                          <a:solidFill>
+                            <a:prstClr val="black"/>
+                          </a:solidFill>
+                          <a:effectLst/>
+                          <a:uLnTx/>
+                          <a:uFillTx/>
+                          <a:latin typeface="Cambria Math" panose="02040503050406030204" pitchFamily="18" charset="0"/>
+                          <a:cs typeface="+mn-cs"/>
+                        </a:rPr>
+                        <m:t>,</m:t>
+                      </m:r>
+                      <m:r>
+                        <a:rPr kumimoji="1" lang="en-US" altLang="ja-JP" sz="2000" b="0" i="1" u="none" strike="noStrike" kern="1200" cap="none" spc="0" normalizeH="0" baseline="0" noProof="0" smtClean="0">
+                          <a:ln>
+                            <a:noFill/>
+                          </a:ln>
+                          <a:solidFill>
+                            <a:prstClr val="black"/>
+                          </a:solidFill>
+                          <a:effectLst/>
+                          <a:uLnTx/>
+                          <a:uFillTx/>
+                          <a:latin typeface="Cambria Math" panose="02040503050406030204" pitchFamily="18" charset="0"/>
+                          <a:cs typeface="+mn-cs"/>
+                        </a:rPr>
+                        <m:t> </m:t>
+                      </m:r>
+                      <m:d>
+                        <m:dPr>
+                          <m:ctrlPr>
+                            <a:rPr kumimoji="1" lang="en-US" altLang="ja-JP" sz="2000" b="0" i="1" u="none" strike="noStrike" kern="1200" cap="none" spc="0" normalizeH="0" baseline="0" noProof="0">
+                              <a:ln>
+                                <a:noFill/>
+                              </a:ln>
+                              <a:solidFill>
+                                <a:prstClr val="black"/>
+                              </a:solidFill>
+                              <a:effectLst/>
+                              <a:uLnTx/>
+                              <a:uFillTx/>
+                              <a:latin typeface="Cambria Math" panose="02040503050406030204" pitchFamily="18" charset="0"/>
+                              <a:cs typeface="+mn-cs"/>
+                            </a:rPr>
+                          </m:ctrlPr>
+                        </m:dPr>
+                        <m:e>
+                          <m:r>
+                            <a:rPr kumimoji="1" lang="en-US" altLang="ja-JP" sz="2000" b="0" i="1" u="none" strike="noStrike" kern="1200" cap="none" spc="0" normalizeH="0" baseline="0" noProof="0">
+                              <a:ln>
+                                <a:noFill/>
+                              </a:ln>
+                              <a:solidFill>
+                                <a:prstClr val="black"/>
+                              </a:solidFill>
+                              <a:effectLst/>
+                              <a:uLnTx/>
+                              <a:uFillTx/>
+                              <a:latin typeface="Cambria Math" panose="02040503050406030204" pitchFamily="18" charset="0"/>
+                              <a:cs typeface="+mn-cs"/>
+                            </a:rPr>
+                            <m:t>𝑦</m:t>
+                          </m:r>
+                          <m:r>
+                            <a:rPr kumimoji="1" lang="en-US" altLang="ja-JP" sz="2000" b="0" i="1" u="none" strike="noStrike" kern="1200" cap="none" spc="0" normalizeH="0" baseline="0" noProof="0">
+                              <a:ln>
+                                <a:noFill/>
+                              </a:ln>
+                              <a:solidFill>
+                                <a:prstClr val="black"/>
+                              </a:solidFill>
+                              <a:effectLst/>
+                              <a:uLnTx/>
+                              <a:uFillTx/>
+                              <a:latin typeface="Cambria Math" panose="02040503050406030204" pitchFamily="18" charset="0"/>
+                              <a:ea typeface="Cambria Math" panose="02040503050406030204" pitchFamily="18" charset="0"/>
+                              <a:cs typeface="+mn-cs"/>
+                            </a:rPr>
+                            <m:t>∨</m:t>
+                          </m:r>
+                          <m:acc>
+                            <m:accPr>
+                              <m:chr m:val="̅"/>
+                              <m:ctrlPr>
+                                <a:rPr kumimoji="1" lang="en-US" altLang="ja-JP" sz="2000" b="0" i="1" u="none" strike="noStrike" kern="1200" cap="none" spc="0" normalizeH="0" baseline="0" noProof="0">
+                                  <a:ln>
+                                    <a:noFill/>
+                                  </a:ln>
+                                  <a:solidFill>
+                                    <a:prstClr val="black"/>
+                                  </a:solidFill>
+                                  <a:effectLst/>
+                                  <a:uLnTx/>
+                                  <a:uFillTx/>
+                                  <a:latin typeface="Cambria Math" panose="02040503050406030204" pitchFamily="18" charset="0"/>
+                                  <a:ea typeface="Cambria Math" panose="02040503050406030204" pitchFamily="18" charset="0"/>
+                                  <a:cs typeface="+mn-cs"/>
+                                </a:rPr>
+                              </m:ctrlPr>
+                            </m:accPr>
+                            <m:e>
+                              <m:r>
+                                <a:rPr kumimoji="1" lang="en-US" altLang="ja-JP" sz="2000" b="0" i="1" u="none" strike="noStrike" kern="1200" cap="none" spc="0" normalizeH="0" baseline="0" noProof="0">
+                                  <a:ln>
+                                    <a:noFill/>
+                                  </a:ln>
+                                  <a:solidFill>
+                                    <a:prstClr val="black"/>
+                                  </a:solidFill>
+                                  <a:effectLst/>
+                                  <a:uLnTx/>
+                                  <a:uFillTx/>
+                                  <a:latin typeface="Cambria Math" panose="02040503050406030204" pitchFamily="18" charset="0"/>
+                                  <a:ea typeface="Cambria Math" panose="02040503050406030204" pitchFamily="18" charset="0"/>
+                                  <a:cs typeface="+mn-cs"/>
+                                </a:rPr>
+                                <m:t>𝑧</m:t>
+                              </m:r>
+                            </m:e>
+                          </m:acc>
+                        </m:e>
+                      </m:d>
+                    </m:oMath>
+                  </m:oMathPara>
+                </a14:m>
+                <a:endParaRPr kumimoji="1" lang="ja-JP" altLang="en-US" sz="2000" b="0" i="0" u="none" strike="noStrike" kern="1200" cap="none" spc="0" normalizeH="0" baseline="0" noProof="0" dirty="0">
+                  <a:ln>
+                    <a:noFill/>
+                  </a:ln>
+                  <a:solidFill>
+                    <a:prstClr val="black"/>
+                  </a:solidFill>
+                  <a:effectLst/>
+                  <a:uLnTx/>
+                  <a:uFillTx/>
+                  <a:latin typeface="メイリオ"/>
+                  <a:ea typeface="メイリオ"/>
+                  <a:cs typeface="+mn-cs"/>
+                </a:endParaRPr>
+              </a:p>
+            </p:txBody>
+          </p:sp>
+        </mc:Choice>
+        <mc:Fallback>
+          <p:sp>
+            <p:nvSpPr>
+              <p:cNvPr id="8" name="四角形: 角を丸くする 7">
+                <a:extLst>
+                  <a:ext uri="{FF2B5EF4-FFF2-40B4-BE49-F238E27FC236}">
+                    <a16:creationId xmlns:a16="http://schemas.microsoft.com/office/drawing/2014/main" id="{0DC416E2-1A15-4612-A47E-ACEE42DCBE33}"/>
+                  </a:ext>
+                </a:extLst>
+              </p:cNvPr>
+              <p:cNvSpPr>
+                <a:spLocks noRot="1" noChangeAspect="1" noMove="1" noResize="1" noEditPoints="1" noAdjustHandles="1" noChangeArrowheads="1" noChangeShapeType="1" noTextEdit="1"/>
+              </p:cNvSpPr>
+              <p:nvPr/>
+            </p:nvSpPr>
+            <p:spPr>
+              <a:xfrm>
+                <a:off x="3317961" y="3980157"/>
+                <a:ext cx="1376519" cy="458250"/>
+              </a:xfrm>
+              <a:prstGeom prst="roundRect">
+                <a:avLst/>
+              </a:prstGeom>
+              <a:blipFill>
+                <a:blip r:embed="rId6"/>
+                <a:stretch>
+                  <a:fillRect l="-1299" r="-6494"/>
+                </a:stretch>
+              </a:blipFill>
+              <a:ln w="28575">
+                <a:solidFill>
+                  <a:schemeClr val="tx1"/>
+                </a:solidFill>
+              </a:ln>
+            </p:spPr>
+            <p:txBody>
+              <a:bodyPr/>
+              <a:lstStyle/>
+              <a:p>
+                <a:r>
+                  <a:rPr lang="ja-JP" altLang="en-US">
+                    <a:noFill/>
+                  </a:rPr>
+                  <a:t> </a:t>
+                </a:r>
+              </a:p>
+            </p:txBody>
+          </p:sp>
+        </mc:Fallback>
+      </mc:AlternateContent>
+      <mc:AlternateContent xmlns:mc="http://schemas.openxmlformats.org/markup-compatibility/2006">
+        <mc:Choice xmlns:a14="http://schemas.microsoft.com/office/drawing/2010/main" Requires="a14">
+          <p:sp>
+            <p:nvSpPr>
+              <p:cNvPr id="9" name="四角形: 角を丸くする 8">
+                <a:extLst>
+                  <a:ext uri="{FF2B5EF4-FFF2-40B4-BE49-F238E27FC236}">
+                    <a16:creationId xmlns:a16="http://schemas.microsoft.com/office/drawing/2014/main" id="{67A3EEAD-D29D-4263-AE19-888849464487}"/>
+                  </a:ext>
+                </a:extLst>
+              </p:cNvPr>
+              <p:cNvSpPr/>
+              <p:nvPr/>
+            </p:nvSpPr>
+            <p:spPr>
+              <a:xfrm>
+                <a:off x="603215" y="3980157"/>
+                <a:ext cx="2290914" cy="458250"/>
+              </a:xfrm>
+              <a:prstGeom prst="roundRect">
+                <a:avLst/>
+              </a:prstGeom>
+              <a:ln w="28575">
+                <a:solidFill>
+                  <a:schemeClr val="tx1"/>
+                </a:solidFill>
+              </a:ln>
+            </p:spPr>
+            <p:style>
+              <a:lnRef idx="1">
+                <a:schemeClr val="accent1"/>
+              </a:lnRef>
+              <a:fillRef idx="0">
+                <a:schemeClr val="accent1"/>
+              </a:fillRef>
+              <a:effectRef idx="0">
+                <a:schemeClr val="accent1"/>
+              </a:effectRef>
+              <a:fontRef idx="minor">
+                <a:schemeClr val="tx1"/>
+              </a:fontRef>
+            </p:style>
+            <p:txBody>
+              <a:bodyPr rtlCol="0" anchor="ctr"/>
+              <a:lstStyle/>
+              <a:p>
+                <a:pPr marL="0" marR="0" lvl="0" indent="0" algn="ctr" defTabSz="914400" rtl="0" eaLnBrk="1" fontAlgn="auto" latinLnBrk="0" hangingPunct="1">
+                  <a:lnSpc>
+                    <a:spcPct val="100000"/>
+                  </a:lnSpc>
+                  <a:spcBef>
+                    <a:spcPts val="0"/>
+                  </a:spcBef>
+                  <a:spcAft>
+                    <a:spcPts val="0"/>
+                  </a:spcAft>
+                  <a:buClrTx/>
+                  <a:buSzTx/>
+                  <a:buFontTx/>
+                  <a:buNone/>
+                  <a:tabLst/>
+                  <a:defRPr/>
+                </a:pPr>
+                <a14:m>
+                  <m:oMathPara xmlns:m="http://schemas.openxmlformats.org/officeDocument/2006/math">
+                    <m:oMathParaPr>
+                      <m:jc m:val="centerGroup"/>
+                    </m:oMathParaPr>
+                    <m:oMath xmlns:m="http://schemas.openxmlformats.org/officeDocument/2006/math">
+                      <m:d>
+                        <m:dPr>
+                          <m:ctrlPr>
+                            <a:rPr kumimoji="1" lang="en-US" altLang="ja-JP" sz="2000" b="0" i="1" u="none" strike="noStrike" kern="1200" cap="none" spc="0" normalizeH="0" baseline="0" noProof="0">
+                              <a:ln>
+                                <a:noFill/>
+                              </a:ln>
+                              <a:solidFill>
+                                <a:prstClr val="black"/>
+                              </a:solidFill>
+                              <a:effectLst/>
+                              <a:uLnTx/>
+                              <a:uFillTx/>
+                              <a:latin typeface="Cambria Math" panose="02040503050406030204" pitchFamily="18" charset="0"/>
+                              <a:cs typeface="+mn-cs"/>
+                            </a:rPr>
+                          </m:ctrlPr>
+                        </m:dPr>
+                        <m:e>
+                          <m:r>
+                            <a:rPr kumimoji="1" lang="en-US" altLang="ja-JP" sz="2000" b="0" i="1" u="none" strike="noStrike" kern="1200" cap="none" spc="0" normalizeH="0" baseline="0" noProof="0">
+                              <a:ln>
+                                <a:noFill/>
+                              </a:ln>
+                              <a:solidFill>
+                                <a:prstClr val="black"/>
+                              </a:solidFill>
+                              <a:effectLst/>
+                              <a:uLnTx/>
+                              <a:uFillTx/>
+                              <a:latin typeface="Cambria Math" panose="02040503050406030204" pitchFamily="18" charset="0"/>
+                              <a:ea typeface="Cambria Math" panose="02040503050406030204" pitchFamily="18" charset="0"/>
+                              <a:cs typeface="+mn-cs"/>
+                            </a:rPr>
+                            <m:t>𝑦</m:t>
+                          </m:r>
+                          <m:r>
+                            <a:rPr kumimoji="1" lang="en-US" altLang="ja-JP" sz="2000" b="0" i="1" u="none" strike="noStrike" kern="1200" cap="none" spc="0" normalizeH="0" baseline="0" noProof="0">
+                              <a:ln>
+                                <a:noFill/>
+                              </a:ln>
+                              <a:solidFill>
+                                <a:prstClr val="black"/>
+                              </a:solidFill>
+                              <a:effectLst/>
+                              <a:uLnTx/>
+                              <a:uFillTx/>
+                              <a:latin typeface="Cambria Math" panose="02040503050406030204" pitchFamily="18" charset="0"/>
+                              <a:ea typeface="Cambria Math" panose="02040503050406030204" pitchFamily="18" charset="0"/>
+                              <a:cs typeface="+mn-cs"/>
+                            </a:rPr>
+                            <m:t>∨</m:t>
+                          </m:r>
+                          <m:r>
+                            <a:rPr kumimoji="1" lang="en-US" altLang="ja-JP" sz="2000" b="0" i="1" u="none" strike="noStrike" kern="1200" cap="none" spc="0" normalizeH="0" baseline="0" noProof="0">
+                              <a:ln>
+                                <a:noFill/>
+                              </a:ln>
+                              <a:solidFill>
+                                <a:prstClr val="black"/>
+                              </a:solidFill>
+                              <a:effectLst/>
+                              <a:uLnTx/>
+                              <a:uFillTx/>
+                              <a:latin typeface="Cambria Math" panose="02040503050406030204" pitchFamily="18" charset="0"/>
+                              <a:ea typeface="Cambria Math" panose="02040503050406030204" pitchFamily="18" charset="0"/>
+                              <a:cs typeface="+mn-cs"/>
+                            </a:rPr>
+                            <m:t>𝑧</m:t>
+                          </m:r>
+                        </m:e>
+                      </m:d>
+                      <m:r>
+                        <a:rPr kumimoji="1" lang="en-US" altLang="ja-JP" sz="2000" b="0" i="1" u="none" strike="noStrike" kern="1200" cap="none" spc="0" normalizeH="0" baseline="0" noProof="0">
+                          <a:ln>
+                            <a:noFill/>
+                          </a:ln>
+                          <a:solidFill>
+                            <a:prstClr val="black"/>
+                          </a:solidFill>
+                          <a:effectLst/>
+                          <a:uLnTx/>
+                          <a:uFillTx/>
+                          <a:latin typeface="Cambria Math" panose="02040503050406030204" pitchFamily="18" charset="0"/>
+                          <a:cs typeface="+mn-cs"/>
+                        </a:rPr>
+                        <m:t>,</m:t>
+                      </m:r>
+                      <m:r>
+                        <a:rPr kumimoji="1" lang="en-US" altLang="ja-JP" sz="2000" b="0" i="1" u="none" strike="noStrike" kern="1200" cap="none" spc="0" normalizeH="0" baseline="0" noProof="0" smtClean="0">
+                          <a:ln>
+                            <a:noFill/>
+                          </a:ln>
+                          <a:solidFill>
+                            <a:prstClr val="black"/>
+                          </a:solidFill>
+                          <a:effectLst/>
+                          <a:uLnTx/>
+                          <a:uFillTx/>
+                          <a:latin typeface="Cambria Math" panose="02040503050406030204" pitchFamily="18" charset="0"/>
+                          <a:cs typeface="+mn-cs"/>
+                        </a:rPr>
+                        <m:t> </m:t>
+                      </m:r>
+                      <m:d>
+                        <m:dPr>
+                          <m:ctrlPr>
+                            <a:rPr kumimoji="1" lang="en-US" altLang="ja-JP" sz="2000" b="0" i="1" u="none" strike="noStrike" kern="1200" cap="none" spc="0" normalizeH="0" baseline="0" noProof="0" smtClean="0">
+                              <a:ln>
+                                <a:noFill/>
+                              </a:ln>
+                              <a:solidFill>
+                                <a:schemeClr val="accent3"/>
+                              </a:solidFill>
+                              <a:effectLst/>
+                              <a:uLnTx/>
+                              <a:uFillTx/>
+                              <a:latin typeface="Cambria Math" panose="02040503050406030204" pitchFamily="18" charset="0"/>
+                              <a:cs typeface="+mn-cs"/>
+                            </a:rPr>
+                          </m:ctrlPr>
+                        </m:dPr>
+                        <m:e>
+                          <m:acc>
+                            <m:accPr>
+                              <m:chr m:val="̅"/>
+                              <m:ctrlPr>
+                                <a:rPr kumimoji="1" lang="en-US" altLang="ja-JP" sz="2000" b="0" i="1" u="none" strike="noStrike" kern="1200" cap="none" spc="0" normalizeH="0" baseline="0" noProof="0">
+                                  <a:ln>
+                                    <a:noFill/>
+                                  </a:ln>
+                                  <a:solidFill>
+                                    <a:schemeClr val="accent3"/>
+                                  </a:solidFill>
+                                  <a:effectLst/>
+                                  <a:uLnTx/>
+                                  <a:uFillTx/>
+                                  <a:latin typeface="Cambria Math" panose="02040503050406030204" pitchFamily="18" charset="0"/>
+                                  <a:ea typeface="Cambria Math" panose="02040503050406030204" pitchFamily="18" charset="0"/>
+                                  <a:cs typeface="+mn-cs"/>
+                                </a:rPr>
+                              </m:ctrlPr>
+                            </m:accPr>
+                            <m:e>
+                              <m:r>
+                                <a:rPr kumimoji="1" lang="en-US" altLang="ja-JP" sz="2000" b="0" i="1" u="none" strike="noStrike" kern="1200" cap="none" spc="0" normalizeH="0" baseline="0" noProof="0">
+                                  <a:ln>
+                                    <a:noFill/>
+                                  </a:ln>
+                                  <a:solidFill>
+                                    <a:schemeClr val="accent3"/>
+                                  </a:solidFill>
+                                  <a:effectLst/>
+                                  <a:uLnTx/>
+                                  <a:uFillTx/>
+                                  <a:latin typeface="Cambria Math" panose="02040503050406030204" pitchFamily="18" charset="0"/>
+                                  <a:ea typeface="Cambria Math" panose="02040503050406030204" pitchFamily="18" charset="0"/>
+                                  <a:cs typeface="+mn-cs"/>
+                                </a:rPr>
+                                <m:t>𝑦</m:t>
+                              </m:r>
+                            </m:e>
+                          </m:acc>
+                        </m:e>
+                      </m:d>
+                      <m:r>
+                        <a:rPr kumimoji="1" lang="en-US" altLang="ja-JP" sz="2000" b="0" i="1" u="none" strike="noStrike" kern="1200" cap="none" spc="0" normalizeH="0" baseline="0" noProof="0">
+                          <a:ln>
+                            <a:noFill/>
+                          </a:ln>
+                          <a:solidFill>
+                            <a:prstClr val="black"/>
+                          </a:solidFill>
+                          <a:effectLst/>
+                          <a:uLnTx/>
+                          <a:uFillTx/>
+                          <a:latin typeface="Cambria Math" panose="02040503050406030204" pitchFamily="18" charset="0"/>
+                          <a:cs typeface="+mn-cs"/>
+                        </a:rPr>
+                        <m:t>,</m:t>
+                      </m:r>
+                      <m:d>
+                        <m:dPr>
+                          <m:ctrlPr>
+                            <a:rPr kumimoji="1" lang="en-US" altLang="ja-JP" sz="2000" b="0" i="1" u="none" strike="noStrike" kern="1200" cap="none" spc="0" normalizeH="0" baseline="0" noProof="0">
+                              <a:ln>
+                                <a:noFill/>
+                              </a:ln>
+                              <a:solidFill>
+                                <a:prstClr val="black"/>
+                              </a:solidFill>
+                              <a:effectLst/>
+                              <a:uLnTx/>
+                              <a:uFillTx/>
+                              <a:latin typeface="Cambria Math" panose="02040503050406030204" pitchFamily="18" charset="0"/>
+                              <a:cs typeface="+mn-cs"/>
+                            </a:rPr>
+                          </m:ctrlPr>
+                        </m:dPr>
+                        <m:e>
+                          <m:r>
+                            <a:rPr kumimoji="1" lang="en-US" altLang="ja-JP" sz="2000" b="0" i="1" u="none" strike="noStrike" kern="1200" cap="none" spc="0" normalizeH="0" baseline="0" noProof="0">
+                              <a:ln>
+                                <a:noFill/>
+                              </a:ln>
+                              <a:solidFill>
+                                <a:prstClr val="black"/>
+                              </a:solidFill>
+                              <a:effectLst/>
+                              <a:uLnTx/>
+                              <a:uFillTx/>
+                              <a:latin typeface="Cambria Math" panose="02040503050406030204" pitchFamily="18" charset="0"/>
+                              <a:cs typeface="+mn-cs"/>
+                            </a:rPr>
+                            <m:t>𝑦</m:t>
+                          </m:r>
+                          <m:r>
+                            <a:rPr kumimoji="1" lang="en-US" altLang="ja-JP" sz="2000" b="0" i="1" u="none" strike="noStrike" kern="1200" cap="none" spc="0" normalizeH="0" baseline="0" noProof="0">
+                              <a:ln>
+                                <a:noFill/>
+                              </a:ln>
+                              <a:solidFill>
+                                <a:prstClr val="black"/>
+                              </a:solidFill>
+                              <a:effectLst/>
+                              <a:uLnTx/>
+                              <a:uFillTx/>
+                              <a:latin typeface="Cambria Math" panose="02040503050406030204" pitchFamily="18" charset="0"/>
+                              <a:ea typeface="Cambria Math" panose="02040503050406030204" pitchFamily="18" charset="0"/>
+                              <a:cs typeface="+mn-cs"/>
+                            </a:rPr>
+                            <m:t>∨</m:t>
+                          </m:r>
+                          <m:acc>
+                            <m:accPr>
+                              <m:chr m:val="̅"/>
+                              <m:ctrlPr>
+                                <a:rPr kumimoji="1" lang="en-US" altLang="ja-JP" sz="2000" b="0" i="1" u="none" strike="noStrike" kern="1200" cap="none" spc="0" normalizeH="0" baseline="0" noProof="0">
+                                  <a:ln>
+                                    <a:noFill/>
+                                  </a:ln>
+                                  <a:solidFill>
+                                    <a:prstClr val="black"/>
+                                  </a:solidFill>
+                                  <a:effectLst/>
+                                  <a:uLnTx/>
+                                  <a:uFillTx/>
+                                  <a:latin typeface="Cambria Math" panose="02040503050406030204" pitchFamily="18" charset="0"/>
+                                  <a:ea typeface="Cambria Math" panose="02040503050406030204" pitchFamily="18" charset="0"/>
+                                  <a:cs typeface="+mn-cs"/>
+                                </a:rPr>
+                              </m:ctrlPr>
+                            </m:accPr>
+                            <m:e>
+                              <m:r>
+                                <a:rPr kumimoji="1" lang="en-US" altLang="ja-JP" sz="2000" b="0" i="1" u="none" strike="noStrike" kern="1200" cap="none" spc="0" normalizeH="0" baseline="0" noProof="0">
+                                  <a:ln>
+                                    <a:noFill/>
+                                  </a:ln>
+                                  <a:solidFill>
+                                    <a:prstClr val="black"/>
+                                  </a:solidFill>
+                                  <a:effectLst/>
+                                  <a:uLnTx/>
+                                  <a:uFillTx/>
+                                  <a:latin typeface="Cambria Math" panose="02040503050406030204" pitchFamily="18" charset="0"/>
+                                  <a:ea typeface="Cambria Math" panose="02040503050406030204" pitchFamily="18" charset="0"/>
+                                  <a:cs typeface="+mn-cs"/>
+                                </a:rPr>
+                                <m:t>𝑧</m:t>
+                              </m:r>
+                            </m:e>
+                          </m:acc>
+                        </m:e>
+                      </m:d>
+                    </m:oMath>
+                  </m:oMathPara>
+                </a14:m>
+                <a:endParaRPr kumimoji="1" lang="ja-JP" altLang="en-US" sz="2000" b="0" i="0" u="none" strike="noStrike" kern="1200" cap="none" spc="0" normalizeH="0" baseline="0" noProof="0" dirty="0">
+                  <a:ln>
+                    <a:noFill/>
+                  </a:ln>
+                  <a:solidFill>
+                    <a:prstClr val="black"/>
+                  </a:solidFill>
+                  <a:effectLst/>
+                  <a:uLnTx/>
+                  <a:uFillTx/>
+                  <a:latin typeface="メイリオ"/>
+                  <a:ea typeface="メイリオ"/>
+                  <a:cs typeface="+mn-cs"/>
+                </a:endParaRPr>
+              </a:p>
+            </p:txBody>
+          </p:sp>
+        </mc:Choice>
+        <mc:Fallback>
+          <p:sp>
+            <p:nvSpPr>
+              <p:cNvPr id="9" name="四角形: 角を丸くする 8">
+                <a:extLst>
+                  <a:ext uri="{FF2B5EF4-FFF2-40B4-BE49-F238E27FC236}">
+                    <a16:creationId xmlns:a16="http://schemas.microsoft.com/office/drawing/2014/main" id="{67A3EEAD-D29D-4263-AE19-888849464487}"/>
+                  </a:ext>
+                </a:extLst>
+              </p:cNvPr>
+              <p:cNvSpPr>
+                <a:spLocks noRot="1" noChangeAspect="1" noMove="1" noResize="1" noEditPoints="1" noAdjustHandles="1" noChangeArrowheads="1" noChangeShapeType="1" noTextEdit="1"/>
+              </p:cNvSpPr>
+              <p:nvPr/>
+            </p:nvSpPr>
+            <p:spPr>
+              <a:xfrm>
+                <a:off x="603215" y="3980157"/>
+                <a:ext cx="2290914" cy="458250"/>
+              </a:xfrm>
+              <a:prstGeom prst="roundRect">
+                <a:avLst/>
+              </a:prstGeom>
+              <a:blipFill>
+                <a:blip r:embed="rId7"/>
+                <a:stretch>
+                  <a:fillRect r="-3937"/>
+                </a:stretch>
+              </a:blipFill>
+              <a:ln w="28575">
+                <a:solidFill>
+                  <a:schemeClr val="tx1"/>
+                </a:solidFill>
+              </a:ln>
+            </p:spPr>
+            <p:txBody>
+              <a:bodyPr/>
+              <a:lstStyle/>
+              <a:p>
+                <a:r>
+                  <a:rPr lang="ja-JP" altLang="en-US">
+                    <a:noFill/>
+                  </a:rPr>
+                  <a:t> </a:t>
+                </a:r>
+              </a:p>
+            </p:txBody>
+          </p:sp>
+        </mc:Fallback>
+      </mc:AlternateContent>
+      <mc:AlternateContent xmlns:mc="http://schemas.openxmlformats.org/markup-compatibility/2006">
+        <mc:Choice xmlns:a14="http://schemas.microsoft.com/office/drawing/2010/main" Requires="a14">
+          <p:sp>
+            <p:nvSpPr>
+              <p:cNvPr id="10" name="四角形: 角を丸くする 9">
+                <a:extLst>
+                  <a:ext uri="{FF2B5EF4-FFF2-40B4-BE49-F238E27FC236}">
+                    <a16:creationId xmlns:a16="http://schemas.microsoft.com/office/drawing/2014/main" id="{021182A2-4B3D-4557-9775-803FBD622027}"/>
+                  </a:ext>
+                </a:extLst>
+              </p:cNvPr>
+              <p:cNvSpPr/>
+              <p:nvPr/>
+            </p:nvSpPr>
+            <p:spPr>
+              <a:xfrm>
+                <a:off x="7117716" y="3981285"/>
+                <a:ext cx="1846772" cy="458250"/>
+              </a:xfrm>
+              <a:prstGeom prst="roundRect">
+                <a:avLst/>
+              </a:prstGeom>
+              <a:ln w="28575">
+                <a:solidFill>
+                  <a:schemeClr val="tx1"/>
+                </a:solidFill>
+              </a:ln>
+            </p:spPr>
+            <p:style>
+              <a:lnRef idx="1">
+                <a:schemeClr val="accent1"/>
+              </a:lnRef>
+              <a:fillRef idx="0">
+                <a:schemeClr val="accent1"/>
+              </a:fillRef>
+              <a:effectRef idx="0">
+                <a:schemeClr val="accent1"/>
+              </a:effectRef>
+              <a:fontRef idx="minor">
+                <a:schemeClr val="tx1"/>
+              </a:fontRef>
+            </p:style>
+            <p:txBody>
+              <a:bodyPr rtlCol="0" anchor="ctr"/>
+              <a:lstStyle/>
+              <a:p>
+                <a:pPr marL="0" marR="0" lvl="0" indent="0" algn="ctr" defTabSz="914400" rtl="0" eaLnBrk="1" fontAlgn="auto" latinLnBrk="0" hangingPunct="1">
+                  <a:lnSpc>
+                    <a:spcPct val="100000"/>
+                  </a:lnSpc>
+                  <a:spcBef>
+                    <a:spcPts val="0"/>
+                  </a:spcBef>
+                  <a:spcAft>
+                    <a:spcPts val="0"/>
+                  </a:spcAft>
+                  <a:buClrTx/>
+                  <a:buSzTx/>
+                  <a:buFontTx/>
+                  <a:buNone/>
+                  <a:tabLst/>
+                  <a:defRPr/>
+                </a:pPr>
+                <a14:m>
+                  <m:oMathPara xmlns:m="http://schemas.openxmlformats.org/officeDocument/2006/math">
+                    <m:oMathParaPr>
+                      <m:jc m:val="centerGroup"/>
+                    </m:oMathParaPr>
+                    <m:oMath xmlns:m="http://schemas.openxmlformats.org/officeDocument/2006/math">
+                      <m:d>
+                        <m:dPr>
+                          <m:ctrlPr>
+                            <a:rPr kumimoji="1" lang="en-US" altLang="ja-JP" sz="2000" b="0" i="1" u="none" strike="noStrike" kern="1200" cap="none" spc="0" normalizeH="0" baseline="0" noProof="0" smtClean="0">
+                              <a:ln>
+                                <a:noFill/>
+                              </a:ln>
+                              <a:solidFill>
+                                <a:prstClr val="black"/>
+                              </a:solidFill>
+                              <a:effectLst/>
+                              <a:uLnTx/>
+                              <a:uFillTx/>
+                              <a:latin typeface="Cambria Math" panose="02040503050406030204" pitchFamily="18" charset="0"/>
+                              <a:cs typeface="+mn-cs"/>
+                            </a:rPr>
+                          </m:ctrlPr>
+                        </m:dPr>
+                        <m:e>
+                          <m:r>
+                            <a:rPr kumimoji="1" lang="en-US" altLang="ja-JP" sz="2000" b="0" i="1" u="none" strike="noStrike" kern="1200" cap="none" spc="0" normalizeH="0" baseline="0" noProof="0">
+                              <a:ln>
+                                <a:noFill/>
+                              </a:ln>
+                              <a:solidFill>
+                                <a:prstClr val="black"/>
+                              </a:solidFill>
+                              <a:effectLst/>
+                              <a:uLnTx/>
+                              <a:uFillTx/>
+                              <a:latin typeface="Cambria Math" panose="02040503050406030204" pitchFamily="18" charset="0"/>
+                              <a:cs typeface="+mn-cs"/>
+                            </a:rPr>
+                            <m:t>𝑥</m:t>
+                          </m:r>
+                          <m:r>
+                            <a:rPr kumimoji="1" lang="en-US" altLang="ja-JP" sz="2000" b="0" i="1" u="none" strike="noStrike" kern="1200" cap="none" spc="0" normalizeH="0" baseline="0" noProof="0">
+                              <a:ln>
+                                <a:noFill/>
+                              </a:ln>
+                              <a:solidFill>
+                                <a:prstClr val="black"/>
+                              </a:solidFill>
+                              <a:effectLst/>
+                              <a:uLnTx/>
+                              <a:uFillTx/>
+                              <a:latin typeface="Cambria Math" panose="02040503050406030204" pitchFamily="18" charset="0"/>
+                              <a:ea typeface="Cambria Math" panose="02040503050406030204" pitchFamily="18" charset="0"/>
+                              <a:cs typeface="+mn-cs"/>
+                            </a:rPr>
+                            <m:t>∨</m:t>
+                          </m:r>
+                          <m:acc>
+                            <m:accPr>
+                              <m:chr m:val="̅"/>
+                              <m:ctrlPr>
+                                <a:rPr kumimoji="1" lang="en-US" altLang="ja-JP" sz="2000" b="0" i="1" u="none" strike="noStrike" kern="1200" cap="none" spc="0" normalizeH="0" baseline="0" noProof="0">
+                                  <a:ln>
+                                    <a:noFill/>
+                                  </a:ln>
+                                  <a:solidFill>
+                                    <a:prstClr val="black"/>
+                                  </a:solidFill>
+                                  <a:effectLst/>
+                                  <a:uLnTx/>
+                                  <a:uFillTx/>
+                                  <a:latin typeface="Cambria Math" panose="02040503050406030204" pitchFamily="18" charset="0"/>
+                                  <a:ea typeface="Cambria Math" panose="02040503050406030204" pitchFamily="18" charset="0"/>
+                                  <a:cs typeface="+mn-cs"/>
+                                </a:rPr>
+                              </m:ctrlPr>
+                            </m:accPr>
+                            <m:e>
+                              <m:r>
+                                <a:rPr kumimoji="1" lang="en-US" altLang="ja-JP" sz="2000" b="0" i="1" u="none" strike="noStrike" kern="1200" cap="none" spc="0" normalizeH="0" baseline="0" noProof="0">
+                                  <a:ln>
+                                    <a:noFill/>
+                                  </a:ln>
+                                  <a:solidFill>
+                                    <a:prstClr val="black"/>
+                                  </a:solidFill>
+                                  <a:effectLst/>
+                                  <a:uLnTx/>
+                                  <a:uFillTx/>
+                                  <a:latin typeface="Cambria Math" panose="02040503050406030204" pitchFamily="18" charset="0"/>
+                                  <a:ea typeface="Cambria Math" panose="02040503050406030204" pitchFamily="18" charset="0"/>
+                                  <a:cs typeface="+mn-cs"/>
+                                </a:rPr>
+                                <m:t>𝑦</m:t>
+                              </m:r>
+                            </m:e>
+                          </m:acc>
+                        </m:e>
+                      </m:d>
+                      <m:r>
+                        <a:rPr kumimoji="1" lang="en-US" altLang="ja-JP" sz="2000" b="0" i="1" u="none" strike="noStrike" kern="1200" cap="none" spc="0" normalizeH="0" baseline="0" noProof="0">
+                          <a:ln>
+                            <a:noFill/>
+                          </a:ln>
+                          <a:solidFill>
+                            <a:prstClr val="black"/>
+                          </a:solidFill>
+                          <a:effectLst/>
+                          <a:uLnTx/>
+                          <a:uFillTx/>
+                          <a:latin typeface="Cambria Math" panose="02040503050406030204" pitchFamily="18" charset="0"/>
+                          <a:cs typeface="+mn-cs"/>
+                        </a:rPr>
+                        <m:t>,</m:t>
+                      </m:r>
+                      <m:d>
+                        <m:dPr>
+                          <m:ctrlPr>
+                            <a:rPr kumimoji="1" lang="en-US" altLang="ja-JP" sz="2000" b="0" i="1" u="none" strike="noStrike" kern="1200" cap="none" spc="0" normalizeH="0" baseline="0" noProof="0">
+                              <a:ln>
+                                <a:noFill/>
+                              </a:ln>
+                              <a:solidFill>
+                                <a:prstClr val="black"/>
+                              </a:solidFill>
+                              <a:effectLst/>
+                              <a:uLnTx/>
+                              <a:uFillTx/>
+                              <a:latin typeface="Cambria Math" panose="02040503050406030204" pitchFamily="18" charset="0"/>
+                              <a:cs typeface="+mn-cs"/>
+                            </a:rPr>
+                          </m:ctrlPr>
+                        </m:dPr>
+                        <m:e>
+                          <m:r>
+                            <a:rPr kumimoji="1" lang="en-US" altLang="ja-JP" sz="2000" b="0" i="1" u="none" strike="noStrike" kern="1200" cap="none" spc="0" normalizeH="0" baseline="0" noProof="0">
+                              <a:ln>
+                                <a:noFill/>
+                              </a:ln>
+                              <a:solidFill>
+                                <a:prstClr val="black"/>
+                              </a:solidFill>
+                              <a:effectLst/>
+                              <a:uLnTx/>
+                              <a:uFillTx/>
+                              <a:latin typeface="Cambria Math" panose="02040503050406030204" pitchFamily="18" charset="0"/>
+                              <a:cs typeface="+mn-cs"/>
+                            </a:rPr>
+                            <m:t>𝑦</m:t>
+                          </m:r>
+                        </m:e>
+                      </m:d>
+                      <m:r>
+                        <a:rPr kumimoji="1" lang="en-US" altLang="ja-JP" sz="2000" b="0" i="1" u="none" strike="noStrike" kern="1200" cap="none" spc="0" normalizeH="0" baseline="0" noProof="0">
+                          <a:ln>
+                            <a:noFill/>
+                          </a:ln>
+                          <a:solidFill>
+                            <a:prstClr val="black"/>
+                          </a:solidFill>
+                          <a:effectLst/>
+                          <a:uLnTx/>
+                          <a:uFillTx/>
+                          <a:latin typeface="Cambria Math" panose="02040503050406030204" pitchFamily="18" charset="0"/>
+                          <a:cs typeface="+mn-cs"/>
+                        </a:rPr>
+                        <m:t>,</m:t>
+                      </m:r>
+                      <m:r>
+                        <a:rPr kumimoji="1" lang="en-US" altLang="ja-JP" sz="2000" b="0" i="1" u="none" strike="noStrike" kern="1200" cap="none" spc="0" normalizeH="0" baseline="0" noProof="0" smtClean="0">
+                          <a:ln>
+                            <a:noFill/>
+                          </a:ln>
+                          <a:solidFill>
+                            <a:prstClr val="black"/>
+                          </a:solidFill>
+                          <a:effectLst/>
+                          <a:uLnTx/>
+                          <a:uFillTx/>
+                          <a:latin typeface="Cambria Math" panose="02040503050406030204" pitchFamily="18" charset="0"/>
+                          <a:cs typeface="+mn-cs"/>
+                        </a:rPr>
+                        <m:t>( )</m:t>
+                      </m:r>
+                    </m:oMath>
+                  </m:oMathPara>
+                </a14:m>
+                <a:endParaRPr kumimoji="1" lang="ja-JP" altLang="en-US" sz="2000" b="0" i="0" u="none" strike="noStrike" kern="1200" cap="none" spc="0" normalizeH="0" baseline="0" noProof="0" dirty="0">
+                  <a:ln>
+                    <a:noFill/>
+                  </a:ln>
+                  <a:solidFill>
+                    <a:prstClr val="black"/>
+                  </a:solidFill>
+                  <a:effectLst/>
+                  <a:uLnTx/>
+                  <a:uFillTx/>
+                  <a:latin typeface="メイリオ"/>
+                  <a:ea typeface="メイリオ"/>
+                  <a:cs typeface="+mn-cs"/>
+                </a:endParaRPr>
+              </a:p>
+            </p:txBody>
+          </p:sp>
+        </mc:Choice>
+        <mc:Fallback>
+          <p:sp>
+            <p:nvSpPr>
+              <p:cNvPr id="10" name="四角形: 角を丸くする 9">
+                <a:extLst>
+                  <a:ext uri="{FF2B5EF4-FFF2-40B4-BE49-F238E27FC236}">
+                    <a16:creationId xmlns:a16="http://schemas.microsoft.com/office/drawing/2014/main" id="{021182A2-4B3D-4557-9775-803FBD622027}"/>
+                  </a:ext>
+                </a:extLst>
+              </p:cNvPr>
+              <p:cNvSpPr>
+                <a:spLocks noRot="1" noChangeAspect="1" noMove="1" noResize="1" noEditPoints="1" noAdjustHandles="1" noChangeArrowheads="1" noChangeShapeType="1" noTextEdit="1"/>
+              </p:cNvSpPr>
+              <p:nvPr/>
+            </p:nvSpPr>
+            <p:spPr>
+              <a:xfrm>
+                <a:off x="7117716" y="3981285"/>
+                <a:ext cx="1846772" cy="458250"/>
+              </a:xfrm>
+              <a:prstGeom prst="roundRect">
+                <a:avLst/>
+              </a:prstGeom>
+              <a:blipFill>
+                <a:blip r:embed="rId8"/>
+                <a:stretch>
+                  <a:fillRect/>
+                </a:stretch>
+              </a:blipFill>
+              <a:ln w="28575">
+                <a:solidFill>
+                  <a:schemeClr val="tx1"/>
+                </a:solidFill>
+              </a:ln>
+            </p:spPr>
+            <p:txBody>
+              <a:bodyPr/>
+              <a:lstStyle/>
+              <a:p>
+                <a:r>
+                  <a:rPr lang="ja-JP" altLang="en-US">
+                    <a:noFill/>
+                  </a:rPr>
+                  <a:t> </a:t>
+                </a:r>
+              </a:p>
+            </p:txBody>
+          </p:sp>
+        </mc:Fallback>
+      </mc:AlternateContent>
+      <mc:AlternateContent xmlns:mc="http://schemas.openxmlformats.org/markup-compatibility/2006">
+        <mc:Choice xmlns:a14="http://schemas.microsoft.com/office/drawing/2010/main" Requires="a14">
+          <p:sp>
+            <p:nvSpPr>
+              <p:cNvPr id="11" name="四角形: 角を丸くする 10">
+                <a:extLst>
+                  <a:ext uri="{FF2B5EF4-FFF2-40B4-BE49-F238E27FC236}">
+                    <a16:creationId xmlns:a16="http://schemas.microsoft.com/office/drawing/2014/main" id="{77DDAFE1-9714-4B81-AFA8-A6600E675F57}"/>
+                  </a:ext>
+                </a:extLst>
+              </p:cNvPr>
+              <p:cNvSpPr/>
+              <p:nvPr/>
+            </p:nvSpPr>
+            <p:spPr>
+              <a:xfrm>
+                <a:off x="5356062" y="3980157"/>
+                <a:ext cx="1369774" cy="458250"/>
+              </a:xfrm>
+              <a:prstGeom prst="roundRect">
+                <a:avLst/>
+              </a:prstGeom>
+              <a:ln w="28575">
+                <a:solidFill>
+                  <a:schemeClr val="tx1"/>
+                </a:solidFill>
+              </a:ln>
+            </p:spPr>
+            <p:style>
+              <a:lnRef idx="1">
+                <a:schemeClr val="accent1"/>
+              </a:lnRef>
+              <a:fillRef idx="0">
+                <a:schemeClr val="accent1"/>
+              </a:fillRef>
+              <a:effectRef idx="0">
+                <a:schemeClr val="accent1"/>
+              </a:effectRef>
+              <a:fontRef idx="minor">
+                <a:schemeClr val="tx1"/>
+              </a:fontRef>
+            </p:style>
+            <p:txBody>
+              <a:bodyPr rtlCol="0" anchor="ctr"/>
+              <a:lstStyle/>
+              <a:p>
+                <a:pPr marL="0" marR="0" lvl="0" indent="0" algn="ctr" defTabSz="914400" rtl="0" eaLnBrk="1" fontAlgn="auto" latinLnBrk="0" hangingPunct="1">
+                  <a:lnSpc>
+                    <a:spcPct val="100000"/>
+                  </a:lnSpc>
+                  <a:spcBef>
+                    <a:spcPts val="0"/>
+                  </a:spcBef>
+                  <a:spcAft>
+                    <a:spcPts val="0"/>
+                  </a:spcAft>
+                  <a:buClrTx/>
+                  <a:buSzTx/>
+                  <a:buFontTx/>
+                  <a:buNone/>
+                  <a:tabLst/>
+                  <a:defRPr/>
+                </a:pPr>
+                <a14:m>
+                  <m:oMathPara xmlns:m="http://schemas.openxmlformats.org/officeDocument/2006/math">
+                    <m:oMathParaPr>
+                      <m:jc m:val="centerGroup"/>
+                    </m:oMathParaPr>
+                    <m:oMath xmlns:m="http://schemas.openxmlformats.org/officeDocument/2006/math">
+                      <m:d>
+                        <m:dPr>
+                          <m:ctrlPr>
+                            <a:rPr kumimoji="1" lang="en-US" altLang="ja-JP" sz="2000" b="0" i="1" u="none" strike="noStrike" kern="1200" cap="none" spc="0" normalizeH="0" baseline="0" noProof="0" smtClean="0">
+                              <a:ln>
+                                <a:noFill/>
+                              </a:ln>
+                              <a:solidFill>
+                                <a:prstClr val="black"/>
+                              </a:solidFill>
+                              <a:effectLst/>
+                              <a:uLnTx/>
+                              <a:uFillTx/>
+                              <a:latin typeface="Cambria Math" panose="02040503050406030204" pitchFamily="18" charset="0"/>
+                              <a:cs typeface="+mn-cs"/>
+                            </a:rPr>
+                          </m:ctrlPr>
+                        </m:dPr>
+                        <m:e>
+                          <m:r>
+                            <a:rPr kumimoji="1" lang="en-US" altLang="ja-JP" sz="2000" b="0" i="1" u="none" strike="noStrike" kern="1200" cap="none" spc="0" normalizeH="0" baseline="0" noProof="0">
+                              <a:ln>
+                                <a:noFill/>
+                              </a:ln>
+                              <a:solidFill>
+                                <a:prstClr val="black"/>
+                              </a:solidFill>
+                              <a:effectLst/>
+                              <a:uLnTx/>
+                              <a:uFillTx/>
+                              <a:latin typeface="Cambria Math" panose="02040503050406030204" pitchFamily="18" charset="0"/>
+                              <a:cs typeface="+mn-cs"/>
+                            </a:rPr>
+                            <m:t>𝑥</m:t>
+                          </m:r>
+                          <m:r>
+                            <a:rPr kumimoji="1" lang="en-US" altLang="ja-JP" sz="2000" b="0" i="1" u="none" strike="noStrike" kern="1200" cap="none" spc="0" normalizeH="0" baseline="0" noProof="0">
+                              <a:ln>
+                                <a:noFill/>
+                              </a:ln>
+                              <a:solidFill>
+                                <a:prstClr val="black"/>
+                              </a:solidFill>
+                              <a:effectLst/>
+                              <a:uLnTx/>
+                              <a:uFillTx/>
+                              <a:latin typeface="Cambria Math" panose="02040503050406030204" pitchFamily="18" charset="0"/>
+                              <a:ea typeface="Cambria Math" panose="02040503050406030204" pitchFamily="18" charset="0"/>
+                              <a:cs typeface="+mn-cs"/>
+                            </a:rPr>
+                            <m:t>∨</m:t>
+                          </m:r>
+                          <m:acc>
+                            <m:accPr>
+                              <m:chr m:val="̅"/>
+                              <m:ctrlPr>
+                                <a:rPr kumimoji="1" lang="en-US" altLang="ja-JP" sz="2000" b="0" i="1" u="none" strike="noStrike" kern="1200" cap="none" spc="0" normalizeH="0" baseline="0" noProof="0">
+                                  <a:ln>
+                                    <a:noFill/>
+                                  </a:ln>
+                                  <a:solidFill>
+                                    <a:prstClr val="black"/>
+                                  </a:solidFill>
+                                  <a:effectLst/>
+                                  <a:uLnTx/>
+                                  <a:uFillTx/>
+                                  <a:latin typeface="Cambria Math" panose="02040503050406030204" pitchFamily="18" charset="0"/>
+                                  <a:ea typeface="Cambria Math" panose="02040503050406030204" pitchFamily="18" charset="0"/>
+                                  <a:cs typeface="+mn-cs"/>
+                                </a:rPr>
+                              </m:ctrlPr>
+                            </m:accPr>
+                            <m:e>
+                              <m:r>
+                                <a:rPr kumimoji="1" lang="en-US" altLang="ja-JP" sz="2000" b="0" i="1" u="none" strike="noStrike" kern="1200" cap="none" spc="0" normalizeH="0" baseline="0" noProof="0">
+                                  <a:ln>
+                                    <a:noFill/>
+                                  </a:ln>
+                                  <a:solidFill>
+                                    <a:prstClr val="black"/>
+                                  </a:solidFill>
+                                  <a:effectLst/>
+                                  <a:uLnTx/>
+                                  <a:uFillTx/>
+                                  <a:latin typeface="Cambria Math" panose="02040503050406030204" pitchFamily="18" charset="0"/>
+                                  <a:ea typeface="Cambria Math" panose="02040503050406030204" pitchFamily="18" charset="0"/>
+                                  <a:cs typeface="+mn-cs"/>
+                                </a:rPr>
+                                <m:t>𝑦</m:t>
+                              </m:r>
+                            </m:e>
+                          </m:acc>
+                        </m:e>
+                      </m:d>
+                      <m:r>
+                        <a:rPr kumimoji="1" lang="en-US" altLang="ja-JP" sz="2000" b="0" i="1" u="none" strike="noStrike" kern="1200" cap="none" spc="0" normalizeH="0" baseline="0" noProof="0">
+                          <a:ln>
+                            <a:noFill/>
+                          </a:ln>
+                          <a:solidFill>
+                            <a:prstClr val="black"/>
+                          </a:solidFill>
+                          <a:effectLst/>
+                          <a:uLnTx/>
+                          <a:uFillTx/>
+                          <a:latin typeface="Cambria Math" panose="02040503050406030204" pitchFamily="18" charset="0"/>
+                          <a:cs typeface="+mn-cs"/>
+                        </a:rPr>
+                        <m:t>,</m:t>
+                      </m:r>
+                      <m:r>
+                        <a:rPr kumimoji="1" lang="en-US" altLang="ja-JP" sz="2000" b="0" i="1" u="none" strike="noStrike" kern="1200" cap="none" spc="0" normalizeH="0" baseline="0" noProof="0" smtClean="0">
+                          <a:ln>
+                            <a:noFill/>
+                          </a:ln>
+                          <a:solidFill>
+                            <a:prstClr val="black"/>
+                          </a:solidFill>
+                          <a:effectLst/>
+                          <a:uLnTx/>
+                          <a:uFillTx/>
+                          <a:latin typeface="Cambria Math" panose="02040503050406030204" pitchFamily="18" charset="0"/>
+                          <a:cs typeface="+mn-cs"/>
+                        </a:rPr>
+                        <m:t>( )</m:t>
+                      </m:r>
+                    </m:oMath>
+                  </m:oMathPara>
+                </a14:m>
+                <a:endParaRPr kumimoji="1" lang="ja-JP" altLang="en-US" sz="2000" b="0" i="0" u="none" strike="noStrike" kern="1200" cap="none" spc="0" normalizeH="0" baseline="0" noProof="0" dirty="0">
+                  <a:ln>
+                    <a:noFill/>
+                  </a:ln>
+                  <a:solidFill>
+                    <a:prstClr val="black"/>
+                  </a:solidFill>
+                  <a:effectLst/>
+                  <a:uLnTx/>
+                  <a:uFillTx/>
+                  <a:latin typeface="メイリオ"/>
+                  <a:ea typeface="メイリオ"/>
+                  <a:cs typeface="+mn-cs"/>
+                </a:endParaRPr>
+              </a:p>
+            </p:txBody>
+          </p:sp>
+        </mc:Choice>
+        <mc:Fallback>
+          <p:sp>
+            <p:nvSpPr>
+              <p:cNvPr id="11" name="四角形: 角を丸くする 10">
+                <a:extLst>
+                  <a:ext uri="{FF2B5EF4-FFF2-40B4-BE49-F238E27FC236}">
+                    <a16:creationId xmlns:a16="http://schemas.microsoft.com/office/drawing/2014/main" id="{77DDAFE1-9714-4B81-AFA8-A6600E675F57}"/>
+                  </a:ext>
+                </a:extLst>
+              </p:cNvPr>
+              <p:cNvSpPr>
+                <a:spLocks noRot="1" noChangeAspect="1" noMove="1" noResize="1" noEditPoints="1" noAdjustHandles="1" noChangeArrowheads="1" noChangeShapeType="1" noTextEdit="1"/>
+              </p:cNvSpPr>
+              <p:nvPr/>
+            </p:nvSpPr>
+            <p:spPr>
+              <a:xfrm>
+                <a:off x="5356062" y="3980157"/>
+                <a:ext cx="1369774" cy="458250"/>
+              </a:xfrm>
+              <a:prstGeom prst="roundRect">
+                <a:avLst/>
+              </a:prstGeom>
+              <a:blipFill>
+                <a:blip r:embed="rId9"/>
+                <a:stretch>
+                  <a:fillRect/>
+                </a:stretch>
+              </a:blipFill>
+              <a:ln w="28575">
+                <a:solidFill>
+                  <a:schemeClr val="tx1"/>
+                </a:solidFill>
+              </a:ln>
+            </p:spPr>
+            <p:txBody>
+              <a:bodyPr/>
+              <a:lstStyle/>
+              <a:p>
+                <a:r>
+                  <a:rPr lang="ja-JP" altLang="en-US">
+                    <a:noFill/>
+                  </a:rPr>
+                  <a:t> </a:t>
+                </a:r>
+              </a:p>
+            </p:txBody>
+          </p:sp>
+        </mc:Fallback>
+      </mc:AlternateContent>
+      <mc:AlternateContent xmlns:mc="http://schemas.openxmlformats.org/markup-compatibility/2006">
+        <mc:Choice xmlns:a14="http://schemas.microsoft.com/office/drawing/2010/main" Requires="a14">
+          <p:sp>
+            <p:nvSpPr>
+              <p:cNvPr id="12" name="四角形: 角を丸くする 11">
+                <a:extLst>
+                  <a:ext uri="{FF2B5EF4-FFF2-40B4-BE49-F238E27FC236}">
+                    <a16:creationId xmlns:a16="http://schemas.microsoft.com/office/drawing/2014/main" id="{8C9997AF-3E05-4320-B7A5-0D2E53907383}"/>
+                  </a:ext>
+                </a:extLst>
+              </p:cNvPr>
+              <p:cNvSpPr/>
+              <p:nvPr/>
+            </p:nvSpPr>
+            <p:spPr>
+              <a:xfrm>
+                <a:off x="1842639" y="4879868"/>
+                <a:ext cx="1084077" cy="458250"/>
+              </a:xfrm>
+              <a:prstGeom prst="roundRect">
+                <a:avLst/>
+              </a:prstGeom>
+              <a:ln w="28575">
+                <a:solidFill>
+                  <a:schemeClr val="tx1"/>
+                </a:solidFill>
+              </a:ln>
+            </p:spPr>
+            <p:style>
+              <a:lnRef idx="1">
+                <a:schemeClr val="accent1"/>
+              </a:lnRef>
+              <a:fillRef idx="0">
+                <a:schemeClr val="accent1"/>
+              </a:fillRef>
+              <a:effectRef idx="0">
+                <a:schemeClr val="accent1"/>
+              </a:effectRef>
+              <a:fontRef idx="minor">
+                <a:schemeClr val="tx1"/>
+              </a:fontRef>
+            </p:style>
+            <p:txBody>
+              <a:bodyPr rtlCol="0" anchor="ctr"/>
+              <a:lstStyle/>
+              <a:p>
+                <a:pPr marL="0" marR="0" lvl="0" indent="0" algn="ctr" defTabSz="914400" rtl="0" eaLnBrk="1" fontAlgn="auto" latinLnBrk="0" hangingPunct="1">
+                  <a:lnSpc>
+                    <a:spcPct val="100000"/>
+                  </a:lnSpc>
+                  <a:spcBef>
+                    <a:spcPts val="0"/>
+                  </a:spcBef>
+                  <a:spcAft>
+                    <a:spcPts val="0"/>
+                  </a:spcAft>
+                  <a:buClrTx/>
+                  <a:buSzTx/>
+                  <a:buFontTx/>
+                  <a:buNone/>
+                  <a:tabLst/>
+                  <a:defRPr/>
+                </a:pPr>
+                <a14:m>
+                  <m:oMathPara xmlns:m="http://schemas.openxmlformats.org/officeDocument/2006/math">
+                    <m:oMathParaPr>
+                      <m:jc m:val="centerGroup"/>
+                    </m:oMathParaPr>
+                    <m:oMath xmlns:m="http://schemas.openxmlformats.org/officeDocument/2006/math">
+                      <m:d>
+                        <m:dPr>
+                          <m:ctrlPr>
+                            <a:rPr kumimoji="1" lang="en-US" altLang="ja-JP" sz="2000" b="0" i="1" u="none" strike="noStrike" kern="1200" cap="none" spc="0" normalizeH="0" baseline="0" noProof="0" smtClean="0">
+                              <a:ln>
+                                <a:noFill/>
+                              </a:ln>
+                              <a:solidFill>
+                                <a:prstClr val="black"/>
+                              </a:solidFill>
+                              <a:effectLst/>
+                              <a:uLnTx/>
+                              <a:uFillTx/>
+                              <a:latin typeface="Cambria Math" panose="02040503050406030204" pitchFamily="18" charset="0"/>
+                              <a:cs typeface="+mn-cs"/>
+                            </a:rPr>
+                          </m:ctrlPr>
+                        </m:dPr>
+                        <m:e>
+                          <m:r>
+                            <a:rPr kumimoji="1" lang="en-US" altLang="ja-JP" sz="2000" b="0" i="1" u="none" strike="noStrike" kern="1200" cap="none" spc="0" normalizeH="0" baseline="0" noProof="0">
+                              <a:ln>
+                                <a:noFill/>
+                              </a:ln>
+                              <a:solidFill>
+                                <a:prstClr val="black"/>
+                              </a:solidFill>
+                              <a:effectLst/>
+                              <a:uLnTx/>
+                              <a:uFillTx/>
+                              <a:latin typeface="Cambria Math" panose="02040503050406030204" pitchFamily="18" charset="0"/>
+                              <a:ea typeface="Cambria Math" panose="02040503050406030204" pitchFamily="18" charset="0"/>
+                              <a:cs typeface="+mn-cs"/>
+                            </a:rPr>
+                            <m:t>𝑧</m:t>
+                          </m:r>
+                        </m:e>
+                      </m:d>
+                      <m:r>
+                        <a:rPr kumimoji="1" lang="en-US" altLang="ja-JP" sz="2000" b="0" i="1" u="none" strike="noStrike" kern="1200" cap="none" spc="0" normalizeH="0" baseline="0" noProof="0">
+                          <a:ln>
+                            <a:noFill/>
+                          </a:ln>
+                          <a:solidFill>
+                            <a:prstClr val="black"/>
+                          </a:solidFill>
+                          <a:effectLst/>
+                          <a:uLnTx/>
+                          <a:uFillTx/>
+                          <a:latin typeface="Cambria Math" panose="02040503050406030204" pitchFamily="18" charset="0"/>
+                          <a:cs typeface="+mn-cs"/>
+                        </a:rPr>
+                        <m:t>,</m:t>
+                      </m:r>
+                      <m:r>
+                        <a:rPr kumimoji="1" lang="en-US" altLang="ja-JP" sz="2000" b="0" i="1" u="none" strike="noStrike" kern="1200" cap="none" spc="0" normalizeH="0" baseline="0" noProof="0" smtClean="0">
+                          <a:ln>
+                            <a:noFill/>
+                          </a:ln>
+                          <a:solidFill>
+                            <a:prstClr val="black"/>
+                          </a:solidFill>
+                          <a:effectLst/>
+                          <a:uLnTx/>
+                          <a:uFillTx/>
+                          <a:latin typeface="Cambria Math" panose="02040503050406030204" pitchFamily="18" charset="0"/>
+                          <a:cs typeface="+mn-cs"/>
+                        </a:rPr>
+                        <m:t> ( )</m:t>
+                      </m:r>
+                    </m:oMath>
+                  </m:oMathPara>
+                </a14:m>
+                <a:endParaRPr kumimoji="1" lang="ja-JP" altLang="en-US" sz="2000" b="0" i="0" u="none" strike="noStrike" kern="1200" cap="none" spc="0" normalizeH="0" baseline="0" noProof="0" dirty="0">
+                  <a:ln>
+                    <a:noFill/>
+                  </a:ln>
+                  <a:solidFill>
+                    <a:prstClr val="black"/>
+                  </a:solidFill>
+                  <a:effectLst/>
+                  <a:uLnTx/>
+                  <a:uFillTx/>
+                  <a:latin typeface="メイリオ"/>
+                  <a:ea typeface="メイリオ"/>
+                  <a:cs typeface="+mn-cs"/>
+                </a:endParaRPr>
+              </a:p>
+            </p:txBody>
+          </p:sp>
+        </mc:Choice>
+        <mc:Fallback>
+          <p:sp>
+            <p:nvSpPr>
+              <p:cNvPr id="12" name="四角形: 角を丸くする 11">
+                <a:extLst>
+                  <a:ext uri="{FF2B5EF4-FFF2-40B4-BE49-F238E27FC236}">
+                    <a16:creationId xmlns:a16="http://schemas.microsoft.com/office/drawing/2014/main" id="{8C9997AF-3E05-4320-B7A5-0D2E53907383}"/>
+                  </a:ext>
+                </a:extLst>
+              </p:cNvPr>
+              <p:cNvSpPr>
+                <a:spLocks noRot="1" noChangeAspect="1" noMove="1" noResize="1" noEditPoints="1" noAdjustHandles="1" noChangeArrowheads="1" noChangeShapeType="1" noTextEdit="1"/>
+              </p:cNvSpPr>
+              <p:nvPr/>
+            </p:nvSpPr>
+            <p:spPr>
+              <a:xfrm>
+                <a:off x="1842639" y="4879868"/>
+                <a:ext cx="1084077" cy="458250"/>
+              </a:xfrm>
+              <a:prstGeom prst="roundRect">
+                <a:avLst/>
+              </a:prstGeom>
+              <a:blipFill>
+                <a:blip r:embed="rId10"/>
+                <a:stretch>
+                  <a:fillRect/>
+                </a:stretch>
+              </a:blipFill>
+              <a:ln w="28575">
+                <a:solidFill>
+                  <a:schemeClr val="tx1"/>
+                </a:solidFill>
+              </a:ln>
+            </p:spPr>
+            <p:txBody>
+              <a:bodyPr/>
+              <a:lstStyle/>
+              <a:p>
+                <a:r>
+                  <a:rPr lang="ja-JP" altLang="en-US">
+                    <a:noFill/>
+                  </a:rPr>
+                  <a:t> </a:t>
+                </a:r>
+              </a:p>
+            </p:txBody>
+          </p:sp>
+        </mc:Fallback>
+      </mc:AlternateContent>
+      <mc:AlternateContent xmlns:mc="http://schemas.openxmlformats.org/markup-compatibility/2006">
+        <mc:Choice xmlns:a14="http://schemas.microsoft.com/office/drawing/2010/main" Requires="a14">
+          <p:sp>
+            <p:nvSpPr>
+              <p:cNvPr id="13" name="四角形: 角を丸くする 12">
+                <a:extLst>
+                  <a:ext uri="{FF2B5EF4-FFF2-40B4-BE49-F238E27FC236}">
+                    <a16:creationId xmlns:a16="http://schemas.microsoft.com/office/drawing/2014/main" id="{48945770-00A6-4968-BAED-089A17C742E1}"/>
+                  </a:ext>
+                </a:extLst>
+              </p:cNvPr>
+              <p:cNvSpPr/>
+              <p:nvPr/>
+            </p:nvSpPr>
+            <p:spPr>
+              <a:xfrm>
+                <a:off x="481509" y="4891941"/>
+                <a:ext cx="1084077" cy="458250"/>
+              </a:xfrm>
+              <a:prstGeom prst="roundRect">
+                <a:avLst/>
+              </a:prstGeom>
+              <a:ln w="28575">
+                <a:solidFill>
+                  <a:schemeClr val="tx1"/>
+                </a:solidFill>
+              </a:ln>
+            </p:spPr>
+            <p:style>
+              <a:lnRef idx="1">
+                <a:schemeClr val="accent1"/>
+              </a:lnRef>
+              <a:fillRef idx="0">
+                <a:schemeClr val="accent1"/>
+              </a:fillRef>
+              <a:effectRef idx="0">
+                <a:schemeClr val="accent1"/>
+              </a:effectRef>
+              <a:fontRef idx="minor">
+                <a:schemeClr val="tx1"/>
+              </a:fontRef>
+            </p:style>
+            <p:txBody>
+              <a:bodyPr rtlCol="0" anchor="ctr"/>
+              <a:lstStyle/>
+              <a:p>
+                <a:pPr marL="0" marR="0" lvl="0" indent="0" algn="ctr" defTabSz="914400" rtl="0" eaLnBrk="1" fontAlgn="auto" latinLnBrk="0" hangingPunct="1">
+                  <a:lnSpc>
+                    <a:spcPct val="100000"/>
+                  </a:lnSpc>
+                  <a:spcBef>
+                    <a:spcPts val="0"/>
+                  </a:spcBef>
+                  <a:spcAft>
+                    <a:spcPts val="0"/>
+                  </a:spcAft>
+                  <a:buClrTx/>
+                  <a:buSzTx/>
+                  <a:buFontTx/>
+                  <a:buNone/>
+                  <a:tabLst/>
+                  <a:defRPr/>
+                </a:pPr>
+                <a14:m>
+                  <m:oMathPara xmlns:m="http://schemas.openxmlformats.org/officeDocument/2006/math">
+                    <m:oMathParaPr>
+                      <m:jc m:val="centerGroup"/>
+                    </m:oMathParaPr>
+                    <m:oMath xmlns:m="http://schemas.openxmlformats.org/officeDocument/2006/math">
+                      <m:d>
+                        <m:dPr>
+                          <m:ctrlPr>
+                            <a:rPr kumimoji="1" lang="en-US" altLang="ja-JP" sz="2000" b="0" i="1" u="none" strike="noStrike" kern="1200" cap="none" spc="0" normalizeH="0" baseline="0" noProof="0" smtClean="0">
+                              <a:ln>
+                                <a:noFill/>
+                              </a:ln>
+                              <a:solidFill>
+                                <a:schemeClr val="accent3"/>
+                              </a:solidFill>
+                              <a:effectLst/>
+                              <a:uLnTx/>
+                              <a:uFillTx/>
+                              <a:latin typeface="Cambria Math" panose="02040503050406030204" pitchFamily="18" charset="0"/>
+                              <a:cs typeface="+mn-cs"/>
+                            </a:rPr>
+                          </m:ctrlPr>
+                        </m:dPr>
+                        <m:e>
+                          <m:r>
+                            <a:rPr kumimoji="1" lang="en-US" altLang="ja-JP" sz="2000" b="0" i="1" u="none" strike="noStrike" kern="1200" cap="none" spc="0" normalizeH="0" baseline="0" noProof="0">
+                              <a:ln>
+                                <a:noFill/>
+                              </a:ln>
+                              <a:solidFill>
+                                <a:schemeClr val="accent3"/>
+                              </a:solidFill>
+                              <a:effectLst/>
+                              <a:uLnTx/>
+                              <a:uFillTx/>
+                              <a:latin typeface="Cambria Math" panose="02040503050406030204" pitchFamily="18" charset="0"/>
+                              <a:ea typeface="Cambria Math" panose="02040503050406030204" pitchFamily="18" charset="0"/>
+                              <a:cs typeface="+mn-cs"/>
+                            </a:rPr>
+                            <m:t>𝑧</m:t>
+                          </m:r>
+                        </m:e>
+                      </m:d>
+                      <m:r>
+                        <a:rPr kumimoji="1" lang="en-US" altLang="ja-JP" sz="2000" b="0" i="1" u="none" strike="noStrike" kern="1200" cap="none" spc="0" normalizeH="0" baseline="0" noProof="0">
+                          <a:ln>
+                            <a:noFill/>
+                          </a:ln>
+                          <a:solidFill>
+                            <a:prstClr val="black"/>
+                          </a:solidFill>
+                          <a:effectLst/>
+                          <a:uLnTx/>
+                          <a:uFillTx/>
+                          <a:latin typeface="Cambria Math" panose="02040503050406030204" pitchFamily="18" charset="0"/>
+                          <a:cs typeface="+mn-cs"/>
+                        </a:rPr>
+                        <m:t>,</m:t>
+                      </m:r>
+                      <m:r>
+                        <a:rPr kumimoji="1" lang="en-US" altLang="ja-JP" sz="2000" b="0" i="1" u="none" strike="noStrike" kern="1200" cap="none" spc="0" normalizeH="0" baseline="0" noProof="0" smtClean="0">
+                          <a:ln>
+                            <a:noFill/>
+                          </a:ln>
+                          <a:solidFill>
+                            <a:prstClr val="black"/>
+                          </a:solidFill>
+                          <a:effectLst/>
+                          <a:uLnTx/>
+                          <a:uFillTx/>
+                          <a:latin typeface="Cambria Math" panose="02040503050406030204" pitchFamily="18" charset="0"/>
+                          <a:cs typeface="+mn-cs"/>
+                        </a:rPr>
+                        <m:t> </m:t>
+                      </m:r>
+                      <m:d>
+                        <m:dPr>
+                          <m:ctrlPr>
+                            <a:rPr kumimoji="1" lang="en-US" altLang="ja-JP" sz="2000" b="0" i="1" u="none" strike="noStrike" kern="1200" cap="none" spc="0" normalizeH="0" baseline="0" noProof="0" smtClean="0">
+                              <a:ln>
+                                <a:noFill/>
+                              </a:ln>
+                              <a:solidFill>
+                                <a:schemeClr val="accent3"/>
+                              </a:solidFill>
+                              <a:effectLst/>
+                              <a:uLnTx/>
+                              <a:uFillTx/>
+                              <a:latin typeface="Cambria Math" panose="02040503050406030204" pitchFamily="18" charset="0"/>
+                              <a:cs typeface="+mn-cs"/>
+                            </a:rPr>
+                          </m:ctrlPr>
+                        </m:dPr>
+                        <m:e>
+                          <m:acc>
+                            <m:accPr>
+                              <m:chr m:val="̅"/>
+                              <m:ctrlPr>
+                                <a:rPr kumimoji="1" lang="en-US" altLang="ja-JP" sz="2000" b="0" i="1" u="none" strike="noStrike" kern="1200" cap="none" spc="0" normalizeH="0" baseline="0" noProof="0">
+                                  <a:ln>
+                                    <a:noFill/>
+                                  </a:ln>
+                                  <a:solidFill>
+                                    <a:schemeClr val="accent3"/>
+                                  </a:solidFill>
+                                  <a:effectLst/>
+                                  <a:uLnTx/>
+                                  <a:uFillTx/>
+                                  <a:latin typeface="Cambria Math" panose="02040503050406030204" pitchFamily="18" charset="0"/>
+                                  <a:ea typeface="Cambria Math" panose="02040503050406030204" pitchFamily="18" charset="0"/>
+                                  <a:cs typeface="+mn-cs"/>
+                                </a:rPr>
+                              </m:ctrlPr>
+                            </m:accPr>
+                            <m:e>
+                              <m:r>
+                                <a:rPr kumimoji="1" lang="en-US" altLang="ja-JP" sz="2000" b="0" i="1" u="none" strike="noStrike" kern="1200" cap="none" spc="0" normalizeH="0" baseline="0" noProof="0">
+                                  <a:ln>
+                                    <a:noFill/>
+                                  </a:ln>
+                                  <a:solidFill>
+                                    <a:schemeClr val="accent3"/>
+                                  </a:solidFill>
+                                  <a:effectLst/>
+                                  <a:uLnTx/>
+                                  <a:uFillTx/>
+                                  <a:latin typeface="Cambria Math" panose="02040503050406030204" pitchFamily="18" charset="0"/>
+                                  <a:ea typeface="Cambria Math" panose="02040503050406030204" pitchFamily="18" charset="0"/>
+                                  <a:cs typeface="+mn-cs"/>
+                                </a:rPr>
+                                <m:t>𝑧</m:t>
+                              </m:r>
+                            </m:e>
+                          </m:acc>
+                        </m:e>
+                      </m:d>
+                    </m:oMath>
+                  </m:oMathPara>
+                </a14:m>
+                <a:endParaRPr kumimoji="1" lang="ja-JP" altLang="en-US" sz="2000" b="0" i="0" u="none" strike="noStrike" kern="1200" cap="none" spc="0" normalizeH="0" baseline="0" noProof="0" dirty="0">
+                  <a:ln>
+                    <a:noFill/>
+                  </a:ln>
+                  <a:solidFill>
+                    <a:prstClr val="black"/>
+                  </a:solidFill>
+                  <a:effectLst/>
+                  <a:uLnTx/>
+                  <a:uFillTx/>
+                  <a:latin typeface="メイリオ"/>
+                  <a:ea typeface="メイリオ"/>
+                  <a:cs typeface="+mn-cs"/>
+                </a:endParaRPr>
+              </a:p>
+            </p:txBody>
+          </p:sp>
+        </mc:Choice>
+        <mc:Fallback>
+          <p:sp>
+            <p:nvSpPr>
+              <p:cNvPr id="13" name="四角形: 角を丸くする 12">
+                <a:extLst>
+                  <a:ext uri="{FF2B5EF4-FFF2-40B4-BE49-F238E27FC236}">
+                    <a16:creationId xmlns:a16="http://schemas.microsoft.com/office/drawing/2014/main" id="{48945770-00A6-4968-BAED-089A17C742E1}"/>
+                  </a:ext>
+                </a:extLst>
+              </p:cNvPr>
+              <p:cNvSpPr>
+                <a:spLocks noRot="1" noChangeAspect="1" noMove="1" noResize="1" noEditPoints="1" noAdjustHandles="1" noChangeArrowheads="1" noChangeShapeType="1" noTextEdit="1"/>
+              </p:cNvSpPr>
+              <p:nvPr/>
+            </p:nvSpPr>
+            <p:spPr>
+              <a:xfrm>
+                <a:off x="481509" y="4891941"/>
+                <a:ext cx="1084077" cy="458250"/>
+              </a:xfrm>
+              <a:prstGeom prst="roundRect">
+                <a:avLst/>
+              </a:prstGeom>
+              <a:blipFill>
+                <a:blip r:embed="rId11"/>
+                <a:stretch>
+                  <a:fillRect r="-5464"/>
+                </a:stretch>
+              </a:blipFill>
+              <a:ln w="28575">
+                <a:solidFill>
+                  <a:schemeClr val="tx1"/>
+                </a:solidFill>
+              </a:ln>
+            </p:spPr>
+            <p:txBody>
+              <a:bodyPr/>
+              <a:lstStyle/>
+              <a:p>
+                <a:r>
+                  <a:rPr lang="ja-JP" altLang="en-US">
+                    <a:noFill/>
+                  </a:rPr>
+                  <a:t> </a:t>
+                </a:r>
+              </a:p>
+            </p:txBody>
+          </p:sp>
+        </mc:Fallback>
+      </mc:AlternateContent>
+      <mc:AlternateContent xmlns:mc="http://schemas.openxmlformats.org/markup-compatibility/2006">
+        <mc:Choice xmlns:a14="http://schemas.microsoft.com/office/drawing/2010/main" Requires="a14">
+          <p:sp>
+            <p:nvSpPr>
+              <p:cNvPr id="14" name="四角形: 角を丸くする 13">
+                <a:extLst>
+                  <a:ext uri="{FF2B5EF4-FFF2-40B4-BE49-F238E27FC236}">
+                    <a16:creationId xmlns:a16="http://schemas.microsoft.com/office/drawing/2014/main" id="{1F3E2449-2967-4EC0-A4E9-2ACFCBA9105F}"/>
+                  </a:ext>
+                </a:extLst>
+              </p:cNvPr>
+              <p:cNvSpPr/>
+              <p:nvPr/>
+            </p:nvSpPr>
+            <p:spPr>
+              <a:xfrm>
+                <a:off x="1294567" y="5799010"/>
+                <a:ext cx="542038" cy="458250"/>
+              </a:xfrm>
+              <a:prstGeom prst="roundRect">
+                <a:avLst/>
+              </a:prstGeom>
+              <a:ln w="28575">
+                <a:solidFill>
+                  <a:schemeClr val="tx1"/>
+                </a:solidFill>
+              </a:ln>
+            </p:spPr>
+            <p:style>
+              <a:lnRef idx="1">
+                <a:schemeClr val="accent1"/>
+              </a:lnRef>
+              <a:fillRef idx="0">
+                <a:schemeClr val="accent1"/>
+              </a:fillRef>
+              <a:effectRef idx="0">
+                <a:schemeClr val="accent1"/>
+              </a:effectRef>
+              <a:fontRef idx="minor">
+                <a:schemeClr val="tx1"/>
+              </a:fontRef>
+            </p:style>
+            <p:txBody>
+              <a:bodyPr rtlCol="0" anchor="ctr"/>
+              <a:lstStyle/>
+              <a:p>
+                <a:pPr marL="0" marR="0" lvl="0" indent="0" algn="ctr" defTabSz="914400" rtl="0" eaLnBrk="1" fontAlgn="auto" latinLnBrk="0" hangingPunct="1">
+                  <a:lnSpc>
+                    <a:spcPct val="100000"/>
+                  </a:lnSpc>
+                  <a:spcBef>
+                    <a:spcPts val="0"/>
+                  </a:spcBef>
+                  <a:spcAft>
+                    <a:spcPts val="0"/>
+                  </a:spcAft>
+                  <a:buClrTx/>
+                  <a:buSzTx/>
+                  <a:buFontTx/>
+                  <a:buNone/>
+                  <a:tabLst/>
+                  <a:defRPr/>
+                </a:pPr>
+                <a14:m>
+                  <m:oMathPara xmlns:m="http://schemas.openxmlformats.org/officeDocument/2006/math">
+                    <m:oMathParaPr>
+                      <m:jc m:val="centerGroup"/>
+                    </m:oMathParaPr>
+                    <m:oMath xmlns:m="http://schemas.openxmlformats.org/officeDocument/2006/math">
+                      <m:r>
+                        <a:rPr kumimoji="1" lang="en-US" altLang="ja-JP" sz="2000" b="0" i="1" u="none" strike="noStrike" kern="1200" cap="none" spc="0" normalizeH="0" baseline="0" noProof="0" smtClean="0">
+                          <a:ln>
+                            <a:noFill/>
+                          </a:ln>
+                          <a:solidFill>
+                            <a:prstClr val="black"/>
+                          </a:solidFill>
+                          <a:effectLst/>
+                          <a:uLnTx/>
+                          <a:uFillTx/>
+                          <a:latin typeface="Cambria Math" panose="02040503050406030204" pitchFamily="18" charset="0"/>
+                          <a:ea typeface="メイリオ"/>
+                          <a:cs typeface="+mn-cs"/>
+                        </a:rPr>
+                        <m:t>( )</m:t>
+                      </m:r>
+                    </m:oMath>
+                  </m:oMathPara>
+                </a14:m>
+                <a:endParaRPr kumimoji="1" lang="ja-JP" altLang="en-US" sz="2000" b="0" i="0" u="none" strike="noStrike" kern="1200" cap="none" spc="0" normalizeH="0" baseline="0" noProof="0" dirty="0">
+                  <a:ln>
+                    <a:noFill/>
+                  </a:ln>
+                  <a:solidFill>
+                    <a:prstClr val="black"/>
+                  </a:solidFill>
+                  <a:effectLst/>
+                  <a:uLnTx/>
+                  <a:uFillTx/>
+                  <a:latin typeface="メイリオ"/>
+                  <a:ea typeface="メイリオ"/>
+                  <a:cs typeface="+mn-cs"/>
+                </a:endParaRPr>
+              </a:p>
+            </p:txBody>
+          </p:sp>
+        </mc:Choice>
+        <mc:Fallback>
+          <p:sp>
+            <p:nvSpPr>
+              <p:cNvPr id="14" name="四角形: 角を丸くする 13">
+                <a:extLst>
+                  <a:ext uri="{FF2B5EF4-FFF2-40B4-BE49-F238E27FC236}">
+                    <a16:creationId xmlns:a16="http://schemas.microsoft.com/office/drawing/2014/main" id="{1F3E2449-2967-4EC0-A4E9-2ACFCBA9105F}"/>
+                  </a:ext>
+                </a:extLst>
+              </p:cNvPr>
+              <p:cNvSpPr>
+                <a:spLocks noRot="1" noChangeAspect="1" noMove="1" noResize="1" noEditPoints="1" noAdjustHandles="1" noChangeArrowheads="1" noChangeShapeType="1" noTextEdit="1"/>
+              </p:cNvSpPr>
+              <p:nvPr/>
+            </p:nvSpPr>
+            <p:spPr>
+              <a:xfrm>
+                <a:off x="1294567" y="5799010"/>
+                <a:ext cx="542038" cy="458250"/>
+              </a:xfrm>
+              <a:prstGeom prst="roundRect">
+                <a:avLst/>
+              </a:prstGeom>
+              <a:blipFill>
+                <a:blip r:embed="rId12"/>
+                <a:stretch>
+                  <a:fillRect l="-2128"/>
+                </a:stretch>
+              </a:blipFill>
+              <a:ln w="28575">
+                <a:solidFill>
+                  <a:schemeClr val="tx1"/>
+                </a:solidFill>
+              </a:ln>
+            </p:spPr>
+            <p:txBody>
+              <a:bodyPr/>
+              <a:lstStyle/>
+              <a:p>
+                <a:r>
+                  <a:rPr lang="ja-JP" altLang="en-US">
+                    <a:noFill/>
+                  </a:rPr>
+                  <a:t> </a:t>
+                </a:r>
+              </a:p>
+            </p:txBody>
+          </p:sp>
+        </mc:Fallback>
+      </mc:AlternateContent>
+      <mc:AlternateContent xmlns:mc="http://schemas.openxmlformats.org/markup-compatibility/2006">
+        <mc:Choice xmlns:a14="http://schemas.microsoft.com/office/drawing/2010/main" Requires="a14">
+          <p:sp>
+            <p:nvSpPr>
+              <p:cNvPr id="15" name="四角形: 角を丸くする 14">
+                <a:extLst>
+                  <a:ext uri="{FF2B5EF4-FFF2-40B4-BE49-F238E27FC236}">
+                    <a16:creationId xmlns:a16="http://schemas.microsoft.com/office/drawing/2014/main" id="{C82125A4-D7E6-4E78-B592-59BAEFCA99DD}"/>
+                  </a:ext>
+                </a:extLst>
+              </p:cNvPr>
+              <p:cNvSpPr/>
+              <p:nvPr/>
+            </p:nvSpPr>
+            <p:spPr>
+              <a:xfrm>
+                <a:off x="344277" y="5799010"/>
+                <a:ext cx="542038" cy="458250"/>
+              </a:xfrm>
+              <a:prstGeom prst="roundRect">
+                <a:avLst/>
+              </a:prstGeom>
+              <a:ln w="28575">
+                <a:solidFill>
+                  <a:schemeClr val="tx1"/>
+                </a:solidFill>
+              </a:ln>
+            </p:spPr>
+            <p:style>
+              <a:lnRef idx="1">
+                <a:schemeClr val="accent1"/>
+              </a:lnRef>
+              <a:fillRef idx="0">
+                <a:schemeClr val="accent1"/>
+              </a:fillRef>
+              <a:effectRef idx="0">
+                <a:schemeClr val="accent1"/>
+              </a:effectRef>
+              <a:fontRef idx="minor">
+                <a:schemeClr val="tx1"/>
+              </a:fontRef>
+            </p:style>
+            <p:txBody>
+              <a:bodyPr rtlCol="0" anchor="ctr"/>
+              <a:lstStyle/>
+              <a:p>
+                <a:pPr marL="0" marR="0" lvl="0" indent="0" algn="ctr" defTabSz="914400" rtl="0" eaLnBrk="1" fontAlgn="auto" latinLnBrk="0" hangingPunct="1">
+                  <a:lnSpc>
+                    <a:spcPct val="100000"/>
+                  </a:lnSpc>
+                  <a:spcBef>
+                    <a:spcPts val="0"/>
+                  </a:spcBef>
+                  <a:spcAft>
+                    <a:spcPts val="0"/>
+                  </a:spcAft>
+                  <a:buClrTx/>
+                  <a:buSzTx/>
+                  <a:buFontTx/>
+                  <a:buNone/>
+                  <a:tabLst/>
+                  <a:defRPr/>
+                </a:pPr>
+                <a14:m>
+                  <m:oMathPara xmlns:m="http://schemas.openxmlformats.org/officeDocument/2006/math">
+                    <m:oMathParaPr>
+                      <m:jc m:val="centerGroup"/>
+                    </m:oMathParaPr>
+                    <m:oMath xmlns:m="http://schemas.openxmlformats.org/officeDocument/2006/math">
+                      <m:r>
+                        <a:rPr kumimoji="1" lang="en-US" altLang="ja-JP" sz="2000" b="0" i="1" u="none" strike="noStrike" kern="1200" cap="none" spc="0" normalizeH="0" baseline="0" noProof="0" smtClean="0">
+                          <a:ln>
+                            <a:noFill/>
+                          </a:ln>
+                          <a:solidFill>
+                            <a:prstClr val="black"/>
+                          </a:solidFill>
+                          <a:effectLst/>
+                          <a:uLnTx/>
+                          <a:uFillTx/>
+                          <a:latin typeface="Cambria Math" panose="02040503050406030204" pitchFamily="18" charset="0"/>
+                          <a:ea typeface="メイリオ"/>
+                          <a:cs typeface="+mn-cs"/>
+                        </a:rPr>
+                        <m:t>( )</m:t>
+                      </m:r>
+                    </m:oMath>
+                  </m:oMathPara>
+                </a14:m>
+                <a:endParaRPr kumimoji="1" lang="ja-JP" altLang="en-US" sz="2000" b="0" i="0" u="none" strike="noStrike" kern="1200" cap="none" spc="0" normalizeH="0" baseline="0" noProof="0" dirty="0">
+                  <a:ln>
+                    <a:noFill/>
+                  </a:ln>
+                  <a:solidFill>
+                    <a:prstClr val="black"/>
+                  </a:solidFill>
+                  <a:effectLst/>
+                  <a:uLnTx/>
+                  <a:uFillTx/>
+                  <a:latin typeface="メイリオ"/>
+                  <a:ea typeface="メイリオ"/>
+                  <a:cs typeface="+mn-cs"/>
+                </a:endParaRPr>
+              </a:p>
+            </p:txBody>
+          </p:sp>
+        </mc:Choice>
+        <mc:Fallback>
+          <p:sp>
+            <p:nvSpPr>
+              <p:cNvPr id="15" name="四角形: 角を丸くする 14">
+                <a:extLst>
+                  <a:ext uri="{FF2B5EF4-FFF2-40B4-BE49-F238E27FC236}">
+                    <a16:creationId xmlns:a16="http://schemas.microsoft.com/office/drawing/2014/main" id="{C82125A4-D7E6-4E78-B592-59BAEFCA99DD}"/>
+                  </a:ext>
+                </a:extLst>
+              </p:cNvPr>
+              <p:cNvSpPr>
+                <a:spLocks noRot="1" noChangeAspect="1" noMove="1" noResize="1" noEditPoints="1" noAdjustHandles="1" noChangeArrowheads="1" noChangeShapeType="1" noTextEdit="1"/>
+              </p:cNvSpPr>
+              <p:nvPr/>
+            </p:nvSpPr>
+            <p:spPr>
+              <a:xfrm>
+                <a:off x="344277" y="5799010"/>
+                <a:ext cx="542038" cy="458250"/>
+              </a:xfrm>
+              <a:prstGeom prst="roundRect">
+                <a:avLst/>
+              </a:prstGeom>
+              <a:blipFill>
+                <a:blip r:embed="rId13"/>
+                <a:stretch>
+                  <a:fillRect l="-2128"/>
+                </a:stretch>
+              </a:blipFill>
+              <a:ln w="28575">
+                <a:solidFill>
+                  <a:schemeClr val="tx1"/>
+                </a:solidFill>
+              </a:ln>
+            </p:spPr>
+            <p:txBody>
+              <a:bodyPr/>
+              <a:lstStyle/>
+              <a:p>
+                <a:r>
+                  <a:rPr lang="ja-JP" altLang="en-US">
+                    <a:noFill/>
+                  </a:rPr>
+                  <a:t> </a:t>
+                </a:r>
+              </a:p>
+            </p:txBody>
+          </p:sp>
+        </mc:Fallback>
+      </mc:AlternateContent>
+      <p:cxnSp>
+        <p:nvCxnSpPr>
+          <p:cNvPr id="16" name="直線矢印コネクタ 15">
+            <a:extLst>
+              <a:ext uri="{FF2B5EF4-FFF2-40B4-BE49-F238E27FC236}">
+                <a16:creationId xmlns:a16="http://schemas.microsoft.com/office/drawing/2014/main" id="{206D9AD7-6B83-47DB-9720-12FF2A490DF6}"/>
+              </a:ext>
+            </a:extLst>
+          </p:cNvPr>
+          <p:cNvCxnSpPr>
+            <a:cxnSpLocks/>
+            <a:stCxn id="5" idx="2"/>
+            <a:endCxn id="7" idx="0"/>
+          </p:cNvCxnSpPr>
+          <p:nvPr/>
+        </p:nvCxnSpPr>
+        <p:spPr>
+          <a:xfrm flipH="1">
+            <a:off x="2384677" y="2380624"/>
+            <a:ext cx="2309803" cy="627308"/>
+          </a:xfrm>
+          <a:prstGeom prst="straightConnector1">
+            <a:avLst/>
+          </a:prstGeom>
+          <a:ln w="28575">
+            <a:solidFill>
+              <a:schemeClr val="tx1"/>
+            </a:solidFill>
+            <a:tailEnd type="triangle"/>
+          </a:ln>
+        </p:spPr>
+        <p:style>
+          <a:lnRef idx="1">
+            <a:schemeClr val="accent1"/>
+          </a:lnRef>
+          <a:fillRef idx="0">
+            <a:schemeClr val="accent1"/>
+          </a:fillRef>
+          <a:effectRef idx="0">
+            <a:schemeClr val="accent1"/>
+          </a:effectRef>
+          <a:fontRef idx="minor">
+            <a:schemeClr val="tx1"/>
+          </a:fontRef>
+        </p:style>
+      </p:cxnSp>
+      <p:cxnSp>
+        <p:nvCxnSpPr>
+          <p:cNvPr id="19" name="直線矢印コネクタ 18">
+            <a:extLst>
+              <a:ext uri="{FF2B5EF4-FFF2-40B4-BE49-F238E27FC236}">
+                <a16:creationId xmlns:a16="http://schemas.microsoft.com/office/drawing/2014/main" id="{4FF51074-A7E7-428E-89FC-C8710FDEED3B}"/>
+              </a:ext>
+            </a:extLst>
+          </p:cNvPr>
+          <p:cNvCxnSpPr>
+            <a:stCxn id="5" idx="2"/>
+            <a:endCxn id="6" idx="0"/>
+          </p:cNvCxnSpPr>
+          <p:nvPr/>
+        </p:nvCxnSpPr>
+        <p:spPr>
+          <a:xfrm>
+            <a:off x="4694480" y="2380624"/>
+            <a:ext cx="2423236" cy="627308"/>
+          </a:xfrm>
+          <a:prstGeom prst="straightConnector1">
+            <a:avLst/>
+          </a:prstGeom>
+          <a:ln w="28575">
+            <a:solidFill>
+              <a:schemeClr val="tx1"/>
+            </a:solidFill>
+            <a:tailEnd type="triangle"/>
+          </a:ln>
+        </p:spPr>
+        <p:style>
+          <a:lnRef idx="1">
+            <a:schemeClr val="accent1"/>
+          </a:lnRef>
+          <a:fillRef idx="0">
+            <a:schemeClr val="accent1"/>
+          </a:fillRef>
+          <a:effectRef idx="0">
+            <a:schemeClr val="accent1"/>
+          </a:effectRef>
+          <a:fontRef idx="minor">
+            <a:schemeClr val="tx1"/>
+          </a:fontRef>
+        </p:style>
+      </p:cxnSp>
+      <p:cxnSp>
+        <p:nvCxnSpPr>
+          <p:cNvPr id="20" name="直線矢印コネクタ 19">
+            <a:extLst>
+              <a:ext uri="{FF2B5EF4-FFF2-40B4-BE49-F238E27FC236}">
+                <a16:creationId xmlns:a16="http://schemas.microsoft.com/office/drawing/2014/main" id="{F949995E-FD18-485B-B7AB-AB7C42D8CC5F}"/>
+              </a:ext>
+            </a:extLst>
+          </p:cNvPr>
+          <p:cNvCxnSpPr>
+            <a:cxnSpLocks/>
+            <a:stCxn id="13" idx="2"/>
+            <a:endCxn id="15" idx="0"/>
+          </p:cNvCxnSpPr>
+          <p:nvPr/>
+        </p:nvCxnSpPr>
+        <p:spPr>
+          <a:xfrm flipH="1">
+            <a:off x="615296" y="5350191"/>
+            <a:ext cx="408252" cy="448819"/>
+          </a:xfrm>
+          <a:prstGeom prst="straightConnector1">
+            <a:avLst/>
+          </a:prstGeom>
+          <a:ln w="28575">
+            <a:solidFill>
+              <a:schemeClr val="tx1"/>
+            </a:solidFill>
+            <a:tailEnd type="triangle"/>
+          </a:ln>
+        </p:spPr>
+        <p:style>
+          <a:lnRef idx="1">
+            <a:schemeClr val="accent1"/>
+          </a:lnRef>
+          <a:fillRef idx="0">
+            <a:schemeClr val="accent1"/>
+          </a:fillRef>
+          <a:effectRef idx="0">
+            <a:schemeClr val="accent1"/>
+          </a:effectRef>
+          <a:fontRef idx="minor">
+            <a:schemeClr val="tx1"/>
+          </a:fontRef>
+        </p:style>
+      </p:cxnSp>
+      <p:cxnSp>
+        <p:nvCxnSpPr>
+          <p:cNvPr id="21" name="直線矢印コネクタ 20">
+            <a:extLst>
+              <a:ext uri="{FF2B5EF4-FFF2-40B4-BE49-F238E27FC236}">
+                <a16:creationId xmlns:a16="http://schemas.microsoft.com/office/drawing/2014/main" id="{FFEB48A1-4B43-4B4C-8F0C-E8D9FE08A6BA}"/>
+              </a:ext>
+            </a:extLst>
+          </p:cNvPr>
+          <p:cNvCxnSpPr>
+            <a:cxnSpLocks/>
+            <a:stCxn id="13" idx="2"/>
+            <a:endCxn id="14" idx="0"/>
+          </p:cNvCxnSpPr>
+          <p:nvPr/>
+        </p:nvCxnSpPr>
+        <p:spPr>
+          <a:xfrm>
+            <a:off x="1023548" y="5350191"/>
+            <a:ext cx="542038" cy="448819"/>
+          </a:xfrm>
+          <a:prstGeom prst="straightConnector1">
+            <a:avLst/>
+          </a:prstGeom>
+          <a:ln w="28575">
+            <a:solidFill>
+              <a:schemeClr val="tx1"/>
+            </a:solidFill>
+            <a:tailEnd type="triangle"/>
+          </a:ln>
+        </p:spPr>
+        <p:style>
+          <a:lnRef idx="1">
+            <a:schemeClr val="accent1"/>
+          </a:lnRef>
+          <a:fillRef idx="0">
+            <a:schemeClr val="accent1"/>
+          </a:fillRef>
+          <a:effectRef idx="0">
+            <a:schemeClr val="accent1"/>
+          </a:effectRef>
+          <a:fontRef idx="minor">
+            <a:schemeClr val="tx1"/>
+          </a:fontRef>
+        </p:style>
+      </p:cxnSp>
+      <p:cxnSp>
+        <p:nvCxnSpPr>
+          <p:cNvPr id="22" name="直線矢印コネクタ 21">
+            <a:extLst>
+              <a:ext uri="{FF2B5EF4-FFF2-40B4-BE49-F238E27FC236}">
+                <a16:creationId xmlns:a16="http://schemas.microsoft.com/office/drawing/2014/main" id="{75AD91CE-1E3E-419F-9119-5C7FD286F2B2}"/>
+              </a:ext>
+            </a:extLst>
+          </p:cNvPr>
+          <p:cNvCxnSpPr>
+            <a:cxnSpLocks/>
+            <a:stCxn id="9" idx="2"/>
+            <a:endCxn id="13" idx="0"/>
+          </p:cNvCxnSpPr>
+          <p:nvPr/>
+        </p:nvCxnSpPr>
+        <p:spPr>
+          <a:xfrm flipH="1">
+            <a:off x="1023548" y="4438407"/>
+            <a:ext cx="725124" cy="453534"/>
+          </a:xfrm>
+          <a:prstGeom prst="straightConnector1">
+            <a:avLst/>
+          </a:prstGeom>
+          <a:ln w="28575">
+            <a:solidFill>
+              <a:schemeClr val="tx1"/>
+            </a:solidFill>
+            <a:tailEnd type="triangle"/>
+          </a:ln>
+        </p:spPr>
+        <p:style>
+          <a:lnRef idx="1">
+            <a:schemeClr val="accent1"/>
+          </a:lnRef>
+          <a:fillRef idx="0">
+            <a:schemeClr val="accent1"/>
+          </a:fillRef>
+          <a:effectRef idx="0">
+            <a:schemeClr val="accent1"/>
+          </a:effectRef>
+          <a:fontRef idx="minor">
+            <a:schemeClr val="tx1"/>
+          </a:fontRef>
+        </p:style>
+      </p:cxnSp>
+      <p:cxnSp>
+        <p:nvCxnSpPr>
+          <p:cNvPr id="23" name="直線矢印コネクタ 22">
+            <a:extLst>
+              <a:ext uri="{FF2B5EF4-FFF2-40B4-BE49-F238E27FC236}">
+                <a16:creationId xmlns:a16="http://schemas.microsoft.com/office/drawing/2014/main" id="{470C6F51-3AFE-4901-9B2C-2D7889247B42}"/>
+              </a:ext>
+            </a:extLst>
+          </p:cNvPr>
+          <p:cNvCxnSpPr>
+            <a:cxnSpLocks/>
+            <a:stCxn id="9" idx="2"/>
+            <a:endCxn id="12" idx="0"/>
+          </p:cNvCxnSpPr>
+          <p:nvPr/>
+        </p:nvCxnSpPr>
+        <p:spPr>
+          <a:xfrm>
+            <a:off x="1748672" y="4438407"/>
+            <a:ext cx="636006" cy="441461"/>
+          </a:xfrm>
+          <a:prstGeom prst="straightConnector1">
+            <a:avLst/>
+          </a:prstGeom>
+          <a:ln w="28575">
+            <a:solidFill>
+              <a:schemeClr val="tx1"/>
+            </a:solidFill>
+            <a:tailEnd type="triangle"/>
+          </a:ln>
+        </p:spPr>
+        <p:style>
+          <a:lnRef idx="1">
+            <a:schemeClr val="accent1"/>
+          </a:lnRef>
+          <a:fillRef idx="0">
+            <a:schemeClr val="accent1"/>
+          </a:fillRef>
+          <a:effectRef idx="0">
+            <a:schemeClr val="accent1"/>
+          </a:effectRef>
+          <a:fontRef idx="minor">
+            <a:schemeClr val="tx1"/>
+          </a:fontRef>
+        </p:style>
+      </p:cxnSp>
+      <p:cxnSp>
+        <p:nvCxnSpPr>
+          <p:cNvPr id="24" name="直線矢印コネクタ 23">
+            <a:extLst>
+              <a:ext uri="{FF2B5EF4-FFF2-40B4-BE49-F238E27FC236}">
+                <a16:creationId xmlns:a16="http://schemas.microsoft.com/office/drawing/2014/main" id="{15F0902B-722B-42F6-A3F2-813C78957990}"/>
+              </a:ext>
+            </a:extLst>
+          </p:cNvPr>
+          <p:cNvCxnSpPr>
+            <a:cxnSpLocks/>
+            <a:stCxn id="7" idx="2"/>
+            <a:endCxn id="9" idx="0"/>
+          </p:cNvCxnSpPr>
+          <p:nvPr/>
+        </p:nvCxnSpPr>
+        <p:spPr>
+          <a:xfrm flipH="1">
+            <a:off x="1748672" y="3466182"/>
+            <a:ext cx="636005" cy="513975"/>
+          </a:xfrm>
+          <a:prstGeom prst="straightConnector1">
+            <a:avLst/>
+          </a:prstGeom>
+          <a:ln w="28575">
+            <a:solidFill>
+              <a:schemeClr val="tx1"/>
+            </a:solidFill>
+            <a:tailEnd type="triangle"/>
+          </a:ln>
+        </p:spPr>
+        <p:style>
+          <a:lnRef idx="1">
+            <a:schemeClr val="accent1"/>
+          </a:lnRef>
+          <a:fillRef idx="0">
+            <a:schemeClr val="accent1"/>
+          </a:fillRef>
+          <a:effectRef idx="0">
+            <a:schemeClr val="accent1"/>
+          </a:effectRef>
+          <a:fontRef idx="minor">
+            <a:schemeClr val="tx1"/>
+          </a:fontRef>
+        </p:style>
+      </p:cxnSp>
+      <p:cxnSp>
+        <p:nvCxnSpPr>
+          <p:cNvPr id="25" name="直線矢印コネクタ 24">
+            <a:extLst>
+              <a:ext uri="{FF2B5EF4-FFF2-40B4-BE49-F238E27FC236}">
+                <a16:creationId xmlns:a16="http://schemas.microsoft.com/office/drawing/2014/main" id="{30ED67BF-0E13-42FD-A960-BE2529F3503A}"/>
+              </a:ext>
+            </a:extLst>
+          </p:cNvPr>
+          <p:cNvCxnSpPr>
+            <a:cxnSpLocks/>
+            <a:stCxn id="7" idx="2"/>
+            <a:endCxn id="8" idx="0"/>
+          </p:cNvCxnSpPr>
+          <p:nvPr/>
+        </p:nvCxnSpPr>
+        <p:spPr>
+          <a:xfrm>
+            <a:off x="2384677" y="3466182"/>
+            <a:ext cx="1621544" cy="513975"/>
+          </a:xfrm>
+          <a:prstGeom prst="straightConnector1">
+            <a:avLst/>
+          </a:prstGeom>
+          <a:ln w="28575">
+            <a:solidFill>
+              <a:schemeClr val="tx1"/>
+            </a:solidFill>
+            <a:tailEnd type="triangle"/>
+          </a:ln>
+        </p:spPr>
+        <p:style>
+          <a:lnRef idx="1">
+            <a:schemeClr val="accent1"/>
+          </a:lnRef>
+          <a:fillRef idx="0">
+            <a:schemeClr val="accent1"/>
+          </a:fillRef>
+          <a:effectRef idx="0">
+            <a:schemeClr val="accent1"/>
+          </a:effectRef>
+          <a:fontRef idx="minor">
+            <a:schemeClr val="tx1"/>
+          </a:fontRef>
+        </p:style>
+      </p:cxnSp>
+      <p:cxnSp>
+        <p:nvCxnSpPr>
+          <p:cNvPr id="39" name="直線矢印コネクタ 38">
+            <a:extLst>
+              <a:ext uri="{FF2B5EF4-FFF2-40B4-BE49-F238E27FC236}">
+                <a16:creationId xmlns:a16="http://schemas.microsoft.com/office/drawing/2014/main" id="{E8562CAE-45F5-4E3A-B680-93D97F56816D}"/>
+              </a:ext>
+            </a:extLst>
+          </p:cNvPr>
+          <p:cNvCxnSpPr>
+            <a:cxnSpLocks/>
+            <a:stCxn id="6" idx="2"/>
+            <a:endCxn id="10" idx="0"/>
+          </p:cNvCxnSpPr>
+          <p:nvPr/>
+        </p:nvCxnSpPr>
+        <p:spPr>
+          <a:xfrm>
+            <a:off x="7117716" y="3466182"/>
+            <a:ext cx="923386" cy="515103"/>
+          </a:xfrm>
+          <a:prstGeom prst="straightConnector1">
+            <a:avLst/>
+          </a:prstGeom>
+          <a:ln w="28575">
+            <a:solidFill>
+              <a:schemeClr val="tx1"/>
+            </a:solidFill>
+            <a:tailEnd type="triangle"/>
+          </a:ln>
+        </p:spPr>
+        <p:style>
+          <a:lnRef idx="1">
+            <a:schemeClr val="accent1"/>
+          </a:lnRef>
+          <a:fillRef idx="0">
+            <a:schemeClr val="accent1"/>
+          </a:fillRef>
+          <a:effectRef idx="0">
+            <a:schemeClr val="accent1"/>
+          </a:effectRef>
+          <a:fontRef idx="minor">
+            <a:schemeClr val="tx1"/>
+          </a:fontRef>
+        </p:style>
+      </p:cxnSp>
+      <p:cxnSp>
+        <p:nvCxnSpPr>
+          <p:cNvPr id="40" name="直線矢印コネクタ 39">
+            <a:extLst>
+              <a:ext uri="{FF2B5EF4-FFF2-40B4-BE49-F238E27FC236}">
+                <a16:creationId xmlns:a16="http://schemas.microsoft.com/office/drawing/2014/main" id="{D68AB39F-FCC7-48F7-8270-48DEBD8DD93B}"/>
+              </a:ext>
+            </a:extLst>
+          </p:cNvPr>
+          <p:cNvCxnSpPr>
+            <a:cxnSpLocks/>
+            <a:stCxn id="6" idx="2"/>
+            <a:endCxn id="11" idx="0"/>
+          </p:cNvCxnSpPr>
+          <p:nvPr/>
+        </p:nvCxnSpPr>
+        <p:spPr>
+          <a:xfrm flipH="1">
+            <a:off x="6040949" y="3466182"/>
+            <a:ext cx="1076767" cy="513975"/>
+          </a:xfrm>
+          <a:prstGeom prst="straightConnector1">
+            <a:avLst/>
+          </a:prstGeom>
+          <a:ln w="28575">
+            <a:solidFill>
+              <a:schemeClr val="tx1"/>
+            </a:solidFill>
+            <a:tailEnd type="triangle"/>
+          </a:ln>
+        </p:spPr>
+        <p:style>
+          <a:lnRef idx="1">
+            <a:schemeClr val="accent1"/>
+          </a:lnRef>
+          <a:fillRef idx="0">
+            <a:schemeClr val="accent1"/>
+          </a:fillRef>
+          <a:effectRef idx="0">
+            <a:schemeClr val="accent1"/>
+          </a:effectRef>
+          <a:fontRef idx="minor">
+            <a:schemeClr val="tx1"/>
+          </a:fontRef>
+        </p:style>
+      </p:cxnSp>
+      <mc:AlternateContent xmlns:mc="http://schemas.openxmlformats.org/markup-compatibility/2006">
+        <mc:Choice xmlns:a14="http://schemas.microsoft.com/office/drawing/2010/main" Requires="a14">
+          <p:sp>
+            <p:nvSpPr>
+              <p:cNvPr id="45" name="テキスト ボックス 44">
+                <a:extLst>
+                  <a:ext uri="{FF2B5EF4-FFF2-40B4-BE49-F238E27FC236}">
+                    <a16:creationId xmlns:a16="http://schemas.microsoft.com/office/drawing/2014/main" id="{8F5C6A1C-F8A6-49E5-9A44-ADDFDF46D2F5}"/>
+                  </a:ext>
+                </a:extLst>
+              </p:cNvPr>
+              <p:cNvSpPr txBox="1"/>
+              <p:nvPr/>
+            </p:nvSpPr>
+            <p:spPr>
+              <a:xfrm>
+                <a:off x="1949941" y="2507705"/>
+                <a:ext cx="869469" cy="369332"/>
+              </a:xfrm>
+              <a:prstGeom prst="rect">
+                <a:avLst/>
+              </a:prstGeom>
+              <a:noFill/>
+            </p:spPr>
+            <p:txBody>
+              <a:bodyPr wrap="none" rtlCol="0">
+                <a:spAutoFit/>
+              </a:bodyPr>
+              <a:lstStyle/>
+              <a:p>
+                <a14:m>
+                  <m:oMathPara xmlns:m="http://schemas.openxmlformats.org/officeDocument/2006/math">
+                    <m:oMathParaPr>
+                      <m:jc m:val="centerGroup"/>
+                    </m:oMathParaPr>
+                    <m:oMath xmlns:m="http://schemas.openxmlformats.org/officeDocument/2006/math">
+                      <m:r>
+                        <a:rPr kumimoji="1" lang="en-US" altLang="ja-JP" b="0" i="1" smtClean="0">
+                          <a:latin typeface="Cambria Math" panose="02040503050406030204" pitchFamily="18" charset="0"/>
+                        </a:rPr>
+                        <m:t>𝑤</m:t>
+                      </m:r>
+                      <m:r>
+                        <a:rPr kumimoji="1" lang="en-US" altLang="ja-JP" b="0" i="1" smtClean="0">
+                          <a:latin typeface="Cambria Math" panose="02040503050406030204" pitchFamily="18" charset="0"/>
+                        </a:rPr>
+                        <m:t>=0</m:t>
+                      </m:r>
+                    </m:oMath>
+                  </m:oMathPara>
+                </a14:m>
+                <a:endParaRPr kumimoji="1" lang="ja-JP" altLang="en-US" dirty="0"/>
+              </a:p>
+            </p:txBody>
+          </p:sp>
+        </mc:Choice>
+        <mc:Fallback>
+          <p:sp>
+            <p:nvSpPr>
+              <p:cNvPr id="45" name="テキスト ボックス 44">
+                <a:extLst>
+                  <a:ext uri="{FF2B5EF4-FFF2-40B4-BE49-F238E27FC236}">
+                    <a16:creationId xmlns:a16="http://schemas.microsoft.com/office/drawing/2014/main" id="{8F5C6A1C-F8A6-49E5-9A44-ADDFDF46D2F5}"/>
+                  </a:ext>
+                </a:extLst>
+              </p:cNvPr>
+              <p:cNvSpPr txBox="1">
+                <a:spLocks noRot="1" noChangeAspect="1" noMove="1" noResize="1" noEditPoints="1" noAdjustHandles="1" noChangeArrowheads="1" noChangeShapeType="1" noTextEdit="1"/>
+              </p:cNvSpPr>
+              <p:nvPr/>
+            </p:nvSpPr>
+            <p:spPr>
+              <a:xfrm>
+                <a:off x="1949941" y="2507705"/>
+                <a:ext cx="869469" cy="369332"/>
+              </a:xfrm>
+              <a:prstGeom prst="rect">
+                <a:avLst/>
+              </a:prstGeom>
+              <a:blipFill>
+                <a:blip r:embed="rId14"/>
+                <a:stretch>
+                  <a:fillRect/>
+                </a:stretch>
+              </a:blipFill>
+            </p:spPr>
+            <p:txBody>
+              <a:bodyPr/>
+              <a:lstStyle/>
+              <a:p>
+                <a:r>
+                  <a:rPr lang="ja-JP" altLang="en-US">
+                    <a:noFill/>
+                  </a:rPr>
+                  <a:t> </a:t>
+                </a:r>
+              </a:p>
+            </p:txBody>
+          </p:sp>
+        </mc:Fallback>
+      </mc:AlternateContent>
+      <mc:AlternateContent xmlns:mc="http://schemas.openxmlformats.org/markup-compatibility/2006">
+        <mc:Choice xmlns:a14="http://schemas.microsoft.com/office/drawing/2010/main" Requires="a14">
+          <p:sp>
+            <p:nvSpPr>
+              <p:cNvPr id="47" name="テキスト ボックス 46">
+                <a:extLst>
+                  <a:ext uri="{FF2B5EF4-FFF2-40B4-BE49-F238E27FC236}">
+                    <a16:creationId xmlns:a16="http://schemas.microsoft.com/office/drawing/2014/main" id="{2CF3A6E6-4E13-49EF-BAA1-B730EE2E7475}"/>
+                  </a:ext>
+                </a:extLst>
+              </p:cNvPr>
+              <p:cNvSpPr txBox="1"/>
+              <p:nvPr/>
+            </p:nvSpPr>
+            <p:spPr>
+              <a:xfrm>
+                <a:off x="10418" y="5389934"/>
+                <a:ext cx="809004" cy="369332"/>
+              </a:xfrm>
+              <a:prstGeom prst="rect">
+                <a:avLst/>
+              </a:prstGeom>
+              <a:noFill/>
+            </p:spPr>
+            <p:txBody>
+              <a:bodyPr wrap="none" rtlCol="0">
+                <a:spAutoFit/>
+              </a:bodyPr>
+              <a:lstStyle/>
+              <a:p>
+                <a14:m>
+                  <m:oMathPara xmlns:m="http://schemas.openxmlformats.org/officeDocument/2006/math">
+                    <m:oMathParaPr>
+                      <m:jc m:val="centerGroup"/>
+                    </m:oMathParaPr>
+                    <m:oMath xmlns:m="http://schemas.openxmlformats.org/officeDocument/2006/math">
+                      <m:r>
+                        <a:rPr kumimoji="1" lang="en-US" altLang="ja-JP" b="0" i="1" smtClean="0">
+                          <a:latin typeface="Cambria Math" panose="02040503050406030204" pitchFamily="18" charset="0"/>
+                        </a:rPr>
+                        <m:t>𝑧</m:t>
+                      </m:r>
+                      <m:r>
+                        <a:rPr kumimoji="1" lang="en-US" altLang="ja-JP" b="0" i="1" smtClean="0">
+                          <a:latin typeface="Cambria Math" panose="02040503050406030204" pitchFamily="18" charset="0"/>
+                        </a:rPr>
+                        <m:t>=0</m:t>
+                      </m:r>
+                    </m:oMath>
+                  </m:oMathPara>
+                </a14:m>
+                <a:endParaRPr kumimoji="1" lang="ja-JP" altLang="en-US" dirty="0"/>
+              </a:p>
+            </p:txBody>
+          </p:sp>
+        </mc:Choice>
+        <mc:Fallback>
+          <p:sp>
+            <p:nvSpPr>
+              <p:cNvPr id="47" name="テキスト ボックス 46">
+                <a:extLst>
+                  <a:ext uri="{FF2B5EF4-FFF2-40B4-BE49-F238E27FC236}">
+                    <a16:creationId xmlns:a16="http://schemas.microsoft.com/office/drawing/2014/main" id="{2CF3A6E6-4E13-49EF-BAA1-B730EE2E7475}"/>
+                  </a:ext>
+                </a:extLst>
+              </p:cNvPr>
+              <p:cNvSpPr txBox="1">
+                <a:spLocks noRot="1" noChangeAspect="1" noMove="1" noResize="1" noEditPoints="1" noAdjustHandles="1" noChangeArrowheads="1" noChangeShapeType="1" noTextEdit="1"/>
+              </p:cNvSpPr>
+              <p:nvPr/>
+            </p:nvSpPr>
+            <p:spPr>
+              <a:xfrm>
+                <a:off x="10418" y="5389934"/>
+                <a:ext cx="809004" cy="369332"/>
+              </a:xfrm>
+              <a:prstGeom prst="rect">
+                <a:avLst/>
+              </a:prstGeom>
+              <a:blipFill>
+                <a:blip r:embed="rId15"/>
+                <a:stretch>
+                  <a:fillRect/>
+                </a:stretch>
+              </a:blipFill>
+            </p:spPr>
+            <p:txBody>
+              <a:bodyPr/>
+              <a:lstStyle/>
+              <a:p>
+                <a:r>
+                  <a:rPr lang="ja-JP" altLang="en-US">
+                    <a:noFill/>
+                  </a:rPr>
+                  <a:t> </a:t>
+                </a:r>
+              </a:p>
+            </p:txBody>
+          </p:sp>
+        </mc:Fallback>
+      </mc:AlternateContent>
+      <mc:AlternateContent xmlns:mc="http://schemas.openxmlformats.org/markup-compatibility/2006">
+        <mc:Choice xmlns:a14="http://schemas.microsoft.com/office/drawing/2010/main" Requires="a14">
+          <p:sp>
+            <p:nvSpPr>
+              <p:cNvPr id="48" name="テキスト ボックス 47">
+                <a:extLst>
+                  <a:ext uri="{FF2B5EF4-FFF2-40B4-BE49-F238E27FC236}">
+                    <a16:creationId xmlns:a16="http://schemas.microsoft.com/office/drawing/2014/main" id="{45D6D83F-F14D-4D64-B52C-F7D889CE1F24}"/>
+                  </a:ext>
+                </a:extLst>
+              </p:cNvPr>
+              <p:cNvSpPr txBox="1"/>
+              <p:nvPr/>
+            </p:nvSpPr>
+            <p:spPr>
+              <a:xfrm>
+                <a:off x="1338029" y="5394650"/>
+                <a:ext cx="809004" cy="369332"/>
+              </a:xfrm>
+              <a:prstGeom prst="rect">
+                <a:avLst/>
+              </a:prstGeom>
+              <a:noFill/>
+            </p:spPr>
+            <p:txBody>
+              <a:bodyPr wrap="none" rtlCol="0">
+                <a:spAutoFit/>
+              </a:bodyPr>
+              <a:lstStyle/>
+              <a:p>
+                <a14:m>
+                  <m:oMathPara xmlns:m="http://schemas.openxmlformats.org/officeDocument/2006/math">
+                    <m:oMathParaPr>
+                      <m:jc m:val="centerGroup"/>
+                    </m:oMathParaPr>
+                    <m:oMath xmlns:m="http://schemas.openxmlformats.org/officeDocument/2006/math">
+                      <m:r>
+                        <a:rPr kumimoji="1" lang="en-US" altLang="ja-JP" b="0" i="1" smtClean="0">
+                          <a:latin typeface="Cambria Math" panose="02040503050406030204" pitchFamily="18" charset="0"/>
+                        </a:rPr>
+                        <m:t>𝑧</m:t>
+                      </m:r>
+                      <m:r>
+                        <a:rPr kumimoji="1" lang="en-US" altLang="ja-JP" b="0" i="1" smtClean="0">
+                          <a:latin typeface="Cambria Math" panose="02040503050406030204" pitchFamily="18" charset="0"/>
+                        </a:rPr>
+                        <m:t>=1</m:t>
+                      </m:r>
+                    </m:oMath>
+                  </m:oMathPara>
+                </a14:m>
+                <a:endParaRPr kumimoji="1" lang="ja-JP" altLang="en-US" dirty="0"/>
+              </a:p>
+            </p:txBody>
+          </p:sp>
+        </mc:Choice>
+        <mc:Fallback>
+          <p:sp>
+            <p:nvSpPr>
+              <p:cNvPr id="48" name="テキスト ボックス 47">
+                <a:extLst>
+                  <a:ext uri="{FF2B5EF4-FFF2-40B4-BE49-F238E27FC236}">
+                    <a16:creationId xmlns:a16="http://schemas.microsoft.com/office/drawing/2014/main" id="{45D6D83F-F14D-4D64-B52C-F7D889CE1F24}"/>
+                  </a:ext>
+                </a:extLst>
+              </p:cNvPr>
+              <p:cNvSpPr txBox="1">
+                <a:spLocks noRot="1" noChangeAspect="1" noMove="1" noResize="1" noEditPoints="1" noAdjustHandles="1" noChangeArrowheads="1" noChangeShapeType="1" noTextEdit="1"/>
+              </p:cNvSpPr>
+              <p:nvPr/>
+            </p:nvSpPr>
+            <p:spPr>
+              <a:xfrm>
+                <a:off x="1338029" y="5394650"/>
+                <a:ext cx="809004" cy="369332"/>
+              </a:xfrm>
+              <a:prstGeom prst="rect">
+                <a:avLst/>
+              </a:prstGeom>
+              <a:blipFill>
+                <a:blip r:embed="rId16"/>
+                <a:stretch>
+                  <a:fillRect/>
+                </a:stretch>
+              </a:blipFill>
+            </p:spPr>
+            <p:txBody>
+              <a:bodyPr/>
+              <a:lstStyle/>
+              <a:p>
+                <a:r>
+                  <a:rPr lang="ja-JP" altLang="en-US">
+                    <a:noFill/>
+                  </a:rPr>
+                  <a:t> </a:t>
+                </a:r>
+              </a:p>
+            </p:txBody>
+          </p:sp>
+        </mc:Fallback>
+      </mc:AlternateContent>
+      <mc:AlternateContent xmlns:mc="http://schemas.openxmlformats.org/markup-compatibility/2006">
+        <mc:Choice xmlns:a14="http://schemas.microsoft.com/office/drawing/2010/main" Requires="a14">
+          <p:sp>
+            <p:nvSpPr>
+              <p:cNvPr id="49" name="テキスト ボックス 48">
+                <a:extLst>
+                  <a:ext uri="{FF2B5EF4-FFF2-40B4-BE49-F238E27FC236}">
+                    <a16:creationId xmlns:a16="http://schemas.microsoft.com/office/drawing/2014/main" id="{7FDF84D4-BFE2-49B6-BA72-938424920972}"/>
+                  </a:ext>
+                </a:extLst>
+              </p:cNvPr>
+              <p:cNvSpPr txBox="1"/>
+              <p:nvPr/>
+            </p:nvSpPr>
+            <p:spPr>
+              <a:xfrm>
+                <a:off x="425098" y="4474471"/>
+                <a:ext cx="826637" cy="369332"/>
+              </a:xfrm>
+              <a:prstGeom prst="rect">
+                <a:avLst/>
+              </a:prstGeom>
+              <a:noFill/>
+            </p:spPr>
+            <p:txBody>
+              <a:bodyPr wrap="none" rtlCol="0">
+                <a:spAutoFit/>
+              </a:bodyPr>
+              <a:lstStyle/>
+              <a:p>
+                <a14:m>
+                  <m:oMathPara xmlns:m="http://schemas.openxmlformats.org/officeDocument/2006/math">
+                    <m:oMathParaPr>
+                      <m:jc m:val="centerGroup"/>
+                    </m:oMathParaPr>
+                    <m:oMath xmlns:m="http://schemas.openxmlformats.org/officeDocument/2006/math">
+                      <m:r>
+                        <a:rPr kumimoji="1" lang="en-US" altLang="ja-JP" b="0" i="1" smtClean="0">
+                          <a:latin typeface="Cambria Math" panose="02040503050406030204" pitchFamily="18" charset="0"/>
+                        </a:rPr>
+                        <m:t>𝑦</m:t>
+                      </m:r>
+                      <m:r>
+                        <a:rPr kumimoji="1" lang="en-US" altLang="ja-JP" b="0" i="1" smtClean="0">
+                          <a:latin typeface="Cambria Math" panose="02040503050406030204" pitchFamily="18" charset="0"/>
+                        </a:rPr>
+                        <m:t>=0</m:t>
+                      </m:r>
+                    </m:oMath>
+                  </m:oMathPara>
+                </a14:m>
+                <a:endParaRPr kumimoji="1" lang="ja-JP" altLang="en-US" dirty="0"/>
+              </a:p>
+            </p:txBody>
+          </p:sp>
+        </mc:Choice>
+        <mc:Fallback>
+          <p:sp>
+            <p:nvSpPr>
+              <p:cNvPr id="49" name="テキスト ボックス 48">
+                <a:extLst>
+                  <a:ext uri="{FF2B5EF4-FFF2-40B4-BE49-F238E27FC236}">
+                    <a16:creationId xmlns:a16="http://schemas.microsoft.com/office/drawing/2014/main" id="{7FDF84D4-BFE2-49B6-BA72-938424920972}"/>
+                  </a:ext>
+                </a:extLst>
+              </p:cNvPr>
+              <p:cNvSpPr txBox="1">
+                <a:spLocks noRot="1" noChangeAspect="1" noMove="1" noResize="1" noEditPoints="1" noAdjustHandles="1" noChangeArrowheads="1" noChangeShapeType="1" noTextEdit="1"/>
+              </p:cNvSpPr>
+              <p:nvPr/>
+            </p:nvSpPr>
+            <p:spPr>
+              <a:xfrm>
+                <a:off x="425098" y="4474471"/>
+                <a:ext cx="826637" cy="369332"/>
+              </a:xfrm>
+              <a:prstGeom prst="rect">
+                <a:avLst/>
+              </a:prstGeom>
+              <a:blipFill>
+                <a:blip r:embed="rId17"/>
+                <a:stretch>
+                  <a:fillRect b="-3279"/>
+                </a:stretch>
+              </a:blipFill>
+            </p:spPr>
+            <p:txBody>
+              <a:bodyPr/>
+              <a:lstStyle/>
+              <a:p>
+                <a:r>
+                  <a:rPr lang="ja-JP" altLang="en-US">
+                    <a:noFill/>
+                  </a:rPr>
+                  <a:t> </a:t>
+                </a:r>
+              </a:p>
+            </p:txBody>
+          </p:sp>
+        </mc:Fallback>
+      </mc:AlternateContent>
+      <mc:AlternateContent xmlns:mc="http://schemas.openxmlformats.org/markup-compatibility/2006">
+        <mc:Choice xmlns:a14="http://schemas.microsoft.com/office/drawing/2010/main" Requires="a14">
+          <p:sp>
+            <p:nvSpPr>
+              <p:cNvPr id="50" name="テキスト ボックス 49">
+                <a:extLst>
+                  <a:ext uri="{FF2B5EF4-FFF2-40B4-BE49-F238E27FC236}">
+                    <a16:creationId xmlns:a16="http://schemas.microsoft.com/office/drawing/2014/main" id="{0967D435-7623-4ADC-99FB-0E1D804C4CC2}"/>
+                  </a:ext>
+                </a:extLst>
+              </p:cNvPr>
+              <p:cNvSpPr txBox="1"/>
+              <p:nvPr/>
+            </p:nvSpPr>
+            <p:spPr>
+              <a:xfrm>
+                <a:off x="2221582" y="4480508"/>
+                <a:ext cx="826637" cy="369332"/>
+              </a:xfrm>
+              <a:prstGeom prst="rect">
+                <a:avLst/>
+              </a:prstGeom>
+              <a:noFill/>
+            </p:spPr>
+            <p:txBody>
+              <a:bodyPr wrap="none" rtlCol="0">
+                <a:spAutoFit/>
+              </a:bodyPr>
+              <a:lstStyle/>
+              <a:p>
+                <a14:m>
+                  <m:oMathPara xmlns:m="http://schemas.openxmlformats.org/officeDocument/2006/math">
+                    <m:oMathParaPr>
+                      <m:jc m:val="centerGroup"/>
+                    </m:oMathParaPr>
+                    <m:oMath xmlns:m="http://schemas.openxmlformats.org/officeDocument/2006/math">
+                      <m:r>
+                        <a:rPr kumimoji="1" lang="en-US" altLang="ja-JP" b="0" i="1" smtClean="0">
+                          <a:latin typeface="Cambria Math" panose="02040503050406030204" pitchFamily="18" charset="0"/>
+                        </a:rPr>
+                        <m:t>𝑦</m:t>
+                      </m:r>
+                      <m:r>
+                        <a:rPr kumimoji="1" lang="en-US" altLang="ja-JP" b="0" i="1" smtClean="0">
+                          <a:latin typeface="Cambria Math" panose="02040503050406030204" pitchFamily="18" charset="0"/>
+                        </a:rPr>
+                        <m:t>=1</m:t>
+                      </m:r>
+                    </m:oMath>
+                  </m:oMathPara>
+                </a14:m>
+                <a:endParaRPr kumimoji="1" lang="ja-JP" altLang="en-US" dirty="0"/>
+              </a:p>
+            </p:txBody>
+          </p:sp>
+        </mc:Choice>
+        <mc:Fallback>
+          <p:sp>
+            <p:nvSpPr>
+              <p:cNvPr id="50" name="テキスト ボックス 49">
+                <a:extLst>
+                  <a:ext uri="{FF2B5EF4-FFF2-40B4-BE49-F238E27FC236}">
+                    <a16:creationId xmlns:a16="http://schemas.microsoft.com/office/drawing/2014/main" id="{0967D435-7623-4ADC-99FB-0E1D804C4CC2}"/>
+                  </a:ext>
+                </a:extLst>
+              </p:cNvPr>
+              <p:cNvSpPr txBox="1">
+                <a:spLocks noRot="1" noChangeAspect="1" noMove="1" noResize="1" noEditPoints="1" noAdjustHandles="1" noChangeArrowheads="1" noChangeShapeType="1" noTextEdit="1"/>
+              </p:cNvSpPr>
+              <p:nvPr/>
+            </p:nvSpPr>
+            <p:spPr>
+              <a:xfrm>
+                <a:off x="2221582" y="4480508"/>
+                <a:ext cx="826637" cy="369332"/>
+              </a:xfrm>
+              <a:prstGeom prst="rect">
+                <a:avLst/>
+              </a:prstGeom>
+              <a:blipFill>
+                <a:blip r:embed="rId18"/>
+                <a:stretch>
+                  <a:fillRect b="-1639"/>
+                </a:stretch>
+              </a:blipFill>
+            </p:spPr>
+            <p:txBody>
+              <a:bodyPr/>
+              <a:lstStyle/>
+              <a:p>
+                <a:r>
+                  <a:rPr lang="ja-JP" altLang="en-US">
+                    <a:noFill/>
+                  </a:rPr>
+                  <a:t> </a:t>
+                </a:r>
+              </a:p>
+            </p:txBody>
+          </p:sp>
+        </mc:Fallback>
+      </mc:AlternateContent>
+      <mc:AlternateContent xmlns:mc="http://schemas.openxmlformats.org/markup-compatibility/2006">
+        <mc:Choice xmlns:a14="http://schemas.microsoft.com/office/drawing/2010/main" Requires="a14">
+          <p:sp>
+            <p:nvSpPr>
+              <p:cNvPr id="51" name="テキスト ボックス 50">
+                <a:extLst>
+                  <a:ext uri="{FF2B5EF4-FFF2-40B4-BE49-F238E27FC236}">
+                    <a16:creationId xmlns:a16="http://schemas.microsoft.com/office/drawing/2014/main" id="{20687E35-46BC-4CF9-8468-1B6EECC55446}"/>
+                  </a:ext>
+                </a:extLst>
+              </p:cNvPr>
+              <p:cNvSpPr txBox="1"/>
+              <p:nvPr/>
+            </p:nvSpPr>
+            <p:spPr>
+              <a:xfrm>
+                <a:off x="3473939" y="3529556"/>
+                <a:ext cx="823239" cy="369332"/>
+              </a:xfrm>
+              <a:prstGeom prst="rect">
+                <a:avLst/>
+              </a:prstGeom>
+              <a:noFill/>
+            </p:spPr>
+            <p:txBody>
+              <a:bodyPr wrap="none" rtlCol="0">
+                <a:spAutoFit/>
+              </a:bodyPr>
+              <a:lstStyle/>
+              <a:p>
+                <a14:m>
+                  <m:oMathPara xmlns:m="http://schemas.openxmlformats.org/officeDocument/2006/math">
+                    <m:oMathParaPr>
+                      <m:jc m:val="centerGroup"/>
+                    </m:oMathParaPr>
+                    <m:oMath xmlns:m="http://schemas.openxmlformats.org/officeDocument/2006/math">
+                      <m:r>
+                        <a:rPr kumimoji="1" lang="en-US" altLang="ja-JP" b="0" i="1" smtClean="0">
+                          <a:latin typeface="Cambria Math" panose="02040503050406030204" pitchFamily="18" charset="0"/>
+                        </a:rPr>
+                        <m:t>𝑥</m:t>
+                      </m:r>
+                      <m:r>
+                        <a:rPr kumimoji="1" lang="en-US" altLang="ja-JP" b="0" i="1" smtClean="0">
+                          <a:latin typeface="Cambria Math" panose="02040503050406030204" pitchFamily="18" charset="0"/>
+                        </a:rPr>
+                        <m:t>=1</m:t>
+                      </m:r>
+                    </m:oMath>
+                  </m:oMathPara>
+                </a14:m>
+                <a:endParaRPr kumimoji="1" lang="ja-JP" altLang="en-US" dirty="0"/>
+              </a:p>
+            </p:txBody>
+          </p:sp>
+        </mc:Choice>
+        <mc:Fallback>
+          <p:sp>
+            <p:nvSpPr>
+              <p:cNvPr id="51" name="テキスト ボックス 50">
+                <a:extLst>
+                  <a:ext uri="{FF2B5EF4-FFF2-40B4-BE49-F238E27FC236}">
+                    <a16:creationId xmlns:a16="http://schemas.microsoft.com/office/drawing/2014/main" id="{20687E35-46BC-4CF9-8468-1B6EECC55446}"/>
+                  </a:ext>
+                </a:extLst>
+              </p:cNvPr>
+              <p:cNvSpPr txBox="1">
+                <a:spLocks noRot="1" noChangeAspect="1" noMove="1" noResize="1" noEditPoints="1" noAdjustHandles="1" noChangeArrowheads="1" noChangeShapeType="1" noTextEdit="1"/>
+              </p:cNvSpPr>
+              <p:nvPr/>
+            </p:nvSpPr>
+            <p:spPr>
+              <a:xfrm>
+                <a:off x="3473939" y="3529556"/>
+                <a:ext cx="823239" cy="369332"/>
+              </a:xfrm>
+              <a:prstGeom prst="rect">
+                <a:avLst/>
+              </a:prstGeom>
+              <a:blipFill>
+                <a:blip r:embed="rId19"/>
+                <a:stretch>
+                  <a:fillRect/>
+                </a:stretch>
+              </a:blipFill>
+            </p:spPr>
+            <p:txBody>
+              <a:bodyPr/>
+              <a:lstStyle/>
+              <a:p>
+                <a:r>
+                  <a:rPr lang="ja-JP" altLang="en-US">
+                    <a:noFill/>
+                  </a:rPr>
+                  <a:t> </a:t>
+                </a:r>
+              </a:p>
+            </p:txBody>
+          </p:sp>
+        </mc:Fallback>
+      </mc:AlternateContent>
+      <mc:AlternateContent xmlns:mc="http://schemas.openxmlformats.org/markup-compatibility/2006">
+        <mc:Choice xmlns:a14="http://schemas.microsoft.com/office/drawing/2010/main" Requires="a14">
+          <p:sp>
+            <p:nvSpPr>
+              <p:cNvPr id="52" name="テキスト ボックス 51">
+                <a:extLst>
+                  <a:ext uri="{FF2B5EF4-FFF2-40B4-BE49-F238E27FC236}">
+                    <a16:creationId xmlns:a16="http://schemas.microsoft.com/office/drawing/2014/main" id="{3D179479-CD19-49E7-808A-4F0655F5F54C}"/>
+                  </a:ext>
+                </a:extLst>
+              </p:cNvPr>
+              <p:cNvSpPr txBox="1"/>
+              <p:nvPr/>
+            </p:nvSpPr>
+            <p:spPr>
+              <a:xfrm>
+                <a:off x="5561767" y="3533253"/>
+                <a:ext cx="809004" cy="369332"/>
+              </a:xfrm>
+              <a:prstGeom prst="rect">
+                <a:avLst/>
+              </a:prstGeom>
+              <a:noFill/>
+            </p:spPr>
+            <p:txBody>
+              <a:bodyPr wrap="none" rtlCol="0">
+                <a:spAutoFit/>
+              </a:bodyPr>
+              <a:lstStyle/>
+              <a:p>
+                <a14:m>
+                  <m:oMathPara xmlns:m="http://schemas.openxmlformats.org/officeDocument/2006/math">
+                    <m:oMathParaPr>
+                      <m:jc m:val="centerGroup"/>
+                    </m:oMathParaPr>
+                    <m:oMath xmlns:m="http://schemas.openxmlformats.org/officeDocument/2006/math">
+                      <m:r>
+                        <a:rPr kumimoji="1" lang="en-US" altLang="ja-JP" b="0" i="1" smtClean="0">
+                          <a:latin typeface="Cambria Math" panose="02040503050406030204" pitchFamily="18" charset="0"/>
+                        </a:rPr>
+                        <m:t>𝑧</m:t>
+                      </m:r>
+                      <m:r>
+                        <a:rPr kumimoji="1" lang="en-US" altLang="ja-JP" b="0" i="1" smtClean="0">
+                          <a:latin typeface="Cambria Math" panose="02040503050406030204" pitchFamily="18" charset="0"/>
+                        </a:rPr>
+                        <m:t>=0</m:t>
+                      </m:r>
+                    </m:oMath>
+                  </m:oMathPara>
+                </a14:m>
+                <a:endParaRPr kumimoji="1" lang="ja-JP" altLang="en-US" dirty="0"/>
+              </a:p>
+            </p:txBody>
+          </p:sp>
+        </mc:Choice>
+        <mc:Fallback>
+          <p:sp>
+            <p:nvSpPr>
+              <p:cNvPr id="52" name="テキスト ボックス 51">
+                <a:extLst>
+                  <a:ext uri="{FF2B5EF4-FFF2-40B4-BE49-F238E27FC236}">
+                    <a16:creationId xmlns:a16="http://schemas.microsoft.com/office/drawing/2014/main" id="{3D179479-CD19-49E7-808A-4F0655F5F54C}"/>
+                  </a:ext>
+                </a:extLst>
+              </p:cNvPr>
+              <p:cNvSpPr txBox="1">
+                <a:spLocks noRot="1" noChangeAspect="1" noMove="1" noResize="1" noEditPoints="1" noAdjustHandles="1" noChangeArrowheads="1" noChangeShapeType="1" noTextEdit="1"/>
+              </p:cNvSpPr>
+              <p:nvPr/>
+            </p:nvSpPr>
+            <p:spPr>
+              <a:xfrm>
+                <a:off x="5561767" y="3533253"/>
+                <a:ext cx="809004" cy="369332"/>
+              </a:xfrm>
+              <a:prstGeom prst="rect">
+                <a:avLst/>
+              </a:prstGeom>
+              <a:blipFill>
+                <a:blip r:embed="rId20"/>
+                <a:stretch>
+                  <a:fillRect/>
+                </a:stretch>
+              </a:blipFill>
+            </p:spPr>
+            <p:txBody>
+              <a:bodyPr/>
+              <a:lstStyle/>
+              <a:p>
+                <a:r>
+                  <a:rPr lang="ja-JP" altLang="en-US">
+                    <a:noFill/>
+                  </a:rPr>
+                  <a:t> </a:t>
+                </a:r>
+              </a:p>
+            </p:txBody>
+          </p:sp>
+        </mc:Fallback>
+      </mc:AlternateContent>
+      <mc:AlternateContent xmlns:mc="http://schemas.openxmlformats.org/markup-compatibility/2006">
+        <mc:Choice xmlns:a14="http://schemas.microsoft.com/office/drawing/2010/main" Requires="a14">
+          <p:sp>
+            <p:nvSpPr>
+              <p:cNvPr id="53" name="テキスト ボックス 52">
+                <a:extLst>
+                  <a:ext uri="{FF2B5EF4-FFF2-40B4-BE49-F238E27FC236}">
+                    <a16:creationId xmlns:a16="http://schemas.microsoft.com/office/drawing/2014/main" id="{AABF3F8F-F1EF-4CCF-B61B-73D1133070BA}"/>
+                  </a:ext>
+                </a:extLst>
+              </p:cNvPr>
+              <p:cNvSpPr txBox="1"/>
+              <p:nvPr/>
+            </p:nvSpPr>
+            <p:spPr>
+              <a:xfrm>
+                <a:off x="7829562" y="3533253"/>
+                <a:ext cx="809004" cy="369332"/>
+              </a:xfrm>
+              <a:prstGeom prst="rect">
+                <a:avLst/>
+              </a:prstGeom>
+              <a:noFill/>
+            </p:spPr>
+            <p:txBody>
+              <a:bodyPr wrap="none" rtlCol="0">
+                <a:spAutoFit/>
+              </a:bodyPr>
+              <a:lstStyle/>
+              <a:p>
+                <a14:m>
+                  <m:oMathPara xmlns:m="http://schemas.openxmlformats.org/officeDocument/2006/math">
+                    <m:oMathParaPr>
+                      <m:jc m:val="centerGroup"/>
+                    </m:oMathParaPr>
+                    <m:oMath xmlns:m="http://schemas.openxmlformats.org/officeDocument/2006/math">
+                      <m:r>
+                        <a:rPr kumimoji="1" lang="en-US" altLang="ja-JP" b="0" i="1" smtClean="0">
+                          <a:latin typeface="Cambria Math" panose="02040503050406030204" pitchFamily="18" charset="0"/>
+                        </a:rPr>
+                        <m:t>𝑧</m:t>
+                      </m:r>
+                      <m:r>
+                        <a:rPr kumimoji="1" lang="en-US" altLang="ja-JP" b="0" i="1" smtClean="0">
+                          <a:latin typeface="Cambria Math" panose="02040503050406030204" pitchFamily="18" charset="0"/>
+                        </a:rPr>
+                        <m:t>=1</m:t>
+                      </m:r>
+                    </m:oMath>
+                  </m:oMathPara>
+                </a14:m>
+                <a:endParaRPr kumimoji="1" lang="ja-JP" altLang="en-US" dirty="0"/>
+              </a:p>
+            </p:txBody>
+          </p:sp>
+        </mc:Choice>
+        <mc:Fallback>
+          <p:sp>
+            <p:nvSpPr>
+              <p:cNvPr id="53" name="テキスト ボックス 52">
+                <a:extLst>
+                  <a:ext uri="{FF2B5EF4-FFF2-40B4-BE49-F238E27FC236}">
+                    <a16:creationId xmlns:a16="http://schemas.microsoft.com/office/drawing/2014/main" id="{AABF3F8F-F1EF-4CCF-B61B-73D1133070BA}"/>
+                  </a:ext>
+                </a:extLst>
+              </p:cNvPr>
+              <p:cNvSpPr txBox="1">
+                <a:spLocks noRot="1" noChangeAspect="1" noMove="1" noResize="1" noEditPoints="1" noAdjustHandles="1" noChangeArrowheads="1" noChangeShapeType="1" noTextEdit="1"/>
+              </p:cNvSpPr>
+              <p:nvPr/>
+            </p:nvSpPr>
+            <p:spPr>
+              <a:xfrm>
+                <a:off x="7829562" y="3533253"/>
+                <a:ext cx="809004" cy="369332"/>
+              </a:xfrm>
+              <a:prstGeom prst="rect">
+                <a:avLst/>
+              </a:prstGeom>
+              <a:blipFill>
+                <a:blip r:embed="rId21"/>
+                <a:stretch>
+                  <a:fillRect/>
+                </a:stretch>
+              </a:blipFill>
+            </p:spPr>
+            <p:txBody>
+              <a:bodyPr/>
+              <a:lstStyle/>
+              <a:p>
+                <a:r>
+                  <a:rPr lang="ja-JP" altLang="en-US">
+                    <a:noFill/>
+                  </a:rPr>
+                  <a:t> </a:t>
+                </a:r>
+              </a:p>
+            </p:txBody>
+          </p:sp>
+        </mc:Fallback>
+      </mc:AlternateContent>
+      <mc:AlternateContent xmlns:mc="http://schemas.openxmlformats.org/markup-compatibility/2006">
+        <mc:Choice xmlns:a14="http://schemas.microsoft.com/office/drawing/2010/main" Requires="a14">
+          <p:sp>
+            <p:nvSpPr>
+              <p:cNvPr id="54" name="テキスト ボックス 53">
+                <a:extLst>
+                  <a:ext uri="{FF2B5EF4-FFF2-40B4-BE49-F238E27FC236}">
+                    <a16:creationId xmlns:a16="http://schemas.microsoft.com/office/drawing/2014/main" id="{A5ECE1ED-8B02-44A2-985A-8F2E83E1E45C}"/>
+                  </a:ext>
+                </a:extLst>
+              </p:cNvPr>
+              <p:cNvSpPr txBox="1"/>
+              <p:nvPr/>
+            </p:nvSpPr>
+            <p:spPr>
+              <a:xfrm>
+                <a:off x="1032358" y="3533595"/>
+                <a:ext cx="823239" cy="369332"/>
+              </a:xfrm>
+              <a:prstGeom prst="rect">
+                <a:avLst/>
+              </a:prstGeom>
+              <a:noFill/>
+            </p:spPr>
+            <p:txBody>
+              <a:bodyPr wrap="none" rtlCol="0">
+                <a:spAutoFit/>
+              </a:bodyPr>
+              <a:lstStyle/>
+              <a:p>
+                <a14:m>
+                  <m:oMathPara xmlns:m="http://schemas.openxmlformats.org/officeDocument/2006/math">
+                    <m:oMathParaPr>
+                      <m:jc m:val="centerGroup"/>
+                    </m:oMathParaPr>
+                    <m:oMath xmlns:m="http://schemas.openxmlformats.org/officeDocument/2006/math">
+                      <m:r>
+                        <a:rPr kumimoji="1" lang="en-US" altLang="ja-JP" b="0" i="1" smtClean="0">
+                          <a:latin typeface="Cambria Math" panose="02040503050406030204" pitchFamily="18" charset="0"/>
+                        </a:rPr>
+                        <m:t>𝑥</m:t>
+                      </m:r>
+                      <m:r>
+                        <a:rPr kumimoji="1" lang="en-US" altLang="ja-JP" b="0" i="1" smtClean="0">
+                          <a:latin typeface="Cambria Math" panose="02040503050406030204" pitchFamily="18" charset="0"/>
+                        </a:rPr>
+                        <m:t>=0</m:t>
+                      </m:r>
+                    </m:oMath>
+                  </m:oMathPara>
+                </a14:m>
+                <a:endParaRPr kumimoji="1" lang="ja-JP" altLang="en-US" dirty="0"/>
+              </a:p>
+            </p:txBody>
+          </p:sp>
+        </mc:Choice>
+        <mc:Fallback>
+          <p:sp>
+            <p:nvSpPr>
+              <p:cNvPr id="54" name="テキスト ボックス 53">
+                <a:extLst>
+                  <a:ext uri="{FF2B5EF4-FFF2-40B4-BE49-F238E27FC236}">
+                    <a16:creationId xmlns:a16="http://schemas.microsoft.com/office/drawing/2014/main" id="{A5ECE1ED-8B02-44A2-985A-8F2E83E1E45C}"/>
+                  </a:ext>
+                </a:extLst>
+              </p:cNvPr>
+              <p:cNvSpPr txBox="1">
+                <a:spLocks noRot="1" noChangeAspect="1" noMove="1" noResize="1" noEditPoints="1" noAdjustHandles="1" noChangeArrowheads="1" noChangeShapeType="1" noTextEdit="1"/>
+              </p:cNvSpPr>
+              <p:nvPr/>
+            </p:nvSpPr>
+            <p:spPr>
+              <a:xfrm>
+                <a:off x="1032358" y="3533595"/>
+                <a:ext cx="823239" cy="369332"/>
+              </a:xfrm>
+              <a:prstGeom prst="rect">
+                <a:avLst/>
+              </a:prstGeom>
+              <a:blipFill>
+                <a:blip r:embed="rId22"/>
+                <a:stretch>
+                  <a:fillRect/>
+                </a:stretch>
+              </a:blipFill>
+            </p:spPr>
+            <p:txBody>
+              <a:bodyPr/>
+              <a:lstStyle/>
+              <a:p>
+                <a:r>
+                  <a:rPr lang="ja-JP" altLang="en-US">
+                    <a:noFill/>
+                  </a:rPr>
+                  <a:t> </a:t>
+                </a:r>
+              </a:p>
+            </p:txBody>
+          </p:sp>
+        </mc:Fallback>
+      </mc:AlternateContent>
+      <mc:AlternateContent xmlns:mc="http://schemas.openxmlformats.org/markup-compatibility/2006">
+        <mc:Choice xmlns:a14="http://schemas.microsoft.com/office/drawing/2010/main" Requires="a14">
+          <p:sp>
+            <p:nvSpPr>
+              <p:cNvPr id="55" name="テキスト ボックス 54">
+                <a:extLst>
+                  <a:ext uri="{FF2B5EF4-FFF2-40B4-BE49-F238E27FC236}">
+                    <a16:creationId xmlns:a16="http://schemas.microsoft.com/office/drawing/2014/main" id="{CB44FF18-C8B6-41B2-8D42-FE6EC1683316}"/>
+                  </a:ext>
+                </a:extLst>
+              </p:cNvPr>
+              <p:cNvSpPr txBox="1"/>
+              <p:nvPr/>
+            </p:nvSpPr>
+            <p:spPr>
+              <a:xfrm>
+                <a:off x="6569550" y="2507705"/>
+                <a:ext cx="869469" cy="369332"/>
+              </a:xfrm>
+              <a:prstGeom prst="rect">
+                <a:avLst/>
+              </a:prstGeom>
+              <a:noFill/>
+            </p:spPr>
+            <p:txBody>
+              <a:bodyPr wrap="none" rtlCol="0">
+                <a:spAutoFit/>
+              </a:bodyPr>
+              <a:lstStyle/>
+              <a:p>
+                <a14:m>
+                  <m:oMathPara xmlns:m="http://schemas.openxmlformats.org/officeDocument/2006/math">
+                    <m:oMathParaPr>
+                      <m:jc m:val="centerGroup"/>
+                    </m:oMathParaPr>
+                    <m:oMath xmlns:m="http://schemas.openxmlformats.org/officeDocument/2006/math">
+                      <m:r>
+                        <a:rPr kumimoji="1" lang="en-US" altLang="ja-JP" b="0" i="1" smtClean="0">
+                          <a:latin typeface="Cambria Math" panose="02040503050406030204" pitchFamily="18" charset="0"/>
+                        </a:rPr>
+                        <m:t>𝑤</m:t>
+                      </m:r>
+                      <m:r>
+                        <a:rPr kumimoji="1" lang="en-US" altLang="ja-JP" b="0" i="1" smtClean="0">
+                          <a:latin typeface="Cambria Math" panose="02040503050406030204" pitchFamily="18" charset="0"/>
+                        </a:rPr>
+                        <m:t>=1</m:t>
+                      </m:r>
+                    </m:oMath>
+                  </m:oMathPara>
+                </a14:m>
+                <a:endParaRPr kumimoji="1" lang="ja-JP" altLang="en-US" dirty="0"/>
+              </a:p>
+            </p:txBody>
+          </p:sp>
+        </mc:Choice>
+        <mc:Fallback>
+          <p:sp>
+            <p:nvSpPr>
+              <p:cNvPr id="55" name="テキスト ボックス 54">
+                <a:extLst>
+                  <a:ext uri="{FF2B5EF4-FFF2-40B4-BE49-F238E27FC236}">
+                    <a16:creationId xmlns:a16="http://schemas.microsoft.com/office/drawing/2014/main" id="{CB44FF18-C8B6-41B2-8D42-FE6EC1683316}"/>
+                  </a:ext>
+                </a:extLst>
+              </p:cNvPr>
+              <p:cNvSpPr txBox="1">
+                <a:spLocks noRot="1" noChangeAspect="1" noMove="1" noResize="1" noEditPoints="1" noAdjustHandles="1" noChangeArrowheads="1" noChangeShapeType="1" noTextEdit="1"/>
+              </p:cNvSpPr>
+              <p:nvPr/>
+            </p:nvSpPr>
+            <p:spPr>
+              <a:xfrm>
+                <a:off x="6569550" y="2507705"/>
+                <a:ext cx="869469" cy="369332"/>
+              </a:xfrm>
+              <a:prstGeom prst="rect">
+                <a:avLst/>
+              </a:prstGeom>
+              <a:blipFill>
+                <a:blip r:embed="rId23"/>
+                <a:stretch>
+                  <a:fillRect/>
+                </a:stretch>
+              </a:blipFill>
+            </p:spPr>
+            <p:txBody>
+              <a:bodyPr/>
+              <a:lstStyle/>
+              <a:p>
+                <a:r>
+                  <a:rPr lang="ja-JP" altLang="en-US">
+                    <a:noFill/>
+                  </a:rPr>
+                  <a:t> </a:t>
+                </a:r>
+              </a:p>
+            </p:txBody>
+          </p:sp>
+        </mc:Fallback>
+      </mc:AlternateContent>
+    </p:spTree>
+    <p:extLst>
+      <p:ext uri="{BB962C8B-B14F-4D97-AF65-F5344CB8AC3E}">
+        <p14:creationId xmlns:p14="http://schemas.microsoft.com/office/powerpoint/2010/main" val="170846826"/>
+      </p:ext>
+    </p:extLst>
+  </p:cSld>
+  <p:clrMapOvr>
+    <a:masterClrMapping/>
+  </p:clrMapOvr>
+</p:sld>
+</file>
+
+<file path=ppt/slides/slide13.xml><?xml version="1.0" encoding="utf-8"?>
+<p:sld xmlns:a="http://schemas.openxmlformats.org/drawingml/2006/main" xmlns:r="http://schemas.openxmlformats.org/officeDocument/2006/relationships" xmlns:p="http://schemas.openxmlformats.org/presentationml/2006/main" show="0">
   <p:cSld>
     <p:spTree>
       <p:nvGrpSpPr>
@@ -6818,8 +12707,8 @@
 </p:sld>
 </file>
 
-<file path=ppt/slides/slide13.xml><?xml version="1.0" encoding="utf-8"?>
-<p:sld xmlns:a="http://schemas.openxmlformats.org/drawingml/2006/main" xmlns:r="http://schemas.openxmlformats.org/officeDocument/2006/relationships" xmlns:p="http://schemas.openxmlformats.org/presentationml/2006/main">
+<file path=ppt/slides/slide14.xml><?xml version="1.0" encoding="utf-8"?>
+<p:sld xmlns:a="http://schemas.openxmlformats.org/drawingml/2006/main" xmlns:r="http://schemas.openxmlformats.org/officeDocument/2006/relationships" xmlns:p="http://schemas.openxmlformats.org/presentationml/2006/main" show="0">
   <p:cSld>
     <p:spTree>
       <p:nvGrpSpPr>
@@ -7115,7 +13004,7 @@
 </p:sld>
 </file>
 
-<file path=ppt/slides/slide14.xml><?xml version="1.0" encoding="utf-8"?>
+<file path=ppt/slides/slide15.xml><?xml version="1.0" encoding="utf-8"?>
 <p:sld xmlns:a="http://schemas.openxmlformats.org/drawingml/2006/main" xmlns:r="http://schemas.openxmlformats.org/officeDocument/2006/relationships" xmlns:p="http://schemas.openxmlformats.org/presentationml/2006/main">
   <p:cSld>
     <p:spTree>
@@ -7469,7 +13358,7 @@
 </p:sld>
 </file>
 
-<file path=ppt/slides/slide15.xml><?xml version="1.0" encoding="utf-8"?>
+<file path=ppt/slides/slide16.xml><?xml version="1.0" encoding="utf-8"?>
 <p:sld xmlns:a="http://schemas.openxmlformats.org/drawingml/2006/main" xmlns:r="http://schemas.openxmlformats.org/officeDocument/2006/relationships" xmlns:p="http://schemas.openxmlformats.org/presentationml/2006/main">
   <p:cSld>
     <p:spTree>
@@ -7515,8 +13404,8 @@
           </a:p>
         </p:txBody>
       </p:sp>
-      <mc:AlternateContent xmlns:mc="http://schemas.openxmlformats.org/markup-compatibility/2006">
-        <mc:Choice xmlns:a14="http://schemas.microsoft.com/office/drawing/2010/main" Requires="a14">
+      <mc:AlternateContent xmlns:mc="http://schemas.openxmlformats.org/markup-compatibility/2006" xmlns:a14="http://schemas.microsoft.com/office/drawing/2010/main">
+        <mc:Choice Requires="a14">
           <p:sp>
             <p:nvSpPr>
               <p:cNvPr id="3" name="コンテンツ プレースホルダー 2">
@@ -8124,7 +14013,7 @@
             </p:txBody>
           </p:sp>
         </mc:Choice>
-        <mc:Fallback>
+        <mc:Fallback xmlns="">
           <p:sp>
             <p:nvSpPr>
               <p:cNvPr id="3" name="コンテンツ プレースホルダー 2">
@@ -8177,7 +14066,7 @@
 </p:sld>
 </file>
 
-<file path=ppt/slides/slide16.xml><?xml version="1.0" encoding="utf-8"?>
+<file path=ppt/slides/slide17.xml><?xml version="1.0" encoding="utf-8"?>
 <p:sld xmlns:a="http://schemas.openxmlformats.org/drawingml/2006/main" xmlns:r="http://schemas.openxmlformats.org/officeDocument/2006/relationships" xmlns:p="http://schemas.openxmlformats.org/presentationml/2006/main">
   <p:cSld>
     <p:spTree>
@@ -8223,8 +14112,8 @@
           </a:p>
         </p:txBody>
       </p:sp>
-      <mc:AlternateContent xmlns:mc="http://schemas.openxmlformats.org/markup-compatibility/2006">
-        <mc:Choice xmlns:a14="http://schemas.microsoft.com/office/drawing/2010/main" Requires="a14">
+      <mc:AlternateContent xmlns:mc="http://schemas.openxmlformats.org/markup-compatibility/2006" xmlns:a14="http://schemas.microsoft.com/office/drawing/2010/main">
+        <mc:Choice Requires="a14">
           <p:sp>
             <p:nvSpPr>
               <p:cNvPr id="6" name="コンテンツ プレースホルダー 5">
@@ -8387,7 +14276,7 @@
             </p:txBody>
           </p:sp>
         </mc:Choice>
-        <mc:Fallback>
+        <mc:Fallback xmlns="">
           <p:sp>
             <p:nvSpPr>
               <p:cNvPr id="6" name="コンテンツ プレースホルダー 5">
@@ -8476,7 +14365,7 @@
 </p:sld>
 </file>
 
-<file path=ppt/slides/slide17.xml><?xml version="1.0" encoding="utf-8"?>
+<file path=ppt/slides/slide18.xml><?xml version="1.0" encoding="utf-8"?>
 <p:sld xmlns:a="http://schemas.openxmlformats.org/drawingml/2006/main" xmlns:r="http://schemas.openxmlformats.org/officeDocument/2006/relationships" xmlns:p="http://schemas.openxmlformats.org/presentationml/2006/main">
   <p:cSld>
     <p:spTree>
@@ -8670,7 +14559,7 @@
 </p:sld>
 </file>
 
-<file path=ppt/slides/slide18.xml><?xml version="1.0" encoding="utf-8"?>
+<file path=ppt/slides/slide19.xml><?xml version="1.0" encoding="utf-8"?>
 <p:sld xmlns:a="http://schemas.openxmlformats.org/drawingml/2006/main" xmlns:r="http://schemas.openxmlformats.org/officeDocument/2006/relationships" xmlns:p="http://schemas.openxmlformats.org/presentationml/2006/main">
   <p:cSld>
     <p:spTree>
@@ -8832,7 +14721,107 @@
 </p:sld>
 </file>
 
-<file path=ppt/slides/slide19.xml><?xml version="1.0" encoding="utf-8"?>
+<file path=ppt/slides/slide2.xml><?xml version="1.0" encoding="utf-8"?>
+<p:sld xmlns:a="http://schemas.openxmlformats.org/drawingml/2006/main" xmlns:r="http://schemas.openxmlformats.org/officeDocument/2006/relationships" xmlns:p="http://schemas.openxmlformats.org/presentationml/2006/main">
+  <p:cSld>
+    <p:spTree>
+      <p:nvGrpSpPr>
+        <p:cNvPr id="1" name=""/>
+        <p:cNvGrpSpPr/>
+        <p:nvPr/>
+      </p:nvGrpSpPr>
+      <p:grpSpPr>
+        <a:xfrm>
+          <a:off x="0" y="0"/>
+          <a:ext cx="0" cy="0"/>
+          <a:chOff x="0" y="0"/>
+          <a:chExt cx="0" cy="0"/>
+        </a:xfrm>
+      </p:grpSpPr>
+      <p:sp>
+        <p:nvSpPr>
+          <p:cNvPr id="2" name="タイトル 1">
+            <a:extLst>
+              <a:ext uri="{FF2B5EF4-FFF2-40B4-BE49-F238E27FC236}">
+                <a16:creationId xmlns:a16="http://schemas.microsoft.com/office/drawing/2014/main" id="{56843E02-85B0-4F44-9292-99C53D1EFCFE}"/>
+              </a:ext>
+            </a:extLst>
+          </p:cNvPr>
+          <p:cNvSpPr>
+            <a:spLocks noGrp="1"/>
+          </p:cNvSpPr>
+          <p:nvPr>
+            <p:ph type="title"/>
+          </p:nvPr>
+        </p:nvSpPr>
+        <p:spPr/>
+        <p:txBody>
+          <a:bodyPr/>
+          <a:lstStyle/>
+          <a:p>
+            <a:r>
+              <a:rPr lang="ja-JP" altLang="en-US" dirty="0"/>
+              <a:t>目次</a:t>
+            </a:r>
+            <a:endParaRPr kumimoji="1" lang="ja-JP" altLang="en-US" dirty="0"/>
+          </a:p>
+        </p:txBody>
+      </p:sp>
+      <p:sp>
+        <p:nvSpPr>
+          <p:cNvPr id="3" name="コンテンツ プレースホルダー 2">
+            <a:extLst>
+              <a:ext uri="{FF2B5EF4-FFF2-40B4-BE49-F238E27FC236}">
+                <a16:creationId xmlns:a16="http://schemas.microsoft.com/office/drawing/2014/main" id="{931C7E3B-A47F-47B6-8A6A-30FD427431BF}"/>
+              </a:ext>
+            </a:extLst>
+          </p:cNvPr>
+          <p:cNvSpPr>
+            <a:spLocks noGrp="1"/>
+          </p:cNvSpPr>
+          <p:nvPr>
+            <p:ph sz="quarter" idx="1"/>
+          </p:nvPr>
+        </p:nvSpPr>
+        <p:spPr/>
+        <p:txBody>
+          <a:bodyPr/>
+          <a:lstStyle/>
+          <a:p>
+            <a:r>
+              <a:rPr kumimoji="1" lang="en-US" altLang="ja-JP" dirty="0"/>
+              <a:t>Intelligent exhaustive search</a:t>
+            </a:r>
+          </a:p>
+          <a:p>
+            <a:r>
+              <a:rPr lang="en-US" altLang="ja-JP" dirty="0"/>
+              <a:t>Approximation algorithms</a:t>
+            </a:r>
+          </a:p>
+          <a:p>
+            <a:r>
+              <a:rPr kumimoji="1" lang="en-US" altLang="ja-JP" dirty="0"/>
+              <a:t>Local search heuristics</a:t>
+            </a:r>
+            <a:endParaRPr kumimoji="1" lang="ja-JP" altLang="en-US" dirty="0"/>
+          </a:p>
+        </p:txBody>
+      </p:sp>
+    </p:spTree>
+    <p:extLst>
+      <p:ext uri="{BB962C8B-B14F-4D97-AF65-F5344CB8AC3E}">
+        <p14:creationId xmlns:p14="http://schemas.microsoft.com/office/powerpoint/2010/main" val="1311565611"/>
+      </p:ext>
+    </p:extLst>
+  </p:cSld>
+  <p:clrMapOvr>
+    <a:masterClrMapping/>
+  </p:clrMapOvr>
+</p:sld>
+</file>
+
+<file path=ppt/slides/slide20.xml><?xml version="1.0" encoding="utf-8"?>
 <p:sld xmlns:a="http://schemas.openxmlformats.org/drawingml/2006/main" xmlns:r="http://schemas.openxmlformats.org/officeDocument/2006/relationships" xmlns:p="http://schemas.openxmlformats.org/presentationml/2006/main">
   <p:cSld>
     <p:spTree>
@@ -9243,7 +15232,15 @@
                 <a:pPr lvl="1"/>
                 <a:r>
                   <a:rPr kumimoji="1" lang="ja-JP" altLang="en-US" dirty="0"/>
-                  <a:t>これからはこのようなパスを</a:t>
+                  <a:t>これからは</a:t>
+                </a:r>
+                <a:r>
+                  <a:rPr lang="ja-JP" altLang="en-US" dirty="0"/>
+                  <a:t>上記のよう</a:t>
+                </a:r>
+                <a:r>
+                  <a:rPr kumimoji="1" lang="ja-JP" altLang="en-US" dirty="0"/>
+                  <a:t>なパスを</a:t>
                 </a:r>
                 <a14:m>
                   <m:oMath xmlns:m="http://schemas.openxmlformats.org/officeDocument/2006/math">
@@ -9619,107 +15616,7 @@
 </p:sld>
 </file>
 
-<file path=ppt/slides/slide2.xml><?xml version="1.0" encoding="utf-8"?>
-<p:sld xmlns:a="http://schemas.openxmlformats.org/drawingml/2006/main" xmlns:r="http://schemas.openxmlformats.org/officeDocument/2006/relationships" xmlns:p="http://schemas.openxmlformats.org/presentationml/2006/main">
-  <p:cSld>
-    <p:spTree>
-      <p:nvGrpSpPr>
-        <p:cNvPr id="1" name=""/>
-        <p:cNvGrpSpPr/>
-        <p:nvPr/>
-      </p:nvGrpSpPr>
-      <p:grpSpPr>
-        <a:xfrm>
-          <a:off x="0" y="0"/>
-          <a:ext cx="0" cy="0"/>
-          <a:chOff x="0" y="0"/>
-          <a:chExt cx="0" cy="0"/>
-        </a:xfrm>
-      </p:grpSpPr>
-      <p:sp>
-        <p:nvSpPr>
-          <p:cNvPr id="2" name="タイトル 1">
-            <a:extLst>
-              <a:ext uri="{FF2B5EF4-FFF2-40B4-BE49-F238E27FC236}">
-                <a16:creationId xmlns:a16="http://schemas.microsoft.com/office/drawing/2014/main" id="{56843E02-85B0-4F44-9292-99C53D1EFCFE}"/>
-              </a:ext>
-            </a:extLst>
-          </p:cNvPr>
-          <p:cNvSpPr>
-            <a:spLocks noGrp="1"/>
-          </p:cNvSpPr>
-          <p:nvPr>
-            <p:ph type="title"/>
-          </p:nvPr>
-        </p:nvSpPr>
-        <p:spPr/>
-        <p:txBody>
-          <a:bodyPr/>
-          <a:lstStyle/>
-          <a:p>
-            <a:r>
-              <a:rPr lang="ja-JP" altLang="en-US" dirty="0"/>
-              <a:t>目次</a:t>
-            </a:r>
-            <a:endParaRPr kumimoji="1" lang="ja-JP" altLang="en-US" dirty="0"/>
-          </a:p>
-        </p:txBody>
-      </p:sp>
-      <p:sp>
-        <p:nvSpPr>
-          <p:cNvPr id="3" name="コンテンツ プレースホルダー 2">
-            <a:extLst>
-              <a:ext uri="{FF2B5EF4-FFF2-40B4-BE49-F238E27FC236}">
-                <a16:creationId xmlns:a16="http://schemas.microsoft.com/office/drawing/2014/main" id="{931C7E3B-A47F-47B6-8A6A-30FD427431BF}"/>
-              </a:ext>
-            </a:extLst>
-          </p:cNvPr>
-          <p:cNvSpPr>
-            <a:spLocks noGrp="1"/>
-          </p:cNvSpPr>
-          <p:nvPr>
-            <p:ph sz="quarter" idx="1"/>
-          </p:nvPr>
-        </p:nvSpPr>
-        <p:spPr/>
-        <p:txBody>
-          <a:bodyPr/>
-          <a:lstStyle/>
-          <a:p>
-            <a:r>
-              <a:rPr kumimoji="1" lang="en-US" altLang="ja-JP" dirty="0"/>
-              <a:t>Intelligent exhaustive search</a:t>
-            </a:r>
-          </a:p>
-          <a:p>
-            <a:r>
-              <a:rPr lang="en-US" altLang="ja-JP" dirty="0"/>
-              <a:t>Approximation algorithms</a:t>
-            </a:r>
-          </a:p>
-          <a:p>
-            <a:r>
-              <a:rPr kumimoji="1" lang="en-US" altLang="ja-JP" dirty="0"/>
-              <a:t>Local search heuristics</a:t>
-            </a:r>
-            <a:endParaRPr kumimoji="1" lang="ja-JP" altLang="en-US" dirty="0"/>
-          </a:p>
-        </p:txBody>
-      </p:sp>
-    </p:spTree>
-    <p:extLst>
-      <p:ext uri="{BB962C8B-B14F-4D97-AF65-F5344CB8AC3E}">
-        <p14:creationId xmlns:p14="http://schemas.microsoft.com/office/powerpoint/2010/main" val="1311565611"/>
-      </p:ext>
-    </p:extLst>
-  </p:cSld>
-  <p:clrMapOvr>
-    <a:masterClrMapping/>
-  </p:clrMapOvr>
-</p:sld>
-</file>
-
-<file path=ppt/slides/slide20.xml><?xml version="1.0" encoding="utf-8"?>
+<file path=ppt/slides/slide21.xml><?xml version="1.0" encoding="utf-8"?>
 <p:sld xmlns:a="http://schemas.openxmlformats.org/drawingml/2006/main" xmlns:r="http://schemas.openxmlformats.org/officeDocument/2006/relationships" xmlns:p="http://schemas.openxmlformats.org/presentationml/2006/main">
   <p:cSld>
     <p:spTree>
@@ -9765,8 +15662,8 @@
           </a:p>
         </p:txBody>
       </p:sp>
-      <mc:AlternateContent xmlns:mc="http://schemas.openxmlformats.org/markup-compatibility/2006">
-        <mc:Choice xmlns:a14="http://schemas.microsoft.com/office/drawing/2010/main" Requires="a14">
+      <mc:AlternateContent xmlns:mc="http://schemas.openxmlformats.org/markup-compatibility/2006" xmlns:a14="http://schemas.microsoft.com/office/drawing/2010/main">
+        <mc:Choice Requires="a14">
           <p:sp>
             <p:nvSpPr>
               <p:cNvPr id="3" name="コンテンツ プレースホルダー 2">
@@ -10209,7 +16106,7 @@
             </p:txBody>
           </p:sp>
         </mc:Choice>
-        <mc:Fallback>
+        <mc:Fallback xmlns="">
           <p:sp>
             <p:nvSpPr>
               <p:cNvPr id="3" name="コンテンツ プレースホルダー 2">
@@ -10262,7 +16159,7 @@
 </p:sld>
 </file>
 
-<file path=ppt/slides/slide21.xml><?xml version="1.0" encoding="utf-8"?>
+<file path=ppt/slides/slide22.xml><?xml version="1.0" encoding="utf-8"?>
 <p:sld xmlns:a="http://schemas.openxmlformats.org/drawingml/2006/main" xmlns:r="http://schemas.openxmlformats.org/officeDocument/2006/relationships" xmlns:p="http://schemas.openxmlformats.org/presentationml/2006/main">
   <p:cSld>
     <p:spTree>
@@ -10308,8 +16205,8 @@
           </a:p>
         </p:txBody>
       </p:sp>
-      <mc:AlternateContent xmlns:mc="http://schemas.openxmlformats.org/markup-compatibility/2006">
-        <mc:Choice xmlns:a14="http://schemas.microsoft.com/office/drawing/2010/main" Requires="a14">
+      <mc:AlternateContent xmlns:mc="http://schemas.openxmlformats.org/markup-compatibility/2006" xmlns:a14="http://schemas.microsoft.com/office/drawing/2010/main">
+        <mc:Choice Requires="a14">
           <p:sp>
             <p:nvSpPr>
               <p:cNvPr id="3" name="コンテンツ プレースホルダー 2">
@@ -10526,7 +16423,7 @@
             </p:txBody>
           </p:sp>
         </mc:Choice>
-        <mc:Fallback>
+        <mc:Fallback xmlns="">
           <p:sp>
             <p:nvSpPr>
               <p:cNvPr id="3" name="コンテンツ プレースホルダー 2">
@@ -10545,7 +16442,7 @@
             </p:nvSpPr>
             <p:spPr>
               <a:blipFill>
-                <a:blip r:embed="rId2"/>
+                <a:blip r:embed="rId3"/>
                 <a:stretch>
                   <a:fillRect l="-139" t="-696"/>
                 </a:stretch>
@@ -10579,7 +16476,7 @@
 </p:sld>
 </file>
 
-<file path=ppt/slides/slide22.xml><?xml version="1.0" encoding="utf-8"?>
+<file path=ppt/slides/slide23.xml><?xml version="1.0" encoding="utf-8"?>
 <p:sld xmlns:a="http://schemas.openxmlformats.org/drawingml/2006/main" xmlns:r="http://schemas.openxmlformats.org/officeDocument/2006/relationships" xmlns:p="http://schemas.openxmlformats.org/presentationml/2006/main">
   <p:cSld>
     <p:spTree>
@@ -10648,7 +16545,7 @@
           <a:p>
             <a:r>
               <a:rPr lang="ja-JP" altLang="en-US" dirty="0"/>
-              <a:t>こんなグラフだったら</a:t>
+              <a:t>こんなグラフの問題だったら</a:t>
             </a:r>
             <a:endParaRPr lang="en-US" altLang="ja-JP" dirty="0"/>
           </a:p>
@@ -10684,8 +16581,8 @@
         </p:blipFill>
         <p:spPr>
           <a:xfrm>
-            <a:off x="3031462" y="1673205"/>
-            <a:ext cx="3081076" cy="3511589"/>
+            <a:off x="2700729" y="1771528"/>
+            <a:ext cx="3742541" cy="4265479"/>
           </a:xfrm>
           <a:prstGeom prst="rect">
             <a:avLst/>
@@ -10705,7 +16602,2481 @@
 </p:sld>
 </file>
 
-<file path=ppt/slides/slide23.xml><?xml version="1.0" encoding="utf-8"?>
+<file path=ppt/slides/slide24.xml><?xml version="1.0" encoding="utf-8"?>
+<p:sld xmlns:a="http://schemas.openxmlformats.org/drawingml/2006/main" xmlns:r="http://schemas.openxmlformats.org/officeDocument/2006/relationships" xmlns:p="http://schemas.openxmlformats.org/presentationml/2006/main">
+  <p:cSld>
+    <p:spTree>
+      <p:nvGrpSpPr>
+        <p:cNvPr id="1" name=""/>
+        <p:cNvGrpSpPr/>
+        <p:nvPr/>
+      </p:nvGrpSpPr>
+      <p:grpSpPr>
+        <a:xfrm>
+          <a:off x="0" y="0"/>
+          <a:ext cx="0" cy="0"/>
+          <a:chOff x="0" y="0"/>
+          <a:chExt cx="0" cy="0"/>
+        </a:xfrm>
+      </p:grpSpPr>
+      <p:sp>
+        <p:nvSpPr>
+          <p:cNvPr id="2" name="タイトル 1">
+            <a:extLst>
+              <a:ext uri="{FF2B5EF4-FFF2-40B4-BE49-F238E27FC236}">
+                <a16:creationId xmlns:a16="http://schemas.microsoft.com/office/drawing/2014/main" id="{F1AF387D-6AF8-4B41-854E-3699884311DA}"/>
+              </a:ext>
+            </a:extLst>
+          </p:cNvPr>
+          <p:cNvSpPr>
+            <a:spLocks noGrp="1"/>
+          </p:cNvSpPr>
+          <p:nvPr>
+            <p:ph type="title"/>
+          </p:nvPr>
+        </p:nvSpPr>
+        <p:spPr/>
+        <p:txBody>
+          <a:bodyPr/>
+          <a:lstStyle/>
+          <a:p>
+            <a:r>
+              <a:rPr kumimoji="1" lang="en-US" altLang="ja-JP" dirty="0"/>
+              <a:t>Branch-and-bound</a:t>
+            </a:r>
+            <a:endParaRPr kumimoji="1" lang="ja-JP" altLang="en-US" dirty="0"/>
+          </a:p>
+        </p:txBody>
+      </p:sp>
+      <mc:AlternateContent xmlns:mc="http://schemas.openxmlformats.org/markup-compatibility/2006">
+        <mc:Choice xmlns:a14="http://schemas.microsoft.com/office/drawing/2010/main" Requires="a14">
+          <p:sp>
+            <p:nvSpPr>
+              <p:cNvPr id="3" name="コンテンツ プレースホルダー 2">
+                <a:extLst>
+                  <a:ext uri="{FF2B5EF4-FFF2-40B4-BE49-F238E27FC236}">
+                    <a16:creationId xmlns:a16="http://schemas.microsoft.com/office/drawing/2014/main" id="{7472940C-CC38-405E-B1A5-4CD0C4B26D5A}"/>
+                  </a:ext>
+                </a:extLst>
+              </p:cNvPr>
+              <p:cNvSpPr>
+                <a:spLocks noGrp="1"/>
+              </p:cNvSpPr>
+              <p:nvPr>
+                <p:ph sz="quarter" idx="1"/>
+              </p:nvPr>
+            </p:nvSpPr>
+            <p:spPr/>
+            <p:txBody>
+              <a:bodyPr/>
+              <a:lstStyle/>
+              <a:p>
+                <a:r>
+                  <a:rPr kumimoji="1" lang="ja-JP" altLang="en-US" dirty="0"/>
+                  <a:t>実際にある</a:t>
+                </a:r>
+                <a:r>
+                  <a:rPr lang="ja-JP" altLang="en-US" dirty="0"/>
+                  <a:t>部分的な解での下界を求めてみる</a:t>
+                </a:r>
+                <a:endParaRPr lang="en-US" altLang="ja-JP" dirty="0"/>
+              </a:p>
+              <a:p>
+                <a:pPr lvl="1"/>
+                <a14:m>
+                  <m:oMath xmlns:m="http://schemas.openxmlformats.org/officeDocument/2006/math">
+                    <m:r>
+                      <a:rPr kumimoji="1" lang="en-US" altLang="ja-JP" b="0" i="1" smtClean="0">
+                        <a:latin typeface="Cambria Math" panose="02040503050406030204" pitchFamily="18" charset="0"/>
+                      </a:rPr>
+                      <m:t>[</m:t>
+                    </m:r>
+                    <m:r>
+                      <a:rPr kumimoji="1" lang="en-US" altLang="ja-JP" b="0" i="1" smtClean="0">
+                        <a:latin typeface="Cambria Math" panose="02040503050406030204" pitchFamily="18" charset="0"/>
+                      </a:rPr>
+                      <m:t>𝐴</m:t>
+                    </m:r>
+                    <m:r>
+                      <a:rPr kumimoji="1" lang="en-US" altLang="ja-JP" b="0" i="1" smtClean="0">
+                        <a:latin typeface="Cambria Math" panose="02040503050406030204" pitchFamily="18" charset="0"/>
+                      </a:rPr>
+                      <m:t>,</m:t>
+                    </m:r>
+                    <m:d>
+                      <m:dPr>
+                        <m:begChr m:val="{"/>
+                        <m:endChr m:val="}"/>
+                        <m:ctrlPr>
+                          <a:rPr kumimoji="1" lang="en-US" altLang="ja-JP" b="0" i="1" smtClean="0">
+                            <a:latin typeface="Cambria Math" panose="02040503050406030204" pitchFamily="18" charset="0"/>
+                          </a:rPr>
+                        </m:ctrlPr>
+                      </m:dPr>
+                      <m:e>
+                        <m:r>
+                          <a:rPr kumimoji="1" lang="en-US" altLang="ja-JP" b="0" i="1" smtClean="0">
+                            <a:latin typeface="Cambria Math" panose="02040503050406030204" pitchFamily="18" charset="0"/>
+                          </a:rPr>
+                          <m:t>𝐴</m:t>
+                        </m:r>
+                        <m:r>
+                          <a:rPr kumimoji="1" lang="en-US" altLang="ja-JP" b="0" i="1" smtClean="0">
+                            <a:latin typeface="Cambria Math" panose="02040503050406030204" pitchFamily="18" charset="0"/>
+                          </a:rPr>
+                          <m:t>,</m:t>
+                        </m:r>
+                        <m:r>
+                          <a:rPr kumimoji="1" lang="en-US" altLang="ja-JP" b="0" i="1" smtClean="0">
+                            <a:latin typeface="Cambria Math" panose="02040503050406030204" pitchFamily="18" charset="0"/>
+                          </a:rPr>
+                          <m:t>𝐵</m:t>
+                        </m:r>
+                      </m:e>
+                    </m:d>
+                    <m:r>
+                      <a:rPr kumimoji="1" lang="en-US" altLang="ja-JP" b="0" i="1" smtClean="0">
+                        <a:latin typeface="Cambria Math" panose="02040503050406030204" pitchFamily="18" charset="0"/>
+                      </a:rPr>
+                      <m:t>,</m:t>
+                    </m:r>
+                    <m:r>
+                      <a:rPr kumimoji="1" lang="en-US" altLang="ja-JP" b="0" i="1" smtClean="0">
+                        <a:latin typeface="Cambria Math" panose="02040503050406030204" pitchFamily="18" charset="0"/>
+                      </a:rPr>
+                      <m:t>𝐵</m:t>
+                    </m:r>
+                    <m:r>
+                      <a:rPr kumimoji="1" lang="en-US" altLang="ja-JP" b="0" i="1" smtClean="0">
+                        <a:latin typeface="Cambria Math" panose="02040503050406030204" pitchFamily="18" charset="0"/>
+                      </a:rPr>
+                      <m:t>]</m:t>
+                    </m:r>
+                  </m:oMath>
+                </a14:m>
+                <a:r>
+                  <a:rPr kumimoji="1" lang="ja-JP" altLang="en-US" dirty="0"/>
+                  <a:t>の下界を求める</a:t>
+                </a:r>
+                <a:endParaRPr kumimoji="1" lang="en-US" altLang="ja-JP" dirty="0"/>
+              </a:p>
+              <a:p>
+                <a:r>
+                  <a:rPr lang="ja-JP" altLang="en-US" dirty="0">
+                    <a:solidFill>
+                      <a:schemeClr val="accent3"/>
+                    </a:solidFill>
+                  </a:rPr>
+                  <a:t>赤</a:t>
+                </a:r>
+                <a:r>
+                  <a:rPr lang="en-US" altLang="ja-JP" dirty="0"/>
+                  <a:t>:</a:t>
+                </a:r>
+                <a14:m>
+                  <m:oMath xmlns:m="http://schemas.openxmlformats.org/officeDocument/2006/math">
+                    <m:r>
+                      <a:rPr lang="en-US" altLang="ja-JP" i="1">
+                        <a:latin typeface="Cambria Math" panose="02040503050406030204" pitchFamily="18" charset="0"/>
+                      </a:rPr>
+                      <m:t>𝑎</m:t>
+                    </m:r>
+                  </m:oMath>
+                </a14:m>
+                <a:r>
+                  <a:rPr lang="ja-JP" altLang="en-US" dirty="0"/>
+                  <a:t>から</a:t>
+                </a:r>
+                <a14:m>
+                  <m:oMath xmlns:m="http://schemas.openxmlformats.org/officeDocument/2006/math">
+                    <m:r>
+                      <a:rPr lang="en-US" altLang="ja-JP" i="1" dirty="0">
+                        <a:latin typeface="Cambria Math" panose="02040503050406030204" pitchFamily="18" charset="0"/>
+                      </a:rPr>
+                      <m:t>𝑉</m:t>
+                    </m:r>
+                    <m:r>
+                      <a:rPr lang="en-US" altLang="ja-JP" i="1" dirty="0">
+                        <a:latin typeface="Cambria Math" panose="02040503050406030204" pitchFamily="18" charset="0"/>
+                      </a:rPr>
+                      <m:t>−</m:t>
+                    </m:r>
+                    <m:r>
+                      <a:rPr lang="en-US" altLang="ja-JP" i="1" dirty="0">
+                        <a:latin typeface="Cambria Math" panose="02040503050406030204" pitchFamily="18" charset="0"/>
+                      </a:rPr>
+                      <m:t>𝑆</m:t>
+                    </m:r>
+                    <m:r>
+                      <a:rPr lang="ja-JP" altLang="en-US" i="1" dirty="0" smtClean="0">
+                        <a:latin typeface="Cambria Math" panose="02040503050406030204" pitchFamily="18" charset="0"/>
+                      </a:rPr>
+                      <m:t>への</m:t>
+                    </m:r>
+                  </m:oMath>
+                </a14:m>
+                <a:r>
+                  <a:rPr lang="ja-JP" altLang="en-US" dirty="0"/>
+                  <a:t>最小コスト辺</a:t>
+                </a:r>
+                <a:endParaRPr lang="en-US" altLang="ja-JP" dirty="0"/>
+              </a:p>
+              <a:p>
+                <a:r>
+                  <a:rPr lang="ja-JP" altLang="en-US" dirty="0">
+                    <a:solidFill>
+                      <a:schemeClr val="accent4"/>
+                    </a:solidFill>
+                  </a:rPr>
+                  <a:t>緑</a:t>
+                </a:r>
+                <a:r>
+                  <a:rPr lang="en-US" altLang="ja-JP" dirty="0"/>
+                  <a:t>:</a:t>
+                </a:r>
+                <a14:m>
+                  <m:oMath xmlns:m="http://schemas.openxmlformats.org/officeDocument/2006/math">
+                    <m:r>
+                      <a:rPr lang="en-US" altLang="ja-JP" b="0" i="1" smtClean="0">
+                        <a:latin typeface="Cambria Math" panose="02040503050406030204" pitchFamily="18" charset="0"/>
+                      </a:rPr>
+                      <m:t>𝑏</m:t>
+                    </m:r>
+                  </m:oMath>
+                </a14:m>
+                <a:r>
+                  <a:rPr lang="ja-JP" altLang="en-US" dirty="0"/>
+                  <a:t>から</a:t>
+                </a:r>
+                <a14:m>
+                  <m:oMath xmlns:m="http://schemas.openxmlformats.org/officeDocument/2006/math">
+                    <m:r>
+                      <a:rPr lang="en-US" altLang="ja-JP" i="1" dirty="0">
+                        <a:latin typeface="Cambria Math" panose="02040503050406030204" pitchFamily="18" charset="0"/>
+                      </a:rPr>
+                      <m:t>𝑉</m:t>
+                    </m:r>
+                    <m:r>
+                      <a:rPr lang="en-US" altLang="ja-JP" i="1" dirty="0">
+                        <a:latin typeface="Cambria Math" panose="02040503050406030204" pitchFamily="18" charset="0"/>
+                      </a:rPr>
+                      <m:t>−</m:t>
+                    </m:r>
+                    <m:r>
+                      <a:rPr lang="en-US" altLang="ja-JP" i="1" dirty="0">
+                        <a:latin typeface="Cambria Math" panose="02040503050406030204" pitchFamily="18" charset="0"/>
+                      </a:rPr>
+                      <m:t>𝑆</m:t>
+                    </m:r>
+                    <m:r>
+                      <a:rPr lang="ja-JP" altLang="en-US" i="1" dirty="0">
+                        <a:latin typeface="Cambria Math" panose="02040503050406030204" pitchFamily="18" charset="0"/>
+                      </a:rPr>
+                      <m:t>への</m:t>
+                    </m:r>
+                  </m:oMath>
+                </a14:m>
+                <a:r>
+                  <a:rPr lang="ja-JP" altLang="en-US" dirty="0"/>
+                  <a:t>最小コスト辺</a:t>
+                </a:r>
+                <a:endParaRPr lang="en-US" altLang="ja-JP" dirty="0"/>
+              </a:p>
+              <a:p>
+                <a:r>
+                  <a:rPr lang="ja-JP" altLang="en-US" dirty="0">
+                    <a:solidFill>
+                      <a:schemeClr val="accent1"/>
+                    </a:solidFill>
+                  </a:rPr>
+                  <a:t>青</a:t>
+                </a:r>
+                <a:r>
+                  <a:rPr lang="en-US" altLang="ja-JP" dirty="0"/>
+                  <a:t>:</a:t>
+                </a:r>
+                <a14:m>
+                  <m:oMath xmlns:m="http://schemas.openxmlformats.org/officeDocument/2006/math">
+                    <m:r>
+                      <a:rPr lang="en-US" altLang="ja-JP" i="1">
+                        <a:latin typeface="Cambria Math" panose="02040503050406030204" pitchFamily="18" charset="0"/>
+                      </a:rPr>
+                      <m:t>𝑉</m:t>
+                    </m:r>
+                    <m:r>
+                      <a:rPr lang="en-US" altLang="ja-JP" i="1">
+                        <a:latin typeface="Cambria Math" panose="02040503050406030204" pitchFamily="18" charset="0"/>
+                      </a:rPr>
+                      <m:t>−</m:t>
+                    </m:r>
+                    <m:r>
+                      <a:rPr lang="en-US" altLang="ja-JP" i="1">
+                        <a:latin typeface="Cambria Math" panose="02040503050406030204" pitchFamily="18" charset="0"/>
+                      </a:rPr>
+                      <m:t>𝑆</m:t>
+                    </m:r>
+                    <m:r>
+                      <a:rPr lang="ja-JP" altLang="en-US" i="1">
+                        <a:latin typeface="Cambria Math" panose="02040503050406030204" pitchFamily="18" charset="0"/>
+                      </a:rPr>
+                      <m:t>の</m:t>
+                    </m:r>
+                  </m:oMath>
+                </a14:m>
+                <a:r>
+                  <a:rPr lang="ja-JP" altLang="en-US" dirty="0"/>
+                  <a:t>最小全域木</a:t>
+                </a:r>
+                <a:endParaRPr lang="en-US" altLang="ja-JP" dirty="0"/>
+              </a:p>
+              <a:p>
+                <a:r>
+                  <a:rPr lang="ja-JP" altLang="en-US" dirty="0"/>
+                  <a:t>従って、この場合下界は</a:t>
+                </a:r>
+                <a:r>
+                  <a:rPr lang="en-US" altLang="ja-JP" dirty="0"/>
+                  <a:t>8</a:t>
+                </a:r>
+              </a:p>
+              <a:p>
+                <a:endParaRPr lang="en-US" altLang="ja-JP" dirty="0"/>
+              </a:p>
+              <a:p>
+                <a:endParaRPr lang="en-US" altLang="ja-JP" dirty="0">
+                  <a:solidFill>
+                    <a:schemeClr val="accent1"/>
+                  </a:solidFill>
+                </a:endParaRPr>
+              </a:p>
+              <a:p>
+                <a:endParaRPr kumimoji="1" lang="ja-JP" altLang="en-US" dirty="0">
+                  <a:solidFill>
+                    <a:schemeClr val="accent3"/>
+                  </a:solidFill>
+                </a:endParaRPr>
+              </a:p>
+            </p:txBody>
+          </p:sp>
+        </mc:Choice>
+        <mc:Fallback>
+          <p:sp>
+            <p:nvSpPr>
+              <p:cNvPr id="3" name="コンテンツ プレースホルダー 2">
+                <a:extLst>
+                  <a:ext uri="{FF2B5EF4-FFF2-40B4-BE49-F238E27FC236}">
+                    <a16:creationId xmlns:a16="http://schemas.microsoft.com/office/drawing/2014/main" id="{7472940C-CC38-405E-B1A5-4CD0C4B26D5A}"/>
+                  </a:ext>
+                </a:extLst>
+              </p:cNvPr>
+              <p:cNvSpPr>
+                <a:spLocks noGrp="1" noRot="1" noChangeAspect="1" noMove="1" noResize="1" noEditPoints="1" noAdjustHandles="1" noChangeArrowheads="1" noChangeShapeType="1" noTextEdit="1"/>
+              </p:cNvSpPr>
+              <p:nvPr>
+                <p:ph sz="quarter" idx="1"/>
+              </p:nvPr>
+            </p:nvSpPr>
+            <p:spPr>
+              <a:blipFill>
+                <a:blip r:embed="rId2"/>
+                <a:stretch>
+                  <a:fillRect l="-139" t="-928"/>
+                </a:stretch>
+              </a:blipFill>
+            </p:spPr>
+            <p:txBody>
+              <a:bodyPr/>
+              <a:lstStyle/>
+              <a:p>
+                <a:r>
+                  <a:rPr lang="ja-JP" altLang="en-US">
+                    <a:noFill/>
+                  </a:rPr>
+                  <a:t> </a:t>
+                </a:r>
+              </a:p>
+            </p:txBody>
+          </p:sp>
+        </mc:Fallback>
+      </mc:AlternateContent>
+      <mc:AlternateContent xmlns:mc="http://schemas.openxmlformats.org/markup-compatibility/2006">
+        <mc:Choice xmlns:a14="http://schemas.microsoft.com/office/drawing/2010/main" Requires="a14">
+          <p:sp>
+            <p:nvSpPr>
+              <p:cNvPr id="7" name="楕円 6">
+                <a:extLst>
+                  <a:ext uri="{FF2B5EF4-FFF2-40B4-BE49-F238E27FC236}">
+                    <a16:creationId xmlns:a16="http://schemas.microsoft.com/office/drawing/2014/main" id="{B8AA9BDD-CC52-42A2-93CF-D89ACAD84F29}"/>
+                  </a:ext>
+                </a:extLst>
+              </p:cNvPr>
+              <p:cNvSpPr/>
+              <p:nvPr/>
+            </p:nvSpPr>
+            <p:spPr>
+              <a:xfrm>
+                <a:off x="7496540" y="2402363"/>
+                <a:ext cx="540000" cy="540000"/>
+              </a:xfrm>
+              <a:prstGeom prst="ellipse">
+                <a:avLst/>
+              </a:prstGeom>
+              <a:solidFill>
+                <a:schemeClr val="bg1"/>
+              </a:solidFill>
+              <a:ln w="28575">
+                <a:solidFill>
+                  <a:schemeClr val="tx1"/>
+                </a:solidFill>
+              </a:ln>
+            </p:spPr>
+            <p:style>
+              <a:lnRef idx="1">
+                <a:schemeClr val="accent1"/>
+              </a:lnRef>
+              <a:fillRef idx="0">
+                <a:schemeClr val="accent1"/>
+              </a:fillRef>
+              <a:effectRef idx="0">
+                <a:schemeClr val="accent1"/>
+              </a:effectRef>
+              <a:fontRef idx="minor">
+                <a:schemeClr val="tx1"/>
+              </a:fontRef>
+            </p:style>
+            <p:txBody>
+              <a:bodyPr rtlCol="0" anchor="ctr"/>
+              <a:lstStyle/>
+              <a:p>
+                <a:pPr algn="ctr"/>
+                <a14:m>
+                  <m:oMathPara xmlns:m="http://schemas.openxmlformats.org/officeDocument/2006/math">
+                    <m:oMathParaPr>
+                      <m:jc m:val="centerGroup"/>
+                    </m:oMathParaPr>
+                    <m:oMath xmlns:m="http://schemas.openxmlformats.org/officeDocument/2006/math">
+                      <m:r>
+                        <a:rPr kumimoji="1" lang="en-US" altLang="ja-JP" sz="2000" b="0" i="1" smtClean="0">
+                          <a:latin typeface="Cambria Math" panose="02040503050406030204" pitchFamily="18" charset="0"/>
+                        </a:rPr>
+                        <m:t>𝐸</m:t>
+                      </m:r>
+                    </m:oMath>
+                  </m:oMathPara>
+                </a14:m>
+                <a:endParaRPr kumimoji="1" lang="ja-JP" altLang="en-US" dirty="0"/>
+              </a:p>
+            </p:txBody>
+          </p:sp>
+        </mc:Choice>
+        <mc:Fallback>
+          <p:sp>
+            <p:nvSpPr>
+              <p:cNvPr id="7" name="楕円 6">
+                <a:extLst>
+                  <a:ext uri="{FF2B5EF4-FFF2-40B4-BE49-F238E27FC236}">
+                    <a16:creationId xmlns:a16="http://schemas.microsoft.com/office/drawing/2014/main" id="{B8AA9BDD-CC52-42A2-93CF-D89ACAD84F29}"/>
+                  </a:ext>
+                </a:extLst>
+              </p:cNvPr>
+              <p:cNvSpPr>
+                <a:spLocks noRot="1" noChangeAspect="1" noMove="1" noResize="1" noEditPoints="1" noAdjustHandles="1" noChangeArrowheads="1" noChangeShapeType="1" noTextEdit="1"/>
+              </p:cNvSpPr>
+              <p:nvPr/>
+            </p:nvSpPr>
+            <p:spPr>
+              <a:xfrm>
+                <a:off x="7496540" y="2402363"/>
+                <a:ext cx="540000" cy="540000"/>
+              </a:xfrm>
+              <a:prstGeom prst="ellipse">
+                <a:avLst/>
+              </a:prstGeom>
+              <a:blipFill>
+                <a:blip r:embed="rId3"/>
+                <a:stretch>
+                  <a:fillRect/>
+                </a:stretch>
+              </a:blipFill>
+              <a:ln w="28575">
+                <a:solidFill>
+                  <a:schemeClr val="tx1"/>
+                </a:solidFill>
+              </a:ln>
+            </p:spPr>
+            <p:txBody>
+              <a:bodyPr/>
+              <a:lstStyle/>
+              <a:p>
+                <a:r>
+                  <a:rPr lang="ja-JP" altLang="en-US">
+                    <a:noFill/>
+                  </a:rPr>
+                  <a:t> </a:t>
+                </a:r>
+              </a:p>
+            </p:txBody>
+          </p:sp>
+        </mc:Fallback>
+      </mc:AlternateContent>
+      <p:cxnSp>
+        <p:nvCxnSpPr>
+          <p:cNvPr id="14" name="直線コネクタ 13">
+            <a:extLst>
+              <a:ext uri="{FF2B5EF4-FFF2-40B4-BE49-F238E27FC236}">
+                <a16:creationId xmlns:a16="http://schemas.microsoft.com/office/drawing/2014/main" id="{52F691F5-57EC-44DD-A5A4-5ECA8F34E3C0}"/>
+              </a:ext>
+            </a:extLst>
+          </p:cNvPr>
+          <p:cNvCxnSpPr>
+            <a:cxnSpLocks/>
+          </p:cNvCxnSpPr>
+          <p:nvPr/>
+        </p:nvCxnSpPr>
+        <p:spPr>
+          <a:xfrm>
+            <a:off x="6493263" y="6003256"/>
+            <a:ext cx="1273277" cy="0"/>
+          </a:xfrm>
+          <a:prstGeom prst="line">
+            <a:avLst/>
+          </a:prstGeom>
+          <a:ln w="28575">
+            <a:solidFill>
+              <a:schemeClr val="tx1"/>
+            </a:solidFill>
+          </a:ln>
+        </p:spPr>
+        <p:style>
+          <a:lnRef idx="1">
+            <a:schemeClr val="accent1"/>
+          </a:lnRef>
+          <a:fillRef idx="0">
+            <a:schemeClr val="accent1"/>
+          </a:fillRef>
+          <a:effectRef idx="0">
+            <a:schemeClr val="accent1"/>
+          </a:effectRef>
+          <a:fontRef idx="minor">
+            <a:schemeClr val="tx1"/>
+          </a:fontRef>
+        </p:style>
+      </p:cxnSp>
+      <p:cxnSp>
+        <p:nvCxnSpPr>
+          <p:cNvPr id="17" name="直線コネクタ 16">
+            <a:extLst>
+              <a:ext uri="{FF2B5EF4-FFF2-40B4-BE49-F238E27FC236}">
+                <a16:creationId xmlns:a16="http://schemas.microsoft.com/office/drawing/2014/main" id="{FA7E3BE1-A799-492B-A789-51FD91D7DC40}"/>
+              </a:ext>
+            </a:extLst>
+          </p:cNvPr>
+          <p:cNvCxnSpPr/>
+          <p:nvPr/>
+        </p:nvCxnSpPr>
+        <p:spPr>
+          <a:xfrm>
+            <a:off x="5583781" y="5020918"/>
+            <a:ext cx="909482" cy="982338"/>
+          </a:xfrm>
+          <a:prstGeom prst="line">
+            <a:avLst/>
+          </a:prstGeom>
+          <a:ln w="28575">
+            <a:solidFill>
+              <a:schemeClr val="accent3"/>
+            </a:solidFill>
+          </a:ln>
+        </p:spPr>
+        <p:style>
+          <a:lnRef idx="1">
+            <a:schemeClr val="accent1"/>
+          </a:lnRef>
+          <a:fillRef idx="0">
+            <a:schemeClr val="accent1"/>
+          </a:fillRef>
+          <a:effectRef idx="0">
+            <a:schemeClr val="accent1"/>
+          </a:effectRef>
+          <a:fontRef idx="minor">
+            <a:schemeClr val="tx1"/>
+          </a:fontRef>
+        </p:style>
+      </p:cxnSp>
+      <p:cxnSp>
+        <p:nvCxnSpPr>
+          <p:cNvPr id="18" name="直線コネクタ 17">
+            <a:extLst>
+              <a:ext uri="{FF2B5EF4-FFF2-40B4-BE49-F238E27FC236}">
+                <a16:creationId xmlns:a16="http://schemas.microsoft.com/office/drawing/2014/main" id="{8B6E7FD3-9682-4B00-9B4C-054426FE7414}"/>
+              </a:ext>
+            </a:extLst>
+          </p:cNvPr>
+          <p:cNvCxnSpPr>
+            <a:cxnSpLocks/>
+          </p:cNvCxnSpPr>
+          <p:nvPr/>
+        </p:nvCxnSpPr>
+        <p:spPr>
+          <a:xfrm flipV="1">
+            <a:off x="7766540" y="5005919"/>
+            <a:ext cx="831992" cy="997337"/>
+          </a:xfrm>
+          <a:prstGeom prst="line">
+            <a:avLst/>
+          </a:prstGeom>
+          <a:ln w="28575">
+            <a:solidFill>
+              <a:schemeClr val="accent4"/>
+            </a:solidFill>
+          </a:ln>
+        </p:spPr>
+        <p:style>
+          <a:lnRef idx="1">
+            <a:schemeClr val="accent1"/>
+          </a:lnRef>
+          <a:fillRef idx="0">
+            <a:schemeClr val="accent1"/>
+          </a:fillRef>
+          <a:effectRef idx="0">
+            <a:schemeClr val="accent1"/>
+          </a:effectRef>
+          <a:fontRef idx="minor">
+            <a:schemeClr val="tx1"/>
+          </a:fontRef>
+        </p:style>
+      </p:cxnSp>
+      <p:cxnSp>
+        <p:nvCxnSpPr>
+          <p:cNvPr id="22" name="直線コネクタ 21">
+            <a:extLst>
+              <a:ext uri="{FF2B5EF4-FFF2-40B4-BE49-F238E27FC236}">
+                <a16:creationId xmlns:a16="http://schemas.microsoft.com/office/drawing/2014/main" id="{5BAA300A-27DE-4FA7-8E84-33D93EE2B51C}"/>
+              </a:ext>
+            </a:extLst>
+          </p:cNvPr>
+          <p:cNvCxnSpPr>
+            <a:cxnSpLocks/>
+          </p:cNvCxnSpPr>
+          <p:nvPr/>
+        </p:nvCxnSpPr>
+        <p:spPr>
+          <a:xfrm>
+            <a:off x="5583781" y="3563286"/>
+            <a:ext cx="0" cy="1457632"/>
+          </a:xfrm>
+          <a:prstGeom prst="line">
+            <a:avLst/>
+          </a:prstGeom>
+          <a:ln w="28575">
+            <a:solidFill>
+              <a:schemeClr val="accent1"/>
+            </a:solidFill>
+          </a:ln>
+        </p:spPr>
+        <p:style>
+          <a:lnRef idx="1">
+            <a:schemeClr val="accent1"/>
+          </a:lnRef>
+          <a:fillRef idx="0">
+            <a:schemeClr val="accent1"/>
+          </a:fillRef>
+          <a:effectRef idx="0">
+            <a:schemeClr val="accent1"/>
+          </a:effectRef>
+          <a:fontRef idx="minor">
+            <a:schemeClr val="tx1"/>
+          </a:fontRef>
+        </p:style>
+      </p:cxnSp>
+      <p:cxnSp>
+        <p:nvCxnSpPr>
+          <p:cNvPr id="24" name="直線コネクタ 23">
+            <a:extLst>
+              <a:ext uri="{FF2B5EF4-FFF2-40B4-BE49-F238E27FC236}">
+                <a16:creationId xmlns:a16="http://schemas.microsoft.com/office/drawing/2014/main" id="{D74308DB-51A5-47DF-94DA-03B2B863FF9E}"/>
+              </a:ext>
+            </a:extLst>
+          </p:cNvPr>
+          <p:cNvCxnSpPr>
+            <a:cxnSpLocks/>
+            <a:stCxn id="7" idx="2"/>
+            <a:endCxn id="6" idx="6"/>
+          </p:cNvCxnSpPr>
+          <p:nvPr/>
+        </p:nvCxnSpPr>
+        <p:spPr>
+          <a:xfrm flipH="1">
+            <a:off x="6763263" y="2672363"/>
+            <a:ext cx="733277" cy="0"/>
+          </a:xfrm>
+          <a:prstGeom prst="line">
+            <a:avLst/>
+          </a:prstGeom>
+          <a:ln w="28575">
+            <a:solidFill>
+              <a:schemeClr val="accent1"/>
+            </a:solidFill>
+          </a:ln>
+        </p:spPr>
+        <p:style>
+          <a:lnRef idx="1">
+            <a:schemeClr val="accent1"/>
+          </a:lnRef>
+          <a:fillRef idx="0">
+            <a:schemeClr val="accent1"/>
+          </a:fillRef>
+          <a:effectRef idx="0">
+            <a:schemeClr val="accent1"/>
+          </a:effectRef>
+          <a:fontRef idx="minor">
+            <a:schemeClr val="tx1"/>
+          </a:fontRef>
+        </p:style>
+      </p:cxnSp>
+      <p:cxnSp>
+        <p:nvCxnSpPr>
+          <p:cNvPr id="34" name="直線コネクタ 33">
+            <a:extLst>
+              <a:ext uri="{FF2B5EF4-FFF2-40B4-BE49-F238E27FC236}">
+                <a16:creationId xmlns:a16="http://schemas.microsoft.com/office/drawing/2014/main" id="{794D2587-4167-4BF1-9F00-CACD0AA2EF78}"/>
+              </a:ext>
+            </a:extLst>
+          </p:cNvPr>
+          <p:cNvCxnSpPr>
+            <a:cxnSpLocks/>
+          </p:cNvCxnSpPr>
+          <p:nvPr/>
+        </p:nvCxnSpPr>
+        <p:spPr>
+          <a:xfrm>
+            <a:off x="5583781" y="3563286"/>
+            <a:ext cx="3014751" cy="0"/>
+          </a:xfrm>
+          <a:prstGeom prst="line">
+            <a:avLst/>
+          </a:prstGeom>
+          <a:ln w="28575">
+            <a:solidFill>
+              <a:schemeClr val="accent1"/>
+            </a:solidFill>
+          </a:ln>
+        </p:spPr>
+        <p:style>
+          <a:lnRef idx="1">
+            <a:schemeClr val="accent1"/>
+          </a:lnRef>
+          <a:fillRef idx="0">
+            <a:schemeClr val="accent1"/>
+          </a:fillRef>
+          <a:effectRef idx="0">
+            <a:schemeClr val="accent1"/>
+          </a:effectRef>
+          <a:fontRef idx="minor">
+            <a:schemeClr val="tx1"/>
+          </a:fontRef>
+        </p:style>
+      </p:cxnSp>
+      <p:cxnSp>
+        <p:nvCxnSpPr>
+          <p:cNvPr id="37" name="直線コネクタ 36">
+            <a:extLst>
+              <a:ext uri="{FF2B5EF4-FFF2-40B4-BE49-F238E27FC236}">
+                <a16:creationId xmlns:a16="http://schemas.microsoft.com/office/drawing/2014/main" id="{BEBF8431-73E6-4BC4-BC5A-90D70D161BDD}"/>
+              </a:ext>
+            </a:extLst>
+          </p:cNvPr>
+          <p:cNvCxnSpPr>
+            <a:cxnSpLocks/>
+          </p:cNvCxnSpPr>
+          <p:nvPr/>
+        </p:nvCxnSpPr>
+        <p:spPr>
+          <a:xfrm flipH="1">
+            <a:off x="8598532" y="3563286"/>
+            <a:ext cx="1" cy="1457632"/>
+          </a:xfrm>
+          <a:prstGeom prst="line">
+            <a:avLst/>
+          </a:prstGeom>
+          <a:ln w="28575">
+            <a:solidFill>
+              <a:schemeClr val="accent1"/>
+            </a:solidFill>
+          </a:ln>
+        </p:spPr>
+        <p:style>
+          <a:lnRef idx="1">
+            <a:schemeClr val="accent1"/>
+          </a:lnRef>
+          <a:fillRef idx="0">
+            <a:schemeClr val="accent1"/>
+          </a:fillRef>
+          <a:effectRef idx="0">
+            <a:schemeClr val="accent1"/>
+          </a:effectRef>
+          <a:fontRef idx="minor">
+            <a:schemeClr val="tx1"/>
+          </a:fontRef>
+        </p:style>
+      </p:cxnSp>
+      <p:cxnSp>
+        <p:nvCxnSpPr>
+          <p:cNvPr id="31" name="直線コネクタ 30">
+            <a:extLst>
+              <a:ext uri="{FF2B5EF4-FFF2-40B4-BE49-F238E27FC236}">
+                <a16:creationId xmlns:a16="http://schemas.microsoft.com/office/drawing/2014/main" id="{AD45F12A-5B61-42D3-B1E2-DA803C7D7BB0}"/>
+              </a:ext>
+            </a:extLst>
+          </p:cNvPr>
+          <p:cNvCxnSpPr>
+            <a:cxnSpLocks/>
+          </p:cNvCxnSpPr>
+          <p:nvPr/>
+        </p:nvCxnSpPr>
+        <p:spPr>
+          <a:xfrm flipH="1">
+            <a:off x="5583781" y="2672363"/>
+            <a:ext cx="909482" cy="890923"/>
+          </a:xfrm>
+          <a:prstGeom prst="line">
+            <a:avLst/>
+          </a:prstGeom>
+          <a:ln w="28575">
+            <a:solidFill>
+              <a:schemeClr val="accent1"/>
+            </a:solidFill>
+          </a:ln>
+        </p:spPr>
+        <p:style>
+          <a:lnRef idx="1">
+            <a:schemeClr val="accent1"/>
+          </a:lnRef>
+          <a:fillRef idx="0">
+            <a:schemeClr val="accent1"/>
+          </a:fillRef>
+          <a:effectRef idx="0">
+            <a:schemeClr val="accent1"/>
+          </a:effectRef>
+          <a:fontRef idx="minor">
+            <a:schemeClr val="tx1"/>
+          </a:fontRef>
+        </p:style>
+      </p:cxnSp>
+      <mc:AlternateContent xmlns:mc="http://schemas.openxmlformats.org/markup-compatibility/2006">
+        <mc:Choice xmlns:a14="http://schemas.microsoft.com/office/drawing/2010/main" Requires="a14">
+          <p:sp>
+            <p:nvSpPr>
+              <p:cNvPr id="6" name="楕円 5">
+                <a:extLst>
+                  <a:ext uri="{FF2B5EF4-FFF2-40B4-BE49-F238E27FC236}">
+                    <a16:creationId xmlns:a16="http://schemas.microsoft.com/office/drawing/2014/main" id="{4E4B824A-0530-4569-9289-75365BF04AA7}"/>
+                  </a:ext>
+                </a:extLst>
+              </p:cNvPr>
+              <p:cNvSpPr/>
+              <p:nvPr/>
+            </p:nvSpPr>
+            <p:spPr>
+              <a:xfrm>
+                <a:off x="6223263" y="2402363"/>
+                <a:ext cx="540000" cy="540000"/>
+              </a:xfrm>
+              <a:prstGeom prst="ellipse">
+                <a:avLst/>
+              </a:prstGeom>
+              <a:solidFill>
+                <a:schemeClr val="bg1"/>
+              </a:solidFill>
+              <a:ln w="28575">
+                <a:solidFill>
+                  <a:schemeClr val="tx1"/>
+                </a:solidFill>
+              </a:ln>
+            </p:spPr>
+            <p:style>
+              <a:lnRef idx="1">
+                <a:schemeClr val="accent1"/>
+              </a:lnRef>
+              <a:fillRef idx="0">
+                <a:schemeClr val="accent1"/>
+              </a:fillRef>
+              <a:effectRef idx="0">
+                <a:schemeClr val="accent1"/>
+              </a:effectRef>
+              <a:fontRef idx="minor">
+                <a:schemeClr val="tx1"/>
+              </a:fontRef>
+            </p:style>
+            <p:txBody>
+              <a:bodyPr rtlCol="0" anchor="ctr"/>
+              <a:lstStyle/>
+              <a:p>
+                <a:pPr algn="ctr"/>
+                <a14:m>
+                  <m:oMathPara xmlns:m="http://schemas.openxmlformats.org/officeDocument/2006/math">
+                    <m:oMathParaPr>
+                      <m:jc m:val="centerGroup"/>
+                    </m:oMathParaPr>
+                    <m:oMath xmlns:m="http://schemas.openxmlformats.org/officeDocument/2006/math">
+                      <m:r>
+                        <a:rPr kumimoji="1" lang="en-US" altLang="ja-JP" sz="2000" b="0" i="1" smtClean="0">
+                          <a:latin typeface="Cambria Math" panose="02040503050406030204" pitchFamily="18" charset="0"/>
+                        </a:rPr>
+                        <m:t>𝐹</m:t>
+                      </m:r>
+                    </m:oMath>
+                  </m:oMathPara>
+                </a14:m>
+                <a:endParaRPr kumimoji="1" lang="ja-JP" altLang="en-US" dirty="0"/>
+              </a:p>
+            </p:txBody>
+          </p:sp>
+        </mc:Choice>
+        <mc:Fallback>
+          <p:sp>
+            <p:nvSpPr>
+              <p:cNvPr id="6" name="楕円 5">
+                <a:extLst>
+                  <a:ext uri="{FF2B5EF4-FFF2-40B4-BE49-F238E27FC236}">
+                    <a16:creationId xmlns:a16="http://schemas.microsoft.com/office/drawing/2014/main" id="{4E4B824A-0530-4569-9289-75365BF04AA7}"/>
+                  </a:ext>
+                </a:extLst>
+              </p:cNvPr>
+              <p:cNvSpPr>
+                <a:spLocks noRot="1" noChangeAspect="1" noMove="1" noResize="1" noEditPoints="1" noAdjustHandles="1" noChangeArrowheads="1" noChangeShapeType="1" noTextEdit="1"/>
+              </p:cNvSpPr>
+              <p:nvPr/>
+            </p:nvSpPr>
+            <p:spPr>
+              <a:xfrm>
+                <a:off x="6223263" y="2402363"/>
+                <a:ext cx="540000" cy="540000"/>
+              </a:xfrm>
+              <a:prstGeom prst="ellipse">
+                <a:avLst/>
+              </a:prstGeom>
+              <a:blipFill>
+                <a:blip r:embed="rId4"/>
+                <a:stretch>
+                  <a:fillRect/>
+                </a:stretch>
+              </a:blipFill>
+              <a:ln w="28575">
+                <a:solidFill>
+                  <a:schemeClr val="tx1"/>
+                </a:solidFill>
+              </a:ln>
+            </p:spPr>
+            <p:txBody>
+              <a:bodyPr/>
+              <a:lstStyle/>
+              <a:p>
+                <a:r>
+                  <a:rPr lang="ja-JP" altLang="en-US">
+                    <a:noFill/>
+                  </a:rPr>
+                  <a:t> </a:t>
+                </a:r>
+              </a:p>
+            </p:txBody>
+          </p:sp>
+        </mc:Fallback>
+      </mc:AlternateContent>
+      <mc:AlternateContent xmlns:mc="http://schemas.openxmlformats.org/markup-compatibility/2006">
+        <mc:Choice xmlns:a14="http://schemas.microsoft.com/office/drawing/2010/main" Requires="a14">
+          <p:sp>
+            <p:nvSpPr>
+              <p:cNvPr id="5" name="楕円 4">
+                <a:extLst>
+                  <a:ext uri="{FF2B5EF4-FFF2-40B4-BE49-F238E27FC236}">
+                    <a16:creationId xmlns:a16="http://schemas.microsoft.com/office/drawing/2014/main" id="{8198213E-3C1C-474B-96FD-EEFA54C71596}"/>
+                  </a:ext>
+                </a:extLst>
+              </p:cNvPr>
+              <p:cNvSpPr/>
+              <p:nvPr/>
+            </p:nvSpPr>
+            <p:spPr>
+              <a:xfrm>
+                <a:off x="5323610" y="3293286"/>
+                <a:ext cx="540000" cy="540000"/>
+              </a:xfrm>
+              <a:prstGeom prst="ellipse">
+                <a:avLst/>
+              </a:prstGeom>
+              <a:solidFill>
+                <a:schemeClr val="bg1"/>
+              </a:solidFill>
+              <a:ln w="28575">
+                <a:solidFill>
+                  <a:schemeClr val="tx1"/>
+                </a:solidFill>
+              </a:ln>
+            </p:spPr>
+            <p:style>
+              <a:lnRef idx="1">
+                <a:schemeClr val="accent1"/>
+              </a:lnRef>
+              <a:fillRef idx="0">
+                <a:schemeClr val="accent1"/>
+              </a:fillRef>
+              <a:effectRef idx="0">
+                <a:schemeClr val="accent1"/>
+              </a:effectRef>
+              <a:fontRef idx="minor">
+                <a:schemeClr val="tx1"/>
+              </a:fontRef>
+            </p:style>
+            <p:txBody>
+              <a:bodyPr rtlCol="0" anchor="ctr"/>
+              <a:lstStyle/>
+              <a:p>
+                <a:pPr algn="ctr"/>
+                <a14:m>
+                  <m:oMathPara xmlns:m="http://schemas.openxmlformats.org/officeDocument/2006/math">
+                    <m:oMathParaPr>
+                      <m:jc m:val="centerGroup"/>
+                    </m:oMathParaPr>
+                    <m:oMath xmlns:m="http://schemas.openxmlformats.org/officeDocument/2006/math">
+                      <m:r>
+                        <a:rPr kumimoji="1" lang="en-US" altLang="ja-JP" sz="2000" b="0" i="1" smtClean="0">
+                          <a:latin typeface="Cambria Math" panose="02040503050406030204" pitchFamily="18" charset="0"/>
+                        </a:rPr>
+                        <m:t>𝐺</m:t>
+                      </m:r>
+                    </m:oMath>
+                  </m:oMathPara>
+                </a14:m>
+                <a:endParaRPr kumimoji="1" lang="ja-JP" altLang="en-US" dirty="0"/>
+              </a:p>
+            </p:txBody>
+          </p:sp>
+        </mc:Choice>
+        <mc:Fallback>
+          <p:sp>
+            <p:nvSpPr>
+              <p:cNvPr id="5" name="楕円 4">
+                <a:extLst>
+                  <a:ext uri="{FF2B5EF4-FFF2-40B4-BE49-F238E27FC236}">
+                    <a16:creationId xmlns:a16="http://schemas.microsoft.com/office/drawing/2014/main" id="{8198213E-3C1C-474B-96FD-EEFA54C71596}"/>
+                  </a:ext>
+                </a:extLst>
+              </p:cNvPr>
+              <p:cNvSpPr>
+                <a:spLocks noRot="1" noChangeAspect="1" noMove="1" noResize="1" noEditPoints="1" noAdjustHandles="1" noChangeArrowheads="1" noChangeShapeType="1" noTextEdit="1"/>
+              </p:cNvSpPr>
+              <p:nvPr/>
+            </p:nvSpPr>
+            <p:spPr>
+              <a:xfrm>
+                <a:off x="5323610" y="3293286"/>
+                <a:ext cx="540000" cy="540000"/>
+              </a:xfrm>
+              <a:prstGeom prst="ellipse">
+                <a:avLst/>
+              </a:prstGeom>
+              <a:blipFill>
+                <a:blip r:embed="rId5"/>
+                <a:stretch>
+                  <a:fillRect/>
+                </a:stretch>
+              </a:blipFill>
+              <a:ln w="28575">
+                <a:solidFill>
+                  <a:schemeClr val="tx1"/>
+                </a:solidFill>
+              </a:ln>
+            </p:spPr>
+            <p:txBody>
+              <a:bodyPr/>
+              <a:lstStyle/>
+              <a:p>
+                <a:r>
+                  <a:rPr lang="ja-JP" altLang="en-US">
+                    <a:noFill/>
+                  </a:rPr>
+                  <a:t> </a:t>
+                </a:r>
+              </a:p>
+            </p:txBody>
+          </p:sp>
+        </mc:Fallback>
+      </mc:AlternateContent>
+      <mc:AlternateContent xmlns:mc="http://schemas.openxmlformats.org/markup-compatibility/2006">
+        <mc:Choice xmlns:a14="http://schemas.microsoft.com/office/drawing/2010/main" Requires="a14">
+          <p:sp>
+            <p:nvSpPr>
+              <p:cNvPr id="4" name="楕円 3">
+                <a:extLst>
+                  <a:ext uri="{FF2B5EF4-FFF2-40B4-BE49-F238E27FC236}">
+                    <a16:creationId xmlns:a16="http://schemas.microsoft.com/office/drawing/2014/main" id="{9C460DF5-F003-4AA9-9652-5412B909B669}"/>
+                  </a:ext>
+                </a:extLst>
+              </p:cNvPr>
+              <p:cNvSpPr/>
+              <p:nvPr/>
+            </p:nvSpPr>
+            <p:spPr>
+              <a:xfrm>
+                <a:off x="5323610" y="4735919"/>
+                <a:ext cx="540000" cy="540000"/>
+              </a:xfrm>
+              <a:prstGeom prst="ellipse">
+                <a:avLst/>
+              </a:prstGeom>
+              <a:solidFill>
+                <a:schemeClr val="bg1"/>
+              </a:solidFill>
+              <a:ln w="28575">
+                <a:solidFill>
+                  <a:schemeClr val="tx1"/>
+                </a:solidFill>
+              </a:ln>
+            </p:spPr>
+            <p:style>
+              <a:lnRef idx="1">
+                <a:schemeClr val="accent1"/>
+              </a:lnRef>
+              <a:fillRef idx="0">
+                <a:schemeClr val="accent1"/>
+              </a:fillRef>
+              <a:effectRef idx="0">
+                <a:schemeClr val="accent1"/>
+              </a:effectRef>
+              <a:fontRef idx="minor">
+                <a:schemeClr val="tx1"/>
+              </a:fontRef>
+            </p:style>
+            <p:txBody>
+              <a:bodyPr rtlCol="0" anchor="ctr"/>
+              <a:lstStyle/>
+              <a:p>
+                <a:pPr algn="ctr"/>
+                <a14:m>
+                  <m:oMathPara xmlns:m="http://schemas.openxmlformats.org/officeDocument/2006/math">
+                    <m:oMathParaPr>
+                      <m:jc m:val="centerGroup"/>
+                    </m:oMathParaPr>
+                    <m:oMath xmlns:m="http://schemas.openxmlformats.org/officeDocument/2006/math">
+                      <m:r>
+                        <a:rPr kumimoji="1" lang="en-US" altLang="ja-JP" sz="2000" b="0" i="1" smtClean="0">
+                          <a:latin typeface="Cambria Math" panose="02040503050406030204" pitchFamily="18" charset="0"/>
+                        </a:rPr>
+                        <m:t>𝐻</m:t>
+                      </m:r>
+                    </m:oMath>
+                  </m:oMathPara>
+                </a14:m>
+                <a:endParaRPr kumimoji="1" lang="ja-JP" altLang="en-US" dirty="0"/>
+              </a:p>
+            </p:txBody>
+          </p:sp>
+        </mc:Choice>
+        <mc:Fallback>
+          <p:sp>
+            <p:nvSpPr>
+              <p:cNvPr id="4" name="楕円 3">
+                <a:extLst>
+                  <a:ext uri="{FF2B5EF4-FFF2-40B4-BE49-F238E27FC236}">
+                    <a16:creationId xmlns:a16="http://schemas.microsoft.com/office/drawing/2014/main" id="{9C460DF5-F003-4AA9-9652-5412B909B669}"/>
+                  </a:ext>
+                </a:extLst>
+              </p:cNvPr>
+              <p:cNvSpPr>
+                <a:spLocks noRot="1" noChangeAspect="1" noMove="1" noResize="1" noEditPoints="1" noAdjustHandles="1" noChangeArrowheads="1" noChangeShapeType="1" noTextEdit="1"/>
+              </p:cNvSpPr>
+              <p:nvPr/>
+            </p:nvSpPr>
+            <p:spPr>
+              <a:xfrm>
+                <a:off x="5323610" y="4735919"/>
+                <a:ext cx="540000" cy="540000"/>
+              </a:xfrm>
+              <a:prstGeom prst="ellipse">
+                <a:avLst/>
+              </a:prstGeom>
+              <a:blipFill>
+                <a:blip r:embed="rId6"/>
+                <a:stretch>
+                  <a:fillRect/>
+                </a:stretch>
+              </a:blipFill>
+              <a:ln w="28575">
+                <a:solidFill>
+                  <a:schemeClr val="tx1"/>
+                </a:solidFill>
+              </a:ln>
+            </p:spPr>
+            <p:txBody>
+              <a:bodyPr/>
+              <a:lstStyle/>
+              <a:p>
+                <a:r>
+                  <a:rPr lang="ja-JP" altLang="en-US">
+                    <a:noFill/>
+                  </a:rPr>
+                  <a:t> </a:t>
+                </a:r>
+              </a:p>
+            </p:txBody>
+          </p:sp>
+        </mc:Fallback>
+      </mc:AlternateContent>
+      <mc:AlternateContent xmlns:mc="http://schemas.openxmlformats.org/markup-compatibility/2006">
+        <mc:Choice xmlns:a14="http://schemas.microsoft.com/office/drawing/2010/main" Requires="a14">
+          <p:sp>
+            <p:nvSpPr>
+              <p:cNvPr id="8" name="楕円 7">
+                <a:extLst>
+                  <a:ext uri="{FF2B5EF4-FFF2-40B4-BE49-F238E27FC236}">
+                    <a16:creationId xmlns:a16="http://schemas.microsoft.com/office/drawing/2014/main" id="{EBF64D3A-D2A9-4D76-A7C9-B0109AD88DD2}"/>
+                  </a:ext>
+                </a:extLst>
+              </p:cNvPr>
+              <p:cNvSpPr/>
+              <p:nvPr/>
+            </p:nvSpPr>
+            <p:spPr>
+              <a:xfrm>
+                <a:off x="8328532" y="3293286"/>
+                <a:ext cx="540000" cy="540000"/>
+              </a:xfrm>
+              <a:prstGeom prst="ellipse">
+                <a:avLst/>
+              </a:prstGeom>
+              <a:solidFill>
+                <a:schemeClr val="bg1"/>
+              </a:solidFill>
+              <a:ln w="28575">
+                <a:solidFill>
+                  <a:schemeClr val="tx1"/>
+                </a:solidFill>
+              </a:ln>
+            </p:spPr>
+            <p:style>
+              <a:lnRef idx="1">
+                <a:schemeClr val="accent1"/>
+              </a:lnRef>
+              <a:fillRef idx="0">
+                <a:schemeClr val="accent1"/>
+              </a:fillRef>
+              <a:effectRef idx="0">
+                <a:schemeClr val="accent1"/>
+              </a:effectRef>
+              <a:fontRef idx="minor">
+                <a:schemeClr val="tx1"/>
+              </a:fontRef>
+            </p:style>
+            <p:txBody>
+              <a:bodyPr rtlCol="0" anchor="ctr"/>
+              <a:lstStyle/>
+              <a:p>
+                <a:pPr algn="ctr"/>
+                <a14:m>
+                  <m:oMathPara xmlns:m="http://schemas.openxmlformats.org/officeDocument/2006/math">
+                    <m:oMathParaPr>
+                      <m:jc m:val="centerGroup"/>
+                    </m:oMathParaPr>
+                    <m:oMath xmlns:m="http://schemas.openxmlformats.org/officeDocument/2006/math">
+                      <m:r>
+                        <a:rPr kumimoji="1" lang="en-US" altLang="ja-JP" sz="2000" b="0" i="1" smtClean="0">
+                          <a:latin typeface="Cambria Math" panose="02040503050406030204" pitchFamily="18" charset="0"/>
+                        </a:rPr>
+                        <m:t>𝐷</m:t>
+                      </m:r>
+                    </m:oMath>
+                  </m:oMathPara>
+                </a14:m>
+                <a:endParaRPr kumimoji="1" lang="ja-JP" altLang="en-US" sz="2000" dirty="0"/>
+              </a:p>
+            </p:txBody>
+          </p:sp>
+        </mc:Choice>
+        <mc:Fallback>
+          <p:sp>
+            <p:nvSpPr>
+              <p:cNvPr id="8" name="楕円 7">
+                <a:extLst>
+                  <a:ext uri="{FF2B5EF4-FFF2-40B4-BE49-F238E27FC236}">
+                    <a16:creationId xmlns:a16="http://schemas.microsoft.com/office/drawing/2014/main" id="{EBF64D3A-D2A9-4D76-A7C9-B0109AD88DD2}"/>
+                  </a:ext>
+                </a:extLst>
+              </p:cNvPr>
+              <p:cNvSpPr>
+                <a:spLocks noRot="1" noChangeAspect="1" noMove="1" noResize="1" noEditPoints="1" noAdjustHandles="1" noChangeArrowheads="1" noChangeShapeType="1" noTextEdit="1"/>
+              </p:cNvSpPr>
+              <p:nvPr/>
+            </p:nvSpPr>
+            <p:spPr>
+              <a:xfrm>
+                <a:off x="8328532" y="3293286"/>
+                <a:ext cx="540000" cy="540000"/>
+              </a:xfrm>
+              <a:prstGeom prst="ellipse">
+                <a:avLst/>
+              </a:prstGeom>
+              <a:blipFill>
+                <a:blip r:embed="rId7"/>
+                <a:stretch>
+                  <a:fillRect/>
+                </a:stretch>
+              </a:blipFill>
+              <a:ln w="28575">
+                <a:solidFill>
+                  <a:schemeClr val="tx1"/>
+                </a:solidFill>
+              </a:ln>
+            </p:spPr>
+            <p:txBody>
+              <a:bodyPr/>
+              <a:lstStyle/>
+              <a:p>
+                <a:r>
+                  <a:rPr lang="ja-JP" altLang="en-US">
+                    <a:noFill/>
+                  </a:rPr>
+                  <a:t> </a:t>
+                </a:r>
+              </a:p>
+            </p:txBody>
+          </p:sp>
+        </mc:Fallback>
+      </mc:AlternateContent>
+      <mc:AlternateContent xmlns:mc="http://schemas.openxmlformats.org/markup-compatibility/2006">
+        <mc:Choice xmlns:a14="http://schemas.microsoft.com/office/drawing/2010/main" Requires="a14">
+          <p:sp>
+            <p:nvSpPr>
+              <p:cNvPr id="9" name="楕円 8">
+                <a:extLst>
+                  <a:ext uri="{FF2B5EF4-FFF2-40B4-BE49-F238E27FC236}">
+                    <a16:creationId xmlns:a16="http://schemas.microsoft.com/office/drawing/2014/main" id="{87DEF979-7A3A-4292-A6BD-6F26DC63C9C3}"/>
+                  </a:ext>
+                </a:extLst>
+              </p:cNvPr>
+              <p:cNvSpPr/>
+              <p:nvPr/>
+            </p:nvSpPr>
+            <p:spPr>
+              <a:xfrm>
+                <a:off x="8328532" y="4735919"/>
+                <a:ext cx="540000" cy="540000"/>
+              </a:xfrm>
+              <a:prstGeom prst="ellipse">
+                <a:avLst/>
+              </a:prstGeom>
+              <a:solidFill>
+                <a:schemeClr val="bg1"/>
+              </a:solidFill>
+              <a:ln w="28575">
+                <a:solidFill>
+                  <a:schemeClr val="tx1"/>
+                </a:solidFill>
+              </a:ln>
+            </p:spPr>
+            <p:style>
+              <a:lnRef idx="1">
+                <a:schemeClr val="accent1"/>
+              </a:lnRef>
+              <a:fillRef idx="0">
+                <a:schemeClr val="accent1"/>
+              </a:fillRef>
+              <a:effectRef idx="0">
+                <a:schemeClr val="accent1"/>
+              </a:effectRef>
+              <a:fontRef idx="minor">
+                <a:schemeClr val="tx1"/>
+              </a:fontRef>
+            </p:style>
+            <p:txBody>
+              <a:bodyPr rtlCol="0" anchor="ctr"/>
+              <a:lstStyle/>
+              <a:p>
+                <a:pPr algn="ctr"/>
+                <a14:m>
+                  <m:oMathPara xmlns:m="http://schemas.openxmlformats.org/officeDocument/2006/math">
+                    <m:oMathParaPr>
+                      <m:jc m:val="centerGroup"/>
+                    </m:oMathParaPr>
+                    <m:oMath xmlns:m="http://schemas.openxmlformats.org/officeDocument/2006/math">
+                      <m:r>
+                        <a:rPr kumimoji="1" lang="en-US" altLang="ja-JP" sz="2000" b="0" i="1" smtClean="0">
+                          <a:latin typeface="Cambria Math" panose="02040503050406030204" pitchFamily="18" charset="0"/>
+                        </a:rPr>
+                        <m:t>𝐶</m:t>
+                      </m:r>
+                    </m:oMath>
+                  </m:oMathPara>
+                </a14:m>
+                <a:endParaRPr kumimoji="1" lang="ja-JP" altLang="en-US" dirty="0"/>
+              </a:p>
+            </p:txBody>
+          </p:sp>
+        </mc:Choice>
+        <mc:Fallback>
+          <p:sp>
+            <p:nvSpPr>
+              <p:cNvPr id="9" name="楕円 8">
+                <a:extLst>
+                  <a:ext uri="{FF2B5EF4-FFF2-40B4-BE49-F238E27FC236}">
+                    <a16:creationId xmlns:a16="http://schemas.microsoft.com/office/drawing/2014/main" id="{87DEF979-7A3A-4292-A6BD-6F26DC63C9C3}"/>
+                  </a:ext>
+                </a:extLst>
+              </p:cNvPr>
+              <p:cNvSpPr>
+                <a:spLocks noRot="1" noChangeAspect="1" noMove="1" noResize="1" noEditPoints="1" noAdjustHandles="1" noChangeArrowheads="1" noChangeShapeType="1" noTextEdit="1"/>
+              </p:cNvSpPr>
+              <p:nvPr/>
+            </p:nvSpPr>
+            <p:spPr>
+              <a:xfrm>
+                <a:off x="8328532" y="4735919"/>
+                <a:ext cx="540000" cy="540000"/>
+              </a:xfrm>
+              <a:prstGeom prst="ellipse">
+                <a:avLst/>
+              </a:prstGeom>
+              <a:blipFill>
+                <a:blip r:embed="rId8"/>
+                <a:stretch>
+                  <a:fillRect/>
+                </a:stretch>
+              </a:blipFill>
+              <a:ln w="28575">
+                <a:solidFill>
+                  <a:schemeClr val="tx1"/>
+                </a:solidFill>
+              </a:ln>
+            </p:spPr>
+            <p:txBody>
+              <a:bodyPr/>
+              <a:lstStyle/>
+              <a:p>
+                <a:r>
+                  <a:rPr lang="ja-JP" altLang="en-US">
+                    <a:noFill/>
+                  </a:rPr>
+                  <a:t> </a:t>
+                </a:r>
+              </a:p>
+            </p:txBody>
+          </p:sp>
+        </mc:Fallback>
+      </mc:AlternateContent>
+      <mc:AlternateContent xmlns:mc="http://schemas.openxmlformats.org/markup-compatibility/2006">
+        <mc:Choice xmlns:a14="http://schemas.microsoft.com/office/drawing/2010/main" Requires="a14">
+          <p:sp>
+            <p:nvSpPr>
+              <p:cNvPr id="10" name="楕円 9">
+                <a:extLst>
+                  <a:ext uri="{FF2B5EF4-FFF2-40B4-BE49-F238E27FC236}">
+                    <a16:creationId xmlns:a16="http://schemas.microsoft.com/office/drawing/2014/main" id="{65BF83DC-E548-43DE-AB96-5248DC547679}"/>
+                  </a:ext>
+                </a:extLst>
+              </p:cNvPr>
+              <p:cNvSpPr/>
+              <p:nvPr/>
+            </p:nvSpPr>
+            <p:spPr>
+              <a:xfrm>
+                <a:off x="7496540" y="5733256"/>
+                <a:ext cx="540000" cy="540000"/>
+              </a:xfrm>
+              <a:prstGeom prst="ellipse">
+                <a:avLst/>
+              </a:prstGeom>
+              <a:solidFill>
+                <a:schemeClr val="bg1"/>
+              </a:solidFill>
+              <a:ln w="28575">
+                <a:solidFill>
+                  <a:schemeClr val="tx1"/>
+                </a:solidFill>
+              </a:ln>
+            </p:spPr>
+            <p:style>
+              <a:lnRef idx="1">
+                <a:schemeClr val="accent1"/>
+              </a:lnRef>
+              <a:fillRef idx="0">
+                <a:schemeClr val="accent1"/>
+              </a:fillRef>
+              <a:effectRef idx="0">
+                <a:schemeClr val="accent1"/>
+              </a:effectRef>
+              <a:fontRef idx="minor">
+                <a:schemeClr val="tx1"/>
+              </a:fontRef>
+            </p:style>
+            <p:txBody>
+              <a:bodyPr rtlCol="0" anchor="ctr"/>
+              <a:lstStyle/>
+              <a:p>
+                <a:pPr algn="ctr"/>
+                <a14:m>
+                  <m:oMathPara xmlns:m="http://schemas.openxmlformats.org/officeDocument/2006/math">
+                    <m:oMathParaPr>
+                      <m:jc m:val="centerGroup"/>
+                    </m:oMathParaPr>
+                    <m:oMath xmlns:m="http://schemas.openxmlformats.org/officeDocument/2006/math">
+                      <m:r>
+                        <a:rPr kumimoji="1" lang="en-US" altLang="ja-JP" sz="2000" b="0" i="1" smtClean="0">
+                          <a:latin typeface="Cambria Math" panose="02040503050406030204" pitchFamily="18" charset="0"/>
+                        </a:rPr>
+                        <m:t>𝐵</m:t>
+                      </m:r>
+                    </m:oMath>
+                  </m:oMathPara>
+                </a14:m>
+                <a:endParaRPr kumimoji="1" lang="ja-JP" altLang="en-US" dirty="0"/>
+              </a:p>
+            </p:txBody>
+          </p:sp>
+        </mc:Choice>
+        <mc:Fallback>
+          <p:sp>
+            <p:nvSpPr>
+              <p:cNvPr id="10" name="楕円 9">
+                <a:extLst>
+                  <a:ext uri="{FF2B5EF4-FFF2-40B4-BE49-F238E27FC236}">
+                    <a16:creationId xmlns:a16="http://schemas.microsoft.com/office/drawing/2014/main" id="{65BF83DC-E548-43DE-AB96-5248DC547679}"/>
+                  </a:ext>
+                </a:extLst>
+              </p:cNvPr>
+              <p:cNvSpPr>
+                <a:spLocks noRot="1" noChangeAspect="1" noMove="1" noResize="1" noEditPoints="1" noAdjustHandles="1" noChangeArrowheads="1" noChangeShapeType="1" noTextEdit="1"/>
+              </p:cNvSpPr>
+              <p:nvPr/>
+            </p:nvSpPr>
+            <p:spPr>
+              <a:xfrm>
+                <a:off x="7496540" y="5733256"/>
+                <a:ext cx="540000" cy="540000"/>
+              </a:xfrm>
+              <a:prstGeom prst="ellipse">
+                <a:avLst/>
+              </a:prstGeom>
+              <a:blipFill>
+                <a:blip r:embed="rId9"/>
+                <a:stretch>
+                  <a:fillRect/>
+                </a:stretch>
+              </a:blipFill>
+              <a:ln w="28575">
+                <a:solidFill>
+                  <a:schemeClr val="tx1"/>
+                </a:solidFill>
+              </a:ln>
+            </p:spPr>
+            <p:txBody>
+              <a:bodyPr/>
+              <a:lstStyle/>
+              <a:p>
+                <a:r>
+                  <a:rPr lang="ja-JP" altLang="en-US">
+                    <a:noFill/>
+                  </a:rPr>
+                  <a:t> </a:t>
+                </a:r>
+              </a:p>
+            </p:txBody>
+          </p:sp>
+        </mc:Fallback>
+      </mc:AlternateContent>
+      <mc:AlternateContent xmlns:mc="http://schemas.openxmlformats.org/markup-compatibility/2006">
+        <mc:Choice xmlns:a14="http://schemas.microsoft.com/office/drawing/2010/main" Requires="a14">
+          <p:sp>
+            <p:nvSpPr>
+              <p:cNvPr id="11" name="楕円 10">
+                <a:extLst>
+                  <a:ext uri="{FF2B5EF4-FFF2-40B4-BE49-F238E27FC236}">
+                    <a16:creationId xmlns:a16="http://schemas.microsoft.com/office/drawing/2014/main" id="{25F738AB-772B-40A6-87AB-664BC376B28C}"/>
+                  </a:ext>
+                </a:extLst>
+              </p:cNvPr>
+              <p:cNvSpPr/>
+              <p:nvPr/>
+            </p:nvSpPr>
+            <p:spPr>
+              <a:xfrm>
+                <a:off x="6223263" y="5733256"/>
+                <a:ext cx="540000" cy="540000"/>
+              </a:xfrm>
+              <a:prstGeom prst="ellipse">
+                <a:avLst/>
+              </a:prstGeom>
+              <a:solidFill>
+                <a:schemeClr val="bg1"/>
+              </a:solidFill>
+              <a:ln w="28575">
+                <a:solidFill>
+                  <a:schemeClr val="tx1"/>
+                </a:solidFill>
+              </a:ln>
+            </p:spPr>
+            <p:style>
+              <a:lnRef idx="1">
+                <a:schemeClr val="accent1"/>
+              </a:lnRef>
+              <a:fillRef idx="0">
+                <a:schemeClr val="accent1"/>
+              </a:fillRef>
+              <a:effectRef idx="0">
+                <a:schemeClr val="accent1"/>
+              </a:effectRef>
+              <a:fontRef idx="minor">
+                <a:schemeClr val="tx1"/>
+              </a:fontRef>
+            </p:style>
+            <p:txBody>
+              <a:bodyPr rtlCol="0" anchor="ctr"/>
+              <a:lstStyle/>
+              <a:p>
+                <a:pPr algn="ctr"/>
+                <a14:m>
+                  <m:oMathPara xmlns:m="http://schemas.openxmlformats.org/officeDocument/2006/math">
+                    <m:oMathParaPr>
+                      <m:jc m:val="centerGroup"/>
+                    </m:oMathParaPr>
+                    <m:oMath xmlns:m="http://schemas.openxmlformats.org/officeDocument/2006/math">
+                      <m:r>
+                        <a:rPr kumimoji="1" lang="en-US" altLang="ja-JP" sz="2000" b="0" i="1" smtClean="0">
+                          <a:latin typeface="Cambria Math" panose="02040503050406030204" pitchFamily="18" charset="0"/>
+                        </a:rPr>
+                        <m:t>𝐴</m:t>
+                      </m:r>
+                    </m:oMath>
+                  </m:oMathPara>
+                </a14:m>
+                <a:endParaRPr kumimoji="1" lang="ja-JP" altLang="en-US" dirty="0"/>
+              </a:p>
+            </p:txBody>
+          </p:sp>
+        </mc:Choice>
+        <mc:Fallback>
+          <p:sp>
+            <p:nvSpPr>
+              <p:cNvPr id="11" name="楕円 10">
+                <a:extLst>
+                  <a:ext uri="{FF2B5EF4-FFF2-40B4-BE49-F238E27FC236}">
+                    <a16:creationId xmlns:a16="http://schemas.microsoft.com/office/drawing/2014/main" id="{25F738AB-772B-40A6-87AB-664BC376B28C}"/>
+                  </a:ext>
+                </a:extLst>
+              </p:cNvPr>
+              <p:cNvSpPr>
+                <a:spLocks noRot="1" noChangeAspect="1" noMove="1" noResize="1" noEditPoints="1" noAdjustHandles="1" noChangeArrowheads="1" noChangeShapeType="1" noTextEdit="1"/>
+              </p:cNvSpPr>
+              <p:nvPr/>
+            </p:nvSpPr>
+            <p:spPr>
+              <a:xfrm>
+                <a:off x="6223263" y="5733256"/>
+                <a:ext cx="540000" cy="540000"/>
+              </a:xfrm>
+              <a:prstGeom prst="ellipse">
+                <a:avLst/>
+              </a:prstGeom>
+              <a:blipFill>
+                <a:blip r:embed="rId10"/>
+                <a:stretch>
+                  <a:fillRect/>
+                </a:stretch>
+              </a:blipFill>
+              <a:ln w="28575">
+                <a:solidFill>
+                  <a:schemeClr val="tx1"/>
+                </a:solidFill>
+              </a:ln>
+            </p:spPr>
+            <p:txBody>
+              <a:bodyPr/>
+              <a:lstStyle/>
+              <a:p>
+                <a:r>
+                  <a:rPr lang="ja-JP" altLang="en-US">
+                    <a:noFill/>
+                  </a:rPr>
+                  <a:t> </a:t>
+                </a:r>
+              </a:p>
+            </p:txBody>
+          </p:sp>
+        </mc:Fallback>
+      </mc:AlternateContent>
+      <mc:AlternateContent xmlns:mc="http://schemas.openxmlformats.org/markup-compatibility/2006">
+        <mc:Choice xmlns:a14="http://schemas.microsoft.com/office/drawing/2010/main" Requires="a14">
+          <p:sp>
+            <p:nvSpPr>
+              <p:cNvPr id="40" name="テキスト ボックス 39">
+                <a:extLst>
+                  <a:ext uri="{FF2B5EF4-FFF2-40B4-BE49-F238E27FC236}">
+                    <a16:creationId xmlns:a16="http://schemas.microsoft.com/office/drawing/2014/main" id="{94E026F6-E2DF-42A8-9D38-D410D83C6243}"/>
+                  </a:ext>
+                </a:extLst>
+              </p:cNvPr>
+              <p:cNvSpPr txBox="1"/>
+              <p:nvPr/>
+            </p:nvSpPr>
+            <p:spPr>
+              <a:xfrm>
+                <a:off x="6895429" y="2303031"/>
+                <a:ext cx="413895" cy="400110"/>
+              </a:xfrm>
+              <a:prstGeom prst="rect">
+                <a:avLst/>
+              </a:prstGeom>
+              <a:noFill/>
+            </p:spPr>
+            <p:txBody>
+              <a:bodyPr wrap="none" rtlCol="0">
+                <a:spAutoFit/>
+              </a:bodyPr>
+              <a:lstStyle/>
+              <a:p>
+                <a14:m>
+                  <m:oMathPara xmlns:m="http://schemas.openxmlformats.org/officeDocument/2006/math">
+                    <m:oMathParaPr>
+                      <m:jc m:val="centerGroup"/>
+                    </m:oMathParaPr>
+                    <m:oMath xmlns:m="http://schemas.openxmlformats.org/officeDocument/2006/math">
+                      <m:r>
+                        <a:rPr kumimoji="1" lang="en-US" altLang="ja-JP" sz="2000" b="0" i="1" smtClean="0">
+                          <a:latin typeface="Cambria Math" panose="02040503050406030204" pitchFamily="18" charset="0"/>
+                        </a:rPr>
+                        <m:t>1</m:t>
+                      </m:r>
+                    </m:oMath>
+                  </m:oMathPara>
+                </a14:m>
+                <a:endParaRPr kumimoji="1" lang="ja-JP" altLang="en-US" dirty="0"/>
+              </a:p>
+            </p:txBody>
+          </p:sp>
+        </mc:Choice>
+        <mc:Fallback>
+          <p:sp>
+            <p:nvSpPr>
+              <p:cNvPr id="40" name="テキスト ボックス 39">
+                <a:extLst>
+                  <a:ext uri="{FF2B5EF4-FFF2-40B4-BE49-F238E27FC236}">
+                    <a16:creationId xmlns:a16="http://schemas.microsoft.com/office/drawing/2014/main" id="{94E026F6-E2DF-42A8-9D38-D410D83C6243}"/>
+                  </a:ext>
+                </a:extLst>
+              </p:cNvPr>
+              <p:cNvSpPr txBox="1">
+                <a:spLocks noRot="1" noChangeAspect="1" noMove="1" noResize="1" noEditPoints="1" noAdjustHandles="1" noChangeArrowheads="1" noChangeShapeType="1" noTextEdit="1"/>
+              </p:cNvSpPr>
+              <p:nvPr/>
+            </p:nvSpPr>
+            <p:spPr>
+              <a:xfrm>
+                <a:off x="6895429" y="2303031"/>
+                <a:ext cx="413895" cy="400110"/>
+              </a:xfrm>
+              <a:prstGeom prst="rect">
+                <a:avLst/>
+              </a:prstGeom>
+              <a:blipFill>
+                <a:blip r:embed="rId11"/>
+                <a:stretch>
+                  <a:fillRect/>
+                </a:stretch>
+              </a:blipFill>
+            </p:spPr>
+            <p:txBody>
+              <a:bodyPr/>
+              <a:lstStyle/>
+              <a:p>
+                <a:r>
+                  <a:rPr lang="ja-JP" altLang="en-US">
+                    <a:noFill/>
+                  </a:rPr>
+                  <a:t> </a:t>
+                </a:r>
+              </a:p>
+            </p:txBody>
+          </p:sp>
+        </mc:Fallback>
+      </mc:AlternateContent>
+      <mc:AlternateContent xmlns:mc="http://schemas.openxmlformats.org/markup-compatibility/2006">
+        <mc:Choice xmlns:a14="http://schemas.microsoft.com/office/drawing/2010/main" Requires="a14">
+          <p:sp>
+            <p:nvSpPr>
+              <p:cNvPr id="41" name="テキスト ボックス 40">
+                <a:extLst>
+                  <a:ext uri="{FF2B5EF4-FFF2-40B4-BE49-F238E27FC236}">
+                    <a16:creationId xmlns:a16="http://schemas.microsoft.com/office/drawing/2014/main" id="{5B7130A0-D33F-4E08-B9FA-389B741520D5}"/>
+                  </a:ext>
+                </a:extLst>
+              </p:cNvPr>
+              <p:cNvSpPr txBox="1"/>
+              <p:nvPr/>
+            </p:nvSpPr>
+            <p:spPr>
+              <a:xfrm>
+                <a:off x="5202157" y="4106206"/>
+                <a:ext cx="413895" cy="400110"/>
+              </a:xfrm>
+              <a:prstGeom prst="rect">
+                <a:avLst/>
+              </a:prstGeom>
+              <a:noFill/>
+            </p:spPr>
+            <p:txBody>
+              <a:bodyPr wrap="none" rtlCol="0">
+                <a:spAutoFit/>
+              </a:bodyPr>
+              <a:lstStyle/>
+              <a:p>
+                <a14:m>
+                  <m:oMathPara xmlns:m="http://schemas.openxmlformats.org/officeDocument/2006/math">
+                    <m:oMathParaPr>
+                      <m:jc m:val="centerGroup"/>
+                    </m:oMathParaPr>
+                    <m:oMath xmlns:m="http://schemas.openxmlformats.org/officeDocument/2006/math">
+                      <m:r>
+                        <a:rPr kumimoji="1" lang="en-US" altLang="ja-JP" sz="2000" b="0" i="1" smtClean="0">
+                          <a:latin typeface="Cambria Math" panose="02040503050406030204" pitchFamily="18" charset="0"/>
+                        </a:rPr>
+                        <m:t>1</m:t>
+                      </m:r>
+                    </m:oMath>
+                  </m:oMathPara>
+                </a14:m>
+                <a:endParaRPr kumimoji="1" lang="ja-JP" altLang="en-US" dirty="0"/>
+              </a:p>
+            </p:txBody>
+          </p:sp>
+        </mc:Choice>
+        <mc:Fallback>
+          <p:sp>
+            <p:nvSpPr>
+              <p:cNvPr id="41" name="テキスト ボックス 40">
+                <a:extLst>
+                  <a:ext uri="{FF2B5EF4-FFF2-40B4-BE49-F238E27FC236}">
+                    <a16:creationId xmlns:a16="http://schemas.microsoft.com/office/drawing/2014/main" id="{5B7130A0-D33F-4E08-B9FA-389B741520D5}"/>
+                  </a:ext>
+                </a:extLst>
+              </p:cNvPr>
+              <p:cNvSpPr txBox="1">
+                <a:spLocks noRot="1" noChangeAspect="1" noMove="1" noResize="1" noEditPoints="1" noAdjustHandles="1" noChangeArrowheads="1" noChangeShapeType="1" noTextEdit="1"/>
+              </p:cNvSpPr>
+              <p:nvPr/>
+            </p:nvSpPr>
+            <p:spPr>
+              <a:xfrm>
+                <a:off x="5202157" y="4106206"/>
+                <a:ext cx="413895" cy="400110"/>
+              </a:xfrm>
+              <a:prstGeom prst="rect">
+                <a:avLst/>
+              </a:prstGeom>
+              <a:blipFill>
+                <a:blip r:embed="rId12"/>
+                <a:stretch>
+                  <a:fillRect/>
+                </a:stretch>
+              </a:blipFill>
+            </p:spPr>
+            <p:txBody>
+              <a:bodyPr/>
+              <a:lstStyle/>
+              <a:p>
+                <a:r>
+                  <a:rPr lang="ja-JP" altLang="en-US">
+                    <a:noFill/>
+                  </a:rPr>
+                  <a:t> </a:t>
+                </a:r>
+              </a:p>
+            </p:txBody>
+          </p:sp>
+        </mc:Fallback>
+      </mc:AlternateContent>
+      <mc:AlternateContent xmlns:mc="http://schemas.openxmlformats.org/markup-compatibility/2006">
+        <mc:Choice xmlns:a14="http://schemas.microsoft.com/office/drawing/2010/main" Requires="a14">
+          <p:sp>
+            <p:nvSpPr>
+              <p:cNvPr id="42" name="テキスト ボックス 41">
+                <a:extLst>
+                  <a:ext uri="{FF2B5EF4-FFF2-40B4-BE49-F238E27FC236}">
+                    <a16:creationId xmlns:a16="http://schemas.microsoft.com/office/drawing/2014/main" id="{6AA6CF60-DFCC-44D5-97B8-81D08BE28B4F}"/>
+                  </a:ext>
+                </a:extLst>
+              </p:cNvPr>
+              <p:cNvSpPr txBox="1"/>
+              <p:nvPr/>
+            </p:nvSpPr>
+            <p:spPr>
+              <a:xfrm>
+                <a:off x="6922953" y="3588070"/>
+                <a:ext cx="413895" cy="400110"/>
+              </a:xfrm>
+              <a:prstGeom prst="rect">
+                <a:avLst/>
+              </a:prstGeom>
+              <a:noFill/>
+            </p:spPr>
+            <p:txBody>
+              <a:bodyPr wrap="none" rtlCol="0">
+                <a:spAutoFit/>
+              </a:bodyPr>
+              <a:lstStyle/>
+              <a:p>
+                <a14:m>
+                  <m:oMathPara xmlns:m="http://schemas.openxmlformats.org/officeDocument/2006/math">
+                    <m:oMathParaPr>
+                      <m:jc m:val="centerGroup"/>
+                    </m:oMathParaPr>
+                    <m:oMath xmlns:m="http://schemas.openxmlformats.org/officeDocument/2006/math">
+                      <m:r>
+                        <a:rPr kumimoji="1" lang="en-US" altLang="ja-JP" sz="2000" b="0" i="1" smtClean="0">
+                          <a:latin typeface="Cambria Math" panose="02040503050406030204" pitchFamily="18" charset="0"/>
+                        </a:rPr>
+                        <m:t>1</m:t>
+                      </m:r>
+                    </m:oMath>
+                  </m:oMathPara>
+                </a14:m>
+                <a:endParaRPr kumimoji="1" lang="ja-JP" altLang="en-US" dirty="0"/>
+              </a:p>
+            </p:txBody>
+          </p:sp>
+        </mc:Choice>
+        <mc:Fallback>
+          <p:sp>
+            <p:nvSpPr>
+              <p:cNvPr id="42" name="テキスト ボックス 41">
+                <a:extLst>
+                  <a:ext uri="{FF2B5EF4-FFF2-40B4-BE49-F238E27FC236}">
+                    <a16:creationId xmlns:a16="http://schemas.microsoft.com/office/drawing/2014/main" id="{6AA6CF60-DFCC-44D5-97B8-81D08BE28B4F}"/>
+                  </a:ext>
+                </a:extLst>
+              </p:cNvPr>
+              <p:cNvSpPr txBox="1">
+                <a:spLocks noRot="1" noChangeAspect="1" noMove="1" noResize="1" noEditPoints="1" noAdjustHandles="1" noChangeArrowheads="1" noChangeShapeType="1" noTextEdit="1"/>
+              </p:cNvSpPr>
+              <p:nvPr/>
+            </p:nvSpPr>
+            <p:spPr>
+              <a:xfrm>
+                <a:off x="6922953" y="3588070"/>
+                <a:ext cx="413895" cy="400110"/>
+              </a:xfrm>
+              <a:prstGeom prst="rect">
+                <a:avLst/>
+              </a:prstGeom>
+              <a:blipFill>
+                <a:blip r:embed="rId13"/>
+                <a:stretch>
+                  <a:fillRect/>
+                </a:stretch>
+              </a:blipFill>
+            </p:spPr>
+            <p:txBody>
+              <a:bodyPr/>
+              <a:lstStyle/>
+              <a:p>
+                <a:r>
+                  <a:rPr lang="ja-JP" altLang="en-US">
+                    <a:noFill/>
+                  </a:rPr>
+                  <a:t> </a:t>
+                </a:r>
+              </a:p>
+            </p:txBody>
+          </p:sp>
+        </mc:Fallback>
+      </mc:AlternateContent>
+      <mc:AlternateContent xmlns:mc="http://schemas.openxmlformats.org/markup-compatibility/2006">
+        <mc:Choice xmlns:a14="http://schemas.microsoft.com/office/drawing/2010/main" Requires="a14">
+          <p:sp>
+            <p:nvSpPr>
+              <p:cNvPr id="43" name="テキスト ボックス 42">
+                <a:extLst>
+                  <a:ext uri="{FF2B5EF4-FFF2-40B4-BE49-F238E27FC236}">
+                    <a16:creationId xmlns:a16="http://schemas.microsoft.com/office/drawing/2014/main" id="{E190284F-B655-4222-968B-F71AA26EE813}"/>
+                  </a:ext>
+                </a:extLst>
+              </p:cNvPr>
+              <p:cNvSpPr txBox="1"/>
+              <p:nvPr/>
+            </p:nvSpPr>
+            <p:spPr>
+              <a:xfrm>
+                <a:off x="8550593" y="4093369"/>
+                <a:ext cx="413895" cy="400110"/>
+              </a:xfrm>
+              <a:prstGeom prst="rect">
+                <a:avLst/>
+              </a:prstGeom>
+              <a:noFill/>
+            </p:spPr>
+            <p:txBody>
+              <a:bodyPr wrap="none" rtlCol="0">
+                <a:spAutoFit/>
+              </a:bodyPr>
+              <a:lstStyle/>
+              <a:p>
+                <a14:m>
+                  <m:oMathPara xmlns:m="http://schemas.openxmlformats.org/officeDocument/2006/math">
+                    <m:oMathParaPr>
+                      <m:jc m:val="centerGroup"/>
+                    </m:oMathParaPr>
+                    <m:oMath xmlns:m="http://schemas.openxmlformats.org/officeDocument/2006/math">
+                      <m:r>
+                        <a:rPr kumimoji="1" lang="en-US" altLang="ja-JP" sz="2000" b="0" i="1" smtClean="0">
+                          <a:latin typeface="Cambria Math" panose="02040503050406030204" pitchFamily="18" charset="0"/>
+                        </a:rPr>
+                        <m:t>1</m:t>
+                      </m:r>
+                    </m:oMath>
+                  </m:oMathPara>
+                </a14:m>
+                <a:endParaRPr kumimoji="1" lang="ja-JP" altLang="en-US" dirty="0"/>
+              </a:p>
+            </p:txBody>
+          </p:sp>
+        </mc:Choice>
+        <mc:Fallback>
+          <p:sp>
+            <p:nvSpPr>
+              <p:cNvPr id="43" name="テキスト ボックス 42">
+                <a:extLst>
+                  <a:ext uri="{FF2B5EF4-FFF2-40B4-BE49-F238E27FC236}">
+                    <a16:creationId xmlns:a16="http://schemas.microsoft.com/office/drawing/2014/main" id="{E190284F-B655-4222-968B-F71AA26EE813}"/>
+                  </a:ext>
+                </a:extLst>
+              </p:cNvPr>
+              <p:cNvSpPr txBox="1">
+                <a:spLocks noRot="1" noChangeAspect="1" noMove="1" noResize="1" noEditPoints="1" noAdjustHandles="1" noChangeArrowheads="1" noChangeShapeType="1" noTextEdit="1"/>
+              </p:cNvSpPr>
+              <p:nvPr/>
+            </p:nvSpPr>
+            <p:spPr>
+              <a:xfrm>
+                <a:off x="8550593" y="4093369"/>
+                <a:ext cx="413895" cy="400110"/>
+              </a:xfrm>
+              <a:prstGeom prst="rect">
+                <a:avLst/>
+              </a:prstGeom>
+              <a:blipFill>
+                <a:blip r:embed="rId14"/>
+                <a:stretch>
+                  <a:fillRect/>
+                </a:stretch>
+              </a:blipFill>
+            </p:spPr>
+            <p:txBody>
+              <a:bodyPr/>
+              <a:lstStyle/>
+              <a:p>
+                <a:r>
+                  <a:rPr lang="ja-JP" altLang="en-US">
+                    <a:noFill/>
+                  </a:rPr>
+                  <a:t> </a:t>
+                </a:r>
+              </a:p>
+            </p:txBody>
+          </p:sp>
+        </mc:Fallback>
+      </mc:AlternateContent>
+      <mc:AlternateContent xmlns:mc="http://schemas.openxmlformats.org/markup-compatibility/2006">
+        <mc:Choice xmlns:a14="http://schemas.microsoft.com/office/drawing/2010/main" Requires="a14">
+          <p:sp>
+            <p:nvSpPr>
+              <p:cNvPr id="44" name="テキスト ボックス 43">
+                <a:extLst>
+                  <a:ext uri="{FF2B5EF4-FFF2-40B4-BE49-F238E27FC236}">
+                    <a16:creationId xmlns:a16="http://schemas.microsoft.com/office/drawing/2014/main" id="{A1647630-0D8E-4508-9D31-87A98E9310ED}"/>
+                  </a:ext>
+                </a:extLst>
+              </p:cNvPr>
+              <p:cNvSpPr txBox="1"/>
+              <p:nvPr/>
+            </p:nvSpPr>
+            <p:spPr>
+              <a:xfrm>
+                <a:off x="5696575" y="2778375"/>
+                <a:ext cx="413895" cy="400110"/>
+              </a:xfrm>
+              <a:prstGeom prst="rect">
+                <a:avLst/>
+              </a:prstGeom>
+              <a:noFill/>
+            </p:spPr>
+            <p:txBody>
+              <a:bodyPr wrap="none" rtlCol="0">
+                <a:spAutoFit/>
+              </a:bodyPr>
+              <a:lstStyle/>
+              <a:p>
+                <a14:m>
+                  <m:oMathPara xmlns:m="http://schemas.openxmlformats.org/officeDocument/2006/math">
+                    <m:oMathParaPr>
+                      <m:jc m:val="centerGroup"/>
+                    </m:oMathParaPr>
+                    <m:oMath xmlns:m="http://schemas.openxmlformats.org/officeDocument/2006/math">
+                      <m:r>
+                        <a:rPr kumimoji="1" lang="en-US" altLang="ja-JP" sz="2000" b="0" i="1" smtClean="0">
+                          <a:latin typeface="Cambria Math" panose="02040503050406030204" pitchFamily="18" charset="0"/>
+                        </a:rPr>
+                        <m:t>2</m:t>
+                      </m:r>
+                    </m:oMath>
+                  </m:oMathPara>
+                </a14:m>
+                <a:endParaRPr kumimoji="1" lang="ja-JP" altLang="en-US" dirty="0"/>
+              </a:p>
+            </p:txBody>
+          </p:sp>
+        </mc:Choice>
+        <mc:Fallback>
+          <p:sp>
+            <p:nvSpPr>
+              <p:cNvPr id="44" name="テキスト ボックス 43">
+                <a:extLst>
+                  <a:ext uri="{FF2B5EF4-FFF2-40B4-BE49-F238E27FC236}">
+                    <a16:creationId xmlns:a16="http://schemas.microsoft.com/office/drawing/2014/main" id="{A1647630-0D8E-4508-9D31-87A98E9310ED}"/>
+                  </a:ext>
+                </a:extLst>
+              </p:cNvPr>
+              <p:cNvSpPr txBox="1">
+                <a:spLocks noRot="1" noChangeAspect="1" noMove="1" noResize="1" noEditPoints="1" noAdjustHandles="1" noChangeArrowheads="1" noChangeShapeType="1" noTextEdit="1"/>
+              </p:cNvSpPr>
+              <p:nvPr/>
+            </p:nvSpPr>
+            <p:spPr>
+              <a:xfrm>
+                <a:off x="5696575" y="2778375"/>
+                <a:ext cx="413895" cy="400110"/>
+              </a:xfrm>
+              <a:prstGeom prst="rect">
+                <a:avLst/>
+              </a:prstGeom>
+              <a:blipFill>
+                <a:blip r:embed="rId15"/>
+                <a:stretch>
+                  <a:fillRect/>
+                </a:stretch>
+              </a:blipFill>
+            </p:spPr>
+            <p:txBody>
+              <a:bodyPr/>
+              <a:lstStyle/>
+              <a:p>
+                <a:r>
+                  <a:rPr lang="ja-JP" altLang="en-US">
+                    <a:noFill/>
+                  </a:rPr>
+                  <a:t> </a:t>
+                </a:r>
+              </a:p>
+            </p:txBody>
+          </p:sp>
+        </mc:Fallback>
+      </mc:AlternateContent>
+      <mc:AlternateContent xmlns:mc="http://schemas.openxmlformats.org/markup-compatibility/2006">
+        <mc:Choice xmlns:a14="http://schemas.microsoft.com/office/drawing/2010/main" Requires="a14">
+          <p:sp>
+            <p:nvSpPr>
+              <p:cNvPr id="45" name="テキスト ボックス 44">
+                <a:extLst>
+                  <a:ext uri="{FF2B5EF4-FFF2-40B4-BE49-F238E27FC236}">
+                    <a16:creationId xmlns:a16="http://schemas.microsoft.com/office/drawing/2014/main" id="{5C6707CA-4729-44ED-8C9C-A5A4E3D9AC22}"/>
+                  </a:ext>
+                </a:extLst>
+              </p:cNvPr>
+              <p:cNvSpPr txBox="1"/>
+              <p:nvPr/>
+            </p:nvSpPr>
+            <p:spPr>
+              <a:xfrm>
+                <a:off x="8136698" y="5439532"/>
+                <a:ext cx="413895" cy="400110"/>
+              </a:xfrm>
+              <a:prstGeom prst="rect">
+                <a:avLst/>
+              </a:prstGeom>
+              <a:noFill/>
+            </p:spPr>
+            <p:txBody>
+              <a:bodyPr wrap="none" rtlCol="0">
+                <a:spAutoFit/>
+              </a:bodyPr>
+              <a:lstStyle/>
+              <a:p>
+                <a14:m>
+                  <m:oMathPara xmlns:m="http://schemas.openxmlformats.org/officeDocument/2006/math">
+                    <m:oMathParaPr>
+                      <m:jc m:val="centerGroup"/>
+                    </m:oMathParaPr>
+                    <m:oMath xmlns:m="http://schemas.openxmlformats.org/officeDocument/2006/math">
+                      <m:r>
+                        <a:rPr kumimoji="1" lang="en-US" altLang="ja-JP" sz="2000" b="0" i="1" smtClean="0">
+                          <a:latin typeface="Cambria Math" panose="02040503050406030204" pitchFamily="18" charset="0"/>
+                        </a:rPr>
+                        <m:t>1</m:t>
+                      </m:r>
+                    </m:oMath>
+                  </m:oMathPara>
+                </a14:m>
+                <a:endParaRPr kumimoji="1" lang="ja-JP" altLang="en-US" dirty="0"/>
+              </a:p>
+            </p:txBody>
+          </p:sp>
+        </mc:Choice>
+        <mc:Fallback>
+          <p:sp>
+            <p:nvSpPr>
+              <p:cNvPr id="45" name="テキスト ボックス 44">
+                <a:extLst>
+                  <a:ext uri="{FF2B5EF4-FFF2-40B4-BE49-F238E27FC236}">
+                    <a16:creationId xmlns:a16="http://schemas.microsoft.com/office/drawing/2014/main" id="{5C6707CA-4729-44ED-8C9C-A5A4E3D9AC22}"/>
+                  </a:ext>
+                </a:extLst>
+              </p:cNvPr>
+              <p:cNvSpPr txBox="1">
+                <a:spLocks noRot="1" noChangeAspect="1" noMove="1" noResize="1" noEditPoints="1" noAdjustHandles="1" noChangeArrowheads="1" noChangeShapeType="1" noTextEdit="1"/>
+              </p:cNvSpPr>
+              <p:nvPr/>
+            </p:nvSpPr>
+            <p:spPr>
+              <a:xfrm>
+                <a:off x="8136698" y="5439532"/>
+                <a:ext cx="413895" cy="400110"/>
+              </a:xfrm>
+              <a:prstGeom prst="rect">
+                <a:avLst/>
+              </a:prstGeom>
+              <a:blipFill>
+                <a:blip r:embed="rId16"/>
+                <a:stretch>
+                  <a:fillRect/>
+                </a:stretch>
+              </a:blipFill>
+            </p:spPr>
+            <p:txBody>
+              <a:bodyPr/>
+              <a:lstStyle/>
+              <a:p>
+                <a:r>
+                  <a:rPr lang="ja-JP" altLang="en-US">
+                    <a:noFill/>
+                  </a:rPr>
+                  <a:t> </a:t>
+                </a:r>
+              </a:p>
+            </p:txBody>
+          </p:sp>
+        </mc:Fallback>
+      </mc:AlternateContent>
+      <mc:AlternateContent xmlns:mc="http://schemas.openxmlformats.org/markup-compatibility/2006">
+        <mc:Choice xmlns:a14="http://schemas.microsoft.com/office/drawing/2010/main" Requires="a14">
+          <p:sp>
+            <p:nvSpPr>
+              <p:cNvPr id="46" name="テキスト ボックス 45">
+                <a:extLst>
+                  <a:ext uri="{FF2B5EF4-FFF2-40B4-BE49-F238E27FC236}">
+                    <a16:creationId xmlns:a16="http://schemas.microsoft.com/office/drawing/2014/main" id="{4B4B07BA-613C-4263-A503-104A17F3E330}"/>
+                  </a:ext>
+                </a:extLst>
+              </p:cNvPr>
+              <p:cNvSpPr txBox="1"/>
+              <p:nvPr/>
+            </p:nvSpPr>
+            <p:spPr>
+              <a:xfrm>
+                <a:off x="5674368" y="5439532"/>
+                <a:ext cx="413895" cy="400110"/>
+              </a:xfrm>
+              <a:prstGeom prst="rect">
+                <a:avLst/>
+              </a:prstGeom>
+              <a:noFill/>
+            </p:spPr>
+            <p:txBody>
+              <a:bodyPr wrap="none" rtlCol="0">
+                <a:spAutoFit/>
+              </a:bodyPr>
+              <a:lstStyle/>
+              <a:p>
+                <a14:m>
+                  <m:oMathPara xmlns:m="http://schemas.openxmlformats.org/officeDocument/2006/math">
+                    <m:oMathParaPr>
+                      <m:jc m:val="centerGroup"/>
+                    </m:oMathParaPr>
+                    <m:oMath xmlns:m="http://schemas.openxmlformats.org/officeDocument/2006/math">
+                      <m:r>
+                        <a:rPr kumimoji="1" lang="en-US" altLang="ja-JP" sz="2000" b="0" i="1" smtClean="0">
+                          <a:latin typeface="Cambria Math" panose="02040503050406030204" pitchFamily="18" charset="0"/>
+                        </a:rPr>
+                        <m:t>1</m:t>
+                      </m:r>
+                    </m:oMath>
+                  </m:oMathPara>
+                </a14:m>
+                <a:endParaRPr kumimoji="1" lang="ja-JP" altLang="en-US" dirty="0"/>
+              </a:p>
+            </p:txBody>
+          </p:sp>
+        </mc:Choice>
+        <mc:Fallback>
+          <p:sp>
+            <p:nvSpPr>
+              <p:cNvPr id="46" name="テキスト ボックス 45">
+                <a:extLst>
+                  <a:ext uri="{FF2B5EF4-FFF2-40B4-BE49-F238E27FC236}">
+                    <a16:creationId xmlns:a16="http://schemas.microsoft.com/office/drawing/2014/main" id="{4B4B07BA-613C-4263-A503-104A17F3E330}"/>
+                  </a:ext>
+                </a:extLst>
+              </p:cNvPr>
+              <p:cNvSpPr txBox="1">
+                <a:spLocks noRot="1" noChangeAspect="1" noMove="1" noResize="1" noEditPoints="1" noAdjustHandles="1" noChangeArrowheads="1" noChangeShapeType="1" noTextEdit="1"/>
+              </p:cNvSpPr>
+              <p:nvPr/>
+            </p:nvSpPr>
+            <p:spPr>
+              <a:xfrm>
+                <a:off x="5674368" y="5439532"/>
+                <a:ext cx="413895" cy="400110"/>
+              </a:xfrm>
+              <a:prstGeom prst="rect">
+                <a:avLst/>
+              </a:prstGeom>
+              <a:blipFill>
+                <a:blip r:embed="rId17"/>
+                <a:stretch>
+                  <a:fillRect/>
+                </a:stretch>
+              </a:blipFill>
+            </p:spPr>
+            <p:txBody>
+              <a:bodyPr/>
+              <a:lstStyle/>
+              <a:p>
+                <a:r>
+                  <a:rPr lang="ja-JP" altLang="en-US">
+                    <a:noFill/>
+                  </a:rPr>
+                  <a:t> </a:t>
+                </a:r>
+              </a:p>
+            </p:txBody>
+          </p:sp>
+        </mc:Fallback>
+      </mc:AlternateContent>
+      <mc:AlternateContent xmlns:mc="http://schemas.openxmlformats.org/markup-compatibility/2006">
+        <mc:Choice xmlns:a14="http://schemas.microsoft.com/office/drawing/2010/main" Requires="a14">
+          <p:sp>
+            <p:nvSpPr>
+              <p:cNvPr id="47" name="テキスト ボックス 46">
+                <a:extLst>
+                  <a:ext uri="{FF2B5EF4-FFF2-40B4-BE49-F238E27FC236}">
+                    <a16:creationId xmlns:a16="http://schemas.microsoft.com/office/drawing/2014/main" id="{13DFA221-D996-49A2-A17B-B306EE1FBE91}"/>
+                  </a:ext>
+                </a:extLst>
+              </p:cNvPr>
+              <p:cNvSpPr txBox="1"/>
+              <p:nvPr/>
+            </p:nvSpPr>
+            <p:spPr>
+              <a:xfrm>
+                <a:off x="6895428" y="6073201"/>
+                <a:ext cx="413895" cy="400110"/>
+              </a:xfrm>
+              <a:prstGeom prst="rect">
+                <a:avLst/>
+              </a:prstGeom>
+              <a:noFill/>
+            </p:spPr>
+            <p:txBody>
+              <a:bodyPr wrap="none" rtlCol="0">
+                <a:spAutoFit/>
+              </a:bodyPr>
+              <a:lstStyle/>
+              <a:p>
+                <a14:m>
+                  <m:oMathPara xmlns:m="http://schemas.openxmlformats.org/officeDocument/2006/math">
+                    <m:oMathParaPr>
+                      <m:jc m:val="centerGroup"/>
+                    </m:oMathParaPr>
+                    <m:oMath xmlns:m="http://schemas.openxmlformats.org/officeDocument/2006/math">
+                      <m:r>
+                        <a:rPr kumimoji="1" lang="en-US" altLang="ja-JP" sz="2000" b="0" i="1" smtClean="0">
+                          <a:latin typeface="Cambria Math" panose="02040503050406030204" pitchFamily="18" charset="0"/>
+                        </a:rPr>
+                        <m:t>2</m:t>
+                      </m:r>
+                    </m:oMath>
+                  </m:oMathPara>
+                </a14:m>
+                <a:endParaRPr kumimoji="1" lang="ja-JP" altLang="en-US" dirty="0"/>
+              </a:p>
+            </p:txBody>
+          </p:sp>
+        </mc:Choice>
+        <mc:Fallback>
+          <p:sp>
+            <p:nvSpPr>
+              <p:cNvPr id="47" name="テキスト ボックス 46">
+                <a:extLst>
+                  <a:ext uri="{FF2B5EF4-FFF2-40B4-BE49-F238E27FC236}">
+                    <a16:creationId xmlns:a16="http://schemas.microsoft.com/office/drawing/2014/main" id="{13DFA221-D996-49A2-A17B-B306EE1FBE91}"/>
+                  </a:ext>
+                </a:extLst>
+              </p:cNvPr>
+              <p:cNvSpPr txBox="1">
+                <a:spLocks noRot="1" noChangeAspect="1" noMove="1" noResize="1" noEditPoints="1" noAdjustHandles="1" noChangeArrowheads="1" noChangeShapeType="1" noTextEdit="1"/>
+              </p:cNvSpPr>
+              <p:nvPr/>
+            </p:nvSpPr>
+            <p:spPr>
+              <a:xfrm>
+                <a:off x="6895428" y="6073201"/>
+                <a:ext cx="413895" cy="400110"/>
+              </a:xfrm>
+              <a:prstGeom prst="rect">
+                <a:avLst/>
+              </a:prstGeom>
+              <a:blipFill>
+                <a:blip r:embed="rId18"/>
+                <a:stretch>
+                  <a:fillRect/>
+                </a:stretch>
+              </a:blipFill>
+            </p:spPr>
+            <p:txBody>
+              <a:bodyPr/>
+              <a:lstStyle/>
+              <a:p>
+                <a:r>
+                  <a:rPr lang="ja-JP" altLang="en-US">
+                    <a:noFill/>
+                  </a:rPr>
+                  <a:t> </a:t>
+                </a:r>
+              </a:p>
+            </p:txBody>
+          </p:sp>
+        </mc:Fallback>
+      </mc:AlternateContent>
+    </p:spTree>
+    <p:extLst>
+      <p:ext uri="{BB962C8B-B14F-4D97-AF65-F5344CB8AC3E}">
+        <p14:creationId xmlns:p14="http://schemas.microsoft.com/office/powerpoint/2010/main" val="3539508056"/>
+      </p:ext>
+    </p:extLst>
+  </p:cSld>
+  <p:clrMapOvr>
+    <a:masterClrMapping/>
+  </p:clrMapOvr>
+</p:sld>
+</file>
+
+<file path=ppt/slides/slide25.xml><?xml version="1.0" encoding="utf-8"?>
 <p:sld xmlns:a="http://schemas.openxmlformats.org/drawingml/2006/main" xmlns:r="http://schemas.openxmlformats.org/officeDocument/2006/relationships" xmlns:p="http://schemas.openxmlformats.org/presentationml/2006/main">
   <p:cSld>
     <p:spTree>
@@ -10807,7 +19178,7 @@
           <p:nvPr/>
         </p:nvPicPr>
         <p:blipFill>
-          <a:blip r:embed="rId2">
+          <a:blip r:embed="rId3">
             <a:extLst>
               <a:ext uri="{28A0092B-C50C-407E-A947-70E740481C1C}">
                 <a14:useLocalDpi xmlns:a14="http://schemas.microsoft.com/office/drawing/2010/main" val="0"/>
@@ -10841,7 +19212,7 @@
 </p:sld>
 </file>
 
-<file path=ppt/slides/slide24.xml><?xml version="1.0" encoding="utf-8"?>
+<file path=ppt/slides/slide26.xml><?xml version="1.0" encoding="utf-8"?>
 <p:sld xmlns:a="http://schemas.openxmlformats.org/drawingml/2006/main" xmlns:r="http://schemas.openxmlformats.org/officeDocument/2006/relationships" xmlns:p="http://schemas.openxmlformats.org/presentationml/2006/main">
   <p:cSld>
     <p:spTree>
@@ -10990,7 +19361,7 @@
 </p:sld>
 </file>
 
-<file path=ppt/slides/slide25.xml><?xml version="1.0" encoding="utf-8"?>
+<file path=ppt/slides/slide27.xml><?xml version="1.0" encoding="utf-8"?>
 <p:sld xmlns:a="http://schemas.openxmlformats.org/drawingml/2006/main" xmlns:r="http://schemas.openxmlformats.org/officeDocument/2006/relationships" xmlns:p="http://schemas.openxmlformats.org/presentationml/2006/main">
   <p:cSld>
     <p:spTree>
@@ -11036,8 +19407,8 @@
           </a:p>
         </p:txBody>
       </p:sp>
-      <mc:AlternateContent xmlns:mc="http://schemas.openxmlformats.org/markup-compatibility/2006">
-        <mc:Choice xmlns:a14="http://schemas.microsoft.com/office/drawing/2010/main" Requires="a14">
+      <mc:AlternateContent xmlns:mc="http://schemas.openxmlformats.org/markup-compatibility/2006" xmlns:a14="http://schemas.microsoft.com/office/drawing/2010/main">
+        <mc:Choice Requires="a14">
           <p:sp>
             <p:nvSpPr>
               <p:cNvPr id="3" name="コンテンツ プレースホルダー 2">
@@ -11162,7 +19533,7 @@
             </p:txBody>
           </p:sp>
         </mc:Choice>
-        <mc:Fallback>
+        <mc:Fallback xmlns="">
           <p:sp>
             <p:nvSpPr>
               <p:cNvPr id="3" name="コンテンツ プレースホルダー 2">
@@ -11206,6 +19577,90 @@
     <p:extLst>
       <p:ext uri="{BB962C8B-B14F-4D97-AF65-F5344CB8AC3E}">
         <p14:creationId xmlns:p14="http://schemas.microsoft.com/office/powerpoint/2010/main" val="2540106931"/>
+      </p:ext>
+    </p:extLst>
+  </p:cSld>
+  <p:clrMapOvr>
+    <a:masterClrMapping/>
+  </p:clrMapOvr>
+</p:sld>
+</file>
+
+<file path=ppt/slides/slide28.xml><?xml version="1.0" encoding="utf-8"?>
+<p:sld xmlns:a="http://schemas.openxmlformats.org/drawingml/2006/main" xmlns:r="http://schemas.openxmlformats.org/officeDocument/2006/relationships" xmlns:p="http://schemas.openxmlformats.org/presentationml/2006/main">
+  <p:cSld>
+    <p:spTree>
+      <p:nvGrpSpPr>
+        <p:cNvPr id="1" name=""/>
+        <p:cNvGrpSpPr/>
+        <p:nvPr/>
+      </p:nvGrpSpPr>
+      <p:grpSpPr>
+        <a:xfrm>
+          <a:off x="0" y="0"/>
+          <a:ext cx="0" cy="0"/>
+          <a:chOff x="0" y="0"/>
+          <a:chExt cx="0" cy="0"/>
+        </a:xfrm>
+      </p:grpSpPr>
+      <p:sp>
+        <p:nvSpPr>
+          <p:cNvPr id="2" name="タイトル 1">
+            <a:extLst>
+              <a:ext uri="{FF2B5EF4-FFF2-40B4-BE49-F238E27FC236}">
+                <a16:creationId xmlns:a16="http://schemas.microsoft.com/office/drawing/2014/main" id="{6707E72B-5461-4E3C-9E54-BD85782071CC}"/>
+              </a:ext>
+            </a:extLst>
+          </p:cNvPr>
+          <p:cNvSpPr>
+            <a:spLocks noGrp="1"/>
+          </p:cNvSpPr>
+          <p:nvPr>
+            <p:ph type="title"/>
+          </p:nvPr>
+        </p:nvSpPr>
+        <p:spPr/>
+        <p:txBody>
+          <a:bodyPr/>
+          <a:lstStyle/>
+          <a:p>
+            <a:r>
+              <a:rPr kumimoji="1" lang="en-US" altLang="ja-JP" dirty="0"/>
+              <a:t>Approximation algorithms</a:t>
+            </a:r>
+            <a:endParaRPr kumimoji="1" lang="ja-JP" altLang="en-US" dirty="0"/>
+          </a:p>
+        </p:txBody>
+      </p:sp>
+      <p:sp>
+        <p:nvSpPr>
+          <p:cNvPr id="3" name="コンテンツ プレースホルダー 2">
+            <a:extLst>
+              <a:ext uri="{FF2B5EF4-FFF2-40B4-BE49-F238E27FC236}">
+                <a16:creationId xmlns:a16="http://schemas.microsoft.com/office/drawing/2014/main" id="{6D85E022-90D7-42EF-9952-D3578FCEAC62}"/>
+              </a:ext>
+            </a:extLst>
+          </p:cNvPr>
+          <p:cNvSpPr>
+            <a:spLocks noGrp="1"/>
+          </p:cNvSpPr>
+          <p:nvPr>
+            <p:ph sz="quarter" idx="1"/>
+          </p:nvPr>
+        </p:nvSpPr>
+        <p:spPr/>
+        <p:txBody>
+          <a:bodyPr/>
+          <a:lstStyle/>
+          <a:p>
+            <a:endParaRPr kumimoji="1" lang="ja-JP" altLang="en-US" dirty="0"/>
+          </a:p>
+        </p:txBody>
+      </p:sp>
+    </p:spTree>
+    <p:extLst>
+      <p:ext uri="{BB962C8B-B14F-4D97-AF65-F5344CB8AC3E}">
+        <p14:creationId xmlns:p14="http://schemas.microsoft.com/office/powerpoint/2010/main" val="3863605483"/>
       </p:ext>
     </p:extLst>
   </p:cSld>
@@ -11462,8 +19917,8 @@
           </a:p>
         </p:txBody>
       </p:sp>
-      <mc:AlternateContent xmlns:mc="http://schemas.openxmlformats.org/markup-compatibility/2006" xmlns:a14="http://schemas.microsoft.com/office/drawing/2010/main">
-        <mc:Choice Requires="a14">
+      <mc:AlternateContent xmlns:mc="http://schemas.openxmlformats.org/markup-compatibility/2006">
+        <mc:Choice xmlns:a14="http://schemas.microsoft.com/office/drawing/2010/main" Requires="a14">
           <p:sp>
             <p:nvSpPr>
               <p:cNvPr id="3" name="コンテンツ プレースホルダー 2">
@@ -11498,7 +19953,14 @@
                 </a:br>
                 <a:r>
                   <a:rPr lang="ja-JP" altLang="en-US" dirty="0"/>
-                  <a:t>その解を否定できることがよくあるという観測に基づく</a:t>
+                  <a:t>その解を否定できることがまあまあの頻度で見受けられる</a:t>
+                </a:r>
+                <a:br>
+                  <a:rPr lang="en-US" altLang="ja-JP" dirty="0"/>
+                </a:br>
+                <a:r>
+                  <a:rPr lang="ja-JP" altLang="en-US" dirty="0"/>
+                  <a:t>ことに基づく</a:t>
                 </a:r>
                 <a:endParaRPr lang="en-US" altLang="ja-JP" dirty="0"/>
               </a:p>
@@ -11896,7 +20358,7 @@
             </p:txBody>
           </p:sp>
         </mc:Choice>
-        <mc:Fallback xmlns="">
+        <mc:Fallback>
           <p:sp>
             <p:nvSpPr>
               <p:cNvPr id="3" name="コンテンツ プレースホルダー 2">

--- a/CopingNPCompleteness.pptx
+++ b/CopingNPCompleteness.pptx
@@ -5,7 +5,7 @@
     <p:sldMasterId id="2147483673" r:id="rId1"/>
   </p:sldMasterIdLst>
   <p:notesMasterIdLst>
-    <p:notesMasterId r:id="rId30"/>
+    <p:notesMasterId r:id="rId40"/>
   </p:notesMasterIdLst>
   <p:sldIdLst>
     <p:sldId id="256" r:id="rId2"/>
@@ -36,6 +36,16 @@
     <p:sldId id="279" r:id="rId27"/>
     <p:sldId id="280" r:id="rId28"/>
     <p:sldId id="288" r:id="rId29"/>
+    <p:sldId id="289" r:id="rId30"/>
+    <p:sldId id="290" r:id="rId31"/>
+    <p:sldId id="291" r:id="rId32"/>
+    <p:sldId id="292" r:id="rId33"/>
+    <p:sldId id="293" r:id="rId34"/>
+    <p:sldId id="294" r:id="rId35"/>
+    <p:sldId id="295" r:id="rId36"/>
+    <p:sldId id="296" r:id="rId37"/>
+    <p:sldId id="297" r:id="rId38"/>
+    <p:sldId id="298" r:id="rId39"/>
   </p:sldIdLst>
   <p:sldSz cx="9144000" cy="6858000" type="screen4x3"/>
   <p:notesSz cx="6858000" cy="9144000"/>
@@ -714,6 +724,197 @@
     <p:extLst>
       <p:ext uri="{BB962C8B-B14F-4D97-AF65-F5344CB8AC3E}">
         <p14:creationId xmlns:p14="http://schemas.microsoft.com/office/powerpoint/2010/main" val="779338686"/>
+      </p:ext>
+    </p:extLst>
+  </p:cSld>
+  <p:clrMapOvr>
+    <a:masterClrMapping/>
+  </p:clrMapOvr>
+</p:notes>
+</file>
+
+<file path=ppt/notesSlides/notesSlide11.xml><?xml version="1.0" encoding="utf-8"?>
+<p:notes xmlns:a="http://schemas.openxmlformats.org/drawingml/2006/main" xmlns:r="http://schemas.openxmlformats.org/officeDocument/2006/relationships" xmlns:p="http://schemas.openxmlformats.org/presentationml/2006/main">
+  <p:cSld>
+    <p:spTree>
+      <p:nvGrpSpPr>
+        <p:cNvPr id="1" name=""/>
+        <p:cNvGrpSpPr/>
+        <p:nvPr/>
+      </p:nvGrpSpPr>
+      <p:grpSpPr>
+        <a:xfrm>
+          <a:off x="0" y="0"/>
+          <a:ext cx="0" cy="0"/>
+          <a:chOff x="0" y="0"/>
+          <a:chExt cx="0" cy="0"/>
+        </a:xfrm>
+      </p:grpSpPr>
+      <p:sp>
+        <p:nvSpPr>
+          <p:cNvPr id="2" name="スライド イメージ プレースホルダー 1"/>
+          <p:cNvSpPr>
+            <a:spLocks noGrp="1" noRot="1" noChangeAspect="1"/>
+          </p:cNvSpPr>
+          <p:nvPr>
+            <p:ph type="sldImg"/>
+          </p:nvPr>
+        </p:nvSpPr>
+        <p:spPr/>
+      </p:sp>
+      <p:sp>
+        <p:nvSpPr>
+          <p:cNvPr id="3" name="ノート プレースホルダー 2"/>
+          <p:cNvSpPr>
+            <a:spLocks noGrp="1"/>
+          </p:cNvSpPr>
+          <p:nvPr>
+            <p:ph type="body" idx="1"/>
+          </p:nvPr>
+        </p:nvSpPr>
+        <p:spPr/>
+        <p:txBody>
+          <a:bodyPr/>
+          <a:lstStyle/>
+          <a:p>
+            <a:r>
+              <a:rPr kumimoji="1" lang="en-US" altLang="ja-JP" dirty="0"/>
+              <a:t>set cover</a:t>
+            </a:r>
+            <a:r>
+              <a:rPr kumimoji="1" lang="ja-JP" altLang="en-US" dirty="0"/>
+              <a:t>は集合被覆問題のこと（しゅうごうひふくもんだい）</a:t>
+            </a:r>
+          </a:p>
+        </p:txBody>
+      </p:sp>
+      <p:sp>
+        <p:nvSpPr>
+          <p:cNvPr id="4" name="スライド番号プレースホルダー 3"/>
+          <p:cNvSpPr>
+            <a:spLocks noGrp="1"/>
+          </p:cNvSpPr>
+          <p:nvPr>
+            <p:ph type="sldNum" sz="quarter" idx="10"/>
+          </p:nvPr>
+        </p:nvSpPr>
+        <p:spPr/>
+        <p:txBody>
+          <a:bodyPr/>
+          <a:lstStyle/>
+          <a:p>
+            <a:fld id="{AE92C377-A34B-4878-9BA4-E5F39997C2D0}" type="slidenum">
+              <a:rPr kumimoji="1" lang="ja-JP" altLang="en-US" smtClean="0"/>
+              <a:t>32</a:t>
+            </a:fld>
+            <a:endParaRPr kumimoji="1" lang="ja-JP" altLang="en-US"/>
+          </a:p>
+        </p:txBody>
+      </p:sp>
+    </p:spTree>
+    <p:extLst>
+      <p:ext uri="{BB962C8B-B14F-4D97-AF65-F5344CB8AC3E}">
+        <p14:creationId xmlns:p14="http://schemas.microsoft.com/office/powerpoint/2010/main" val="1626212009"/>
+      </p:ext>
+    </p:extLst>
+  </p:cSld>
+  <p:clrMapOvr>
+    <a:masterClrMapping/>
+  </p:clrMapOvr>
+</p:notes>
+</file>
+
+<file path=ppt/notesSlides/notesSlide12.xml><?xml version="1.0" encoding="utf-8"?>
+<p:notes xmlns:a="http://schemas.openxmlformats.org/drawingml/2006/main" xmlns:r="http://schemas.openxmlformats.org/officeDocument/2006/relationships" xmlns:p="http://schemas.openxmlformats.org/presentationml/2006/main">
+  <p:cSld>
+    <p:spTree>
+      <p:nvGrpSpPr>
+        <p:cNvPr id="1" name=""/>
+        <p:cNvGrpSpPr/>
+        <p:nvPr/>
+      </p:nvGrpSpPr>
+      <p:grpSpPr>
+        <a:xfrm>
+          <a:off x="0" y="0"/>
+          <a:ext cx="0" cy="0"/>
+          <a:chOff x="0" y="0"/>
+          <a:chExt cx="0" cy="0"/>
+        </a:xfrm>
+      </p:grpSpPr>
+      <p:sp>
+        <p:nvSpPr>
+          <p:cNvPr id="2" name="スライド イメージ プレースホルダー 1"/>
+          <p:cNvSpPr>
+            <a:spLocks noGrp="1" noRot="1" noChangeAspect="1"/>
+          </p:cNvSpPr>
+          <p:nvPr>
+            <p:ph type="sldImg"/>
+          </p:nvPr>
+        </p:nvSpPr>
+        <p:spPr/>
+      </p:sp>
+      <p:sp>
+        <p:nvSpPr>
+          <p:cNvPr id="3" name="ノート プレースホルダー 2"/>
+          <p:cNvSpPr>
+            <a:spLocks noGrp="1"/>
+          </p:cNvSpPr>
+          <p:nvPr>
+            <p:ph type="body" idx="1"/>
+          </p:nvPr>
+        </p:nvSpPr>
+        <p:spPr/>
+        <p:txBody>
+          <a:bodyPr/>
+          <a:lstStyle/>
+          <a:p>
+            <a:r>
+              <a:rPr kumimoji="1" lang="en-US" altLang="ja-JP" dirty="0"/>
+              <a:t>2. It can be used to build a vertex cover, whose size can be related to that of the optimal</a:t>
+            </a:r>
+          </a:p>
+          <a:p>
+            <a:r>
+              <a:rPr kumimoji="1" lang="en-US" altLang="ja-JP" dirty="0"/>
+              <a:t>cover using property 1.</a:t>
+            </a:r>
+          </a:p>
+          <a:p>
+            <a:r>
+              <a:rPr kumimoji="1" lang="ja-JP" altLang="en-US"/>
+              <a:t>困難ではないっていうのは、結構よくあるということかな</a:t>
+            </a:r>
+            <a:endParaRPr kumimoji="1" lang="en-US" altLang="ja-JP" dirty="0"/>
+          </a:p>
+        </p:txBody>
+      </p:sp>
+      <p:sp>
+        <p:nvSpPr>
+          <p:cNvPr id="4" name="スライド番号プレースホルダー 3"/>
+          <p:cNvSpPr>
+            <a:spLocks noGrp="1"/>
+          </p:cNvSpPr>
+          <p:nvPr>
+            <p:ph type="sldNum" sz="quarter" idx="10"/>
+          </p:nvPr>
+        </p:nvSpPr>
+        <p:spPr/>
+        <p:txBody>
+          <a:bodyPr/>
+          <a:lstStyle/>
+          <a:p>
+            <a:fld id="{AE92C377-A34B-4878-9BA4-E5F39997C2D0}" type="slidenum">
+              <a:rPr kumimoji="1" lang="ja-JP" altLang="en-US" smtClean="0"/>
+              <a:t>38</a:t>
+            </a:fld>
+            <a:endParaRPr kumimoji="1" lang="ja-JP" altLang="en-US"/>
+          </a:p>
+        </p:txBody>
+      </p:sp>
+    </p:spTree>
+    <p:extLst>
+      <p:ext uri="{BB962C8B-B14F-4D97-AF65-F5344CB8AC3E}">
+        <p14:creationId xmlns:p14="http://schemas.microsoft.com/office/powerpoint/2010/main" val="3634981991"/>
       </p:ext>
     </p:extLst>
   </p:cSld>
@@ -6834,8 +7035,8 @@
           </a:p>
         </p:txBody>
       </p:sp>
-      <mc:AlternateContent xmlns:mc="http://schemas.openxmlformats.org/markup-compatibility/2006">
-        <mc:Choice xmlns:a14="http://schemas.microsoft.com/office/drawing/2010/main" Requires="a14">
+      <mc:AlternateContent xmlns:mc="http://schemas.openxmlformats.org/markup-compatibility/2006" xmlns:a14="http://schemas.microsoft.com/office/drawing/2010/main">
+        <mc:Choice Requires="a14">
           <p:sp>
             <p:nvSpPr>
               <p:cNvPr id="5" name="四角形: 角を丸くする 4">
@@ -7635,7 +7836,7 @@
             </p:txBody>
           </p:sp>
         </mc:Choice>
-        <mc:Fallback>
+        <mc:Fallback xmlns="">
           <p:sp>
             <p:nvSpPr>
               <p:cNvPr id="5" name="四角形: 角を丸くする 4">
@@ -7685,8 +7886,8 @@
           </p:sp>
         </mc:Fallback>
       </mc:AlternateContent>
-      <mc:AlternateContent xmlns:mc="http://schemas.openxmlformats.org/markup-compatibility/2006">
-        <mc:Choice xmlns:a14="http://schemas.microsoft.com/office/drawing/2010/main" Requires="a14">
+      <mc:AlternateContent xmlns:mc="http://schemas.openxmlformats.org/markup-compatibility/2006" xmlns:a14="http://schemas.microsoft.com/office/drawing/2010/main">
+        <mc:Choice Requires="a14">
           <p:sp>
             <p:nvSpPr>
               <p:cNvPr id="6" name="四角形: 角を丸くする 5">
@@ -8109,7 +8310,7 @@
             </p:txBody>
           </p:sp>
         </mc:Choice>
-        <mc:Fallback>
+        <mc:Fallback xmlns="">
           <p:sp>
             <p:nvSpPr>
               <p:cNvPr id="6" name="四角形: 角を丸くする 5">
@@ -8159,8 +8360,8 @@
           </p:sp>
         </mc:Fallback>
       </mc:AlternateContent>
-      <mc:AlternateContent xmlns:mc="http://schemas.openxmlformats.org/markup-compatibility/2006">
-        <mc:Choice xmlns:a14="http://schemas.microsoft.com/office/drawing/2010/main" Requires="a14">
+      <mc:AlternateContent xmlns:mc="http://schemas.openxmlformats.org/markup-compatibility/2006" xmlns:a14="http://schemas.microsoft.com/office/drawing/2010/main">
+        <mc:Choice Requires="a14">
           <p:sp>
             <p:nvSpPr>
               <p:cNvPr id="7" name="四角形: 角を丸くする 6">
@@ -8652,7 +8853,7 @@
             </p:txBody>
           </p:sp>
         </mc:Choice>
-        <mc:Fallback>
+        <mc:Fallback xmlns="">
           <p:sp>
             <p:nvSpPr>
               <p:cNvPr id="7" name="四角形: 角を丸くする 6">
@@ -8702,8 +8903,8 @@
           </p:sp>
         </mc:Fallback>
       </mc:AlternateContent>
-      <mc:AlternateContent xmlns:mc="http://schemas.openxmlformats.org/markup-compatibility/2006">
-        <mc:Choice xmlns:a14="http://schemas.microsoft.com/office/drawing/2010/main" Requires="a14">
+      <mc:AlternateContent xmlns:mc="http://schemas.openxmlformats.org/markup-compatibility/2006" xmlns:a14="http://schemas.microsoft.com/office/drawing/2010/main">
+        <mc:Choice Requires="a14">
           <p:sp>
             <p:nvSpPr>
               <p:cNvPr id="8" name="四角形: 角を丸くする 7">
@@ -8934,7 +9135,7 @@
             </p:txBody>
           </p:sp>
         </mc:Choice>
-        <mc:Fallback>
+        <mc:Fallback xmlns="">
           <p:sp>
             <p:nvSpPr>
               <p:cNvPr id="8" name="四角形: 角を丸くする 7">
@@ -8984,8 +9185,8 @@
           </p:sp>
         </mc:Fallback>
       </mc:AlternateContent>
-      <mc:AlternateContent xmlns:mc="http://schemas.openxmlformats.org/markup-compatibility/2006">
-        <mc:Choice xmlns:a14="http://schemas.microsoft.com/office/drawing/2010/main" Requires="a14">
+      <mc:AlternateContent xmlns:mc="http://schemas.openxmlformats.org/markup-compatibility/2006" xmlns:a14="http://schemas.microsoft.com/office/drawing/2010/main">
+        <mc:Choice Requires="a14">
           <p:sp>
             <p:nvSpPr>
               <p:cNvPr id="9" name="四角形: 角を丸くする 8">
@@ -9349,7 +9550,7 @@
             </p:txBody>
           </p:sp>
         </mc:Choice>
-        <mc:Fallback>
+        <mc:Fallback xmlns="">
           <p:sp>
             <p:nvSpPr>
               <p:cNvPr id="9" name="四角形: 角を丸くする 8">
@@ -9399,8 +9600,8 @@
           </p:sp>
         </mc:Fallback>
       </mc:AlternateContent>
-      <mc:AlternateContent xmlns:mc="http://schemas.openxmlformats.org/markup-compatibility/2006">
-        <mc:Choice xmlns:a14="http://schemas.microsoft.com/office/drawing/2010/main" Requires="a14">
+      <mc:AlternateContent xmlns:mc="http://schemas.openxmlformats.org/markup-compatibility/2006" xmlns:a14="http://schemas.microsoft.com/office/drawing/2010/main">
+        <mc:Choice Requires="a14">
           <p:sp>
             <p:nvSpPr>
               <p:cNvPr id="10" name="四角形: 角を丸くする 9">
@@ -9668,7 +9869,7 @@
             </p:txBody>
           </p:sp>
         </mc:Choice>
-        <mc:Fallback>
+        <mc:Fallback xmlns="">
           <p:sp>
             <p:nvSpPr>
               <p:cNvPr id="10" name="四角形: 角を丸くする 9">
@@ -9718,8 +9919,8 @@
           </p:sp>
         </mc:Fallback>
       </mc:AlternateContent>
-      <mc:AlternateContent xmlns:mc="http://schemas.openxmlformats.org/markup-compatibility/2006">
-        <mc:Choice xmlns:a14="http://schemas.microsoft.com/office/drawing/2010/main" Requires="a14">
+      <mc:AlternateContent xmlns:mc="http://schemas.openxmlformats.org/markup-compatibility/2006" xmlns:a14="http://schemas.microsoft.com/office/drawing/2010/main">
+        <mc:Choice Requires="a14">
           <p:sp>
             <p:nvSpPr>
               <p:cNvPr id="11" name="四角形: 角を丸くする 10">
@@ -9934,7 +10135,7 @@
             </p:txBody>
           </p:sp>
         </mc:Choice>
-        <mc:Fallback>
+        <mc:Fallback xmlns="">
           <p:sp>
             <p:nvSpPr>
               <p:cNvPr id="11" name="四角形: 角を丸くする 10">
@@ -9984,8 +10185,8 @@
           </p:sp>
         </mc:Fallback>
       </mc:AlternateContent>
-      <mc:AlternateContent xmlns:mc="http://schemas.openxmlformats.org/markup-compatibility/2006">
-        <mc:Choice xmlns:a14="http://schemas.microsoft.com/office/drawing/2010/main" Requires="a14">
+      <mc:AlternateContent xmlns:mc="http://schemas.openxmlformats.org/markup-compatibility/2006" xmlns:a14="http://schemas.microsoft.com/office/drawing/2010/main">
+        <mc:Choice Requires="a14">
           <p:sp>
             <p:nvSpPr>
               <p:cNvPr id="12" name="四角形: 角を丸くする 11">
@@ -10144,7 +10345,7 @@
             </p:txBody>
           </p:sp>
         </mc:Choice>
-        <mc:Fallback>
+        <mc:Fallback xmlns="">
           <p:sp>
             <p:nvSpPr>
               <p:cNvPr id="12" name="四角形: 角を丸くする 11">
@@ -10194,8 +10395,8 @@
           </p:sp>
         </mc:Fallback>
       </mc:AlternateContent>
-      <mc:AlternateContent xmlns:mc="http://schemas.openxmlformats.org/markup-compatibility/2006">
-        <mc:Choice xmlns:a14="http://schemas.microsoft.com/office/drawing/2010/main" Requires="a14">
+      <mc:AlternateContent xmlns:mc="http://schemas.openxmlformats.org/markup-compatibility/2006" xmlns:a14="http://schemas.microsoft.com/office/drawing/2010/main">
+        <mc:Choice Requires="a14">
           <p:sp>
             <p:nvSpPr>
               <p:cNvPr id="13" name="四角形: 角を丸くする 12">
@@ -10415,7 +10616,7 @@
             </p:txBody>
           </p:sp>
         </mc:Choice>
-        <mc:Fallback>
+        <mc:Fallback xmlns="">
           <p:sp>
             <p:nvSpPr>
               <p:cNvPr id="13" name="四角形: 角を丸くする 12">
@@ -10465,8 +10666,8 @@
           </p:sp>
         </mc:Fallback>
       </mc:AlternateContent>
-      <mc:AlternateContent xmlns:mc="http://schemas.openxmlformats.org/markup-compatibility/2006">
-        <mc:Choice xmlns:a14="http://schemas.microsoft.com/office/drawing/2010/main" Requires="a14">
+      <mc:AlternateContent xmlns:mc="http://schemas.openxmlformats.org/markup-compatibility/2006" xmlns:a14="http://schemas.microsoft.com/office/drawing/2010/main">
+        <mc:Choice Requires="a14">
           <p:sp>
             <p:nvSpPr>
               <p:cNvPr id="14" name="四角形: 角を丸くする 13">
@@ -10572,7 +10773,7 @@
             </p:txBody>
           </p:sp>
         </mc:Choice>
-        <mc:Fallback>
+        <mc:Fallback xmlns="">
           <p:sp>
             <p:nvSpPr>
               <p:cNvPr id="14" name="四角形: 角を丸くする 13">
@@ -10622,8 +10823,8 @@
           </p:sp>
         </mc:Fallback>
       </mc:AlternateContent>
-      <mc:AlternateContent xmlns:mc="http://schemas.openxmlformats.org/markup-compatibility/2006">
-        <mc:Choice xmlns:a14="http://schemas.microsoft.com/office/drawing/2010/main" Requires="a14">
+      <mc:AlternateContent xmlns:mc="http://schemas.openxmlformats.org/markup-compatibility/2006" xmlns:a14="http://schemas.microsoft.com/office/drawing/2010/main">
+        <mc:Choice Requires="a14">
           <p:sp>
             <p:nvSpPr>
               <p:cNvPr id="15" name="四角形: 角を丸くする 14">
@@ -10729,7 +10930,7 @@
             </p:txBody>
           </p:sp>
         </mc:Choice>
-        <mc:Fallback>
+        <mc:Fallback xmlns="">
           <p:sp>
             <p:nvSpPr>
               <p:cNvPr id="15" name="四角形: 角を丸くする 14">
@@ -11238,8 +11439,8 @@
           </a:fontRef>
         </p:style>
       </p:cxnSp>
-      <mc:AlternateContent xmlns:mc="http://schemas.openxmlformats.org/markup-compatibility/2006">
-        <mc:Choice xmlns:a14="http://schemas.microsoft.com/office/drawing/2010/main" Requires="a14">
+      <mc:AlternateContent xmlns:mc="http://schemas.openxmlformats.org/markup-compatibility/2006" xmlns:a14="http://schemas.microsoft.com/office/drawing/2010/main">
+        <mc:Choice Requires="a14">
           <p:sp>
             <p:nvSpPr>
               <p:cNvPr id="45" name="テキスト ボックス 44">
@@ -11268,6 +11469,7 @@
               </a:bodyPr>
               <a:lstStyle/>
               <a:p>
+                <a:pPr/>
                 <a14:m>
                   <m:oMathPara xmlns:m="http://schemas.openxmlformats.org/officeDocument/2006/math">
                     <m:oMathParaPr>
@@ -11294,7 +11496,7 @@
             </p:txBody>
           </p:sp>
         </mc:Choice>
-        <mc:Fallback>
+        <mc:Fallback xmlns="">
           <p:sp>
             <p:nvSpPr>
               <p:cNvPr id="45" name="テキスト ボックス 44">
@@ -11339,8 +11541,8 @@
           </p:sp>
         </mc:Fallback>
       </mc:AlternateContent>
-      <mc:AlternateContent xmlns:mc="http://schemas.openxmlformats.org/markup-compatibility/2006">
-        <mc:Choice xmlns:a14="http://schemas.microsoft.com/office/drawing/2010/main" Requires="a14">
+      <mc:AlternateContent xmlns:mc="http://schemas.openxmlformats.org/markup-compatibility/2006" xmlns:a14="http://schemas.microsoft.com/office/drawing/2010/main">
+        <mc:Choice Requires="a14">
           <p:sp>
             <p:nvSpPr>
               <p:cNvPr id="47" name="テキスト ボックス 46">
@@ -11369,6 +11571,7 @@
               </a:bodyPr>
               <a:lstStyle/>
               <a:p>
+                <a:pPr/>
                 <a14:m>
                   <m:oMathPara xmlns:m="http://schemas.openxmlformats.org/officeDocument/2006/math">
                     <m:oMathParaPr>
@@ -11395,7 +11598,7 @@
             </p:txBody>
           </p:sp>
         </mc:Choice>
-        <mc:Fallback>
+        <mc:Fallback xmlns="">
           <p:sp>
             <p:nvSpPr>
               <p:cNvPr id="47" name="テキスト ボックス 46">
@@ -11440,8 +11643,8 @@
           </p:sp>
         </mc:Fallback>
       </mc:AlternateContent>
-      <mc:AlternateContent xmlns:mc="http://schemas.openxmlformats.org/markup-compatibility/2006">
-        <mc:Choice xmlns:a14="http://schemas.microsoft.com/office/drawing/2010/main" Requires="a14">
+      <mc:AlternateContent xmlns:mc="http://schemas.openxmlformats.org/markup-compatibility/2006" xmlns:a14="http://schemas.microsoft.com/office/drawing/2010/main">
+        <mc:Choice Requires="a14">
           <p:sp>
             <p:nvSpPr>
               <p:cNvPr id="48" name="テキスト ボックス 47">
@@ -11470,6 +11673,7 @@
               </a:bodyPr>
               <a:lstStyle/>
               <a:p>
+                <a:pPr/>
                 <a14:m>
                   <m:oMathPara xmlns:m="http://schemas.openxmlformats.org/officeDocument/2006/math">
                     <m:oMathParaPr>
@@ -11496,7 +11700,7 @@
             </p:txBody>
           </p:sp>
         </mc:Choice>
-        <mc:Fallback>
+        <mc:Fallback xmlns="">
           <p:sp>
             <p:nvSpPr>
               <p:cNvPr id="48" name="テキスト ボックス 47">
@@ -11541,8 +11745,8 @@
           </p:sp>
         </mc:Fallback>
       </mc:AlternateContent>
-      <mc:AlternateContent xmlns:mc="http://schemas.openxmlformats.org/markup-compatibility/2006">
-        <mc:Choice xmlns:a14="http://schemas.microsoft.com/office/drawing/2010/main" Requires="a14">
+      <mc:AlternateContent xmlns:mc="http://schemas.openxmlformats.org/markup-compatibility/2006" xmlns:a14="http://schemas.microsoft.com/office/drawing/2010/main">
+        <mc:Choice Requires="a14">
           <p:sp>
             <p:nvSpPr>
               <p:cNvPr id="49" name="テキスト ボックス 48">
@@ -11571,6 +11775,7 @@
               </a:bodyPr>
               <a:lstStyle/>
               <a:p>
+                <a:pPr/>
                 <a14:m>
                   <m:oMathPara xmlns:m="http://schemas.openxmlformats.org/officeDocument/2006/math">
                     <m:oMathParaPr>
@@ -11597,7 +11802,7 @@
             </p:txBody>
           </p:sp>
         </mc:Choice>
-        <mc:Fallback>
+        <mc:Fallback xmlns="">
           <p:sp>
             <p:nvSpPr>
               <p:cNvPr id="49" name="テキスト ボックス 48">
@@ -11642,8 +11847,8 @@
           </p:sp>
         </mc:Fallback>
       </mc:AlternateContent>
-      <mc:AlternateContent xmlns:mc="http://schemas.openxmlformats.org/markup-compatibility/2006">
-        <mc:Choice xmlns:a14="http://schemas.microsoft.com/office/drawing/2010/main" Requires="a14">
+      <mc:AlternateContent xmlns:mc="http://schemas.openxmlformats.org/markup-compatibility/2006" xmlns:a14="http://schemas.microsoft.com/office/drawing/2010/main">
+        <mc:Choice Requires="a14">
           <p:sp>
             <p:nvSpPr>
               <p:cNvPr id="50" name="テキスト ボックス 49">
@@ -11672,6 +11877,7 @@
               </a:bodyPr>
               <a:lstStyle/>
               <a:p>
+                <a:pPr/>
                 <a14:m>
                   <m:oMathPara xmlns:m="http://schemas.openxmlformats.org/officeDocument/2006/math">
                     <m:oMathParaPr>
@@ -11698,7 +11904,7 @@
             </p:txBody>
           </p:sp>
         </mc:Choice>
-        <mc:Fallback>
+        <mc:Fallback xmlns="">
           <p:sp>
             <p:nvSpPr>
               <p:cNvPr id="50" name="テキスト ボックス 49">
@@ -11743,8 +11949,8 @@
           </p:sp>
         </mc:Fallback>
       </mc:AlternateContent>
-      <mc:AlternateContent xmlns:mc="http://schemas.openxmlformats.org/markup-compatibility/2006">
-        <mc:Choice xmlns:a14="http://schemas.microsoft.com/office/drawing/2010/main" Requires="a14">
+      <mc:AlternateContent xmlns:mc="http://schemas.openxmlformats.org/markup-compatibility/2006" xmlns:a14="http://schemas.microsoft.com/office/drawing/2010/main">
+        <mc:Choice Requires="a14">
           <p:sp>
             <p:nvSpPr>
               <p:cNvPr id="51" name="テキスト ボックス 50">
@@ -11773,6 +11979,7 @@
               </a:bodyPr>
               <a:lstStyle/>
               <a:p>
+                <a:pPr/>
                 <a14:m>
                   <m:oMathPara xmlns:m="http://schemas.openxmlformats.org/officeDocument/2006/math">
                     <m:oMathParaPr>
@@ -11799,7 +12006,7 @@
             </p:txBody>
           </p:sp>
         </mc:Choice>
-        <mc:Fallback>
+        <mc:Fallback xmlns="">
           <p:sp>
             <p:nvSpPr>
               <p:cNvPr id="51" name="テキスト ボックス 50">
@@ -11844,8 +12051,8 @@
           </p:sp>
         </mc:Fallback>
       </mc:AlternateContent>
-      <mc:AlternateContent xmlns:mc="http://schemas.openxmlformats.org/markup-compatibility/2006">
-        <mc:Choice xmlns:a14="http://schemas.microsoft.com/office/drawing/2010/main" Requires="a14">
+      <mc:AlternateContent xmlns:mc="http://schemas.openxmlformats.org/markup-compatibility/2006" xmlns:a14="http://schemas.microsoft.com/office/drawing/2010/main">
+        <mc:Choice Requires="a14">
           <p:sp>
             <p:nvSpPr>
               <p:cNvPr id="52" name="テキスト ボックス 51">
@@ -11874,6 +12081,7 @@
               </a:bodyPr>
               <a:lstStyle/>
               <a:p>
+                <a:pPr/>
                 <a14:m>
                   <m:oMathPara xmlns:m="http://schemas.openxmlformats.org/officeDocument/2006/math">
                     <m:oMathParaPr>
@@ -11900,7 +12108,7 @@
             </p:txBody>
           </p:sp>
         </mc:Choice>
-        <mc:Fallback>
+        <mc:Fallback xmlns="">
           <p:sp>
             <p:nvSpPr>
               <p:cNvPr id="52" name="テキスト ボックス 51">
@@ -11945,8 +12153,8 @@
           </p:sp>
         </mc:Fallback>
       </mc:AlternateContent>
-      <mc:AlternateContent xmlns:mc="http://schemas.openxmlformats.org/markup-compatibility/2006">
-        <mc:Choice xmlns:a14="http://schemas.microsoft.com/office/drawing/2010/main" Requires="a14">
+      <mc:AlternateContent xmlns:mc="http://schemas.openxmlformats.org/markup-compatibility/2006" xmlns:a14="http://schemas.microsoft.com/office/drawing/2010/main">
+        <mc:Choice Requires="a14">
           <p:sp>
             <p:nvSpPr>
               <p:cNvPr id="53" name="テキスト ボックス 52">
@@ -11975,6 +12183,7 @@
               </a:bodyPr>
               <a:lstStyle/>
               <a:p>
+                <a:pPr/>
                 <a14:m>
                   <m:oMathPara xmlns:m="http://schemas.openxmlformats.org/officeDocument/2006/math">
                     <m:oMathParaPr>
@@ -12001,7 +12210,7 @@
             </p:txBody>
           </p:sp>
         </mc:Choice>
-        <mc:Fallback>
+        <mc:Fallback xmlns="">
           <p:sp>
             <p:nvSpPr>
               <p:cNvPr id="53" name="テキスト ボックス 52">
@@ -12046,8 +12255,8 @@
           </p:sp>
         </mc:Fallback>
       </mc:AlternateContent>
-      <mc:AlternateContent xmlns:mc="http://schemas.openxmlformats.org/markup-compatibility/2006">
-        <mc:Choice xmlns:a14="http://schemas.microsoft.com/office/drawing/2010/main" Requires="a14">
+      <mc:AlternateContent xmlns:mc="http://schemas.openxmlformats.org/markup-compatibility/2006" xmlns:a14="http://schemas.microsoft.com/office/drawing/2010/main">
+        <mc:Choice Requires="a14">
           <p:sp>
             <p:nvSpPr>
               <p:cNvPr id="54" name="テキスト ボックス 53">
@@ -12076,6 +12285,7 @@
               </a:bodyPr>
               <a:lstStyle/>
               <a:p>
+                <a:pPr/>
                 <a14:m>
                   <m:oMathPara xmlns:m="http://schemas.openxmlformats.org/officeDocument/2006/math">
                     <m:oMathParaPr>
@@ -12102,7 +12312,7 @@
             </p:txBody>
           </p:sp>
         </mc:Choice>
-        <mc:Fallback>
+        <mc:Fallback xmlns="">
           <p:sp>
             <p:nvSpPr>
               <p:cNvPr id="54" name="テキスト ボックス 53">
@@ -12147,8 +12357,8 @@
           </p:sp>
         </mc:Fallback>
       </mc:AlternateContent>
-      <mc:AlternateContent xmlns:mc="http://schemas.openxmlformats.org/markup-compatibility/2006">
-        <mc:Choice xmlns:a14="http://schemas.microsoft.com/office/drawing/2010/main" Requires="a14">
+      <mc:AlternateContent xmlns:mc="http://schemas.openxmlformats.org/markup-compatibility/2006" xmlns:a14="http://schemas.microsoft.com/office/drawing/2010/main">
+        <mc:Choice Requires="a14">
           <p:sp>
             <p:nvSpPr>
               <p:cNvPr id="55" name="テキスト ボックス 54">
@@ -12177,6 +12387,7 @@
               </a:bodyPr>
               <a:lstStyle/>
               <a:p>
+                <a:pPr/>
                 <a14:m>
                   <m:oMathPara xmlns:m="http://schemas.openxmlformats.org/officeDocument/2006/math">
                     <m:oMathParaPr>
@@ -12203,7 +12414,7 @@
             </p:txBody>
           </p:sp>
         </mc:Choice>
-        <mc:Fallback>
+        <mc:Fallback xmlns="">
           <p:sp>
             <p:nvSpPr>
               <p:cNvPr id="55" name="テキスト ボックス 54">
@@ -14867,8 +15078,8 @@
           </a:p>
         </p:txBody>
       </p:sp>
-      <mc:AlternateContent xmlns:mc="http://schemas.openxmlformats.org/markup-compatibility/2006">
-        <mc:Choice xmlns:a14="http://schemas.microsoft.com/office/drawing/2010/main" Requires="a14">
+      <mc:AlternateContent xmlns:mc="http://schemas.openxmlformats.org/markup-compatibility/2006" xmlns:a14="http://schemas.microsoft.com/office/drawing/2010/main">
+        <mc:Choice Requires="a14">
           <p:sp>
             <p:nvSpPr>
               <p:cNvPr id="3" name="コンテンツ プレースホルダー 2">
@@ -15563,7 +15774,7 @@
             </p:txBody>
           </p:sp>
         </mc:Choice>
-        <mc:Fallback>
+        <mc:Fallback xmlns="">
           <p:sp>
             <p:nvSpPr>
               <p:cNvPr id="3" name="コンテンツ プレースホルダー 2">
@@ -16648,8 +16859,8 @@
           </a:p>
         </p:txBody>
       </p:sp>
-      <mc:AlternateContent xmlns:mc="http://schemas.openxmlformats.org/markup-compatibility/2006">
-        <mc:Choice xmlns:a14="http://schemas.microsoft.com/office/drawing/2010/main" Requires="a14">
+      <mc:AlternateContent xmlns:mc="http://schemas.openxmlformats.org/markup-compatibility/2006" xmlns:a14="http://schemas.microsoft.com/office/drawing/2010/main">
+        <mc:Choice Requires="a14">
           <p:sp>
             <p:nvSpPr>
               <p:cNvPr id="3" name="コンテンツ プレースホルダー 2">
@@ -16959,7 +17170,7 @@
             </p:txBody>
           </p:sp>
         </mc:Choice>
-        <mc:Fallback>
+        <mc:Fallback xmlns="">
           <p:sp>
             <p:nvSpPr>
               <p:cNvPr id="3" name="コンテンツ プレースホルダー 2">
@@ -16999,8 +17210,8 @@
           </p:sp>
         </mc:Fallback>
       </mc:AlternateContent>
-      <mc:AlternateContent xmlns:mc="http://schemas.openxmlformats.org/markup-compatibility/2006">
-        <mc:Choice xmlns:a14="http://schemas.microsoft.com/office/drawing/2010/main" Requires="a14">
+      <mc:AlternateContent xmlns:mc="http://schemas.openxmlformats.org/markup-compatibility/2006" xmlns:a14="http://schemas.microsoft.com/office/drawing/2010/main">
+        <mc:Choice Requires="a14">
           <p:sp>
             <p:nvSpPr>
               <p:cNvPr id="7" name="楕円 6">
@@ -17069,7 +17280,7 @@
             </p:txBody>
           </p:sp>
         </mc:Choice>
-        <mc:Fallback>
+        <mc:Fallback xmlns="">
           <p:sp>
             <p:nvSpPr>
               <p:cNvPr id="7" name="楕円 6">
@@ -17463,8 +17674,8 @@
           </a:fontRef>
         </p:style>
       </p:cxnSp>
-      <mc:AlternateContent xmlns:mc="http://schemas.openxmlformats.org/markup-compatibility/2006">
-        <mc:Choice xmlns:a14="http://schemas.microsoft.com/office/drawing/2010/main" Requires="a14">
+      <mc:AlternateContent xmlns:mc="http://schemas.openxmlformats.org/markup-compatibility/2006" xmlns:a14="http://schemas.microsoft.com/office/drawing/2010/main">
+        <mc:Choice Requires="a14">
           <p:sp>
             <p:nvSpPr>
               <p:cNvPr id="6" name="楕円 5">
@@ -17533,7 +17744,7 @@
             </p:txBody>
           </p:sp>
         </mc:Choice>
-        <mc:Fallback>
+        <mc:Fallback xmlns="">
           <p:sp>
             <p:nvSpPr>
               <p:cNvPr id="6" name="楕円 5">
@@ -17583,8 +17794,8 @@
           </p:sp>
         </mc:Fallback>
       </mc:AlternateContent>
-      <mc:AlternateContent xmlns:mc="http://schemas.openxmlformats.org/markup-compatibility/2006">
-        <mc:Choice xmlns:a14="http://schemas.microsoft.com/office/drawing/2010/main" Requires="a14">
+      <mc:AlternateContent xmlns:mc="http://schemas.openxmlformats.org/markup-compatibility/2006" xmlns:a14="http://schemas.microsoft.com/office/drawing/2010/main">
+        <mc:Choice Requires="a14">
           <p:sp>
             <p:nvSpPr>
               <p:cNvPr id="5" name="楕円 4">
@@ -17653,7 +17864,7 @@
             </p:txBody>
           </p:sp>
         </mc:Choice>
-        <mc:Fallback>
+        <mc:Fallback xmlns="">
           <p:sp>
             <p:nvSpPr>
               <p:cNvPr id="5" name="楕円 4">
@@ -17703,8 +17914,8 @@
           </p:sp>
         </mc:Fallback>
       </mc:AlternateContent>
-      <mc:AlternateContent xmlns:mc="http://schemas.openxmlformats.org/markup-compatibility/2006">
-        <mc:Choice xmlns:a14="http://schemas.microsoft.com/office/drawing/2010/main" Requires="a14">
+      <mc:AlternateContent xmlns:mc="http://schemas.openxmlformats.org/markup-compatibility/2006" xmlns:a14="http://schemas.microsoft.com/office/drawing/2010/main">
+        <mc:Choice Requires="a14">
           <p:sp>
             <p:nvSpPr>
               <p:cNvPr id="4" name="楕円 3">
@@ -17773,7 +17984,7 @@
             </p:txBody>
           </p:sp>
         </mc:Choice>
-        <mc:Fallback>
+        <mc:Fallback xmlns="">
           <p:sp>
             <p:nvSpPr>
               <p:cNvPr id="4" name="楕円 3">
@@ -17823,8 +18034,8 @@
           </p:sp>
         </mc:Fallback>
       </mc:AlternateContent>
-      <mc:AlternateContent xmlns:mc="http://schemas.openxmlformats.org/markup-compatibility/2006">
-        <mc:Choice xmlns:a14="http://schemas.microsoft.com/office/drawing/2010/main" Requires="a14">
+      <mc:AlternateContent xmlns:mc="http://schemas.openxmlformats.org/markup-compatibility/2006" xmlns:a14="http://schemas.microsoft.com/office/drawing/2010/main">
+        <mc:Choice Requires="a14">
           <p:sp>
             <p:nvSpPr>
               <p:cNvPr id="8" name="楕円 7">
@@ -17893,7 +18104,7 @@
             </p:txBody>
           </p:sp>
         </mc:Choice>
-        <mc:Fallback>
+        <mc:Fallback xmlns="">
           <p:sp>
             <p:nvSpPr>
               <p:cNvPr id="8" name="楕円 7">
@@ -17943,8 +18154,8 @@
           </p:sp>
         </mc:Fallback>
       </mc:AlternateContent>
-      <mc:AlternateContent xmlns:mc="http://schemas.openxmlformats.org/markup-compatibility/2006">
-        <mc:Choice xmlns:a14="http://schemas.microsoft.com/office/drawing/2010/main" Requires="a14">
+      <mc:AlternateContent xmlns:mc="http://schemas.openxmlformats.org/markup-compatibility/2006" xmlns:a14="http://schemas.microsoft.com/office/drawing/2010/main">
+        <mc:Choice Requires="a14">
           <p:sp>
             <p:nvSpPr>
               <p:cNvPr id="9" name="楕円 8">
@@ -18013,7 +18224,7 @@
             </p:txBody>
           </p:sp>
         </mc:Choice>
-        <mc:Fallback>
+        <mc:Fallback xmlns="">
           <p:sp>
             <p:nvSpPr>
               <p:cNvPr id="9" name="楕円 8">
@@ -18063,8 +18274,8 @@
           </p:sp>
         </mc:Fallback>
       </mc:AlternateContent>
-      <mc:AlternateContent xmlns:mc="http://schemas.openxmlformats.org/markup-compatibility/2006">
-        <mc:Choice xmlns:a14="http://schemas.microsoft.com/office/drawing/2010/main" Requires="a14">
+      <mc:AlternateContent xmlns:mc="http://schemas.openxmlformats.org/markup-compatibility/2006" xmlns:a14="http://schemas.microsoft.com/office/drawing/2010/main">
+        <mc:Choice Requires="a14">
           <p:sp>
             <p:nvSpPr>
               <p:cNvPr id="10" name="楕円 9">
@@ -18133,7 +18344,7 @@
             </p:txBody>
           </p:sp>
         </mc:Choice>
-        <mc:Fallback>
+        <mc:Fallback xmlns="">
           <p:sp>
             <p:nvSpPr>
               <p:cNvPr id="10" name="楕円 9">
@@ -18183,8 +18394,8 @@
           </p:sp>
         </mc:Fallback>
       </mc:AlternateContent>
-      <mc:AlternateContent xmlns:mc="http://schemas.openxmlformats.org/markup-compatibility/2006">
-        <mc:Choice xmlns:a14="http://schemas.microsoft.com/office/drawing/2010/main" Requires="a14">
+      <mc:AlternateContent xmlns:mc="http://schemas.openxmlformats.org/markup-compatibility/2006" xmlns:a14="http://schemas.microsoft.com/office/drawing/2010/main">
+        <mc:Choice Requires="a14">
           <p:sp>
             <p:nvSpPr>
               <p:cNvPr id="11" name="楕円 10">
@@ -18253,7 +18464,7 @@
             </p:txBody>
           </p:sp>
         </mc:Choice>
-        <mc:Fallback>
+        <mc:Fallback xmlns="">
           <p:sp>
             <p:nvSpPr>
               <p:cNvPr id="11" name="楕円 10">
@@ -18303,8 +18514,8 @@
           </p:sp>
         </mc:Fallback>
       </mc:AlternateContent>
-      <mc:AlternateContent xmlns:mc="http://schemas.openxmlformats.org/markup-compatibility/2006">
-        <mc:Choice xmlns:a14="http://schemas.microsoft.com/office/drawing/2010/main" Requires="a14">
+      <mc:AlternateContent xmlns:mc="http://schemas.openxmlformats.org/markup-compatibility/2006" xmlns:a14="http://schemas.microsoft.com/office/drawing/2010/main">
+        <mc:Choice Requires="a14">
           <p:sp>
             <p:nvSpPr>
               <p:cNvPr id="40" name="テキスト ボックス 39">
@@ -18333,6 +18544,7 @@
               </a:bodyPr>
               <a:lstStyle/>
               <a:p>
+                <a:pPr/>
                 <a14:m>
                   <m:oMathPara xmlns:m="http://schemas.openxmlformats.org/officeDocument/2006/math">
                     <m:oMathParaPr>
@@ -18353,7 +18565,7 @@
             </p:txBody>
           </p:sp>
         </mc:Choice>
-        <mc:Fallback>
+        <mc:Fallback xmlns="">
           <p:sp>
             <p:nvSpPr>
               <p:cNvPr id="40" name="テキスト ボックス 39">
@@ -18398,8 +18610,8 @@
           </p:sp>
         </mc:Fallback>
       </mc:AlternateContent>
-      <mc:AlternateContent xmlns:mc="http://schemas.openxmlformats.org/markup-compatibility/2006">
-        <mc:Choice xmlns:a14="http://schemas.microsoft.com/office/drawing/2010/main" Requires="a14">
+      <mc:AlternateContent xmlns:mc="http://schemas.openxmlformats.org/markup-compatibility/2006" xmlns:a14="http://schemas.microsoft.com/office/drawing/2010/main">
+        <mc:Choice Requires="a14">
           <p:sp>
             <p:nvSpPr>
               <p:cNvPr id="41" name="テキスト ボックス 40">
@@ -18428,6 +18640,7 @@
               </a:bodyPr>
               <a:lstStyle/>
               <a:p>
+                <a:pPr/>
                 <a14:m>
                   <m:oMathPara xmlns:m="http://schemas.openxmlformats.org/officeDocument/2006/math">
                     <m:oMathParaPr>
@@ -18448,7 +18661,7 @@
             </p:txBody>
           </p:sp>
         </mc:Choice>
-        <mc:Fallback>
+        <mc:Fallback xmlns="">
           <p:sp>
             <p:nvSpPr>
               <p:cNvPr id="41" name="テキスト ボックス 40">
@@ -18493,8 +18706,8 @@
           </p:sp>
         </mc:Fallback>
       </mc:AlternateContent>
-      <mc:AlternateContent xmlns:mc="http://schemas.openxmlformats.org/markup-compatibility/2006">
-        <mc:Choice xmlns:a14="http://schemas.microsoft.com/office/drawing/2010/main" Requires="a14">
+      <mc:AlternateContent xmlns:mc="http://schemas.openxmlformats.org/markup-compatibility/2006" xmlns:a14="http://schemas.microsoft.com/office/drawing/2010/main">
+        <mc:Choice Requires="a14">
           <p:sp>
             <p:nvSpPr>
               <p:cNvPr id="42" name="テキスト ボックス 41">
@@ -18523,6 +18736,7 @@
               </a:bodyPr>
               <a:lstStyle/>
               <a:p>
+                <a:pPr/>
                 <a14:m>
                   <m:oMathPara xmlns:m="http://schemas.openxmlformats.org/officeDocument/2006/math">
                     <m:oMathParaPr>
@@ -18543,7 +18757,7 @@
             </p:txBody>
           </p:sp>
         </mc:Choice>
-        <mc:Fallback>
+        <mc:Fallback xmlns="">
           <p:sp>
             <p:nvSpPr>
               <p:cNvPr id="42" name="テキスト ボックス 41">
@@ -18588,8 +18802,8 @@
           </p:sp>
         </mc:Fallback>
       </mc:AlternateContent>
-      <mc:AlternateContent xmlns:mc="http://schemas.openxmlformats.org/markup-compatibility/2006">
-        <mc:Choice xmlns:a14="http://schemas.microsoft.com/office/drawing/2010/main" Requires="a14">
+      <mc:AlternateContent xmlns:mc="http://schemas.openxmlformats.org/markup-compatibility/2006" xmlns:a14="http://schemas.microsoft.com/office/drawing/2010/main">
+        <mc:Choice Requires="a14">
           <p:sp>
             <p:nvSpPr>
               <p:cNvPr id="43" name="テキスト ボックス 42">
@@ -18618,6 +18832,7 @@
               </a:bodyPr>
               <a:lstStyle/>
               <a:p>
+                <a:pPr/>
                 <a14:m>
                   <m:oMathPara xmlns:m="http://schemas.openxmlformats.org/officeDocument/2006/math">
                     <m:oMathParaPr>
@@ -18638,7 +18853,7 @@
             </p:txBody>
           </p:sp>
         </mc:Choice>
-        <mc:Fallback>
+        <mc:Fallback xmlns="">
           <p:sp>
             <p:nvSpPr>
               <p:cNvPr id="43" name="テキスト ボックス 42">
@@ -18683,8 +18898,8 @@
           </p:sp>
         </mc:Fallback>
       </mc:AlternateContent>
-      <mc:AlternateContent xmlns:mc="http://schemas.openxmlformats.org/markup-compatibility/2006">
-        <mc:Choice xmlns:a14="http://schemas.microsoft.com/office/drawing/2010/main" Requires="a14">
+      <mc:AlternateContent xmlns:mc="http://schemas.openxmlformats.org/markup-compatibility/2006" xmlns:a14="http://schemas.microsoft.com/office/drawing/2010/main">
+        <mc:Choice Requires="a14">
           <p:sp>
             <p:nvSpPr>
               <p:cNvPr id="44" name="テキスト ボックス 43">
@@ -18713,6 +18928,7 @@
               </a:bodyPr>
               <a:lstStyle/>
               <a:p>
+                <a:pPr/>
                 <a14:m>
                   <m:oMathPara xmlns:m="http://schemas.openxmlformats.org/officeDocument/2006/math">
                     <m:oMathParaPr>
@@ -18733,7 +18949,7 @@
             </p:txBody>
           </p:sp>
         </mc:Choice>
-        <mc:Fallback>
+        <mc:Fallback xmlns="">
           <p:sp>
             <p:nvSpPr>
               <p:cNvPr id="44" name="テキスト ボックス 43">
@@ -18778,8 +18994,8 @@
           </p:sp>
         </mc:Fallback>
       </mc:AlternateContent>
-      <mc:AlternateContent xmlns:mc="http://schemas.openxmlformats.org/markup-compatibility/2006">
-        <mc:Choice xmlns:a14="http://schemas.microsoft.com/office/drawing/2010/main" Requires="a14">
+      <mc:AlternateContent xmlns:mc="http://schemas.openxmlformats.org/markup-compatibility/2006" xmlns:a14="http://schemas.microsoft.com/office/drawing/2010/main">
+        <mc:Choice Requires="a14">
           <p:sp>
             <p:nvSpPr>
               <p:cNvPr id="45" name="テキスト ボックス 44">
@@ -18808,6 +19024,7 @@
               </a:bodyPr>
               <a:lstStyle/>
               <a:p>
+                <a:pPr/>
                 <a14:m>
                   <m:oMathPara xmlns:m="http://schemas.openxmlformats.org/officeDocument/2006/math">
                     <m:oMathParaPr>
@@ -18828,7 +19045,7 @@
             </p:txBody>
           </p:sp>
         </mc:Choice>
-        <mc:Fallback>
+        <mc:Fallback xmlns="">
           <p:sp>
             <p:nvSpPr>
               <p:cNvPr id="45" name="テキスト ボックス 44">
@@ -18873,8 +19090,8 @@
           </p:sp>
         </mc:Fallback>
       </mc:AlternateContent>
-      <mc:AlternateContent xmlns:mc="http://schemas.openxmlformats.org/markup-compatibility/2006">
-        <mc:Choice xmlns:a14="http://schemas.microsoft.com/office/drawing/2010/main" Requires="a14">
+      <mc:AlternateContent xmlns:mc="http://schemas.openxmlformats.org/markup-compatibility/2006" xmlns:a14="http://schemas.microsoft.com/office/drawing/2010/main">
+        <mc:Choice Requires="a14">
           <p:sp>
             <p:nvSpPr>
               <p:cNvPr id="46" name="テキスト ボックス 45">
@@ -18903,6 +19120,7 @@
               </a:bodyPr>
               <a:lstStyle/>
               <a:p>
+                <a:pPr/>
                 <a14:m>
                   <m:oMathPara xmlns:m="http://schemas.openxmlformats.org/officeDocument/2006/math">
                     <m:oMathParaPr>
@@ -18923,7 +19141,7 @@
             </p:txBody>
           </p:sp>
         </mc:Choice>
-        <mc:Fallback>
+        <mc:Fallback xmlns="">
           <p:sp>
             <p:nvSpPr>
               <p:cNvPr id="46" name="テキスト ボックス 45">
@@ -18968,8 +19186,8 @@
           </p:sp>
         </mc:Fallback>
       </mc:AlternateContent>
-      <mc:AlternateContent xmlns:mc="http://schemas.openxmlformats.org/markup-compatibility/2006">
-        <mc:Choice xmlns:a14="http://schemas.microsoft.com/office/drawing/2010/main" Requires="a14">
+      <mc:AlternateContent xmlns:mc="http://schemas.openxmlformats.org/markup-compatibility/2006" xmlns:a14="http://schemas.microsoft.com/office/drawing/2010/main">
+        <mc:Choice Requires="a14">
           <p:sp>
             <p:nvSpPr>
               <p:cNvPr id="47" name="テキスト ボックス 46">
@@ -18998,6 +19216,7 @@
               </a:bodyPr>
               <a:lstStyle/>
               <a:p>
+                <a:pPr/>
                 <a14:m>
                   <m:oMathPara xmlns:m="http://schemas.openxmlformats.org/officeDocument/2006/math">
                     <m:oMathParaPr>
@@ -19018,7 +19237,7 @@
             </p:txBody>
           </p:sp>
         </mc:Choice>
-        <mc:Fallback>
+        <mc:Fallback xmlns="">
           <p:sp>
             <p:nvSpPr>
               <p:cNvPr id="47" name="テキスト ボックス 46">
@@ -19632,12 +19851,501 @@
           </a:p>
         </p:txBody>
       </p:sp>
+      <mc:AlternateContent xmlns:mc="http://schemas.openxmlformats.org/markup-compatibility/2006">
+        <mc:Choice xmlns:a14="http://schemas.microsoft.com/office/drawing/2010/main" Requires="a14">
+          <p:sp>
+            <p:nvSpPr>
+              <p:cNvPr id="3" name="コンテンツ プレースホルダー 2">
+                <a:extLst>
+                  <a:ext uri="{FF2B5EF4-FFF2-40B4-BE49-F238E27FC236}">
+                    <a16:creationId xmlns:a16="http://schemas.microsoft.com/office/drawing/2014/main" id="{6D85E022-90D7-42EF-9952-D3578FCEAC62}"/>
+                  </a:ext>
+                </a:extLst>
+              </p:cNvPr>
+              <p:cNvSpPr>
+                <a:spLocks noGrp="1"/>
+              </p:cNvSpPr>
+              <p:nvPr>
+                <p:ph sz="quarter" idx="1"/>
+              </p:nvPr>
+            </p:nvSpPr>
+            <p:spPr/>
+            <p:txBody>
+              <a:bodyPr/>
+              <a:lstStyle/>
+              <a:p>
+                <a:r>
+                  <a:rPr kumimoji="1" lang="ja-JP" altLang="en-US" dirty="0"/>
+                  <a:t>最小化問題</a:t>
+                </a:r>
+                <a14:m>
+                  <m:oMath xmlns:m="http://schemas.openxmlformats.org/officeDocument/2006/math">
+                    <m:r>
+                      <a:rPr kumimoji="1" lang="en-US" altLang="ja-JP" b="0" i="1" smtClean="0">
+                        <a:latin typeface="Cambria Math" panose="02040503050406030204" pitchFamily="18" charset="0"/>
+                      </a:rPr>
+                      <m:t>𝐼</m:t>
+                    </m:r>
+                  </m:oMath>
+                </a14:m>
+                <a:r>
+                  <a:rPr kumimoji="1" lang="ja-JP" altLang="en-US" dirty="0"/>
+                  <a:t>の最適解を</a:t>
+                </a:r>
+                <a14:m>
+                  <m:oMath xmlns:m="http://schemas.openxmlformats.org/officeDocument/2006/math">
+                    <m:r>
+                      <a:rPr kumimoji="1" lang="en-US" altLang="ja-JP" b="0" i="1" smtClean="0">
+                        <a:latin typeface="Cambria Math" panose="02040503050406030204" pitchFamily="18" charset="0"/>
+                      </a:rPr>
+                      <m:t>𝑂𝑃𝑇</m:t>
+                    </m:r>
+                    <m:r>
+                      <a:rPr kumimoji="1" lang="en-US" altLang="ja-JP" b="0" i="1" smtClean="0">
+                        <a:latin typeface="Cambria Math" panose="02040503050406030204" pitchFamily="18" charset="0"/>
+                      </a:rPr>
+                      <m:t>(</m:t>
+                    </m:r>
+                    <m:r>
+                      <a:rPr kumimoji="1" lang="en-US" altLang="ja-JP" b="0" i="1" smtClean="0">
+                        <a:latin typeface="Cambria Math" panose="02040503050406030204" pitchFamily="18" charset="0"/>
+                      </a:rPr>
+                      <m:t>𝐼</m:t>
+                    </m:r>
+                    <m:r>
+                      <a:rPr kumimoji="1" lang="en-US" altLang="ja-JP" b="0" i="1" smtClean="0">
+                        <a:latin typeface="Cambria Math" panose="02040503050406030204" pitchFamily="18" charset="0"/>
+                      </a:rPr>
+                      <m:t>)</m:t>
+                    </m:r>
+                  </m:oMath>
+                </a14:m>
+                <a:r>
+                  <a:rPr kumimoji="1" lang="ja-JP" altLang="en-US" dirty="0"/>
+                  <a:t>とする</a:t>
+                </a:r>
+                <a:endParaRPr kumimoji="1" lang="en-US" altLang="ja-JP" dirty="0"/>
+              </a:p>
+              <a:p>
+                <a:r>
+                  <a:rPr kumimoji="1" lang="ja-JP" altLang="en-US" dirty="0"/>
+                  <a:t>最小化問題</a:t>
+                </a:r>
+                <a14:m>
+                  <m:oMath xmlns:m="http://schemas.openxmlformats.org/officeDocument/2006/math">
+                    <m:r>
+                      <a:rPr kumimoji="1" lang="en-US" altLang="ja-JP" b="0" i="1" smtClean="0">
+                        <a:latin typeface="Cambria Math" panose="02040503050406030204" pitchFamily="18" charset="0"/>
+                      </a:rPr>
+                      <m:t>𝐼</m:t>
+                    </m:r>
+                  </m:oMath>
+                </a14:m>
+                <a:r>
+                  <a:rPr kumimoji="1" lang="ja-JP" altLang="en-US" dirty="0"/>
+                  <a:t>にアルゴリズム</a:t>
+                </a:r>
+                <a14:m>
+                  <m:oMath xmlns:m="http://schemas.openxmlformats.org/officeDocument/2006/math">
+                    <m:r>
+                      <a:rPr kumimoji="1" lang="en-US" altLang="ja-JP" b="0" i="1" smtClean="0">
+                        <a:latin typeface="Cambria Math" panose="02040503050406030204" pitchFamily="18" charset="0"/>
+                      </a:rPr>
+                      <m:t>𝐴</m:t>
+                    </m:r>
+                    <m:r>
+                      <a:rPr lang="ja-JP" altLang="en-US" i="1">
+                        <a:latin typeface="Cambria Math" panose="02040503050406030204" pitchFamily="18" charset="0"/>
+                      </a:rPr>
+                      <m:t>を</m:t>
+                    </m:r>
+                  </m:oMath>
+                </a14:m>
+                <a:r>
+                  <a:rPr kumimoji="1" lang="ja-JP" altLang="en-US" dirty="0"/>
+                  <a:t>用いた時の近似解を</a:t>
+                </a:r>
+                <a14:m>
+                  <m:oMath xmlns:m="http://schemas.openxmlformats.org/officeDocument/2006/math">
+                    <m:r>
+                      <a:rPr kumimoji="1" lang="en-US" altLang="ja-JP" b="0" i="1" smtClean="0">
+                        <a:latin typeface="Cambria Math" panose="02040503050406030204" pitchFamily="18" charset="0"/>
+                      </a:rPr>
+                      <m:t>𝐴</m:t>
+                    </m:r>
+                    <m:r>
+                      <a:rPr kumimoji="1" lang="en-US" altLang="ja-JP" b="0" i="1" smtClean="0">
+                        <a:latin typeface="Cambria Math" panose="02040503050406030204" pitchFamily="18" charset="0"/>
+                      </a:rPr>
+                      <m:t>(</m:t>
+                    </m:r>
+                    <m:r>
+                      <a:rPr kumimoji="1" lang="en-US" altLang="ja-JP" b="0" i="1" smtClean="0">
+                        <a:latin typeface="Cambria Math" panose="02040503050406030204" pitchFamily="18" charset="0"/>
+                      </a:rPr>
+                      <m:t>𝐼</m:t>
+                    </m:r>
+                    <m:r>
+                      <a:rPr kumimoji="1" lang="en-US" altLang="ja-JP" b="0" i="1" smtClean="0">
+                        <a:latin typeface="Cambria Math" panose="02040503050406030204" pitchFamily="18" charset="0"/>
+                      </a:rPr>
+                      <m:t>)</m:t>
+                    </m:r>
+                  </m:oMath>
+                </a14:m>
+                <a:endParaRPr kumimoji="1" lang="en-US" altLang="ja-JP" dirty="0"/>
+              </a:p>
+              <a:p>
+                <a:r>
+                  <a:rPr kumimoji="1" lang="ja-JP" altLang="en-US" dirty="0"/>
+                  <a:t>最小化問題</a:t>
+                </a:r>
+                <a14:m>
+                  <m:oMath xmlns:m="http://schemas.openxmlformats.org/officeDocument/2006/math">
+                    <m:r>
+                      <a:rPr kumimoji="1" lang="en-US" altLang="ja-JP" b="0" i="1" smtClean="0">
+                        <a:latin typeface="Cambria Math" panose="02040503050406030204" pitchFamily="18" charset="0"/>
+                      </a:rPr>
+                      <m:t>𝐼</m:t>
+                    </m:r>
+                  </m:oMath>
+                </a14:m>
+                <a:r>
+                  <a:rPr kumimoji="1" lang="ja-JP" altLang="en-US" dirty="0" err="1"/>
+                  <a:t>の近</a:t>
+                </a:r>
+                <a:r>
+                  <a:rPr kumimoji="1" lang="ja-JP" altLang="en-US" dirty="0"/>
+                  <a:t>似性能</a:t>
+                </a:r>
+                <a:r>
+                  <a:rPr kumimoji="1" lang="en-US" altLang="ja-JP" dirty="0"/>
+                  <a:t>(approximation ratio)</a:t>
+                </a:r>
+                <a:r>
+                  <a:rPr lang="en-US" altLang="ja-JP" dirty="0"/>
+                  <a:t> </a:t>
+                </a:r>
+                <a14:m>
+                  <m:oMath xmlns:m="http://schemas.openxmlformats.org/officeDocument/2006/math">
+                    <m:sSub>
+                      <m:sSubPr>
+                        <m:ctrlPr>
+                          <a:rPr lang="en-US" altLang="ja-JP" i="1">
+                            <a:latin typeface="Cambria Math" panose="02040503050406030204" pitchFamily="18" charset="0"/>
+                          </a:rPr>
+                        </m:ctrlPr>
+                      </m:sSubPr>
+                      <m:e>
+                        <m:r>
+                          <a:rPr lang="ja-JP" altLang="en-US" i="1">
+                            <a:latin typeface="Cambria Math" panose="02040503050406030204" pitchFamily="18" charset="0"/>
+                          </a:rPr>
+                          <m:t>𝛼</m:t>
+                        </m:r>
+                      </m:e>
+                      <m:sub>
+                        <m:r>
+                          <a:rPr lang="en-US" altLang="ja-JP" i="1">
+                            <a:latin typeface="Cambria Math" panose="02040503050406030204" pitchFamily="18" charset="0"/>
+                          </a:rPr>
+                          <m:t>𝐴</m:t>
+                        </m:r>
+                      </m:sub>
+                    </m:sSub>
+                  </m:oMath>
+                </a14:m>
+                <a:r>
+                  <a:rPr kumimoji="1" lang="ja-JP" altLang="en-US" dirty="0"/>
+                  <a:t>は</a:t>
+                </a:r>
+                <a:br>
+                  <a:rPr kumimoji="1" lang="en-US" altLang="ja-JP" dirty="0"/>
+                </a:br>
+                <a14:m>
+                  <m:oMath xmlns:m="http://schemas.openxmlformats.org/officeDocument/2006/math">
+                    <m:sSub>
+                      <m:sSubPr>
+                        <m:ctrlPr>
+                          <a:rPr kumimoji="1" lang="en-US" altLang="ja-JP" i="1" smtClean="0">
+                            <a:latin typeface="Cambria Math" panose="02040503050406030204" pitchFamily="18" charset="0"/>
+                          </a:rPr>
+                        </m:ctrlPr>
+                      </m:sSubPr>
+                      <m:e>
+                        <m:r>
+                          <a:rPr kumimoji="1" lang="ja-JP" altLang="en-US" i="1" smtClean="0">
+                            <a:latin typeface="Cambria Math" panose="02040503050406030204" pitchFamily="18" charset="0"/>
+                          </a:rPr>
+                          <m:t>𝛼</m:t>
+                        </m:r>
+                      </m:e>
+                      <m:sub>
+                        <m:r>
+                          <a:rPr kumimoji="1" lang="en-US" altLang="ja-JP" b="0" i="1" smtClean="0">
+                            <a:latin typeface="Cambria Math" panose="02040503050406030204" pitchFamily="18" charset="0"/>
+                          </a:rPr>
+                          <m:t>𝐴</m:t>
+                        </m:r>
+                      </m:sub>
+                    </m:sSub>
+                    <m:r>
+                      <a:rPr kumimoji="1" lang="en-US" altLang="ja-JP" b="0" i="1" smtClean="0">
+                        <a:latin typeface="Cambria Math" panose="02040503050406030204" pitchFamily="18" charset="0"/>
+                      </a:rPr>
+                      <m:t>=</m:t>
+                    </m:r>
+                    <m:func>
+                      <m:funcPr>
+                        <m:ctrlPr>
+                          <a:rPr kumimoji="1" lang="en-US" altLang="ja-JP" b="0" i="1" smtClean="0">
+                            <a:latin typeface="Cambria Math" panose="02040503050406030204" pitchFamily="18" charset="0"/>
+                          </a:rPr>
+                        </m:ctrlPr>
+                      </m:funcPr>
+                      <m:fName>
+                        <m:limLow>
+                          <m:limLowPr>
+                            <m:ctrlPr>
+                              <a:rPr kumimoji="1" lang="en-US" altLang="ja-JP" b="0" i="1" smtClean="0">
+                                <a:latin typeface="Cambria Math" panose="02040503050406030204" pitchFamily="18" charset="0"/>
+                              </a:rPr>
+                            </m:ctrlPr>
+                          </m:limLowPr>
+                          <m:e>
+                            <m:r>
+                              <m:rPr>
+                                <m:sty m:val="p"/>
+                              </m:rPr>
+                              <a:rPr kumimoji="1" lang="en-US" altLang="ja-JP" b="0" i="0" smtClean="0">
+                                <a:latin typeface="Cambria Math" panose="02040503050406030204" pitchFamily="18" charset="0"/>
+                              </a:rPr>
+                              <m:t>max</m:t>
+                            </m:r>
+                          </m:e>
+                          <m:lim>
+                            <m:r>
+                              <a:rPr kumimoji="1" lang="en-US" altLang="ja-JP" b="0" i="1" smtClean="0">
+                                <a:latin typeface="Cambria Math" panose="02040503050406030204" pitchFamily="18" charset="0"/>
+                              </a:rPr>
+                              <m:t>𝐼</m:t>
+                            </m:r>
+                          </m:lim>
+                        </m:limLow>
+                      </m:fName>
+                      <m:e>
+                        <m:f>
+                          <m:fPr>
+                            <m:ctrlPr>
+                              <a:rPr kumimoji="1" lang="en-US" altLang="ja-JP" b="0" i="1" smtClean="0">
+                                <a:latin typeface="Cambria Math" panose="02040503050406030204" pitchFamily="18" charset="0"/>
+                              </a:rPr>
+                            </m:ctrlPr>
+                          </m:fPr>
+                          <m:num>
+                            <m:r>
+                              <a:rPr kumimoji="1" lang="en-US" altLang="ja-JP" b="0" i="1" smtClean="0">
+                                <a:latin typeface="Cambria Math" panose="02040503050406030204" pitchFamily="18" charset="0"/>
+                              </a:rPr>
+                              <m:t>𝐴</m:t>
+                            </m:r>
+                            <m:r>
+                              <a:rPr kumimoji="1" lang="en-US" altLang="ja-JP" b="0" i="1" smtClean="0">
+                                <a:latin typeface="Cambria Math" panose="02040503050406030204" pitchFamily="18" charset="0"/>
+                              </a:rPr>
+                              <m:t>(</m:t>
+                            </m:r>
+                            <m:r>
+                              <a:rPr kumimoji="1" lang="en-US" altLang="ja-JP" b="0" i="1" smtClean="0">
+                                <a:latin typeface="Cambria Math" panose="02040503050406030204" pitchFamily="18" charset="0"/>
+                              </a:rPr>
+                              <m:t>𝐼</m:t>
+                            </m:r>
+                            <m:r>
+                              <a:rPr kumimoji="1" lang="en-US" altLang="ja-JP" b="0" i="1" smtClean="0">
+                                <a:latin typeface="Cambria Math" panose="02040503050406030204" pitchFamily="18" charset="0"/>
+                              </a:rPr>
+                              <m:t>)</m:t>
+                            </m:r>
+                          </m:num>
+                          <m:den>
+                            <m:r>
+                              <a:rPr kumimoji="1" lang="en-US" altLang="ja-JP" b="0" i="1" smtClean="0">
+                                <a:latin typeface="Cambria Math" panose="02040503050406030204" pitchFamily="18" charset="0"/>
+                              </a:rPr>
+                              <m:t>𝑂𝑃𝑇</m:t>
+                            </m:r>
+                            <m:r>
+                              <a:rPr kumimoji="1" lang="en-US" altLang="ja-JP" b="0" i="1" smtClean="0">
+                                <a:latin typeface="Cambria Math" panose="02040503050406030204" pitchFamily="18" charset="0"/>
+                              </a:rPr>
+                              <m:t>(</m:t>
+                            </m:r>
+                            <m:r>
+                              <a:rPr kumimoji="1" lang="en-US" altLang="ja-JP" b="0" i="1" smtClean="0">
+                                <a:latin typeface="Cambria Math" panose="02040503050406030204" pitchFamily="18" charset="0"/>
+                              </a:rPr>
+                              <m:t>𝐼</m:t>
+                            </m:r>
+                            <m:r>
+                              <a:rPr kumimoji="1" lang="en-US" altLang="ja-JP" b="0" i="1" smtClean="0">
+                                <a:latin typeface="Cambria Math" panose="02040503050406030204" pitchFamily="18" charset="0"/>
+                              </a:rPr>
+                              <m:t>)</m:t>
+                            </m:r>
+                          </m:den>
+                        </m:f>
+                      </m:e>
+                    </m:func>
+                  </m:oMath>
+                </a14:m>
+                <a:endParaRPr kumimoji="1" lang="en-US" altLang="ja-JP" dirty="0"/>
+              </a:p>
+              <a:p>
+                <a:r>
+                  <a:rPr lang="ja-JP" altLang="en-US" dirty="0"/>
+                  <a:t>最大化問題でも同様に定義できる</a:t>
+                </a:r>
+                <a:endParaRPr lang="en-US" altLang="ja-JP" dirty="0"/>
+              </a:p>
+              <a:p>
+                <a:r>
+                  <a:rPr lang="ja-JP" altLang="en-US" dirty="0"/>
+                  <a:t>目標</a:t>
+                </a:r>
+                <a14:m>
+                  <m:oMath xmlns:m="http://schemas.openxmlformats.org/officeDocument/2006/math">
+                    <m:r>
+                      <a:rPr lang="ja-JP" altLang="en-US" i="1" smtClean="0">
+                        <a:latin typeface="Cambria Math" panose="02040503050406030204" pitchFamily="18" charset="0"/>
+                      </a:rPr>
+                      <m:t>は</m:t>
+                    </m:r>
+                    <m:sSub>
+                      <m:sSubPr>
+                        <m:ctrlPr>
+                          <a:rPr lang="en-US" altLang="ja-JP" i="1">
+                            <a:latin typeface="Cambria Math" panose="02040503050406030204" pitchFamily="18" charset="0"/>
+                          </a:rPr>
+                        </m:ctrlPr>
+                      </m:sSubPr>
+                      <m:e>
+                        <m:r>
+                          <a:rPr lang="ja-JP" altLang="en-US" i="1">
+                            <a:latin typeface="Cambria Math" panose="02040503050406030204" pitchFamily="18" charset="0"/>
+                          </a:rPr>
+                          <m:t>𝛼</m:t>
+                        </m:r>
+                      </m:e>
+                      <m:sub>
+                        <m:r>
+                          <a:rPr lang="en-US" altLang="ja-JP" i="1">
+                            <a:latin typeface="Cambria Math" panose="02040503050406030204" pitchFamily="18" charset="0"/>
+                          </a:rPr>
+                          <m:t>𝐴</m:t>
+                        </m:r>
+                      </m:sub>
+                    </m:sSub>
+                  </m:oMath>
+                </a14:m>
+                <a:r>
+                  <a:rPr kumimoji="1" lang="ja-JP" altLang="en-US" dirty="0"/>
+                  <a:t>を小さくするような</a:t>
+                </a:r>
+                <a14:m>
+                  <m:oMath xmlns:m="http://schemas.openxmlformats.org/officeDocument/2006/math">
+                    <m:r>
+                      <a:rPr kumimoji="1" lang="en-US" altLang="ja-JP" b="0" i="1" smtClean="0">
+                        <a:latin typeface="Cambria Math" panose="02040503050406030204" pitchFamily="18" charset="0"/>
+                      </a:rPr>
+                      <m:t>𝐴</m:t>
+                    </m:r>
+                  </m:oMath>
+                </a14:m>
+                <a:r>
+                  <a:rPr kumimoji="1" lang="ja-JP" altLang="en-US" dirty="0"/>
+                  <a:t>を見つけること</a:t>
+                </a:r>
+              </a:p>
+            </p:txBody>
+          </p:sp>
+        </mc:Choice>
+        <mc:Fallback>
+          <p:sp>
+            <p:nvSpPr>
+              <p:cNvPr id="3" name="コンテンツ プレースホルダー 2">
+                <a:extLst>
+                  <a:ext uri="{FF2B5EF4-FFF2-40B4-BE49-F238E27FC236}">
+                    <a16:creationId xmlns:a16="http://schemas.microsoft.com/office/drawing/2014/main" id="{6D85E022-90D7-42EF-9952-D3578FCEAC62}"/>
+                  </a:ext>
+                </a:extLst>
+              </p:cNvPr>
+              <p:cNvSpPr>
+                <a:spLocks noGrp="1" noRot="1" noChangeAspect="1" noMove="1" noResize="1" noEditPoints="1" noAdjustHandles="1" noChangeArrowheads="1" noChangeShapeType="1" noTextEdit="1"/>
+              </p:cNvSpPr>
+              <p:nvPr>
+                <p:ph sz="quarter" idx="1"/>
+              </p:nvPr>
+            </p:nvSpPr>
+            <p:spPr>
+              <a:blipFill>
+                <a:blip r:embed="rId2"/>
+                <a:stretch>
+                  <a:fillRect l="-139" t="-696"/>
+                </a:stretch>
+              </a:blipFill>
+            </p:spPr>
+            <p:txBody>
+              <a:bodyPr/>
+              <a:lstStyle/>
+              <a:p>
+                <a:r>
+                  <a:rPr lang="ja-JP" altLang="en-US">
+                    <a:noFill/>
+                  </a:rPr>
+                  <a:t> </a:t>
+                </a:r>
+              </a:p>
+            </p:txBody>
+          </p:sp>
+        </mc:Fallback>
+      </mc:AlternateContent>
+    </p:spTree>
+    <p:extLst>
+      <p:ext uri="{BB962C8B-B14F-4D97-AF65-F5344CB8AC3E}">
+        <p14:creationId xmlns:p14="http://schemas.microsoft.com/office/powerpoint/2010/main" val="3863605483"/>
+      </p:ext>
+    </p:extLst>
+  </p:cSld>
+  <p:clrMapOvr>
+    <a:masterClrMapping/>
+  </p:clrMapOvr>
+</p:sld>
+</file>
+
+<file path=ppt/slides/slide29.xml><?xml version="1.0" encoding="utf-8"?>
+<p:sld xmlns:a="http://schemas.openxmlformats.org/drawingml/2006/main" xmlns:r="http://schemas.openxmlformats.org/officeDocument/2006/relationships" xmlns:p="http://schemas.openxmlformats.org/presentationml/2006/main">
+  <p:cSld>
+    <p:spTree>
+      <p:nvGrpSpPr>
+        <p:cNvPr id="1" name=""/>
+        <p:cNvGrpSpPr/>
+        <p:nvPr/>
+      </p:nvGrpSpPr>
+      <p:grpSpPr>
+        <a:xfrm>
+          <a:off x="0" y="0"/>
+          <a:ext cx="0" cy="0"/>
+          <a:chOff x="0" y="0"/>
+          <a:chExt cx="0" cy="0"/>
+        </a:xfrm>
+      </p:grpSpPr>
       <p:sp>
         <p:nvSpPr>
-          <p:cNvPr id="3" name="コンテンツ プレースホルダー 2">
+          <p:cNvPr id="2" name="タイトル 1">
             <a:extLst>
               <a:ext uri="{FF2B5EF4-FFF2-40B4-BE49-F238E27FC236}">
-                <a16:creationId xmlns:a16="http://schemas.microsoft.com/office/drawing/2014/main" id="{6D85E022-90D7-42EF-9952-D3578FCEAC62}"/>
+                <a16:creationId xmlns:a16="http://schemas.microsoft.com/office/drawing/2014/main" id="{095E58D5-C56F-467D-AAB5-F8BA213CD97B}"/>
               </a:ext>
             </a:extLst>
           </p:cNvPr>
@@ -19645,7 +20353,7 @@
             <a:spLocks noGrp="1"/>
           </p:cNvSpPr>
           <p:nvPr>
-            <p:ph sz="quarter" idx="1"/>
+            <p:ph type="title"/>
           </p:nvPr>
         </p:nvSpPr>
         <p:spPr/>
@@ -19653,14 +20361,239 @@
           <a:bodyPr/>
           <a:lstStyle/>
           <a:p>
+            <a:r>
+              <a:rPr kumimoji="1" lang="en-US" altLang="ja-JP" dirty="0"/>
+              <a:t>Vertex cover</a:t>
+            </a:r>
             <a:endParaRPr kumimoji="1" lang="ja-JP" altLang="en-US" dirty="0"/>
           </a:p>
         </p:txBody>
       </p:sp>
+      <mc:AlternateContent xmlns:mc="http://schemas.openxmlformats.org/markup-compatibility/2006">
+        <mc:Choice xmlns:a14="http://schemas.microsoft.com/office/drawing/2010/main" Requires="a14">
+          <p:sp>
+            <p:nvSpPr>
+              <p:cNvPr id="3" name="コンテンツ プレースホルダー 2">
+                <a:extLst>
+                  <a:ext uri="{FF2B5EF4-FFF2-40B4-BE49-F238E27FC236}">
+                    <a16:creationId xmlns:a16="http://schemas.microsoft.com/office/drawing/2014/main" id="{5B130BEB-6E3D-46A0-82B7-56CAA573BDDE}"/>
+                  </a:ext>
+                </a:extLst>
+              </p:cNvPr>
+              <p:cNvSpPr>
+                <a:spLocks noGrp="1"/>
+              </p:cNvSpPr>
+              <p:nvPr>
+                <p:ph sz="quarter" idx="1"/>
+              </p:nvPr>
+            </p:nvSpPr>
+            <p:spPr/>
+            <p:txBody>
+              <a:bodyPr/>
+              <a:lstStyle/>
+              <a:p>
+                <a:r>
+                  <a:rPr kumimoji="1" lang="en-US" altLang="ja-JP" dirty="0"/>
+                  <a:t>NP</a:t>
+                </a:r>
+                <a:r>
+                  <a:rPr kumimoji="1" lang="ja-JP" altLang="en-US" dirty="0"/>
+                  <a:t>困難だと知られている</a:t>
+                </a:r>
+                <a:endParaRPr kumimoji="1" lang="en-US" altLang="ja-JP" dirty="0"/>
+              </a:p>
+              <a:p>
+                <a:r>
+                  <a:rPr lang="ja-JP" altLang="en-US" dirty="0"/>
+                  <a:t>問題設定</a:t>
+                </a:r>
+                <a:endParaRPr lang="en-US" altLang="ja-JP" dirty="0"/>
+              </a:p>
+              <a:p>
+                <a:pPr lvl="1"/>
+                <a:r>
+                  <a:rPr kumimoji="1" lang="ja-JP" altLang="en-US" dirty="0"/>
+                  <a:t>入力</a:t>
+                </a:r>
+                <a:r>
+                  <a:rPr lang="en-US" altLang="ja-JP" dirty="0"/>
+                  <a:t>:</a:t>
+                </a:r>
+                <a:r>
+                  <a:rPr lang="ja-JP" altLang="en-US" dirty="0"/>
+                  <a:t>無向グラフ</a:t>
+                </a:r>
+                <a14:m>
+                  <m:oMath xmlns:m="http://schemas.openxmlformats.org/officeDocument/2006/math">
+                    <m:r>
+                      <a:rPr lang="en-US" altLang="ja-JP" b="0" i="1" smtClean="0">
+                        <a:latin typeface="Cambria Math" panose="02040503050406030204" pitchFamily="18" charset="0"/>
+                      </a:rPr>
+                      <m:t>𝐺</m:t>
+                    </m:r>
+                    <m:r>
+                      <a:rPr lang="en-US" altLang="ja-JP" b="0" i="1" smtClean="0">
+                        <a:latin typeface="Cambria Math" panose="02040503050406030204" pitchFamily="18" charset="0"/>
+                      </a:rPr>
+                      <m:t>=(</m:t>
+                    </m:r>
+                    <m:r>
+                      <a:rPr lang="en-US" altLang="ja-JP" b="0" i="1" smtClean="0">
+                        <a:latin typeface="Cambria Math" panose="02040503050406030204" pitchFamily="18" charset="0"/>
+                      </a:rPr>
+                      <m:t>𝑉</m:t>
+                    </m:r>
+                    <m:r>
+                      <a:rPr lang="en-US" altLang="ja-JP" b="0" i="1" smtClean="0">
+                        <a:latin typeface="Cambria Math" panose="02040503050406030204" pitchFamily="18" charset="0"/>
+                      </a:rPr>
+                      <m:t>,</m:t>
+                    </m:r>
+                    <m:r>
+                      <a:rPr lang="en-US" altLang="ja-JP" b="0" i="1" smtClean="0">
+                        <a:latin typeface="Cambria Math" panose="02040503050406030204" pitchFamily="18" charset="0"/>
+                      </a:rPr>
+                      <m:t>𝐸</m:t>
+                    </m:r>
+                    <m:r>
+                      <a:rPr lang="en-US" altLang="ja-JP" b="0" i="1" smtClean="0">
+                        <a:latin typeface="Cambria Math" panose="02040503050406030204" pitchFamily="18" charset="0"/>
+                      </a:rPr>
+                      <m:t>)</m:t>
+                    </m:r>
+                  </m:oMath>
+                </a14:m>
+                <a:endParaRPr kumimoji="1" lang="en-US" altLang="ja-JP" dirty="0"/>
+              </a:p>
+              <a:p>
+                <a:pPr lvl="1"/>
+                <a:r>
+                  <a:rPr lang="ja-JP" altLang="en-US" dirty="0"/>
+                  <a:t>出力</a:t>
+                </a:r>
+                <a:r>
+                  <a:rPr lang="en-US" altLang="ja-JP" dirty="0"/>
+                  <a:t>:</a:t>
+                </a:r>
+                <a:r>
+                  <a:rPr lang="ja-JP" altLang="en-US" dirty="0"/>
+                  <a:t>全ての辺に接している頂点部分集合</a:t>
+                </a:r>
+                <a14:m>
+                  <m:oMath xmlns:m="http://schemas.openxmlformats.org/officeDocument/2006/math">
+                    <m:r>
+                      <a:rPr lang="en-US" altLang="ja-JP" b="0" i="1" smtClean="0">
+                        <a:latin typeface="Cambria Math" panose="02040503050406030204" pitchFamily="18" charset="0"/>
+                      </a:rPr>
+                      <m:t>𝑆</m:t>
+                    </m:r>
+                    <m:r>
+                      <a:rPr lang="en-US" altLang="ja-JP" b="0" i="1" smtClean="0">
+                        <a:latin typeface="Cambria Math" panose="02040503050406030204" pitchFamily="18" charset="0"/>
+                        <a:ea typeface="Cambria Math" panose="02040503050406030204" pitchFamily="18" charset="0"/>
+                      </a:rPr>
+                      <m:t>⊆</m:t>
+                    </m:r>
+                    <m:r>
+                      <a:rPr lang="en-US" altLang="ja-JP" b="0" i="1" smtClean="0">
+                        <a:latin typeface="Cambria Math" panose="02040503050406030204" pitchFamily="18" charset="0"/>
+                        <a:ea typeface="Cambria Math" panose="02040503050406030204" pitchFamily="18" charset="0"/>
+                      </a:rPr>
+                      <m:t>𝑉</m:t>
+                    </m:r>
+                  </m:oMath>
+                </a14:m>
+                <a:endParaRPr kumimoji="1" lang="en-US" altLang="ja-JP" dirty="0"/>
+              </a:p>
+              <a:p>
+                <a:pPr lvl="1"/>
+                <a:r>
+                  <a:rPr lang="ja-JP" altLang="en-US" dirty="0"/>
+                  <a:t>目標</a:t>
+                </a:r>
+                <a:r>
+                  <a:rPr lang="en-US" altLang="ja-JP" dirty="0"/>
+                  <a:t>:</a:t>
+                </a:r>
+                <a14:m>
+                  <m:oMath xmlns:m="http://schemas.openxmlformats.org/officeDocument/2006/math">
+                    <m:d>
+                      <m:dPr>
+                        <m:begChr m:val="|"/>
+                        <m:endChr m:val="|"/>
+                        <m:ctrlPr>
+                          <a:rPr lang="en-US" altLang="ja-JP" i="1" smtClean="0">
+                            <a:latin typeface="Cambria Math" panose="02040503050406030204" pitchFamily="18" charset="0"/>
+                          </a:rPr>
+                        </m:ctrlPr>
+                      </m:dPr>
+                      <m:e>
+                        <m:r>
+                          <a:rPr lang="en-US" altLang="ja-JP" b="0" i="1" smtClean="0">
+                            <a:latin typeface="Cambria Math" panose="02040503050406030204" pitchFamily="18" charset="0"/>
+                          </a:rPr>
+                          <m:t>𝑆</m:t>
+                        </m:r>
+                      </m:e>
+                    </m:d>
+                  </m:oMath>
+                </a14:m>
+                <a:r>
+                  <a:rPr kumimoji="1" lang="ja-JP" altLang="en-US" dirty="0"/>
+                  <a:t>の最小化</a:t>
+                </a:r>
+                <a:endParaRPr kumimoji="1" lang="en-US" altLang="ja-JP" dirty="0"/>
+              </a:p>
+              <a:p>
+                <a:endParaRPr kumimoji="1" lang="ja-JP" altLang="en-US" dirty="0"/>
+              </a:p>
+            </p:txBody>
+          </p:sp>
+        </mc:Choice>
+        <mc:Fallback>
+          <p:sp>
+            <p:nvSpPr>
+              <p:cNvPr id="3" name="コンテンツ プレースホルダー 2">
+                <a:extLst>
+                  <a:ext uri="{FF2B5EF4-FFF2-40B4-BE49-F238E27FC236}">
+                    <a16:creationId xmlns:a16="http://schemas.microsoft.com/office/drawing/2014/main" id="{5B130BEB-6E3D-46A0-82B7-56CAA573BDDE}"/>
+                  </a:ext>
+                </a:extLst>
+              </p:cNvPr>
+              <p:cNvSpPr>
+                <a:spLocks noGrp="1" noRot="1" noChangeAspect="1" noMove="1" noResize="1" noEditPoints="1" noAdjustHandles="1" noChangeArrowheads="1" noChangeShapeType="1" noTextEdit="1"/>
+              </p:cNvSpPr>
+              <p:nvPr>
+                <p:ph sz="quarter" idx="1"/>
+              </p:nvPr>
+            </p:nvSpPr>
+            <p:spPr>
+              <a:blipFill>
+                <a:blip r:embed="rId2"/>
+                <a:stretch>
+                  <a:fillRect l="-139" t="-928"/>
+                </a:stretch>
+              </a:blipFill>
+            </p:spPr>
+            <p:txBody>
+              <a:bodyPr/>
+              <a:lstStyle/>
+              <a:p>
+                <a:r>
+                  <a:rPr lang="ja-JP" altLang="en-US">
+                    <a:noFill/>
+                  </a:rPr>
+                  <a:t> </a:t>
+                </a:r>
+              </a:p>
+            </p:txBody>
+          </p:sp>
+        </mc:Fallback>
+      </mc:AlternateContent>
     </p:spTree>
     <p:extLst>
       <p:ext uri="{BB962C8B-B14F-4D97-AF65-F5344CB8AC3E}">
-        <p14:creationId xmlns:p14="http://schemas.microsoft.com/office/powerpoint/2010/main" val="3863605483"/>
+        <p14:creationId xmlns:p14="http://schemas.microsoft.com/office/powerpoint/2010/main" val="4147172308"/>
       </p:ext>
     </p:extLst>
   </p:cSld>
@@ -19871,6 +20804,5956 @@
 </p:sld>
 </file>
 
+<file path=ppt/slides/slide30.xml><?xml version="1.0" encoding="utf-8"?>
+<p:sld xmlns:a="http://schemas.openxmlformats.org/drawingml/2006/main" xmlns:r="http://schemas.openxmlformats.org/officeDocument/2006/relationships" xmlns:p="http://schemas.openxmlformats.org/presentationml/2006/main">
+  <p:cSld>
+    <p:spTree>
+      <p:nvGrpSpPr>
+        <p:cNvPr id="1" name=""/>
+        <p:cNvGrpSpPr/>
+        <p:nvPr/>
+      </p:nvGrpSpPr>
+      <p:grpSpPr>
+        <a:xfrm>
+          <a:off x="0" y="0"/>
+          <a:ext cx="0" cy="0"/>
+          <a:chOff x="0" y="0"/>
+          <a:chExt cx="0" cy="0"/>
+        </a:xfrm>
+      </p:grpSpPr>
+      <p:sp>
+        <p:nvSpPr>
+          <p:cNvPr id="2" name="タイトル 1">
+            <a:extLst>
+              <a:ext uri="{FF2B5EF4-FFF2-40B4-BE49-F238E27FC236}">
+                <a16:creationId xmlns:a16="http://schemas.microsoft.com/office/drawing/2014/main" id="{06D149E5-3234-4CF3-97A2-902E14BEC59F}"/>
+              </a:ext>
+            </a:extLst>
+          </p:cNvPr>
+          <p:cNvSpPr>
+            <a:spLocks noGrp="1"/>
+          </p:cNvSpPr>
+          <p:nvPr>
+            <p:ph type="title"/>
+          </p:nvPr>
+        </p:nvSpPr>
+        <p:spPr/>
+        <p:txBody>
+          <a:bodyPr/>
+          <a:lstStyle/>
+          <a:p>
+            <a:r>
+              <a:rPr kumimoji="1" lang="en-US" altLang="ja-JP" dirty="0"/>
+              <a:t>Vertex cover</a:t>
+            </a:r>
+            <a:endParaRPr kumimoji="1" lang="ja-JP" altLang="en-US" dirty="0"/>
+          </a:p>
+        </p:txBody>
+      </p:sp>
+      <p:sp>
+        <p:nvSpPr>
+          <p:cNvPr id="3" name="コンテンツ プレースホルダー 2">
+            <a:extLst>
+              <a:ext uri="{FF2B5EF4-FFF2-40B4-BE49-F238E27FC236}">
+                <a16:creationId xmlns:a16="http://schemas.microsoft.com/office/drawing/2014/main" id="{17DF5C73-24FE-4B0D-8433-2A70A799DEEE}"/>
+              </a:ext>
+            </a:extLst>
+          </p:cNvPr>
+          <p:cNvSpPr>
+            <a:spLocks noGrp="1"/>
+          </p:cNvSpPr>
+          <p:nvPr>
+            <p:ph sz="quarter" idx="1"/>
+          </p:nvPr>
+        </p:nvSpPr>
+        <p:spPr>
+          <a:xfrm>
+            <a:off x="179512" y="1124744"/>
+            <a:ext cx="8784976" cy="5256666"/>
+          </a:xfrm>
+        </p:spPr>
+        <p:txBody>
+          <a:bodyPr/>
+          <a:lstStyle/>
+          <a:p>
+            <a:r>
+              <a:rPr kumimoji="1" lang="ja-JP" altLang="en-US" dirty="0"/>
+              <a:t>こんなグラフが与えられたら</a:t>
+            </a:r>
+            <a:endParaRPr kumimoji="1" lang="en-US" altLang="ja-JP" dirty="0"/>
+          </a:p>
+          <a:p>
+            <a:endParaRPr kumimoji="1" lang="ja-JP" altLang="en-US" dirty="0"/>
+          </a:p>
+        </p:txBody>
+      </p:sp>
+      <p:sp>
+        <p:nvSpPr>
+          <p:cNvPr id="4" name="楕円 3">
+            <a:extLst>
+              <a:ext uri="{FF2B5EF4-FFF2-40B4-BE49-F238E27FC236}">
+                <a16:creationId xmlns:a16="http://schemas.microsoft.com/office/drawing/2014/main" id="{27038687-C5FF-4A89-82B4-1FABAFBA1C9B}"/>
+              </a:ext>
+            </a:extLst>
+          </p:cNvPr>
+          <p:cNvSpPr/>
+          <p:nvPr/>
+        </p:nvSpPr>
+        <p:spPr>
+          <a:xfrm>
+            <a:off x="3827826" y="2418426"/>
+            <a:ext cx="432000" cy="432000"/>
+          </a:xfrm>
+          <a:prstGeom prst="ellipse">
+            <a:avLst/>
+          </a:prstGeom>
+          <a:ln w="28575">
+            <a:solidFill>
+              <a:schemeClr val="tx1"/>
+            </a:solidFill>
+          </a:ln>
+        </p:spPr>
+        <p:style>
+          <a:lnRef idx="1">
+            <a:schemeClr val="accent1"/>
+          </a:lnRef>
+          <a:fillRef idx="0">
+            <a:schemeClr val="accent1"/>
+          </a:fillRef>
+          <a:effectRef idx="0">
+            <a:schemeClr val="accent1"/>
+          </a:effectRef>
+          <a:fontRef idx="minor">
+            <a:schemeClr val="tx1"/>
+          </a:fontRef>
+        </p:style>
+        <p:txBody>
+          <a:bodyPr rtlCol="0" anchor="ctr"/>
+          <a:lstStyle/>
+          <a:p>
+            <a:pPr algn="ctr"/>
+            <a:endParaRPr kumimoji="1" lang="ja-JP" altLang="en-US"/>
+          </a:p>
+        </p:txBody>
+      </p:sp>
+      <p:sp>
+        <p:nvSpPr>
+          <p:cNvPr id="5" name="楕円 4">
+            <a:extLst>
+              <a:ext uri="{FF2B5EF4-FFF2-40B4-BE49-F238E27FC236}">
+                <a16:creationId xmlns:a16="http://schemas.microsoft.com/office/drawing/2014/main" id="{84CDF98A-769C-4284-8AAF-E7C78EA27522}"/>
+              </a:ext>
+            </a:extLst>
+          </p:cNvPr>
+          <p:cNvSpPr/>
+          <p:nvPr/>
+        </p:nvSpPr>
+        <p:spPr>
+          <a:xfrm>
+            <a:off x="2826774" y="2418426"/>
+            <a:ext cx="432000" cy="432000"/>
+          </a:xfrm>
+          <a:prstGeom prst="ellipse">
+            <a:avLst/>
+          </a:prstGeom>
+          <a:ln w="28575">
+            <a:solidFill>
+              <a:schemeClr val="tx1"/>
+            </a:solidFill>
+          </a:ln>
+        </p:spPr>
+        <p:style>
+          <a:lnRef idx="1">
+            <a:schemeClr val="accent1"/>
+          </a:lnRef>
+          <a:fillRef idx="0">
+            <a:schemeClr val="accent1"/>
+          </a:fillRef>
+          <a:effectRef idx="0">
+            <a:schemeClr val="accent1"/>
+          </a:effectRef>
+          <a:fontRef idx="minor">
+            <a:schemeClr val="tx1"/>
+          </a:fontRef>
+        </p:style>
+        <p:txBody>
+          <a:bodyPr rtlCol="0" anchor="ctr"/>
+          <a:lstStyle/>
+          <a:p>
+            <a:pPr algn="ctr"/>
+            <a:endParaRPr kumimoji="1" lang="ja-JP" altLang="en-US"/>
+          </a:p>
+        </p:txBody>
+      </p:sp>
+      <p:sp>
+        <p:nvSpPr>
+          <p:cNvPr id="6" name="楕円 5">
+            <a:extLst>
+              <a:ext uri="{FF2B5EF4-FFF2-40B4-BE49-F238E27FC236}">
+                <a16:creationId xmlns:a16="http://schemas.microsoft.com/office/drawing/2014/main" id="{4CF706DD-1E2C-44A6-9C24-7223E6B4F69C}"/>
+              </a:ext>
+            </a:extLst>
+          </p:cNvPr>
+          <p:cNvSpPr/>
+          <p:nvPr/>
+        </p:nvSpPr>
+        <p:spPr>
+          <a:xfrm>
+            <a:off x="4832865" y="2418426"/>
+            <a:ext cx="432000" cy="432000"/>
+          </a:xfrm>
+          <a:prstGeom prst="ellipse">
+            <a:avLst/>
+          </a:prstGeom>
+          <a:ln w="28575">
+            <a:solidFill>
+              <a:schemeClr val="tx1"/>
+            </a:solidFill>
+          </a:ln>
+        </p:spPr>
+        <p:style>
+          <a:lnRef idx="1">
+            <a:schemeClr val="accent1"/>
+          </a:lnRef>
+          <a:fillRef idx="0">
+            <a:schemeClr val="accent1"/>
+          </a:fillRef>
+          <a:effectRef idx="0">
+            <a:schemeClr val="accent1"/>
+          </a:effectRef>
+          <a:fontRef idx="minor">
+            <a:schemeClr val="tx1"/>
+          </a:fontRef>
+        </p:style>
+        <p:txBody>
+          <a:bodyPr rtlCol="0" anchor="ctr"/>
+          <a:lstStyle/>
+          <a:p>
+            <a:pPr algn="ctr"/>
+            <a:endParaRPr kumimoji="1" lang="ja-JP" altLang="en-US"/>
+          </a:p>
+        </p:txBody>
+      </p:sp>
+      <p:sp>
+        <p:nvSpPr>
+          <p:cNvPr id="7" name="楕円 6">
+            <a:extLst>
+              <a:ext uri="{FF2B5EF4-FFF2-40B4-BE49-F238E27FC236}">
+                <a16:creationId xmlns:a16="http://schemas.microsoft.com/office/drawing/2014/main" id="{27A0295B-F445-45D1-87B2-76C1E0272050}"/>
+              </a:ext>
+            </a:extLst>
+          </p:cNvPr>
+          <p:cNvSpPr/>
+          <p:nvPr/>
+        </p:nvSpPr>
+        <p:spPr>
+          <a:xfrm>
+            <a:off x="2826774" y="3255097"/>
+            <a:ext cx="432000" cy="432000"/>
+          </a:xfrm>
+          <a:prstGeom prst="ellipse">
+            <a:avLst/>
+          </a:prstGeom>
+          <a:ln w="28575">
+            <a:solidFill>
+              <a:schemeClr val="tx1"/>
+            </a:solidFill>
+          </a:ln>
+        </p:spPr>
+        <p:style>
+          <a:lnRef idx="1">
+            <a:schemeClr val="accent1"/>
+          </a:lnRef>
+          <a:fillRef idx="0">
+            <a:schemeClr val="accent1"/>
+          </a:fillRef>
+          <a:effectRef idx="0">
+            <a:schemeClr val="accent1"/>
+          </a:effectRef>
+          <a:fontRef idx="minor">
+            <a:schemeClr val="tx1"/>
+          </a:fontRef>
+        </p:style>
+        <p:txBody>
+          <a:bodyPr rtlCol="0" anchor="ctr"/>
+          <a:lstStyle/>
+          <a:p>
+            <a:pPr algn="ctr"/>
+            <a:endParaRPr kumimoji="1" lang="ja-JP" altLang="en-US"/>
+          </a:p>
+        </p:txBody>
+      </p:sp>
+      <p:sp>
+        <p:nvSpPr>
+          <p:cNvPr id="8" name="楕円 7">
+            <a:extLst>
+              <a:ext uri="{FF2B5EF4-FFF2-40B4-BE49-F238E27FC236}">
+                <a16:creationId xmlns:a16="http://schemas.microsoft.com/office/drawing/2014/main" id="{13A0B63E-04BB-47D2-96D6-6456D5C29E5E}"/>
+              </a:ext>
+            </a:extLst>
+          </p:cNvPr>
+          <p:cNvSpPr/>
+          <p:nvPr/>
+        </p:nvSpPr>
+        <p:spPr>
+          <a:xfrm>
+            <a:off x="5834826" y="2414439"/>
+            <a:ext cx="432000" cy="432000"/>
+          </a:xfrm>
+          <a:prstGeom prst="ellipse">
+            <a:avLst/>
+          </a:prstGeom>
+          <a:ln w="28575">
+            <a:solidFill>
+              <a:schemeClr val="tx1"/>
+            </a:solidFill>
+          </a:ln>
+        </p:spPr>
+        <p:style>
+          <a:lnRef idx="1">
+            <a:schemeClr val="accent1"/>
+          </a:lnRef>
+          <a:fillRef idx="0">
+            <a:schemeClr val="accent1"/>
+          </a:fillRef>
+          <a:effectRef idx="0">
+            <a:schemeClr val="accent1"/>
+          </a:effectRef>
+          <a:fontRef idx="minor">
+            <a:schemeClr val="tx1"/>
+          </a:fontRef>
+        </p:style>
+        <p:txBody>
+          <a:bodyPr rtlCol="0" anchor="ctr"/>
+          <a:lstStyle/>
+          <a:p>
+            <a:pPr algn="ctr"/>
+            <a:endParaRPr kumimoji="1" lang="ja-JP" altLang="en-US"/>
+          </a:p>
+        </p:txBody>
+      </p:sp>
+      <p:sp>
+        <p:nvSpPr>
+          <p:cNvPr id="9" name="楕円 8">
+            <a:extLst>
+              <a:ext uri="{FF2B5EF4-FFF2-40B4-BE49-F238E27FC236}">
+                <a16:creationId xmlns:a16="http://schemas.microsoft.com/office/drawing/2014/main" id="{1D1B1300-C6F2-4BC2-BEAA-9A1F1C583FF4}"/>
+              </a:ext>
+            </a:extLst>
+          </p:cNvPr>
+          <p:cNvSpPr/>
+          <p:nvPr/>
+        </p:nvSpPr>
+        <p:spPr>
+          <a:xfrm>
+            <a:off x="3827826" y="3255097"/>
+            <a:ext cx="432000" cy="432000"/>
+          </a:xfrm>
+          <a:prstGeom prst="ellipse">
+            <a:avLst/>
+          </a:prstGeom>
+          <a:ln w="28575">
+            <a:solidFill>
+              <a:schemeClr val="tx1"/>
+            </a:solidFill>
+          </a:ln>
+        </p:spPr>
+        <p:style>
+          <a:lnRef idx="1">
+            <a:schemeClr val="accent1"/>
+          </a:lnRef>
+          <a:fillRef idx="0">
+            <a:schemeClr val="accent1"/>
+          </a:fillRef>
+          <a:effectRef idx="0">
+            <a:schemeClr val="accent1"/>
+          </a:effectRef>
+          <a:fontRef idx="minor">
+            <a:schemeClr val="tx1"/>
+          </a:fontRef>
+        </p:style>
+        <p:txBody>
+          <a:bodyPr rtlCol="0" anchor="ctr"/>
+          <a:lstStyle/>
+          <a:p>
+            <a:pPr algn="ctr"/>
+            <a:endParaRPr kumimoji="1" lang="ja-JP" altLang="en-US"/>
+          </a:p>
+        </p:txBody>
+      </p:sp>
+      <p:sp>
+        <p:nvSpPr>
+          <p:cNvPr id="10" name="楕円 9">
+            <a:extLst>
+              <a:ext uri="{FF2B5EF4-FFF2-40B4-BE49-F238E27FC236}">
+                <a16:creationId xmlns:a16="http://schemas.microsoft.com/office/drawing/2014/main" id="{40D86176-0347-4F07-904D-4158032926F7}"/>
+              </a:ext>
+            </a:extLst>
+          </p:cNvPr>
+          <p:cNvSpPr/>
+          <p:nvPr/>
+        </p:nvSpPr>
+        <p:spPr>
+          <a:xfrm>
+            <a:off x="4832865" y="3255097"/>
+            <a:ext cx="432000" cy="432000"/>
+          </a:xfrm>
+          <a:prstGeom prst="ellipse">
+            <a:avLst/>
+          </a:prstGeom>
+          <a:ln w="28575">
+            <a:solidFill>
+              <a:schemeClr val="tx1"/>
+            </a:solidFill>
+          </a:ln>
+        </p:spPr>
+        <p:style>
+          <a:lnRef idx="1">
+            <a:schemeClr val="accent1"/>
+          </a:lnRef>
+          <a:fillRef idx="0">
+            <a:schemeClr val="accent1"/>
+          </a:fillRef>
+          <a:effectRef idx="0">
+            <a:schemeClr val="accent1"/>
+          </a:effectRef>
+          <a:fontRef idx="minor">
+            <a:schemeClr val="tx1"/>
+          </a:fontRef>
+        </p:style>
+        <p:txBody>
+          <a:bodyPr rtlCol="0" anchor="ctr"/>
+          <a:lstStyle/>
+          <a:p>
+            <a:pPr algn="ctr"/>
+            <a:endParaRPr kumimoji="1" lang="ja-JP" altLang="en-US"/>
+          </a:p>
+        </p:txBody>
+      </p:sp>
+      <p:sp>
+        <p:nvSpPr>
+          <p:cNvPr id="11" name="楕円 10">
+            <a:extLst>
+              <a:ext uri="{FF2B5EF4-FFF2-40B4-BE49-F238E27FC236}">
+                <a16:creationId xmlns:a16="http://schemas.microsoft.com/office/drawing/2014/main" id="{1A767449-F1FA-4771-9840-4190144EEB44}"/>
+              </a:ext>
+            </a:extLst>
+          </p:cNvPr>
+          <p:cNvSpPr/>
+          <p:nvPr/>
+        </p:nvSpPr>
+        <p:spPr>
+          <a:xfrm>
+            <a:off x="2826774" y="4095136"/>
+            <a:ext cx="432000" cy="432000"/>
+          </a:xfrm>
+          <a:prstGeom prst="ellipse">
+            <a:avLst/>
+          </a:prstGeom>
+          <a:ln w="28575">
+            <a:solidFill>
+              <a:schemeClr val="tx1"/>
+            </a:solidFill>
+          </a:ln>
+        </p:spPr>
+        <p:style>
+          <a:lnRef idx="1">
+            <a:schemeClr val="accent1"/>
+          </a:lnRef>
+          <a:fillRef idx="0">
+            <a:schemeClr val="accent1"/>
+          </a:fillRef>
+          <a:effectRef idx="0">
+            <a:schemeClr val="accent1"/>
+          </a:effectRef>
+          <a:fontRef idx="minor">
+            <a:schemeClr val="tx1"/>
+          </a:fontRef>
+        </p:style>
+        <p:txBody>
+          <a:bodyPr rtlCol="0" anchor="ctr"/>
+          <a:lstStyle/>
+          <a:p>
+            <a:pPr algn="ctr"/>
+            <a:endParaRPr kumimoji="1" lang="ja-JP" altLang="en-US"/>
+          </a:p>
+        </p:txBody>
+      </p:sp>
+      <p:sp>
+        <p:nvSpPr>
+          <p:cNvPr id="12" name="楕円 11">
+            <a:extLst>
+              <a:ext uri="{FF2B5EF4-FFF2-40B4-BE49-F238E27FC236}">
+                <a16:creationId xmlns:a16="http://schemas.microsoft.com/office/drawing/2014/main" id="{EC57DB0A-68B1-4C4D-94E5-690864273DA4}"/>
+              </a:ext>
+            </a:extLst>
+          </p:cNvPr>
+          <p:cNvSpPr/>
+          <p:nvPr/>
+        </p:nvSpPr>
+        <p:spPr>
+          <a:xfrm>
+            <a:off x="5834826" y="3269226"/>
+            <a:ext cx="432000" cy="432000"/>
+          </a:xfrm>
+          <a:prstGeom prst="ellipse">
+            <a:avLst/>
+          </a:prstGeom>
+          <a:ln w="28575">
+            <a:solidFill>
+              <a:schemeClr val="tx1"/>
+            </a:solidFill>
+          </a:ln>
+        </p:spPr>
+        <p:style>
+          <a:lnRef idx="1">
+            <a:schemeClr val="accent1"/>
+          </a:lnRef>
+          <a:fillRef idx="0">
+            <a:schemeClr val="accent1"/>
+          </a:fillRef>
+          <a:effectRef idx="0">
+            <a:schemeClr val="accent1"/>
+          </a:effectRef>
+          <a:fontRef idx="minor">
+            <a:schemeClr val="tx1"/>
+          </a:fontRef>
+        </p:style>
+        <p:txBody>
+          <a:bodyPr rtlCol="0" anchor="ctr"/>
+          <a:lstStyle/>
+          <a:p>
+            <a:pPr algn="ctr"/>
+            <a:endParaRPr kumimoji="1" lang="ja-JP" altLang="en-US"/>
+          </a:p>
+        </p:txBody>
+      </p:sp>
+      <p:sp>
+        <p:nvSpPr>
+          <p:cNvPr id="13" name="楕円 12">
+            <a:extLst>
+              <a:ext uri="{FF2B5EF4-FFF2-40B4-BE49-F238E27FC236}">
+                <a16:creationId xmlns:a16="http://schemas.microsoft.com/office/drawing/2014/main" id="{7F0ADEE6-EED8-48D3-84A5-32D1759901CE}"/>
+              </a:ext>
+            </a:extLst>
+          </p:cNvPr>
+          <p:cNvSpPr/>
+          <p:nvPr/>
+        </p:nvSpPr>
+        <p:spPr>
+          <a:xfrm>
+            <a:off x="3827826" y="4100671"/>
+            <a:ext cx="432000" cy="432000"/>
+          </a:xfrm>
+          <a:prstGeom prst="ellipse">
+            <a:avLst/>
+          </a:prstGeom>
+          <a:ln w="28575">
+            <a:solidFill>
+              <a:schemeClr val="tx1"/>
+            </a:solidFill>
+          </a:ln>
+        </p:spPr>
+        <p:style>
+          <a:lnRef idx="1">
+            <a:schemeClr val="accent1"/>
+          </a:lnRef>
+          <a:fillRef idx="0">
+            <a:schemeClr val="accent1"/>
+          </a:fillRef>
+          <a:effectRef idx="0">
+            <a:schemeClr val="accent1"/>
+          </a:effectRef>
+          <a:fontRef idx="minor">
+            <a:schemeClr val="tx1"/>
+          </a:fontRef>
+        </p:style>
+        <p:txBody>
+          <a:bodyPr rtlCol="0" anchor="ctr"/>
+          <a:lstStyle/>
+          <a:p>
+            <a:pPr algn="ctr"/>
+            <a:endParaRPr kumimoji="1" lang="ja-JP" altLang="en-US"/>
+          </a:p>
+        </p:txBody>
+      </p:sp>
+      <p:sp>
+        <p:nvSpPr>
+          <p:cNvPr id="14" name="楕円 13">
+            <a:extLst>
+              <a:ext uri="{FF2B5EF4-FFF2-40B4-BE49-F238E27FC236}">
+                <a16:creationId xmlns:a16="http://schemas.microsoft.com/office/drawing/2014/main" id="{ACD8FD89-F7CF-435A-ACA6-88374230DAFE}"/>
+              </a:ext>
+            </a:extLst>
+          </p:cNvPr>
+          <p:cNvSpPr/>
+          <p:nvPr/>
+        </p:nvSpPr>
+        <p:spPr>
+          <a:xfrm>
+            <a:off x="4828878" y="4100671"/>
+            <a:ext cx="432000" cy="432000"/>
+          </a:xfrm>
+          <a:prstGeom prst="ellipse">
+            <a:avLst/>
+          </a:prstGeom>
+          <a:ln w="28575">
+            <a:solidFill>
+              <a:schemeClr val="tx1"/>
+            </a:solidFill>
+          </a:ln>
+        </p:spPr>
+        <p:style>
+          <a:lnRef idx="1">
+            <a:schemeClr val="accent1"/>
+          </a:lnRef>
+          <a:fillRef idx="0">
+            <a:schemeClr val="accent1"/>
+          </a:fillRef>
+          <a:effectRef idx="0">
+            <a:schemeClr val="accent1"/>
+          </a:effectRef>
+          <a:fontRef idx="minor">
+            <a:schemeClr val="tx1"/>
+          </a:fontRef>
+        </p:style>
+        <p:txBody>
+          <a:bodyPr rtlCol="0" anchor="ctr"/>
+          <a:lstStyle/>
+          <a:p>
+            <a:pPr algn="ctr"/>
+            <a:endParaRPr kumimoji="1" lang="ja-JP" altLang="en-US"/>
+          </a:p>
+        </p:txBody>
+      </p:sp>
+      <p:sp>
+        <p:nvSpPr>
+          <p:cNvPr id="15" name="楕円 14">
+            <a:extLst>
+              <a:ext uri="{FF2B5EF4-FFF2-40B4-BE49-F238E27FC236}">
+                <a16:creationId xmlns:a16="http://schemas.microsoft.com/office/drawing/2014/main" id="{4953ACA4-6A16-442D-BB49-B2C596616AEC}"/>
+              </a:ext>
+            </a:extLst>
+          </p:cNvPr>
+          <p:cNvSpPr/>
+          <p:nvPr/>
+        </p:nvSpPr>
+        <p:spPr>
+          <a:xfrm>
+            <a:off x="5839123" y="4102905"/>
+            <a:ext cx="432000" cy="432000"/>
+          </a:xfrm>
+          <a:prstGeom prst="ellipse">
+            <a:avLst/>
+          </a:prstGeom>
+          <a:ln w="28575">
+            <a:solidFill>
+              <a:schemeClr val="tx1"/>
+            </a:solidFill>
+          </a:ln>
+        </p:spPr>
+        <p:style>
+          <a:lnRef idx="1">
+            <a:schemeClr val="accent1"/>
+          </a:lnRef>
+          <a:fillRef idx="0">
+            <a:schemeClr val="accent1"/>
+          </a:fillRef>
+          <a:effectRef idx="0">
+            <a:schemeClr val="accent1"/>
+          </a:effectRef>
+          <a:fontRef idx="minor">
+            <a:schemeClr val="tx1"/>
+          </a:fontRef>
+        </p:style>
+        <p:txBody>
+          <a:bodyPr rtlCol="0" anchor="ctr"/>
+          <a:lstStyle/>
+          <a:p>
+            <a:pPr algn="ctr"/>
+            <a:endParaRPr kumimoji="1" lang="ja-JP" altLang="en-US"/>
+          </a:p>
+        </p:txBody>
+      </p:sp>
+      <p:sp>
+        <p:nvSpPr>
+          <p:cNvPr id="16" name="楕円 15">
+            <a:extLst>
+              <a:ext uri="{FF2B5EF4-FFF2-40B4-BE49-F238E27FC236}">
+                <a16:creationId xmlns:a16="http://schemas.microsoft.com/office/drawing/2014/main" id="{81AF70E4-25F4-41C5-9D7B-8BC6926A25A5}"/>
+              </a:ext>
+            </a:extLst>
+          </p:cNvPr>
+          <p:cNvSpPr/>
+          <p:nvPr/>
+        </p:nvSpPr>
+        <p:spPr>
+          <a:xfrm>
+            <a:off x="5839123" y="4946245"/>
+            <a:ext cx="432000" cy="432000"/>
+          </a:xfrm>
+          <a:prstGeom prst="ellipse">
+            <a:avLst/>
+          </a:prstGeom>
+          <a:ln w="28575">
+            <a:solidFill>
+              <a:schemeClr val="tx1"/>
+            </a:solidFill>
+          </a:ln>
+        </p:spPr>
+        <p:style>
+          <a:lnRef idx="1">
+            <a:schemeClr val="accent1"/>
+          </a:lnRef>
+          <a:fillRef idx="0">
+            <a:schemeClr val="accent1"/>
+          </a:fillRef>
+          <a:effectRef idx="0">
+            <a:schemeClr val="accent1"/>
+          </a:effectRef>
+          <a:fontRef idx="minor">
+            <a:schemeClr val="tx1"/>
+          </a:fontRef>
+        </p:style>
+        <p:txBody>
+          <a:bodyPr rtlCol="0" anchor="ctr"/>
+          <a:lstStyle/>
+          <a:p>
+            <a:pPr algn="ctr"/>
+            <a:endParaRPr kumimoji="1" lang="ja-JP" altLang="en-US"/>
+          </a:p>
+        </p:txBody>
+      </p:sp>
+      <p:sp>
+        <p:nvSpPr>
+          <p:cNvPr id="17" name="楕円 16">
+            <a:extLst>
+              <a:ext uri="{FF2B5EF4-FFF2-40B4-BE49-F238E27FC236}">
+                <a16:creationId xmlns:a16="http://schemas.microsoft.com/office/drawing/2014/main" id="{2B043139-80D1-4911-9364-BF452A83F106}"/>
+              </a:ext>
+            </a:extLst>
+          </p:cNvPr>
+          <p:cNvSpPr/>
+          <p:nvPr/>
+        </p:nvSpPr>
+        <p:spPr>
+          <a:xfrm>
+            <a:off x="4828878" y="4946245"/>
+            <a:ext cx="432000" cy="432000"/>
+          </a:xfrm>
+          <a:prstGeom prst="ellipse">
+            <a:avLst/>
+          </a:prstGeom>
+          <a:ln w="28575">
+            <a:solidFill>
+              <a:schemeClr val="tx1"/>
+            </a:solidFill>
+          </a:ln>
+        </p:spPr>
+        <p:style>
+          <a:lnRef idx="1">
+            <a:schemeClr val="accent1"/>
+          </a:lnRef>
+          <a:fillRef idx="0">
+            <a:schemeClr val="accent1"/>
+          </a:fillRef>
+          <a:effectRef idx="0">
+            <a:schemeClr val="accent1"/>
+          </a:effectRef>
+          <a:fontRef idx="minor">
+            <a:schemeClr val="tx1"/>
+          </a:fontRef>
+        </p:style>
+        <p:txBody>
+          <a:bodyPr rtlCol="0" anchor="ctr"/>
+          <a:lstStyle/>
+          <a:p>
+            <a:pPr algn="ctr"/>
+            <a:endParaRPr kumimoji="1" lang="ja-JP" altLang="en-US"/>
+          </a:p>
+        </p:txBody>
+      </p:sp>
+      <p:sp>
+        <p:nvSpPr>
+          <p:cNvPr id="18" name="楕円 17">
+            <a:extLst>
+              <a:ext uri="{FF2B5EF4-FFF2-40B4-BE49-F238E27FC236}">
+                <a16:creationId xmlns:a16="http://schemas.microsoft.com/office/drawing/2014/main" id="{DE288AB2-7D0A-493A-A2D8-575759AF8AFC}"/>
+              </a:ext>
+            </a:extLst>
+          </p:cNvPr>
+          <p:cNvSpPr/>
+          <p:nvPr/>
+        </p:nvSpPr>
+        <p:spPr>
+          <a:xfrm>
+            <a:off x="3827826" y="4935175"/>
+            <a:ext cx="432000" cy="432000"/>
+          </a:xfrm>
+          <a:prstGeom prst="ellipse">
+            <a:avLst/>
+          </a:prstGeom>
+          <a:ln w="28575">
+            <a:solidFill>
+              <a:schemeClr val="tx1"/>
+            </a:solidFill>
+          </a:ln>
+        </p:spPr>
+        <p:style>
+          <a:lnRef idx="1">
+            <a:schemeClr val="accent1"/>
+          </a:lnRef>
+          <a:fillRef idx="0">
+            <a:schemeClr val="accent1"/>
+          </a:fillRef>
+          <a:effectRef idx="0">
+            <a:schemeClr val="accent1"/>
+          </a:effectRef>
+          <a:fontRef idx="minor">
+            <a:schemeClr val="tx1"/>
+          </a:fontRef>
+        </p:style>
+        <p:txBody>
+          <a:bodyPr rtlCol="0" anchor="ctr"/>
+          <a:lstStyle/>
+          <a:p>
+            <a:pPr algn="ctr"/>
+            <a:endParaRPr kumimoji="1" lang="ja-JP" altLang="en-US"/>
+          </a:p>
+        </p:txBody>
+      </p:sp>
+      <p:sp>
+        <p:nvSpPr>
+          <p:cNvPr id="19" name="楕円 18">
+            <a:extLst>
+              <a:ext uri="{FF2B5EF4-FFF2-40B4-BE49-F238E27FC236}">
+                <a16:creationId xmlns:a16="http://schemas.microsoft.com/office/drawing/2014/main" id="{2FADFEB2-F8E1-4C68-9119-9B81D5CDA280}"/>
+              </a:ext>
+            </a:extLst>
+          </p:cNvPr>
+          <p:cNvSpPr/>
+          <p:nvPr/>
+        </p:nvSpPr>
+        <p:spPr>
+          <a:xfrm>
+            <a:off x="2826774" y="4935175"/>
+            <a:ext cx="432000" cy="432000"/>
+          </a:xfrm>
+          <a:prstGeom prst="ellipse">
+            <a:avLst/>
+          </a:prstGeom>
+          <a:ln w="28575">
+            <a:solidFill>
+              <a:schemeClr val="tx1"/>
+            </a:solidFill>
+          </a:ln>
+        </p:spPr>
+        <p:style>
+          <a:lnRef idx="1">
+            <a:schemeClr val="accent1"/>
+          </a:lnRef>
+          <a:fillRef idx="0">
+            <a:schemeClr val="accent1"/>
+          </a:fillRef>
+          <a:effectRef idx="0">
+            <a:schemeClr val="accent1"/>
+          </a:effectRef>
+          <a:fontRef idx="minor">
+            <a:schemeClr val="tx1"/>
+          </a:fontRef>
+        </p:style>
+        <p:txBody>
+          <a:bodyPr rtlCol="0" anchor="ctr"/>
+          <a:lstStyle/>
+          <a:p>
+            <a:pPr algn="ctr"/>
+            <a:endParaRPr kumimoji="1" lang="ja-JP" altLang="en-US"/>
+          </a:p>
+        </p:txBody>
+      </p:sp>
+      <p:cxnSp>
+        <p:nvCxnSpPr>
+          <p:cNvPr id="21" name="直線コネクタ 20">
+            <a:extLst>
+              <a:ext uri="{FF2B5EF4-FFF2-40B4-BE49-F238E27FC236}">
+                <a16:creationId xmlns:a16="http://schemas.microsoft.com/office/drawing/2014/main" id="{05FDE5C7-CB89-482F-B40B-D1EBF269F5A2}"/>
+              </a:ext>
+            </a:extLst>
+          </p:cNvPr>
+          <p:cNvCxnSpPr>
+            <a:cxnSpLocks/>
+            <a:stCxn id="5" idx="6"/>
+            <a:endCxn id="4" idx="2"/>
+          </p:cNvCxnSpPr>
+          <p:nvPr/>
+        </p:nvCxnSpPr>
+        <p:spPr>
+          <a:xfrm>
+            <a:off x="3258774" y="2634426"/>
+            <a:ext cx="569052" cy="0"/>
+          </a:xfrm>
+          <a:prstGeom prst="line">
+            <a:avLst/>
+          </a:prstGeom>
+          <a:ln w="28575">
+            <a:solidFill>
+              <a:schemeClr val="tx1"/>
+            </a:solidFill>
+          </a:ln>
+        </p:spPr>
+        <p:style>
+          <a:lnRef idx="1">
+            <a:schemeClr val="accent1"/>
+          </a:lnRef>
+          <a:fillRef idx="0">
+            <a:schemeClr val="accent1"/>
+          </a:fillRef>
+          <a:effectRef idx="0">
+            <a:schemeClr val="accent1"/>
+          </a:effectRef>
+          <a:fontRef idx="minor">
+            <a:schemeClr val="tx1"/>
+          </a:fontRef>
+        </p:style>
+      </p:cxnSp>
+      <p:cxnSp>
+        <p:nvCxnSpPr>
+          <p:cNvPr id="23" name="直線コネクタ 22">
+            <a:extLst>
+              <a:ext uri="{FF2B5EF4-FFF2-40B4-BE49-F238E27FC236}">
+                <a16:creationId xmlns:a16="http://schemas.microsoft.com/office/drawing/2014/main" id="{0981F80B-0F42-4303-AE13-A9712E49CE79}"/>
+              </a:ext>
+            </a:extLst>
+          </p:cNvPr>
+          <p:cNvCxnSpPr>
+            <a:cxnSpLocks/>
+            <a:stCxn id="9" idx="0"/>
+            <a:endCxn id="4" idx="4"/>
+          </p:cNvCxnSpPr>
+          <p:nvPr/>
+        </p:nvCxnSpPr>
+        <p:spPr>
+          <a:xfrm flipV="1">
+            <a:off x="4043826" y="2850426"/>
+            <a:ext cx="0" cy="404671"/>
+          </a:xfrm>
+          <a:prstGeom prst="line">
+            <a:avLst/>
+          </a:prstGeom>
+          <a:ln w="28575">
+            <a:solidFill>
+              <a:schemeClr val="tx1"/>
+            </a:solidFill>
+          </a:ln>
+        </p:spPr>
+        <p:style>
+          <a:lnRef idx="1">
+            <a:schemeClr val="accent1"/>
+          </a:lnRef>
+          <a:fillRef idx="0">
+            <a:schemeClr val="accent1"/>
+          </a:fillRef>
+          <a:effectRef idx="0">
+            <a:schemeClr val="accent1"/>
+          </a:effectRef>
+          <a:fontRef idx="minor">
+            <a:schemeClr val="tx1"/>
+          </a:fontRef>
+        </p:style>
+      </p:cxnSp>
+      <p:cxnSp>
+        <p:nvCxnSpPr>
+          <p:cNvPr id="24" name="直線コネクタ 23">
+            <a:extLst>
+              <a:ext uri="{FF2B5EF4-FFF2-40B4-BE49-F238E27FC236}">
+                <a16:creationId xmlns:a16="http://schemas.microsoft.com/office/drawing/2014/main" id="{8084380D-AEF9-4237-8261-93F118D2DCCA}"/>
+              </a:ext>
+            </a:extLst>
+          </p:cNvPr>
+          <p:cNvCxnSpPr>
+            <a:cxnSpLocks/>
+            <a:stCxn id="5" idx="4"/>
+            <a:endCxn id="7" idx="0"/>
+          </p:cNvCxnSpPr>
+          <p:nvPr/>
+        </p:nvCxnSpPr>
+        <p:spPr>
+          <a:xfrm>
+            <a:off x="3042774" y="2850426"/>
+            <a:ext cx="0" cy="404671"/>
+          </a:xfrm>
+          <a:prstGeom prst="line">
+            <a:avLst/>
+          </a:prstGeom>
+          <a:ln w="28575">
+            <a:solidFill>
+              <a:schemeClr val="tx1"/>
+            </a:solidFill>
+          </a:ln>
+        </p:spPr>
+        <p:style>
+          <a:lnRef idx="1">
+            <a:schemeClr val="accent1"/>
+          </a:lnRef>
+          <a:fillRef idx="0">
+            <a:schemeClr val="accent1"/>
+          </a:fillRef>
+          <a:effectRef idx="0">
+            <a:schemeClr val="accent1"/>
+          </a:effectRef>
+          <a:fontRef idx="minor">
+            <a:schemeClr val="tx1"/>
+          </a:fontRef>
+        </p:style>
+      </p:cxnSp>
+      <p:cxnSp>
+        <p:nvCxnSpPr>
+          <p:cNvPr id="25" name="直線コネクタ 24">
+            <a:extLst>
+              <a:ext uri="{FF2B5EF4-FFF2-40B4-BE49-F238E27FC236}">
+                <a16:creationId xmlns:a16="http://schemas.microsoft.com/office/drawing/2014/main" id="{14AB9FD4-3A0D-4A21-83AE-D5FB6AF616D2}"/>
+              </a:ext>
+            </a:extLst>
+          </p:cNvPr>
+          <p:cNvCxnSpPr>
+            <a:cxnSpLocks/>
+            <a:stCxn id="7" idx="6"/>
+            <a:endCxn id="9" idx="2"/>
+          </p:cNvCxnSpPr>
+          <p:nvPr/>
+        </p:nvCxnSpPr>
+        <p:spPr>
+          <a:xfrm>
+            <a:off x="3258774" y="3471097"/>
+            <a:ext cx="569052" cy="0"/>
+          </a:xfrm>
+          <a:prstGeom prst="line">
+            <a:avLst/>
+          </a:prstGeom>
+          <a:ln w="28575">
+            <a:solidFill>
+              <a:schemeClr val="tx1"/>
+            </a:solidFill>
+          </a:ln>
+        </p:spPr>
+        <p:style>
+          <a:lnRef idx="1">
+            <a:schemeClr val="accent1"/>
+          </a:lnRef>
+          <a:fillRef idx="0">
+            <a:schemeClr val="accent1"/>
+          </a:fillRef>
+          <a:effectRef idx="0">
+            <a:schemeClr val="accent1"/>
+          </a:effectRef>
+          <a:fontRef idx="minor">
+            <a:schemeClr val="tx1"/>
+          </a:fontRef>
+        </p:style>
+      </p:cxnSp>
+      <p:cxnSp>
+        <p:nvCxnSpPr>
+          <p:cNvPr id="26" name="直線コネクタ 25">
+            <a:extLst>
+              <a:ext uri="{FF2B5EF4-FFF2-40B4-BE49-F238E27FC236}">
+                <a16:creationId xmlns:a16="http://schemas.microsoft.com/office/drawing/2014/main" id="{010D4F11-4FD4-45D2-A609-CAE6080E2FC5}"/>
+              </a:ext>
+            </a:extLst>
+          </p:cNvPr>
+          <p:cNvCxnSpPr>
+            <a:cxnSpLocks/>
+            <a:stCxn id="9" idx="6"/>
+            <a:endCxn id="10" idx="2"/>
+          </p:cNvCxnSpPr>
+          <p:nvPr/>
+        </p:nvCxnSpPr>
+        <p:spPr>
+          <a:xfrm>
+            <a:off x="4259826" y="3471097"/>
+            <a:ext cx="573039" cy="0"/>
+          </a:xfrm>
+          <a:prstGeom prst="line">
+            <a:avLst/>
+          </a:prstGeom>
+          <a:ln w="28575">
+            <a:solidFill>
+              <a:schemeClr val="tx1"/>
+            </a:solidFill>
+          </a:ln>
+        </p:spPr>
+        <p:style>
+          <a:lnRef idx="1">
+            <a:schemeClr val="accent1"/>
+          </a:lnRef>
+          <a:fillRef idx="0">
+            <a:schemeClr val="accent1"/>
+          </a:fillRef>
+          <a:effectRef idx="0">
+            <a:schemeClr val="accent1"/>
+          </a:effectRef>
+          <a:fontRef idx="minor">
+            <a:schemeClr val="tx1"/>
+          </a:fontRef>
+        </p:style>
+      </p:cxnSp>
+      <p:cxnSp>
+        <p:nvCxnSpPr>
+          <p:cNvPr id="27" name="直線コネクタ 26">
+            <a:extLst>
+              <a:ext uri="{FF2B5EF4-FFF2-40B4-BE49-F238E27FC236}">
+                <a16:creationId xmlns:a16="http://schemas.microsoft.com/office/drawing/2014/main" id="{5833D93F-1E26-4E83-B120-2DA56A32AA14}"/>
+              </a:ext>
+            </a:extLst>
+          </p:cNvPr>
+          <p:cNvCxnSpPr>
+            <a:cxnSpLocks/>
+            <a:stCxn id="11" idx="6"/>
+            <a:endCxn id="13" idx="2"/>
+          </p:cNvCxnSpPr>
+          <p:nvPr/>
+        </p:nvCxnSpPr>
+        <p:spPr>
+          <a:xfrm>
+            <a:off x="3258774" y="4311136"/>
+            <a:ext cx="569052" cy="5535"/>
+          </a:xfrm>
+          <a:prstGeom prst="line">
+            <a:avLst/>
+          </a:prstGeom>
+          <a:ln w="28575">
+            <a:solidFill>
+              <a:schemeClr val="tx1"/>
+            </a:solidFill>
+          </a:ln>
+        </p:spPr>
+        <p:style>
+          <a:lnRef idx="1">
+            <a:schemeClr val="accent1"/>
+          </a:lnRef>
+          <a:fillRef idx="0">
+            <a:schemeClr val="accent1"/>
+          </a:fillRef>
+          <a:effectRef idx="0">
+            <a:schemeClr val="accent1"/>
+          </a:effectRef>
+          <a:fontRef idx="minor">
+            <a:schemeClr val="tx1"/>
+          </a:fontRef>
+        </p:style>
+      </p:cxnSp>
+      <p:cxnSp>
+        <p:nvCxnSpPr>
+          <p:cNvPr id="28" name="直線コネクタ 27">
+            <a:extLst>
+              <a:ext uri="{FF2B5EF4-FFF2-40B4-BE49-F238E27FC236}">
+                <a16:creationId xmlns:a16="http://schemas.microsoft.com/office/drawing/2014/main" id="{5E1D594B-FD55-4F00-920F-5CC5FEBDD2F3}"/>
+              </a:ext>
+            </a:extLst>
+          </p:cNvPr>
+          <p:cNvCxnSpPr>
+            <a:cxnSpLocks/>
+            <a:stCxn id="13" idx="6"/>
+            <a:endCxn id="14" idx="2"/>
+          </p:cNvCxnSpPr>
+          <p:nvPr/>
+        </p:nvCxnSpPr>
+        <p:spPr>
+          <a:xfrm>
+            <a:off x="4259826" y="4316671"/>
+            <a:ext cx="569052" cy="0"/>
+          </a:xfrm>
+          <a:prstGeom prst="line">
+            <a:avLst/>
+          </a:prstGeom>
+          <a:ln w="28575">
+            <a:solidFill>
+              <a:schemeClr val="tx1"/>
+            </a:solidFill>
+          </a:ln>
+        </p:spPr>
+        <p:style>
+          <a:lnRef idx="1">
+            <a:schemeClr val="accent1"/>
+          </a:lnRef>
+          <a:fillRef idx="0">
+            <a:schemeClr val="accent1"/>
+          </a:fillRef>
+          <a:effectRef idx="0">
+            <a:schemeClr val="accent1"/>
+          </a:effectRef>
+          <a:fontRef idx="minor">
+            <a:schemeClr val="tx1"/>
+          </a:fontRef>
+        </p:style>
+      </p:cxnSp>
+      <p:cxnSp>
+        <p:nvCxnSpPr>
+          <p:cNvPr id="29" name="直線コネクタ 28">
+            <a:extLst>
+              <a:ext uri="{FF2B5EF4-FFF2-40B4-BE49-F238E27FC236}">
+                <a16:creationId xmlns:a16="http://schemas.microsoft.com/office/drawing/2014/main" id="{D8AA8264-B7CD-4B83-9F84-6BAA9DD2D71E}"/>
+              </a:ext>
+            </a:extLst>
+          </p:cNvPr>
+          <p:cNvCxnSpPr>
+            <a:cxnSpLocks/>
+            <a:stCxn id="14" idx="6"/>
+            <a:endCxn id="15" idx="2"/>
+          </p:cNvCxnSpPr>
+          <p:nvPr/>
+        </p:nvCxnSpPr>
+        <p:spPr>
+          <a:xfrm>
+            <a:off x="5260878" y="4316671"/>
+            <a:ext cx="578245" cy="2234"/>
+          </a:xfrm>
+          <a:prstGeom prst="line">
+            <a:avLst/>
+          </a:prstGeom>
+          <a:ln w="28575">
+            <a:solidFill>
+              <a:schemeClr val="tx1"/>
+            </a:solidFill>
+          </a:ln>
+        </p:spPr>
+        <p:style>
+          <a:lnRef idx="1">
+            <a:schemeClr val="accent1"/>
+          </a:lnRef>
+          <a:fillRef idx="0">
+            <a:schemeClr val="accent1"/>
+          </a:fillRef>
+          <a:effectRef idx="0">
+            <a:schemeClr val="accent1"/>
+          </a:effectRef>
+          <a:fontRef idx="minor">
+            <a:schemeClr val="tx1"/>
+          </a:fontRef>
+        </p:style>
+      </p:cxnSp>
+      <p:cxnSp>
+        <p:nvCxnSpPr>
+          <p:cNvPr id="30" name="直線コネクタ 29">
+            <a:extLst>
+              <a:ext uri="{FF2B5EF4-FFF2-40B4-BE49-F238E27FC236}">
+                <a16:creationId xmlns:a16="http://schemas.microsoft.com/office/drawing/2014/main" id="{58F1BFCF-031B-4841-9F59-E696D733D51A}"/>
+              </a:ext>
+            </a:extLst>
+          </p:cNvPr>
+          <p:cNvCxnSpPr>
+            <a:cxnSpLocks/>
+            <a:stCxn id="10" idx="6"/>
+            <a:endCxn id="12" idx="2"/>
+          </p:cNvCxnSpPr>
+          <p:nvPr/>
+        </p:nvCxnSpPr>
+        <p:spPr>
+          <a:xfrm>
+            <a:off x="5264865" y="3471097"/>
+            <a:ext cx="569961" cy="14129"/>
+          </a:xfrm>
+          <a:prstGeom prst="line">
+            <a:avLst/>
+          </a:prstGeom>
+          <a:ln w="28575">
+            <a:solidFill>
+              <a:schemeClr val="tx1"/>
+            </a:solidFill>
+          </a:ln>
+        </p:spPr>
+        <p:style>
+          <a:lnRef idx="1">
+            <a:schemeClr val="accent1"/>
+          </a:lnRef>
+          <a:fillRef idx="0">
+            <a:schemeClr val="accent1"/>
+          </a:fillRef>
+          <a:effectRef idx="0">
+            <a:schemeClr val="accent1"/>
+          </a:effectRef>
+          <a:fontRef idx="minor">
+            <a:schemeClr val="tx1"/>
+          </a:fontRef>
+        </p:style>
+      </p:cxnSp>
+      <p:cxnSp>
+        <p:nvCxnSpPr>
+          <p:cNvPr id="31" name="直線コネクタ 30">
+            <a:extLst>
+              <a:ext uri="{FF2B5EF4-FFF2-40B4-BE49-F238E27FC236}">
+                <a16:creationId xmlns:a16="http://schemas.microsoft.com/office/drawing/2014/main" id="{C0FEE6BB-8425-46AA-B405-BA78B4CAC187}"/>
+              </a:ext>
+            </a:extLst>
+          </p:cNvPr>
+          <p:cNvCxnSpPr>
+            <a:cxnSpLocks/>
+            <a:stCxn id="6" idx="6"/>
+            <a:endCxn id="8" idx="2"/>
+          </p:cNvCxnSpPr>
+          <p:nvPr/>
+        </p:nvCxnSpPr>
+        <p:spPr>
+          <a:xfrm flipV="1">
+            <a:off x="5264865" y="2630439"/>
+            <a:ext cx="569961" cy="3987"/>
+          </a:xfrm>
+          <a:prstGeom prst="line">
+            <a:avLst/>
+          </a:prstGeom>
+          <a:ln w="28575">
+            <a:solidFill>
+              <a:schemeClr val="tx1"/>
+            </a:solidFill>
+          </a:ln>
+        </p:spPr>
+        <p:style>
+          <a:lnRef idx="1">
+            <a:schemeClr val="accent1"/>
+          </a:lnRef>
+          <a:fillRef idx="0">
+            <a:schemeClr val="accent1"/>
+          </a:fillRef>
+          <a:effectRef idx="0">
+            <a:schemeClr val="accent1"/>
+          </a:effectRef>
+          <a:fontRef idx="minor">
+            <a:schemeClr val="tx1"/>
+          </a:fontRef>
+        </p:style>
+      </p:cxnSp>
+      <p:cxnSp>
+        <p:nvCxnSpPr>
+          <p:cNvPr id="32" name="直線コネクタ 31">
+            <a:extLst>
+              <a:ext uri="{FF2B5EF4-FFF2-40B4-BE49-F238E27FC236}">
+                <a16:creationId xmlns:a16="http://schemas.microsoft.com/office/drawing/2014/main" id="{699CD2A5-8DE2-4087-A242-3AE746373C62}"/>
+              </a:ext>
+            </a:extLst>
+          </p:cNvPr>
+          <p:cNvCxnSpPr>
+            <a:cxnSpLocks/>
+            <a:stCxn id="6" idx="2"/>
+            <a:endCxn id="4" idx="6"/>
+          </p:cNvCxnSpPr>
+          <p:nvPr/>
+        </p:nvCxnSpPr>
+        <p:spPr>
+          <a:xfrm flipH="1">
+            <a:off x="4259826" y="2634426"/>
+            <a:ext cx="573039" cy="0"/>
+          </a:xfrm>
+          <a:prstGeom prst="line">
+            <a:avLst/>
+          </a:prstGeom>
+          <a:ln w="28575">
+            <a:solidFill>
+              <a:schemeClr val="tx1"/>
+            </a:solidFill>
+          </a:ln>
+        </p:spPr>
+        <p:style>
+          <a:lnRef idx="1">
+            <a:schemeClr val="accent1"/>
+          </a:lnRef>
+          <a:fillRef idx="0">
+            <a:schemeClr val="accent1"/>
+          </a:fillRef>
+          <a:effectRef idx="0">
+            <a:schemeClr val="accent1"/>
+          </a:effectRef>
+          <a:fontRef idx="minor">
+            <a:schemeClr val="tx1"/>
+          </a:fontRef>
+        </p:style>
+      </p:cxnSp>
+      <p:cxnSp>
+        <p:nvCxnSpPr>
+          <p:cNvPr id="53" name="直線コネクタ 52">
+            <a:extLst>
+              <a:ext uri="{FF2B5EF4-FFF2-40B4-BE49-F238E27FC236}">
+                <a16:creationId xmlns:a16="http://schemas.microsoft.com/office/drawing/2014/main" id="{0F4D0C8E-3118-4C31-9A64-46420CB5F89C}"/>
+              </a:ext>
+            </a:extLst>
+          </p:cNvPr>
+          <p:cNvCxnSpPr>
+            <a:cxnSpLocks/>
+            <a:stCxn id="14" idx="4"/>
+            <a:endCxn id="17" idx="0"/>
+          </p:cNvCxnSpPr>
+          <p:nvPr/>
+        </p:nvCxnSpPr>
+        <p:spPr>
+          <a:xfrm>
+            <a:off x="5044878" y="4532671"/>
+            <a:ext cx="0" cy="413574"/>
+          </a:xfrm>
+          <a:prstGeom prst="line">
+            <a:avLst/>
+          </a:prstGeom>
+          <a:ln w="28575">
+            <a:solidFill>
+              <a:schemeClr val="tx1"/>
+            </a:solidFill>
+          </a:ln>
+        </p:spPr>
+        <p:style>
+          <a:lnRef idx="1">
+            <a:schemeClr val="accent1"/>
+          </a:lnRef>
+          <a:fillRef idx="0">
+            <a:schemeClr val="accent1"/>
+          </a:fillRef>
+          <a:effectRef idx="0">
+            <a:schemeClr val="accent1"/>
+          </a:effectRef>
+          <a:fontRef idx="minor">
+            <a:schemeClr val="tx1"/>
+          </a:fontRef>
+        </p:style>
+      </p:cxnSp>
+      <p:cxnSp>
+        <p:nvCxnSpPr>
+          <p:cNvPr id="54" name="直線コネクタ 53">
+            <a:extLst>
+              <a:ext uri="{FF2B5EF4-FFF2-40B4-BE49-F238E27FC236}">
+                <a16:creationId xmlns:a16="http://schemas.microsoft.com/office/drawing/2014/main" id="{EA9C1752-19ED-440E-9F3E-8F78DD44EBF5}"/>
+              </a:ext>
+            </a:extLst>
+          </p:cNvPr>
+          <p:cNvCxnSpPr>
+            <a:cxnSpLocks/>
+            <a:stCxn id="13" idx="4"/>
+            <a:endCxn id="18" idx="0"/>
+          </p:cNvCxnSpPr>
+          <p:nvPr/>
+        </p:nvCxnSpPr>
+        <p:spPr>
+          <a:xfrm>
+            <a:off x="4043826" y="4532671"/>
+            <a:ext cx="0" cy="402504"/>
+          </a:xfrm>
+          <a:prstGeom prst="line">
+            <a:avLst/>
+          </a:prstGeom>
+          <a:ln w="28575">
+            <a:solidFill>
+              <a:schemeClr val="tx1"/>
+            </a:solidFill>
+          </a:ln>
+        </p:spPr>
+        <p:style>
+          <a:lnRef idx="1">
+            <a:schemeClr val="accent1"/>
+          </a:lnRef>
+          <a:fillRef idx="0">
+            <a:schemeClr val="accent1"/>
+          </a:fillRef>
+          <a:effectRef idx="0">
+            <a:schemeClr val="accent1"/>
+          </a:effectRef>
+          <a:fontRef idx="minor">
+            <a:schemeClr val="tx1"/>
+          </a:fontRef>
+        </p:style>
+      </p:cxnSp>
+      <p:cxnSp>
+        <p:nvCxnSpPr>
+          <p:cNvPr id="55" name="直線コネクタ 54">
+            <a:extLst>
+              <a:ext uri="{FF2B5EF4-FFF2-40B4-BE49-F238E27FC236}">
+                <a16:creationId xmlns:a16="http://schemas.microsoft.com/office/drawing/2014/main" id="{3D6C86F6-CEA0-4A38-85D9-986E111C1BEB}"/>
+              </a:ext>
+            </a:extLst>
+          </p:cNvPr>
+          <p:cNvCxnSpPr>
+            <a:cxnSpLocks/>
+            <a:stCxn id="11" idx="4"/>
+            <a:endCxn id="19" idx="0"/>
+          </p:cNvCxnSpPr>
+          <p:nvPr/>
+        </p:nvCxnSpPr>
+        <p:spPr>
+          <a:xfrm>
+            <a:off x="3042774" y="4527136"/>
+            <a:ext cx="0" cy="408039"/>
+          </a:xfrm>
+          <a:prstGeom prst="line">
+            <a:avLst/>
+          </a:prstGeom>
+          <a:ln w="28575">
+            <a:solidFill>
+              <a:schemeClr val="tx1"/>
+            </a:solidFill>
+          </a:ln>
+        </p:spPr>
+        <p:style>
+          <a:lnRef idx="1">
+            <a:schemeClr val="accent1"/>
+          </a:lnRef>
+          <a:fillRef idx="0">
+            <a:schemeClr val="accent1"/>
+          </a:fillRef>
+          <a:effectRef idx="0">
+            <a:schemeClr val="accent1"/>
+          </a:effectRef>
+          <a:fontRef idx="minor">
+            <a:schemeClr val="tx1"/>
+          </a:fontRef>
+        </p:style>
+      </p:cxnSp>
+      <p:cxnSp>
+        <p:nvCxnSpPr>
+          <p:cNvPr id="56" name="直線コネクタ 55">
+            <a:extLst>
+              <a:ext uri="{FF2B5EF4-FFF2-40B4-BE49-F238E27FC236}">
+                <a16:creationId xmlns:a16="http://schemas.microsoft.com/office/drawing/2014/main" id="{8AE9364A-33C6-4C9C-9867-8BC00F3902E9}"/>
+              </a:ext>
+            </a:extLst>
+          </p:cNvPr>
+          <p:cNvCxnSpPr>
+            <a:cxnSpLocks/>
+            <a:stCxn id="11" idx="0"/>
+            <a:endCxn id="7" idx="4"/>
+          </p:cNvCxnSpPr>
+          <p:nvPr/>
+        </p:nvCxnSpPr>
+        <p:spPr>
+          <a:xfrm flipV="1">
+            <a:off x="3042774" y="3687097"/>
+            <a:ext cx="0" cy="408039"/>
+          </a:xfrm>
+          <a:prstGeom prst="line">
+            <a:avLst/>
+          </a:prstGeom>
+          <a:ln w="28575">
+            <a:solidFill>
+              <a:schemeClr val="tx1"/>
+            </a:solidFill>
+          </a:ln>
+        </p:spPr>
+        <p:style>
+          <a:lnRef idx="1">
+            <a:schemeClr val="accent1"/>
+          </a:lnRef>
+          <a:fillRef idx="0">
+            <a:schemeClr val="accent1"/>
+          </a:fillRef>
+          <a:effectRef idx="0">
+            <a:schemeClr val="accent1"/>
+          </a:effectRef>
+          <a:fontRef idx="minor">
+            <a:schemeClr val="tx1"/>
+          </a:fontRef>
+        </p:style>
+      </p:cxnSp>
+      <p:cxnSp>
+        <p:nvCxnSpPr>
+          <p:cNvPr id="57" name="直線コネクタ 56">
+            <a:extLst>
+              <a:ext uri="{FF2B5EF4-FFF2-40B4-BE49-F238E27FC236}">
+                <a16:creationId xmlns:a16="http://schemas.microsoft.com/office/drawing/2014/main" id="{98889C10-DD63-4FF9-8432-57411F2423AA}"/>
+              </a:ext>
+            </a:extLst>
+          </p:cNvPr>
+          <p:cNvCxnSpPr>
+            <a:cxnSpLocks/>
+            <a:stCxn id="13" idx="0"/>
+            <a:endCxn id="9" idx="4"/>
+          </p:cNvCxnSpPr>
+          <p:nvPr/>
+        </p:nvCxnSpPr>
+        <p:spPr>
+          <a:xfrm flipV="1">
+            <a:off x="4043826" y="3687097"/>
+            <a:ext cx="0" cy="413574"/>
+          </a:xfrm>
+          <a:prstGeom prst="line">
+            <a:avLst/>
+          </a:prstGeom>
+          <a:ln w="28575">
+            <a:solidFill>
+              <a:schemeClr val="tx1"/>
+            </a:solidFill>
+          </a:ln>
+        </p:spPr>
+        <p:style>
+          <a:lnRef idx="1">
+            <a:schemeClr val="accent1"/>
+          </a:lnRef>
+          <a:fillRef idx="0">
+            <a:schemeClr val="accent1"/>
+          </a:fillRef>
+          <a:effectRef idx="0">
+            <a:schemeClr val="accent1"/>
+          </a:effectRef>
+          <a:fontRef idx="minor">
+            <a:schemeClr val="tx1"/>
+          </a:fontRef>
+        </p:style>
+      </p:cxnSp>
+      <p:cxnSp>
+        <p:nvCxnSpPr>
+          <p:cNvPr id="58" name="直線コネクタ 57">
+            <a:extLst>
+              <a:ext uri="{FF2B5EF4-FFF2-40B4-BE49-F238E27FC236}">
+                <a16:creationId xmlns:a16="http://schemas.microsoft.com/office/drawing/2014/main" id="{9AE81806-DAA2-4B2C-9AD1-71065FE1018C}"/>
+              </a:ext>
+            </a:extLst>
+          </p:cNvPr>
+          <p:cNvCxnSpPr>
+            <a:cxnSpLocks/>
+            <a:stCxn id="14" idx="0"/>
+            <a:endCxn id="10" idx="4"/>
+          </p:cNvCxnSpPr>
+          <p:nvPr/>
+        </p:nvCxnSpPr>
+        <p:spPr>
+          <a:xfrm flipV="1">
+            <a:off x="5044878" y="3687097"/>
+            <a:ext cx="3987" cy="413574"/>
+          </a:xfrm>
+          <a:prstGeom prst="line">
+            <a:avLst/>
+          </a:prstGeom>
+          <a:ln w="28575">
+            <a:solidFill>
+              <a:schemeClr val="tx1"/>
+            </a:solidFill>
+          </a:ln>
+        </p:spPr>
+        <p:style>
+          <a:lnRef idx="1">
+            <a:schemeClr val="accent1"/>
+          </a:lnRef>
+          <a:fillRef idx="0">
+            <a:schemeClr val="accent1"/>
+          </a:fillRef>
+          <a:effectRef idx="0">
+            <a:schemeClr val="accent1"/>
+          </a:effectRef>
+          <a:fontRef idx="minor">
+            <a:schemeClr val="tx1"/>
+          </a:fontRef>
+        </p:style>
+      </p:cxnSp>
+      <p:cxnSp>
+        <p:nvCxnSpPr>
+          <p:cNvPr id="59" name="直線コネクタ 58">
+            <a:extLst>
+              <a:ext uri="{FF2B5EF4-FFF2-40B4-BE49-F238E27FC236}">
+                <a16:creationId xmlns:a16="http://schemas.microsoft.com/office/drawing/2014/main" id="{39228248-8652-44D4-8D9A-DED7A8C6709B}"/>
+              </a:ext>
+            </a:extLst>
+          </p:cNvPr>
+          <p:cNvCxnSpPr>
+            <a:cxnSpLocks/>
+            <a:stCxn id="15" idx="0"/>
+            <a:endCxn id="12" idx="4"/>
+          </p:cNvCxnSpPr>
+          <p:nvPr/>
+        </p:nvCxnSpPr>
+        <p:spPr>
+          <a:xfrm flipH="1" flipV="1">
+            <a:off x="6050826" y="3701226"/>
+            <a:ext cx="4297" cy="401679"/>
+          </a:xfrm>
+          <a:prstGeom prst="line">
+            <a:avLst/>
+          </a:prstGeom>
+          <a:ln w="28575">
+            <a:solidFill>
+              <a:schemeClr val="tx1"/>
+            </a:solidFill>
+          </a:ln>
+        </p:spPr>
+        <p:style>
+          <a:lnRef idx="1">
+            <a:schemeClr val="accent1"/>
+          </a:lnRef>
+          <a:fillRef idx="0">
+            <a:schemeClr val="accent1"/>
+          </a:fillRef>
+          <a:effectRef idx="0">
+            <a:schemeClr val="accent1"/>
+          </a:effectRef>
+          <a:fontRef idx="minor">
+            <a:schemeClr val="tx1"/>
+          </a:fontRef>
+        </p:style>
+      </p:cxnSp>
+      <p:cxnSp>
+        <p:nvCxnSpPr>
+          <p:cNvPr id="60" name="直線コネクタ 59">
+            <a:extLst>
+              <a:ext uri="{FF2B5EF4-FFF2-40B4-BE49-F238E27FC236}">
+                <a16:creationId xmlns:a16="http://schemas.microsoft.com/office/drawing/2014/main" id="{A3533B05-4ACA-4838-B9F9-DC7CA1212310}"/>
+              </a:ext>
+            </a:extLst>
+          </p:cNvPr>
+          <p:cNvCxnSpPr>
+            <a:cxnSpLocks/>
+            <a:stCxn id="12" idx="0"/>
+            <a:endCxn id="8" idx="4"/>
+          </p:cNvCxnSpPr>
+          <p:nvPr/>
+        </p:nvCxnSpPr>
+        <p:spPr>
+          <a:xfrm flipV="1">
+            <a:off x="6050826" y="2846439"/>
+            <a:ext cx="0" cy="422787"/>
+          </a:xfrm>
+          <a:prstGeom prst="line">
+            <a:avLst/>
+          </a:prstGeom>
+          <a:ln w="28575">
+            <a:solidFill>
+              <a:schemeClr val="tx1"/>
+            </a:solidFill>
+          </a:ln>
+        </p:spPr>
+        <p:style>
+          <a:lnRef idx="1">
+            <a:schemeClr val="accent1"/>
+          </a:lnRef>
+          <a:fillRef idx="0">
+            <a:schemeClr val="accent1"/>
+          </a:fillRef>
+          <a:effectRef idx="0">
+            <a:schemeClr val="accent1"/>
+          </a:effectRef>
+          <a:fontRef idx="minor">
+            <a:schemeClr val="tx1"/>
+          </a:fontRef>
+        </p:style>
+      </p:cxnSp>
+      <p:cxnSp>
+        <p:nvCxnSpPr>
+          <p:cNvPr id="61" name="直線コネクタ 60">
+            <a:extLst>
+              <a:ext uri="{FF2B5EF4-FFF2-40B4-BE49-F238E27FC236}">
+                <a16:creationId xmlns:a16="http://schemas.microsoft.com/office/drawing/2014/main" id="{C412CE2E-C9DC-45DE-9B77-05CC7A30E04B}"/>
+              </a:ext>
+            </a:extLst>
+          </p:cNvPr>
+          <p:cNvCxnSpPr>
+            <a:cxnSpLocks/>
+            <a:stCxn id="10" idx="0"/>
+            <a:endCxn id="6" idx="4"/>
+          </p:cNvCxnSpPr>
+          <p:nvPr/>
+        </p:nvCxnSpPr>
+        <p:spPr>
+          <a:xfrm flipV="1">
+            <a:off x="5048865" y="2850426"/>
+            <a:ext cx="0" cy="404671"/>
+          </a:xfrm>
+          <a:prstGeom prst="line">
+            <a:avLst/>
+          </a:prstGeom>
+          <a:ln w="28575">
+            <a:solidFill>
+              <a:schemeClr val="tx1"/>
+            </a:solidFill>
+          </a:ln>
+        </p:spPr>
+        <p:style>
+          <a:lnRef idx="1">
+            <a:schemeClr val="accent1"/>
+          </a:lnRef>
+          <a:fillRef idx="0">
+            <a:schemeClr val="accent1"/>
+          </a:fillRef>
+          <a:effectRef idx="0">
+            <a:schemeClr val="accent1"/>
+          </a:effectRef>
+          <a:fontRef idx="minor">
+            <a:schemeClr val="tx1"/>
+          </a:fontRef>
+        </p:style>
+      </p:cxnSp>
+      <p:cxnSp>
+        <p:nvCxnSpPr>
+          <p:cNvPr id="80" name="直線コネクタ 79">
+            <a:extLst>
+              <a:ext uri="{FF2B5EF4-FFF2-40B4-BE49-F238E27FC236}">
+                <a16:creationId xmlns:a16="http://schemas.microsoft.com/office/drawing/2014/main" id="{099520DB-6B89-4D26-980A-2F692C192666}"/>
+              </a:ext>
+            </a:extLst>
+          </p:cNvPr>
+          <p:cNvCxnSpPr>
+            <a:cxnSpLocks/>
+            <a:stCxn id="19" idx="6"/>
+            <a:endCxn id="18" idx="2"/>
+          </p:cNvCxnSpPr>
+          <p:nvPr/>
+        </p:nvCxnSpPr>
+        <p:spPr>
+          <a:xfrm>
+            <a:off x="3258774" y="5151175"/>
+            <a:ext cx="569052" cy="0"/>
+          </a:xfrm>
+          <a:prstGeom prst="line">
+            <a:avLst/>
+          </a:prstGeom>
+          <a:ln w="28575">
+            <a:solidFill>
+              <a:schemeClr val="tx1"/>
+            </a:solidFill>
+          </a:ln>
+        </p:spPr>
+        <p:style>
+          <a:lnRef idx="1">
+            <a:schemeClr val="accent1"/>
+          </a:lnRef>
+          <a:fillRef idx="0">
+            <a:schemeClr val="accent1"/>
+          </a:fillRef>
+          <a:effectRef idx="0">
+            <a:schemeClr val="accent1"/>
+          </a:effectRef>
+          <a:fontRef idx="minor">
+            <a:schemeClr val="tx1"/>
+          </a:fontRef>
+        </p:style>
+      </p:cxnSp>
+      <p:cxnSp>
+        <p:nvCxnSpPr>
+          <p:cNvPr id="81" name="直線コネクタ 80">
+            <a:extLst>
+              <a:ext uri="{FF2B5EF4-FFF2-40B4-BE49-F238E27FC236}">
+                <a16:creationId xmlns:a16="http://schemas.microsoft.com/office/drawing/2014/main" id="{B3FC4D55-9562-4986-A261-1D0CA3CA0E8C}"/>
+              </a:ext>
+            </a:extLst>
+          </p:cNvPr>
+          <p:cNvCxnSpPr>
+            <a:cxnSpLocks/>
+            <a:stCxn id="17" idx="2"/>
+            <a:endCxn id="18" idx="6"/>
+          </p:cNvCxnSpPr>
+          <p:nvPr/>
+        </p:nvCxnSpPr>
+        <p:spPr>
+          <a:xfrm flipH="1" flipV="1">
+            <a:off x="4259826" y="5151175"/>
+            <a:ext cx="569052" cy="11070"/>
+          </a:xfrm>
+          <a:prstGeom prst="line">
+            <a:avLst/>
+          </a:prstGeom>
+          <a:ln w="28575">
+            <a:solidFill>
+              <a:schemeClr val="tx1"/>
+            </a:solidFill>
+          </a:ln>
+        </p:spPr>
+        <p:style>
+          <a:lnRef idx="1">
+            <a:schemeClr val="accent1"/>
+          </a:lnRef>
+          <a:fillRef idx="0">
+            <a:schemeClr val="accent1"/>
+          </a:fillRef>
+          <a:effectRef idx="0">
+            <a:schemeClr val="accent1"/>
+          </a:effectRef>
+          <a:fontRef idx="minor">
+            <a:schemeClr val="tx1"/>
+          </a:fontRef>
+        </p:style>
+      </p:cxnSp>
+      <p:cxnSp>
+        <p:nvCxnSpPr>
+          <p:cNvPr id="82" name="直線コネクタ 81">
+            <a:extLst>
+              <a:ext uri="{FF2B5EF4-FFF2-40B4-BE49-F238E27FC236}">
+                <a16:creationId xmlns:a16="http://schemas.microsoft.com/office/drawing/2014/main" id="{F849821A-6B83-44E6-B87E-9573FC54CCF1}"/>
+              </a:ext>
+            </a:extLst>
+          </p:cNvPr>
+          <p:cNvCxnSpPr>
+            <a:cxnSpLocks/>
+            <a:stCxn id="17" idx="6"/>
+            <a:endCxn id="16" idx="2"/>
+          </p:cNvCxnSpPr>
+          <p:nvPr/>
+        </p:nvCxnSpPr>
+        <p:spPr>
+          <a:xfrm>
+            <a:off x="5260878" y="5162245"/>
+            <a:ext cx="578245" cy="0"/>
+          </a:xfrm>
+          <a:prstGeom prst="line">
+            <a:avLst/>
+          </a:prstGeom>
+          <a:ln w="28575">
+            <a:solidFill>
+              <a:schemeClr val="tx1"/>
+            </a:solidFill>
+          </a:ln>
+        </p:spPr>
+        <p:style>
+          <a:lnRef idx="1">
+            <a:schemeClr val="accent1"/>
+          </a:lnRef>
+          <a:fillRef idx="0">
+            <a:schemeClr val="accent1"/>
+          </a:fillRef>
+          <a:effectRef idx="0">
+            <a:schemeClr val="accent1"/>
+          </a:effectRef>
+          <a:fontRef idx="minor">
+            <a:schemeClr val="tx1"/>
+          </a:fontRef>
+        </p:style>
+      </p:cxnSp>
+      <p:cxnSp>
+        <p:nvCxnSpPr>
+          <p:cNvPr id="83" name="直線コネクタ 82">
+            <a:extLst>
+              <a:ext uri="{FF2B5EF4-FFF2-40B4-BE49-F238E27FC236}">
+                <a16:creationId xmlns:a16="http://schemas.microsoft.com/office/drawing/2014/main" id="{3129E9C7-FFE7-40F9-AEB4-627F45314CEB}"/>
+              </a:ext>
+            </a:extLst>
+          </p:cNvPr>
+          <p:cNvCxnSpPr>
+            <a:cxnSpLocks/>
+            <a:stCxn id="15" idx="4"/>
+            <a:endCxn id="16" idx="0"/>
+          </p:cNvCxnSpPr>
+          <p:nvPr/>
+        </p:nvCxnSpPr>
+        <p:spPr>
+          <a:xfrm>
+            <a:off x="6055123" y="4534905"/>
+            <a:ext cx="0" cy="411340"/>
+          </a:xfrm>
+          <a:prstGeom prst="line">
+            <a:avLst/>
+          </a:prstGeom>
+          <a:ln w="28575">
+            <a:solidFill>
+              <a:schemeClr val="tx1"/>
+            </a:solidFill>
+          </a:ln>
+        </p:spPr>
+        <p:style>
+          <a:lnRef idx="1">
+            <a:schemeClr val="accent1"/>
+          </a:lnRef>
+          <a:fillRef idx="0">
+            <a:schemeClr val="accent1"/>
+          </a:fillRef>
+          <a:effectRef idx="0">
+            <a:schemeClr val="accent1"/>
+          </a:effectRef>
+          <a:fontRef idx="minor">
+            <a:schemeClr val="tx1"/>
+          </a:fontRef>
+        </p:style>
+      </p:cxnSp>
+    </p:spTree>
+    <p:extLst>
+      <p:ext uri="{BB962C8B-B14F-4D97-AF65-F5344CB8AC3E}">
+        <p14:creationId xmlns:p14="http://schemas.microsoft.com/office/powerpoint/2010/main" val="2635495294"/>
+      </p:ext>
+    </p:extLst>
+  </p:cSld>
+  <p:clrMapOvr>
+    <a:masterClrMapping/>
+  </p:clrMapOvr>
+</p:sld>
+</file>
+
+<file path=ppt/slides/slide31.xml><?xml version="1.0" encoding="utf-8"?>
+<p:sld xmlns:a="http://schemas.openxmlformats.org/drawingml/2006/main" xmlns:r="http://schemas.openxmlformats.org/officeDocument/2006/relationships" xmlns:p="http://schemas.openxmlformats.org/presentationml/2006/main">
+  <p:cSld>
+    <p:spTree>
+      <p:nvGrpSpPr>
+        <p:cNvPr id="1" name=""/>
+        <p:cNvGrpSpPr/>
+        <p:nvPr/>
+      </p:nvGrpSpPr>
+      <p:grpSpPr>
+        <a:xfrm>
+          <a:off x="0" y="0"/>
+          <a:ext cx="0" cy="0"/>
+          <a:chOff x="0" y="0"/>
+          <a:chExt cx="0" cy="0"/>
+        </a:xfrm>
+      </p:grpSpPr>
+      <p:sp>
+        <p:nvSpPr>
+          <p:cNvPr id="2" name="タイトル 1">
+            <a:extLst>
+              <a:ext uri="{FF2B5EF4-FFF2-40B4-BE49-F238E27FC236}">
+                <a16:creationId xmlns:a16="http://schemas.microsoft.com/office/drawing/2014/main" id="{06D149E5-3234-4CF3-97A2-902E14BEC59F}"/>
+              </a:ext>
+            </a:extLst>
+          </p:cNvPr>
+          <p:cNvSpPr>
+            <a:spLocks noGrp="1"/>
+          </p:cNvSpPr>
+          <p:nvPr>
+            <p:ph type="title"/>
+          </p:nvPr>
+        </p:nvSpPr>
+        <p:spPr/>
+        <p:txBody>
+          <a:bodyPr/>
+          <a:lstStyle/>
+          <a:p>
+            <a:r>
+              <a:rPr kumimoji="1" lang="en-US" altLang="ja-JP" dirty="0"/>
+              <a:t>Vertex cover</a:t>
+            </a:r>
+            <a:endParaRPr kumimoji="1" lang="ja-JP" altLang="en-US" dirty="0"/>
+          </a:p>
+        </p:txBody>
+      </p:sp>
+      <p:sp>
+        <p:nvSpPr>
+          <p:cNvPr id="3" name="コンテンツ プレースホルダー 2">
+            <a:extLst>
+              <a:ext uri="{FF2B5EF4-FFF2-40B4-BE49-F238E27FC236}">
+                <a16:creationId xmlns:a16="http://schemas.microsoft.com/office/drawing/2014/main" id="{17DF5C73-24FE-4B0D-8433-2A70A799DEEE}"/>
+              </a:ext>
+            </a:extLst>
+          </p:cNvPr>
+          <p:cNvSpPr>
+            <a:spLocks noGrp="1"/>
+          </p:cNvSpPr>
+          <p:nvPr>
+            <p:ph sz="quarter" idx="1"/>
+          </p:nvPr>
+        </p:nvSpPr>
+        <p:spPr>
+          <a:xfrm>
+            <a:off x="179512" y="1124744"/>
+            <a:ext cx="8784976" cy="5256666"/>
+          </a:xfrm>
+        </p:spPr>
+        <p:txBody>
+          <a:bodyPr/>
+          <a:lstStyle/>
+          <a:p>
+            <a:r>
+              <a:rPr lang="ja-JP" altLang="en-US" dirty="0"/>
+              <a:t>黒く塗られた</a:t>
+            </a:r>
+            <a:r>
+              <a:rPr lang="en-US" altLang="ja-JP" dirty="0"/>
+              <a:t>8</a:t>
+            </a:r>
+            <a:r>
+              <a:rPr lang="ja-JP" altLang="en-US" dirty="0"/>
+              <a:t>個の頂点だけで全ての辺と接している</a:t>
+            </a:r>
+            <a:endParaRPr lang="en-US" altLang="ja-JP" dirty="0"/>
+          </a:p>
+          <a:p>
+            <a:r>
+              <a:rPr kumimoji="1" lang="ja-JP" altLang="en-US" dirty="0"/>
+              <a:t>これが最適解</a:t>
+            </a:r>
+          </a:p>
+        </p:txBody>
+      </p:sp>
+      <p:sp>
+        <p:nvSpPr>
+          <p:cNvPr id="4" name="楕円 3">
+            <a:extLst>
+              <a:ext uri="{FF2B5EF4-FFF2-40B4-BE49-F238E27FC236}">
+                <a16:creationId xmlns:a16="http://schemas.microsoft.com/office/drawing/2014/main" id="{27038687-C5FF-4A89-82B4-1FABAFBA1C9B}"/>
+              </a:ext>
+            </a:extLst>
+          </p:cNvPr>
+          <p:cNvSpPr/>
+          <p:nvPr/>
+        </p:nvSpPr>
+        <p:spPr>
+          <a:xfrm>
+            <a:off x="3827826" y="2418426"/>
+            <a:ext cx="432000" cy="432000"/>
+          </a:xfrm>
+          <a:prstGeom prst="ellipse">
+            <a:avLst/>
+          </a:prstGeom>
+          <a:solidFill>
+            <a:schemeClr val="tx1"/>
+          </a:solidFill>
+          <a:ln w="28575">
+            <a:solidFill>
+              <a:schemeClr val="tx1"/>
+            </a:solidFill>
+          </a:ln>
+        </p:spPr>
+        <p:style>
+          <a:lnRef idx="1">
+            <a:schemeClr val="accent1"/>
+          </a:lnRef>
+          <a:fillRef idx="0">
+            <a:schemeClr val="accent1"/>
+          </a:fillRef>
+          <a:effectRef idx="0">
+            <a:schemeClr val="accent1"/>
+          </a:effectRef>
+          <a:fontRef idx="minor">
+            <a:schemeClr val="tx1"/>
+          </a:fontRef>
+        </p:style>
+        <p:txBody>
+          <a:bodyPr rtlCol="0" anchor="ctr"/>
+          <a:lstStyle/>
+          <a:p>
+            <a:pPr algn="ctr"/>
+            <a:endParaRPr kumimoji="1" lang="ja-JP" altLang="en-US"/>
+          </a:p>
+        </p:txBody>
+      </p:sp>
+      <p:sp>
+        <p:nvSpPr>
+          <p:cNvPr id="5" name="楕円 4">
+            <a:extLst>
+              <a:ext uri="{FF2B5EF4-FFF2-40B4-BE49-F238E27FC236}">
+                <a16:creationId xmlns:a16="http://schemas.microsoft.com/office/drawing/2014/main" id="{84CDF98A-769C-4284-8AAF-E7C78EA27522}"/>
+              </a:ext>
+            </a:extLst>
+          </p:cNvPr>
+          <p:cNvSpPr/>
+          <p:nvPr/>
+        </p:nvSpPr>
+        <p:spPr>
+          <a:xfrm>
+            <a:off x="2826774" y="2418426"/>
+            <a:ext cx="432000" cy="432000"/>
+          </a:xfrm>
+          <a:prstGeom prst="ellipse">
+            <a:avLst/>
+          </a:prstGeom>
+          <a:ln w="28575">
+            <a:solidFill>
+              <a:schemeClr val="tx1"/>
+            </a:solidFill>
+          </a:ln>
+        </p:spPr>
+        <p:style>
+          <a:lnRef idx="1">
+            <a:schemeClr val="accent1"/>
+          </a:lnRef>
+          <a:fillRef idx="0">
+            <a:schemeClr val="accent1"/>
+          </a:fillRef>
+          <a:effectRef idx="0">
+            <a:schemeClr val="accent1"/>
+          </a:effectRef>
+          <a:fontRef idx="minor">
+            <a:schemeClr val="tx1"/>
+          </a:fontRef>
+        </p:style>
+        <p:txBody>
+          <a:bodyPr rtlCol="0" anchor="ctr"/>
+          <a:lstStyle/>
+          <a:p>
+            <a:pPr algn="ctr"/>
+            <a:endParaRPr kumimoji="1" lang="ja-JP" altLang="en-US"/>
+          </a:p>
+        </p:txBody>
+      </p:sp>
+      <p:sp>
+        <p:nvSpPr>
+          <p:cNvPr id="6" name="楕円 5">
+            <a:extLst>
+              <a:ext uri="{FF2B5EF4-FFF2-40B4-BE49-F238E27FC236}">
+                <a16:creationId xmlns:a16="http://schemas.microsoft.com/office/drawing/2014/main" id="{4CF706DD-1E2C-44A6-9C24-7223E6B4F69C}"/>
+              </a:ext>
+            </a:extLst>
+          </p:cNvPr>
+          <p:cNvSpPr/>
+          <p:nvPr/>
+        </p:nvSpPr>
+        <p:spPr>
+          <a:xfrm>
+            <a:off x="4832865" y="2418426"/>
+            <a:ext cx="432000" cy="432000"/>
+          </a:xfrm>
+          <a:prstGeom prst="ellipse">
+            <a:avLst/>
+          </a:prstGeom>
+          <a:ln w="28575">
+            <a:solidFill>
+              <a:schemeClr val="tx1"/>
+            </a:solidFill>
+          </a:ln>
+        </p:spPr>
+        <p:style>
+          <a:lnRef idx="1">
+            <a:schemeClr val="accent1"/>
+          </a:lnRef>
+          <a:fillRef idx="0">
+            <a:schemeClr val="accent1"/>
+          </a:fillRef>
+          <a:effectRef idx="0">
+            <a:schemeClr val="accent1"/>
+          </a:effectRef>
+          <a:fontRef idx="minor">
+            <a:schemeClr val="tx1"/>
+          </a:fontRef>
+        </p:style>
+        <p:txBody>
+          <a:bodyPr rtlCol="0" anchor="ctr"/>
+          <a:lstStyle/>
+          <a:p>
+            <a:pPr algn="ctr"/>
+            <a:endParaRPr kumimoji="1" lang="ja-JP" altLang="en-US"/>
+          </a:p>
+        </p:txBody>
+      </p:sp>
+      <p:sp>
+        <p:nvSpPr>
+          <p:cNvPr id="7" name="楕円 6">
+            <a:extLst>
+              <a:ext uri="{FF2B5EF4-FFF2-40B4-BE49-F238E27FC236}">
+                <a16:creationId xmlns:a16="http://schemas.microsoft.com/office/drawing/2014/main" id="{27A0295B-F445-45D1-87B2-76C1E0272050}"/>
+              </a:ext>
+            </a:extLst>
+          </p:cNvPr>
+          <p:cNvSpPr/>
+          <p:nvPr/>
+        </p:nvSpPr>
+        <p:spPr>
+          <a:xfrm>
+            <a:off x="2826774" y="3255097"/>
+            <a:ext cx="432000" cy="432000"/>
+          </a:xfrm>
+          <a:prstGeom prst="ellipse">
+            <a:avLst/>
+          </a:prstGeom>
+          <a:solidFill>
+            <a:schemeClr val="tx1"/>
+          </a:solidFill>
+          <a:ln w="28575">
+            <a:solidFill>
+              <a:schemeClr val="tx1"/>
+            </a:solidFill>
+          </a:ln>
+        </p:spPr>
+        <p:style>
+          <a:lnRef idx="1">
+            <a:schemeClr val="accent1"/>
+          </a:lnRef>
+          <a:fillRef idx="0">
+            <a:schemeClr val="accent1"/>
+          </a:fillRef>
+          <a:effectRef idx="0">
+            <a:schemeClr val="accent1"/>
+          </a:effectRef>
+          <a:fontRef idx="minor">
+            <a:schemeClr val="tx1"/>
+          </a:fontRef>
+        </p:style>
+        <p:txBody>
+          <a:bodyPr rtlCol="0" anchor="ctr"/>
+          <a:lstStyle/>
+          <a:p>
+            <a:pPr algn="ctr"/>
+            <a:endParaRPr kumimoji="1" lang="ja-JP" altLang="en-US"/>
+          </a:p>
+        </p:txBody>
+      </p:sp>
+      <p:sp>
+        <p:nvSpPr>
+          <p:cNvPr id="8" name="楕円 7">
+            <a:extLst>
+              <a:ext uri="{FF2B5EF4-FFF2-40B4-BE49-F238E27FC236}">
+                <a16:creationId xmlns:a16="http://schemas.microsoft.com/office/drawing/2014/main" id="{13A0B63E-04BB-47D2-96D6-6456D5C29E5E}"/>
+              </a:ext>
+            </a:extLst>
+          </p:cNvPr>
+          <p:cNvSpPr/>
+          <p:nvPr/>
+        </p:nvSpPr>
+        <p:spPr>
+          <a:xfrm>
+            <a:off x="5834826" y="2414439"/>
+            <a:ext cx="432000" cy="432000"/>
+          </a:xfrm>
+          <a:prstGeom prst="ellipse">
+            <a:avLst/>
+          </a:prstGeom>
+          <a:solidFill>
+            <a:schemeClr val="tx1"/>
+          </a:solidFill>
+          <a:ln w="28575">
+            <a:solidFill>
+              <a:schemeClr val="tx1"/>
+            </a:solidFill>
+          </a:ln>
+        </p:spPr>
+        <p:style>
+          <a:lnRef idx="1">
+            <a:schemeClr val="accent1"/>
+          </a:lnRef>
+          <a:fillRef idx="0">
+            <a:schemeClr val="accent1"/>
+          </a:fillRef>
+          <a:effectRef idx="0">
+            <a:schemeClr val="accent1"/>
+          </a:effectRef>
+          <a:fontRef idx="minor">
+            <a:schemeClr val="tx1"/>
+          </a:fontRef>
+        </p:style>
+        <p:txBody>
+          <a:bodyPr rtlCol="0" anchor="ctr"/>
+          <a:lstStyle/>
+          <a:p>
+            <a:pPr algn="ctr"/>
+            <a:endParaRPr kumimoji="1" lang="ja-JP" altLang="en-US"/>
+          </a:p>
+        </p:txBody>
+      </p:sp>
+      <p:sp>
+        <p:nvSpPr>
+          <p:cNvPr id="9" name="楕円 8">
+            <a:extLst>
+              <a:ext uri="{FF2B5EF4-FFF2-40B4-BE49-F238E27FC236}">
+                <a16:creationId xmlns:a16="http://schemas.microsoft.com/office/drawing/2014/main" id="{1D1B1300-C6F2-4BC2-BEAA-9A1F1C583FF4}"/>
+              </a:ext>
+            </a:extLst>
+          </p:cNvPr>
+          <p:cNvSpPr/>
+          <p:nvPr/>
+        </p:nvSpPr>
+        <p:spPr>
+          <a:xfrm>
+            <a:off x="3827826" y="3255097"/>
+            <a:ext cx="432000" cy="432000"/>
+          </a:xfrm>
+          <a:prstGeom prst="ellipse">
+            <a:avLst/>
+          </a:prstGeom>
+          <a:ln w="28575">
+            <a:solidFill>
+              <a:schemeClr val="tx1"/>
+            </a:solidFill>
+          </a:ln>
+        </p:spPr>
+        <p:style>
+          <a:lnRef idx="1">
+            <a:schemeClr val="accent1"/>
+          </a:lnRef>
+          <a:fillRef idx="0">
+            <a:schemeClr val="accent1"/>
+          </a:fillRef>
+          <a:effectRef idx="0">
+            <a:schemeClr val="accent1"/>
+          </a:effectRef>
+          <a:fontRef idx="minor">
+            <a:schemeClr val="tx1"/>
+          </a:fontRef>
+        </p:style>
+        <p:txBody>
+          <a:bodyPr rtlCol="0" anchor="ctr"/>
+          <a:lstStyle/>
+          <a:p>
+            <a:pPr algn="ctr"/>
+            <a:endParaRPr kumimoji="1" lang="ja-JP" altLang="en-US"/>
+          </a:p>
+        </p:txBody>
+      </p:sp>
+      <p:sp>
+        <p:nvSpPr>
+          <p:cNvPr id="10" name="楕円 9">
+            <a:extLst>
+              <a:ext uri="{FF2B5EF4-FFF2-40B4-BE49-F238E27FC236}">
+                <a16:creationId xmlns:a16="http://schemas.microsoft.com/office/drawing/2014/main" id="{40D86176-0347-4F07-904D-4158032926F7}"/>
+              </a:ext>
+            </a:extLst>
+          </p:cNvPr>
+          <p:cNvSpPr/>
+          <p:nvPr/>
+        </p:nvSpPr>
+        <p:spPr>
+          <a:xfrm>
+            <a:off x="4832865" y="3255097"/>
+            <a:ext cx="432000" cy="432000"/>
+          </a:xfrm>
+          <a:prstGeom prst="ellipse">
+            <a:avLst/>
+          </a:prstGeom>
+          <a:solidFill>
+            <a:schemeClr val="tx1"/>
+          </a:solidFill>
+          <a:ln w="28575">
+            <a:solidFill>
+              <a:schemeClr val="tx1"/>
+            </a:solidFill>
+          </a:ln>
+        </p:spPr>
+        <p:style>
+          <a:lnRef idx="1">
+            <a:schemeClr val="accent1"/>
+          </a:lnRef>
+          <a:fillRef idx="0">
+            <a:schemeClr val="accent1"/>
+          </a:fillRef>
+          <a:effectRef idx="0">
+            <a:schemeClr val="accent1"/>
+          </a:effectRef>
+          <a:fontRef idx="minor">
+            <a:schemeClr val="tx1"/>
+          </a:fontRef>
+        </p:style>
+        <p:txBody>
+          <a:bodyPr rtlCol="0" anchor="ctr"/>
+          <a:lstStyle/>
+          <a:p>
+            <a:pPr algn="ctr"/>
+            <a:endParaRPr kumimoji="1" lang="ja-JP" altLang="en-US"/>
+          </a:p>
+        </p:txBody>
+      </p:sp>
+      <p:sp>
+        <p:nvSpPr>
+          <p:cNvPr id="11" name="楕円 10">
+            <a:extLst>
+              <a:ext uri="{FF2B5EF4-FFF2-40B4-BE49-F238E27FC236}">
+                <a16:creationId xmlns:a16="http://schemas.microsoft.com/office/drawing/2014/main" id="{1A767449-F1FA-4771-9840-4190144EEB44}"/>
+              </a:ext>
+            </a:extLst>
+          </p:cNvPr>
+          <p:cNvSpPr/>
+          <p:nvPr/>
+        </p:nvSpPr>
+        <p:spPr>
+          <a:xfrm>
+            <a:off x="2826774" y="4095136"/>
+            <a:ext cx="432000" cy="432000"/>
+          </a:xfrm>
+          <a:prstGeom prst="ellipse">
+            <a:avLst/>
+          </a:prstGeom>
+          <a:ln w="28575">
+            <a:solidFill>
+              <a:schemeClr val="tx1"/>
+            </a:solidFill>
+          </a:ln>
+        </p:spPr>
+        <p:style>
+          <a:lnRef idx="1">
+            <a:schemeClr val="accent1"/>
+          </a:lnRef>
+          <a:fillRef idx="0">
+            <a:schemeClr val="accent1"/>
+          </a:fillRef>
+          <a:effectRef idx="0">
+            <a:schemeClr val="accent1"/>
+          </a:effectRef>
+          <a:fontRef idx="minor">
+            <a:schemeClr val="tx1"/>
+          </a:fontRef>
+        </p:style>
+        <p:txBody>
+          <a:bodyPr rtlCol="0" anchor="ctr"/>
+          <a:lstStyle/>
+          <a:p>
+            <a:pPr algn="ctr"/>
+            <a:endParaRPr kumimoji="1" lang="ja-JP" altLang="en-US"/>
+          </a:p>
+        </p:txBody>
+      </p:sp>
+      <p:sp>
+        <p:nvSpPr>
+          <p:cNvPr id="12" name="楕円 11">
+            <a:extLst>
+              <a:ext uri="{FF2B5EF4-FFF2-40B4-BE49-F238E27FC236}">
+                <a16:creationId xmlns:a16="http://schemas.microsoft.com/office/drawing/2014/main" id="{EC57DB0A-68B1-4C4D-94E5-690864273DA4}"/>
+              </a:ext>
+            </a:extLst>
+          </p:cNvPr>
+          <p:cNvSpPr/>
+          <p:nvPr/>
+        </p:nvSpPr>
+        <p:spPr>
+          <a:xfrm>
+            <a:off x="5834826" y="3269226"/>
+            <a:ext cx="432000" cy="432000"/>
+          </a:xfrm>
+          <a:prstGeom prst="ellipse">
+            <a:avLst/>
+          </a:prstGeom>
+          <a:ln w="28575">
+            <a:solidFill>
+              <a:schemeClr val="tx1"/>
+            </a:solidFill>
+          </a:ln>
+        </p:spPr>
+        <p:style>
+          <a:lnRef idx="1">
+            <a:schemeClr val="accent1"/>
+          </a:lnRef>
+          <a:fillRef idx="0">
+            <a:schemeClr val="accent1"/>
+          </a:fillRef>
+          <a:effectRef idx="0">
+            <a:schemeClr val="accent1"/>
+          </a:effectRef>
+          <a:fontRef idx="minor">
+            <a:schemeClr val="tx1"/>
+          </a:fontRef>
+        </p:style>
+        <p:txBody>
+          <a:bodyPr rtlCol="0" anchor="ctr"/>
+          <a:lstStyle/>
+          <a:p>
+            <a:pPr algn="ctr"/>
+            <a:endParaRPr kumimoji="1" lang="ja-JP" altLang="en-US"/>
+          </a:p>
+        </p:txBody>
+      </p:sp>
+      <p:sp>
+        <p:nvSpPr>
+          <p:cNvPr id="13" name="楕円 12">
+            <a:extLst>
+              <a:ext uri="{FF2B5EF4-FFF2-40B4-BE49-F238E27FC236}">
+                <a16:creationId xmlns:a16="http://schemas.microsoft.com/office/drawing/2014/main" id="{7F0ADEE6-EED8-48D3-84A5-32D1759901CE}"/>
+              </a:ext>
+            </a:extLst>
+          </p:cNvPr>
+          <p:cNvSpPr/>
+          <p:nvPr/>
+        </p:nvSpPr>
+        <p:spPr>
+          <a:xfrm>
+            <a:off x="3827826" y="4100671"/>
+            <a:ext cx="432000" cy="432000"/>
+          </a:xfrm>
+          <a:prstGeom prst="ellipse">
+            <a:avLst/>
+          </a:prstGeom>
+          <a:solidFill>
+            <a:schemeClr val="tx1"/>
+          </a:solidFill>
+          <a:ln w="28575">
+            <a:solidFill>
+              <a:schemeClr val="tx1"/>
+            </a:solidFill>
+          </a:ln>
+        </p:spPr>
+        <p:style>
+          <a:lnRef idx="1">
+            <a:schemeClr val="accent1"/>
+          </a:lnRef>
+          <a:fillRef idx="0">
+            <a:schemeClr val="accent1"/>
+          </a:fillRef>
+          <a:effectRef idx="0">
+            <a:schemeClr val="accent1"/>
+          </a:effectRef>
+          <a:fontRef idx="minor">
+            <a:schemeClr val="tx1"/>
+          </a:fontRef>
+        </p:style>
+        <p:txBody>
+          <a:bodyPr rtlCol="0" anchor="ctr"/>
+          <a:lstStyle/>
+          <a:p>
+            <a:pPr algn="ctr"/>
+            <a:endParaRPr kumimoji="1" lang="ja-JP" altLang="en-US"/>
+          </a:p>
+        </p:txBody>
+      </p:sp>
+      <p:sp>
+        <p:nvSpPr>
+          <p:cNvPr id="14" name="楕円 13">
+            <a:extLst>
+              <a:ext uri="{FF2B5EF4-FFF2-40B4-BE49-F238E27FC236}">
+                <a16:creationId xmlns:a16="http://schemas.microsoft.com/office/drawing/2014/main" id="{ACD8FD89-F7CF-435A-ACA6-88374230DAFE}"/>
+              </a:ext>
+            </a:extLst>
+          </p:cNvPr>
+          <p:cNvSpPr/>
+          <p:nvPr/>
+        </p:nvSpPr>
+        <p:spPr>
+          <a:xfrm>
+            <a:off x="4828878" y="4100671"/>
+            <a:ext cx="432000" cy="432000"/>
+          </a:xfrm>
+          <a:prstGeom prst="ellipse">
+            <a:avLst/>
+          </a:prstGeom>
+          <a:ln w="28575">
+            <a:solidFill>
+              <a:schemeClr val="tx1"/>
+            </a:solidFill>
+          </a:ln>
+        </p:spPr>
+        <p:style>
+          <a:lnRef idx="1">
+            <a:schemeClr val="accent1"/>
+          </a:lnRef>
+          <a:fillRef idx="0">
+            <a:schemeClr val="accent1"/>
+          </a:fillRef>
+          <a:effectRef idx="0">
+            <a:schemeClr val="accent1"/>
+          </a:effectRef>
+          <a:fontRef idx="minor">
+            <a:schemeClr val="tx1"/>
+          </a:fontRef>
+        </p:style>
+        <p:txBody>
+          <a:bodyPr rtlCol="0" anchor="ctr"/>
+          <a:lstStyle/>
+          <a:p>
+            <a:pPr algn="ctr"/>
+            <a:endParaRPr kumimoji="1" lang="ja-JP" altLang="en-US"/>
+          </a:p>
+        </p:txBody>
+      </p:sp>
+      <p:sp>
+        <p:nvSpPr>
+          <p:cNvPr id="15" name="楕円 14">
+            <a:extLst>
+              <a:ext uri="{FF2B5EF4-FFF2-40B4-BE49-F238E27FC236}">
+                <a16:creationId xmlns:a16="http://schemas.microsoft.com/office/drawing/2014/main" id="{4953ACA4-6A16-442D-BB49-B2C596616AEC}"/>
+              </a:ext>
+            </a:extLst>
+          </p:cNvPr>
+          <p:cNvSpPr/>
+          <p:nvPr/>
+        </p:nvSpPr>
+        <p:spPr>
+          <a:xfrm>
+            <a:off x="5839123" y="4102905"/>
+            <a:ext cx="432000" cy="432000"/>
+          </a:xfrm>
+          <a:prstGeom prst="ellipse">
+            <a:avLst/>
+          </a:prstGeom>
+          <a:solidFill>
+            <a:schemeClr val="tx1"/>
+          </a:solidFill>
+          <a:ln w="28575">
+            <a:solidFill>
+              <a:schemeClr val="tx1"/>
+            </a:solidFill>
+          </a:ln>
+        </p:spPr>
+        <p:style>
+          <a:lnRef idx="1">
+            <a:schemeClr val="accent1"/>
+          </a:lnRef>
+          <a:fillRef idx="0">
+            <a:schemeClr val="accent1"/>
+          </a:fillRef>
+          <a:effectRef idx="0">
+            <a:schemeClr val="accent1"/>
+          </a:effectRef>
+          <a:fontRef idx="minor">
+            <a:schemeClr val="tx1"/>
+          </a:fontRef>
+        </p:style>
+        <p:txBody>
+          <a:bodyPr rtlCol="0" anchor="ctr"/>
+          <a:lstStyle/>
+          <a:p>
+            <a:pPr algn="ctr"/>
+            <a:endParaRPr kumimoji="1" lang="ja-JP" altLang="en-US"/>
+          </a:p>
+        </p:txBody>
+      </p:sp>
+      <p:sp>
+        <p:nvSpPr>
+          <p:cNvPr id="16" name="楕円 15">
+            <a:extLst>
+              <a:ext uri="{FF2B5EF4-FFF2-40B4-BE49-F238E27FC236}">
+                <a16:creationId xmlns:a16="http://schemas.microsoft.com/office/drawing/2014/main" id="{81AF70E4-25F4-41C5-9D7B-8BC6926A25A5}"/>
+              </a:ext>
+            </a:extLst>
+          </p:cNvPr>
+          <p:cNvSpPr/>
+          <p:nvPr/>
+        </p:nvSpPr>
+        <p:spPr>
+          <a:xfrm>
+            <a:off x="5839123" y="4946245"/>
+            <a:ext cx="432000" cy="432000"/>
+          </a:xfrm>
+          <a:prstGeom prst="ellipse">
+            <a:avLst/>
+          </a:prstGeom>
+          <a:ln w="28575">
+            <a:solidFill>
+              <a:schemeClr val="tx1"/>
+            </a:solidFill>
+          </a:ln>
+        </p:spPr>
+        <p:style>
+          <a:lnRef idx="1">
+            <a:schemeClr val="accent1"/>
+          </a:lnRef>
+          <a:fillRef idx="0">
+            <a:schemeClr val="accent1"/>
+          </a:fillRef>
+          <a:effectRef idx="0">
+            <a:schemeClr val="accent1"/>
+          </a:effectRef>
+          <a:fontRef idx="minor">
+            <a:schemeClr val="tx1"/>
+          </a:fontRef>
+        </p:style>
+        <p:txBody>
+          <a:bodyPr rtlCol="0" anchor="ctr"/>
+          <a:lstStyle/>
+          <a:p>
+            <a:pPr algn="ctr"/>
+            <a:endParaRPr kumimoji="1" lang="ja-JP" altLang="en-US"/>
+          </a:p>
+        </p:txBody>
+      </p:sp>
+      <p:sp>
+        <p:nvSpPr>
+          <p:cNvPr id="17" name="楕円 16">
+            <a:extLst>
+              <a:ext uri="{FF2B5EF4-FFF2-40B4-BE49-F238E27FC236}">
+                <a16:creationId xmlns:a16="http://schemas.microsoft.com/office/drawing/2014/main" id="{2B043139-80D1-4911-9364-BF452A83F106}"/>
+              </a:ext>
+            </a:extLst>
+          </p:cNvPr>
+          <p:cNvSpPr/>
+          <p:nvPr/>
+        </p:nvSpPr>
+        <p:spPr>
+          <a:xfrm>
+            <a:off x="4828878" y="4946245"/>
+            <a:ext cx="432000" cy="432000"/>
+          </a:xfrm>
+          <a:prstGeom prst="ellipse">
+            <a:avLst/>
+          </a:prstGeom>
+          <a:solidFill>
+            <a:schemeClr val="tx1"/>
+          </a:solidFill>
+          <a:ln w="28575">
+            <a:solidFill>
+              <a:schemeClr val="tx1"/>
+            </a:solidFill>
+          </a:ln>
+        </p:spPr>
+        <p:style>
+          <a:lnRef idx="1">
+            <a:schemeClr val="accent1"/>
+          </a:lnRef>
+          <a:fillRef idx="0">
+            <a:schemeClr val="accent1"/>
+          </a:fillRef>
+          <a:effectRef idx="0">
+            <a:schemeClr val="accent1"/>
+          </a:effectRef>
+          <a:fontRef idx="minor">
+            <a:schemeClr val="tx1"/>
+          </a:fontRef>
+        </p:style>
+        <p:txBody>
+          <a:bodyPr rtlCol="0" anchor="ctr"/>
+          <a:lstStyle/>
+          <a:p>
+            <a:pPr algn="ctr"/>
+            <a:endParaRPr kumimoji="1" lang="ja-JP" altLang="en-US"/>
+          </a:p>
+        </p:txBody>
+      </p:sp>
+      <p:sp>
+        <p:nvSpPr>
+          <p:cNvPr id="18" name="楕円 17">
+            <a:extLst>
+              <a:ext uri="{FF2B5EF4-FFF2-40B4-BE49-F238E27FC236}">
+                <a16:creationId xmlns:a16="http://schemas.microsoft.com/office/drawing/2014/main" id="{DE288AB2-7D0A-493A-A2D8-575759AF8AFC}"/>
+              </a:ext>
+            </a:extLst>
+          </p:cNvPr>
+          <p:cNvSpPr/>
+          <p:nvPr/>
+        </p:nvSpPr>
+        <p:spPr>
+          <a:xfrm>
+            <a:off x="3827826" y="4935175"/>
+            <a:ext cx="432000" cy="432000"/>
+          </a:xfrm>
+          <a:prstGeom prst="ellipse">
+            <a:avLst/>
+          </a:prstGeom>
+          <a:ln w="28575">
+            <a:solidFill>
+              <a:schemeClr val="tx1"/>
+            </a:solidFill>
+          </a:ln>
+        </p:spPr>
+        <p:style>
+          <a:lnRef idx="1">
+            <a:schemeClr val="accent1"/>
+          </a:lnRef>
+          <a:fillRef idx="0">
+            <a:schemeClr val="accent1"/>
+          </a:fillRef>
+          <a:effectRef idx="0">
+            <a:schemeClr val="accent1"/>
+          </a:effectRef>
+          <a:fontRef idx="minor">
+            <a:schemeClr val="tx1"/>
+          </a:fontRef>
+        </p:style>
+        <p:txBody>
+          <a:bodyPr rtlCol="0" anchor="ctr"/>
+          <a:lstStyle/>
+          <a:p>
+            <a:pPr algn="ctr"/>
+            <a:endParaRPr kumimoji="1" lang="ja-JP" altLang="en-US"/>
+          </a:p>
+        </p:txBody>
+      </p:sp>
+      <p:sp>
+        <p:nvSpPr>
+          <p:cNvPr id="19" name="楕円 18">
+            <a:extLst>
+              <a:ext uri="{FF2B5EF4-FFF2-40B4-BE49-F238E27FC236}">
+                <a16:creationId xmlns:a16="http://schemas.microsoft.com/office/drawing/2014/main" id="{2FADFEB2-F8E1-4C68-9119-9B81D5CDA280}"/>
+              </a:ext>
+            </a:extLst>
+          </p:cNvPr>
+          <p:cNvSpPr/>
+          <p:nvPr/>
+        </p:nvSpPr>
+        <p:spPr>
+          <a:xfrm>
+            <a:off x="2826774" y="4935175"/>
+            <a:ext cx="432000" cy="432000"/>
+          </a:xfrm>
+          <a:prstGeom prst="ellipse">
+            <a:avLst/>
+          </a:prstGeom>
+          <a:solidFill>
+            <a:schemeClr val="tx1"/>
+          </a:solidFill>
+          <a:ln w="28575">
+            <a:solidFill>
+              <a:schemeClr val="tx1"/>
+            </a:solidFill>
+          </a:ln>
+        </p:spPr>
+        <p:style>
+          <a:lnRef idx="1">
+            <a:schemeClr val="accent1"/>
+          </a:lnRef>
+          <a:fillRef idx="0">
+            <a:schemeClr val="accent1"/>
+          </a:fillRef>
+          <a:effectRef idx="0">
+            <a:schemeClr val="accent1"/>
+          </a:effectRef>
+          <a:fontRef idx="minor">
+            <a:schemeClr val="tx1"/>
+          </a:fontRef>
+        </p:style>
+        <p:txBody>
+          <a:bodyPr rtlCol="0" anchor="ctr"/>
+          <a:lstStyle/>
+          <a:p>
+            <a:pPr algn="ctr"/>
+            <a:endParaRPr kumimoji="1" lang="ja-JP" altLang="en-US"/>
+          </a:p>
+        </p:txBody>
+      </p:sp>
+      <p:cxnSp>
+        <p:nvCxnSpPr>
+          <p:cNvPr id="21" name="直線コネクタ 20">
+            <a:extLst>
+              <a:ext uri="{FF2B5EF4-FFF2-40B4-BE49-F238E27FC236}">
+                <a16:creationId xmlns:a16="http://schemas.microsoft.com/office/drawing/2014/main" id="{05FDE5C7-CB89-482F-B40B-D1EBF269F5A2}"/>
+              </a:ext>
+            </a:extLst>
+          </p:cNvPr>
+          <p:cNvCxnSpPr>
+            <a:cxnSpLocks/>
+            <a:stCxn id="5" idx="6"/>
+            <a:endCxn id="4" idx="2"/>
+          </p:cNvCxnSpPr>
+          <p:nvPr/>
+        </p:nvCxnSpPr>
+        <p:spPr>
+          <a:xfrm>
+            <a:off x="3258774" y="2634426"/>
+            <a:ext cx="569052" cy="0"/>
+          </a:xfrm>
+          <a:prstGeom prst="line">
+            <a:avLst/>
+          </a:prstGeom>
+          <a:ln w="28575">
+            <a:solidFill>
+              <a:schemeClr val="tx1"/>
+            </a:solidFill>
+          </a:ln>
+        </p:spPr>
+        <p:style>
+          <a:lnRef idx="1">
+            <a:schemeClr val="accent1"/>
+          </a:lnRef>
+          <a:fillRef idx="0">
+            <a:schemeClr val="accent1"/>
+          </a:fillRef>
+          <a:effectRef idx="0">
+            <a:schemeClr val="accent1"/>
+          </a:effectRef>
+          <a:fontRef idx="minor">
+            <a:schemeClr val="tx1"/>
+          </a:fontRef>
+        </p:style>
+      </p:cxnSp>
+      <p:cxnSp>
+        <p:nvCxnSpPr>
+          <p:cNvPr id="23" name="直線コネクタ 22">
+            <a:extLst>
+              <a:ext uri="{FF2B5EF4-FFF2-40B4-BE49-F238E27FC236}">
+                <a16:creationId xmlns:a16="http://schemas.microsoft.com/office/drawing/2014/main" id="{0981F80B-0F42-4303-AE13-A9712E49CE79}"/>
+              </a:ext>
+            </a:extLst>
+          </p:cNvPr>
+          <p:cNvCxnSpPr>
+            <a:cxnSpLocks/>
+            <a:stCxn id="9" idx="0"/>
+            <a:endCxn id="4" idx="4"/>
+          </p:cNvCxnSpPr>
+          <p:nvPr/>
+        </p:nvCxnSpPr>
+        <p:spPr>
+          <a:xfrm flipV="1">
+            <a:off x="4043826" y="2850426"/>
+            <a:ext cx="0" cy="404671"/>
+          </a:xfrm>
+          <a:prstGeom prst="line">
+            <a:avLst/>
+          </a:prstGeom>
+          <a:ln w="28575">
+            <a:solidFill>
+              <a:schemeClr val="tx1"/>
+            </a:solidFill>
+          </a:ln>
+        </p:spPr>
+        <p:style>
+          <a:lnRef idx="1">
+            <a:schemeClr val="accent1"/>
+          </a:lnRef>
+          <a:fillRef idx="0">
+            <a:schemeClr val="accent1"/>
+          </a:fillRef>
+          <a:effectRef idx="0">
+            <a:schemeClr val="accent1"/>
+          </a:effectRef>
+          <a:fontRef idx="minor">
+            <a:schemeClr val="tx1"/>
+          </a:fontRef>
+        </p:style>
+      </p:cxnSp>
+      <p:cxnSp>
+        <p:nvCxnSpPr>
+          <p:cNvPr id="24" name="直線コネクタ 23">
+            <a:extLst>
+              <a:ext uri="{FF2B5EF4-FFF2-40B4-BE49-F238E27FC236}">
+                <a16:creationId xmlns:a16="http://schemas.microsoft.com/office/drawing/2014/main" id="{8084380D-AEF9-4237-8261-93F118D2DCCA}"/>
+              </a:ext>
+            </a:extLst>
+          </p:cNvPr>
+          <p:cNvCxnSpPr>
+            <a:cxnSpLocks/>
+            <a:stCxn id="5" idx="4"/>
+            <a:endCxn id="7" idx="0"/>
+          </p:cNvCxnSpPr>
+          <p:nvPr/>
+        </p:nvCxnSpPr>
+        <p:spPr>
+          <a:xfrm>
+            <a:off x="3042774" y="2850426"/>
+            <a:ext cx="0" cy="404671"/>
+          </a:xfrm>
+          <a:prstGeom prst="line">
+            <a:avLst/>
+          </a:prstGeom>
+          <a:ln w="28575">
+            <a:solidFill>
+              <a:schemeClr val="tx1"/>
+            </a:solidFill>
+          </a:ln>
+        </p:spPr>
+        <p:style>
+          <a:lnRef idx="1">
+            <a:schemeClr val="accent1"/>
+          </a:lnRef>
+          <a:fillRef idx="0">
+            <a:schemeClr val="accent1"/>
+          </a:fillRef>
+          <a:effectRef idx="0">
+            <a:schemeClr val="accent1"/>
+          </a:effectRef>
+          <a:fontRef idx="minor">
+            <a:schemeClr val="tx1"/>
+          </a:fontRef>
+        </p:style>
+      </p:cxnSp>
+      <p:cxnSp>
+        <p:nvCxnSpPr>
+          <p:cNvPr id="25" name="直線コネクタ 24">
+            <a:extLst>
+              <a:ext uri="{FF2B5EF4-FFF2-40B4-BE49-F238E27FC236}">
+                <a16:creationId xmlns:a16="http://schemas.microsoft.com/office/drawing/2014/main" id="{14AB9FD4-3A0D-4A21-83AE-D5FB6AF616D2}"/>
+              </a:ext>
+            </a:extLst>
+          </p:cNvPr>
+          <p:cNvCxnSpPr>
+            <a:cxnSpLocks/>
+            <a:stCxn id="7" idx="6"/>
+            <a:endCxn id="9" idx="2"/>
+          </p:cNvCxnSpPr>
+          <p:nvPr/>
+        </p:nvCxnSpPr>
+        <p:spPr>
+          <a:xfrm>
+            <a:off x="3258774" y="3471097"/>
+            <a:ext cx="569052" cy="0"/>
+          </a:xfrm>
+          <a:prstGeom prst="line">
+            <a:avLst/>
+          </a:prstGeom>
+          <a:ln w="28575">
+            <a:solidFill>
+              <a:schemeClr val="tx1"/>
+            </a:solidFill>
+          </a:ln>
+        </p:spPr>
+        <p:style>
+          <a:lnRef idx="1">
+            <a:schemeClr val="accent1"/>
+          </a:lnRef>
+          <a:fillRef idx="0">
+            <a:schemeClr val="accent1"/>
+          </a:fillRef>
+          <a:effectRef idx="0">
+            <a:schemeClr val="accent1"/>
+          </a:effectRef>
+          <a:fontRef idx="minor">
+            <a:schemeClr val="tx1"/>
+          </a:fontRef>
+        </p:style>
+      </p:cxnSp>
+      <p:cxnSp>
+        <p:nvCxnSpPr>
+          <p:cNvPr id="26" name="直線コネクタ 25">
+            <a:extLst>
+              <a:ext uri="{FF2B5EF4-FFF2-40B4-BE49-F238E27FC236}">
+                <a16:creationId xmlns:a16="http://schemas.microsoft.com/office/drawing/2014/main" id="{010D4F11-4FD4-45D2-A609-CAE6080E2FC5}"/>
+              </a:ext>
+            </a:extLst>
+          </p:cNvPr>
+          <p:cNvCxnSpPr>
+            <a:cxnSpLocks/>
+            <a:stCxn id="9" idx="6"/>
+            <a:endCxn id="10" idx="2"/>
+          </p:cNvCxnSpPr>
+          <p:nvPr/>
+        </p:nvCxnSpPr>
+        <p:spPr>
+          <a:xfrm>
+            <a:off x="4259826" y="3471097"/>
+            <a:ext cx="573039" cy="0"/>
+          </a:xfrm>
+          <a:prstGeom prst="line">
+            <a:avLst/>
+          </a:prstGeom>
+          <a:ln w="28575">
+            <a:solidFill>
+              <a:schemeClr val="tx1"/>
+            </a:solidFill>
+          </a:ln>
+        </p:spPr>
+        <p:style>
+          <a:lnRef idx="1">
+            <a:schemeClr val="accent1"/>
+          </a:lnRef>
+          <a:fillRef idx="0">
+            <a:schemeClr val="accent1"/>
+          </a:fillRef>
+          <a:effectRef idx="0">
+            <a:schemeClr val="accent1"/>
+          </a:effectRef>
+          <a:fontRef idx="minor">
+            <a:schemeClr val="tx1"/>
+          </a:fontRef>
+        </p:style>
+      </p:cxnSp>
+      <p:cxnSp>
+        <p:nvCxnSpPr>
+          <p:cNvPr id="27" name="直線コネクタ 26">
+            <a:extLst>
+              <a:ext uri="{FF2B5EF4-FFF2-40B4-BE49-F238E27FC236}">
+                <a16:creationId xmlns:a16="http://schemas.microsoft.com/office/drawing/2014/main" id="{5833D93F-1E26-4E83-B120-2DA56A32AA14}"/>
+              </a:ext>
+            </a:extLst>
+          </p:cNvPr>
+          <p:cNvCxnSpPr>
+            <a:cxnSpLocks/>
+            <a:stCxn id="11" idx="6"/>
+            <a:endCxn id="13" idx="2"/>
+          </p:cNvCxnSpPr>
+          <p:nvPr/>
+        </p:nvCxnSpPr>
+        <p:spPr>
+          <a:xfrm>
+            <a:off x="3258774" y="4311136"/>
+            <a:ext cx="569052" cy="5535"/>
+          </a:xfrm>
+          <a:prstGeom prst="line">
+            <a:avLst/>
+          </a:prstGeom>
+          <a:ln w="28575">
+            <a:solidFill>
+              <a:schemeClr val="tx1"/>
+            </a:solidFill>
+          </a:ln>
+        </p:spPr>
+        <p:style>
+          <a:lnRef idx="1">
+            <a:schemeClr val="accent1"/>
+          </a:lnRef>
+          <a:fillRef idx="0">
+            <a:schemeClr val="accent1"/>
+          </a:fillRef>
+          <a:effectRef idx="0">
+            <a:schemeClr val="accent1"/>
+          </a:effectRef>
+          <a:fontRef idx="minor">
+            <a:schemeClr val="tx1"/>
+          </a:fontRef>
+        </p:style>
+      </p:cxnSp>
+      <p:cxnSp>
+        <p:nvCxnSpPr>
+          <p:cNvPr id="28" name="直線コネクタ 27">
+            <a:extLst>
+              <a:ext uri="{FF2B5EF4-FFF2-40B4-BE49-F238E27FC236}">
+                <a16:creationId xmlns:a16="http://schemas.microsoft.com/office/drawing/2014/main" id="{5E1D594B-FD55-4F00-920F-5CC5FEBDD2F3}"/>
+              </a:ext>
+            </a:extLst>
+          </p:cNvPr>
+          <p:cNvCxnSpPr>
+            <a:cxnSpLocks/>
+            <a:stCxn id="13" idx="6"/>
+            <a:endCxn id="14" idx="2"/>
+          </p:cNvCxnSpPr>
+          <p:nvPr/>
+        </p:nvCxnSpPr>
+        <p:spPr>
+          <a:xfrm>
+            <a:off x="4259826" y="4316671"/>
+            <a:ext cx="569052" cy="0"/>
+          </a:xfrm>
+          <a:prstGeom prst="line">
+            <a:avLst/>
+          </a:prstGeom>
+          <a:ln w="28575">
+            <a:solidFill>
+              <a:schemeClr val="tx1"/>
+            </a:solidFill>
+          </a:ln>
+        </p:spPr>
+        <p:style>
+          <a:lnRef idx="1">
+            <a:schemeClr val="accent1"/>
+          </a:lnRef>
+          <a:fillRef idx="0">
+            <a:schemeClr val="accent1"/>
+          </a:fillRef>
+          <a:effectRef idx="0">
+            <a:schemeClr val="accent1"/>
+          </a:effectRef>
+          <a:fontRef idx="minor">
+            <a:schemeClr val="tx1"/>
+          </a:fontRef>
+        </p:style>
+      </p:cxnSp>
+      <p:cxnSp>
+        <p:nvCxnSpPr>
+          <p:cNvPr id="29" name="直線コネクタ 28">
+            <a:extLst>
+              <a:ext uri="{FF2B5EF4-FFF2-40B4-BE49-F238E27FC236}">
+                <a16:creationId xmlns:a16="http://schemas.microsoft.com/office/drawing/2014/main" id="{D8AA8264-B7CD-4B83-9F84-6BAA9DD2D71E}"/>
+              </a:ext>
+            </a:extLst>
+          </p:cNvPr>
+          <p:cNvCxnSpPr>
+            <a:cxnSpLocks/>
+            <a:stCxn id="14" idx="6"/>
+            <a:endCxn id="15" idx="2"/>
+          </p:cNvCxnSpPr>
+          <p:nvPr/>
+        </p:nvCxnSpPr>
+        <p:spPr>
+          <a:xfrm>
+            <a:off x="5260878" y="4316671"/>
+            <a:ext cx="578245" cy="2234"/>
+          </a:xfrm>
+          <a:prstGeom prst="line">
+            <a:avLst/>
+          </a:prstGeom>
+          <a:ln w="28575">
+            <a:solidFill>
+              <a:schemeClr val="tx1"/>
+            </a:solidFill>
+          </a:ln>
+        </p:spPr>
+        <p:style>
+          <a:lnRef idx="1">
+            <a:schemeClr val="accent1"/>
+          </a:lnRef>
+          <a:fillRef idx="0">
+            <a:schemeClr val="accent1"/>
+          </a:fillRef>
+          <a:effectRef idx="0">
+            <a:schemeClr val="accent1"/>
+          </a:effectRef>
+          <a:fontRef idx="minor">
+            <a:schemeClr val="tx1"/>
+          </a:fontRef>
+        </p:style>
+      </p:cxnSp>
+      <p:cxnSp>
+        <p:nvCxnSpPr>
+          <p:cNvPr id="30" name="直線コネクタ 29">
+            <a:extLst>
+              <a:ext uri="{FF2B5EF4-FFF2-40B4-BE49-F238E27FC236}">
+                <a16:creationId xmlns:a16="http://schemas.microsoft.com/office/drawing/2014/main" id="{58F1BFCF-031B-4841-9F59-E696D733D51A}"/>
+              </a:ext>
+            </a:extLst>
+          </p:cNvPr>
+          <p:cNvCxnSpPr>
+            <a:cxnSpLocks/>
+            <a:stCxn id="10" idx="6"/>
+            <a:endCxn id="12" idx="2"/>
+          </p:cNvCxnSpPr>
+          <p:nvPr/>
+        </p:nvCxnSpPr>
+        <p:spPr>
+          <a:xfrm>
+            <a:off x="5264865" y="3471097"/>
+            <a:ext cx="569961" cy="14129"/>
+          </a:xfrm>
+          <a:prstGeom prst="line">
+            <a:avLst/>
+          </a:prstGeom>
+          <a:ln w="28575">
+            <a:solidFill>
+              <a:schemeClr val="tx1"/>
+            </a:solidFill>
+          </a:ln>
+        </p:spPr>
+        <p:style>
+          <a:lnRef idx="1">
+            <a:schemeClr val="accent1"/>
+          </a:lnRef>
+          <a:fillRef idx="0">
+            <a:schemeClr val="accent1"/>
+          </a:fillRef>
+          <a:effectRef idx="0">
+            <a:schemeClr val="accent1"/>
+          </a:effectRef>
+          <a:fontRef idx="minor">
+            <a:schemeClr val="tx1"/>
+          </a:fontRef>
+        </p:style>
+      </p:cxnSp>
+      <p:cxnSp>
+        <p:nvCxnSpPr>
+          <p:cNvPr id="31" name="直線コネクタ 30">
+            <a:extLst>
+              <a:ext uri="{FF2B5EF4-FFF2-40B4-BE49-F238E27FC236}">
+                <a16:creationId xmlns:a16="http://schemas.microsoft.com/office/drawing/2014/main" id="{C0FEE6BB-8425-46AA-B405-BA78B4CAC187}"/>
+              </a:ext>
+            </a:extLst>
+          </p:cNvPr>
+          <p:cNvCxnSpPr>
+            <a:cxnSpLocks/>
+            <a:stCxn id="6" idx="6"/>
+            <a:endCxn id="8" idx="2"/>
+          </p:cNvCxnSpPr>
+          <p:nvPr/>
+        </p:nvCxnSpPr>
+        <p:spPr>
+          <a:xfrm flipV="1">
+            <a:off x="5264865" y="2630439"/>
+            <a:ext cx="569961" cy="3987"/>
+          </a:xfrm>
+          <a:prstGeom prst="line">
+            <a:avLst/>
+          </a:prstGeom>
+          <a:ln w="28575">
+            <a:solidFill>
+              <a:schemeClr val="tx1"/>
+            </a:solidFill>
+          </a:ln>
+        </p:spPr>
+        <p:style>
+          <a:lnRef idx="1">
+            <a:schemeClr val="accent1"/>
+          </a:lnRef>
+          <a:fillRef idx="0">
+            <a:schemeClr val="accent1"/>
+          </a:fillRef>
+          <a:effectRef idx="0">
+            <a:schemeClr val="accent1"/>
+          </a:effectRef>
+          <a:fontRef idx="minor">
+            <a:schemeClr val="tx1"/>
+          </a:fontRef>
+        </p:style>
+      </p:cxnSp>
+      <p:cxnSp>
+        <p:nvCxnSpPr>
+          <p:cNvPr id="32" name="直線コネクタ 31">
+            <a:extLst>
+              <a:ext uri="{FF2B5EF4-FFF2-40B4-BE49-F238E27FC236}">
+                <a16:creationId xmlns:a16="http://schemas.microsoft.com/office/drawing/2014/main" id="{699CD2A5-8DE2-4087-A242-3AE746373C62}"/>
+              </a:ext>
+            </a:extLst>
+          </p:cNvPr>
+          <p:cNvCxnSpPr>
+            <a:cxnSpLocks/>
+            <a:stCxn id="6" idx="2"/>
+            <a:endCxn id="4" idx="6"/>
+          </p:cNvCxnSpPr>
+          <p:nvPr/>
+        </p:nvCxnSpPr>
+        <p:spPr>
+          <a:xfrm flipH="1">
+            <a:off x="4259826" y="2634426"/>
+            <a:ext cx="573039" cy="0"/>
+          </a:xfrm>
+          <a:prstGeom prst="line">
+            <a:avLst/>
+          </a:prstGeom>
+          <a:ln w="28575">
+            <a:solidFill>
+              <a:schemeClr val="tx1"/>
+            </a:solidFill>
+          </a:ln>
+        </p:spPr>
+        <p:style>
+          <a:lnRef idx="1">
+            <a:schemeClr val="accent1"/>
+          </a:lnRef>
+          <a:fillRef idx="0">
+            <a:schemeClr val="accent1"/>
+          </a:fillRef>
+          <a:effectRef idx="0">
+            <a:schemeClr val="accent1"/>
+          </a:effectRef>
+          <a:fontRef idx="minor">
+            <a:schemeClr val="tx1"/>
+          </a:fontRef>
+        </p:style>
+      </p:cxnSp>
+      <p:cxnSp>
+        <p:nvCxnSpPr>
+          <p:cNvPr id="53" name="直線コネクタ 52">
+            <a:extLst>
+              <a:ext uri="{FF2B5EF4-FFF2-40B4-BE49-F238E27FC236}">
+                <a16:creationId xmlns:a16="http://schemas.microsoft.com/office/drawing/2014/main" id="{0F4D0C8E-3118-4C31-9A64-46420CB5F89C}"/>
+              </a:ext>
+            </a:extLst>
+          </p:cNvPr>
+          <p:cNvCxnSpPr>
+            <a:cxnSpLocks/>
+            <a:stCxn id="14" idx="4"/>
+            <a:endCxn id="17" idx="0"/>
+          </p:cNvCxnSpPr>
+          <p:nvPr/>
+        </p:nvCxnSpPr>
+        <p:spPr>
+          <a:xfrm>
+            <a:off x="5044878" y="4532671"/>
+            <a:ext cx="0" cy="413574"/>
+          </a:xfrm>
+          <a:prstGeom prst="line">
+            <a:avLst/>
+          </a:prstGeom>
+          <a:ln w="28575">
+            <a:solidFill>
+              <a:schemeClr val="tx1"/>
+            </a:solidFill>
+          </a:ln>
+        </p:spPr>
+        <p:style>
+          <a:lnRef idx="1">
+            <a:schemeClr val="accent1"/>
+          </a:lnRef>
+          <a:fillRef idx="0">
+            <a:schemeClr val="accent1"/>
+          </a:fillRef>
+          <a:effectRef idx="0">
+            <a:schemeClr val="accent1"/>
+          </a:effectRef>
+          <a:fontRef idx="minor">
+            <a:schemeClr val="tx1"/>
+          </a:fontRef>
+        </p:style>
+      </p:cxnSp>
+      <p:cxnSp>
+        <p:nvCxnSpPr>
+          <p:cNvPr id="54" name="直線コネクタ 53">
+            <a:extLst>
+              <a:ext uri="{FF2B5EF4-FFF2-40B4-BE49-F238E27FC236}">
+                <a16:creationId xmlns:a16="http://schemas.microsoft.com/office/drawing/2014/main" id="{EA9C1752-19ED-440E-9F3E-8F78DD44EBF5}"/>
+              </a:ext>
+            </a:extLst>
+          </p:cNvPr>
+          <p:cNvCxnSpPr>
+            <a:cxnSpLocks/>
+            <a:stCxn id="13" idx="4"/>
+            <a:endCxn id="18" idx="0"/>
+          </p:cNvCxnSpPr>
+          <p:nvPr/>
+        </p:nvCxnSpPr>
+        <p:spPr>
+          <a:xfrm>
+            <a:off x="4043826" y="4532671"/>
+            <a:ext cx="0" cy="402504"/>
+          </a:xfrm>
+          <a:prstGeom prst="line">
+            <a:avLst/>
+          </a:prstGeom>
+          <a:ln w="28575">
+            <a:solidFill>
+              <a:schemeClr val="tx1"/>
+            </a:solidFill>
+          </a:ln>
+        </p:spPr>
+        <p:style>
+          <a:lnRef idx="1">
+            <a:schemeClr val="accent1"/>
+          </a:lnRef>
+          <a:fillRef idx="0">
+            <a:schemeClr val="accent1"/>
+          </a:fillRef>
+          <a:effectRef idx="0">
+            <a:schemeClr val="accent1"/>
+          </a:effectRef>
+          <a:fontRef idx="minor">
+            <a:schemeClr val="tx1"/>
+          </a:fontRef>
+        </p:style>
+      </p:cxnSp>
+      <p:cxnSp>
+        <p:nvCxnSpPr>
+          <p:cNvPr id="55" name="直線コネクタ 54">
+            <a:extLst>
+              <a:ext uri="{FF2B5EF4-FFF2-40B4-BE49-F238E27FC236}">
+                <a16:creationId xmlns:a16="http://schemas.microsoft.com/office/drawing/2014/main" id="{3D6C86F6-CEA0-4A38-85D9-986E111C1BEB}"/>
+              </a:ext>
+            </a:extLst>
+          </p:cNvPr>
+          <p:cNvCxnSpPr>
+            <a:cxnSpLocks/>
+            <a:stCxn id="11" idx="4"/>
+            <a:endCxn id="19" idx="0"/>
+          </p:cNvCxnSpPr>
+          <p:nvPr/>
+        </p:nvCxnSpPr>
+        <p:spPr>
+          <a:xfrm>
+            <a:off x="3042774" y="4527136"/>
+            <a:ext cx="0" cy="408039"/>
+          </a:xfrm>
+          <a:prstGeom prst="line">
+            <a:avLst/>
+          </a:prstGeom>
+          <a:ln w="28575">
+            <a:solidFill>
+              <a:schemeClr val="tx1"/>
+            </a:solidFill>
+          </a:ln>
+        </p:spPr>
+        <p:style>
+          <a:lnRef idx="1">
+            <a:schemeClr val="accent1"/>
+          </a:lnRef>
+          <a:fillRef idx="0">
+            <a:schemeClr val="accent1"/>
+          </a:fillRef>
+          <a:effectRef idx="0">
+            <a:schemeClr val="accent1"/>
+          </a:effectRef>
+          <a:fontRef idx="minor">
+            <a:schemeClr val="tx1"/>
+          </a:fontRef>
+        </p:style>
+      </p:cxnSp>
+      <p:cxnSp>
+        <p:nvCxnSpPr>
+          <p:cNvPr id="56" name="直線コネクタ 55">
+            <a:extLst>
+              <a:ext uri="{FF2B5EF4-FFF2-40B4-BE49-F238E27FC236}">
+                <a16:creationId xmlns:a16="http://schemas.microsoft.com/office/drawing/2014/main" id="{8AE9364A-33C6-4C9C-9867-8BC00F3902E9}"/>
+              </a:ext>
+            </a:extLst>
+          </p:cNvPr>
+          <p:cNvCxnSpPr>
+            <a:cxnSpLocks/>
+            <a:stCxn id="11" idx="0"/>
+            <a:endCxn id="7" idx="4"/>
+          </p:cNvCxnSpPr>
+          <p:nvPr/>
+        </p:nvCxnSpPr>
+        <p:spPr>
+          <a:xfrm flipV="1">
+            <a:off x="3042774" y="3687097"/>
+            <a:ext cx="0" cy="408039"/>
+          </a:xfrm>
+          <a:prstGeom prst="line">
+            <a:avLst/>
+          </a:prstGeom>
+          <a:ln w="28575">
+            <a:solidFill>
+              <a:schemeClr val="tx1"/>
+            </a:solidFill>
+          </a:ln>
+        </p:spPr>
+        <p:style>
+          <a:lnRef idx="1">
+            <a:schemeClr val="accent1"/>
+          </a:lnRef>
+          <a:fillRef idx="0">
+            <a:schemeClr val="accent1"/>
+          </a:fillRef>
+          <a:effectRef idx="0">
+            <a:schemeClr val="accent1"/>
+          </a:effectRef>
+          <a:fontRef idx="minor">
+            <a:schemeClr val="tx1"/>
+          </a:fontRef>
+        </p:style>
+      </p:cxnSp>
+      <p:cxnSp>
+        <p:nvCxnSpPr>
+          <p:cNvPr id="57" name="直線コネクタ 56">
+            <a:extLst>
+              <a:ext uri="{FF2B5EF4-FFF2-40B4-BE49-F238E27FC236}">
+                <a16:creationId xmlns:a16="http://schemas.microsoft.com/office/drawing/2014/main" id="{98889C10-DD63-4FF9-8432-57411F2423AA}"/>
+              </a:ext>
+            </a:extLst>
+          </p:cNvPr>
+          <p:cNvCxnSpPr>
+            <a:cxnSpLocks/>
+            <a:stCxn id="13" idx="0"/>
+            <a:endCxn id="9" idx="4"/>
+          </p:cNvCxnSpPr>
+          <p:nvPr/>
+        </p:nvCxnSpPr>
+        <p:spPr>
+          <a:xfrm flipV="1">
+            <a:off x="4043826" y="3687097"/>
+            <a:ext cx="0" cy="413574"/>
+          </a:xfrm>
+          <a:prstGeom prst="line">
+            <a:avLst/>
+          </a:prstGeom>
+          <a:ln w="28575">
+            <a:solidFill>
+              <a:schemeClr val="tx1"/>
+            </a:solidFill>
+          </a:ln>
+        </p:spPr>
+        <p:style>
+          <a:lnRef idx="1">
+            <a:schemeClr val="accent1"/>
+          </a:lnRef>
+          <a:fillRef idx="0">
+            <a:schemeClr val="accent1"/>
+          </a:fillRef>
+          <a:effectRef idx="0">
+            <a:schemeClr val="accent1"/>
+          </a:effectRef>
+          <a:fontRef idx="minor">
+            <a:schemeClr val="tx1"/>
+          </a:fontRef>
+        </p:style>
+      </p:cxnSp>
+      <p:cxnSp>
+        <p:nvCxnSpPr>
+          <p:cNvPr id="58" name="直線コネクタ 57">
+            <a:extLst>
+              <a:ext uri="{FF2B5EF4-FFF2-40B4-BE49-F238E27FC236}">
+                <a16:creationId xmlns:a16="http://schemas.microsoft.com/office/drawing/2014/main" id="{9AE81806-DAA2-4B2C-9AD1-71065FE1018C}"/>
+              </a:ext>
+            </a:extLst>
+          </p:cNvPr>
+          <p:cNvCxnSpPr>
+            <a:cxnSpLocks/>
+            <a:stCxn id="14" idx="0"/>
+            <a:endCxn id="10" idx="4"/>
+          </p:cNvCxnSpPr>
+          <p:nvPr/>
+        </p:nvCxnSpPr>
+        <p:spPr>
+          <a:xfrm flipV="1">
+            <a:off x="5044878" y="3687097"/>
+            <a:ext cx="3987" cy="413574"/>
+          </a:xfrm>
+          <a:prstGeom prst="line">
+            <a:avLst/>
+          </a:prstGeom>
+          <a:ln w="28575">
+            <a:solidFill>
+              <a:schemeClr val="tx1"/>
+            </a:solidFill>
+          </a:ln>
+        </p:spPr>
+        <p:style>
+          <a:lnRef idx="1">
+            <a:schemeClr val="accent1"/>
+          </a:lnRef>
+          <a:fillRef idx="0">
+            <a:schemeClr val="accent1"/>
+          </a:fillRef>
+          <a:effectRef idx="0">
+            <a:schemeClr val="accent1"/>
+          </a:effectRef>
+          <a:fontRef idx="minor">
+            <a:schemeClr val="tx1"/>
+          </a:fontRef>
+        </p:style>
+      </p:cxnSp>
+      <p:cxnSp>
+        <p:nvCxnSpPr>
+          <p:cNvPr id="59" name="直線コネクタ 58">
+            <a:extLst>
+              <a:ext uri="{FF2B5EF4-FFF2-40B4-BE49-F238E27FC236}">
+                <a16:creationId xmlns:a16="http://schemas.microsoft.com/office/drawing/2014/main" id="{39228248-8652-44D4-8D9A-DED7A8C6709B}"/>
+              </a:ext>
+            </a:extLst>
+          </p:cNvPr>
+          <p:cNvCxnSpPr>
+            <a:cxnSpLocks/>
+            <a:stCxn id="15" idx="0"/>
+            <a:endCxn id="12" idx="4"/>
+          </p:cNvCxnSpPr>
+          <p:nvPr/>
+        </p:nvCxnSpPr>
+        <p:spPr>
+          <a:xfrm flipH="1" flipV="1">
+            <a:off x="6050826" y="3701226"/>
+            <a:ext cx="4297" cy="401679"/>
+          </a:xfrm>
+          <a:prstGeom prst="line">
+            <a:avLst/>
+          </a:prstGeom>
+          <a:ln w="28575">
+            <a:solidFill>
+              <a:schemeClr val="tx1"/>
+            </a:solidFill>
+          </a:ln>
+        </p:spPr>
+        <p:style>
+          <a:lnRef idx="1">
+            <a:schemeClr val="accent1"/>
+          </a:lnRef>
+          <a:fillRef idx="0">
+            <a:schemeClr val="accent1"/>
+          </a:fillRef>
+          <a:effectRef idx="0">
+            <a:schemeClr val="accent1"/>
+          </a:effectRef>
+          <a:fontRef idx="minor">
+            <a:schemeClr val="tx1"/>
+          </a:fontRef>
+        </p:style>
+      </p:cxnSp>
+      <p:cxnSp>
+        <p:nvCxnSpPr>
+          <p:cNvPr id="60" name="直線コネクタ 59">
+            <a:extLst>
+              <a:ext uri="{FF2B5EF4-FFF2-40B4-BE49-F238E27FC236}">
+                <a16:creationId xmlns:a16="http://schemas.microsoft.com/office/drawing/2014/main" id="{A3533B05-4ACA-4838-B9F9-DC7CA1212310}"/>
+              </a:ext>
+            </a:extLst>
+          </p:cNvPr>
+          <p:cNvCxnSpPr>
+            <a:cxnSpLocks/>
+            <a:stCxn id="12" idx="0"/>
+            <a:endCxn id="8" idx="4"/>
+          </p:cNvCxnSpPr>
+          <p:nvPr/>
+        </p:nvCxnSpPr>
+        <p:spPr>
+          <a:xfrm flipV="1">
+            <a:off x="6050826" y="2846439"/>
+            <a:ext cx="0" cy="422787"/>
+          </a:xfrm>
+          <a:prstGeom prst="line">
+            <a:avLst/>
+          </a:prstGeom>
+          <a:ln w="28575">
+            <a:solidFill>
+              <a:schemeClr val="tx1"/>
+            </a:solidFill>
+          </a:ln>
+        </p:spPr>
+        <p:style>
+          <a:lnRef idx="1">
+            <a:schemeClr val="accent1"/>
+          </a:lnRef>
+          <a:fillRef idx="0">
+            <a:schemeClr val="accent1"/>
+          </a:fillRef>
+          <a:effectRef idx="0">
+            <a:schemeClr val="accent1"/>
+          </a:effectRef>
+          <a:fontRef idx="minor">
+            <a:schemeClr val="tx1"/>
+          </a:fontRef>
+        </p:style>
+      </p:cxnSp>
+      <p:cxnSp>
+        <p:nvCxnSpPr>
+          <p:cNvPr id="61" name="直線コネクタ 60">
+            <a:extLst>
+              <a:ext uri="{FF2B5EF4-FFF2-40B4-BE49-F238E27FC236}">
+                <a16:creationId xmlns:a16="http://schemas.microsoft.com/office/drawing/2014/main" id="{C412CE2E-C9DC-45DE-9B77-05CC7A30E04B}"/>
+              </a:ext>
+            </a:extLst>
+          </p:cNvPr>
+          <p:cNvCxnSpPr>
+            <a:cxnSpLocks/>
+            <a:stCxn id="10" idx="0"/>
+            <a:endCxn id="6" idx="4"/>
+          </p:cNvCxnSpPr>
+          <p:nvPr/>
+        </p:nvCxnSpPr>
+        <p:spPr>
+          <a:xfrm flipV="1">
+            <a:off x="5048865" y="2850426"/>
+            <a:ext cx="0" cy="404671"/>
+          </a:xfrm>
+          <a:prstGeom prst="line">
+            <a:avLst/>
+          </a:prstGeom>
+          <a:ln w="28575">
+            <a:solidFill>
+              <a:schemeClr val="tx1"/>
+            </a:solidFill>
+          </a:ln>
+        </p:spPr>
+        <p:style>
+          <a:lnRef idx="1">
+            <a:schemeClr val="accent1"/>
+          </a:lnRef>
+          <a:fillRef idx="0">
+            <a:schemeClr val="accent1"/>
+          </a:fillRef>
+          <a:effectRef idx="0">
+            <a:schemeClr val="accent1"/>
+          </a:effectRef>
+          <a:fontRef idx="minor">
+            <a:schemeClr val="tx1"/>
+          </a:fontRef>
+        </p:style>
+      </p:cxnSp>
+      <p:cxnSp>
+        <p:nvCxnSpPr>
+          <p:cNvPr id="80" name="直線コネクタ 79">
+            <a:extLst>
+              <a:ext uri="{FF2B5EF4-FFF2-40B4-BE49-F238E27FC236}">
+                <a16:creationId xmlns:a16="http://schemas.microsoft.com/office/drawing/2014/main" id="{099520DB-6B89-4D26-980A-2F692C192666}"/>
+              </a:ext>
+            </a:extLst>
+          </p:cNvPr>
+          <p:cNvCxnSpPr>
+            <a:cxnSpLocks/>
+            <a:stCxn id="19" idx="6"/>
+            <a:endCxn id="18" idx="2"/>
+          </p:cNvCxnSpPr>
+          <p:nvPr/>
+        </p:nvCxnSpPr>
+        <p:spPr>
+          <a:xfrm>
+            <a:off x="3258774" y="5151175"/>
+            <a:ext cx="569052" cy="0"/>
+          </a:xfrm>
+          <a:prstGeom prst="line">
+            <a:avLst/>
+          </a:prstGeom>
+          <a:ln w="28575">
+            <a:solidFill>
+              <a:schemeClr val="tx1"/>
+            </a:solidFill>
+          </a:ln>
+        </p:spPr>
+        <p:style>
+          <a:lnRef idx="1">
+            <a:schemeClr val="accent1"/>
+          </a:lnRef>
+          <a:fillRef idx="0">
+            <a:schemeClr val="accent1"/>
+          </a:fillRef>
+          <a:effectRef idx="0">
+            <a:schemeClr val="accent1"/>
+          </a:effectRef>
+          <a:fontRef idx="minor">
+            <a:schemeClr val="tx1"/>
+          </a:fontRef>
+        </p:style>
+      </p:cxnSp>
+      <p:cxnSp>
+        <p:nvCxnSpPr>
+          <p:cNvPr id="81" name="直線コネクタ 80">
+            <a:extLst>
+              <a:ext uri="{FF2B5EF4-FFF2-40B4-BE49-F238E27FC236}">
+                <a16:creationId xmlns:a16="http://schemas.microsoft.com/office/drawing/2014/main" id="{B3FC4D55-9562-4986-A261-1D0CA3CA0E8C}"/>
+              </a:ext>
+            </a:extLst>
+          </p:cNvPr>
+          <p:cNvCxnSpPr>
+            <a:cxnSpLocks/>
+            <a:stCxn id="17" idx="2"/>
+            <a:endCxn id="18" idx="6"/>
+          </p:cNvCxnSpPr>
+          <p:nvPr/>
+        </p:nvCxnSpPr>
+        <p:spPr>
+          <a:xfrm flipH="1" flipV="1">
+            <a:off x="4259826" y="5151175"/>
+            <a:ext cx="569052" cy="11070"/>
+          </a:xfrm>
+          <a:prstGeom prst="line">
+            <a:avLst/>
+          </a:prstGeom>
+          <a:ln w="28575">
+            <a:solidFill>
+              <a:schemeClr val="tx1"/>
+            </a:solidFill>
+          </a:ln>
+        </p:spPr>
+        <p:style>
+          <a:lnRef idx="1">
+            <a:schemeClr val="accent1"/>
+          </a:lnRef>
+          <a:fillRef idx="0">
+            <a:schemeClr val="accent1"/>
+          </a:fillRef>
+          <a:effectRef idx="0">
+            <a:schemeClr val="accent1"/>
+          </a:effectRef>
+          <a:fontRef idx="minor">
+            <a:schemeClr val="tx1"/>
+          </a:fontRef>
+        </p:style>
+      </p:cxnSp>
+      <p:cxnSp>
+        <p:nvCxnSpPr>
+          <p:cNvPr id="82" name="直線コネクタ 81">
+            <a:extLst>
+              <a:ext uri="{FF2B5EF4-FFF2-40B4-BE49-F238E27FC236}">
+                <a16:creationId xmlns:a16="http://schemas.microsoft.com/office/drawing/2014/main" id="{F849821A-6B83-44E6-B87E-9573FC54CCF1}"/>
+              </a:ext>
+            </a:extLst>
+          </p:cNvPr>
+          <p:cNvCxnSpPr>
+            <a:cxnSpLocks/>
+            <a:stCxn id="17" idx="6"/>
+            <a:endCxn id="16" idx="2"/>
+          </p:cNvCxnSpPr>
+          <p:nvPr/>
+        </p:nvCxnSpPr>
+        <p:spPr>
+          <a:xfrm>
+            <a:off x="5260878" y="5162245"/>
+            <a:ext cx="578245" cy="0"/>
+          </a:xfrm>
+          <a:prstGeom prst="line">
+            <a:avLst/>
+          </a:prstGeom>
+          <a:ln w="28575">
+            <a:solidFill>
+              <a:schemeClr val="tx1"/>
+            </a:solidFill>
+          </a:ln>
+        </p:spPr>
+        <p:style>
+          <a:lnRef idx="1">
+            <a:schemeClr val="accent1"/>
+          </a:lnRef>
+          <a:fillRef idx="0">
+            <a:schemeClr val="accent1"/>
+          </a:fillRef>
+          <a:effectRef idx="0">
+            <a:schemeClr val="accent1"/>
+          </a:effectRef>
+          <a:fontRef idx="minor">
+            <a:schemeClr val="tx1"/>
+          </a:fontRef>
+        </p:style>
+      </p:cxnSp>
+      <p:cxnSp>
+        <p:nvCxnSpPr>
+          <p:cNvPr id="83" name="直線コネクタ 82">
+            <a:extLst>
+              <a:ext uri="{FF2B5EF4-FFF2-40B4-BE49-F238E27FC236}">
+                <a16:creationId xmlns:a16="http://schemas.microsoft.com/office/drawing/2014/main" id="{3129E9C7-FFE7-40F9-AEB4-627F45314CEB}"/>
+              </a:ext>
+            </a:extLst>
+          </p:cNvPr>
+          <p:cNvCxnSpPr>
+            <a:cxnSpLocks/>
+            <a:stCxn id="15" idx="4"/>
+            <a:endCxn id="16" idx="0"/>
+          </p:cNvCxnSpPr>
+          <p:nvPr/>
+        </p:nvCxnSpPr>
+        <p:spPr>
+          <a:xfrm>
+            <a:off x="6055123" y="4534905"/>
+            <a:ext cx="0" cy="411340"/>
+          </a:xfrm>
+          <a:prstGeom prst="line">
+            <a:avLst/>
+          </a:prstGeom>
+          <a:ln w="28575">
+            <a:solidFill>
+              <a:schemeClr val="tx1"/>
+            </a:solidFill>
+          </a:ln>
+        </p:spPr>
+        <p:style>
+          <a:lnRef idx="1">
+            <a:schemeClr val="accent1"/>
+          </a:lnRef>
+          <a:fillRef idx="0">
+            <a:schemeClr val="accent1"/>
+          </a:fillRef>
+          <a:effectRef idx="0">
+            <a:schemeClr val="accent1"/>
+          </a:effectRef>
+          <a:fontRef idx="minor">
+            <a:schemeClr val="tx1"/>
+          </a:fontRef>
+        </p:style>
+      </p:cxnSp>
+    </p:spTree>
+    <p:extLst>
+      <p:ext uri="{BB962C8B-B14F-4D97-AF65-F5344CB8AC3E}">
+        <p14:creationId xmlns:p14="http://schemas.microsoft.com/office/powerpoint/2010/main" val="1843168693"/>
+      </p:ext>
+    </p:extLst>
+  </p:cSld>
+  <p:clrMapOvr>
+    <a:masterClrMapping/>
+  </p:clrMapOvr>
+</p:sld>
+</file>
+
+<file path=ppt/slides/slide32.xml><?xml version="1.0" encoding="utf-8"?>
+<p:sld xmlns:a="http://schemas.openxmlformats.org/drawingml/2006/main" xmlns:r="http://schemas.openxmlformats.org/officeDocument/2006/relationships" xmlns:p="http://schemas.openxmlformats.org/presentationml/2006/main">
+  <p:cSld>
+    <p:spTree>
+      <p:nvGrpSpPr>
+        <p:cNvPr id="1" name=""/>
+        <p:cNvGrpSpPr/>
+        <p:nvPr/>
+      </p:nvGrpSpPr>
+      <p:grpSpPr>
+        <a:xfrm>
+          <a:off x="0" y="0"/>
+          <a:ext cx="0" cy="0"/>
+          <a:chOff x="0" y="0"/>
+          <a:chExt cx="0" cy="0"/>
+        </a:xfrm>
+      </p:grpSpPr>
+      <p:sp>
+        <p:nvSpPr>
+          <p:cNvPr id="2" name="タイトル 1">
+            <a:extLst>
+              <a:ext uri="{FF2B5EF4-FFF2-40B4-BE49-F238E27FC236}">
+                <a16:creationId xmlns:a16="http://schemas.microsoft.com/office/drawing/2014/main" id="{93CA24B9-E53E-4928-8633-DDD06F26F44B}"/>
+              </a:ext>
+            </a:extLst>
+          </p:cNvPr>
+          <p:cNvSpPr>
+            <a:spLocks noGrp="1"/>
+          </p:cNvSpPr>
+          <p:nvPr>
+            <p:ph type="title"/>
+          </p:nvPr>
+        </p:nvSpPr>
+        <p:spPr/>
+        <p:txBody>
+          <a:bodyPr/>
+          <a:lstStyle/>
+          <a:p>
+            <a:r>
+              <a:rPr kumimoji="1" lang="en-US" altLang="ja-JP" dirty="0"/>
+              <a:t>Vertex cover</a:t>
+            </a:r>
+            <a:endParaRPr kumimoji="1" lang="ja-JP" altLang="en-US" dirty="0"/>
+          </a:p>
+        </p:txBody>
+      </p:sp>
+      <mc:AlternateContent xmlns:mc="http://schemas.openxmlformats.org/markup-compatibility/2006">
+        <mc:Choice xmlns:a14="http://schemas.microsoft.com/office/drawing/2010/main" Requires="a14">
+          <p:sp>
+            <p:nvSpPr>
+              <p:cNvPr id="3" name="コンテンツ プレースホルダー 2">
+                <a:extLst>
+                  <a:ext uri="{FF2B5EF4-FFF2-40B4-BE49-F238E27FC236}">
+                    <a16:creationId xmlns:a16="http://schemas.microsoft.com/office/drawing/2014/main" id="{9BFBBECF-7C72-4ED6-B9B5-5F9F8ED0266C}"/>
+                  </a:ext>
+                </a:extLst>
+              </p:cNvPr>
+              <p:cNvSpPr>
+                <a:spLocks noGrp="1"/>
+              </p:cNvSpPr>
+              <p:nvPr>
+                <p:ph sz="quarter" idx="1"/>
+              </p:nvPr>
+            </p:nvSpPr>
+            <p:spPr/>
+            <p:txBody>
+              <a:bodyPr/>
+              <a:lstStyle/>
+              <a:p>
+                <a:r>
+                  <a:rPr lang="en-US" altLang="ja-JP" dirty="0"/>
+                  <a:t>v</a:t>
+                </a:r>
+                <a:r>
+                  <a:rPr kumimoji="1" lang="en-US" altLang="ja-JP" dirty="0"/>
+                  <a:t>erte</a:t>
+                </a:r>
+                <a:r>
+                  <a:rPr lang="en-US" altLang="ja-JP" dirty="0"/>
+                  <a:t>x cover</a:t>
+                </a:r>
+                <a:r>
+                  <a:rPr lang="ja-JP" altLang="en-US" dirty="0"/>
+                  <a:t>は</a:t>
+                </a:r>
+                <a:r>
+                  <a:rPr lang="en-US" altLang="ja-JP" dirty="0"/>
+                  <a:t>set cover</a:t>
+                </a:r>
+                <a:r>
+                  <a:rPr lang="ja-JP" altLang="en-US" dirty="0"/>
+                  <a:t>の特別なケースなので、</a:t>
+                </a:r>
+                <a:br>
+                  <a:rPr lang="en-US" altLang="ja-JP" dirty="0"/>
+                </a:br>
+                <a:r>
+                  <a:rPr lang="en-US" altLang="ja-JP" dirty="0"/>
+                  <a:t>set cover</a:t>
+                </a:r>
+                <a:r>
+                  <a:rPr lang="ja-JP" altLang="en-US" dirty="0" err="1"/>
+                  <a:t>の近</a:t>
+                </a:r>
+                <a:r>
+                  <a:rPr lang="ja-JP" altLang="en-US" dirty="0"/>
+                  <a:t>似アルゴリズムを用いて近似解を出力できる</a:t>
+                </a:r>
+                <a:endParaRPr lang="en-US" altLang="ja-JP" dirty="0"/>
+              </a:p>
+              <a:p>
+                <a:r>
+                  <a:rPr lang="en-US" altLang="ja-JP" dirty="0"/>
+                  <a:t>set cover</a:t>
+                </a:r>
+              </a:p>
+              <a:p>
+                <a:pPr lvl="1"/>
+                <a:r>
+                  <a:rPr lang="ja-JP" altLang="en-US" dirty="0"/>
+                  <a:t>入力</a:t>
+                </a:r>
+                <a:r>
+                  <a:rPr lang="en-US" altLang="ja-JP" dirty="0"/>
+                  <a:t>:</a:t>
+                </a:r>
+                <a:r>
+                  <a:rPr lang="ja-JP" altLang="en-US" dirty="0"/>
+                  <a:t>集合</a:t>
+                </a:r>
+                <a14:m>
+                  <m:oMath xmlns:m="http://schemas.openxmlformats.org/officeDocument/2006/math">
+                    <m:r>
+                      <a:rPr lang="en-US" altLang="ja-JP" b="0" i="1" smtClean="0">
+                        <a:latin typeface="Cambria Math" panose="02040503050406030204" pitchFamily="18" charset="0"/>
+                      </a:rPr>
+                      <m:t>𝐵</m:t>
+                    </m:r>
+                    <m:r>
+                      <a:rPr lang="ja-JP" altLang="en-US" i="1">
+                        <a:latin typeface="Cambria Math" panose="02040503050406030204" pitchFamily="18" charset="0"/>
+                      </a:rPr>
+                      <m:t>と</m:t>
+                    </m:r>
+                    <m:r>
+                      <a:rPr lang="ja-JP" altLang="en-US" i="1" smtClean="0">
+                        <a:latin typeface="Cambria Math" panose="02040503050406030204" pitchFamily="18" charset="0"/>
+                      </a:rPr>
+                      <m:t>部分集合</m:t>
+                    </m:r>
+                    <m:sSub>
+                      <m:sSubPr>
+                        <m:ctrlPr>
+                          <a:rPr lang="en-US" altLang="ja-JP" i="1" smtClean="0">
+                            <a:latin typeface="Cambria Math" panose="02040503050406030204" pitchFamily="18" charset="0"/>
+                          </a:rPr>
+                        </m:ctrlPr>
+                      </m:sSubPr>
+                      <m:e>
+                        <m:r>
+                          <a:rPr lang="en-US" altLang="ja-JP" b="0" i="1" smtClean="0">
+                            <a:latin typeface="Cambria Math" panose="02040503050406030204" pitchFamily="18" charset="0"/>
+                          </a:rPr>
+                          <m:t>𝑆</m:t>
+                        </m:r>
+                      </m:e>
+                      <m:sub>
+                        <m:r>
+                          <a:rPr lang="en-US" altLang="ja-JP" b="0" i="1" smtClean="0">
+                            <a:latin typeface="Cambria Math" panose="02040503050406030204" pitchFamily="18" charset="0"/>
+                          </a:rPr>
+                          <m:t>1</m:t>
+                        </m:r>
+                      </m:sub>
+                    </m:sSub>
+                    <m:r>
+                      <a:rPr lang="en-US" altLang="ja-JP" b="0" i="1" smtClean="0">
+                        <a:latin typeface="Cambria Math" panose="02040503050406030204" pitchFamily="18" charset="0"/>
+                      </a:rPr>
+                      <m:t>,</m:t>
+                    </m:r>
+                    <m:sSub>
+                      <m:sSubPr>
+                        <m:ctrlPr>
+                          <a:rPr lang="en-US" altLang="ja-JP" i="1">
+                            <a:latin typeface="Cambria Math" panose="02040503050406030204" pitchFamily="18" charset="0"/>
+                          </a:rPr>
+                        </m:ctrlPr>
+                      </m:sSubPr>
+                      <m:e>
+                        <m:r>
+                          <a:rPr lang="en-US" altLang="ja-JP" i="1">
+                            <a:latin typeface="Cambria Math" panose="02040503050406030204" pitchFamily="18" charset="0"/>
+                          </a:rPr>
+                          <m:t>𝑆</m:t>
+                        </m:r>
+                      </m:e>
+                      <m:sub>
+                        <m:r>
+                          <a:rPr lang="en-US" altLang="ja-JP" b="0" i="1" smtClean="0">
+                            <a:latin typeface="Cambria Math" panose="02040503050406030204" pitchFamily="18" charset="0"/>
+                          </a:rPr>
+                          <m:t>2</m:t>
+                        </m:r>
+                      </m:sub>
+                    </m:sSub>
+                    <m:r>
+                      <a:rPr lang="en-US" altLang="ja-JP" b="0" i="1" smtClean="0">
+                        <a:latin typeface="Cambria Math" panose="02040503050406030204" pitchFamily="18" charset="0"/>
+                      </a:rPr>
+                      <m:t>,…,</m:t>
+                    </m:r>
+                    <m:sSub>
+                      <m:sSubPr>
+                        <m:ctrlPr>
+                          <a:rPr lang="en-US" altLang="ja-JP" i="1">
+                            <a:latin typeface="Cambria Math" panose="02040503050406030204" pitchFamily="18" charset="0"/>
+                          </a:rPr>
+                        </m:ctrlPr>
+                      </m:sSubPr>
+                      <m:e>
+                        <m:r>
+                          <a:rPr lang="en-US" altLang="ja-JP" i="1">
+                            <a:latin typeface="Cambria Math" panose="02040503050406030204" pitchFamily="18" charset="0"/>
+                          </a:rPr>
+                          <m:t>𝑆</m:t>
+                        </m:r>
+                      </m:e>
+                      <m:sub>
+                        <m:r>
+                          <a:rPr lang="en-US" altLang="ja-JP" b="0" i="1" smtClean="0">
+                            <a:latin typeface="Cambria Math" panose="02040503050406030204" pitchFamily="18" charset="0"/>
+                          </a:rPr>
+                          <m:t>𝑚</m:t>
+                        </m:r>
+                      </m:sub>
+                    </m:sSub>
+                    <m:r>
+                      <a:rPr lang="en-US" altLang="ja-JP" i="1" smtClean="0">
+                        <a:latin typeface="Cambria Math" panose="02040503050406030204" pitchFamily="18" charset="0"/>
+                        <a:ea typeface="Cambria Math" panose="02040503050406030204" pitchFamily="18" charset="0"/>
+                      </a:rPr>
+                      <m:t>⊆</m:t>
+                    </m:r>
+                    <m:r>
+                      <a:rPr lang="en-US" altLang="ja-JP" b="0" i="1" smtClean="0">
+                        <a:latin typeface="Cambria Math" panose="02040503050406030204" pitchFamily="18" charset="0"/>
+                        <a:ea typeface="Cambria Math" panose="02040503050406030204" pitchFamily="18" charset="0"/>
+                      </a:rPr>
+                      <m:t>𝐵</m:t>
+                    </m:r>
+                  </m:oMath>
+                </a14:m>
+                <a:endParaRPr lang="en-US" altLang="ja-JP" dirty="0"/>
+              </a:p>
+              <a:p>
+                <a:pPr lvl="1"/>
+                <a:r>
+                  <a:rPr lang="ja-JP" altLang="en-US" dirty="0"/>
+                  <a:t>出力</a:t>
+                </a:r>
+                <a:r>
+                  <a:rPr lang="en-US" altLang="ja-JP" dirty="0"/>
+                  <a:t>:</a:t>
+                </a:r>
+                <a14:m>
+                  <m:oMath xmlns:m="http://schemas.openxmlformats.org/officeDocument/2006/math">
+                    <m:r>
+                      <a:rPr lang="en-US" altLang="ja-JP" b="0" i="1" smtClean="0">
+                        <a:latin typeface="Cambria Math" panose="02040503050406030204" pitchFamily="18" charset="0"/>
+                      </a:rPr>
+                      <m:t>𝐵</m:t>
+                    </m:r>
+                  </m:oMath>
+                </a14:m>
+                <a:r>
+                  <a:rPr lang="ja-JP" altLang="en-US" dirty="0"/>
+                  <a:t>の要素を全てカバーできるように</a:t>
+                </a:r>
+                <a14:m>
+                  <m:oMath xmlns:m="http://schemas.openxmlformats.org/officeDocument/2006/math">
+                    <m:sSub>
+                      <m:sSubPr>
+                        <m:ctrlPr>
+                          <a:rPr lang="en-US" altLang="ja-JP" i="1" smtClean="0">
+                            <a:latin typeface="Cambria Math" panose="02040503050406030204" pitchFamily="18" charset="0"/>
+                          </a:rPr>
+                        </m:ctrlPr>
+                      </m:sSubPr>
+                      <m:e>
+                        <m:r>
+                          <a:rPr lang="en-US" altLang="ja-JP" b="0" i="1" smtClean="0">
+                            <a:latin typeface="Cambria Math" panose="02040503050406030204" pitchFamily="18" charset="0"/>
+                          </a:rPr>
+                          <m:t>𝑆</m:t>
+                        </m:r>
+                      </m:e>
+                      <m:sub>
+                        <m:r>
+                          <a:rPr lang="en-US" altLang="ja-JP" b="0" i="1" smtClean="0">
+                            <a:latin typeface="Cambria Math" panose="02040503050406030204" pitchFamily="18" charset="0"/>
+                          </a:rPr>
+                          <m:t>𝑖</m:t>
+                        </m:r>
+                      </m:sub>
+                    </m:sSub>
+                    <m:r>
+                      <a:rPr lang="ja-JP" altLang="en-US" i="1">
+                        <a:latin typeface="Cambria Math" panose="02040503050406030204" pitchFamily="18" charset="0"/>
+                      </a:rPr>
+                      <m:t>を</m:t>
+                    </m:r>
+                  </m:oMath>
+                </a14:m>
+                <a:r>
+                  <a:rPr lang="ja-JP" altLang="en-US" dirty="0"/>
+                  <a:t>いくつか選ぶ</a:t>
+                </a:r>
+                <a:endParaRPr lang="en-US" altLang="ja-JP" dirty="0"/>
+              </a:p>
+              <a:p>
+                <a:pPr lvl="1"/>
+                <a:r>
+                  <a:rPr lang="ja-JP" altLang="en-US" dirty="0"/>
+                  <a:t>目標</a:t>
+                </a:r>
+                <a:r>
+                  <a:rPr lang="en-US" altLang="ja-JP" dirty="0"/>
+                  <a:t>:</a:t>
+                </a:r>
+                <a:r>
+                  <a:rPr lang="ja-JP" altLang="en-US" dirty="0"/>
+                  <a:t>部分集合の数を最小化する</a:t>
+                </a:r>
+                <a:endParaRPr lang="en-US" altLang="ja-JP" dirty="0"/>
+              </a:p>
+              <a:p>
+                <a:r>
+                  <a:rPr lang="ja-JP" altLang="en-US" dirty="0"/>
+                  <a:t>例えば、</a:t>
+                </a:r>
+                <a:r>
+                  <a:rPr lang="en-US" altLang="ja-JP" dirty="0"/>
+                  <a:t>greedy</a:t>
+                </a:r>
+                <a:r>
+                  <a:rPr lang="ja-JP" altLang="en-US" dirty="0"/>
+                  <a:t>による近似アルゴリズム</a:t>
+                </a:r>
+                <a:endParaRPr lang="en-US" altLang="ja-JP" dirty="0"/>
+              </a:p>
+              <a:p>
+                <a:pPr lvl="1"/>
+                <a:r>
+                  <a:rPr lang="ja-JP" altLang="en-US" dirty="0"/>
+                  <a:t>次数の多い頂点を</a:t>
+                </a:r>
+                <a:r>
+                  <a:rPr lang="en-US" altLang="ja-JP" dirty="0"/>
+                  <a:t>1</a:t>
+                </a:r>
+                <a:r>
+                  <a:rPr lang="ja-JP" altLang="en-US" dirty="0"/>
+                  <a:t>つ選んで、その頂点と頂点に接している辺を取り除くことを繰り返す</a:t>
+                </a:r>
+                <a:r>
+                  <a:rPr lang="en-US" altLang="ja-JP" dirty="0"/>
+                  <a:t>(</a:t>
+                </a:r>
+                <a:r>
+                  <a:rPr lang="ja-JP" altLang="en-US" dirty="0"/>
+                  <a:t>辺がなくなったら停止</a:t>
+                </a:r>
+                <a:r>
+                  <a:rPr lang="en-US" altLang="ja-JP" dirty="0"/>
+                  <a:t>)</a:t>
+                </a:r>
+              </a:p>
+            </p:txBody>
+          </p:sp>
+        </mc:Choice>
+        <mc:Fallback>
+          <p:sp>
+            <p:nvSpPr>
+              <p:cNvPr id="3" name="コンテンツ プレースホルダー 2">
+                <a:extLst>
+                  <a:ext uri="{FF2B5EF4-FFF2-40B4-BE49-F238E27FC236}">
+                    <a16:creationId xmlns:a16="http://schemas.microsoft.com/office/drawing/2014/main" id="{9BFBBECF-7C72-4ED6-B9B5-5F9F8ED0266C}"/>
+                  </a:ext>
+                </a:extLst>
+              </p:cNvPr>
+              <p:cNvSpPr>
+                <a:spLocks noGrp="1" noRot="1" noChangeAspect="1" noMove="1" noResize="1" noEditPoints="1" noAdjustHandles="1" noChangeArrowheads="1" noChangeShapeType="1" noTextEdit="1"/>
+              </p:cNvSpPr>
+              <p:nvPr>
+                <p:ph sz="quarter" idx="1"/>
+              </p:nvPr>
+            </p:nvSpPr>
+            <p:spPr>
+              <a:blipFill>
+                <a:blip r:embed="rId3"/>
+                <a:stretch>
+                  <a:fillRect l="-139" t="-928" r="-277"/>
+                </a:stretch>
+              </a:blipFill>
+            </p:spPr>
+            <p:txBody>
+              <a:bodyPr/>
+              <a:lstStyle/>
+              <a:p>
+                <a:r>
+                  <a:rPr lang="ja-JP" altLang="en-US">
+                    <a:noFill/>
+                  </a:rPr>
+                  <a:t> </a:t>
+                </a:r>
+              </a:p>
+            </p:txBody>
+          </p:sp>
+        </mc:Fallback>
+      </mc:AlternateContent>
+    </p:spTree>
+    <p:extLst>
+      <p:ext uri="{BB962C8B-B14F-4D97-AF65-F5344CB8AC3E}">
+        <p14:creationId xmlns:p14="http://schemas.microsoft.com/office/powerpoint/2010/main" val="4175825270"/>
+      </p:ext>
+    </p:extLst>
+  </p:cSld>
+  <p:clrMapOvr>
+    <a:masterClrMapping/>
+  </p:clrMapOvr>
+</p:sld>
+</file>
+
+<file path=ppt/slides/slide33.xml><?xml version="1.0" encoding="utf-8"?>
+<p:sld xmlns:a="http://schemas.openxmlformats.org/drawingml/2006/main" xmlns:r="http://schemas.openxmlformats.org/officeDocument/2006/relationships" xmlns:p="http://schemas.openxmlformats.org/presentationml/2006/main">
+  <p:cSld>
+    <p:spTree>
+      <p:nvGrpSpPr>
+        <p:cNvPr id="1" name=""/>
+        <p:cNvGrpSpPr/>
+        <p:nvPr/>
+      </p:nvGrpSpPr>
+      <p:grpSpPr>
+        <a:xfrm>
+          <a:off x="0" y="0"/>
+          <a:ext cx="0" cy="0"/>
+          <a:chOff x="0" y="0"/>
+          <a:chExt cx="0" cy="0"/>
+        </a:xfrm>
+      </p:grpSpPr>
+      <p:sp>
+        <p:nvSpPr>
+          <p:cNvPr id="2" name="タイトル 1">
+            <a:extLst>
+              <a:ext uri="{FF2B5EF4-FFF2-40B4-BE49-F238E27FC236}">
+                <a16:creationId xmlns:a16="http://schemas.microsoft.com/office/drawing/2014/main" id="{3FE6C02C-A062-4746-9D50-18EA25D3D7C2}"/>
+              </a:ext>
+            </a:extLst>
+          </p:cNvPr>
+          <p:cNvSpPr>
+            <a:spLocks noGrp="1"/>
+          </p:cNvSpPr>
+          <p:nvPr>
+            <p:ph type="title"/>
+          </p:nvPr>
+        </p:nvSpPr>
+        <p:spPr/>
+        <p:txBody>
+          <a:bodyPr/>
+          <a:lstStyle/>
+          <a:p>
+            <a:r>
+              <a:rPr kumimoji="1" lang="en-US" altLang="ja-JP" dirty="0"/>
+              <a:t>Vertex cover</a:t>
+            </a:r>
+            <a:endParaRPr kumimoji="1" lang="ja-JP" altLang="en-US" dirty="0"/>
+          </a:p>
+        </p:txBody>
+      </p:sp>
+      <mc:AlternateContent xmlns:mc="http://schemas.openxmlformats.org/markup-compatibility/2006">
+        <mc:Choice xmlns:a14="http://schemas.microsoft.com/office/drawing/2010/main" Requires="a14">
+          <p:sp>
+            <p:nvSpPr>
+              <p:cNvPr id="3" name="コンテンツ プレースホルダー 2">
+                <a:extLst>
+                  <a:ext uri="{FF2B5EF4-FFF2-40B4-BE49-F238E27FC236}">
+                    <a16:creationId xmlns:a16="http://schemas.microsoft.com/office/drawing/2014/main" id="{0D202C50-23BA-4B9B-B569-8B641C75D7B4}"/>
+                  </a:ext>
+                </a:extLst>
+              </p:cNvPr>
+              <p:cNvSpPr>
+                <a:spLocks noGrp="1"/>
+              </p:cNvSpPr>
+              <p:nvPr>
+                <p:ph sz="quarter" idx="1"/>
+              </p:nvPr>
+            </p:nvSpPr>
+            <p:spPr/>
+            <p:txBody>
+              <a:bodyPr/>
+              <a:lstStyle/>
+              <a:p>
+                <a:r>
+                  <a:rPr lang="en-US" altLang="ja-JP" dirty="0"/>
+                  <a:t>greedy</a:t>
+                </a:r>
+                <a:r>
+                  <a:rPr lang="ja-JP" altLang="en-US" dirty="0"/>
+                  <a:t>による近似アルゴリズムの近似性能は</a:t>
+                </a:r>
+                <a14:m>
+                  <m:oMath xmlns:m="http://schemas.openxmlformats.org/officeDocument/2006/math">
+                    <m:r>
+                      <a:rPr lang="en-US" altLang="ja-JP" b="0" i="1" smtClean="0">
+                        <a:latin typeface="Cambria Math" panose="02040503050406030204" pitchFamily="18" charset="0"/>
+                      </a:rPr>
+                      <m:t>𝑂</m:t>
+                    </m:r>
+                    <m:r>
+                      <a:rPr lang="en-US" altLang="ja-JP" b="0" i="1" smtClean="0">
+                        <a:latin typeface="Cambria Math" panose="02040503050406030204" pitchFamily="18" charset="0"/>
+                      </a:rPr>
+                      <m:t>(</m:t>
+                    </m:r>
+                    <m:func>
+                      <m:funcPr>
+                        <m:ctrlPr>
+                          <a:rPr lang="en-US" altLang="ja-JP" b="0" i="1" smtClean="0">
+                            <a:latin typeface="Cambria Math" panose="02040503050406030204" pitchFamily="18" charset="0"/>
+                          </a:rPr>
+                        </m:ctrlPr>
+                      </m:funcPr>
+                      <m:fName>
+                        <m:r>
+                          <m:rPr>
+                            <m:sty m:val="p"/>
+                          </m:rPr>
+                          <a:rPr lang="en-US" altLang="ja-JP" b="0" i="0" smtClean="0">
+                            <a:latin typeface="Cambria Math" panose="02040503050406030204" pitchFamily="18" charset="0"/>
+                          </a:rPr>
+                          <m:t>log</m:t>
+                        </m:r>
+                      </m:fName>
+                      <m:e>
+                        <m:r>
+                          <a:rPr lang="en-US" altLang="ja-JP" b="0" i="1" smtClean="0">
+                            <a:latin typeface="Cambria Math" panose="02040503050406030204" pitchFamily="18" charset="0"/>
+                          </a:rPr>
+                          <m:t>𝑛</m:t>
+                        </m:r>
+                        <m:r>
+                          <a:rPr lang="en-US" altLang="ja-JP" b="0" i="1" smtClean="0">
+                            <a:latin typeface="Cambria Math" panose="02040503050406030204" pitchFamily="18" charset="0"/>
+                          </a:rPr>
+                          <m:t>)</m:t>
+                        </m:r>
+                      </m:e>
+                    </m:func>
+                  </m:oMath>
+                </a14:m>
+                <a:endParaRPr lang="en-US" altLang="ja-JP" dirty="0"/>
+              </a:p>
+              <a:p>
+                <a:pPr lvl="1"/>
+                <a:r>
+                  <a:rPr lang="en-US" altLang="ja-JP" dirty="0"/>
+                  <a:t>vertex cover</a:t>
+                </a:r>
+                <a:r>
+                  <a:rPr lang="ja-JP" altLang="en-US" dirty="0" err="1"/>
+                  <a:t>にも</a:t>
+                </a:r>
+                <a:r>
+                  <a:rPr lang="ja-JP" altLang="en-US" dirty="0"/>
+                  <a:t>同様に動作する</a:t>
+                </a:r>
+                <a:endParaRPr lang="en-US" altLang="ja-JP" dirty="0"/>
+              </a:p>
+              <a:p>
+                <a:r>
+                  <a:rPr lang="en-US" altLang="ja-JP" dirty="0"/>
+                  <a:t>v</a:t>
+                </a:r>
+                <a:r>
+                  <a:rPr kumimoji="1" lang="en-US" altLang="ja-JP" dirty="0"/>
+                  <a:t>ertex cover</a:t>
+                </a:r>
+                <a:r>
+                  <a:rPr kumimoji="1" lang="ja-JP" altLang="en-US" dirty="0"/>
+                  <a:t>に対するより良い近似アルゴリズム</a:t>
+                </a:r>
+                <a:endParaRPr kumimoji="1" lang="en-US" altLang="ja-JP" dirty="0"/>
+              </a:p>
+              <a:p>
+                <a:pPr lvl="1"/>
+                <a:r>
+                  <a:rPr lang="ja-JP" altLang="en-US" dirty="0"/>
+                  <a:t>共通の頂点を持たない辺の部分集合であるマッチングの</a:t>
+                </a:r>
+                <a:br>
+                  <a:rPr lang="en-US" altLang="ja-JP" dirty="0"/>
+                </a:br>
+                <a:r>
+                  <a:rPr lang="ja-JP" altLang="en-US" dirty="0"/>
+                  <a:t>概念に基づく</a:t>
+                </a:r>
+                <a:endParaRPr lang="en-US" altLang="ja-JP" dirty="0"/>
+              </a:p>
+              <a:p>
+                <a:r>
+                  <a:rPr kumimoji="1" lang="ja-JP" altLang="en-US" dirty="0"/>
+                  <a:t>どの辺も追加することが出来なくなったらマッチングは</a:t>
+                </a:r>
+                <a:br>
+                  <a:rPr kumimoji="1" lang="en-US" altLang="ja-JP" dirty="0"/>
+                </a:br>
+                <a:r>
+                  <a:rPr kumimoji="1" lang="ja-JP" altLang="en-US" dirty="0"/>
+                  <a:t>最大</a:t>
+                </a:r>
+                <a:endParaRPr kumimoji="1" lang="en-US" altLang="ja-JP" dirty="0"/>
+              </a:p>
+              <a:p>
+                <a:endParaRPr kumimoji="1" lang="en-US" altLang="ja-JP" dirty="0"/>
+              </a:p>
+            </p:txBody>
+          </p:sp>
+        </mc:Choice>
+        <mc:Fallback>
+          <p:sp>
+            <p:nvSpPr>
+              <p:cNvPr id="3" name="コンテンツ プレースホルダー 2">
+                <a:extLst>
+                  <a:ext uri="{FF2B5EF4-FFF2-40B4-BE49-F238E27FC236}">
+                    <a16:creationId xmlns:a16="http://schemas.microsoft.com/office/drawing/2014/main" id="{0D202C50-23BA-4B9B-B569-8B641C75D7B4}"/>
+                  </a:ext>
+                </a:extLst>
+              </p:cNvPr>
+              <p:cNvSpPr>
+                <a:spLocks noGrp="1" noRot="1" noChangeAspect="1" noMove="1" noResize="1" noEditPoints="1" noAdjustHandles="1" noChangeArrowheads="1" noChangeShapeType="1" noTextEdit="1"/>
+              </p:cNvSpPr>
+              <p:nvPr>
+                <p:ph sz="quarter" idx="1"/>
+              </p:nvPr>
+            </p:nvSpPr>
+            <p:spPr>
+              <a:blipFill>
+                <a:blip r:embed="rId2"/>
+                <a:stretch>
+                  <a:fillRect l="-139" t="-696"/>
+                </a:stretch>
+              </a:blipFill>
+            </p:spPr>
+            <p:txBody>
+              <a:bodyPr/>
+              <a:lstStyle/>
+              <a:p>
+                <a:r>
+                  <a:rPr lang="ja-JP" altLang="en-US">
+                    <a:noFill/>
+                  </a:rPr>
+                  <a:t> </a:t>
+                </a:r>
+              </a:p>
+            </p:txBody>
+          </p:sp>
+        </mc:Fallback>
+      </mc:AlternateContent>
+    </p:spTree>
+    <p:extLst>
+      <p:ext uri="{BB962C8B-B14F-4D97-AF65-F5344CB8AC3E}">
+        <p14:creationId xmlns:p14="http://schemas.microsoft.com/office/powerpoint/2010/main" val="1429065104"/>
+      </p:ext>
+    </p:extLst>
+  </p:cSld>
+  <p:clrMapOvr>
+    <a:masterClrMapping/>
+  </p:clrMapOvr>
+</p:sld>
+</file>
+
+<file path=ppt/slides/slide34.xml><?xml version="1.0" encoding="utf-8"?>
+<p:sld xmlns:a="http://schemas.openxmlformats.org/drawingml/2006/main" xmlns:r="http://schemas.openxmlformats.org/officeDocument/2006/relationships" xmlns:p="http://schemas.openxmlformats.org/presentationml/2006/main">
+  <p:cSld>
+    <p:spTree>
+      <p:nvGrpSpPr>
+        <p:cNvPr id="1" name=""/>
+        <p:cNvGrpSpPr/>
+        <p:nvPr/>
+      </p:nvGrpSpPr>
+      <p:grpSpPr>
+        <a:xfrm>
+          <a:off x="0" y="0"/>
+          <a:ext cx="0" cy="0"/>
+          <a:chOff x="0" y="0"/>
+          <a:chExt cx="0" cy="0"/>
+        </a:xfrm>
+      </p:grpSpPr>
+      <p:sp>
+        <p:nvSpPr>
+          <p:cNvPr id="2" name="タイトル 1">
+            <a:extLst>
+              <a:ext uri="{FF2B5EF4-FFF2-40B4-BE49-F238E27FC236}">
+                <a16:creationId xmlns:a16="http://schemas.microsoft.com/office/drawing/2014/main" id="{8725AC08-AA6E-44B7-BC9B-D57ECC397415}"/>
+              </a:ext>
+            </a:extLst>
+          </p:cNvPr>
+          <p:cNvSpPr>
+            <a:spLocks noGrp="1"/>
+          </p:cNvSpPr>
+          <p:nvPr>
+            <p:ph type="title"/>
+          </p:nvPr>
+        </p:nvSpPr>
+        <p:spPr/>
+        <p:txBody>
+          <a:bodyPr/>
+          <a:lstStyle/>
+          <a:p>
+            <a:r>
+              <a:rPr kumimoji="1" lang="en-US" altLang="ja-JP" dirty="0"/>
+              <a:t>Vertex cover</a:t>
+            </a:r>
+            <a:endParaRPr kumimoji="1" lang="ja-JP" altLang="en-US" dirty="0"/>
+          </a:p>
+        </p:txBody>
+      </p:sp>
+      <p:sp>
+        <p:nvSpPr>
+          <p:cNvPr id="3" name="コンテンツ プレースホルダー 2">
+            <a:extLst>
+              <a:ext uri="{FF2B5EF4-FFF2-40B4-BE49-F238E27FC236}">
+                <a16:creationId xmlns:a16="http://schemas.microsoft.com/office/drawing/2014/main" id="{0E475A3E-28CF-48F3-ACAF-68C819D7A676}"/>
+              </a:ext>
+            </a:extLst>
+          </p:cNvPr>
+          <p:cNvSpPr>
+            <a:spLocks noGrp="1"/>
+          </p:cNvSpPr>
+          <p:nvPr>
+            <p:ph sz="quarter" idx="1"/>
+          </p:nvPr>
+        </p:nvSpPr>
+        <p:spPr/>
+        <p:txBody>
+          <a:bodyPr/>
+          <a:lstStyle/>
+          <a:p>
+            <a:r>
+              <a:rPr lang="ja-JP" altLang="en-US" dirty="0"/>
+              <a:t>極大マッチングは良い</a:t>
+            </a:r>
+            <a:r>
+              <a:rPr lang="en-US" altLang="ja-JP" dirty="0"/>
+              <a:t>vertex cover</a:t>
+            </a:r>
+            <a:r>
+              <a:rPr lang="ja-JP" altLang="en-US" dirty="0"/>
+              <a:t>を見つけてくれて、</a:t>
+            </a:r>
+            <a:br>
+              <a:rPr lang="en-US" altLang="ja-JP" dirty="0"/>
+            </a:br>
+            <a:r>
+              <a:rPr lang="ja-JP" altLang="en-US" dirty="0"/>
+              <a:t>実装するのが簡単</a:t>
+            </a:r>
+            <a:endParaRPr lang="en-US" altLang="ja-JP" dirty="0"/>
+          </a:p>
+          <a:p>
+            <a:pPr lvl="1"/>
+            <a:r>
+              <a:rPr lang="ja-JP" altLang="en-US" dirty="0"/>
+              <a:t>既に選択されている辺と共通する頂点を持たないような</a:t>
+            </a:r>
+            <a:br>
+              <a:rPr lang="en-US" altLang="ja-JP" dirty="0"/>
+            </a:br>
+            <a:r>
+              <a:rPr lang="ja-JP" altLang="en-US" dirty="0"/>
+              <a:t>辺を選択する</a:t>
+            </a:r>
+            <a:r>
+              <a:rPr lang="en-US" altLang="ja-JP" dirty="0"/>
+              <a:t>(</a:t>
+            </a:r>
+            <a:r>
+              <a:rPr lang="ja-JP" altLang="en-US" dirty="0"/>
+              <a:t>これを出来なくなるまで繰り返す</a:t>
+            </a:r>
+            <a:r>
+              <a:rPr lang="en-US" altLang="ja-JP" dirty="0"/>
+              <a:t>)</a:t>
+            </a:r>
+          </a:p>
+        </p:txBody>
+      </p:sp>
+      <p:pic>
+        <p:nvPicPr>
+          <p:cNvPr id="5" name="図 4">
+            <a:extLst>
+              <a:ext uri="{FF2B5EF4-FFF2-40B4-BE49-F238E27FC236}">
+                <a16:creationId xmlns:a16="http://schemas.microsoft.com/office/drawing/2014/main" id="{E270D370-9C53-4384-8D2B-4359485F5F31}"/>
+              </a:ext>
+            </a:extLst>
+          </p:cNvPr>
+          <p:cNvPicPr>
+            <a:picLocks noChangeAspect="1"/>
+          </p:cNvPicPr>
+          <p:nvPr/>
+        </p:nvPicPr>
+        <p:blipFill rotWithShape="1">
+          <a:blip r:embed="rId2">
+            <a:extLst>
+              <a:ext uri="{28A0092B-C50C-407E-A947-70E740481C1C}">
+                <a14:useLocalDpi xmlns:a14="http://schemas.microsoft.com/office/drawing/2010/main" val="0"/>
+              </a:ext>
+            </a:extLst>
+          </a:blip>
+          <a:srcRect l="968" t="18315" r="966" b="26439"/>
+          <a:stretch/>
+        </p:blipFill>
+        <p:spPr>
+          <a:xfrm>
+            <a:off x="83574" y="3275190"/>
+            <a:ext cx="8976852" cy="2841524"/>
+          </a:xfrm>
+          <a:prstGeom prst="rect">
+            <a:avLst/>
+          </a:prstGeom>
+        </p:spPr>
+      </p:pic>
+    </p:spTree>
+    <p:extLst>
+      <p:ext uri="{BB962C8B-B14F-4D97-AF65-F5344CB8AC3E}">
+        <p14:creationId xmlns:p14="http://schemas.microsoft.com/office/powerpoint/2010/main" val="3753949252"/>
+      </p:ext>
+    </p:extLst>
+  </p:cSld>
+  <p:clrMapOvr>
+    <a:masterClrMapping/>
+  </p:clrMapOvr>
+</p:sld>
+</file>
+
+<file path=ppt/slides/slide35.xml><?xml version="1.0" encoding="utf-8"?>
+<p:sld xmlns:a="http://schemas.openxmlformats.org/drawingml/2006/main" xmlns:r="http://schemas.openxmlformats.org/officeDocument/2006/relationships" xmlns:p="http://schemas.openxmlformats.org/presentationml/2006/main">
+  <p:cSld>
+    <p:spTree>
+      <p:nvGrpSpPr>
+        <p:cNvPr id="1" name=""/>
+        <p:cNvGrpSpPr/>
+        <p:nvPr/>
+      </p:nvGrpSpPr>
+      <p:grpSpPr>
+        <a:xfrm>
+          <a:off x="0" y="0"/>
+          <a:ext cx="0" cy="0"/>
+          <a:chOff x="0" y="0"/>
+          <a:chExt cx="0" cy="0"/>
+        </a:xfrm>
+      </p:grpSpPr>
+      <p:sp>
+        <p:nvSpPr>
+          <p:cNvPr id="2" name="タイトル 1">
+            <a:extLst>
+              <a:ext uri="{FF2B5EF4-FFF2-40B4-BE49-F238E27FC236}">
+                <a16:creationId xmlns:a16="http://schemas.microsoft.com/office/drawing/2014/main" id="{6A38162A-1F3B-44BC-8D48-042EA1763579}"/>
+              </a:ext>
+            </a:extLst>
+          </p:cNvPr>
+          <p:cNvSpPr>
+            <a:spLocks noGrp="1"/>
+          </p:cNvSpPr>
+          <p:nvPr>
+            <p:ph type="title"/>
+          </p:nvPr>
+        </p:nvSpPr>
+        <p:spPr/>
+        <p:txBody>
+          <a:bodyPr/>
+          <a:lstStyle/>
+          <a:p>
+            <a:r>
+              <a:rPr kumimoji="1" lang="en-US" altLang="ja-JP" dirty="0"/>
+              <a:t>Vertex cover</a:t>
+            </a:r>
+            <a:endParaRPr kumimoji="1" lang="ja-JP" altLang="en-US" dirty="0"/>
+          </a:p>
+        </p:txBody>
+      </p:sp>
+      <p:sp>
+        <p:nvSpPr>
+          <p:cNvPr id="3" name="コンテンツ プレースホルダー 2">
+            <a:extLst>
+              <a:ext uri="{FF2B5EF4-FFF2-40B4-BE49-F238E27FC236}">
+                <a16:creationId xmlns:a16="http://schemas.microsoft.com/office/drawing/2014/main" id="{CCAE2BD7-C42B-4AE2-97C0-DA9263EF3BA7}"/>
+              </a:ext>
+            </a:extLst>
+          </p:cNvPr>
+          <p:cNvSpPr>
+            <a:spLocks noGrp="1"/>
+          </p:cNvSpPr>
+          <p:nvPr>
+            <p:ph sz="quarter" idx="1"/>
+          </p:nvPr>
+        </p:nvSpPr>
+        <p:spPr/>
+        <p:txBody>
+          <a:bodyPr/>
+          <a:lstStyle/>
+          <a:p>
+            <a:r>
+              <a:rPr kumimoji="1" lang="ja-JP" altLang="en-US" dirty="0"/>
+              <a:t>マッチングと</a:t>
+            </a:r>
+            <a:r>
+              <a:rPr kumimoji="1" lang="en-US" altLang="ja-JP" dirty="0"/>
+              <a:t>vertex cover</a:t>
+            </a:r>
+            <a:r>
+              <a:rPr lang="ja-JP" altLang="en-US" dirty="0"/>
+              <a:t>との関係</a:t>
+            </a:r>
+            <a:endParaRPr lang="en-US" altLang="ja-JP" dirty="0"/>
+          </a:p>
+          <a:p>
+            <a:pPr lvl="1"/>
+            <a:r>
+              <a:rPr lang="ja-JP" altLang="en-US" dirty="0"/>
+              <a:t>少なくとも</a:t>
+            </a:r>
+            <a:r>
+              <a:rPr lang="en-US" altLang="ja-JP" dirty="0"/>
+              <a:t>vertex cover</a:t>
+            </a:r>
+            <a:r>
+              <a:rPr lang="ja-JP" altLang="en-US" dirty="0"/>
+              <a:t>は極大マッチングでの辺の数と同じだけなければいけない</a:t>
+            </a:r>
+            <a:endParaRPr lang="en-US" altLang="ja-JP" dirty="0"/>
+          </a:p>
+          <a:p>
+            <a:pPr lvl="2"/>
+            <a:r>
+              <a:rPr lang="ja-JP" altLang="en-US" dirty="0"/>
+              <a:t>極大マッチングでの辺はその辺の端点</a:t>
+            </a:r>
+            <a:r>
+              <a:rPr lang="en-US" altLang="ja-JP" dirty="0"/>
+              <a:t>(</a:t>
+            </a:r>
+            <a:r>
+              <a:rPr lang="ja-JP" altLang="en-US" dirty="0"/>
+              <a:t>頂点</a:t>
+            </a:r>
+            <a:r>
+              <a:rPr lang="en-US" altLang="ja-JP" dirty="0"/>
+              <a:t>)</a:t>
+            </a:r>
+            <a:r>
+              <a:rPr lang="ja-JP" altLang="en-US" dirty="0"/>
+              <a:t>の一つに被覆される</a:t>
+            </a:r>
+            <a:br>
+              <a:rPr lang="en-US" altLang="ja-JP" dirty="0"/>
+            </a:br>
+            <a:r>
+              <a:rPr lang="ja-JP" altLang="en-US" dirty="0"/>
+              <a:t>から</a:t>
+            </a:r>
+            <a:endParaRPr lang="en-US" altLang="ja-JP" dirty="0"/>
+          </a:p>
+          <a:p>
+            <a:pPr lvl="1"/>
+            <a:r>
+              <a:rPr lang="ja-JP" altLang="en-US" dirty="0"/>
+              <a:t>これはマッチングが</a:t>
+            </a:r>
+            <a:r>
+              <a:rPr lang="en-US" altLang="ja-JP" dirty="0"/>
+              <a:t>vertex cover</a:t>
+            </a:r>
+            <a:r>
+              <a:rPr lang="ja-JP" altLang="en-US" dirty="0"/>
+              <a:t>の最適解の下界を</a:t>
+            </a:r>
+            <a:br>
+              <a:rPr lang="en-US" altLang="ja-JP" dirty="0"/>
+            </a:br>
+            <a:r>
+              <a:rPr lang="ja-JP" altLang="en-US" dirty="0"/>
+              <a:t>求めてくれていることになる</a:t>
+            </a:r>
+            <a:endParaRPr lang="en-US" altLang="ja-JP" dirty="0"/>
+          </a:p>
+          <a:p>
+            <a:r>
+              <a:rPr lang="en-US" altLang="ja-JP" dirty="0"/>
+              <a:t>NP</a:t>
+            </a:r>
+            <a:r>
+              <a:rPr lang="ja-JP" altLang="en-US" dirty="0"/>
+              <a:t>完全な問題に対する近似アルゴリズムの完成度を比較できるので、下界が求まることは重要なステップの一つ</a:t>
+            </a:r>
+            <a:endParaRPr lang="en-US" altLang="ja-JP" dirty="0"/>
+          </a:p>
+        </p:txBody>
+      </p:sp>
+    </p:spTree>
+    <p:extLst>
+      <p:ext uri="{BB962C8B-B14F-4D97-AF65-F5344CB8AC3E}">
+        <p14:creationId xmlns:p14="http://schemas.microsoft.com/office/powerpoint/2010/main" val="1163684199"/>
+      </p:ext>
+    </p:extLst>
+  </p:cSld>
+  <p:clrMapOvr>
+    <a:masterClrMapping/>
+  </p:clrMapOvr>
+</p:sld>
+</file>
+
+<file path=ppt/slides/slide36.xml><?xml version="1.0" encoding="utf-8"?>
+<p:sld xmlns:a="http://schemas.openxmlformats.org/drawingml/2006/main" xmlns:r="http://schemas.openxmlformats.org/officeDocument/2006/relationships" xmlns:p="http://schemas.openxmlformats.org/presentationml/2006/main">
+  <p:cSld>
+    <p:spTree>
+      <p:nvGrpSpPr>
+        <p:cNvPr id="1" name=""/>
+        <p:cNvGrpSpPr/>
+        <p:nvPr/>
+      </p:nvGrpSpPr>
+      <p:grpSpPr>
+        <a:xfrm>
+          <a:off x="0" y="0"/>
+          <a:ext cx="0" cy="0"/>
+          <a:chOff x="0" y="0"/>
+          <a:chExt cx="0" cy="0"/>
+        </a:xfrm>
+      </p:grpSpPr>
+      <p:sp>
+        <p:nvSpPr>
+          <p:cNvPr id="2" name="タイトル 1">
+            <a:extLst>
+              <a:ext uri="{FF2B5EF4-FFF2-40B4-BE49-F238E27FC236}">
+                <a16:creationId xmlns:a16="http://schemas.microsoft.com/office/drawing/2014/main" id="{BC95196A-E16C-478F-9DAF-09C9505D674D}"/>
+              </a:ext>
+            </a:extLst>
+          </p:cNvPr>
+          <p:cNvSpPr>
+            <a:spLocks noGrp="1"/>
+          </p:cNvSpPr>
+          <p:nvPr>
+            <p:ph type="title"/>
+          </p:nvPr>
+        </p:nvSpPr>
+        <p:spPr/>
+        <p:txBody>
+          <a:bodyPr/>
+          <a:lstStyle/>
+          <a:p>
+            <a:r>
+              <a:rPr kumimoji="1" lang="en-US" altLang="ja-JP" dirty="0"/>
+              <a:t>Vertex cover</a:t>
+            </a:r>
+            <a:endParaRPr kumimoji="1" lang="ja-JP" altLang="en-US" dirty="0"/>
+          </a:p>
+        </p:txBody>
+      </p:sp>
+      <mc:AlternateContent xmlns:mc="http://schemas.openxmlformats.org/markup-compatibility/2006">
+        <mc:Choice xmlns:a14="http://schemas.microsoft.com/office/drawing/2010/main" Requires="a14">
+          <p:sp>
+            <p:nvSpPr>
+              <p:cNvPr id="3" name="コンテンツ プレースホルダー 2">
+                <a:extLst>
+                  <a:ext uri="{FF2B5EF4-FFF2-40B4-BE49-F238E27FC236}">
+                    <a16:creationId xmlns:a16="http://schemas.microsoft.com/office/drawing/2014/main" id="{10C823E6-0063-44C4-BCCE-756F0ABBC85A}"/>
+                  </a:ext>
+                </a:extLst>
+              </p:cNvPr>
+              <p:cNvSpPr>
+                <a:spLocks noGrp="1"/>
+              </p:cNvSpPr>
+              <p:nvPr>
+                <p:ph sz="quarter" idx="1"/>
+              </p:nvPr>
+            </p:nvSpPr>
+            <p:spPr/>
+            <p:txBody>
+              <a:bodyPr/>
+              <a:lstStyle/>
+              <a:p>
+                <a:r>
+                  <a:rPr kumimoji="1" lang="ja-JP" altLang="en-US" dirty="0"/>
+                  <a:t>下界以外にもう一つ求まることがある</a:t>
+                </a:r>
+                <a:endParaRPr kumimoji="1" lang="en-US" altLang="ja-JP" dirty="0"/>
+              </a:p>
+              <a:p>
+                <a:r>
+                  <a:rPr lang="ja-JP" altLang="en-US" dirty="0"/>
+                  <a:t>準備</a:t>
+                </a:r>
+                <a:endParaRPr lang="en-US" altLang="ja-JP" dirty="0"/>
+              </a:p>
+              <a:p>
+                <a:pPr lvl="1"/>
+                <a14:m>
+                  <m:oMath xmlns:m="http://schemas.openxmlformats.org/officeDocument/2006/math">
+                    <m:r>
+                      <a:rPr kumimoji="1" lang="en-US" altLang="ja-JP" b="0" i="1" smtClean="0">
+                        <a:latin typeface="Cambria Math" panose="02040503050406030204" pitchFamily="18" charset="0"/>
+                      </a:rPr>
+                      <m:t>𝑆</m:t>
+                    </m:r>
+                  </m:oMath>
+                </a14:m>
+                <a:r>
+                  <a:rPr kumimoji="1" lang="ja-JP" altLang="en-US" dirty="0"/>
+                  <a:t>を</a:t>
+                </a:r>
+                <a:r>
+                  <a:rPr kumimoji="1" lang="en-US" altLang="ja-JP" dirty="0"/>
+                  <a:t>”</a:t>
+                </a:r>
+                <a:r>
+                  <a:rPr kumimoji="1" lang="ja-JP" altLang="en-US" dirty="0"/>
+                  <a:t>極大マッチング</a:t>
+                </a:r>
+                <a14:m>
+                  <m:oMath xmlns:m="http://schemas.openxmlformats.org/officeDocument/2006/math">
+                    <m:r>
+                      <a:rPr kumimoji="1" lang="en-US" altLang="ja-JP" b="0" i="1" smtClean="0">
+                        <a:latin typeface="Cambria Math" panose="02040503050406030204" pitchFamily="18" charset="0"/>
+                      </a:rPr>
+                      <m:t>𝑀</m:t>
+                    </m:r>
+                    <m:r>
+                      <a:rPr lang="ja-JP" altLang="en-US" i="1">
+                        <a:latin typeface="Cambria Math" panose="02040503050406030204" pitchFamily="18" charset="0"/>
+                      </a:rPr>
+                      <m:t>で</m:t>
+                    </m:r>
+                    <m:r>
+                      <a:rPr lang="ja-JP" altLang="en-US" i="1" smtClean="0">
+                        <a:latin typeface="Cambria Math" panose="02040503050406030204" pitchFamily="18" charset="0"/>
+                      </a:rPr>
+                      <m:t>選</m:t>
+                    </m:r>
+                    <m:r>
+                      <a:rPr kumimoji="1" lang="ja-JP" altLang="en-US" i="1" dirty="0" smtClean="0">
+                        <a:latin typeface="Cambria Math" panose="02040503050406030204" pitchFamily="18" charset="0"/>
+                      </a:rPr>
+                      <m:t>ばれた</m:t>
+                    </m:r>
+                  </m:oMath>
+                </a14:m>
+                <a:r>
+                  <a:rPr kumimoji="1" lang="ja-JP" altLang="en-US" dirty="0"/>
+                  <a:t>辺</a:t>
+                </a:r>
+                <a:r>
+                  <a:rPr kumimoji="1" lang="en-US" altLang="ja-JP" dirty="0"/>
+                  <a:t>”</a:t>
+                </a:r>
+                <a:r>
+                  <a:rPr kumimoji="1" lang="ja-JP" altLang="en-US" dirty="0"/>
+                  <a:t>の両端の頂点集合</a:t>
+                </a:r>
+                <a:endParaRPr lang="en-US" altLang="ja-JP" dirty="0"/>
+              </a:p>
+              <a:p>
+                <a:r>
+                  <a:rPr kumimoji="1" lang="ja-JP" altLang="en-US" dirty="0"/>
+                  <a:t>このとき、</a:t>
+                </a:r>
+                <a14:m>
+                  <m:oMath xmlns:m="http://schemas.openxmlformats.org/officeDocument/2006/math">
+                    <m:r>
+                      <a:rPr kumimoji="1" lang="en-US" altLang="ja-JP" b="0" i="1" smtClean="0">
+                        <a:latin typeface="Cambria Math" panose="02040503050406030204" pitchFamily="18" charset="0"/>
+                      </a:rPr>
+                      <m:t>𝑆</m:t>
+                    </m:r>
+                  </m:oMath>
+                </a14:m>
+                <a:r>
+                  <a:rPr kumimoji="1" lang="ja-JP" altLang="en-US" dirty="0"/>
+                  <a:t>は</a:t>
+                </a:r>
+                <a:r>
+                  <a:rPr kumimoji="1" lang="en-US" altLang="ja-JP" dirty="0"/>
+                  <a:t>vertex cover</a:t>
+                </a:r>
+              </a:p>
+              <a:p>
+                <a:pPr lvl="1"/>
+                <a:r>
+                  <a:rPr kumimoji="1" lang="ja-JP" altLang="en-US" dirty="0"/>
+                  <a:t>もし</a:t>
+                </a:r>
+                <a:r>
+                  <a:rPr kumimoji="1" lang="en-US" altLang="ja-JP" dirty="0"/>
+                  <a:t>vertex cover</a:t>
+                </a:r>
+                <a:r>
+                  <a:rPr kumimoji="1" lang="ja-JP" altLang="en-US" dirty="0"/>
+                  <a:t>じゃないとしたら、</a:t>
+                </a:r>
+                <a14:m>
+                  <m:oMath xmlns:m="http://schemas.openxmlformats.org/officeDocument/2006/math">
+                    <m:r>
+                      <a:rPr kumimoji="1" lang="en-US" altLang="ja-JP" b="0" i="1" smtClean="0">
+                        <a:latin typeface="Cambria Math" panose="02040503050406030204" pitchFamily="18" charset="0"/>
+                      </a:rPr>
+                      <m:t>𝑆</m:t>
+                    </m:r>
+                  </m:oMath>
+                </a14:m>
+                <a:r>
+                  <a:rPr kumimoji="1" lang="ja-JP" altLang="en-US" dirty="0"/>
+                  <a:t>で接していない辺があるはず</a:t>
+                </a:r>
+                <a:endParaRPr kumimoji="1" lang="en-US" altLang="ja-JP" dirty="0"/>
+              </a:p>
+              <a:p>
+                <a:pPr lvl="1"/>
+                <a:r>
+                  <a:rPr lang="ja-JP" altLang="en-US" dirty="0"/>
+                  <a:t>これは</a:t>
+                </a:r>
+                <a14:m>
+                  <m:oMath xmlns:m="http://schemas.openxmlformats.org/officeDocument/2006/math">
+                    <m:r>
+                      <a:rPr lang="en-US" altLang="ja-JP" b="0" i="1" smtClean="0">
+                        <a:latin typeface="Cambria Math" panose="02040503050406030204" pitchFamily="18" charset="0"/>
+                      </a:rPr>
+                      <m:t>𝑀</m:t>
+                    </m:r>
+                  </m:oMath>
+                </a14:m>
+                <a:r>
+                  <a:rPr kumimoji="1" lang="ja-JP" altLang="en-US" dirty="0"/>
+                  <a:t>にその辺を加えることが出来るはずなので、極大マッチングではない</a:t>
+                </a:r>
+                <a:endParaRPr kumimoji="1" lang="en-US" altLang="ja-JP" dirty="0"/>
+              </a:p>
+              <a:p>
+                <a14:m>
+                  <m:oMath xmlns:m="http://schemas.openxmlformats.org/officeDocument/2006/math">
+                    <m:r>
+                      <a:rPr kumimoji="1" lang="en-US" altLang="ja-JP" b="0" i="1" smtClean="0">
+                        <a:latin typeface="Cambria Math" panose="02040503050406030204" pitchFamily="18" charset="0"/>
+                      </a:rPr>
+                      <m:t>𝑆</m:t>
+                    </m:r>
+                    <m:r>
+                      <a:rPr lang="ja-JP" altLang="en-US" i="1">
+                        <a:latin typeface="Cambria Math" panose="02040503050406030204" pitchFamily="18" charset="0"/>
+                      </a:rPr>
+                      <m:t>の</m:t>
+                    </m:r>
+                    <m:r>
+                      <a:rPr lang="ja-JP" altLang="en-US" i="1" smtClean="0">
+                        <a:latin typeface="Cambria Math" panose="02040503050406030204" pitchFamily="18" charset="0"/>
+                      </a:rPr>
+                      <m:t>サイズ</m:t>
+                    </m:r>
+                    <m:r>
+                      <a:rPr lang="ja-JP" altLang="en-US" i="1">
+                        <a:latin typeface="Cambria Math" panose="02040503050406030204" pitchFamily="18" charset="0"/>
+                      </a:rPr>
+                      <m:t>は</m:t>
+                    </m:r>
+                    <m:r>
+                      <a:rPr lang="en-US" altLang="ja-JP" b="0" i="1" smtClean="0">
+                        <a:latin typeface="Cambria Math" panose="02040503050406030204" pitchFamily="18" charset="0"/>
+                      </a:rPr>
+                      <m:t>2</m:t>
+                    </m:r>
+                    <m:d>
+                      <m:dPr>
+                        <m:begChr m:val="|"/>
+                        <m:endChr m:val="|"/>
+                        <m:ctrlPr>
+                          <a:rPr lang="en-US" altLang="ja-JP" i="1" smtClean="0">
+                            <a:latin typeface="Cambria Math" panose="02040503050406030204" pitchFamily="18" charset="0"/>
+                          </a:rPr>
+                        </m:ctrlPr>
+                      </m:dPr>
+                      <m:e>
+                        <m:r>
+                          <a:rPr lang="en-US" altLang="ja-JP" b="0" i="1" smtClean="0">
+                            <a:latin typeface="Cambria Math" panose="02040503050406030204" pitchFamily="18" charset="0"/>
+                          </a:rPr>
+                          <m:t>𝑀</m:t>
+                        </m:r>
+                      </m:e>
+                    </m:d>
+                  </m:oMath>
+                </a14:m>
+                <a:endParaRPr kumimoji="1" lang="en-US" altLang="ja-JP" dirty="0"/>
+              </a:p>
+              <a:p>
+                <a:pPr lvl="1"/>
+                <a:endParaRPr kumimoji="1" lang="en-US" altLang="ja-JP" dirty="0"/>
+              </a:p>
+              <a:p>
+                <a:pPr lvl="1"/>
+                <a:endParaRPr kumimoji="1" lang="ja-JP" altLang="en-US" dirty="0"/>
+              </a:p>
+            </p:txBody>
+          </p:sp>
+        </mc:Choice>
+        <mc:Fallback>
+          <p:sp>
+            <p:nvSpPr>
+              <p:cNvPr id="3" name="コンテンツ プレースホルダー 2">
+                <a:extLst>
+                  <a:ext uri="{FF2B5EF4-FFF2-40B4-BE49-F238E27FC236}">
+                    <a16:creationId xmlns:a16="http://schemas.microsoft.com/office/drawing/2014/main" id="{10C823E6-0063-44C4-BCCE-756F0ABBC85A}"/>
+                  </a:ext>
+                </a:extLst>
+              </p:cNvPr>
+              <p:cNvSpPr>
+                <a:spLocks noGrp="1" noRot="1" noChangeAspect="1" noMove="1" noResize="1" noEditPoints="1" noAdjustHandles="1" noChangeArrowheads="1" noChangeShapeType="1" noTextEdit="1"/>
+              </p:cNvSpPr>
+              <p:nvPr>
+                <p:ph sz="quarter" idx="1"/>
+              </p:nvPr>
+            </p:nvSpPr>
+            <p:spPr>
+              <a:blipFill>
+                <a:blip r:embed="rId2"/>
+                <a:stretch>
+                  <a:fillRect l="-139" t="-928" r="-208"/>
+                </a:stretch>
+              </a:blipFill>
+            </p:spPr>
+            <p:txBody>
+              <a:bodyPr/>
+              <a:lstStyle/>
+              <a:p>
+                <a:r>
+                  <a:rPr lang="ja-JP" altLang="en-US">
+                    <a:noFill/>
+                  </a:rPr>
+                  <a:t> </a:t>
+                </a:r>
+              </a:p>
+            </p:txBody>
+          </p:sp>
+        </mc:Fallback>
+      </mc:AlternateContent>
+    </p:spTree>
+    <p:extLst>
+      <p:ext uri="{BB962C8B-B14F-4D97-AF65-F5344CB8AC3E}">
+        <p14:creationId xmlns:p14="http://schemas.microsoft.com/office/powerpoint/2010/main" val="3434135490"/>
+      </p:ext>
+    </p:extLst>
+  </p:cSld>
+  <p:clrMapOvr>
+    <a:masterClrMapping/>
+  </p:clrMapOvr>
+</p:sld>
+</file>
+
+<file path=ppt/slides/slide37.xml><?xml version="1.0" encoding="utf-8"?>
+<p:sld xmlns:a="http://schemas.openxmlformats.org/drawingml/2006/main" xmlns:r="http://schemas.openxmlformats.org/officeDocument/2006/relationships" xmlns:p="http://schemas.openxmlformats.org/presentationml/2006/main">
+  <p:cSld>
+    <p:spTree>
+      <p:nvGrpSpPr>
+        <p:cNvPr id="1" name=""/>
+        <p:cNvGrpSpPr/>
+        <p:nvPr/>
+      </p:nvGrpSpPr>
+      <p:grpSpPr>
+        <a:xfrm>
+          <a:off x="0" y="0"/>
+          <a:ext cx="0" cy="0"/>
+          <a:chOff x="0" y="0"/>
+          <a:chExt cx="0" cy="0"/>
+        </a:xfrm>
+      </p:grpSpPr>
+      <p:sp>
+        <p:nvSpPr>
+          <p:cNvPr id="2" name="タイトル 1">
+            <a:extLst>
+              <a:ext uri="{FF2B5EF4-FFF2-40B4-BE49-F238E27FC236}">
+                <a16:creationId xmlns:a16="http://schemas.microsoft.com/office/drawing/2014/main" id="{32F7C69B-3FE6-42E4-8B4B-3E0E44931AE2}"/>
+              </a:ext>
+            </a:extLst>
+          </p:cNvPr>
+          <p:cNvSpPr>
+            <a:spLocks noGrp="1"/>
+          </p:cNvSpPr>
+          <p:nvPr>
+            <p:ph type="title"/>
+          </p:nvPr>
+        </p:nvSpPr>
+        <p:spPr/>
+        <p:txBody>
+          <a:bodyPr/>
+          <a:lstStyle/>
+          <a:p>
+            <a:r>
+              <a:rPr kumimoji="1" lang="en-US" altLang="ja-JP" dirty="0"/>
+              <a:t>Vertex cover</a:t>
+            </a:r>
+            <a:endParaRPr kumimoji="1" lang="ja-JP" altLang="en-US" dirty="0"/>
+          </a:p>
+        </p:txBody>
+      </p:sp>
+      <mc:AlternateContent xmlns:mc="http://schemas.openxmlformats.org/markup-compatibility/2006">
+        <mc:Choice xmlns:a14="http://schemas.microsoft.com/office/drawing/2010/main" Requires="a14">
+          <p:sp>
+            <p:nvSpPr>
+              <p:cNvPr id="6" name="コンテンツ プレースホルダー 5">
+                <a:extLst>
+                  <a:ext uri="{FF2B5EF4-FFF2-40B4-BE49-F238E27FC236}">
+                    <a16:creationId xmlns:a16="http://schemas.microsoft.com/office/drawing/2014/main" id="{EF318EA9-2845-4B05-BADE-92033C3DF422}"/>
+                  </a:ext>
+                </a:extLst>
+              </p:cNvPr>
+              <p:cNvSpPr>
+                <a:spLocks noGrp="1"/>
+              </p:cNvSpPr>
+              <p:nvPr>
+                <p:ph sz="quarter" idx="1"/>
+              </p:nvPr>
+            </p:nvSpPr>
+            <p:spPr/>
+            <p:txBody>
+              <a:bodyPr/>
+              <a:lstStyle/>
+              <a:p>
+                <a:r>
+                  <a:rPr kumimoji="1" lang="ja-JP" altLang="en-US" dirty="0"/>
+                  <a:t>近似アルゴリズムは以下のようになる</a:t>
+                </a:r>
+                <a:endParaRPr kumimoji="1" lang="en-US" altLang="ja-JP" dirty="0"/>
+              </a:p>
+              <a:p>
+                <a:endParaRPr kumimoji="1" lang="en-US" altLang="ja-JP" dirty="0"/>
+              </a:p>
+              <a:p>
+                <a:r>
+                  <a:rPr lang="ja-JP" altLang="en-US" dirty="0"/>
+                  <a:t>この近似アルゴリズムの近似性能は最大で</a:t>
+                </a:r>
+                <a:r>
+                  <a:rPr lang="en-US" altLang="ja-JP" dirty="0"/>
+                  <a:t>2</a:t>
+                </a:r>
+              </a:p>
+              <a:p>
+                <a:pPr lvl="1"/>
+                <a:r>
+                  <a:rPr lang="ja-JP" altLang="en-US" dirty="0"/>
+                  <a:t>最悪の場合、</a:t>
+                </a:r>
+                <a:r>
+                  <a:rPr lang="en-US" altLang="ja-JP" dirty="0"/>
+                  <a:t>vertex cover</a:t>
+                </a:r>
+                <a:r>
+                  <a:rPr lang="ja-JP" altLang="en-US" dirty="0"/>
+                  <a:t>の最適解の頂点の個数は</a:t>
+                </a:r>
+                <a14:m>
+                  <m:oMath xmlns:m="http://schemas.openxmlformats.org/officeDocument/2006/math">
+                    <m:d>
+                      <m:dPr>
+                        <m:begChr m:val="|"/>
+                        <m:endChr m:val="|"/>
+                        <m:ctrlPr>
+                          <a:rPr lang="en-US" altLang="ja-JP" i="1" smtClean="0">
+                            <a:latin typeface="Cambria Math" panose="02040503050406030204" pitchFamily="18" charset="0"/>
+                          </a:rPr>
+                        </m:ctrlPr>
+                      </m:dPr>
+                      <m:e>
+                        <m:r>
+                          <a:rPr lang="en-US" altLang="ja-JP" b="0" i="1" smtClean="0">
+                            <a:latin typeface="Cambria Math" panose="02040503050406030204" pitchFamily="18" charset="0"/>
+                          </a:rPr>
+                          <m:t>𝑀</m:t>
+                        </m:r>
+                      </m:e>
+                    </m:d>
+                  </m:oMath>
+                </a14:m>
+                <a:r>
+                  <a:rPr lang="ja-JP" altLang="en-US" dirty="0"/>
+                  <a:t>でそれに対してこのアルゴリズムは</a:t>
+                </a:r>
+                <a14:m>
+                  <m:oMath xmlns:m="http://schemas.openxmlformats.org/officeDocument/2006/math">
+                    <m:r>
+                      <a:rPr lang="en-US" altLang="ja-JP" b="0" i="0" smtClean="0">
+                        <a:latin typeface="Cambria Math" panose="02040503050406030204" pitchFamily="18" charset="0"/>
+                      </a:rPr>
+                      <m:t>2</m:t>
+                    </m:r>
+                    <m:d>
+                      <m:dPr>
+                        <m:begChr m:val="|"/>
+                        <m:endChr m:val="|"/>
+                        <m:ctrlPr>
+                          <a:rPr lang="en-US" altLang="ja-JP" i="1" smtClean="0">
+                            <a:latin typeface="Cambria Math" panose="02040503050406030204" pitchFamily="18" charset="0"/>
+                          </a:rPr>
+                        </m:ctrlPr>
+                      </m:dPr>
+                      <m:e>
+                        <m:r>
+                          <a:rPr lang="en-US" altLang="ja-JP" b="0" i="1" smtClean="0">
+                            <a:latin typeface="Cambria Math" panose="02040503050406030204" pitchFamily="18" charset="0"/>
+                          </a:rPr>
+                          <m:t>𝑀</m:t>
+                        </m:r>
+                      </m:e>
+                    </m:d>
+                  </m:oMath>
+                </a14:m>
+                <a:r>
+                  <a:rPr lang="ja-JP" altLang="en-US" dirty="0"/>
+                  <a:t>個の頂点集合を</a:t>
+                </a:r>
+                <a:br>
+                  <a:rPr lang="en-US" altLang="ja-JP" dirty="0"/>
+                </a:br>
+                <a:r>
+                  <a:rPr lang="ja-JP" altLang="en-US" dirty="0"/>
+                  <a:t>出力するから</a:t>
+                </a:r>
+                <a:endParaRPr lang="en-US" altLang="ja-JP" dirty="0"/>
+              </a:p>
+            </p:txBody>
+          </p:sp>
+        </mc:Choice>
+        <mc:Fallback>
+          <p:sp>
+            <p:nvSpPr>
+              <p:cNvPr id="6" name="コンテンツ プレースホルダー 5">
+                <a:extLst>
+                  <a:ext uri="{FF2B5EF4-FFF2-40B4-BE49-F238E27FC236}">
+                    <a16:creationId xmlns:a16="http://schemas.microsoft.com/office/drawing/2014/main" id="{EF318EA9-2845-4B05-BADE-92033C3DF422}"/>
+                  </a:ext>
+                </a:extLst>
+              </p:cNvPr>
+              <p:cNvSpPr>
+                <a:spLocks noGrp="1" noRot="1" noChangeAspect="1" noMove="1" noResize="1" noEditPoints="1" noAdjustHandles="1" noChangeArrowheads="1" noChangeShapeType="1" noTextEdit="1"/>
+              </p:cNvSpPr>
+              <p:nvPr>
+                <p:ph sz="quarter" idx="1"/>
+              </p:nvPr>
+            </p:nvSpPr>
+            <p:spPr>
+              <a:blipFill>
+                <a:blip r:embed="rId2"/>
+                <a:stretch>
+                  <a:fillRect l="-139" t="-928"/>
+                </a:stretch>
+              </a:blipFill>
+            </p:spPr>
+            <p:txBody>
+              <a:bodyPr/>
+              <a:lstStyle/>
+              <a:p>
+                <a:r>
+                  <a:rPr lang="ja-JP" altLang="en-US">
+                    <a:noFill/>
+                  </a:rPr>
+                  <a:t> </a:t>
+                </a:r>
+              </a:p>
+            </p:txBody>
+          </p:sp>
+        </mc:Fallback>
+      </mc:AlternateContent>
+      <p:pic>
+        <p:nvPicPr>
+          <p:cNvPr id="8" name="図 7">
+            <a:extLst>
+              <a:ext uri="{FF2B5EF4-FFF2-40B4-BE49-F238E27FC236}">
+                <a16:creationId xmlns:a16="http://schemas.microsoft.com/office/drawing/2014/main" id="{AE48922D-B5D3-4B1C-9F28-66EE63517F87}"/>
+              </a:ext>
+            </a:extLst>
+          </p:cNvPr>
+          <p:cNvPicPr>
+            <a:picLocks noChangeAspect="1"/>
+          </p:cNvPicPr>
+          <p:nvPr/>
+        </p:nvPicPr>
+        <p:blipFill rotWithShape="1">
+          <a:blip r:embed="rId3">
+            <a:extLst>
+              <a:ext uri="{28A0092B-C50C-407E-A947-70E740481C1C}">
+                <a14:useLocalDpi xmlns:a14="http://schemas.microsoft.com/office/drawing/2010/main" val="0"/>
+              </a:ext>
+            </a:extLst>
+          </a:blip>
+          <a:srcRect l="14839" t="51386" r="13333" b="35042"/>
+          <a:stretch/>
+        </p:blipFill>
+        <p:spPr>
+          <a:xfrm>
+            <a:off x="609601" y="1651819"/>
+            <a:ext cx="6567948" cy="698090"/>
+          </a:xfrm>
+          <a:prstGeom prst="rect">
+            <a:avLst/>
+          </a:prstGeom>
+        </p:spPr>
+      </p:pic>
+    </p:spTree>
+    <p:extLst>
+      <p:ext uri="{BB962C8B-B14F-4D97-AF65-F5344CB8AC3E}">
+        <p14:creationId xmlns:p14="http://schemas.microsoft.com/office/powerpoint/2010/main" val="4186823780"/>
+      </p:ext>
+    </p:extLst>
+  </p:cSld>
+  <p:clrMapOvr>
+    <a:masterClrMapping/>
+  </p:clrMapOvr>
+</p:sld>
+</file>
+
+<file path=ppt/slides/slide38.xml><?xml version="1.0" encoding="utf-8"?>
+<p:sld xmlns:a="http://schemas.openxmlformats.org/drawingml/2006/main" xmlns:r="http://schemas.openxmlformats.org/officeDocument/2006/relationships" xmlns:p="http://schemas.openxmlformats.org/presentationml/2006/main">
+  <p:cSld>
+    <p:spTree>
+      <p:nvGrpSpPr>
+        <p:cNvPr id="1" name=""/>
+        <p:cNvGrpSpPr/>
+        <p:nvPr/>
+      </p:nvGrpSpPr>
+      <p:grpSpPr>
+        <a:xfrm>
+          <a:off x="0" y="0"/>
+          <a:ext cx="0" cy="0"/>
+          <a:chOff x="0" y="0"/>
+          <a:chExt cx="0" cy="0"/>
+        </a:xfrm>
+      </p:grpSpPr>
+      <p:sp>
+        <p:nvSpPr>
+          <p:cNvPr id="2" name="タイトル 1">
+            <a:extLst>
+              <a:ext uri="{FF2B5EF4-FFF2-40B4-BE49-F238E27FC236}">
+                <a16:creationId xmlns:a16="http://schemas.microsoft.com/office/drawing/2014/main" id="{B275C896-FC10-40A1-BD85-FBDBDB4CADE9}"/>
+              </a:ext>
+            </a:extLst>
+          </p:cNvPr>
+          <p:cNvSpPr>
+            <a:spLocks noGrp="1"/>
+          </p:cNvSpPr>
+          <p:nvPr>
+            <p:ph type="title"/>
+          </p:nvPr>
+        </p:nvSpPr>
+        <p:spPr/>
+        <p:txBody>
+          <a:bodyPr/>
+          <a:lstStyle/>
+          <a:p>
+            <a:r>
+              <a:rPr kumimoji="1" lang="en-US" altLang="ja-JP" dirty="0"/>
+              <a:t>Vertex cover</a:t>
+            </a:r>
+            <a:endParaRPr kumimoji="1" lang="ja-JP" altLang="en-US" dirty="0"/>
+          </a:p>
+        </p:txBody>
+      </p:sp>
+      <mc:AlternateContent xmlns:mc="http://schemas.openxmlformats.org/markup-compatibility/2006">
+        <mc:Choice xmlns:a14="http://schemas.microsoft.com/office/drawing/2010/main" Requires="a14">
+          <p:sp>
+            <p:nvSpPr>
+              <p:cNvPr id="3" name="コンテンツ プレースホルダー 2">
+                <a:extLst>
+                  <a:ext uri="{FF2B5EF4-FFF2-40B4-BE49-F238E27FC236}">
+                    <a16:creationId xmlns:a16="http://schemas.microsoft.com/office/drawing/2014/main" id="{6A2F21EC-1159-4860-B634-632F08A83E05}"/>
+                  </a:ext>
+                </a:extLst>
+              </p:cNvPr>
+              <p:cNvSpPr>
+                <a:spLocks noGrp="1"/>
+              </p:cNvSpPr>
+              <p:nvPr>
+                <p:ph sz="quarter" idx="1"/>
+              </p:nvPr>
+            </p:nvSpPr>
+            <p:spPr/>
+            <p:txBody>
+              <a:bodyPr/>
+              <a:lstStyle/>
+              <a:p>
+                <a:r>
+                  <a:rPr lang="en-US" altLang="ja-JP" dirty="0"/>
+                  <a:t>vertex</a:t>
+                </a:r>
+                <a:r>
+                  <a:rPr lang="ja-JP" altLang="en-US" dirty="0"/>
+                  <a:t> </a:t>
+                </a:r>
+                <a:r>
+                  <a:rPr lang="en-US" altLang="ja-JP" dirty="0"/>
+                  <a:t>cover</a:t>
+                </a:r>
+                <a:r>
+                  <a:rPr lang="ja-JP" altLang="en-US" dirty="0"/>
+                  <a:t>の最適解を見つけることは出来ないが、極大マッチングという異なる方法によって容易に近似解が</a:t>
+                </a:r>
+                <a:br>
+                  <a:rPr lang="en-US" altLang="ja-JP" dirty="0"/>
+                </a:br>
+                <a:r>
+                  <a:rPr lang="ja-JP" altLang="en-US" dirty="0"/>
+                  <a:t>見つかる</a:t>
+                </a:r>
+                <a:endParaRPr lang="en-US" altLang="ja-JP" dirty="0"/>
+              </a:p>
+              <a:p>
+                <a:r>
+                  <a:rPr kumimoji="1" lang="ja-JP" altLang="en-US" dirty="0"/>
+                  <a:t>また、</a:t>
+                </a:r>
+                <a:r>
+                  <a:rPr kumimoji="1" lang="en-US" altLang="ja-JP" dirty="0"/>
+                  <a:t>2</a:t>
+                </a:r>
+                <a:r>
+                  <a:rPr kumimoji="1" lang="ja-JP" altLang="en-US" dirty="0" err="1"/>
+                  <a:t>つの</a:t>
+                </a:r>
+                <a:r>
+                  <a:rPr kumimoji="1" lang="ja-JP" altLang="en-US" dirty="0"/>
+                  <a:t>知見を得ることが</a:t>
+                </a:r>
+                <a:r>
+                  <a:rPr lang="ja-JP" altLang="en-US" dirty="0"/>
+                  <a:t>出来る</a:t>
+                </a:r>
+                <a:endParaRPr kumimoji="1" lang="en-US" altLang="ja-JP" dirty="0"/>
+              </a:p>
+              <a:p>
+                <a:pPr marL="822960" lvl="1" indent="-457200">
+                  <a:buFont typeface="+mj-lt"/>
+                  <a:buAutoNum type="arabicPeriod"/>
+                </a:pPr>
+                <a:r>
+                  <a:rPr kumimoji="1" lang="ja-JP" altLang="en-US" dirty="0"/>
+                  <a:t>この近似アルゴリズムは最適解の下界を知らせてくれる</a:t>
+                </a:r>
+                <a:endParaRPr kumimoji="1" lang="en-US" altLang="ja-JP" dirty="0"/>
+              </a:p>
+              <a:p>
+                <a:pPr marL="822960" lvl="1" indent="-457200">
+                  <a:buFont typeface="+mj-lt"/>
+                  <a:buAutoNum type="arabicPeriod"/>
+                </a:pPr>
+                <a:r>
+                  <a:rPr kumimoji="1" lang="en-US" altLang="ja-JP" dirty="0"/>
+                  <a:t>1</a:t>
+                </a:r>
+                <a:r>
+                  <a:rPr kumimoji="1" lang="ja-JP" altLang="en-US" dirty="0"/>
+                  <a:t>を用いて最適解と関係する頂点数の新たな</a:t>
+                </a:r>
+                <a:r>
+                  <a:rPr kumimoji="1" lang="en-US" altLang="ja-JP" dirty="0"/>
+                  <a:t>vertex cover</a:t>
+                </a:r>
+                <a:r>
+                  <a:rPr kumimoji="1" lang="ja-JP" altLang="en-US" dirty="0"/>
+                  <a:t>を構築することに近似アルゴリズムを使える</a:t>
+                </a:r>
+                <a:endParaRPr kumimoji="1" lang="en-US" altLang="ja-JP" dirty="0"/>
+              </a:p>
+              <a:p>
+                <a:pPr marL="502920" indent="-457200"/>
+                <a:r>
+                  <a:rPr lang="ja-JP" altLang="en-US" dirty="0"/>
+                  <a:t>この単純な近似アルゴリズムは</a:t>
+                </a:r>
+                <a14:m>
+                  <m:oMath xmlns:m="http://schemas.openxmlformats.org/officeDocument/2006/math">
+                    <m:sSub>
+                      <m:sSubPr>
+                        <m:ctrlPr>
+                          <a:rPr lang="en-US" altLang="ja-JP" i="1">
+                            <a:latin typeface="Cambria Math" panose="02040503050406030204" pitchFamily="18" charset="0"/>
+                          </a:rPr>
+                        </m:ctrlPr>
+                      </m:sSubPr>
+                      <m:e>
+                        <m:r>
+                          <a:rPr lang="ja-JP" altLang="en-US" i="1">
+                            <a:latin typeface="Cambria Math" panose="02040503050406030204" pitchFamily="18" charset="0"/>
+                          </a:rPr>
+                          <m:t>𝛼</m:t>
+                        </m:r>
+                      </m:e>
+                      <m:sub>
+                        <m:r>
+                          <a:rPr lang="en-US" altLang="ja-JP" i="1">
+                            <a:latin typeface="Cambria Math" panose="02040503050406030204" pitchFamily="18" charset="0"/>
+                          </a:rPr>
+                          <m:t>𝐴</m:t>
+                        </m:r>
+                      </m:sub>
+                    </m:sSub>
+                    <m:r>
+                      <a:rPr lang="en-US" altLang="ja-JP" i="1" smtClean="0">
+                        <a:latin typeface="Cambria Math" panose="02040503050406030204" pitchFamily="18" charset="0"/>
+                        <a:ea typeface="Cambria Math" panose="02040503050406030204" pitchFamily="18" charset="0"/>
+                      </a:rPr>
+                      <m:t>≤</m:t>
+                    </m:r>
+                    <m:r>
+                      <a:rPr lang="en-US" altLang="ja-JP" b="0" i="1" smtClean="0">
+                        <a:latin typeface="Cambria Math" panose="02040503050406030204" pitchFamily="18" charset="0"/>
+                        <a:ea typeface="Cambria Math" panose="02040503050406030204" pitchFamily="18" charset="0"/>
+                      </a:rPr>
+                      <m:t>2</m:t>
+                    </m:r>
+                  </m:oMath>
+                </a14:m>
+                <a:endParaRPr lang="en-US" altLang="ja-JP" b="0" dirty="0">
+                  <a:ea typeface="Cambria Math" panose="02040503050406030204" pitchFamily="18" charset="0"/>
+                </a:endParaRPr>
+              </a:p>
+              <a:p>
+                <a:pPr marL="502920" indent="-457200"/>
+                <a:r>
+                  <a:rPr kumimoji="1" lang="ja-JP" altLang="en-US" dirty="0"/>
+                  <a:t>実際には</a:t>
+                </a:r>
+                <a14:m>
+                  <m:oMath xmlns:m="http://schemas.openxmlformats.org/officeDocument/2006/math">
+                    <m:sSub>
+                      <m:sSubPr>
+                        <m:ctrlPr>
+                          <a:rPr kumimoji="1" lang="en-US" altLang="ja-JP" i="1" smtClean="0">
+                            <a:latin typeface="Cambria Math" panose="02040503050406030204" pitchFamily="18" charset="0"/>
+                          </a:rPr>
+                        </m:ctrlPr>
+                      </m:sSubPr>
+                      <m:e>
+                        <m:r>
+                          <a:rPr kumimoji="1" lang="ja-JP" altLang="en-US" i="1" smtClean="0">
+                            <a:latin typeface="Cambria Math" panose="02040503050406030204" pitchFamily="18" charset="0"/>
+                          </a:rPr>
+                          <m:t>𝛼</m:t>
+                        </m:r>
+                      </m:e>
+                      <m:sub>
+                        <m:r>
+                          <a:rPr kumimoji="1" lang="en-US" altLang="ja-JP" b="0" i="1" smtClean="0">
+                            <a:latin typeface="Cambria Math" panose="02040503050406030204" pitchFamily="18" charset="0"/>
+                          </a:rPr>
+                          <m:t>𝐴</m:t>
+                        </m:r>
+                      </m:sub>
+                    </m:sSub>
+                    <m:r>
+                      <a:rPr kumimoji="1" lang="en-US" altLang="ja-JP" b="0" i="1" smtClean="0">
+                        <a:latin typeface="Cambria Math" panose="02040503050406030204" pitchFamily="18" charset="0"/>
+                      </a:rPr>
+                      <m:t>=2</m:t>
+                    </m:r>
+                    <m:r>
+                      <a:rPr lang="ja-JP" altLang="en-US" i="1">
+                        <a:latin typeface="Cambria Math" panose="02040503050406030204" pitchFamily="18" charset="0"/>
+                      </a:rPr>
+                      <m:t>となる</m:t>
+                    </m:r>
+                  </m:oMath>
+                </a14:m>
+                <a:r>
+                  <a:rPr lang="ja-JP" altLang="en-US" dirty="0"/>
+                  <a:t>グラフを見つけることは困難ではない</a:t>
+                </a:r>
+                <a:endParaRPr lang="en-US" altLang="ja-JP" dirty="0"/>
+              </a:p>
+              <a:p>
+                <a:pPr marL="502920" indent="-457200"/>
+                <a:r>
+                  <a:rPr lang="ja-JP" altLang="en-US" dirty="0"/>
+                  <a:t>従って、</a:t>
+                </a:r>
+                <a:r>
+                  <a:rPr lang="en-US" altLang="ja-JP" dirty="0"/>
+                  <a:t> </a:t>
+                </a:r>
+                <a14:m>
+                  <m:oMath xmlns:m="http://schemas.openxmlformats.org/officeDocument/2006/math">
+                    <m:sSub>
+                      <m:sSubPr>
+                        <m:ctrlPr>
+                          <a:rPr lang="en-US" altLang="ja-JP" i="1">
+                            <a:latin typeface="Cambria Math" panose="02040503050406030204" pitchFamily="18" charset="0"/>
+                          </a:rPr>
+                        </m:ctrlPr>
+                      </m:sSubPr>
+                      <m:e>
+                        <m:r>
+                          <a:rPr lang="ja-JP" altLang="en-US" i="1">
+                            <a:latin typeface="Cambria Math" panose="02040503050406030204" pitchFamily="18" charset="0"/>
+                          </a:rPr>
+                          <m:t>𝛼</m:t>
+                        </m:r>
+                      </m:e>
+                      <m:sub>
+                        <m:r>
+                          <a:rPr lang="en-US" altLang="ja-JP" i="1">
+                            <a:latin typeface="Cambria Math" panose="02040503050406030204" pitchFamily="18" charset="0"/>
+                          </a:rPr>
+                          <m:t>𝐴</m:t>
+                        </m:r>
+                      </m:sub>
+                    </m:sSub>
+                    <m:r>
+                      <a:rPr lang="en-US" altLang="ja-JP" i="1">
+                        <a:latin typeface="Cambria Math" panose="02040503050406030204" pitchFamily="18" charset="0"/>
+                      </a:rPr>
+                      <m:t>=2</m:t>
+                    </m:r>
+                  </m:oMath>
+                </a14:m>
+                <a:endParaRPr lang="en-US" altLang="ja-JP" dirty="0"/>
+              </a:p>
+              <a:p>
+                <a:pPr marL="502920" indent="-457200"/>
+                <a:endParaRPr lang="en-US" altLang="ja-JP" dirty="0">
+                  <a:ea typeface="Cambria Math" panose="02040503050406030204" pitchFamily="18" charset="0"/>
+                </a:endParaRPr>
+              </a:p>
+            </p:txBody>
+          </p:sp>
+        </mc:Choice>
+        <mc:Fallback>
+          <p:sp>
+            <p:nvSpPr>
+              <p:cNvPr id="3" name="コンテンツ プレースホルダー 2">
+                <a:extLst>
+                  <a:ext uri="{FF2B5EF4-FFF2-40B4-BE49-F238E27FC236}">
+                    <a16:creationId xmlns:a16="http://schemas.microsoft.com/office/drawing/2014/main" id="{6A2F21EC-1159-4860-B634-632F08A83E05}"/>
+                  </a:ext>
+                </a:extLst>
+              </p:cNvPr>
+              <p:cNvSpPr>
+                <a:spLocks noGrp="1" noRot="1" noChangeAspect="1" noMove="1" noResize="1" noEditPoints="1" noAdjustHandles="1" noChangeArrowheads="1" noChangeShapeType="1" noTextEdit="1"/>
+              </p:cNvSpPr>
+              <p:nvPr>
+                <p:ph sz="quarter" idx="1"/>
+              </p:nvPr>
+            </p:nvSpPr>
+            <p:spPr>
+              <a:blipFill>
+                <a:blip r:embed="rId3"/>
+                <a:stretch>
+                  <a:fillRect l="-139" t="-928" b="-11137"/>
+                </a:stretch>
+              </a:blipFill>
+            </p:spPr>
+            <p:txBody>
+              <a:bodyPr/>
+              <a:lstStyle/>
+              <a:p>
+                <a:r>
+                  <a:rPr lang="ja-JP" altLang="en-US">
+                    <a:noFill/>
+                  </a:rPr>
+                  <a:t> </a:t>
+                </a:r>
+              </a:p>
+            </p:txBody>
+          </p:sp>
+        </mc:Fallback>
+      </mc:AlternateContent>
+    </p:spTree>
+    <p:extLst>
+      <p:ext uri="{BB962C8B-B14F-4D97-AF65-F5344CB8AC3E}">
+        <p14:creationId xmlns:p14="http://schemas.microsoft.com/office/powerpoint/2010/main" val="763663757"/>
+      </p:ext>
+    </p:extLst>
+  </p:cSld>
+  <p:clrMapOvr>
+    <a:masterClrMapping/>
+  </p:clrMapOvr>
+</p:sld>
+</file>
+
 <file path=ppt/slides/slide4.xml><?xml version="1.0" encoding="utf-8"?>
 <p:sld xmlns:a="http://schemas.openxmlformats.org/drawingml/2006/main" xmlns:r="http://schemas.openxmlformats.org/officeDocument/2006/relationships" xmlns:p="http://schemas.openxmlformats.org/presentationml/2006/main">
   <p:cSld>
@@ -19917,8 +26800,8 @@
           </a:p>
         </p:txBody>
       </p:sp>
-      <mc:AlternateContent xmlns:mc="http://schemas.openxmlformats.org/markup-compatibility/2006">
-        <mc:Choice xmlns:a14="http://schemas.microsoft.com/office/drawing/2010/main" Requires="a14">
+      <mc:AlternateContent xmlns:mc="http://schemas.openxmlformats.org/markup-compatibility/2006" xmlns:a14="http://schemas.microsoft.com/office/drawing/2010/main">
+        <mc:Choice Requires="a14">
           <p:sp>
             <p:nvSpPr>
               <p:cNvPr id="3" name="コンテンツ プレースホルダー 2">
@@ -20358,7 +27241,7 @@
             </p:txBody>
           </p:sp>
         </mc:Choice>
-        <mc:Fallback>
+        <mc:Fallback xmlns="">
           <p:sp>
             <p:nvSpPr>
               <p:cNvPr id="3" name="コンテンツ プレースホルダー 2">
